--- a/poster/poster_rough.pptx
+++ b/poster/poster_rough.pptx
@@ -3087,26 +3087,314 @@
               </a:lnSpc>
             </a:pPr>
             <a:r>
-              <a:rPr lang="en-US" sz="4800" b="1" dirty="0">
+              <a:rPr lang="en-US" altLang="zh-CN" sz="4800" b="1" dirty="0">
                 <a:solidFill>
                   <a:schemeClr val="bg1"/>
                 </a:solidFill>
                 <a:latin typeface="Lato" panose="020F0502020204030203"/>
-                <a:ea typeface="Roboto" panose="02000000000000000000" pitchFamily="2" charset="0"/>
                 <a:cs typeface="Arial" panose="020B0604020202020204" pitchFamily="34" charset="0"/>
               </a:rPr>
-              <a:t>Main finding goes here</a:t>
-            </a:r>
-            <a:r>
-              <a:rPr lang="en-US" sz="4800" dirty="0">
+              <a:t>Using</a:t>
+            </a:r>
+            <a:r>
+              <a:rPr lang="zh-CN" altLang="en-US" sz="4800" b="1" dirty="0">
                 <a:solidFill>
                   <a:schemeClr val="bg1"/>
                 </a:solidFill>
                 <a:latin typeface="Lato" panose="020F0502020204030203"/>
-                <a:ea typeface="Roboto" panose="02000000000000000000" pitchFamily="2" charset="0"/>
                 <a:cs typeface="Arial" panose="020B0604020202020204" pitchFamily="34" charset="0"/>
               </a:rPr>
-              <a:t>, translated into plain English. Emphasize the important words.</a:t>
+              <a:t> </a:t>
+            </a:r>
+            <a:r>
+              <a:rPr lang="en-US" altLang="zh-CN" sz="4800" b="1" dirty="0">
+                <a:solidFill>
+                  <a:schemeClr val="bg1"/>
+                </a:solidFill>
+                <a:latin typeface="Lato" panose="020F0502020204030203"/>
+                <a:cs typeface="Arial" panose="020B0604020202020204" pitchFamily="34" charset="0"/>
+              </a:rPr>
+              <a:t>the</a:t>
+            </a:r>
+            <a:r>
+              <a:rPr lang="zh-CN" altLang="en-US" sz="4800" b="1" dirty="0">
+                <a:solidFill>
+                  <a:schemeClr val="bg1"/>
+                </a:solidFill>
+                <a:latin typeface="Lato" panose="020F0502020204030203"/>
+                <a:cs typeface="Arial" panose="020B0604020202020204" pitchFamily="34" charset="0"/>
+              </a:rPr>
+              <a:t> </a:t>
+            </a:r>
+            <a:r>
+              <a:rPr lang="en-US" altLang="zh-CN" sz="4800" b="1" dirty="0">
+                <a:solidFill>
+                  <a:schemeClr val="bg1"/>
+                </a:solidFill>
+                <a:latin typeface="Lato" panose="020F0502020204030203"/>
+                <a:cs typeface="Arial" panose="020B0604020202020204" pitchFamily="34" charset="0"/>
+              </a:rPr>
+              <a:t>Random</a:t>
+            </a:r>
+            <a:r>
+              <a:rPr lang="zh-CN" altLang="en-US" sz="4800" b="1" dirty="0">
+                <a:solidFill>
+                  <a:schemeClr val="bg1"/>
+                </a:solidFill>
+                <a:latin typeface="Lato" panose="020F0502020204030203"/>
+                <a:cs typeface="Arial" panose="020B0604020202020204" pitchFamily="34" charset="0"/>
+              </a:rPr>
+              <a:t> </a:t>
+            </a:r>
+            <a:r>
+              <a:rPr lang="en-US" altLang="zh-CN" sz="4800" b="1" dirty="0">
+                <a:solidFill>
+                  <a:schemeClr val="bg1"/>
+                </a:solidFill>
+                <a:latin typeface="Lato" panose="020F0502020204030203"/>
+                <a:cs typeface="Arial" panose="020B0604020202020204" pitchFamily="34" charset="0"/>
+              </a:rPr>
+              <a:t>Forest</a:t>
+            </a:r>
+            <a:r>
+              <a:rPr lang="zh-CN" altLang="en-US" sz="4800" b="1" dirty="0">
+                <a:solidFill>
+                  <a:schemeClr val="bg1"/>
+                </a:solidFill>
+                <a:latin typeface="Lato" panose="020F0502020204030203"/>
+                <a:cs typeface="Arial" panose="020B0604020202020204" pitchFamily="34" charset="0"/>
+              </a:rPr>
+              <a:t> </a:t>
+            </a:r>
+            <a:r>
+              <a:rPr lang="en-US" altLang="zh-CN" sz="4800" b="1" dirty="0">
+                <a:solidFill>
+                  <a:schemeClr val="bg1"/>
+                </a:solidFill>
+                <a:latin typeface="Lato" panose="020F0502020204030203"/>
+                <a:cs typeface="Arial" panose="020B0604020202020204" pitchFamily="34" charset="0"/>
+              </a:rPr>
+              <a:t>Classifier,</a:t>
+            </a:r>
+            <a:r>
+              <a:rPr lang="zh-CN" altLang="en-US" sz="4800" b="1" dirty="0">
+                <a:solidFill>
+                  <a:schemeClr val="bg1"/>
+                </a:solidFill>
+                <a:latin typeface="Lato" panose="020F0502020204030203"/>
+                <a:cs typeface="Arial" panose="020B0604020202020204" pitchFamily="34" charset="0"/>
+              </a:rPr>
+              <a:t> </a:t>
+            </a:r>
+            <a:r>
+              <a:rPr lang="en-US" altLang="zh-CN" sz="4800" b="1" dirty="0">
+                <a:solidFill>
+                  <a:schemeClr val="bg1"/>
+                </a:solidFill>
+                <a:latin typeface="Lato" panose="020F0502020204030203"/>
+                <a:cs typeface="Arial" panose="020B0604020202020204" pitchFamily="34" charset="0"/>
+              </a:rPr>
+              <a:t>we</a:t>
+            </a:r>
+            <a:r>
+              <a:rPr lang="zh-CN" altLang="en-US" sz="4800" b="1" dirty="0">
+                <a:solidFill>
+                  <a:schemeClr val="bg1"/>
+                </a:solidFill>
+                <a:latin typeface="Lato" panose="020F0502020204030203"/>
+                <a:cs typeface="Arial" panose="020B0604020202020204" pitchFamily="34" charset="0"/>
+              </a:rPr>
+              <a:t> </a:t>
+            </a:r>
+            <a:r>
+              <a:rPr lang="en-US" altLang="zh-CN" sz="4800" b="1" dirty="0">
+                <a:solidFill>
+                  <a:schemeClr val="bg1"/>
+                </a:solidFill>
+                <a:latin typeface="Lato" panose="020F0502020204030203"/>
+                <a:cs typeface="Arial" panose="020B0604020202020204" pitchFamily="34" charset="0"/>
+              </a:rPr>
+              <a:t>can</a:t>
+            </a:r>
+            <a:r>
+              <a:rPr lang="zh-CN" altLang="en-US" sz="4800" b="1" dirty="0">
+                <a:solidFill>
+                  <a:schemeClr val="bg1"/>
+                </a:solidFill>
+                <a:latin typeface="Lato" panose="020F0502020204030203"/>
+                <a:cs typeface="Arial" panose="020B0604020202020204" pitchFamily="34" charset="0"/>
+              </a:rPr>
+              <a:t> </a:t>
+            </a:r>
+            <a:r>
+              <a:rPr lang="en-US" altLang="zh-CN" sz="4800" b="1" dirty="0">
+                <a:solidFill>
+                  <a:schemeClr val="bg1"/>
+                </a:solidFill>
+                <a:latin typeface="Lato" panose="020F0502020204030203"/>
+                <a:cs typeface="Arial" panose="020B0604020202020204" pitchFamily="34" charset="0"/>
+              </a:rPr>
+              <a:t>distinguish</a:t>
+            </a:r>
+            <a:r>
+              <a:rPr lang="zh-CN" altLang="en-US" sz="4800" b="1" dirty="0">
+                <a:solidFill>
+                  <a:schemeClr val="bg1"/>
+                </a:solidFill>
+                <a:latin typeface="Lato" panose="020F0502020204030203"/>
+                <a:cs typeface="Arial" panose="020B0604020202020204" pitchFamily="34" charset="0"/>
+              </a:rPr>
+              <a:t> </a:t>
+            </a:r>
+            <a:r>
+              <a:rPr lang="en-US" altLang="zh-CN" sz="4800" b="1" dirty="0">
+                <a:solidFill>
+                  <a:schemeClr val="bg1"/>
+                </a:solidFill>
+                <a:latin typeface="Lato" panose="020F0502020204030203"/>
+                <a:cs typeface="Arial" panose="020B0604020202020204" pitchFamily="34" charset="0"/>
+              </a:rPr>
+              <a:t>possible</a:t>
+            </a:r>
+            <a:r>
+              <a:rPr lang="zh-CN" altLang="en-US" sz="4800" b="1" dirty="0">
+                <a:solidFill>
+                  <a:schemeClr val="bg1"/>
+                </a:solidFill>
+                <a:latin typeface="Lato" panose="020F0502020204030203"/>
+                <a:cs typeface="Arial" panose="020B0604020202020204" pitchFamily="34" charset="0"/>
+              </a:rPr>
+              <a:t> </a:t>
+            </a:r>
+            <a:r>
+              <a:rPr lang="en-US" altLang="zh-CN" sz="4800" b="1" dirty="0">
+                <a:solidFill>
+                  <a:schemeClr val="bg1"/>
+                </a:solidFill>
+                <a:latin typeface="Lato" panose="020F0502020204030203"/>
+                <a:cs typeface="Arial" panose="020B0604020202020204" pitchFamily="34" charset="0"/>
+              </a:rPr>
+              <a:t>quasars</a:t>
+            </a:r>
+            <a:r>
+              <a:rPr lang="zh-CN" altLang="en-US" sz="4800" b="1" dirty="0">
+                <a:solidFill>
+                  <a:schemeClr val="bg1"/>
+                </a:solidFill>
+                <a:latin typeface="Lato" panose="020F0502020204030203"/>
+                <a:cs typeface="Arial" panose="020B0604020202020204" pitchFamily="34" charset="0"/>
+              </a:rPr>
+              <a:t> </a:t>
+            </a:r>
+            <a:r>
+              <a:rPr lang="en-US" altLang="zh-CN" sz="4800" b="1" dirty="0">
+                <a:solidFill>
+                  <a:schemeClr val="bg1"/>
+                </a:solidFill>
+                <a:latin typeface="Lato" panose="020F0502020204030203"/>
+                <a:cs typeface="Arial" panose="020B0604020202020204" pitchFamily="34" charset="0"/>
+              </a:rPr>
+              <a:t>from</a:t>
+            </a:r>
+            <a:r>
+              <a:rPr lang="zh-CN" altLang="en-US" sz="4800" b="1" dirty="0">
+                <a:solidFill>
+                  <a:schemeClr val="bg1"/>
+                </a:solidFill>
+                <a:latin typeface="Lato" panose="020F0502020204030203"/>
+                <a:cs typeface="Arial" panose="020B0604020202020204" pitchFamily="34" charset="0"/>
+              </a:rPr>
+              <a:t> </a:t>
+            </a:r>
+            <a:r>
+              <a:rPr lang="en-US" altLang="zh-CN" sz="4800" b="1" dirty="0">
+                <a:solidFill>
+                  <a:schemeClr val="bg1"/>
+                </a:solidFill>
+                <a:latin typeface="Lato" panose="020F0502020204030203"/>
+                <a:cs typeface="Arial" panose="020B0604020202020204" pitchFamily="34" charset="0"/>
+              </a:rPr>
+              <a:t>stars</a:t>
+            </a:r>
+            <a:r>
+              <a:rPr lang="zh-CN" altLang="en-US" sz="4800" b="1" dirty="0">
+                <a:solidFill>
+                  <a:schemeClr val="bg1"/>
+                </a:solidFill>
+                <a:latin typeface="Lato" panose="020F0502020204030203"/>
+                <a:cs typeface="Arial" panose="020B0604020202020204" pitchFamily="34" charset="0"/>
+              </a:rPr>
+              <a:t> </a:t>
+            </a:r>
+            <a:r>
+              <a:rPr lang="en-US" altLang="zh-CN" sz="4800" b="1" dirty="0">
+                <a:solidFill>
+                  <a:schemeClr val="bg1"/>
+                </a:solidFill>
+                <a:latin typeface="Lato" panose="020F0502020204030203"/>
+                <a:cs typeface="Arial" panose="020B0604020202020204" pitchFamily="34" charset="0"/>
+              </a:rPr>
+              <a:t>with</a:t>
+            </a:r>
+            <a:r>
+              <a:rPr lang="zh-CN" altLang="en-US" sz="4800" b="1" dirty="0">
+                <a:solidFill>
+                  <a:schemeClr val="bg1"/>
+                </a:solidFill>
+                <a:latin typeface="Lato" panose="020F0502020204030203"/>
+                <a:cs typeface="Arial" panose="020B0604020202020204" pitchFamily="34" charset="0"/>
+              </a:rPr>
+              <a:t> </a:t>
+            </a:r>
+            <a:r>
+              <a:rPr lang="en-US" altLang="zh-CN" sz="4800" b="1" dirty="0">
+                <a:solidFill>
+                  <a:schemeClr val="bg1"/>
+                </a:solidFill>
+                <a:latin typeface="Lato" panose="020F0502020204030203"/>
+                <a:cs typeface="Arial" panose="020B0604020202020204" pitchFamily="34" charset="0"/>
+              </a:rPr>
+              <a:t>a</a:t>
+            </a:r>
+            <a:r>
+              <a:rPr lang="zh-CN" altLang="en-US" sz="4800" b="1" dirty="0">
+                <a:solidFill>
+                  <a:schemeClr val="bg1"/>
+                </a:solidFill>
+                <a:latin typeface="Lato" panose="020F0502020204030203"/>
+                <a:cs typeface="Arial" panose="020B0604020202020204" pitchFamily="34" charset="0"/>
+              </a:rPr>
+              <a:t> </a:t>
+            </a:r>
+            <a:r>
+              <a:rPr lang="en-US" altLang="zh-CN" sz="4800" b="1" dirty="0">
+                <a:solidFill>
+                  <a:schemeClr val="bg1"/>
+                </a:solidFill>
+                <a:latin typeface="Lato" panose="020F0502020204030203"/>
+                <a:cs typeface="Arial" panose="020B0604020202020204" pitchFamily="34" charset="0"/>
+              </a:rPr>
+              <a:t>89.83%</a:t>
+            </a:r>
+            <a:r>
+              <a:rPr lang="zh-CN" altLang="en-US" sz="4800" b="1" dirty="0">
+                <a:solidFill>
+                  <a:schemeClr val="bg1"/>
+                </a:solidFill>
+                <a:latin typeface="Lato" panose="020F0502020204030203"/>
+                <a:cs typeface="Arial" panose="020B0604020202020204" pitchFamily="34" charset="0"/>
+              </a:rPr>
+              <a:t> </a:t>
+            </a:r>
+            <a:r>
+              <a:rPr lang="en-US" altLang="zh-CN" sz="4800" b="1" dirty="0">
+                <a:solidFill>
+                  <a:schemeClr val="bg1"/>
+                </a:solidFill>
+                <a:latin typeface="Lato" panose="020F0502020204030203"/>
+                <a:cs typeface="Arial" panose="020B0604020202020204" pitchFamily="34" charset="0"/>
+              </a:rPr>
+              <a:t>accuracy.</a:t>
             </a:r>
             <a:endParaRPr lang="en-US" sz="4800" dirty="0">
               <a:latin typeface="Lato" panose="020F0502020204030203"/>
@@ -3151,50 +3439,197 @@
                 <a:latin typeface="Lato" panose="020F0502020204030203" pitchFamily="34" charset="0"/>
                 <a:cs typeface="Lato" panose="020F0502020204030203" pitchFamily="34" charset="0"/>
               </a:rPr>
-              <a:t>Predict Quasars and Non-Quasars Astronomical objects Using Random Forest Classifier Model</a:t>
-            </a:r>
-          </a:p>
-        </p:txBody>
-      </p:sp>
-      <p:pic>
-        <p:nvPicPr>
-          <p:cNvPr id="27" name="Graphic 26" descr="Bar chart">
-            <a:extLst>
-              <a:ext uri="{FF2B5EF4-FFF2-40B4-BE49-F238E27FC236}">
-                <a16:creationId xmlns:a16="http://schemas.microsoft.com/office/drawing/2014/main" id="{1785775B-7779-463E-9309-8328EBB544ED}"/>
-              </a:ext>
-            </a:extLst>
-          </p:cNvPr>
-          <p:cNvPicPr>
-            <a:picLocks noChangeAspect="1"/>
-          </p:cNvPicPr>
-          <p:nvPr/>
-        </p:nvPicPr>
-        <p:blipFill>
-          <a:blip r:embed="rId2">
-            <a:extLst>
-              <a:ext uri="{28A0092B-C50C-407E-A947-70E740481C1C}">
-                <a14:useLocalDpi xmlns:a14="http://schemas.microsoft.com/office/drawing/2010/main"/>
-              </a:ext>
-              <a:ext uri="{96DAC541-7B7A-43D3-8B79-37D633B846F1}">
-                <asvg:svgBlip xmlns:asvg="http://schemas.microsoft.com/office/drawing/2016/SVG/main" r:embed="rId3"/>
-              </a:ext>
-            </a:extLst>
-          </a:blip>
-          <a:stretch>
-            <a:fillRect/>
-          </a:stretch>
-        </p:blipFill>
-        <p:spPr>
-          <a:xfrm>
-            <a:off x="5954686" y="7327619"/>
-            <a:ext cx="2677816" cy="2677816"/>
-          </a:xfrm>
-          <a:prstGeom prst="rect">
-            <a:avLst/>
-          </a:prstGeom>
-        </p:spPr>
-      </p:pic>
+              <a:t>Using</a:t>
+            </a:r>
+            <a:r>
+              <a:rPr lang="zh-CN" altLang="en-US" sz="2800" b="1" dirty="0">
+                <a:latin typeface="Lato" panose="020F0502020204030203" pitchFamily="34" charset="0"/>
+                <a:cs typeface="Lato" panose="020F0502020204030203" pitchFamily="34" charset="0"/>
+              </a:rPr>
+              <a:t> </a:t>
+            </a:r>
+            <a:r>
+              <a:rPr lang="en-US" altLang="zh-CN" sz="2800" b="1" dirty="0">
+                <a:latin typeface="Lato" panose="020F0502020204030203" pitchFamily="34" charset="0"/>
+                <a:cs typeface="Lato" panose="020F0502020204030203" pitchFamily="34" charset="0"/>
+              </a:rPr>
+              <a:t>Machine</a:t>
+            </a:r>
+            <a:r>
+              <a:rPr lang="zh-CN" altLang="en-US" sz="2800" b="1" dirty="0">
+                <a:latin typeface="Lato" panose="020F0502020204030203" pitchFamily="34" charset="0"/>
+                <a:cs typeface="Lato" panose="020F0502020204030203" pitchFamily="34" charset="0"/>
+              </a:rPr>
+              <a:t> </a:t>
+            </a:r>
+            <a:r>
+              <a:rPr lang="en-US" altLang="zh-CN" sz="2800" b="1" dirty="0">
+                <a:latin typeface="Lato" panose="020F0502020204030203" pitchFamily="34" charset="0"/>
+                <a:cs typeface="Lato" panose="020F0502020204030203" pitchFamily="34" charset="0"/>
+              </a:rPr>
+              <a:t>Learning</a:t>
+            </a:r>
+            <a:r>
+              <a:rPr lang="zh-CN" altLang="en-US" sz="2800" b="1" dirty="0">
+                <a:latin typeface="Lato" panose="020F0502020204030203" pitchFamily="34" charset="0"/>
+                <a:cs typeface="Lato" panose="020F0502020204030203" pitchFamily="34" charset="0"/>
+              </a:rPr>
+              <a:t> </a:t>
+            </a:r>
+            <a:r>
+              <a:rPr lang="en-US" altLang="zh-CN" sz="2800" b="1" dirty="0">
+                <a:latin typeface="Lato" panose="020F0502020204030203" pitchFamily="34" charset="0"/>
+                <a:cs typeface="Lato" panose="020F0502020204030203" pitchFamily="34" charset="0"/>
+              </a:rPr>
+              <a:t>to</a:t>
+            </a:r>
+            <a:r>
+              <a:rPr lang="zh-CN" altLang="en-US" sz="2800" b="1" dirty="0">
+                <a:latin typeface="Lato" panose="020F0502020204030203" pitchFamily="34" charset="0"/>
+                <a:cs typeface="Lato" panose="020F0502020204030203" pitchFamily="34" charset="0"/>
+              </a:rPr>
+              <a:t> </a:t>
+            </a:r>
+            <a:r>
+              <a:rPr lang="en-US" altLang="zh-CN" sz="2800" b="1" dirty="0">
+                <a:latin typeface="Lato" panose="020F0502020204030203" pitchFamily="34" charset="0"/>
+                <a:cs typeface="Lato" panose="020F0502020204030203" pitchFamily="34" charset="0"/>
+              </a:rPr>
+              <a:t>Improve</a:t>
+            </a:r>
+            <a:r>
+              <a:rPr lang="zh-CN" altLang="en-US" sz="2800" b="1" dirty="0">
+                <a:latin typeface="Lato" panose="020F0502020204030203" pitchFamily="34" charset="0"/>
+                <a:cs typeface="Lato" panose="020F0502020204030203" pitchFamily="34" charset="0"/>
+              </a:rPr>
+              <a:t> </a:t>
+            </a:r>
+            <a:r>
+              <a:rPr lang="en-US" altLang="zh-CN" sz="2800" b="1" dirty="0">
+                <a:latin typeface="Lato" panose="020F0502020204030203" pitchFamily="34" charset="0"/>
+                <a:cs typeface="Lato" panose="020F0502020204030203" pitchFamily="34" charset="0"/>
+              </a:rPr>
+              <a:t>Efficiency</a:t>
+            </a:r>
+            <a:r>
+              <a:rPr lang="zh-CN" altLang="en-US" sz="2800" b="1" dirty="0">
+                <a:latin typeface="Lato" panose="020F0502020204030203" pitchFamily="34" charset="0"/>
+                <a:cs typeface="Lato" panose="020F0502020204030203" pitchFamily="34" charset="0"/>
+              </a:rPr>
+              <a:t> </a:t>
+            </a:r>
+            <a:r>
+              <a:rPr lang="en-US" altLang="zh-CN" sz="2800" b="1" dirty="0">
+                <a:latin typeface="Lato" panose="020F0502020204030203" pitchFamily="34" charset="0"/>
+                <a:cs typeface="Lato" panose="020F0502020204030203" pitchFamily="34" charset="0"/>
+              </a:rPr>
+              <a:t>of</a:t>
+            </a:r>
+            <a:r>
+              <a:rPr lang="zh-CN" altLang="en-US" sz="2800" b="1" dirty="0">
+                <a:latin typeface="Lato" panose="020F0502020204030203" pitchFamily="34" charset="0"/>
+                <a:cs typeface="Lato" panose="020F0502020204030203" pitchFamily="34" charset="0"/>
+              </a:rPr>
+              <a:t> </a:t>
+            </a:r>
+            <a:r>
+              <a:rPr lang="en-US" altLang="zh-CN" sz="2800" b="1" dirty="0">
+                <a:latin typeface="Lato" panose="020F0502020204030203" pitchFamily="34" charset="0"/>
+                <a:cs typeface="Lato" panose="020F0502020204030203" pitchFamily="34" charset="0"/>
+              </a:rPr>
+              <a:t>Quasar</a:t>
+            </a:r>
+            <a:r>
+              <a:rPr lang="zh-CN" altLang="en-US" sz="2800" b="1" dirty="0">
+                <a:latin typeface="Lato" panose="020F0502020204030203" pitchFamily="34" charset="0"/>
+                <a:cs typeface="Lato" panose="020F0502020204030203" pitchFamily="34" charset="0"/>
+              </a:rPr>
+              <a:t> </a:t>
+            </a:r>
+            <a:r>
+              <a:rPr lang="en-US" altLang="zh-CN" sz="2800" b="1" dirty="0">
+                <a:latin typeface="Lato" panose="020F0502020204030203" pitchFamily="34" charset="0"/>
+                <a:cs typeface="Lato" panose="020F0502020204030203" pitchFamily="34" charset="0"/>
+              </a:rPr>
+              <a:t>Candidates</a:t>
+            </a:r>
+            <a:r>
+              <a:rPr lang="zh-CN" altLang="en-US" sz="2800" b="1" dirty="0">
+                <a:latin typeface="Lato" panose="020F0502020204030203" pitchFamily="34" charset="0"/>
+                <a:cs typeface="Lato" panose="020F0502020204030203" pitchFamily="34" charset="0"/>
+              </a:rPr>
+              <a:t> </a:t>
+            </a:r>
+            <a:r>
+              <a:rPr lang="en-US" altLang="zh-CN" sz="2800" b="1" dirty="0">
+                <a:latin typeface="Lato" panose="020F0502020204030203" pitchFamily="34" charset="0"/>
+                <a:cs typeface="Lato" panose="020F0502020204030203" pitchFamily="34" charset="0"/>
+              </a:rPr>
+              <a:t>Selection</a:t>
+            </a:r>
+            <a:r>
+              <a:rPr lang="zh-CN" altLang="en-US" sz="2800" b="1" dirty="0">
+                <a:latin typeface="Lato" panose="020F0502020204030203" pitchFamily="34" charset="0"/>
+                <a:cs typeface="Lato" panose="020F0502020204030203" pitchFamily="34" charset="0"/>
+              </a:rPr>
+              <a:t> </a:t>
+            </a:r>
+            <a:r>
+              <a:rPr lang="en-US" altLang="zh-CN" sz="2800" b="1" dirty="0">
+                <a:latin typeface="Lato" panose="020F0502020204030203" pitchFamily="34" charset="0"/>
+                <a:cs typeface="Lato" panose="020F0502020204030203" pitchFamily="34" charset="0"/>
+              </a:rPr>
+              <a:t>Based</a:t>
+            </a:r>
+            <a:r>
+              <a:rPr lang="zh-CN" altLang="en-US" sz="2800" b="1" dirty="0">
+                <a:latin typeface="Lato" panose="020F0502020204030203" pitchFamily="34" charset="0"/>
+                <a:cs typeface="Lato" panose="020F0502020204030203" pitchFamily="34" charset="0"/>
+              </a:rPr>
+              <a:t> </a:t>
+            </a:r>
+            <a:r>
+              <a:rPr lang="en-US" altLang="zh-CN" sz="2800" b="1" dirty="0">
+                <a:latin typeface="Lato" panose="020F0502020204030203" pitchFamily="34" charset="0"/>
+                <a:cs typeface="Lato" panose="020F0502020204030203" pitchFamily="34" charset="0"/>
+              </a:rPr>
+              <a:t>On</a:t>
+            </a:r>
+            <a:r>
+              <a:rPr lang="zh-CN" altLang="en-US" sz="2800" b="1" dirty="0">
+                <a:latin typeface="Lato" panose="020F0502020204030203" pitchFamily="34" charset="0"/>
+                <a:cs typeface="Lato" panose="020F0502020204030203" pitchFamily="34" charset="0"/>
+              </a:rPr>
+              <a:t> </a:t>
+            </a:r>
+            <a:r>
+              <a:rPr lang="en-US" altLang="zh-CN" sz="2800" b="1" dirty="0">
+                <a:latin typeface="Lato" panose="020F0502020204030203" pitchFamily="34" charset="0"/>
+                <a:cs typeface="Lato" panose="020F0502020204030203" pitchFamily="34" charset="0"/>
+              </a:rPr>
+              <a:t>Photometric</a:t>
+            </a:r>
+            <a:r>
+              <a:rPr lang="zh-CN" altLang="en-US" sz="2800" b="1" dirty="0">
+                <a:latin typeface="Lato" panose="020F0502020204030203" pitchFamily="34" charset="0"/>
+                <a:cs typeface="Lato" panose="020F0502020204030203" pitchFamily="34" charset="0"/>
+              </a:rPr>
+              <a:t> </a:t>
+            </a:r>
+            <a:r>
+              <a:rPr lang="en-US" altLang="zh-CN" sz="2800" b="1" dirty="0">
+                <a:latin typeface="Lato" panose="020F0502020204030203" pitchFamily="34" charset="0"/>
+                <a:cs typeface="Lato" panose="020F0502020204030203" pitchFamily="34" charset="0"/>
+              </a:rPr>
+              <a:t>Data</a:t>
+            </a:r>
+            <a:endParaRPr lang="en-US" sz="2800" b="1" dirty="0">
+              <a:latin typeface="Lato" panose="020F0502020204030203" pitchFamily="34" charset="0"/>
+              <a:cs typeface="Lato" panose="020F0502020204030203" pitchFamily="34" charset="0"/>
+            </a:endParaRPr>
+          </a:p>
+        </p:txBody>
+      </p:sp>
       <p:pic>
         <p:nvPicPr>
           <p:cNvPr id="17" name="Picture 16" descr="Text&#10;&#10;Description automatically generated">
@@ -3210,7 +3645,7 @@
           <p:nvPr/>
         </p:nvPicPr>
         <p:blipFill>
-          <a:blip r:embed="rId4">
+          <a:blip r:embed="rId2">
             <a:extLst>
               <a:ext uri="{28A0092B-C50C-407E-A947-70E740481C1C}">
                 <a14:useLocalDpi xmlns:a14="http://schemas.microsoft.com/office/drawing/2010/main" val="0"/>
@@ -3355,132 +3790,6 @@
           </a:p>
         </p:txBody>
       </p:sp>
-      <p:pic>
-        <p:nvPicPr>
-          <p:cNvPr id="46" name="Graphic 45">
-            <a:extLst>
-              <a:ext uri="{FF2B5EF4-FFF2-40B4-BE49-F238E27FC236}">
-                <a16:creationId xmlns:a16="http://schemas.microsoft.com/office/drawing/2014/main" id="{112DB151-D137-445B-B6ED-24ED7D1A0E93}"/>
-              </a:ext>
-            </a:extLst>
-          </p:cNvPr>
-          <p:cNvPicPr>
-            <a:picLocks noChangeAspect="1"/>
-          </p:cNvPicPr>
-          <p:nvPr/>
-        </p:nvPicPr>
-        <p:blipFill>
-          <a:blip r:embed="rId5">
-            <a:extLst>
-              <a:ext uri="{96DAC541-7B7A-43D3-8B79-37D633B846F1}">
-                <asvg:svgBlip xmlns:asvg="http://schemas.microsoft.com/office/drawing/2016/SVG/main" r:embed="rId6"/>
-              </a:ext>
-            </a:extLst>
-          </a:blip>
-          <a:stretch>
-            <a:fillRect/>
-          </a:stretch>
-        </p:blipFill>
-        <p:spPr>
-          <a:xfrm>
-            <a:off x="402638" y="11741894"/>
-            <a:ext cx="4153003" cy="2362487"/>
-          </a:xfrm>
-          <a:prstGeom prst="rect">
-            <a:avLst/>
-          </a:prstGeom>
-        </p:spPr>
-      </p:pic>
-      <p:pic>
-        <p:nvPicPr>
-          <p:cNvPr id="47" name="Graphic 46">
-            <a:extLst>
-              <a:ext uri="{FF2B5EF4-FFF2-40B4-BE49-F238E27FC236}">
-                <a16:creationId xmlns:a16="http://schemas.microsoft.com/office/drawing/2014/main" id="{92424A68-B3AC-4B8E-A609-14B918E9F4A3}"/>
-              </a:ext>
-            </a:extLst>
-          </p:cNvPr>
-          <p:cNvPicPr>
-            <a:picLocks noChangeAspect="1"/>
-          </p:cNvPicPr>
-          <p:nvPr/>
-        </p:nvPicPr>
-        <p:blipFill>
-          <a:blip r:embed="rId7">
-            <a:extLst>
-              <a:ext uri="{96DAC541-7B7A-43D3-8B79-37D633B846F1}">
-                <asvg:svgBlip xmlns:asvg="http://schemas.microsoft.com/office/drawing/2016/SVG/main" r:embed="rId8"/>
-              </a:ext>
-            </a:extLst>
-          </a:blip>
-          <a:stretch>
-            <a:fillRect/>
-          </a:stretch>
-        </p:blipFill>
-        <p:spPr>
-          <a:xfrm>
-            <a:off x="5411258" y="11513595"/>
-            <a:ext cx="4153003" cy="2590786"/>
-          </a:xfrm>
-          <a:prstGeom prst="rect">
-            <a:avLst/>
-          </a:prstGeom>
-        </p:spPr>
-      </p:pic>
-      <p:sp>
-        <p:nvSpPr>
-          <p:cNvPr id="50" name="TextBox 49">
-            <a:extLst>
-              <a:ext uri="{FF2B5EF4-FFF2-40B4-BE49-F238E27FC236}">
-                <a16:creationId xmlns:a16="http://schemas.microsoft.com/office/drawing/2014/main" id="{78B11F85-BAFB-4398-9DE5-1FFF841A8E8B}"/>
-              </a:ext>
-            </a:extLst>
-          </p:cNvPr>
-          <p:cNvSpPr txBox="1"/>
-          <p:nvPr/>
-        </p:nvSpPr>
-        <p:spPr>
-          <a:xfrm>
-            <a:off x="402638" y="10420010"/>
-            <a:ext cx="4218280" cy="646331"/>
-          </a:xfrm>
-          <a:prstGeom prst="rect">
-            <a:avLst/>
-          </a:prstGeom>
-          <a:noFill/>
-        </p:spPr>
-        <p:txBody>
-          <a:bodyPr wrap="square" rtlCol="0">
-            <a:spAutoFit/>
-          </a:bodyPr>
-          <a:lstStyle/>
-          <a:p>
-            <a:r>
-              <a:rPr lang="en-US" dirty="0">
-                <a:latin typeface="Segoe UI" panose="020B0502040204020203" pitchFamily="34" charset="0"/>
-                <a:ea typeface="Segoe UI Black" panose="020B0A02040204020203" pitchFamily="34" charset="0"/>
-                <a:cs typeface="Segoe UI" panose="020B0502040204020203" pitchFamily="34" charset="0"/>
-              </a:rPr>
-              <a:t>Explain what the graph shows.</a:t>
-            </a:r>
-            <a:r>
-              <a:rPr lang="en-US" dirty="0">
-                <a:latin typeface="Segoe UI" panose="020B0502040204020203" pitchFamily="34" charset="0"/>
-                <a:cs typeface="Segoe UI" panose="020B0502040204020203" pitchFamily="34" charset="0"/>
-              </a:rPr>
-              <a:t> Like, </a:t>
-            </a:r>
-            <a:r>
-              <a:rPr lang="en-US" dirty="0">
-                <a:latin typeface="Segoe UI Black" panose="020B0A02040204020203" pitchFamily="34" charset="0"/>
-                <a:ea typeface="Segoe UI Black" panose="020B0A02040204020203" pitchFamily="34" charset="0"/>
-                <a:cs typeface="Segoe UI" panose="020B0502040204020203" pitchFamily="34" charset="0"/>
-              </a:rPr>
-              <a:t>spoilers are good.</a:t>
-            </a:r>
-          </a:p>
-        </p:txBody>
-      </p:sp>
       <p:sp>
         <p:nvSpPr>
           <p:cNvPr id="51" name="TextBox 50">
@@ -3535,42 +3844,6 @@
           </a:p>
         </p:txBody>
       </p:sp>
-      <p:pic>
-        <p:nvPicPr>
-          <p:cNvPr id="53" name="Graphic 52">
-            <a:extLst>
-              <a:ext uri="{FF2B5EF4-FFF2-40B4-BE49-F238E27FC236}">
-                <a16:creationId xmlns:a16="http://schemas.microsoft.com/office/drawing/2014/main" id="{57AC2CF7-975A-4B25-BBC4-62D14ECCC86C}"/>
-              </a:ext>
-            </a:extLst>
-          </p:cNvPr>
-          <p:cNvPicPr>
-            <a:picLocks noChangeAspect="1"/>
-          </p:cNvPicPr>
-          <p:nvPr/>
-        </p:nvPicPr>
-        <p:blipFill>
-          <a:blip r:embed="rId9">
-            <a:extLst>
-              <a:ext uri="{96DAC541-7B7A-43D3-8B79-37D633B846F1}">
-                <asvg:svgBlip xmlns:asvg="http://schemas.microsoft.com/office/drawing/2016/SVG/main" r:embed="rId10"/>
-              </a:ext>
-            </a:extLst>
-          </a:blip>
-          <a:stretch>
-            <a:fillRect/>
-          </a:stretch>
-        </p:blipFill>
-        <p:spPr>
-          <a:xfrm>
-            <a:off x="457200" y="7663595"/>
-            <a:ext cx="4439647" cy="2005865"/>
-          </a:xfrm>
-          <a:prstGeom prst="rect">
-            <a:avLst/>
-          </a:prstGeom>
-        </p:spPr>
-      </p:pic>
       <p:sp>
         <p:nvSpPr>
           <p:cNvPr id="55" name="TextBox 54">
@@ -3627,7 +3900,7 @@
         <p:spPr>
           <a:xfrm>
             <a:off x="438137" y="6235955"/>
-            <a:ext cx="4182781" cy="1084912"/>
+            <a:ext cx="4182781" cy="3585597"/>
           </a:xfrm>
           <a:prstGeom prst="rect">
             <a:avLst/>
@@ -3641,26 +3914,855 @@
           <a:lstStyle/>
           <a:p>
             <a:r>
-              <a:rPr lang="en-US" b="1" dirty="0">
-                <a:latin typeface="Segoe UI" panose="020B0502040204020203" pitchFamily="34" charset="0"/>
-                <a:cs typeface="Segoe UI" panose="020B0502040204020203" pitchFamily="34" charset="0"/>
-              </a:rPr>
-              <a:t>Who cares?</a:t>
-            </a:r>
-            <a:r>
-              <a:rPr lang="en-US" dirty="0">
-                <a:latin typeface="Segoe UI" panose="020B0502040204020203" pitchFamily="34" charset="0"/>
-                <a:cs typeface="Segoe UI" panose="020B0502040204020203" pitchFamily="34" charset="0"/>
-              </a:rPr>
-              <a:t> Explain why your study matters in the fastest, most brutal way possible (feel free to add graphics!).</a:t>
-            </a:r>
-            <a:endParaRPr lang="en-US" b="1" dirty="0">
+              <a:rPr lang="en-US" altLang="zh-CN" dirty="0">
+                <a:latin typeface="Segoe UI" panose="020B0502040204020203" pitchFamily="34" charset="0"/>
+                <a:cs typeface="Segoe UI" panose="020B0502040204020203" pitchFamily="34" charset="0"/>
+              </a:rPr>
+              <a:t>Quasars</a:t>
+            </a:r>
+            <a:r>
+              <a:rPr lang="zh-CN" altLang="en-US" dirty="0">
+                <a:latin typeface="Segoe UI" panose="020B0502040204020203" pitchFamily="34" charset="0"/>
+                <a:cs typeface="Segoe UI" panose="020B0502040204020203" pitchFamily="34" charset="0"/>
+              </a:rPr>
+              <a:t> </a:t>
+            </a:r>
+            <a:r>
+              <a:rPr lang="en-US" altLang="zh-CN" dirty="0">
+                <a:latin typeface="Segoe UI" panose="020B0502040204020203" pitchFamily="34" charset="0"/>
+                <a:cs typeface="Segoe UI" panose="020B0502040204020203" pitchFamily="34" charset="0"/>
+              </a:rPr>
+              <a:t>are</a:t>
+            </a:r>
+            <a:r>
+              <a:rPr lang="zh-CN" altLang="en-US" dirty="0">
+                <a:latin typeface="Segoe UI" panose="020B0502040204020203" pitchFamily="34" charset="0"/>
+                <a:cs typeface="Segoe UI" panose="020B0502040204020203" pitchFamily="34" charset="0"/>
+              </a:rPr>
+              <a:t> </a:t>
+            </a:r>
+            <a:r>
+              <a:rPr lang="en-US" altLang="zh-CN" dirty="0">
+                <a:latin typeface="Segoe UI" panose="020B0502040204020203" pitchFamily="34" charset="0"/>
+                <a:cs typeface="Segoe UI" panose="020B0502040204020203" pitchFamily="34" charset="0"/>
+              </a:rPr>
+              <a:t>extremely</a:t>
+            </a:r>
+            <a:r>
+              <a:rPr lang="zh-CN" altLang="en-US" dirty="0">
+                <a:latin typeface="Segoe UI" panose="020B0502040204020203" pitchFamily="34" charset="0"/>
+                <a:cs typeface="Segoe UI" panose="020B0502040204020203" pitchFamily="34" charset="0"/>
+              </a:rPr>
+              <a:t> </a:t>
+            </a:r>
+            <a:r>
+              <a:rPr lang="en-US" altLang="zh-CN" dirty="0">
+                <a:latin typeface="Segoe UI" panose="020B0502040204020203" pitchFamily="34" charset="0"/>
+                <a:cs typeface="Segoe UI" panose="020B0502040204020203" pitchFamily="34" charset="0"/>
+              </a:rPr>
+              <a:t>luminous</a:t>
+            </a:r>
+            <a:r>
+              <a:rPr lang="zh-CN" altLang="en-US" dirty="0">
+                <a:latin typeface="Segoe UI" panose="020B0502040204020203" pitchFamily="34" charset="0"/>
+                <a:cs typeface="Segoe UI" panose="020B0502040204020203" pitchFamily="34" charset="0"/>
+              </a:rPr>
+              <a:t> </a:t>
+            </a:r>
+            <a:r>
+              <a:rPr lang="en-US" altLang="zh-CN" dirty="0">
+                <a:latin typeface="Segoe UI" panose="020B0502040204020203" pitchFamily="34" charset="0"/>
+                <a:cs typeface="Segoe UI" panose="020B0502040204020203" pitchFamily="34" charset="0"/>
+              </a:rPr>
+              <a:t>astronomical</a:t>
+            </a:r>
+            <a:r>
+              <a:rPr lang="zh-CN" altLang="en-US" dirty="0">
+                <a:latin typeface="Segoe UI" panose="020B0502040204020203" pitchFamily="34" charset="0"/>
+                <a:cs typeface="Segoe UI" panose="020B0502040204020203" pitchFamily="34" charset="0"/>
+              </a:rPr>
+              <a:t> </a:t>
+            </a:r>
+            <a:r>
+              <a:rPr lang="en-US" altLang="zh-CN" dirty="0">
+                <a:latin typeface="Segoe UI" panose="020B0502040204020203" pitchFamily="34" charset="0"/>
+                <a:cs typeface="Segoe UI" panose="020B0502040204020203" pitchFamily="34" charset="0"/>
+              </a:rPr>
+              <a:t>objects</a:t>
+            </a:r>
+            <a:r>
+              <a:rPr lang="zh-CN" altLang="en-US" dirty="0">
+                <a:latin typeface="Segoe UI" panose="020B0502040204020203" pitchFamily="34" charset="0"/>
+                <a:cs typeface="Segoe UI" panose="020B0502040204020203" pitchFamily="34" charset="0"/>
+              </a:rPr>
+              <a:t> </a:t>
+            </a:r>
+            <a:r>
+              <a:rPr lang="en-US" altLang="zh-CN" dirty="0">
+                <a:latin typeface="Segoe UI" panose="020B0502040204020203" pitchFamily="34" charset="0"/>
+                <a:cs typeface="Segoe UI" panose="020B0502040204020203" pitchFamily="34" charset="0"/>
+              </a:rPr>
+              <a:t>that</a:t>
+            </a:r>
+            <a:r>
+              <a:rPr lang="zh-CN" altLang="en-US" dirty="0">
+                <a:latin typeface="Segoe UI" panose="020B0502040204020203" pitchFamily="34" charset="0"/>
+                <a:cs typeface="Segoe UI" panose="020B0502040204020203" pitchFamily="34" charset="0"/>
+              </a:rPr>
+              <a:t> </a:t>
+            </a:r>
+            <a:r>
+              <a:rPr lang="en-US" altLang="zh-CN" dirty="0">
+                <a:latin typeface="Segoe UI" panose="020B0502040204020203" pitchFamily="34" charset="0"/>
+                <a:cs typeface="Segoe UI" panose="020B0502040204020203" pitchFamily="34" charset="0"/>
+              </a:rPr>
+              <a:t>are</a:t>
+            </a:r>
+            <a:r>
+              <a:rPr lang="zh-CN" altLang="en-US" dirty="0">
+                <a:latin typeface="Segoe UI" panose="020B0502040204020203" pitchFamily="34" charset="0"/>
+                <a:cs typeface="Segoe UI" panose="020B0502040204020203" pitchFamily="34" charset="0"/>
+              </a:rPr>
+              <a:t> </a:t>
+            </a:r>
+            <a:r>
+              <a:rPr lang="en-US" altLang="zh-CN" dirty="0">
+                <a:latin typeface="Segoe UI" panose="020B0502040204020203" pitchFamily="34" charset="0"/>
+                <a:cs typeface="Segoe UI" panose="020B0502040204020203" pitchFamily="34" charset="0"/>
+              </a:rPr>
+              <a:t>empowered</a:t>
+            </a:r>
+            <a:r>
+              <a:rPr lang="zh-CN" altLang="en-US" dirty="0">
+                <a:latin typeface="Segoe UI" panose="020B0502040204020203" pitchFamily="34" charset="0"/>
+                <a:cs typeface="Segoe UI" panose="020B0502040204020203" pitchFamily="34" charset="0"/>
+              </a:rPr>
+              <a:t> </a:t>
+            </a:r>
+            <a:r>
+              <a:rPr lang="en-US" altLang="zh-CN" dirty="0">
+                <a:latin typeface="Segoe UI" panose="020B0502040204020203" pitchFamily="34" charset="0"/>
+                <a:cs typeface="Segoe UI" panose="020B0502040204020203" pitchFamily="34" charset="0"/>
+              </a:rPr>
+              <a:t>by</a:t>
+            </a:r>
+            <a:r>
+              <a:rPr lang="zh-CN" altLang="en-US" dirty="0">
+                <a:latin typeface="Segoe UI" panose="020B0502040204020203" pitchFamily="34" charset="0"/>
+                <a:cs typeface="Segoe UI" panose="020B0502040204020203" pitchFamily="34" charset="0"/>
+              </a:rPr>
+              <a:t> </a:t>
+            </a:r>
+            <a:r>
+              <a:rPr lang="en-US" altLang="zh-CN" dirty="0">
+                <a:latin typeface="Segoe UI" panose="020B0502040204020203" pitchFamily="34" charset="0"/>
+                <a:cs typeface="Segoe UI" panose="020B0502040204020203" pitchFamily="34" charset="0"/>
+              </a:rPr>
+              <a:t>supermassive</a:t>
+            </a:r>
+            <a:r>
+              <a:rPr lang="zh-CN" altLang="en-US" dirty="0">
+                <a:latin typeface="Segoe UI" panose="020B0502040204020203" pitchFamily="34" charset="0"/>
+                <a:cs typeface="Segoe UI" panose="020B0502040204020203" pitchFamily="34" charset="0"/>
+              </a:rPr>
+              <a:t> </a:t>
+            </a:r>
+            <a:r>
+              <a:rPr lang="en-US" altLang="zh-CN" dirty="0">
+                <a:latin typeface="Segoe UI" panose="020B0502040204020203" pitchFamily="34" charset="0"/>
+                <a:cs typeface="Segoe UI" panose="020B0502040204020203" pitchFamily="34" charset="0"/>
+              </a:rPr>
+              <a:t>black</a:t>
+            </a:r>
+            <a:r>
+              <a:rPr lang="zh-CN" altLang="en-US" dirty="0">
+                <a:latin typeface="Segoe UI" panose="020B0502040204020203" pitchFamily="34" charset="0"/>
+                <a:cs typeface="Segoe UI" panose="020B0502040204020203" pitchFamily="34" charset="0"/>
+              </a:rPr>
+              <a:t> </a:t>
+            </a:r>
+            <a:r>
+              <a:rPr lang="en-US" altLang="zh-CN" dirty="0">
+                <a:latin typeface="Segoe UI" panose="020B0502040204020203" pitchFamily="34" charset="0"/>
+                <a:cs typeface="Segoe UI" panose="020B0502040204020203" pitchFamily="34" charset="0"/>
+              </a:rPr>
+              <a:t>holes.</a:t>
+            </a:r>
+            <a:r>
+              <a:rPr lang="zh-CN" altLang="en-US" dirty="0">
+                <a:latin typeface="Segoe UI" panose="020B0502040204020203" pitchFamily="34" charset="0"/>
+                <a:cs typeface="Segoe UI" panose="020B0502040204020203" pitchFamily="34" charset="0"/>
+              </a:rPr>
+              <a:t> </a:t>
+            </a:r>
+            <a:r>
+              <a:rPr lang="en-US" altLang="zh-CN" dirty="0">
+                <a:latin typeface="Segoe UI" panose="020B0502040204020203" pitchFamily="34" charset="0"/>
+                <a:cs typeface="Segoe UI" panose="020B0502040204020203" pitchFamily="34" charset="0"/>
+              </a:rPr>
+              <a:t>Studying</a:t>
+            </a:r>
+            <a:r>
+              <a:rPr lang="zh-CN" altLang="en-US" dirty="0">
+                <a:latin typeface="Segoe UI" panose="020B0502040204020203" pitchFamily="34" charset="0"/>
+                <a:cs typeface="Segoe UI" panose="020B0502040204020203" pitchFamily="34" charset="0"/>
+              </a:rPr>
+              <a:t> </a:t>
+            </a:r>
+            <a:r>
+              <a:rPr lang="en-US" altLang="zh-CN" dirty="0">
+                <a:latin typeface="Segoe UI" panose="020B0502040204020203" pitchFamily="34" charset="0"/>
+                <a:cs typeface="Segoe UI" panose="020B0502040204020203" pitchFamily="34" charset="0"/>
+              </a:rPr>
+              <a:t>quasars</a:t>
+            </a:r>
+            <a:r>
+              <a:rPr lang="zh-CN" altLang="en-US" dirty="0">
+                <a:latin typeface="Segoe UI" panose="020B0502040204020203" pitchFamily="34" charset="0"/>
+                <a:cs typeface="Segoe UI" panose="020B0502040204020203" pitchFamily="34" charset="0"/>
+              </a:rPr>
+              <a:t> </a:t>
+            </a:r>
+            <a:r>
+              <a:rPr lang="en-US" altLang="zh-CN" dirty="0">
+                <a:latin typeface="Segoe UI" panose="020B0502040204020203" pitchFamily="34" charset="0"/>
+                <a:cs typeface="Segoe UI" panose="020B0502040204020203" pitchFamily="34" charset="0"/>
+              </a:rPr>
+              <a:t>is</a:t>
+            </a:r>
+            <a:r>
+              <a:rPr lang="zh-CN" altLang="en-US" dirty="0">
+                <a:latin typeface="Segoe UI" panose="020B0502040204020203" pitchFamily="34" charset="0"/>
+                <a:cs typeface="Segoe UI" panose="020B0502040204020203" pitchFamily="34" charset="0"/>
+              </a:rPr>
+              <a:t> </a:t>
+            </a:r>
+            <a:r>
+              <a:rPr lang="en-US" altLang="zh-CN" dirty="0">
+                <a:latin typeface="Segoe UI" panose="020B0502040204020203" pitchFamily="34" charset="0"/>
+                <a:cs typeface="Segoe UI" panose="020B0502040204020203" pitchFamily="34" charset="0"/>
+              </a:rPr>
+              <a:t>crucial</a:t>
+            </a:r>
+            <a:r>
+              <a:rPr lang="zh-CN" altLang="en-US" dirty="0">
+                <a:latin typeface="Segoe UI" panose="020B0502040204020203" pitchFamily="34" charset="0"/>
+                <a:cs typeface="Segoe UI" panose="020B0502040204020203" pitchFamily="34" charset="0"/>
+              </a:rPr>
+              <a:t> </a:t>
+            </a:r>
+            <a:r>
+              <a:rPr lang="en-US" altLang="zh-CN" dirty="0">
+                <a:latin typeface="Segoe UI" panose="020B0502040204020203" pitchFamily="34" charset="0"/>
+                <a:cs typeface="Segoe UI" panose="020B0502040204020203" pitchFamily="34" charset="0"/>
+              </a:rPr>
+              <a:t>for</a:t>
+            </a:r>
+            <a:r>
+              <a:rPr lang="zh-CN" altLang="en-US" dirty="0">
+                <a:latin typeface="Segoe UI" panose="020B0502040204020203" pitchFamily="34" charset="0"/>
+                <a:cs typeface="Segoe UI" panose="020B0502040204020203" pitchFamily="34" charset="0"/>
+              </a:rPr>
+              <a:t> </a:t>
+            </a:r>
+            <a:r>
+              <a:rPr lang="en-US" altLang="zh-CN" dirty="0">
+                <a:latin typeface="Segoe UI" panose="020B0502040204020203" pitchFamily="34" charset="0"/>
+                <a:cs typeface="Segoe UI" panose="020B0502040204020203" pitchFamily="34" charset="0"/>
+              </a:rPr>
+              <a:t>understanding</a:t>
+            </a:r>
+            <a:r>
+              <a:rPr lang="zh-CN" altLang="en-US" dirty="0">
+                <a:latin typeface="Segoe UI" panose="020B0502040204020203" pitchFamily="34" charset="0"/>
+                <a:cs typeface="Segoe UI" panose="020B0502040204020203" pitchFamily="34" charset="0"/>
+              </a:rPr>
+              <a:t> </a:t>
+            </a:r>
+            <a:r>
+              <a:rPr lang="en-US" altLang="zh-CN" dirty="0">
+                <a:latin typeface="Segoe UI" panose="020B0502040204020203" pitchFamily="34" charset="0"/>
+                <a:cs typeface="Segoe UI" panose="020B0502040204020203" pitchFamily="34" charset="0"/>
+              </a:rPr>
+              <a:t>the</a:t>
+            </a:r>
+            <a:r>
+              <a:rPr lang="zh-CN" altLang="en-US" dirty="0">
+                <a:latin typeface="Segoe UI" panose="020B0502040204020203" pitchFamily="34" charset="0"/>
+                <a:cs typeface="Segoe UI" panose="020B0502040204020203" pitchFamily="34" charset="0"/>
+              </a:rPr>
+              <a:t> </a:t>
+            </a:r>
+            <a:r>
+              <a:rPr lang="en-US" altLang="zh-CN" dirty="0">
+                <a:latin typeface="Segoe UI" panose="020B0502040204020203" pitchFamily="34" charset="0"/>
+                <a:cs typeface="Segoe UI" panose="020B0502040204020203" pitchFamily="34" charset="0"/>
+              </a:rPr>
+              <a:t>makeup</a:t>
+            </a:r>
+            <a:r>
+              <a:rPr lang="zh-CN" altLang="en-US" dirty="0">
+                <a:latin typeface="Segoe UI" panose="020B0502040204020203" pitchFamily="34" charset="0"/>
+                <a:cs typeface="Segoe UI" panose="020B0502040204020203" pitchFamily="34" charset="0"/>
+              </a:rPr>
+              <a:t> </a:t>
+            </a:r>
+            <a:r>
+              <a:rPr lang="en-US" altLang="zh-CN" dirty="0">
+                <a:latin typeface="Segoe UI" panose="020B0502040204020203" pitchFamily="34" charset="0"/>
+                <a:cs typeface="Segoe UI" panose="020B0502040204020203" pitchFamily="34" charset="0"/>
+              </a:rPr>
+              <a:t>of</a:t>
+            </a:r>
+            <a:r>
+              <a:rPr lang="zh-CN" altLang="en-US" dirty="0">
+                <a:latin typeface="Segoe UI" panose="020B0502040204020203" pitchFamily="34" charset="0"/>
+                <a:cs typeface="Segoe UI" panose="020B0502040204020203" pitchFamily="34" charset="0"/>
+              </a:rPr>
+              <a:t> </a:t>
+            </a:r>
+            <a:r>
+              <a:rPr lang="en-US" altLang="zh-CN" dirty="0">
+                <a:latin typeface="Segoe UI" panose="020B0502040204020203" pitchFamily="34" charset="0"/>
+                <a:cs typeface="Segoe UI" panose="020B0502040204020203" pitchFamily="34" charset="0"/>
+              </a:rPr>
+              <a:t>the</a:t>
+            </a:r>
+            <a:r>
+              <a:rPr lang="zh-CN" altLang="en-US" dirty="0">
+                <a:latin typeface="Segoe UI" panose="020B0502040204020203" pitchFamily="34" charset="0"/>
+                <a:cs typeface="Segoe UI" panose="020B0502040204020203" pitchFamily="34" charset="0"/>
+              </a:rPr>
+              <a:t> </a:t>
+            </a:r>
+            <a:r>
+              <a:rPr lang="en-US" altLang="zh-CN" dirty="0">
+                <a:latin typeface="Segoe UI" panose="020B0502040204020203" pitchFamily="34" charset="0"/>
+                <a:cs typeface="Segoe UI" panose="020B0502040204020203" pitchFamily="34" charset="0"/>
+              </a:rPr>
+              <a:t>universe.</a:t>
+            </a:r>
+            <a:r>
+              <a:rPr lang="zh-CN" altLang="en-US" dirty="0">
+                <a:latin typeface="Segoe UI" panose="020B0502040204020203" pitchFamily="34" charset="0"/>
+                <a:cs typeface="Segoe UI" panose="020B0502040204020203" pitchFamily="34" charset="0"/>
+              </a:rPr>
+              <a:t> </a:t>
+            </a:r>
+            <a:r>
+              <a:rPr lang="en-US" altLang="zh-CN" dirty="0">
+                <a:latin typeface="Segoe UI" panose="020B0502040204020203" pitchFamily="34" charset="0"/>
+                <a:cs typeface="Segoe UI" panose="020B0502040204020203" pitchFamily="34" charset="0"/>
+              </a:rPr>
+              <a:t>To</a:t>
+            </a:r>
+            <a:r>
+              <a:rPr lang="zh-CN" altLang="en-US" dirty="0">
+                <a:latin typeface="Segoe UI" panose="020B0502040204020203" pitchFamily="34" charset="0"/>
+                <a:cs typeface="Segoe UI" panose="020B0502040204020203" pitchFamily="34" charset="0"/>
+              </a:rPr>
+              <a:t> </a:t>
+            </a:r>
+            <a:r>
+              <a:rPr lang="en-US" altLang="zh-CN" dirty="0">
+                <a:latin typeface="Segoe UI" panose="020B0502040204020203" pitchFamily="34" charset="0"/>
+                <a:cs typeface="Segoe UI" panose="020B0502040204020203" pitchFamily="34" charset="0"/>
+              </a:rPr>
+              <a:t>identify</a:t>
+            </a:r>
+            <a:r>
+              <a:rPr lang="zh-CN" altLang="en-US" dirty="0">
+                <a:latin typeface="Segoe UI" panose="020B0502040204020203" pitchFamily="34" charset="0"/>
+                <a:cs typeface="Segoe UI" panose="020B0502040204020203" pitchFamily="34" charset="0"/>
+              </a:rPr>
+              <a:t> </a:t>
+            </a:r>
+            <a:r>
+              <a:rPr lang="en-US" altLang="zh-CN" dirty="0">
+                <a:latin typeface="Segoe UI" panose="020B0502040204020203" pitchFamily="34" charset="0"/>
+                <a:cs typeface="Segoe UI" panose="020B0502040204020203" pitchFamily="34" charset="0"/>
+              </a:rPr>
+              <a:t>quasars</a:t>
+            </a:r>
+            <a:r>
+              <a:rPr lang="zh-CN" altLang="en-US" dirty="0">
+                <a:latin typeface="Segoe UI" panose="020B0502040204020203" pitchFamily="34" charset="0"/>
+                <a:cs typeface="Segoe UI" panose="020B0502040204020203" pitchFamily="34" charset="0"/>
+              </a:rPr>
+              <a:t> </a:t>
+            </a:r>
+            <a:r>
+              <a:rPr lang="en-US" altLang="zh-CN" dirty="0">
+                <a:latin typeface="Segoe UI" panose="020B0502040204020203" pitchFamily="34" charset="0"/>
+                <a:cs typeface="Segoe UI" panose="020B0502040204020203" pitchFamily="34" charset="0"/>
+              </a:rPr>
+              <a:t>from</a:t>
+            </a:r>
+            <a:r>
+              <a:rPr lang="zh-CN" altLang="en-US" dirty="0">
+                <a:latin typeface="Segoe UI" panose="020B0502040204020203" pitchFamily="34" charset="0"/>
+                <a:cs typeface="Segoe UI" panose="020B0502040204020203" pitchFamily="34" charset="0"/>
+              </a:rPr>
+              <a:t> </a:t>
+            </a:r>
+            <a:r>
+              <a:rPr lang="en-US" altLang="zh-CN" dirty="0">
+                <a:latin typeface="Segoe UI" panose="020B0502040204020203" pitchFamily="34" charset="0"/>
+                <a:cs typeface="Segoe UI" panose="020B0502040204020203" pitchFamily="34" charset="0"/>
+              </a:rPr>
+              <a:t>other</a:t>
+            </a:r>
+            <a:r>
+              <a:rPr lang="zh-CN" altLang="en-US" dirty="0">
+                <a:latin typeface="Segoe UI" panose="020B0502040204020203" pitchFamily="34" charset="0"/>
+                <a:cs typeface="Segoe UI" panose="020B0502040204020203" pitchFamily="34" charset="0"/>
+              </a:rPr>
+              <a:t> </a:t>
+            </a:r>
+            <a:r>
+              <a:rPr lang="en-US" altLang="zh-CN" dirty="0">
+                <a:latin typeface="Segoe UI" panose="020B0502040204020203" pitchFamily="34" charset="0"/>
+                <a:cs typeface="Segoe UI" panose="020B0502040204020203" pitchFamily="34" charset="0"/>
+              </a:rPr>
+              <a:t>celestial</a:t>
+            </a:r>
+            <a:r>
+              <a:rPr lang="zh-CN" altLang="en-US" dirty="0">
+                <a:latin typeface="Segoe UI" panose="020B0502040204020203" pitchFamily="34" charset="0"/>
+                <a:cs typeface="Segoe UI" panose="020B0502040204020203" pitchFamily="34" charset="0"/>
+              </a:rPr>
+              <a:t> </a:t>
+            </a:r>
+            <a:r>
+              <a:rPr lang="en-US" altLang="zh-CN" dirty="0">
+                <a:latin typeface="Segoe UI" panose="020B0502040204020203" pitchFamily="34" charset="0"/>
+                <a:cs typeface="Segoe UI" panose="020B0502040204020203" pitchFamily="34" charset="0"/>
+              </a:rPr>
+              <a:t>objects,</a:t>
+            </a:r>
+            <a:r>
+              <a:rPr lang="zh-CN" altLang="en-US" dirty="0">
+                <a:latin typeface="Segoe UI" panose="020B0502040204020203" pitchFamily="34" charset="0"/>
+                <a:cs typeface="Segoe UI" panose="020B0502040204020203" pitchFamily="34" charset="0"/>
+              </a:rPr>
+              <a:t> </a:t>
+            </a:r>
+            <a:r>
+              <a:rPr lang="en-US" altLang="zh-CN" dirty="0">
+                <a:latin typeface="Segoe UI" panose="020B0502040204020203" pitchFamily="34" charset="0"/>
+                <a:cs typeface="Segoe UI" panose="020B0502040204020203" pitchFamily="34" charset="0"/>
+              </a:rPr>
+              <a:t>however,</a:t>
+            </a:r>
+            <a:r>
+              <a:rPr lang="zh-CN" altLang="en-US" dirty="0">
+                <a:latin typeface="Segoe UI" panose="020B0502040204020203" pitchFamily="34" charset="0"/>
+                <a:cs typeface="Segoe UI" panose="020B0502040204020203" pitchFamily="34" charset="0"/>
+              </a:rPr>
+              <a:t> </a:t>
+            </a:r>
+            <a:r>
+              <a:rPr lang="en-US" altLang="zh-CN" dirty="0">
+                <a:latin typeface="Segoe UI" panose="020B0502040204020203" pitchFamily="34" charset="0"/>
+                <a:cs typeface="Segoe UI" panose="020B0502040204020203" pitchFamily="34" charset="0"/>
+              </a:rPr>
+              <a:t>requires</a:t>
+            </a:r>
+            <a:r>
+              <a:rPr lang="zh-CN" altLang="en-US" dirty="0">
+                <a:latin typeface="Segoe UI" panose="020B0502040204020203" pitchFamily="34" charset="0"/>
+                <a:cs typeface="Segoe UI" panose="020B0502040204020203" pitchFamily="34" charset="0"/>
+              </a:rPr>
+              <a:t> </a:t>
+            </a:r>
+            <a:r>
+              <a:rPr lang="en-US" altLang="zh-CN" dirty="0">
+                <a:latin typeface="Segoe UI" panose="020B0502040204020203" pitchFamily="34" charset="0"/>
+                <a:cs typeface="Segoe UI" panose="020B0502040204020203" pitchFamily="34" charset="0"/>
+              </a:rPr>
+              <a:t>spectroscopic</a:t>
+            </a:r>
+            <a:r>
+              <a:rPr lang="zh-CN" altLang="en-US" dirty="0">
+                <a:latin typeface="Segoe UI" panose="020B0502040204020203" pitchFamily="34" charset="0"/>
+                <a:cs typeface="Segoe UI" panose="020B0502040204020203" pitchFamily="34" charset="0"/>
+              </a:rPr>
+              <a:t> </a:t>
+            </a:r>
+            <a:r>
+              <a:rPr lang="en-US" altLang="zh-CN" dirty="0">
+                <a:latin typeface="Segoe UI" panose="020B0502040204020203" pitchFamily="34" charset="0"/>
+                <a:cs typeface="Segoe UI" panose="020B0502040204020203" pitchFamily="34" charset="0"/>
+              </a:rPr>
+              <a:t>observations</a:t>
+            </a:r>
+            <a:r>
+              <a:rPr lang="zh-CN" altLang="en-US" dirty="0">
+                <a:latin typeface="Segoe UI" panose="020B0502040204020203" pitchFamily="34" charset="0"/>
+                <a:cs typeface="Segoe UI" panose="020B0502040204020203" pitchFamily="34" charset="0"/>
+              </a:rPr>
+              <a:t> </a:t>
+            </a:r>
+            <a:r>
+              <a:rPr lang="en-US" altLang="zh-CN" dirty="0">
+                <a:latin typeface="Segoe UI" panose="020B0502040204020203" pitchFamily="34" charset="0"/>
+                <a:cs typeface="Segoe UI" panose="020B0502040204020203" pitchFamily="34" charset="0"/>
+              </a:rPr>
+              <a:t>for</a:t>
+            </a:r>
+            <a:r>
+              <a:rPr lang="zh-CN" altLang="en-US" dirty="0">
+                <a:latin typeface="Segoe UI" panose="020B0502040204020203" pitchFamily="34" charset="0"/>
+                <a:cs typeface="Segoe UI" panose="020B0502040204020203" pitchFamily="34" charset="0"/>
+              </a:rPr>
+              <a:t> </a:t>
+            </a:r>
+            <a:r>
+              <a:rPr lang="en-US" altLang="zh-CN" dirty="0">
+                <a:latin typeface="Segoe UI" panose="020B0502040204020203" pitchFamily="34" charset="0"/>
+                <a:cs typeface="Segoe UI" panose="020B0502040204020203" pitchFamily="34" charset="0"/>
+              </a:rPr>
+              <a:t>each</a:t>
+            </a:r>
+            <a:r>
+              <a:rPr lang="zh-CN" altLang="en-US" dirty="0">
+                <a:latin typeface="Segoe UI" panose="020B0502040204020203" pitchFamily="34" charset="0"/>
+                <a:cs typeface="Segoe UI" panose="020B0502040204020203" pitchFamily="34" charset="0"/>
+              </a:rPr>
+              <a:t> </a:t>
+            </a:r>
+            <a:r>
+              <a:rPr lang="en-US" altLang="zh-CN" dirty="0">
+                <a:latin typeface="Segoe UI" panose="020B0502040204020203" pitchFamily="34" charset="0"/>
+                <a:cs typeface="Segoe UI" panose="020B0502040204020203" pitchFamily="34" charset="0"/>
+              </a:rPr>
+              <a:t>objects</a:t>
+            </a:r>
+            <a:r>
+              <a:rPr lang="zh-CN" altLang="en-US" dirty="0">
+                <a:latin typeface="Segoe UI" panose="020B0502040204020203" pitchFamily="34" charset="0"/>
+                <a:cs typeface="Segoe UI" panose="020B0502040204020203" pitchFamily="34" charset="0"/>
+              </a:rPr>
+              <a:t> </a:t>
+            </a:r>
+            <a:r>
+              <a:rPr lang="en-US" altLang="zh-CN" dirty="0">
+                <a:latin typeface="Segoe UI" panose="020B0502040204020203" pitchFamily="34" charset="0"/>
+                <a:cs typeface="Segoe UI" panose="020B0502040204020203" pitchFamily="34" charset="0"/>
+              </a:rPr>
+              <a:t>out</a:t>
+            </a:r>
+            <a:r>
+              <a:rPr lang="zh-CN" altLang="en-US" dirty="0">
+                <a:latin typeface="Segoe UI" panose="020B0502040204020203" pitchFamily="34" charset="0"/>
+                <a:cs typeface="Segoe UI" panose="020B0502040204020203" pitchFamily="34" charset="0"/>
+              </a:rPr>
+              <a:t> </a:t>
+            </a:r>
+            <a:r>
+              <a:rPr lang="en-US" altLang="zh-CN" dirty="0">
+                <a:latin typeface="Segoe UI" panose="020B0502040204020203" pitchFamily="34" charset="0"/>
+                <a:cs typeface="Segoe UI" panose="020B0502040204020203" pitchFamily="34" charset="0"/>
+              </a:rPr>
+              <a:t>of</a:t>
+            </a:r>
+            <a:r>
+              <a:rPr lang="zh-CN" altLang="en-US" dirty="0">
+                <a:latin typeface="Segoe UI" panose="020B0502040204020203" pitchFamily="34" charset="0"/>
+                <a:cs typeface="Segoe UI" panose="020B0502040204020203" pitchFamily="34" charset="0"/>
+              </a:rPr>
+              <a:t> </a:t>
+            </a:r>
+            <a:r>
+              <a:rPr lang="en-US" altLang="zh-CN" dirty="0">
+                <a:latin typeface="Segoe UI" panose="020B0502040204020203" pitchFamily="34" charset="0"/>
+                <a:cs typeface="Segoe UI" panose="020B0502040204020203" pitchFamily="34" charset="0"/>
+              </a:rPr>
+              <a:t>thousands</a:t>
+            </a:r>
+            <a:r>
+              <a:rPr lang="zh-CN" altLang="en-US" dirty="0">
+                <a:latin typeface="Segoe UI" panose="020B0502040204020203" pitchFamily="34" charset="0"/>
+                <a:cs typeface="Segoe UI" panose="020B0502040204020203" pitchFamily="34" charset="0"/>
+              </a:rPr>
+              <a:t> </a:t>
+            </a:r>
+            <a:r>
+              <a:rPr lang="en-US" altLang="zh-CN" dirty="0">
+                <a:latin typeface="Segoe UI" panose="020B0502040204020203" pitchFamily="34" charset="0"/>
+                <a:cs typeface="Segoe UI" panose="020B0502040204020203" pitchFamily="34" charset="0"/>
+              </a:rPr>
+              <a:t>of</a:t>
+            </a:r>
+            <a:r>
+              <a:rPr lang="zh-CN" altLang="en-US" dirty="0">
+                <a:latin typeface="Segoe UI" panose="020B0502040204020203" pitchFamily="34" charset="0"/>
+                <a:cs typeface="Segoe UI" panose="020B0502040204020203" pitchFamily="34" charset="0"/>
+              </a:rPr>
+              <a:t> </a:t>
+            </a:r>
+            <a:r>
+              <a:rPr lang="en-US" altLang="zh-CN" dirty="0">
+                <a:latin typeface="Segoe UI" panose="020B0502040204020203" pitchFamily="34" charset="0"/>
+                <a:cs typeface="Segoe UI" panose="020B0502040204020203" pitchFamily="34" charset="0"/>
+              </a:rPr>
+              <a:t>individual</a:t>
+            </a:r>
+            <a:r>
+              <a:rPr lang="zh-CN" altLang="en-US" dirty="0">
+                <a:latin typeface="Segoe UI" panose="020B0502040204020203" pitchFamily="34" charset="0"/>
+                <a:cs typeface="Segoe UI" panose="020B0502040204020203" pitchFamily="34" charset="0"/>
+              </a:rPr>
+              <a:t> </a:t>
+            </a:r>
+            <a:r>
+              <a:rPr lang="en-US" altLang="zh-CN" dirty="0">
+                <a:latin typeface="Segoe UI" panose="020B0502040204020203" pitchFamily="34" charset="0"/>
+                <a:cs typeface="Segoe UI" panose="020B0502040204020203" pitchFamily="34" charset="0"/>
+              </a:rPr>
+              <a:t>sources,</a:t>
+            </a:r>
+            <a:r>
+              <a:rPr lang="zh-CN" altLang="en-US" dirty="0">
+                <a:latin typeface="Segoe UI" panose="020B0502040204020203" pitchFamily="34" charset="0"/>
+                <a:cs typeface="Segoe UI" panose="020B0502040204020203" pitchFamily="34" charset="0"/>
+              </a:rPr>
+              <a:t> </a:t>
+            </a:r>
+            <a:r>
+              <a:rPr lang="en-US" altLang="zh-CN" dirty="0">
+                <a:latin typeface="Segoe UI" panose="020B0502040204020203" pitchFamily="34" charset="0"/>
+                <a:cs typeface="Segoe UI" panose="020B0502040204020203" pitchFamily="34" charset="0"/>
+              </a:rPr>
+              <a:t>one</a:t>
+            </a:r>
+            <a:r>
+              <a:rPr lang="zh-CN" altLang="en-US" dirty="0">
+                <a:latin typeface="Segoe UI" panose="020B0502040204020203" pitchFamily="34" charset="0"/>
+                <a:cs typeface="Segoe UI" panose="020B0502040204020203" pitchFamily="34" charset="0"/>
+              </a:rPr>
+              <a:t> </a:t>
+            </a:r>
+            <a:r>
+              <a:rPr lang="en-US" altLang="zh-CN" dirty="0">
+                <a:latin typeface="Segoe UI" panose="020B0502040204020203" pitchFamily="34" charset="0"/>
+                <a:cs typeface="Segoe UI" panose="020B0502040204020203" pitchFamily="34" charset="0"/>
+              </a:rPr>
+              <a:t>at</a:t>
+            </a:r>
+            <a:r>
+              <a:rPr lang="zh-CN" altLang="en-US" dirty="0">
+                <a:latin typeface="Segoe UI" panose="020B0502040204020203" pitchFamily="34" charset="0"/>
+                <a:cs typeface="Segoe UI" panose="020B0502040204020203" pitchFamily="34" charset="0"/>
+              </a:rPr>
+              <a:t> </a:t>
+            </a:r>
+            <a:r>
+              <a:rPr lang="en-US" altLang="zh-CN" dirty="0">
+                <a:latin typeface="Segoe UI" panose="020B0502040204020203" pitchFamily="34" charset="0"/>
+                <a:cs typeface="Segoe UI" panose="020B0502040204020203" pitchFamily="34" charset="0"/>
+              </a:rPr>
+              <a:t>a</a:t>
+            </a:r>
+            <a:r>
+              <a:rPr lang="zh-CN" altLang="en-US" dirty="0">
+                <a:latin typeface="Segoe UI" panose="020B0502040204020203" pitchFamily="34" charset="0"/>
+                <a:cs typeface="Segoe UI" panose="020B0502040204020203" pitchFamily="34" charset="0"/>
+              </a:rPr>
+              <a:t> </a:t>
+            </a:r>
+            <a:r>
+              <a:rPr lang="en-US" altLang="zh-CN" dirty="0">
+                <a:latin typeface="Segoe UI" panose="020B0502040204020203" pitchFamily="34" charset="0"/>
+                <a:cs typeface="Segoe UI" panose="020B0502040204020203" pitchFamily="34" charset="0"/>
+              </a:rPr>
+              <a:t>time.</a:t>
+            </a:r>
+            <a:r>
+              <a:rPr lang="zh-CN" altLang="en-US" dirty="0">
+                <a:latin typeface="Segoe UI" panose="020B0502040204020203" pitchFamily="34" charset="0"/>
+                <a:cs typeface="Segoe UI" panose="020B0502040204020203" pitchFamily="34" charset="0"/>
+              </a:rPr>
+              <a:t> </a:t>
+            </a:r>
+            <a:r>
+              <a:rPr lang="en-US" altLang="zh-CN" dirty="0">
+                <a:latin typeface="Segoe UI" panose="020B0502040204020203" pitchFamily="34" charset="0"/>
+                <a:cs typeface="Segoe UI" panose="020B0502040204020203" pitchFamily="34" charset="0"/>
+              </a:rPr>
+              <a:t>Thus,</a:t>
+            </a:r>
+            <a:r>
+              <a:rPr lang="zh-CN" altLang="en-US" dirty="0">
+                <a:latin typeface="Segoe UI" panose="020B0502040204020203" pitchFamily="34" charset="0"/>
+                <a:cs typeface="Segoe UI" panose="020B0502040204020203" pitchFamily="34" charset="0"/>
+              </a:rPr>
+              <a:t> </a:t>
+            </a:r>
+            <a:r>
+              <a:rPr lang="en-US" altLang="zh-CN" dirty="0">
+                <a:latin typeface="Segoe UI" panose="020B0502040204020203" pitchFamily="34" charset="0"/>
+                <a:cs typeface="Segoe UI" panose="020B0502040204020203" pitchFamily="34" charset="0"/>
+              </a:rPr>
+              <a:t>the</a:t>
+            </a:r>
+            <a:r>
+              <a:rPr lang="zh-CN" altLang="en-US" dirty="0">
+                <a:latin typeface="Segoe UI" panose="020B0502040204020203" pitchFamily="34" charset="0"/>
+                <a:cs typeface="Segoe UI" panose="020B0502040204020203" pitchFamily="34" charset="0"/>
+              </a:rPr>
+              <a:t> </a:t>
+            </a:r>
+            <a:r>
+              <a:rPr lang="en-US" altLang="zh-CN" dirty="0">
+                <a:latin typeface="Segoe UI" panose="020B0502040204020203" pitchFamily="34" charset="0"/>
+                <a:cs typeface="Segoe UI" panose="020B0502040204020203" pitchFamily="34" charset="0"/>
+              </a:rPr>
+              <a:t>efficient</a:t>
+            </a:r>
+            <a:r>
+              <a:rPr lang="zh-CN" altLang="en-US" dirty="0">
+                <a:latin typeface="Segoe UI" panose="020B0502040204020203" pitchFamily="34" charset="0"/>
+                <a:cs typeface="Segoe UI" panose="020B0502040204020203" pitchFamily="34" charset="0"/>
+              </a:rPr>
+              <a:t> </a:t>
+            </a:r>
+            <a:r>
+              <a:rPr lang="en-US" altLang="zh-CN" dirty="0">
+                <a:latin typeface="Segoe UI" panose="020B0502040204020203" pitchFamily="34" charset="0"/>
+                <a:cs typeface="Segoe UI" panose="020B0502040204020203" pitchFamily="34" charset="0"/>
+              </a:rPr>
+              <a:t>selection</a:t>
+            </a:r>
+            <a:r>
+              <a:rPr lang="zh-CN" altLang="en-US" dirty="0">
+                <a:latin typeface="Segoe UI" panose="020B0502040204020203" pitchFamily="34" charset="0"/>
+                <a:cs typeface="Segoe UI" panose="020B0502040204020203" pitchFamily="34" charset="0"/>
+              </a:rPr>
+              <a:t> </a:t>
+            </a:r>
+            <a:r>
+              <a:rPr lang="en-US" altLang="zh-CN" dirty="0">
+                <a:latin typeface="Segoe UI" panose="020B0502040204020203" pitchFamily="34" charset="0"/>
+                <a:cs typeface="Segoe UI" panose="020B0502040204020203" pitchFamily="34" charset="0"/>
+              </a:rPr>
+              <a:t>of</a:t>
+            </a:r>
+            <a:r>
+              <a:rPr lang="zh-CN" altLang="en-US" dirty="0">
+                <a:latin typeface="Segoe UI" panose="020B0502040204020203" pitchFamily="34" charset="0"/>
+                <a:cs typeface="Segoe UI" panose="020B0502040204020203" pitchFamily="34" charset="0"/>
+              </a:rPr>
+              <a:t> </a:t>
+            </a:r>
+            <a:r>
+              <a:rPr lang="en-US" altLang="zh-CN" dirty="0">
+                <a:latin typeface="Segoe UI" panose="020B0502040204020203" pitchFamily="34" charset="0"/>
+                <a:cs typeface="Segoe UI" panose="020B0502040204020203" pitchFamily="34" charset="0"/>
+              </a:rPr>
+              <a:t>candidates</a:t>
+            </a:r>
+            <a:r>
+              <a:rPr lang="zh-CN" altLang="en-US" dirty="0">
+                <a:latin typeface="Segoe UI" panose="020B0502040204020203" pitchFamily="34" charset="0"/>
+                <a:cs typeface="Segoe UI" panose="020B0502040204020203" pitchFamily="34" charset="0"/>
+              </a:rPr>
+              <a:t> </a:t>
+            </a:r>
+            <a:r>
+              <a:rPr lang="en-US" altLang="zh-CN" dirty="0">
+                <a:latin typeface="Segoe UI" panose="020B0502040204020203" pitchFamily="34" charset="0"/>
+                <a:cs typeface="Segoe UI" panose="020B0502040204020203" pitchFamily="34" charset="0"/>
+              </a:rPr>
+              <a:t>to</a:t>
+            </a:r>
+            <a:r>
+              <a:rPr lang="zh-CN" altLang="en-US" dirty="0">
+                <a:latin typeface="Segoe UI" panose="020B0502040204020203" pitchFamily="34" charset="0"/>
+                <a:cs typeface="Segoe UI" panose="020B0502040204020203" pitchFamily="34" charset="0"/>
+              </a:rPr>
+              <a:t> </a:t>
+            </a:r>
+            <a:r>
+              <a:rPr lang="en-US" altLang="zh-CN" dirty="0">
+                <a:latin typeface="Segoe UI" panose="020B0502040204020203" pitchFamily="34" charset="0"/>
+                <a:cs typeface="Segoe UI" panose="020B0502040204020203" pitchFamily="34" charset="0"/>
+              </a:rPr>
+              <a:t>be</a:t>
+            </a:r>
+            <a:r>
+              <a:rPr lang="zh-CN" altLang="en-US" dirty="0">
+                <a:latin typeface="Segoe UI" panose="020B0502040204020203" pitchFamily="34" charset="0"/>
+                <a:cs typeface="Segoe UI" panose="020B0502040204020203" pitchFamily="34" charset="0"/>
+              </a:rPr>
+              <a:t> </a:t>
+            </a:r>
+            <a:r>
+              <a:rPr lang="en-US" altLang="zh-CN" dirty="0">
+                <a:latin typeface="Segoe UI" panose="020B0502040204020203" pitchFamily="34" charset="0"/>
+                <a:cs typeface="Segoe UI" panose="020B0502040204020203" pitchFamily="34" charset="0"/>
+              </a:rPr>
+              <a:t>observed</a:t>
+            </a:r>
+            <a:r>
+              <a:rPr lang="zh-CN" altLang="en-US" dirty="0">
+                <a:latin typeface="Segoe UI" panose="020B0502040204020203" pitchFamily="34" charset="0"/>
+                <a:cs typeface="Segoe UI" panose="020B0502040204020203" pitchFamily="34" charset="0"/>
+              </a:rPr>
+              <a:t> </a:t>
+            </a:r>
+            <a:r>
+              <a:rPr lang="en-US" altLang="zh-CN" dirty="0">
+                <a:latin typeface="Segoe UI" panose="020B0502040204020203" pitchFamily="34" charset="0"/>
+                <a:cs typeface="Segoe UI" panose="020B0502040204020203" pitchFamily="34" charset="0"/>
+              </a:rPr>
+              <a:t>is</a:t>
+            </a:r>
+            <a:r>
+              <a:rPr lang="zh-CN" altLang="en-US" dirty="0">
+                <a:latin typeface="Segoe UI" panose="020B0502040204020203" pitchFamily="34" charset="0"/>
+                <a:cs typeface="Segoe UI" panose="020B0502040204020203" pitchFamily="34" charset="0"/>
+              </a:rPr>
+              <a:t> </a:t>
+            </a:r>
+            <a:r>
+              <a:rPr lang="en-US" altLang="zh-CN" dirty="0">
+                <a:latin typeface="Segoe UI" panose="020B0502040204020203" pitchFamily="34" charset="0"/>
+                <a:cs typeface="Segoe UI" panose="020B0502040204020203" pitchFamily="34" charset="0"/>
+              </a:rPr>
+              <a:t>very</a:t>
+            </a:r>
+            <a:r>
+              <a:rPr lang="zh-CN" altLang="en-US" dirty="0">
+                <a:latin typeface="Segoe UI" panose="020B0502040204020203" pitchFamily="34" charset="0"/>
+                <a:cs typeface="Segoe UI" panose="020B0502040204020203" pitchFamily="34" charset="0"/>
+              </a:rPr>
+              <a:t> </a:t>
+            </a:r>
+            <a:r>
+              <a:rPr lang="en-US" altLang="zh-CN" dirty="0">
+                <a:latin typeface="Segoe UI" panose="020B0502040204020203" pitchFamily="34" charset="0"/>
+                <a:cs typeface="Segoe UI" panose="020B0502040204020203" pitchFamily="34" charset="0"/>
+              </a:rPr>
+              <a:t>important.</a:t>
+            </a:r>
+            <a:r>
+              <a:rPr lang="zh-CN" altLang="en-US" dirty="0">
+                <a:latin typeface="Segoe UI" panose="020B0502040204020203" pitchFamily="34" charset="0"/>
+                <a:cs typeface="Segoe UI" panose="020B0502040204020203" pitchFamily="34" charset="0"/>
+              </a:rPr>
+              <a:t> </a:t>
+            </a:r>
+            <a:endParaRPr lang="en-US" altLang="zh-CN" sz="1100" dirty="0">
               <a:latin typeface="Segoe UI" panose="020B0502040204020203" pitchFamily="34" charset="0"/>
               <a:cs typeface="Segoe UI" panose="020B0502040204020203" pitchFamily="34" charset="0"/>
             </a:endParaRPr>
           </a:p>
           <a:p>
-            <a:endParaRPr lang="en-US" sz="1100" dirty="0"/>
+            <a:endParaRPr lang="en-US" altLang="zh-CN" sz="1100" dirty="0">
+              <a:latin typeface="Segoe UI" panose="020B0502040204020203" pitchFamily="34" charset="0"/>
+              <a:cs typeface="Segoe UI" panose="020B0502040204020203" pitchFamily="34" charset="0"/>
+            </a:endParaRPr>
           </a:p>
         </p:txBody>
       </p:sp>
@@ -3720,13 +4822,13 @@
           <p:nvPr/>
         </p:nvPicPr>
         <p:blipFill>
-          <a:blip r:embed="rId11">
+          <a:blip r:embed="rId3">
             <a:extLst>
               <a:ext uri="{28A0092B-C50C-407E-A947-70E740481C1C}">
                 <a14:useLocalDpi xmlns:a14="http://schemas.microsoft.com/office/drawing/2010/main" val="0"/>
               </a:ext>
               <a:ext uri="{96DAC541-7B7A-43D3-8B79-37D633B846F1}">
-                <asvg:svgBlip xmlns:asvg="http://schemas.microsoft.com/office/drawing/2016/SVG/main" r:embed="rId12"/>
+                <asvg:svgBlip xmlns:asvg="http://schemas.microsoft.com/office/drawing/2016/SVG/main" r:embed="rId4"/>
               </a:ext>
             </a:extLst>
           </a:blip>
@@ -3759,7 +4861,7 @@
         <p:spPr>
           <a:xfrm>
             <a:off x="5437484" y="6215194"/>
-            <a:ext cx="4139890" cy="1084912"/>
+            <a:ext cx="4139890" cy="538609"/>
           </a:xfrm>
           <a:prstGeom prst="rect">
             <a:avLst/>
@@ -3773,18 +4875,11 @@
           <a:lstStyle/>
           <a:p>
             <a:r>
-              <a:rPr lang="en-US" b="1" dirty="0">
-                <a:latin typeface="Segoe UI" panose="020B0502040204020203" pitchFamily="34" charset="0"/>
-                <a:cs typeface="Segoe UI" panose="020B0502040204020203" pitchFamily="34" charset="0"/>
-              </a:rPr>
-              <a:t>What are you working on?</a:t>
-            </a:r>
-            <a:r>
-              <a:rPr lang="en-US" dirty="0">
-                <a:latin typeface="Segoe UI" panose="020B0502040204020203" pitchFamily="34" charset="0"/>
-                <a:cs typeface="Segoe UI" panose="020B0502040204020203" pitchFamily="34" charset="0"/>
-              </a:rPr>
-              <a:t> Explain your experiment or simulation briefly.  Even better: use a diagram!</a:t>
+              <a:rPr lang="zh-CN" altLang="en-US" dirty="0">
+                <a:latin typeface="Segoe UI" panose="020B0502040204020203" pitchFamily="34" charset="0"/>
+                <a:cs typeface="Segoe UI" panose="020B0502040204020203" pitchFamily="34" charset="0"/>
+              </a:rPr>
+              <a:t> </a:t>
             </a:r>
             <a:endParaRPr lang="en-US" b="1" dirty="0">
               <a:latin typeface="Segoe UI" panose="020B0502040204020203" pitchFamily="34" charset="0"/>
@@ -3796,6 +4891,649 @@
           </a:p>
         </p:txBody>
       </p:sp>
+      <p:pic>
+        <p:nvPicPr>
+          <p:cNvPr id="1028" name="Picture 4" descr="Astronomers discover 'monster' quasar from early universe">
+            <a:extLst>
+              <a:ext uri="{FF2B5EF4-FFF2-40B4-BE49-F238E27FC236}">
+                <a16:creationId xmlns:a16="http://schemas.microsoft.com/office/drawing/2014/main" id="{AA9B30D8-CC4D-9341-A226-B9163176B689}"/>
+              </a:ext>
+            </a:extLst>
+          </p:cNvPr>
+          <p:cNvPicPr>
+            <a:picLocks noChangeAspect="1" noChangeArrowheads="1"/>
+          </p:cNvPicPr>
+          <p:nvPr/>
+        </p:nvPicPr>
+        <p:blipFill>
+          <a:blip r:embed="rId5">
+            <a:extLst>
+              <a:ext uri="{28A0092B-C50C-407E-A947-70E740481C1C}">
+                <a14:useLocalDpi xmlns:a14="http://schemas.microsoft.com/office/drawing/2010/main" val="0"/>
+              </a:ext>
+            </a:extLst>
+          </a:blip>
+          <a:srcRect/>
+          <a:stretch>
+            <a:fillRect/>
+          </a:stretch>
+        </p:blipFill>
+        <p:spPr bwMode="auto">
+          <a:xfrm>
+            <a:off x="438137" y="9701038"/>
+            <a:ext cx="4182781" cy="2314472"/>
+          </a:xfrm>
+          <a:prstGeom prst="rect">
+            <a:avLst/>
+          </a:prstGeom>
+          <a:noFill/>
+          <a:extLst>
+            <a:ext uri="{909E8E84-426E-40DD-AFC4-6F175D3DCCD1}">
+              <a14:hiddenFill xmlns:a14="http://schemas.microsoft.com/office/drawing/2010/main">
+                <a:solidFill>
+                  <a:srgbClr val="FFFFFF"/>
+                </a:solidFill>
+              </a14:hiddenFill>
+            </a:ext>
+          </a:extLst>
+        </p:spPr>
+      </p:pic>
+      <p:sp>
+        <p:nvSpPr>
+          <p:cNvPr id="5" name="Rectangle 4">
+            <a:extLst>
+              <a:ext uri="{FF2B5EF4-FFF2-40B4-BE49-F238E27FC236}">
+                <a16:creationId xmlns:a16="http://schemas.microsoft.com/office/drawing/2014/main" id="{2585FE87-49BB-0B45-9017-74EC6E727B75}"/>
+              </a:ext>
+            </a:extLst>
+          </p:cNvPr>
+          <p:cNvSpPr/>
+          <p:nvPr/>
+        </p:nvSpPr>
+        <p:spPr>
+          <a:xfrm>
+            <a:off x="408284" y="12501911"/>
+            <a:ext cx="4248133" cy="1744982"/>
+          </a:xfrm>
+          <a:prstGeom prst="rect">
+            <a:avLst/>
+          </a:prstGeom>
+        </p:spPr>
+        <p:txBody>
+          <a:bodyPr wrap="square">
+            <a:spAutoFit/>
+          </a:bodyPr>
+          <a:lstStyle/>
+          <a:p>
+            <a:r>
+              <a:rPr lang="en-US" altLang="zh-CN" dirty="0">
+                <a:latin typeface="Segoe UI" panose="020B0502040204020203" pitchFamily="34" charset="0"/>
+                <a:cs typeface="Segoe UI" panose="020B0502040204020203" pitchFamily="34" charset="0"/>
+              </a:rPr>
+              <a:t>My</a:t>
+            </a:r>
+            <a:r>
+              <a:rPr lang="zh-CN" altLang="en-US" dirty="0">
+                <a:latin typeface="Segoe UI" panose="020B0502040204020203" pitchFamily="34" charset="0"/>
+                <a:cs typeface="Segoe UI" panose="020B0502040204020203" pitchFamily="34" charset="0"/>
+              </a:rPr>
+              <a:t> </a:t>
+            </a:r>
+            <a:r>
+              <a:rPr lang="en-US" altLang="zh-CN" dirty="0">
+                <a:latin typeface="Segoe UI" panose="020B0502040204020203" pitchFamily="34" charset="0"/>
+                <a:cs typeface="Segoe UI" panose="020B0502040204020203" pitchFamily="34" charset="0"/>
+              </a:rPr>
+              <a:t>projects</a:t>
+            </a:r>
+            <a:r>
+              <a:rPr lang="zh-CN" altLang="en-US" dirty="0">
+                <a:latin typeface="Segoe UI" panose="020B0502040204020203" pitchFamily="34" charset="0"/>
+                <a:cs typeface="Segoe UI" panose="020B0502040204020203" pitchFamily="34" charset="0"/>
+              </a:rPr>
+              <a:t> </a:t>
+            </a:r>
+            <a:r>
+              <a:rPr lang="en-US" altLang="zh-CN" dirty="0">
+                <a:latin typeface="Segoe UI" panose="020B0502040204020203" pitchFamily="34" charset="0"/>
+                <a:cs typeface="Segoe UI" panose="020B0502040204020203" pitchFamily="34" charset="0"/>
+              </a:rPr>
+              <a:t>focuses</a:t>
+            </a:r>
+            <a:r>
+              <a:rPr lang="zh-CN" altLang="en-US" dirty="0">
+                <a:latin typeface="Segoe UI" panose="020B0502040204020203" pitchFamily="34" charset="0"/>
+                <a:cs typeface="Segoe UI" panose="020B0502040204020203" pitchFamily="34" charset="0"/>
+              </a:rPr>
+              <a:t> </a:t>
+            </a:r>
+            <a:r>
+              <a:rPr lang="en-US" altLang="zh-CN" dirty="0">
+                <a:latin typeface="Segoe UI" panose="020B0502040204020203" pitchFamily="34" charset="0"/>
+                <a:cs typeface="Segoe UI" panose="020B0502040204020203" pitchFamily="34" charset="0"/>
+              </a:rPr>
+              <a:t>on</a:t>
+            </a:r>
+            <a:r>
+              <a:rPr lang="zh-CN" altLang="en-US" dirty="0">
+                <a:latin typeface="Segoe UI" panose="020B0502040204020203" pitchFamily="34" charset="0"/>
+                <a:cs typeface="Segoe UI" panose="020B0502040204020203" pitchFamily="34" charset="0"/>
+              </a:rPr>
+              <a:t> </a:t>
+            </a:r>
+            <a:r>
+              <a:rPr lang="en-US" altLang="zh-CN" dirty="0">
+                <a:latin typeface="Segoe UI" panose="020B0502040204020203" pitchFamily="34" charset="0"/>
+                <a:cs typeface="Segoe UI" panose="020B0502040204020203" pitchFamily="34" charset="0"/>
+              </a:rPr>
+              <a:t>using</a:t>
+            </a:r>
+            <a:r>
+              <a:rPr lang="zh-CN" altLang="en-US" dirty="0">
+                <a:latin typeface="Segoe UI" panose="020B0502040204020203" pitchFamily="34" charset="0"/>
+                <a:cs typeface="Segoe UI" panose="020B0502040204020203" pitchFamily="34" charset="0"/>
+              </a:rPr>
+              <a:t> </a:t>
+            </a:r>
+            <a:r>
+              <a:rPr lang="en-US" altLang="zh-CN" dirty="0">
+                <a:latin typeface="Segoe UI" panose="020B0502040204020203" pitchFamily="34" charset="0"/>
+                <a:cs typeface="Segoe UI" panose="020B0502040204020203" pitchFamily="34" charset="0"/>
+              </a:rPr>
+              <a:t>Random</a:t>
+            </a:r>
+            <a:r>
+              <a:rPr lang="zh-CN" altLang="en-US" dirty="0">
+                <a:latin typeface="Segoe UI" panose="020B0502040204020203" pitchFamily="34" charset="0"/>
+                <a:cs typeface="Segoe UI" panose="020B0502040204020203" pitchFamily="34" charset="0"/>
+              </a:rPr>
+              <a:t> </a:t>
+            </a:r>
+            <a:r>
+              <a:rPr lang="en-US" altLang="zh-CN" dirty="0">
+                <a:latin typeface="Segoe UI" panose="020B0502040204020203" pitchFamily="34" charset="0"/>
+                <a:cs typeface="Segoe UI" panose="020B0502040204020203" pitchFamily="34" charset="0"/>
+              </a:rPr>
+              <a:t>Forest</a:t>
+            </a:r>
+            <a:r>
+              <a:rPr lang="zh-CN" altLang="en-US" dirty="0">
+                <a:latin typeface="Segoe UI" panose="020B0502040204020203" pitchFamily="34" charset="0"/>
+                <a:cs typeface="Segoe UI" panose="020B0502040204020203" pitchFamily="34" charset="0"/>
+              </a:rPr>
+              <a:t> </a:t>
+            </a:r>
+            <a:r>
+              <a:rPr lang="en-US" altLang="zh-CN" dirty="0">
+                <a:latin typeface="Segoe UI" panose="020B0502040204020203" pitchFamily="34" charset="0"/>
+                <a:cs typeface="Segoe UI" panose="020B0502040204020203" pitchFamily="34" charset="0"/>
+              </a:rPr>
+              <a:t>Classifier</a:t>
+            </a:r>
+            <a:r>
+              <a:rPr lang="zh-CN" altLang="en-US" dirty="0">
+                <a:latin typeface="Segoe UI" panose="020B0502040204020203" pitchFamily="34" charset="0"/>
+                <a:cs typeface="Segoe UI" panose="020B0502040204020203" pitchFamily="34" charset="0"/>
+              </a:rPr>
+              <a:t> </a:t>
+            </a:r>
+            <a:r>
+              <a:rPr lang="en-US" altLang="zh-CN" dirty="0">
+                <a:latin typeface="Segoe UI" panose="020B0502040204020203" pitchFamily="34" charset="0"/>
+                <a:cs typeface="Segoe UI" panose="020B0502040204020203" pitchFamily="34" charset="0"/>
+              </a:rPr>
+              <a:t>machine</a:t>
+            </a:r>
+            <a:r>
+              <a:rPr lang="zh-CN" altLang="en-US" dirty="0">
+                <a:latin typeface="Segoe UI" panose="020B0502040204020203" pitchFamily="34" charset="0"/>
+                <a:cs typeface="Segoe UI" panose="020B0502040204020203" pitchFamily="34" charset="0"/>
+              </a:rPr>
+              <a:t> </a:t>
+            </a:r>
+            <a:r>
+              <a:rPr lang="en-US" altLang="zh-CN" dirty="0">
+                <a:latin typeface="Segoe UI" panose="020B0502040204020203" pitchFamily="34" charset="0"/>
+                <a:cs typeface="Segoe UI" panose="020B0502040204020203" pitchFamily="34" charset="0"/>
+              </a:rPr>
+              <a:t>learning</a:t>
+            </a:r>
+            <a:r>
+              <a:rPr lang="zh-CN" altLang="en-US" dirty="0">
+                <a:latin typeface="Segoe UI" panose="020B0502040204020203" pitchFamily="34" charset="0"/>
+                <a:cs typeface="Segoe UI" panose="020B0502040204020203" pitchFamily="34" charset="0"/>
+              </a:rPr>
+              <a:t> </a:t>
+            </a:r>
+            <a:r>
+              <a:rPr lang="en-US" altLang="zh-CN" dirty="0">
+                <a:latin typeface="Segoe UI" panose="020B0502040204020203" pitchFamily="34" charset="0"/>
+                <a:cs typeface="Segoe UI" panose="020B0502040204020203" pitchFamily="34" charset="0"/>
+              </a:rPr>
+              <a:t>model</a:t>
+            </a:r>
+            <a:r>
+              <a:rPr lang="zh-CN" altLang="en-US" dirty="0">
+                <a:latin typeface="Segoe UI" panose="020B0502040204020203" pitchFamily="34" charset="0"/>
+                <a:cs typeface="Segoe UI" panose="020B0502040204020203" pitchFamily="34" charset="0"/>
+              </a:rPr>
+              <a:t> </a:t>
+            </a:r>
+            <a:r>
+              <a:rPr lang="en-US" altLang="zh-CN" dirty="0">
+                <a:latin typeface="Segoe UI" panose="020B0502040204020203" pitchFamily="34" charset="0"/>
+                <a:cs typeface="Segoe UI" panose="020B0502040204020203" pitchFamily="34" charset="0"/>
+              </a:rPr>
+              <a:t>to</a:t>
+            </a:r>
+            <a:r>
+              <a:rPr lang="zh-CN" altLang="en-US" dirty="0">
+                <a:latin typeface="Segoe UI" panose="020B0502040204020203" pitchFamily="34" charset="0"/>
+                <a:cs typeface="Segoe UI" panose="020B0502040204020203" pitchFamily="34" charset="0"/>
+              </a:rPr>
+              <a:t> </a:t>
+            </a:r>
+            <a:r>
+              <a:rPr lang="en-US" altLang="zh-CN" dirty="0">
+                <a:latin typeface="Segoe UI" panose="020B0502040204020203" pitchFamily="34" charset="0"/>
+                <a:cs typeface="Segoe UI" panose="020B0502040204020203" pitchFamily="34" charset="0"/>
+              </a:rPr>
+              <a:t>identify</a:t>
+            </a:r>
+            <a:r>
+              <a:rPr lang="zh-CN" altLang="en-US" dirty="0">
+                <a:latin typeface="Segoe UI" panose="020B0502040204020203" pitchFamily="34" charset="0"/>
+                <a:cs typeface="Segoe UI" panose="020B0502040204020203" pitchFamily="34" charset="0"/>
+              </a:rPr>
+              <a:t> </a:t>
+            </a:r>
+            <a:r>
+              <a:rPr lang="en-US" altLang="zh-CN" dirty="0">
+                <a:latin typeface="Segoe UI" panose="020B0502040204020203" pitchFamily="34" charset="0"/>
+                <a:cs typeface="Segoe UI" panose="020B0502040204020203" pitchFamily="34" charset="0"/>
+              </a:rPr>
+              <a:t>quasars</a:t>
+            </a:r>
+            <a:r>
+              <a:rPr lang="zh-CN" altLang="en-US" dirty="0">
+                <a:latin typeface="Segoe UI" panose="020B0502040204020203" pitchFamily="34" charset="0"/>
+                <a:cs typeface="Segoe UI" panose="020B0502040204020203" pitchFamily="34" charset="0"/>
+              </a:rPr>
+              <a:t> </a:t>
+            </a:r>
+            <a:r>
+              <a:rPr lang="en-US" altLang="zh-CN" dirty="0">
+                <a:latin typeface="Segoe UI" panose="020B0502040204020203" pitchFamily="34" charset="0"/>
+                <a:cs typeface="Segoe UI" panose="020B0502040204020203" pitchFamily="34" charset="0"/>
+              </a:rPr>
+              <a:t>prior</a:t>
+            </a:r>
+            <a:r>
+              <a:rPr lang="zh-CN" altLang="en-US" dirty="0">
+                <a:latin typeface="Segoe UI" panose="020B0502040204020203" pitchFamily="34" charset="0"/>
+                <a:cs typeface="Segoe UI" panose="020B0502040204020203" pitchFamily="34" charset="0"/>
+              </a:rPr>
+              <a:t> </a:t>
+            </a:r>
+            <a:r>
+              <a:rPr lang="en-US" altLang="zh-CN" dirty="0">
+                <a:latin typeface="Segoe UI" panose="020B0502040204020203" pitchFamily="34" charset="0"/>
+                <a:cs typeface="Segoe UI" panose="020B0502040204020203" pitchFamily="34" charset="0"/>
+              </a:rPr>
+              <a:t>to</a:t>
+            </a:r>
+            <a:r>
+              <a:rPr lang="zh-CN" altLang="en-US" dirty="0">
+                <a:latin typeface="Segoe UI" panose="020B0502040204020203" pitchFamily="34" charset="0"/>
+                <a:cs typeface="Segoe UI" panose="020B0502040204020203" pitchFamily="34" charset="0"/>
+              </a:rPr>
+              <a:t> </a:t>
+            </a:r>
+            <a:r>
+              <a:rPr lang="en-US" altLang="zh-CN" dirty="0">
+                <a:latin typeface="Segoe UI" panose="020B0502040204020203" pitchFamily="34" charset="0"/>
+                <a:cs typeface="Segoe UI" panose="020B0502040204020203" pitchFamily="34" charset="0"/>
+              </a:rPr>
+              <a:t>pursuing</a:t>
+            </a:r>
+            <a:r>
+              <a:rPr lang="zh-CN" altLang="en-US" dirty="0">
+                <a:latin typeface="Segoe UI" panose="020B0502040204020203" pitchFamily="34" charset="0"/>
+                <a:cs typeface="Segoe UI" panose="020B0502040204020203" pitchFamily="34" charset="0"/>
+              </a:rPr>
+              <a:t> </a:t>
+            </a:r>
+            <a:r>
+              <a:rPr lang="en-US" altLang="zh-CN" dirty="0">
+                <a:latin typeface="Segoe UI" panose="020B0502040204020203" pitchFamily="34" charset="0"/>
+                <a:cs typeface="Segoe UI" panose="020B0502040204020203" pitchFamily="34" charset="0"/>
+              </a:rPr>
+              <a:t>spectroscopic</a:t>
+            </a:r>
+            <a:r>
+              <a:rPr lang="zh-CN" altLang="en-US" dirty="0">
+                <a:latin typeface="Segoe UI" panose="020B0502040204020203" pitchFamily="34" charset="0"/>
+                <a:cs typeface="Segoe UI" panose="020B0502040204020203" pitchFamily="34" charset="0"/>
+              </a:rPr>
+              <a:t> </a:t>
+            </a:r>
+            <a:r>
+              <a:rPr lang="en-US" altLang="zh-CN" dirty="0">
+                <a:latin typeface="Segoe UI" panose="020B0502040204020203" pitchFamily="34" charset="0"/>
+                <a:cs typeface="Segoe UI" panose="020B0502040204020203" pitchFamily="34" charset="0"/>
+              </a:rPr>
+              <a:t>observation,</a:t>
+            </a:r>
+            <a:r>
+              <a:rPr lang="zh-CN" altLang="en-US" dirty="0">
+                <a:latin typeface="Segoe UI" panose="020B0502040204020203" pitchFamily="34" charset="0"/>
+                <a:cs typeface="Segoe UI" panose="020B0502040204020203" pitchFamily="34" charset="0"/>
+              </a:rPr>
+              <a:t> </a:t>
+            </a:r>
+            <a:r>
+              <a:rPr lang="en-US" altLang="zh-CN" dirty="0">
+                <a:latin typeface="Segoe UI" panose="020B0502040204020203" pitchFamily="34" charset="0"/>
+                <a:cs typeface="Segoe UI" panose="020B0502040204020203" pitchFamily="34" charset="0"/>
+              </a:rPr>
+              <a:t>thus</a:t>
+            </a:r>
+            <a:r>
+              <a:rPr lang="zh-CN" altLang="en-US" dirty="0">
+                <a:latin typeface="Segoe UI" panose="020B0502040204020203" pitchFamily="34" charset="0"/>
+                <a:cs typeface="Segoe UI" panose="020B0502040204020203" pitchFamily="34" charset="0"/>
+              </a:rPr>
+              <a:t> </a:t>
+            </a:r>
+            <a:r>
+              <a:rPr lang="en-US" altLang="zh-CN" dirty="0">
+                <a:latin typeface="Segoe UI" panose="020B0502040204020203" pitchFamily="34" charset="0"/>
+                <a:cs typeface="Segoe UI" panose="020B0502040204020203" pitchFamily="34" charset="0"/>
+              </a:rPr>
+              <a:t>improving</a:t>
+            </a:r>
+            <a:r>
+              <a:rPr lang="zh-CN" altLang="en-US" dirty="0">
+                <a:latin typeface="Segoe UI" panose="020B0502040204020203" pitchFamily="34" charset="0"/>
+                <a:cs typeface="Segoe UI" panose="020B0502040204020203" pitchFamily="34" charset="0"/>
+              </a:rPr>
+              <a:t> </a:t>
+            </a:r>
+            <a:r>
+              <a:rPr lang="en-US" altLang="zh-CN" dirty="0">
+                <a:latin typeface="Segoe UI" panose="020B0502040204020203" pitchFamily="34" charset="0"/>
+                <a:cs typeface="Segoe UI" panose="020B0502040204020203" pitchFamily="34" charset="0"/>
+              </a:rPr>
+              <a:t>the</a:t>
+            </a:r>
+            <a:r>
+              <a:rPr lang="zh-CN" altLang="en-US" dirty="0">
+                <a:latin typeface="Segoe UI" panose="020B0502040204020203" pitchFamily="34" charset="0"/>
+                <a:cs typeface="Segoe UI" panose="020B0502040204020203" pitchFamily="34" charset="0"/>
+              </a:rPr>
+              <a:t> </a:t>
+            </a:r>
+            <a:r>
+              <a:rPr lang="en-US" altLang="zh-CN" dirty="0">
+                <a:latin typeface="Segoe UI" panose="020B0502040204020203" pitchFamily="34" charset="0"/>
+                <a:cs typeface="Segoe UI" panose="020B0502040204020203" pitchFamily="34" charset="0"/>
+              </a:rPr>
+              <a:t>efficiency</a:t>
+            </a:r>
+            <a:r>
+              <a:rPr lang="zh-CN" altLang="en-US" dirty="0">
+                <a:latin typeface="Segoe UI" panose="020B0502040204020203" pitchFamily="34" charset="0"/>
+                <a:cs typeface="Segoe UI" panose="020B0502040204020203" pitchFamily="34" charset="0"/>
+              </a:rPr>
+              <a:t> </a:t>
+            </a:r>
+            <a:r>
+              <a:rPr lang="en-US" altLang="zh-CN" dirty="0">
+                <a:latin typeface="Segoe UI" panose="020B0502040204020203" pitchFamily="34" charset="0"/>
+                <a:cs typeface="Segoe UI" panose="020B0502040204020203" pitchFamily="34" charset="0"/>
+              </a:rPr>
+              <a:t>of</a:t>
+            </a:r>
+            <a:r>
+              <a:rPr lang="zh-CN" altLang="en-US" dirty="0">
+                <a:latin typeface="Segoe UI" panose="020B0502040204020203" pitchFamily="34" charset="0"/>
+                <a:cs typeface="Segoe UI" panose="020B0502040204020203" pitchFamily="34" charset="0"/>
+              </a:rPr>
+              <a:t> </a:t>
+            </a:r>
+            <a:r>
+              <a:rPr lang="en-US" altLang="zh-CN" dirty="0">
+                <a:latin typeface="Segoe UI" panose="020B0502040204020203" pitchFamily="34" charset="0"/>
+                <a:cs typeface="Segoe UI" panose="020B0502040204020203" pitchFamily="34" charset="0"/>
+              </a:rPr>
+              <a:t>the</a:t>
+            </a:r>
+            <a:r>
+              <a:rPr lang="zh-CN" altLang="en-US" dirty="0">
+                <a:latin typeface="Segoe UI" panose="020B0502040204020203" pitchFamily="34" charset="0"/>
+                <a:cs typeface="Segoe UI" panose="020B0502040204020203" pitchFamily="34" charset="0"/>
+              </a:rPr>
+              <a:t> </a:t>
+            </a:r>
+            <a:r>
+              <a:rPr lang="en-US" altLang="zh-CN" dirty="0">
+                <a:latin typeface="Segoe UI" panose="020B0502040204020203" pitchFamily="34" charset="0"/>
+                <a:cs typeface="Segoe UI" panose="020B0502040204020203" pitchFamily="34" charset="0"/>
+              </a:rPr>
+              <a:t>selection</a:t>
+            </a:r>
+            <a:r>
+              <a:rPr lang="zh-CN" altLang="en-US" dirty="0">
+                <a:latin typeface="Segoe UI" panose="020B0502040204020203" pitchFamily="34" charset="0"/>
+                <a:cs typeface="Segoe UI" panose="020B0502040204020203" pitchFamily="34" charset="0"/>
+              </a:rPr>
+              <a:t> </a:t>
+            </a:r>
+            <a:r>
+              <a:rPr lang="en-US" altLang="zh-CN" dirty="0">
+                <a:latin typeface="Segoe UI" panose="020B0502040204020203" pitchFamily="34" charset="0"/>
+                <a:cs typeface="Segoe UI" panose="020B0502040204020203" pitchFamily="34" charset="0"/>
+              </a:rPr>
+              <a:t>of</a:t>
+            </a:r>
+            <a:r>
+              <a:rPr lang="zh-CN" altLang="en-US" dirty="0">
+                <a:latin typeface="Segoe UI" panose="020B0502040204020203" pitchFamily="34" charset="0"/>
+                <a:cs typeface="Segoe UI" panose="020B0502040204020203" pitchFamily="34" charset="0"/>
+              </a:rPr>
+              <a:t> </a:t>
+            </a:r>
+            <a:r>
+              <a:rPr lang="en-US" altLang="zh-CN" dirty="0">
+                <a:latin typeface="Segoe UI" panose="020B0502040204020203" pitchFamily="34" charset="0"/>
+                <a:cs typeface="Segoe UI" panose="020B0502040204020203" pitchFamily="34" charset="0"/>
+              </a:rPr>
+              <a:t>quasar</a:t>
+            </a:r>
+            <a:r>
+              <a:rPr lang="zh-CN" altLang="en-US" dirty="0">
+                <a:latin typeface="Segoe UI" panose="020B0502040204020203" pitchFamily="34" charset="0"/>
+                <a:cs typeface="Segoe UI" panose="020B0502040204020203" pitchFamily="34" charset="0"/>
+              </a:rPr>
+              <a:t> </a:t>
+            </a:r>
+            <a:r>
+              <a:rPr lang="en-US" altLang="zh-CN" dirty="0">
+                <a:latin typeface="Segoe UI" panose="020B0502040204020203" pitchFamily="34" charset="0"/>
+                <a:cs typeface="Segoe UI" panose="020B0502040204020203" pitchFamily="34" charset="0"/>
+              </a:rPr>
+              <a:t>candidates.</a:t>
+            </a:r>
+            <a:r>
+              <a:rPr lang="zh-CN" altLang="en-US" dirty="0">
+                <a:latin typeface="Segoe UI" panose="020B0502040204020203" pitchFamily="34" charset="0"/>
+                <a:cs typeface="Segoe UI" panose="020B0502040204020203" pitchFamily="34" charset="0"/>
+              </a:rPr>
+              <a:t> </a:t>
+            </a:r>
+            <a:endParaRPr lang="en-US" altLang="zh-CN" dirty="0">
+              <a:latin typeface="Segoe UI" panose="020B0502040204020203" pitchFamily="34" charset="0"/>
+              <a:cs typeface="Segoe UI" panose="020B0502040204020203" pitchFamily="34" charset="0"/>
+            </a:endParaRPr>
+          </a:p>
+        </p:txBody>
+      </p:sp>
+      <p:sp>
+        <p:nvSpPr>
+          <p:cNvPr id="25" name="TextBox 24">
+            <a:extLst>
+              <a:ext uri="{FF2B5EF4-FFF2-40B4-BE49-F238E27FC236}">
+                <a16:creationId xmlns:a16="http://schemas.microsoft.com/office/drawing/2014/main" id="{112AC638-0D81-D54C-95C7-898A8F68AE87}"/>
+              </a:ext>
+            </a:extLst>
+          </p:cNvPr>
+          <p:cNvSpPr txBox="1"/>
+          <p:nvPr/>
+        </p:nvSpPr>
+        <p:spPr>
+          <a:xfrm>
+            <a:off x="402638" y="12024054"/>
+            <a:ext cx="3307829" cy="276999"/>
+          </a:xfrm>
+          <a:prstGeom prst="rect">
+            <a:avLst/>
+          </a:prstGeom>
+          <a:noFill/>
+        </p:spPr>
+        <p:txBody>
+          <a:bodyPr wrap="none" rtlCol="0">
+            <a:spAutoFit/>
+          </a:bodyPr>
+          <a:lstStyle/>
+          <a:p>
+            <a:r>
+              <a:rPr lang="en-US" altLang="zh-CN" sz="1200" dirty="0">
+                <a:latin typeface="Segoe UI" panose="020B0502040204020203" pitchFamily="34" charset="0"/>
+                <a:cs typeface="Segoe UI" panose="020B0502040204020203" pitchFamily="34" charset="0"/>
+              </a:rPr>
+              <a:t>an</a:t>
+            </a:r>
+            <a:r>
+              <a:rPr lang="zh-CN" altLang="en-US" sz="1200" dirty="0">
+                <a:latin typeface="Segoe UI" panose="020B0502040204020203" pitchFamily="34" charset="0"/>
+                <a:cs typeface="Segoe UI" panose="020B0502040204020203" pitchFamily="34" charset="0"/>
+              </a:rPr>
+              <a:t> </a:t>
+            </a:r>
+            <a:r>
+              <a:rPr lang="en-US" altLang="zh-CN" sz="1200" dirty="0">
+                <a:latin typeface="Segoe UI" panose="020B0502040204020203" pitchFamily="34" charset="0"/>
+                <a:cs typeface="Segoe UI" panose="020B0502040204020203" pitchFamily="34" charset="0"/>
+              </a:rPr>
+              <a:t>artist’s</a:t>
+            </a:r>
+            <a:r>
+              <a:rPr lang="zh-CN" altLang="en-US" sz="1200" dirty="0">
+                <a:latin typeface="Segoe UI" panose="020B0502040204020203" pitchFamily="34" charset="0"/>
+                <a:cs typeface="Segoe UI" panose="020B0502040204020203" pitchFamily="34" charset="0"/>
+              </a:rPr>
+              <a:t> </a:t>
+            </a:r>
+            <a:r>
+              <a:rPr lang="en-US" altLang="zh-CN" sz="1200" dirty="0">
+                <a:latin typeface="Segoe UI" panose="020B0502040204020203" pitchFamily="34" charset="0"/>
+                <a:cs typeface="Segoe UI" panose="020B0502040204020203" pitchFamily="34" charset="0"/>
+              </a:rPr>
+              <a:t>impression</a:t>
+            </a:r>
+            <a:r>
+              <a:rPr lang="zh-CN" altLang="en-US" sz="1200" dirty="0">
+                <a:latin typeface="Segoe UI" panose="020B0502040204020203" pitchFamily="34" charset="0"/>
+                <a:cs typeface="Segoe UI" panose="020B0502040204020203" pitchFamily="34" charset="0"/>
+              </a:rPr>
+              <a:t> </a:t>
+            </a:r>
+            <a:r>
+              <a:rPr lang="en-US" altLang="zh-CN" sz="1200" dirty="0">
+                <a:latin typeface="Segoe UI" panose="020B0502040204020203" pitchFamily="34" charset="0"/>
+                <a:cs typeface="Segoe UI" panose="020B0502040204020203" pitchFamily="34" charset="0"/>
+              </a:rPr>
+              <a:t>of</a:t>
+            </a:r>
+            <a:r>
+              <a:rPr lang="zh-CN" altLang="en-US" sz="1200" dirty="0">
+                <a:latin typeface="Segoe UI" panose="020B0502040204020203" pitchFamily="34" charset="0"/>
+                <a:cs typeface="Segoe UI" panose="020B0502040204020203" pitchFamily="34" charset="0"/>
+              </a:rPr>
+              <a:t> </a:t>
+            </a:r>
+            <a:r>
+              <a:rPr lang="en-US" altLang="zh-CN" sz="1200" dirty="0">
+                <a:latin typeface="Segoe UI" panose="020B0502040204020203" pitchFamily="34" charset="0"/>
+                <a:cs typeface="Segoe UI" panose="020B0502040204020203" pitchFamily="34" charset="0"/>
+              </a:rPr>
+              <a:t>the</a:t>
+            </a:r>
+            <a:r>
+              <a:rPr lang="zh-CN" altLang="en-US" sz="1200" dirty="0">
+                <a:latin typeface="Segoe UI" panose="020B0502040204020203" pitchFamily="34" charset="0"/>
+                <a:cs typeface="Segoe UI" panose="020B0502040204020203" pitchFamily="34" charset="0"/>
+              </a:rPr>
+              <a:t> </a:t>
+            </a:r>
+            <a:r>
+              <a:rPr lang="en-US" altLang="zh-CN" sz="1200" dirty="0">
+                <a:latin typeface="Segoe UI" panose="020B0502040204020203" pitchFamily="34" charset="0"/>
+                <a:cs typeface="Segoe UI" panose="020B0502040204020203" pitchFamily="34" charset="0"/>
+              </a:rPr>
+              <a:t>quasar</a:t>
+            </a:r>
+            <a:r>
+              <a:rPr lang="zh-CN" altLang="en-US" sz="1200" dirty="0">
+                <a:latin typeface="Segoe UI" panose="020B0502040204020203" pitchFamily="34" charset="0"/>
+                <a:cs typeface="Segoe UI" panose="020B0502040204020203" pitchFamily="34" charset="0"/>
+              </a:rPr>
+              <a:t> </a:t>
+            </a:r>
+            <a:r>
+              <a:rPr lang="en-US" altLang="zh-CN" sz="1200" dirty="0" err="1">
+                <a:latin typeface="Segoe UI" panose="020B0502040204020203" pitchFamily="34" charset="0"/>
+                <a:cs typeface="Segoe UI" panose="020B0502040204020203" pitchFamily="34" charset="0"/>
+              </a:rPr>
+              <a:t>Poniua’ena</a:t>
+            </a:r>
+            <a:endParaRPr lang="en-US" sz="1200" dirty="0">
+              <a:latin typeface="Segoe UI" panose="020B0502040204020203" pitchFamily="34" charset="0"/>
+              <a:cs typeface="Segoe UI" panose="020B0502040204020203" pitchFamily="34" charset="0"/>
+            </a:endParaRPr>
+          </a:p>
+        </p:txBody>
+      </p:sp>
+      <p:pic>
+        <p:nvPicPr>
+          <p:cNvPr id="6" name="Picture 5">
+            <a:extLst>
+              <a:ext uri="{FF2B5EF4-FFF2-40B4-BE49-F238E27FC236}">
+                <a16:creationId xmlns:a16="http://schemas.microsoft.com/office/drawing/2014/main" id="{78DD0C75-5A7B-FA48-B90C-28CDD19BC4C2}"/>
+              </a:ext>
+            </a:extLst>
+          </p:cNvPr>
+          <p:cNvPicPr>
+            <a:picLocks noChangeAspect="1"/>
+          </p:cNvPicPr>
+          <p:nvPr/>
+        </p:nvPicPr>
+        <p:blipFill>
+          <a:blip r:embed="rId6"/>
+          <a:stretch>
+            <a:fillRect/>
+          </a:stretch>
+        </p:blipFill>
+        <p:spPr>
+          <a:xfrm>
+            <a:off x="4690771" y="6735136"/>
+            <a:ext cx="5486400" cy="3657600"/>
+          </a:xfrm>
+          <a:prstGeom prst="rect">
+            <a:avLst/>
+          </a:prstGeom>
+        </p:spPr>
+      </p:pic>
     </p:spTree>
     <p:extLst>
       <p:ext uri="{BB962C8B-B14F-4D97-AF65-F5344CB8AC3E}">

--- a/poster/poster_rough.pptx
+++ b/poster/poster_rough.pptx
@@ -3048,7 +3048,7 @@
         </p:nvSpPr>
         <p:spPr>
           <a:xfrm>
-            <a:off x="0" y="-3471"/>
+            <a:off x="0" y="-8287"/>
             <a:ext cx="10058400" cy="3935259"/>
           </a:xfrm>
           <a:prstGeom prst="rect">
@@ -3134,7 +3134,7 @@
                 <a:latin typeface="Lato" panose="020F0502020204030203"/>
                 <a:cs typeface="Arial" panose="020B0604020202020204" pitchFamily="34" charset="0"/>
               </a:rPr>
-              <a:t>Random</a:t>
+              <a:t>random</a:t>
             </a:r>
             <a:r>
               <a:rPr lang="zh-CN" altLang="en-US" sz="4800" b="1" dirty="0">
@@ -3154,7 +3154,7 @@
                 <a:latin typeface="Lato" panose="020F0502020204030203"/>
                 <a:cs typeface="Arial" panose="020B0604020202020204" pitchFamily="34" charset="0"/>
               </a:rPr>
-              <a:t>Forest</a:t>
+              <a:t>forest</a:t>
             </a:r>
             <a:r>
               <a:rPr lang="zh-CN" altLang="en-US" sz="4800" b="1" dirty="0">
@@ -3166,6 +3166,20 @@
               </a:rPr>
               <a:t> </a:t>
             </a:r>
+            <a:endParaRPr lang="en-US" altLang="zh-CN" sz="4800" b="1" dirty="0">
+              <a:solidFill>
+                <a:schemeClr val="bg1"/>
+              </a:solidFill>
+              <a:latin typeface="Lato" panose="020F0502020204030203"/>
+              <a:cs typeface="Arial" panose="020B0604020202020204" pitchFamily="34" charset="0"/>
+            </a:endParaRPr>
+          </a:p>
+          <a:p>
+            <a:pPr>
+              <a:lnSpc>
+                <a:spcPct val="130000"/>
+              </a:lnSpc>
+            </a:pPr>
             <a:r>
               <a:rPr lang="en-US" altLang="zh-CN" sz="4800" b="1" dirty="0">
                 <a:solidFill>
@@ -3174,7 +3188,7 @@
                 <a:latin typeface="Lato" panose="020F0502020204030203"/>
                 <a:cs typeface="Arial" panose="020B0604020202020204" pitchFamily="34" charset="0"/>
               </a:rPr>
-              <a:t>Classifier,</a:t>
+              <a:t>classifier,</a:t>
             </a:r>
             <a:r>
               <a:rPr lang="zh-CN" altLang="en-US" sz="4800" b="1" dirty="0">
@@ -3420,7 +3434,7 @@
         </p:nvSpPr>
         <p:spPr>
           <a:xfrm>
-            <a:off x="457200" y="4061602"/>
+            <a:off x="402638" y="4029349"/>
             <a:ext cx="9139237" cy="954107"/>
           </a:xfrm>
           <a:prstGeom prst="rect">
@@ -3742,7 +3756,7 @@
         </p:nvSpPr>
         <p:spPr>
           <a:xfrm>
-            <a:off x="438138" y="4961800"/>
+            <a:off x="438137" y="5046214"/>
             <a:ext cx="9139236" cy="461665"/>
           </a:xfrm>
           <a:prstGeom prst="rect">
@@ -3787,60 +3801,6 @@
                 </a:schemeClr>
               </a:solidFill>
             </a:endParaRPr>
-          </a:p>
-        </p:txBody>
-      </p:sp>
-      <p:sp>
-        <p:nvSpPr>
-          <p:cNvPr id="51" name="TextBox 50">
-            <a:extLst>
-              <a:ext uri="{FF2B5EF4-FFF2-40B4-BE49-F238E27FC236}">
-                <a16:creationId xmlns:a16="http://schemas.microsoft.com/office/drawing/2014/main" id="{ADF86B86-47C4-47B4-AD85-9BED01981695}"/>
-              </a:ext>
-            </a:extLst>
-          </p:cNvPr>
-          <p:cNvSpPr txBox="1"/>
-          <p:nvPr/>
-        </p:nvSpPr>
-        <p:spPr>
-          <a:xfrm>
-            <a:off x="5411259" y="10420011"/>
-            <a:ext cx="4185178" cy="646331"/>
-          </a:xfrm>
-          <a:prstGeom prst="rect">
-            <a:avLst/>
-          </a:prstGeom>
-          <a:noFill/>
-        </p:spPr>
-        <p:txBody>
-          <a:bodyPr wrap="square" rtlCol="0">
-            <a:spAutoFit/>
-          </a:bodyPr>
-          <a:lstStyle/>
-          <a:p>
-            <a:r>
-              <a:rPr lang="en-US" dirty="0">
-                <a:latin typeface="Segoe UI" panose="020B0502040204020203" pitchFamily="34" charset="0"/>
-                <a:ea typeface="Segoe UI Black" panose="020B0A02040204020203" pitchFamily="34" charset="0"/>
-                <a:cs typeface="Segoe UI" panose="020B0502040204020203" pitchFamily="34" charset="0"/>
-              </a:rPr>
-              <a:t>Quickly explain what the graph shows.</a:t>
-            </a:r>
-            <a:r>
-              <a:rPr lang="en-US" dirty="0">
-                <a:latin typeface="Segoe UI" panose="020B0502040204020203" pitchFamily="34" charset="0"/>
-                <a:cs typeface="Segoe UI" panose="020B0502040204020203" pitchFamily="34" charset="0"/>
-              </a:rPr>
-              <a:t> </a:t>
-            </a:r>
-            <a:r>
-              <a:rPr lang="en-US" dirty="0">
-                <a:latin typeface="Segoe UI Black" panose="020B0A02040204020203" pitchFamily="34" charset="0"/>
-                <a:ea typeface="Segoe UI Black" panose="020B0A02040204020203" pitchFamily="34" charset="0"/>
-                <a:cs typeface="Segoe UI" panose="020B0502040204020203" pitchFamily="34" charset="0"/>
-              </a:rPr>
-              <a:t>Help people think.</a:t>
-            </a:r>
           </a:p>
         </p:txBody>
       </p:sp>
@@ -3900,7 +3860,7 @@
         <p:spPr>
           <a:xfrm>
             <a:off x="438137" y="6235955"/>
-            <a:ext cx="4182781" cy="3585597"/>
+            <a:ext cx="4182781" cy="5262979"/>
           </a:xfrm>
           <a:prstGeom prst="rect">
             <a:avLst/>
@@ -3914,852 +3874,1288 @@
           <a:lstStyle/>
           <a:p>
             <a:r>
-              <a:rPr lang="en-US" altLang="zh-CN" dirty="0">
+              <a:rPr lang="en-US" altLang="zh-CN" sz="1600" dirty="0">
                 <a:latin typeface="Segoe UI" panose="020B0502040204020203" pitchFamily="34" charset="0"/>
                 <a:cs typeface="Segoe UI" panose="020B0502040204020203" pitchFamily="34" charset="0"/>
               </a:rPr>
               <a:t>Quasars</a:t>
             </a:r>
             <a:r>
-              <a:rPr lang="zh-CN" altLang="en-US" dirty="0">
-                <a:latin typeface="Segoe UI" panose="020B0502040204020203" pitchFamily="34" charset="0"/>
-                <a:cs typeface="Segoe UI" panose="020B0502040204020203" pitchFamily="34" charset="0"/>
-              </a:rPr>
-              <a:t> </a:t>
-            </a:r>
-            <a:r>
-              <a:rPr lang="en-US" altLang="zh-CN" dirty="0">
+              <a:rPr lang="zh-CN" altLang="en-US" sz="1600" dirty="0">
+                <a:latin typeface="Segoe UI" panose="020B0502040204020203" pitchFamily="34" charset="0"/>
+                <a:cs typeface="Segoe UI" panose="020B0502040204020203" pitchFamily="34" charset="0"/>
+              </a:rPr>
+              <a:t> </a:t>
+            </a:r>
+            <a:r>
+              <a:rPr lang="en-US" altLang="zh-CN" sz="1600" dirty="0">
                 <a:latin typeface="Segoe UI" panose="020B0502040204020203" pitchFamily="34" charset="0"/>
                 <a:cs typeface="Segoe UI" panose="020B0502040204020203" pitchFamily="34" charset="0"/>
               </a:rPr>
               <a:t>are</a:t>
             </a:r>
             <a:r>
-              <a:rPr lang="zh-CN" altLang="en-US" dirty="0">
-                <a:latin typeface="Segoe UI" panose="020B0502040204020203" pitchFamily="34" charset="0"/>
-                <a:cs typeface="Segoe UI" panose="020B0502040204020203" pitchFamily="34" charset="0"/>
-              </a:rPr>
-              <a:t> </a:t>
-            </a:r>
-            <a:r>
-              <a:rPr lang="en-US" altLang="zh-CN" dirty="0">
+              <a:rPr lang="zh-CN" altLang="en-US" sz="1600" dirty="0">
+                <a:latin typeface="Segoe UI" panose="020B0502040204020203" pitchFamily="34" charset="0"/>
+                <a:cs typeface="Segoe UI" panose="020B0502040204020203" pitchFamily="34" charset="0"/>
+              </a:rPr>
+              <a:t> </a:t>
+            </a:r>
+            <a:r>
+              <a:rPr lang="en-US" altLang="zh-CN" sz="1600" dirty="0">
                 <a:latin typeface="Segoe UI" panose="020B0502040204020203" pitchFamily="34" charset="0"/>
                 <a:cs typeface="Segoe UI" panose="020B0502040204020203" pitchFamily="34" charset="0"/>
               </a:rPr>
               <a:t>extremely</a:t>
             </a:r>
             <a:r>
-              <a:rPr lang="zh-CN" altLang="en-US" dirty="0">
-                <a:latin typeface="Segoe UI" panose="020B0502040204020203" pitchFamily="34" charset="0"/>
-                <a:cs typeface="Segoe UI" panose="020B0502040204020203" pitchFamily="34" charset="0"/>
-              </a:rPr>
-              <a:t> </a:t>
-            </a:r>
-            <a:r>
-              <a:rPr lang="en-US" altLang="zh-CN" dirty="0">
+              <a:rPr lang="zh-CN" altLang="en-US" sz="1600" dirty="0">
+                <a:latin typeface="Segoe UI" panose="020B0502040204020203" pitchFamily="34" charset="0"/>
+                <a:cs typeface="Segoe UI" panose="020B0502040204020203" pitchFamily="34" charset="0"/>
+              </a:rPr>
+              <a:t> </a:t>
+            </a:r>
+            <a:r>
+              <a:rPr lang="en-US" altLang="zh-CN" sz="1600" dirty="0">
                 <a:latin typeface="Segoe UI" panose="020B0502040204020203" pitchFamily="34" charset="0"/>
                 <a:cs typeface="Segoe UI" panose="020B0502040204020203" pitchFamily="34" charset="0"/>
               </a:rPr>
               <a:t>luminous</a:t>
             </a:r>
             <a:r>
-              <a:rPr lang="zh-CN" altLang="en-US" dirty="0">
-                <a:latin typeface="Segoe UI" panose="020B0502040204020203" pitchFamily="34" charset="0"/>
-                <a:cs typeface="Segoe UI" panose="020B0502040204020203" pitchFamily="34" charset="0"/>
-              </a:rPr>
-              <a:t> </a:t>
-            </a:r>
-            <a:r>
-              <a:rPr lang="en-US" altLang="zh-CN" dirty="0">
+              <a:rPr lang="zh-CN" altLang="en-US" sz="1600" dirty="0">
+                <a:latin typeface="Segoe UI" panose="020B0502040204020203" pitchFamily="34" charset="0"/>
+                <a:cs typeface="Segoe UI" panose="020B0502040204020203" pitchFamily="34" charset="0"/>
+              </a:rPr>
+              <a:t> </a:t>
+            </a:r>
+            <a:r>
+              <a:rPr lang="en-US" altLang="zh-CN" sz="1600" dirty="0">
                 <a:latin typeface="Segoe UI" panose="020B0502040204020203" pitchFamily="34" charset="0"/>
                 <a:cs typeface="Segoe UI" panose="020B0502040204020203" pitchFamily="34" charset="0"/>
               </a:rPr>
               <a:t>astronomical</a:t>
             </a:r>
             <a:r>
-              <a:rPr lang="zh-CN" altLang="en-US" dirty="0">
-                <a:latin typeface="Segoe UI" panose="020B0502040204020203" pitchFamily="34" charset="0"/>
-                <a:cs typeface="Segoe UI" panose="020B0502040204020203" pitchFamily="34" charset="0"/>
-              </a:rPr>
-              <a:t> </a:t>
-            </a:r>
-            <a:r>
-              <a:rPr lang="en-US" altLang="zh-CN" dirty="0">
+              <a:rPr lang="zh-CN" altLang="en-US" sz="1600" dirty="0">
+                <a:latin typeface="Segoe UI" panose="020B0502040204020203" pitchFamily="34" charset="0"/>
+                <a:cs typeface="Segoe UI" panose="020B0502040204020203" pitchFamily="34" charset="0"/>
+              </a:rPr>
+              <a:t> </a:t>
+            </a:r>
+            <a:r>
+              <a:rPr lang="en-US" altLang="zh-CN" sz="1600" dirty="0">
                 <a:latin typeface="Segoe UI" panose="020B0502040204020203" pitchFamily="34" charset="0"/>
                 <a:cs typeface="Segoe UI" panose="020B0502040204020203" pitchFamily="34" charset="0"/>
               </a:rPr>
               <a:t>objects</a:t>
             </a:r>
             <a:r>
-              <a:rPr lang="zh-CN" altLang="en-US" dirty="0">
-                <a:latin typeface="Segoe UI" panose="020B0502040204020203" pitchFamily="34" charset="0"/>
-                <a:cs typeface="Segoe UI" panose="020B0502040204020203" pitchFamily="34" charset="0"/>
-              </a:rPr>
-              <a:t> </a:t>
-            </a:r>
-            <a:r>
-              <a:rPr lang="en-US" altLang="zh-CN" dirty="0">
+              <a:rPr lang="zh-CN" altLang="en-US" sz="1600" dirty="0">
+                <a:latin typeface="Segoe UI" panose="020B0502040204020203" pitchFamily="34" charset="0"/>
+                <a:cs typeface="Segoe UI" panose="020B0502040204020203" pitchFamily="34" charset="0"/>
+              </a:rPr>
+              <a:t> </a:t>
+            </a:r>
+            <a:r>
+              <a:rPr lang="en-US" altLang="zh-CN" sz="1600" dirty="0">
                 <a:latin typeface="Segoe UI" panose="020B0502040204020203" pitchFamily="34" charset="0"/>
                 <a:cs typeface="Segoe UI" panose="020B0502040204020203" pitchFamily="34" charset="0"/>
               </a:rPr>
               <a:t>that</a:t>
             </a:r>
             <a:r>
-              <a:rPr lang="zh-CN" altLang="en-US" dirty="0">
-                <a:latin typeface="Segoe UI" panose="020B0502040204020203" pitchFamily="34" charset="0"/>
-                <a:cs typeface="Segoe UI" panose="020B0502040204020203" pitchFamily="34" charset="0"/>
-              </a:rPr>
-              <a:t> </a:t>
-            </a:r>
-            <a:r>
-              <a:rPr lang="en-US" altLang="zh-CN" dirty="0">
+              <a:rPr lang="zh-CN" altLang="en-US" sz="1600" dirty="0">
+                <a:latin typeface="Segoe UI" panose="020B0502040204020203" pitchFamily="34" charset="0"/>
+                <a:cs typeface="Segoe UI" panose="020B0502040204020203" pitchFamily="34" charset="0"/>
+              </a:rPr>
+              <a:t> </a:t>
+            </a:r>
+            <a:r>
+              <a:rPr lang="en-US" altLang="zh-CN" sz="1600" dirty="0">
                 <a:latin typeface="Segoe UI" panose="020B0502040204020203" pitchFamily="34" charset="0"/>
                 <a:cs typeface="Segoe UI" panose="020B0502040204020203" pitchFamily="34" charset="0"/>
               </a:rPr>
               <a:t>are</a:t>
             </a:r>
             <a:r>
-              <a:rPr lang="zh-CN" altLang="en-US" dirty="0">
-                <a:latin typeface="Segoe UI" panose="020B0502040204020203" pitchFamily="34" charset="0"/>
-                <a:cs typeface="Segoe UI" panose="020B0502040204020203" pitchFamily="34" charset="0"/>
-              </a:rPr>
-              <a:t> </a:t>
-            </a:r>
-            <a:r>
-              <a:rPr lang="en-US" altLang="zh-CN" dirty="0">
+              <a:rPr lang="zh-CN" altLang="en-US" sz="1600" dirty="0">
+                <a:latin typeface="Segoe UI" panose="020B0502040204020203" pitchFamily="34" charset="0"/>
+                <a:cs typeface="Segoe UI" panose="020B0502040204020203" pitchFamily="34" charset="0"/>
+              </a:rPr>
+              <a:t> </a:t>
+            </a:r>
+            <a:r>
+              <a:rPr lang="en-US" altLang="zh-CN" sz="1600" dirty="0">
                 <a:latin typeface="Segoe UI" panose="020B0502040204020203" pitchFamily="34" charset="0"/>
                 <a:cs typeface="Segoe UI" panose="020B0502040204020203" pitchFamily="34" charset="0"/>
               </a:rPr>
               <a:t>empowered</a:t>
             </a:r>
             <a:r>
-              <a:rPr lang="zh-CN" altLang="en-US" dirty="0">
-                <a:latin typeface="Segoe UI" panose="020B0502040204020203" pitchFamily="34" charset="0"/>
-                <a:cs typeface="Segoe UI" panose="020B0502040204020203" pitchFamily="34" charset="0"/>
-              </a:rPr>
-              <a:t> </a:t>
-            </a:r>
-            <a:r>
-              <a:rPr lang="en-US" altLang="zh-CN" dirty="0">
+              <a:rPr lang="zh-CN" altLang="en-US" sz="1600" dirty="0">
+                <a:latin typeface="Segoe UI" panose="020B0502040204020203" pitchFamily="34" charset="0"/>
+                <a:cs typeface="Segoe UI" panose="020B0502040204020203" pitchFamily="34" charset="0"/>
+              </a:rPr>
+              <a:t> </a:t>
+            </a:r>
+            <a:r>
+              <a:rPr lang="en-US" altLang="zh-CN" sz="1600" dirty="0">
                 <a:latin typeface="Segoe UI" panose="020B0502040204020203" pitchFamily="34" charset="0"/>
                 <a:cs typeface="Segoe UI" panose="020B0502040204020203" pitchFamily="34" charset="0"/>
               </a:rPr>
               <a:t>by</a:t>
             </a:r>
             <a:r>
-              <a:rPr lang="zh-CN" altLang="en-US" dirty="0">
-                <a:latin typeface="Segoe UI" panose="020B0502040204020203" pitchFamily="34" charset="0"/>
-                <a:cs typeface="Segoe UI" panose="020B0502040204020203" pitchFamily="34" charset="0"/>
-              </a:rPr>
-              <a:t> </a:t>
-            </a:r>
-            <a:r>
-              <a:rPr lang="en-US" altLang="zh-CN" dirty="0">
+              <a:rPr lang="zh-CN" altLang="en-US" sz="1600" dirty="0">
+                <a:latin typeface="Segoe UI" panose="020B0502040204020203" pitchFamily="34" charset="0"/>
+                <a:cs typeface="Segoe UI" panose="020B0502040204020203" pitchFamily="34" charset="0"/>
+              </a:rPr>
+              <a:t> </a:t>
+            </a:r>
+            <a:r>
+              <a:rPr lang="en-US" altLang="zh-CN" sz="1600" dirty="0">
                 <a:latin typeface="Segoe UI" panose="020B0502040204020203" pitchFamily="34" charset="0"/>
                 <a:cs typeface="Segoe UI" panose="020B0502040204020203" pitchFamily="34" charset="0"/>
               </a:rPr>
               <a:t>supermassive</a:t>
             </a:r>
             <a:r>
-              <a:rPr lang="zh-CN" altLang="en-US" dirty="0">
-                <a:latin typeface="Segoe UI" panose="020B0502040204020203" pitchFamily="34" charset="0"/>
-                <a:cs typeface="Segoe UI" panose="020B0502040204020203" pitchFamily="34" charset="0"/>
-              </a:rPr>
-              <a:t> </a:t>
-            </a:r>
-            <a:r>
-              <a:rPr lang="en-US" altLang="zh-CN" dirty="0">
+              <a:rPr lang="zh-CN" altLang="en-US" sz="1600" dirty="0">
+                <a:latin typeface="Segoe UI" panose="020B0502040204020203" pitchFamily="34" charset="0"/>
+                <a:cs typeface="Segoe UI" panose="020B0502040204020203" pitchFamily="34" charset="0"/>
+              </a:rPr>
+              <a:t> </a:t>
+            </a:r>
+            <a:r>
+              <a:rPr lang="en-US" altLang="zh-CN" sz="1600" dirty="0">
                 <a:latin typeface="Segoe UI" panose="020B0502040204020203" pitchFamily="34" charset="0"/>
                 <a:cs typeface="Segoe UI" panose="020B0502040204020203" pitchFamily="34" charset="0"/>
               </a:rPr>
               <a:t>black</a:t>
             </a:r>
             <a:r>
-              <a:rPr lang="zh-CN" altLang="en-US" dirty="0">
-                <a:latin typeface="Segoe UI" panose="020B0502040204020203" pitchFamily="34" charset="0"/>
-                <a:cs typeface="Segoe UI" panose="020B0502040204020203" pitchFamily="34" charset="0"/>
-              </a:rPr>
-              <a:t> </a:t>
-            </a:r>
-            <a:r>
-              <a:rPr lang="en-US" altLang="zh-CN" dirty="0">
+              <a:rPr lang="zh-CN" altLang="en-US" sz="1600" dirty="0">
+                <a:latin typeface="Segoe UI" panose="020B0502040204020203" pitchFamily="34" charset="0"/>
+                <a:cs typeface="Segoe UI" panose="020B0502040204020203" pitchFamily="34" charset="0"/>
+              </a:rPr>
+              <a:t> </a:t>
+            </a:r>
+            <a:r>
+              <a:rPr lang="en-US" altLang="zh-CN" sz="1600" dirty="0">
                 <a:latin typeface="Segoe UI" panose="020B0502040204020203" pitchFamily="34" charset="0"/>
                 <a:cs typeface="Segoe UI" panose="020B0502040204020203" pitchFamily="34" charset="0"/>
               </a:rPr>
               <a:t>holes.</a:t>
             </a:r>
             <a:r>
-              <a:rPr lang="zh-CN" altLang="en-US" dirty="0">
-                <a:latin typeface="Segoe UI" panose="020B0502040204020203" pitchFamily="34" charset="0"/>
-                <a:cs typeface="Segoe UI" panose="020B0502040204020203" pitchFamily="34" charset="0"/>
-              </a:rPr>
-              <a:t> </a:t>
-            </a:r>
-            <a:r>
-              <a:rPr lang="en-US" altLang="zh-CN" dirty="0">
+              <a:rPr lang="zh-CN" altLang="en-US" sz="1600" dirty="0">
+                <a:latin typeface="Segoe UI" panose="020B0502040204020203" pitchFamily="34" charset="0"/>
+                <a:cs typeface="Segoe UI" panose="020B0502040204020203" pitchFamily="34" charset="0"/>
+              </a:rPr>
+              <a:t> </a:t>
+            </a:r>
+            <a:r>
+              <a:rPr lang="en-US" altLang="zh-CN" sz="1600" dirty="0">
                 <a:latin typeface="Segoe UI" panose="020B0502040204020203" pitchFamily="34" charset="0"/>
                 <a:cs typeface="Segoe UI" panose="020B0502040204020203" pitchFamily="34" charset="0"/>
               </a:rPr>
               <a:t>Studying</a:t>
             </a:r>
             <a:r>
-              <a:rPr lang="zh-CN" altLang="en-US" dirty="0">
-                <a:latin typeface="Segoe UI" panose="020B0502040204020203" pitchFamily="34" charset="0"/>
-                <a:cs typeface="Segoe UI" panose="020B0502040204020203" pitchFamily="34" charset="0"/>
-              </a:rPr>
-              <a:t> </a:t>
-            </a:r>
-            <a:r>
-              <a:rPr lang="en-US" altLang="zh-CN" dirty="0">
+              <a:rPr lang="zh-CN" altLang="en-US" sz="1600" dirty="0">
+                <a:latin typeface="Segoe UI" panose="020B0502040204020203" pitchFamily="34" charset="0"/>
+                <a:cs typeface="Segoe UI" panose="020B0502040204020203" pitchFamily="34" charset="0"/>
+              </a:rPr>
+              <a:t> </a:t>
+            </a:r>
+            <a:r>
+              <a:rPr lang="en-US" altLang="zh-CN" sz="1600" dirty="0">
                 <a:latin typeface="Segoe UI" panose="020B0502040204020203" pitchFamily="34" charset="0"/>
                 <a:cs typeface="Segoe UI" panose="020B0502040204020203" pitchFamily="34" charset="0"/>
               </a:rPr>
               <a:t>quasars</a:t>
             </a:r>
             <a:r>
-              <a:rPr lang="zh-CN" altLang="en-US" dirty="0">
-                <a:latin typeface="Segoe UI" panose="020B0502040204020203" pitchFamily="34" charset="0"/>
-                <a:cs typeface="Segoe UI" panose="020B0502040204020203" pitchFamily="34" charset="0"/>
-              </a:rPr>
-              <a:t> </a:t>
-            </a:r>
-            <a:r>
-              <a:rPr lang="en-US" altLang="zh-CN" dirty="0">
+              <a:rPr lang="zh-CN" altLang="en-US" sz="1600" dirty="0">
+                <a:latin typeface="Segoe UI" panose="020B0502040204020203" pitchFamily="34" charset="0"/>
+                <a:cs typeface="Segoe UI" panose="020B0502040204020203" pitchFamily="34" charset="0"/>
+              </a:rPr>
+              <a:t> </a:t>
+            </a:r>
+            <a:r>
+              <a:rPr lang="en-US" altLang="zh-CN" sz="1600" dirty="0">
                 <a:latin typeface="Segoe UI" panose="020B0502040204020203" pitchFamily="34" charset="0"/>
                 <a:cs typeface="Segoe UI" panose="020B0502040204020203" pitchFamily="34" charset="0"/>
               </a:rPr>
               <a:t>is</a:t>
             </a:r>
             <a:r>
-              <a:rPr lang="zh-CN" altLang="en-US" dirty="0">
-                <a:latin typeface="Segoe UI" panose="020B0502040204020203" pitchFamily="34" charset="0"/>
-                <a:cs typeface="Segoe UI" panose="020B0502040204020203" pitchFamily="34" charset="0"/>
-              </a:rPr>
-              <a:t> </a:t>
-            </a:r>
-            <a:r>
-              <a:rPr lang="en-US" altLang="zh-CN" dirty="0">
+              <a:rPr lang="zh-CN" altLang="en-US" sz="1600" dirty="0">
+                <a:latin typeface="Segoe UI" panose="020B0502040204020203" pitchFamily="34" charset="0"/>
+                <a:cs typeface="Segoe UI" panose="020B0502040204020203" pitchFamily="34" charset="0"/>
+              </a:rPr>
+              <a:t> </a:t>
+            </a:r>
+            <a:r>
+              <a:rPr lang="en-US" altLang="zh-CN" sz="1600" dirty="0">
                 <a:latin typeface="Segoe UI" panose="020B0502040204020203" pitchFamily="34" charset="0"/>
                 <a:cs typeface="Segoe UI" panose="020B0502040204020203" pitchFamily="34" charset="0"/>
               </a:rPr>
               <a:t>crucial</a:t>
             </a:r>
             <a:r>
-              <a:rPr lang="zh-CN" altLang="en-US" dirty="0">
-                <a:latin typeface="Segoe UI" panose="020B0502040204020203" pitchFamily="34" charset="0"/>
-                <a:cs typeface="Segoe UI" panose="020B0502040204020203" pitchFamily="34" charset="0"/>
-              </a:rPr>
-              <a:t> </a:t>
-            </a:r>
-            <a:r>
-              <a:rPr lang="en-US" altLang="zh-CN" dirty="0">
+              <a:rPr lang="zh-CN" altLang="en-US" sz="1600" dirty="0">
+                <a:latin typeface="Segoe UI" panose="020B0502040204020203" pitchFamily="34" charset="0"/>
+                <a:cs typeface="Segoe UI" panose="020B0502040204020203" pitchFamily="34" charset="0"/>
+              </a:rPr>
+              <a:t> </a:t>
+            </a:r>
+            <a:r>
+              <a:rPr lang="en-US" altLang="zh-CN" sz="1600" dirty="0">
                 <a:latin typeface="Segoe UI" panose="020B0502040204020203" pitchFamily="34" charset="0"/>
                 <a:cs typeface="Segoe UI" panose="020B0502040204020203" pitchFamily="34" charset="0"/>
               </a:rPr>
               <a:t>for</a:t>
             </a:r>
             <a:r>
-              <a:rPr lang="zh-CN" altLang="en-US" dirty="0">
-                <a:latin typeface="Segoe UI" panose="020B0502040204020203" pitchFamily="34" charset="0"/>
-                <a:cs typeface="Segoe UI" panose="020B0502040204020203" pitchFamily="34" charset="0"/>
-              </a:rPr>
-              <a:t> </a:t>
-            </a:r>
-            <a:r>
-              <a:rPr lang="en-US" altLang="zh-CN" dirty="0">
+              <a:rPr lang="zh-CN" altLang="en-US" sz="1600" dirty="0">
+                <a:latin typeface="Segoe UI" panose="020B0502040204020203" pitchFamily="34" charset="0"/>
+                <a:cs typeface="Segoe UI" panose="020B0502040204020203" pitchFamily="34" charset="0"/>
+              </a:rPr>
+              <a:t> </a:t>
+            </a:r>
+            <a:r>
+              <a:rPr lang="en-US" altLang="zh-CN" sz="1600" dirty="0">
                 <a:latin typeface="Segoe UI" panose="020B0502040204020203" pitchFamily="34" charset="0"/>
                 <a:cs typeface="Segoe UI" panose="020B0502040204020203" pitchFamily="34" charset="0"/>
               </a:rPr>
               <a:t>understanding</a:t>
             </a:r>
             <a:r>
-              <a:rPr lang="zh-CN" altLang="en-US" dirty="0">
-                <a:latin typeface="Segoe UI" panose="020B0502040204020203" pitchFamily="34" charset="0"/>
-                <a:cs typeface="Segoe UI" panose="020B0502040204020203" pitchFamily="34" charset="0"/>
-              </a:rPr>
-              <a:t> </a:t>
-            </a:r>
-            <a:r>
-              <a:rPr lang="en-US" altLang="zh-CN" dirty="0">
+              <a:rPr lang="zh-CN" altLang="en-US" sz="1600" dirty="0">
+                <a:latin typeface="Segoe UI" panose="020B0502040204020203" pitchFamily="34" charset="0"/>
+                <a:cs typeface="Segoe UI" panose="020B0502040204020203" pitchFamily="34" charset="0"/>
+              </a:rPr>
+              <a:t> </a:t>
+            </a:r>
+            <a:r>
+              <a:rPr lang="en-US" altLang="zh-CN" sz="1600" dirty="0">
                 <a:latin typeface="Segoe UI" panose="020B0502040204020203" pitchFamily="34" charset="0"/>
                 <a:cs typeface="Segoe UI" panose="020B0502040204020203" pitchFamily="34" charset="0"/>
               </a:rPr>
               <a:t>the</a:t>
             </a:r>
             <a:r>
-              <a:rPr lang="zh-CN" altLang="en-US" dirty="0">
-                <a:latin typeface="Segoe UI" panose="020B0502040204020203" pitchFamily="34" charset="0"/>
-                <a:cs typeface="Segoe UI" panose="020B0502040204020203" pitchFamily="34" charset="0"/>
-              </a:rPr>
-              <a:t> </a:t>
-            </a:r>
-            <a:r>
-              <a:rPr lang="en-US" altLang="zh-CN" dirty="0">
+              <a:rPr lang="zh-CN" altLang="en-US" sz="1600" dirty="0">
+                <a:latin typeface="Segoe UI" panose="020B0502040204020203" pitchFamily="34" charset="0"/>
+                <a:cs typeface="Segoe UI" panose="020B0502040204020203" pitchFamily="34" charset="0"/>
+              </a:rPr>
+              <a:t> </a:t>
+            </a:r>
+            <a:r>
+              <a:rPr lang="en-US" altLang="zh-CN" sz="1600" dirty="0">
                 <a:latin typeface="Segoe UI" panose="020B0502040204020203" pitchFamily="34" charset="0"/>
                 <a:cs typeface="Segoe UI" panose="020B0502040204020203" pitchFamily="34" charset="0"/>
               </a:rPr>
               <a:t>makeup</a:t>
             </a:r>
             <a:r>
-              <a:rPr lang="zh-CN" altLang="en-US" dirty="0">
-                <a:latin typeface="Segoe UI" panose="020B0502040204020203" pitchFamily="34" charset="0"/>
-                <a:cs typeface="Segoe UI" panose="020B0502040204020203" pitchFamily="34" charset="0"/>
-              </a:rPr>
-              <a:t> </a:t>
-            </a:r>
-            <a:r>
-              <a:rPr lang="en-US" altLang="zh-CN" dirty="0">
+              <a:rPr lang="zh-CN" altLang="en-US" sz="1600" dirty="0">
+                <a:latin typeface="Segoe UI" panose="020B0502040204020203" pitchFamily="34" charset="0"/>
+                <a:cs typeface="Segoe UI" panose="020B0502040204020203" pitchFamily="34" charset="0"/>
+              </a:rPr>
+              <a:t> </a:t>
+            </a:r>
+            <a:r>
+              <a:rPr lang="en-US" altLang="zh-CN" sz="1600" dirty="0">
                 <a:latin typeface="Segoe UI" panose="020B0502040204020203" pitchFamily="34" charset="0"/>
                 <a:cs typeface="Segoe UI" panose="020B0502040204020203" pitchFamily="34" charset="0"/>
               </a:rPr>
               <a:t>of</a:t>
             </a:r>
             <a:r>
-              <a:rPr lang="zh-CN" altLang="en-US" dirty="0">
-                <a:latin typeface="Segoe UI" panose="020B0502040204020203" pitchFamily="34" charset="0"/>
-                <a:cs typeface="Segoe UI" panose="020B0502040204020203" pitchFamily="34" charset="0"/>
-              </a:rPr>
-              <a:t> </a:t>
-            </a:r>
-            <a:r>
-              <a:rPr lang="en-US" altLang="zh-CN" dirty="0">
+              <a:rPr lang="zh-CN" altLang="en-US" sz="1600" dirty="0">
+                <a:latin typeface="Segoe UI" panose="020B0502040204020203" pitchFamily="34" charset="0"/>
+                <a:cs typeface="Segoe UI" panose="020B0502040204020203" pitchFamily="34" charset="0"/>
+              </a:rPr>
+              <a:t> </a:t>
+            </a:r>
+            <a:r>
+              <a:rPr lang="en-US" altLang="zh-CN" sz="1600" dirty="0">
                 <a:latin typeface="Segoe UI" panose="020B0502040204020203" pitchFamily="34" charset="0"/>
                 <a:cs typeface="Segoe UI" panose="020B0502040204020203" pitchFamily="34" charset="0"/>
               </a:rPr>
               <a:t>the</a:t>
             </a:r>
             <a:r>
-              <a:rPr lang="zh-CN" altLang="en-US" dirty="0">
-                <a:latin typeface="Segoe UI" panose="020B0502040204020203" pitchFamily="34" charset="0"/>
-                <a:cs typeface="Segoe UI" panose="020B0502040204020203" pitchFamily="34" charset="0"/>
-              </a:rPr>
-              <a:t> </a:t>
-            </a:r>
-            <a:r>
-              <a:rPr lang="en-US" altLang="zh-CN" dirty="0">
+              <a:rPr lang="zh-CN" altLang="en-US" sz="1600" dirty="0">
+                <a:latin typeface="Segoe UI" panose="020B0502040204020203" pitchFamily="34" charset="0"/>
+                <a:cs typeface="Segoe UI" panose="020B0502040204020203" pitchFamily="34" charset="0"/>
+              </a:rPr>
+              <a:t> </a:t>
+            </a:r>
+            <a:r>
+              <a:rPr lang="en-US" altLang="zh-CN" sz="1600" dirty="0">
                 <a:latin typeface="Segoe UI" panose="020B0502040204020203" pitchFamily="34" charset="0"/>
                 <a:cs typeface="Segoe UI" panose="020B0502040204020203" pitchFamily="34" charset="0"/>
               </a:rPr>
               <a:t>universe.</a:t>
             </a:r>
             <a:r>
-              <a:rPr lang="zh-CN" altLang="en-US" dirty="0">
-                <a:latin typeface="Segoe UI" panose="020B0502040204020203" pitchFamily="34" charset="0"/>
-                <a:cs typeface="Segoe UI" panose="020B0502040204020203" pitchFamily="34" charset="0"/>
-              </a:rPr>
-              <a:t> </a:t>
-            </a:r>
-            <a:r>
-              <a:rPr lang="en-US" altLang="zh-CN" dirty="0">
-                <a:latin typeface="Segoe UI" panose="020B0502040204020203" pitchFamily="34" charset="0"/>
-                <a:cs typeface="Segoe UI" panose="020B0502040204020203" pitchFamily="34" charset="0"/>
-              </a:rPr>
-              <a:t>To</a:t>
-            </a:r>
-            <a:r>
-              <a:rPr lang="zh-CN" altLang="en-US" dirty="0">
-                <a:latin typeface="Segoe UI" panose="020B0502040204020203" pitchFamily="34" charset="0"/>
-                <a:cs typeface="Segoe UI" panose="020B0502040204020203" pitchFamily="34" charset="0"/>
-              </a:rPr>
-              <a:t> </a:t>
-            </a:r>
-            <a:r>
-              <a:rPr lang="en-US" altLang="zh-CN" dirty="0">
-                <a:latin typeface="Segoe UI" panose="020B0502040204020203" pitchFamily="34" charset="0"/>
-                <a:cs typeface="Segoe UI" panose="020B0502040204020203" pitchFamily="34" charset="0"/>
-              </a:rPr>
-              <a:t>identify</a:t>
-            </a:r>
-            <a:r>
-              <a:rPr lang="zh-CN" altLang="en-US" dirty="0">
-                <a:latin typeface="Segoe UI" panose="020B0502040204020203" pitchFamily="34" charset="0"/>
-                <a:cs typeface="Segoe UI" panose="020B0502040204020203" pitchFamily="34" charset="0"/>
-              </a:rPr>
-              <a:t> </a:t>
-            </a:r>
-            <a:r>
-              <a:rPr lang="en-US" altLang="zh-CN" dirty="0">
-                <a:latin typeface="Segoe UI" panose="020B0502040204020203" pitchFamily="34" charset="0"/>
-                <a:cs typeface="Segoe UI" panose="020B0502040204020203" pitchFamily="34" charset="0"/>
-              </a:rPr>
-              <a:t>quasars</a:t>
-            </a:r>
-            <a:r>
-              <a:rPr lang="zh-CN" altLang="en-US" dirty="0">
-                <a:latin typeface="Segoe UI" panose="020B0502040204020203" pitchFamily="34" charset="0"/>
-                <a:cs typeface="Segoe UI" panose="020B0502040204020203" pitchFamily="34" charset="0"/>
-              </a:rPr>
-              <a:t> </a:t>
-            </a:r>
-            <a:r>
-              <a:rPr lang="en-US" altLang="zh-CN" dirty="0">
-                <a:latin typeface="Segoe UI" panose="020B0502040204020203" pitchFamily="34" charset="0"/>
-                <a:cs typeface="Segoe UI" panose="020B0502040204020203" pitchFamily="34" charset="0"/>
-              </a:rPr>
-              <a:t>from</a:t>
-            </a:r>
-            <a:r>
-              <a:rPr lang="zh-CN" altLang="en-US" dirty="0">
-                <a:latin typeface="Segoe UI" panose="020B0502040204020203" pitchFamily="34" charset="0"/>
-                <a:cs typeface="Segoe UI" panose="020B0502040204020203" pitchFamily="34" charset="0"/>
-              </a:rPr>
-              <a:t> </a:t>
-            </a:r>
-            <a:r>
-              <a:rPr lang="en-US" altLang="zh-CN" dirty="0">
-                <a:latin typeface="Segoe UI" panose="020B0502040204020203" pitchFamily="34" charset="0"/>
-                <a:cs typeface="Segoe UI" panose="020B0502040204020203" pitchFamily="34" charset="0"/>
-              </a:rPr>
-              <a:t>other</a:t>
-            </a:r>
-            <a:r>
-              <a:rPr lang="zh-CN" altLang="en-US" dirty="0">
-                <a:latin typeface="Segoe UI" panose="020B0502040204020203" pitchFamily="34" charset="0"/>
-                <a:cs typeface="Segoe UI" panose="020B0502040204020203" pitchFamily="34" charset="0"/>
-              </a:rPr>
-              <a:t> </a:t>
-            </a:r>
-            <a:r>
-              <a:rPr lang="en-US" altLang="zh-CN" dirty="0">
-                <a:latin typeface="Segoe UI" panose="020B0502040204020203" pitchFamily="34" charset="0"/>
-                <a:cs typeface="Segoe UI" panose="020B0502040204020203" pitchFamily="34" charset="0"/>
-              </a:rPr>
-              <a:t>celestial</a:t>
-            </a:r>
-            <a:r>
-              <a:rPr lang="zh-CN" altLang="en-US" dirty="0">
-                <a:latin typeface="Segoe UI" panose="020B0502040204020203" pitchFamily="34" charset="0"/>
-                <a:cs typeface="Segoe UI" panose="020B0502040204020203" pitchFamily="34" charset="0"/>
-              </a:rPr>
-              <a:t> </a:t>
-            </a:r>
-            <a:r>
-              <a:rPr lang="en-US" altLang="zh-CN" dirty="0">
-                <a:latin typeface="Segoe UI" panose="020B0502040204020203" pitchFamily="34" charset="0"/>
-                <a:cs typeface="Segoe UI" panose="020B0502040204020203" pitchFamily="34" charset="0"/>
-              </a:rPr>
-              <a:t>objects,</a:t>
-            </a:r>
-            <a:r>
-              <a:rPr lang="zh-CN" altLang="en-US" dirty="0">
-                <a:latin typeface="Segoe UI" panose="020B0502040204020203" pitchFamily="34" charset="0"/>
-                <a:cs typeface="Segoe UI" panose="020B0502040204020203" pitchFamily="34" charset="0"/>
-              </a:rPr>
-              <a:t> </a:t>
-            </a:r>
-            <a:r>
-              <a:rPr lang="en-US" altLang="zh-CN" dirty="0">
-                <a:latin typeface="Segoe UI" panose="020B0502040204020203" pitchFamily="34" charset="0"/>
-                <a:cs typeface="Segoe UI" panose="020B0502040204020203" pitchFamily="34" charset="0"/>
-              </a:rPr>
-              <a:t>however,</a:t>
-            </a:r>
-            <a:r>
-              <a:rPr lang="zh-CN" altLang="en-US" dirty="0">
-                <a:latin typeface="Segoe UI" panose="020B0502040204020203" pitchFamily="34" charset="0"/>
-                <a:cs typeface="Segoe UI" panose="020B0502040204020203" pitchFamily="34" charset="0"/>
-              </a:rPr>
-              <a:t> </a:t>
-            </a:r>
-            <a:r>
-              <a:rPr lang="en-US" altLang="zh-CN" dirty="0">
-                <a:latin typeface="Segoe UI" panose="020B0502040204020203" pitchFamily="34" charset="0"/>
-                <a:cs typeface="Segoe UI" panose="020B0502040204020203" pitchFamily="34" charset="0"/>
-              </a:rPr>
-              <a:t>requires</a:t>
-            </a:r>
-            <a:r>
-              <a:rPr lang="zh-CN" altLang="en-US" dirty="0">
-                <a:latin typeface="Segoe UI" panose="020B0502040204020203" pitchFamily="34" charset="0"/>
-                <a:cs typeface="Segoe UI" panose="020B0502040204020203" pitchFamily="34" charset="0"/>
-              </a:rPr>
-              <a:t> </a:t>
-            </a:r>
-            <a:r>
-              <a:rPr lang="en-US" altLang="zh-CN" dirty="0">
-                <a:latin typeface="Segoe UI" panose="020B0502040204020203" pitchFamily="34" charset="0"/>
-                <a:cs typeface="Segoe UI" panose="020B0502040204020203" pitchFamily="34" charset="0"/>
-              </a:rPr>
-              <a:t>spectroscopic</a:t>
-            </a:r>
-            <a:r>
-              <a:rPr lang="zh-CN" altLang="en-US" dirty="0">
-                <a:latin typeface="Segoe UI" panose="020B0502040204020203" pitchFamily="34" charset="0"/>
-                <a:cs typeface="Segoe UI" panose="020B0502040204020203" pitchFamily="34" charset="0"/>
-              </a:rPr>
-              <a:t> </a:t>
-            </a:r>
-            <a:r>
-              <a:rPr lang="en-US" altLang="zh-CN" dirty="0">
-                <a:latin typeface="Segoe UI" panose="020B0502040204020203" pitchFamily="34" charset="0"/>
-                <a:cs typeface="Segoe UI" panose="020B0502040204020203" pitchFamily="34" charset="0"/>
-              </a:rPr>
-              <a:t>observations</a:t>
-            </a:r>
-            <a:r>
-              <a:rPr lang="zh-CN" altLang="en-US" dirty="0">
-                <a:latin typeface="Segoe UI" panose="020B0502040204020203" pitchFamily="34" charset="0"/>
-                <a:cs typeface="Segoe UI" panose="020B0502040204020203" pitchFamily="34" charset="0"/>
-              </a:rPr>
-              <a:t> </a:t>
-            </a:r>
-            <a:r>
-              <a:rPr lang="en-US" altLang="zh-CN" dirty="0">
-                <a:latin typeface="Segoe UI" panose="020B0502040204020203" pitchFamily="34" charset="0"/>
-                <a:cs typeface="Segoe UI" panose="020B0502040204020203" pitchFamily="34" charset="0"/>
-              </a:rPr>
-              <a:t>for</a:t>
-            </a:r>
-            <a:r>
-              <a:rPr lang="zh-CN" altLang="en-US" dirty="0">
-                <a:latin typeface="Segoe UI" panose="020B0502040204020203" pitchFamily="34" charset="0"/>
-                <a:cs typeface="Segoe UI" panose="020B0502040204020203" pitchFamily="34" charset="0"/>
-              </a:rPr>
-              <a:t> </a:t>
-            </a:r>
-            <a:r>
-              <a:rPr lang="en-US" altLang="zh-CN" dirty="0">
-                <a:latin typeface="Segoe UI" panose="020B0502040204020203" pitchFamily="34" charset="0"/>
-                <a:cs typeface="Segoe UI" panose="020B0502040204020203" pitchFamily="34" charset="0"/>
-              </a:rPr>
-              <a:t>each</a:t>
-            </a:r>
-            <a:r>
-              <a:rPr lang="zh-CN" altLang="en-US" dirty="0">
-                <a:latin typeface="Segoe UI" panose="020B0502040204020203" pitchFamily="34" charset="0"/>
-                <a:cs typeface="Segoe UI" panose="020B0502040204020203" pitchFamily="34" charset="0"/>
-              </a:rPr>
-              <a:t> </a:t>
-            </a:r>
-            <a:r>
-              <a:rPr lang="en-US" altLang="zh-CN" dirty="0">
-                <a:latin typeface="Segoe UI" panose="020B0502040204020203" pitchFamily="34" charset="0"/>
-                <a:cs typeface="Segoe UI" panose="020B0502040204020203" pitchFamily="34" charset="0"/>
-              </a:rPr>
-              <a:t>objects</a:t>
-            </a:r>
-            <a:r>
-              <a:rPr lang="zh-CN" altLang="en-US" dirty="0">
-                <a:latin typeface="Segoe UI" panose="020B0502040204020203" pitchFamily="34" charset="0"/>
-                <a:cs typeface="Segoe UI" panose="020B0502040204020203" pitchFamily="34" charset="0"/>
-              </a:rPr>
-              <a:t> </a:t>
-            </a:r>
-            <a:r>
-              <a:rPr lang="en-US" altLang="zh-CN" dirty="0">
-                <a:latin typeface="Segoe UI" panose="020B0502040204020203" pitchFamily="34" charset="0"/>
-                <a:cs typeface="Segoe UI" panose="020B0502040204020203" pitchFamily="34" charset="0"/>
-              </a:rPr>
-              <a:t>out</a:t>
-            </a:r>
-            <a:r>
-              <a:rPr lang="zh-CN" altLang="en-US" dirty="0">
-                <a:latin typeface="Segoe UI" panose="020B0502040204020203" pitchFamily="34" charset="0"/>
-                <a:cs typeface="Segoe UI" panose="020B0502040204020203" pitchFamily="34" charset="0"/>
-              </a:rPr>
-              <a:t> </a:t>
-            </a:r>
-            <a:r>
-              <a:rPr lang="en-US" altLang="zh-CN" dirty="0">
-                <a:latin typeface="Segoe UI" panose="020B0502040204020203" pitchFamily="34" charset="0"/>
-                <a:cs typeface="Segoe UI" panose="020B0502040204020203" pitchFamily="34" charset="0"/>
-              </a:rPr>
-              <a:t>of</a:t>
-            </a:r>
-            <a:r>
-              <a:rPr lang="zh-CN" altLang="en-US" dirty="0">
-                <a:latin typeface="Segoe UI" panose="020B0502040204020203" pitchFamily="34" charset="0"/>
-                <a:cs typeface="Segoe UI" panose="020B0502040204020203" pitchFamily="34" charset="0"/>
-              </a:rPr>
-              <a:t> </a:t>
-            </a:r>
-            <a:r>
-              <a:rPr lang="en-US" altLang="zh-CN" dirty="0">
-                <a:latin typeface="Segoe UI" panose="020B0502040204020203" pitchFamily="34" charset="0"/>
-                <a:cs typeface="Segoe UI" panose="020B0502040204020203" pitchFamily="34" charset="0"/>
-              </a:rPr>
-              <a:t>thousands</a:t>
-            </a:r>
-            <a:r>
-              <a:rPr lang="zh-CN" altLang="en-US" dirty="0">
-                <a:latin typeface="Segoe UI" panose="020B0502040204020203" pitchFamily="34" charset="0"/>
-                <a:cs typeface="Segoe UI" panose="020B0502040204020203" pitchFamily="34" charset="0"/>
-              </a:rPr>
-              <a:t> </a:t>
-            </a:r>
-            <a:r>
-              <a:rPr lang="en-US" altLang="zh-CN" dirty="0">
-                <a:latin typeface="Segoe UI" panose="020B0502040204020203" pitchFamily="34" charset="0"/>
-                <a:cs typeface="Segoe UI" panose="020B0502040204020203" pitchFamily="34" charset="0"/>
-              </a:rPr>
-              <a:t>of</a:t>
-            </a:r>
-            <a:r>
-              <a:rPr lang="zh-CN" altLang="en-US" dirty="0">
-                <a:latin typeface="Segoe UI" panose="020B0502040204020203" pitchFamily="34" charset="0"/>
-                <a:cs typeface="Segoe UI" panose="020B0502040204020203" pitchFamily="34" charset="0"/>
-              </a:rPr>
-              <a:t> </a:t>
-            </a:r>
-            <a:r>
-              <a:rPr lang="en-US" altLang="zh-CN" dirty="0">
-                <a:latin typeface="Segoe UI" panose="020B0502040204020203" pitchFamily="34" charset="0"/>
-                <a:cs typeface="Segoe UI" panose="020B0502040204020203" pitchFamily="34" charset="0"/>
-              </a:rPr>
-              <a:t>individual</a:t>
-            </a:r>
-            <a:r>
-              <a:rPr lang="zh-CN" altLang="en-US" dirty="0">
-                <a:latin typeface="Segoe UI" panose="020B0502040204020203" pitchFamily="34" charset="0"/>
-                <a:cs typeface="Segoe UI" panose="020B0502040204020203" pitchFamily="34" charset="0"/>
-              </a:rPr>
-              <a:t> </a:t>
-            </a:r>
-            <a:r>
-              <a:rPr lang="en-US" altLang="zh-CN" dirty="0">
-                <a:latin typeface="Segoe UI" panose="020B0502040204020203" pitchFamily="34" charset="0"/>
-                <a:cs typeface="Segoe UI" panose="020B0502040204020203" pitchFamily="34" charset="0"/>
-              </a:rPr>
-              <a:t>sources,</a:t>
-            </a:r>
-            <a:r>
-              <a:rPr lang="zh-CN" altLang="en-US" dirty="0">
-                <a:latin typeface="Segoe UI" panose="020B0502040204020203" pitchFamily="34" charset="0"/>
-                <a:cs typeface="Segoe UI" panose="020B0502040204020203" pitchFamily="34" charset="0"/>
-              </a:rPr>
-              <a:t> </a:t>
-            </a:r>
-            <a:r>
-              <a:rPr lang="en-US" altLang="zh-CN" dirty="0">
-                <a:latin typeface="Segoe UI" panose="020B0502040204020203" pitchFamily="34" charset="0"/>
-                <a:cs typeface="Segoe UI" panose="020B0502040204020203" pitchFamily="34" charset="0"/>
-              </a:rPr>
-              <a:t>one</a:t>
-            </a:r>
-            <a:r>
-              <a:rPr lang="zh-CN" altLang="en-US" dirty="0">
-                <a:latin typeface="Segoe UI" panose="020B0502040204020203" pitchFamily="34" charset="0"/>
-                <a:cs typeface="Segoe UI" panose="020B0502040204020203" pitchFamily="34" charset="0"/>
-              </a:rPr>
-              <a:t> </a:t>
-            </a:r>
-            <a:r>
-              <a:rPr lang="en-US" altLang="zh-CN" dirty="0">
-                <a:latin typeface="Segoe UI" panose="020B0502040204020203" pitchFamily="34" charset="0"/>
-                <a:cs typeface="Segoe UI" panose="020B0502040204020203" pitchFamily="34" charset="0"/>
-              </a:rPr>
-              <a:t>at</a:t>
-            </a:r>
-            <a:r>
-              <a:rPr lang="zh-CN" altLang="en-US" dirty="0">
-                <a:latin typeface="Segoe UI" panose="020B0502040204020203" pitchFamily="34" charset="0"/>
-                <a:cs typeface="Segoe UI" panose="020B0502040204020203" pitchFamily="34" charset="0"/>
-              </a:rPr>
-              <a:t> </a:t>
-            </a:r>
-            <a:r>
-              <a:rPr lang="en-US" altLang="zh-CN" dirty="0">
-                <a:latin typeface="Segoe UI" panose="020B0502040204020203" pitchFamily="34" charset="0"/>
-                <a:cs typeface="Segoe UI" panose="020B0502040204020203" pitchFamily="34" charset="0"/>
-              </a:rPr>
-              <a:t>a</a:t>
-            </a:r>
-            <a:r>
-              <a:rPr lang="zh-CN" altLang="en-US" dirty="0">
-                <a:latin typeface="Segoe UI" panose="020B0502040204020203" pitchFamily="34" charset="0"/>
-                <a:cs typeface="Segoe UI" panose="020B0502040204020203" pitchFamily="34" charset="0"/>
-              </a:rPr>
-              <a:t> </a:t>
-            </a:r>
-            <a:r>
-              <a:rPr lang="en-US" altLang="zh-CN" dirty="0">
-                <a:latin typeface="Segoe UI" panose="020B0502040204020203" pitchFamily="34" charset="0"/>
-                <a:cs typeface="Segoe UI" panose="020B0502040204020203" pitchFamily="34" charset="0"/>
-              </a:rPr>
-              <a:t>time.</a:t>
-            </a:r>
-            <a:r>
-              <a:rPr lang="zh-CN" altLang="en-US" dirty="0">
-                <a:latin typeface="Segoe UI" panose="020B0502040204020203" pitchFamily="34" charset="0"/>
-                <a:cs typeface="Segoe UI" panose="020B0502040204020203" pitchFamily="34" charset="0"/>
-              </a:rPr>
-              <a:t> </a:t>
-            </a:r>
-            <a:r>
-              <a:rPr lang="en-US" altLang="zh-CN" dirty="0">
-                <a:latin typeface="Segoe UI" panose="020B0502040204020203" pitchFamily="34" charset="0"/>
-                <a:cs typeface="Segoe UI" panose="020B0502040204020203" pitchFamily="34" charset="0"/>
-              </a:rPr>
-              <a:t>Thus,</a:t>
-            </a:r>
-            <a:r>
-              <a:rPr lang="zh-CN" altLang="en-US" dirty="0">
-                <a:latin typeface="Segoe UI" panose="020B0502040204020203" pitchFamily="34" charset="0"/>
-                <a:cs typeface="Segoe UI" panose="020B0502040204020203" pitchFamily="34" charset="0"/>
-              </a:rPr>
-              <a:t> </a:t>
-            </a:r>
-            <a:r>
-              <a:rPr lang="en-US" altLang="zh-CN" dirty="0">
-                <a:latin typeface="Segoe UI" panose="020B0502040204020203" pitchFamily="34" charset="0"/>
-                <a:cs typeface="Segoe UI" panose="020B0502040204020203" pitchFamily="34" charset="0"/>
-              </a:rPr>
-              <a:t>the</a:t>
-            </a:r>
-            <a:r>
-              <a:rPr lang="zh-CN" altLang="en-US" dirty="0">
-                <a:latin typeface="Segoe UI" panose="020B0502040204020203" pitchFamily="34" charset="0"/>
-                <a:cs typeface="Segoe UI" panose="020B0502040204020203" pitchFamily="34" charset="0"/>
-              </a:rPr>
-              <a:t> </a:t>
-            </a:r>
-            <a:r>
-              <a:rPr lang="en-US" altLang="zh-CN" dirty="0">
-                <a:latin typeface="Segoe UI" panose="020B0502040204020203" pitchFamily="34" charset="0"/>
-                <a:cs typeface="Segoe UI" panose="020B0502040204020203" pitchFamily="34" charset="0"/>
-              </a:rPr>
-              <a:t>efficient</a:t>
-            </a:r>
-            <a:r>
-              <a:rPr lang="zh-CN" altLang="en-US" dirty="0">
-                <a:latin typeface="Segoe UI" panose="020B0502040204020203" pitchFamily="34" charset="0"/>
-                <a:cs typeface="Segoe UI" panose="020B0502040204020203" pitchFamily="34" charset="0"/>
-              </a:rPr>
-              <a:t> </a:t>
-            </a:r>
-            <a:r>
-              <a:rPr lang="en-US" altLang="zh-CN" dirty="0">
-                <a:latin typeface="Segoe UI" panose="020B0502040204020203" pitchFamily="34" charset="0"/>
-                <a:cs typeface="Segoe UI" panose="020B0502040204020203" pitchFamily="34" charset="0"/>
-              </a:rPr>
-              <a:t>selection</a:t>
-            </a:r>
-            <a:r>
-              <a:rPr lang="zh-CN" altLang="en-US" dirty="0">
-                <a:latin typeface="Segoe UI" panose="020B0502040204020203" pitchFamily="34" charset="0"/>
-                <a:cs typeface="Segoe UI" panose="020B0502040204020203" pitchFamily="34" charset="0"/>
-              </a:rPr>
-              <a:t> </a:t>
-            </a:r>
-            <a:r>
-              <a:rPr lang="en-US" altLang="zh-CN" dirty="0">
-                <a:latin typeface="Segoe UI" panose="020B0502040204020203" pitchFamily="34" charset="0"/>
-                <a:cs typeface="Segoe UI" panose="020B0502040204020203" pitchFamily="34" charset="0"/>
-              </a:rPr>
-              <a:t>of</a:t>
-            </a:r>
-            <a:r>
-              <a:rPr lang="zh-CN" altLang="en-US" dirty="0">
-                <a:latin typeface="Segoe UI" panose="020B0502040204020203" pitchFamily="34" charset="0"/>
-                <a:cs typeface="Segoe UI" panose="020B0502040204020203" pitchFamily="34" charset="0"/>
-              </a:rPr>
-              <a:t> </a:t>
-            </a:r>
-            <a:r>
-              <a:rPr lang="en-US" altLang="zh-CN" dirty="0">
-                <a:latin typeface="Segoe UI" panose="020B0502040204020203" pitchFamily="34" charset="0"/>
-                <a:cs typeface="Segoe UI" panose="020B0502040204020203" pitchFamily="34" charset="0"/>
-              </a:rPr>
-              <a:t>candidates</a:t>
-            </a:r>
-            <a:r>
-              <a:rPr lang="zh-CN" altLang="en-US" dirty="0">
-                <a:latin typeface="Segoe UI" panose="020B0502040204020203" pitchFamily="34" charset="0"/>
-                <a:cs typeface="Segoe UI" panose="020B0502040204020203" pitchFamily="34" charset="0"/>
-              </a:rPr>
-              <a:t> </a:t>
-            </a:r>
-            <a:r>
-              <a:rPr lang="en-US" altLang="zh-CN" dirty="0">
-                <a:latin typeface="Segoe UI" panose="020B0502040204020203" pitchFamily="34" charset="0"/>
-                <a:cs typeface="Segoe UI" panose="020B0502040204020203" pitchFamily="34" charset="0"/>
-              </a:rPr>
-              <a:t>to</a:t>
-            </a:r>
-            <a:r>
-              <a:rPr lang="zh-CN" altLang="en-US" dirty="0">
-                <a:latin typeface="Segoe UI" panose="020B0502040204020203" pitchFamily="34" charset="0"/>
-                <a:cs typeface="Segoe UI" panose="020B0502040204020203" pitchFamily="34" charset="0"/>
-              </a:rPr>
-              <a:t> </a:t>
-            </a:r>
-            <a:r>
-              <a:rPr lang="en-US" altLang="zh-CN" dirty="0">
-                <a:latin typeface="Segoe UI" panose="020B0502040204020203" pitchFamily="34" charset="0"/>
-                <a:cs typeface="Segoe UI" panose="020B0502040204020203" pitchFamily="34" charset="0"/>
-              </a:rPr>
-              <a:t>be</a:t>
-            </a:r>
-            <a:r>
-              <a:rPr lang="zh-CN" altLang="en-US" dirty="0">
-                <a:latin typeface="Segoe UI" panose="020B0502040204020203" pitchFamily="34" charset="0"/>
-                <a:cs typeface="Segoe UI" panose="020B0502040204020203" pitchFamily="34" charset="0"/>
-              </a:rPr>
-              <a:t> </a:t>
-            </a:r>
-            <a:r>
-              <a:rPr lang="en-US" altLang="zh-CN" dirty="0">
-                <a:latin typeface="Segoe UI" panose="020B0502040204020203" pitchFamily="34" charset="0"/>
-                <a:cs typeface="Segoe UI" panose="020B0502040204020203" pitchFamily="34" charset="0"/>
-              </a:rPr>
-              <a:t>observed</a:t>
-            </a:r>
-            <a:r>
-              <a:rPr lang="zh-CN" altLang="en-US" dirty="0">
-                <a:latin typeface="Segoe UI" panose="020B0502040204020203" pitchFamily="34" charset="0"/>
-                <a:cs typeface="Segoe UI" panose="020B0502040204020203" pitchFamily="34" charset="0"/>
-              </a:rPr>
-              <a:t> </a:t>
-            </a:r>
-            <a:r>
-              <a:rPr lang="en-US" altLang="zh-CN" dirty="0">
-                <a:latin typeface="Segoe UI" panose="020B0502040204020203" pitchFamily="34" charset="0"/>
-                <a:cs typeface="Segoe UI" panose="020B0502040204020203" pitchFamily="34" charset="0"/>
-              </a:rPr>
-              <a:t>is</a:t>
-            </a:r>
-            <a:r>
-              <a:rPr lang="zh-CN" altLang="en-US" dirty="0">
-                <a:latin typeface="Segoe UI" panose="020B0502040204020203" pitchFamily="34" charset="0"/>
-                <a:cs typeface="Segoe UI" panose="020B0502040204020203" pitchFamily="34" charset="0"/>
-              </a:rPr>
-              <a:t> </a:t>
-            </a:r>
-            <a:r>
-              <a:rPr lang="en-US" altLang="zh-CN" dirty="0">
-                <a:latin typeface="Segoe UI" panose="020B0502040204020203" pitchFamily="34" charset="0"/>
-                <a:cs typeface="Segoe UI" panose="020B0502040204020203" pitchFamily="34" charset="0"/>
-              </a:rPr>
-              <a:t>very</a:t>
-            </a:r>
-            <a:r>
-              <a:rPr lang="zh-CN" altLang="en-US" dirty="0">
-                <a:latin typeface="Segoe UI" panose="020B0502040204020203" pitchFamily="34" charset="0"/>
-                <a:cs typeface="Segoe UI" panose="020B0502040204020203" pitchFamily="34" charset="0"/>
-              </a:rPr>
-              <a:t> </a:t>
-            </a:r>
-            <a:r>
-              <a:rPr lang="en-US" altLang="zh-CN" dirty="0">
-                <a:latin typeface="Segoe UI" panose="020B0502040204020203" pitchFamily="34" charset="0"/>
-                <a:cs typeface="Segoe UI" panose="020B0502040204020203" pitchFamily="34" charset="0"/>
-              </a:rPr>
-              <a:t>important.</a:t>
-            </a:r>
-            <a:r>
-              <a:rPr lang="zh-CN" altLang="en-US" dirty="0">
-                <a:latin typeface="Segoe UI" panose="020B0502040204020203" pitchFamily="34" charset="0"/>
-                <a:cs typeface="Segoe UI" panose="020B0502040204020203" pitchFamily="34" charset="0"/>
-              </a:rPr>
-              <a:t> </a:t>
-            </a:r>
-            <a:endParaRPr lang="en-US" altLang="zh-CN" sz="1100" dirty="0">
+              <a:rPr lang="zh-CN" altLang="en-US" sz="1600" dirty="0">
+                <a:latin typeface="Segoe UI" panose="020B0502040204020203" pitchFamily="34" charset="0"/>
+                <a:cs typeface="Segoe UI" panose="020B0502040204020203" pitchFamily="34" charset="0"/>
+              </a:rPr>
+              <a:t> </a:t>
+            </a:r>
+            <a:endParaRPr lang="en-US" altLang="zh-CN" sz="1600" dirty="0">
               <a:latin typeface="Segoe UI" panose="020B0502040204020203" pitchFamily="34" charset="0"/>
               <a:cs typeface="Segoe UI" panose="020B0502040204020203" pitchFamily="34" charset="0"/>
             </a:endParaRPr>
           </a:p>
           <a:p>
-            <a:endParaRPr lang="en-US" altLang="zh-CN" sz="1100" dirty="0">
+            <a:endParaRPr lang="en-US" altLang="zh-CN" sz="1600" dirty="0">
+              <a:latin typeface="Segoe UI" panose="020B0502040204020203" pitchFamily="34" charset="0"/>
+              <a:cs typeface="Segoe UI" panose="020B0502040204020203" pitchFamily="34" charset="0"/>
+            </a:endParaRPr>
+          </a:p>
+          <a:p>
+            <a:r>
+              <a:rPr lang="en-US" altLang="zh-CN" sz="1600" dirty="0">
+                <a:latin typeface="Segoe UI" panose="020B0502040204020203" pitchFamily="34" charset="0"/>
+                <a:cs typeface="Segoe UI" panose="020B0502040204020203" pitchFamily="34" charset="0"/>
+              </a:rPr>
+              <a:t>To</a:t>
+            </a:r>
+            <a:r>
+              <a:rPr lang="zh-CN" altLang="en-US" sz="1600" dirty="0">
+                <a:latin typeface="Segoe UI" panose="020B0502040204020203" pitchFamily="34" charset="0"/>
+                <a:cs typeface="Segoe UI" panose="020B0502040204020203" pitchFamily="34" charset="0"/>
+              </a:rPr>
+              <a:t> </a:t>
+            </a:r>
+            <a:r>
+              <a:rPr lang="en-US" altLang="zh-CN" sz="1600" dirty="0">
+                <a:latin typeface="Segoe UI" panose="020B0502040204020203" pitchFamily="34" charset="0"/>
+                <a:cs typeface="Segoe UI" panose="020B0502040204020203" pitchFamily="34" charset="0"/>
+              </a:rPr>
+              <a:t>identify</a:t>
+            </a:r>
+            <a:r>
+              <a:rPr lang="zh-CN" altLang="en-US" sz="1600" dirty="0">
+                <a:latin typeface="Segoe UI" panose="020B0502040204020203" pitchFamily="34" charset="0"/>
+                <a:cs typeface="Segoe UI" panose="020B0502040204020203" pitchFamily="34" charset="0"/>
+              </a:rPr>
+              <a:t> </a:t>
+            </a:r>
+            <a:r>
+              <a:rPr lang="en-US" altLang="zh-CN" sz="1600" dirty="0">
+                <a:latin typeface="Segoe UI" panose="020B0502040204020203" pitchFamily="34" charset="0"/>
+                <a:cs typeface="Segoe UI" panose="020B0502040204020203" pitchFamily="34" charset="0"/>
+              </a:rPr>
+              <a:t>quasars</a:t>
+            </a:r>
+            <a:r>
+              <a:rPr lang="zh-CN" altLang="en-US" sz="1600" dirty="0">
+                <a:latin typeface="Segoe UI" panose="020B0502040204020203" pitchFamily="34" charset="0"/>
+                <a:cs typeface="Segoe UI" panose="020B0502040204020203" pitchFamily="34" charset="0"/>
+              </a:rPr>
+              <a:t> </a:t>
+            </a:r>
+            <a:r>
+              <a:rPr lang="en-US" altLang="zh-CN" sz="1600" dirty="0">
+                <a:latin typeface="Segoe UI" panose="020B0502040204020203" pitchFamily="34" charset="0"/>
+                <a:cs typeface="Segoe UI" panose="020B0502040204020203" pitchFamily="34" charset="0"/>
+              </a:rPr>
+              <a:t>from</a:t>
+            </a:r>
+            <a:r>
+              <a:rPr lang="zh-CN" altLang="en-US" sz="1600" dirty="0">
+                <a:latin typeface="Segoe UI" panose="020B0502040204020203" pitchFamily="34" charset="0"/>
+                <a:cs typeface="Segoe UI" panose="020B0502040204020203" pitchFamily="34" charset="0"/>
+              </a:rPr>
+              <a:t> </a:t>
+            </a:r>
+            <a:r>
+              <a:rPr lang="en-US" altLang="zh-CN" sz="1600" dirty="0">
+                <a:latin typeface="Segoe UI" panose="020B0502040204020203" pitchFamily="34" charset="0"/>
+                <a:cs typeface="Segoe UI" panose="020B0502040204020203" pitchFamily="34" charset="0"/>
+              </a:rPr>
+              <a:t>other</a:t>
+            </a:r>
+            <a:r>
+              <a:rPr lang="zh-CN" altLang="en-US" sz="1600" dirty="0">
+                <a:latin typeface="Segoe UI" panose="020B0502040204020203" pitchFamily="34" charset="0"/>
+                <a:cs typeface="Segoe UI" panose="020B0502040204020203" pitchFamily="34" charset="0"/>
+              </a:rPr>
+              <a:t> </a:t>
+            </a:r>
+            <a:r>
+              <a:rPr lang="en-US" altLang="zh-CN" sz="1600" dirty="0">
+                <a:latin typeface="Segoe UI" panose="020B0502040204020203" pitchFamily="34" charset="0"/>
+                <a:cs typeface="Segoe UI" panose="020B0502040204020203" pitchFamily="34" charset="0"/>
+              </a:rPr>
+              <a:t>celestial</a:t>
+            </a:r>
+            <a:r>
+              <a:rPr lang="zh-CN" altLang="en-US" sz="1600" dirty="0">
+                <a:latin typeface="Segoe UI" panose="020B0502040204020203" pitchFamily="34" charset="0"/>
+                <a:cs typeface="Segoe UI" panose="020B0502040204020203" pitchFamily="34" charset="0"/>
+              </a:rPr>
+              <a:t> </a:t>
+            </a:r>
+            <a:r>
+              <a:rPr lang="en-US" altLang="zh-CN" sz="1600" dirty="0">
+                <a:latin typeface="Segoe UI" panose="020B0502040204020203" pitchFamily="34" charset="0"/>
+                <a:cs typeface="Segoe UI" panose="020B0502040204020203" pitchFamily="34" charset="0"/>
+              </a:rPr>
+              <a:t>objects,</a:t>
+            </a:r>
+            <a:r>
+              <a:rPr lang="zh-CN" altLang="en-US" sz="1600" dirty="0">
+                <a:latin typeface="Segoe UI" panose="020B0502040204020203" pitchFamily="34" charset="0"/>
+                <a:cs typeface="Segoe UI" panose="020B0502040204020203" pitchFamily="34" charset="0"/>
+              </a:rPr>
+              <a:t> </a:t>
+            </a:r>
+            <a:r>
+              <a:rPr lang="en-US" altLang="zh-CN" sz="1600" dirty="0">
+                <a:latin typeface="Segoe UI" panose="020B0502040204020203" pitchFamily="34" charset="0"/>
+                <a:cs typeface="Segoe UI" panose="020B0502040204020203" pitchFamily="34" charset="0"/>
+              </a:rPr>
+              <a:t>however,</a:t>
+            </a:r>
+            <a:r>
+              <a:rPr lang="zh-CN" altLang="en-US" sz="1600" dirty="0">
+                <a:latin typeface="Segoe UI" panose="020B0502040204020203" pitchFamily="34" charset="0"/>
+                <a:cs typeface="Segoe UI" panose="020B0502040204020203" pitchFamily="34" charset="0"/>
+              </a:rPr>
+              <a:t> </a:t>
+            </a:r>
+            <a:r>
+              <a:rPr lang="en-US" altLang="zh-CN" sz="1600" dirty="0">
+                <a:latin typeface="Segoe UI" panose="020B0502040204020203" pitchFamily="34" charset="0"/>
+                <a:cs typeface="Segoe UI" panose="020B0502040204020203" pitchFamily="34" charset="0"/>
+              </a:rPr>
+              <a:t>requires</a:t>
+            </a:r>
+            <a:r>
+              <a:rPr lang="zh-CN" altLang="en-US" sz="1600" dirty="0">
+                <a:latin typeface="Segoe UI" panose="020B0502040204020203" pitchFamily="34" charset="0"/>
+                <a:cs typeface="Segoe UI" panose="020B0502040204020203" pitchFamily="34" charset="0"/>
+              </a:rPr>
+              <a:t> </a:t>
+            </a:r>
+            <a:r>
+              <a:rPr lang="en-US" altLang="zh-CN" sz="1600" dirty="0">
+                <a:latin typeface="Segoe UI" panose="020B0502040204020203" pitchFamily="34" charset="0"/>
+                <a:cs typeface="Segoe UI" panose="020B0502040204020203" pitchFamily="34" charset="0"/>
+              </a:rPr>
+              <a:t>spectroscopic</a:t>
+            </a:r>
+            <a:r>
+              <a:rPr lang="zh-CN" altLang="en-US" sz="1600" dirty="0">
+                <a:latin typeface="Segoe UI" panose="020B0502040204020203" pitchFamily="34" charset="0"/>
+                <a:cs typeface="Segoe UI" panose="020B0502040204020203" pitchFamily="34" charset="0"/>
+              </a:rPr>
+              <a:t> </a:t>
+            </a:r>
+            <a:r>
+              <a:rPr lang="en-US" altLang="zh-CN" sz="1600" dirty="0">
+                <a:latin typeface="Segoe UI" panose="020B0502040204020203" pitchFamily="34" charset="0"/>
+                <a:cs typeface="Segoe UI" panose="020B0502040204020203" pitchFamily="34" charset="0"/>
+              </a:rPr>
+              <a:t>observations</a:t>
+            </a:r>
+            <a:r>
+              <a:rPr lang="zh-CN" altLang="en-US" sz="1600" dirty="0">
+                <a:latin typeface="Segoe UI" panose="020B0502040204020203" pitchFamily="34" charset="0"/>
+                <a:cs typeface="Segoe UI" panose="020B0502040204020203" pitchFamily="34" charset="0"/>
+              </a:rPr>
+              <a:t> </a:t>
+            </a:r>
+            <a:r>
+              <a:rPr lang="en-US" altLang="zh-CN" sz="1600" dirty="0">
+                <a:latin typeface="Segoe UI" panose="020B0502040204020203" pitchFamily="34" charset="0"/>
+                <a:cs typeface="Segoe UI" panose="020B0502040204020203" pitchFamily="34" charset="0"/>
+              </a:rPr>
+              <a:t>for</a:t>
+            </a:r>
+            <a:r>
+              <a:rPr lang="zh-CN" altLang="en-US" sz="1600" dirty="0">
+                <a:latin typeface="Segoe UI" panose="020B0502040204020203" pitchFamily="34" charset="0"/>
+                <a:cs typeface="Segoe UI" panose="020B0502040204020203" pitchFamily="34" charset="0"/>
+              </a:rPr>
+              <a:t> </a:t>
+            </a:r>
+            <a:r>
+              <a:rPr lang="en-US" altLang="zh-CN" sz="1600" dirty="0">
+                <a:latin typeface="Segoe UI" panose="020B0502040204020203" pitchFamily="34" charset="0"/>
+                <a:cs typeface="Segoe UI" panose="020B0502040204020203" pitchFamily="34" charset="0"/>
+              </a:rPr>
+              <a:t>each</a:t>
+            </a:r>
+            <a:r>
+              <a:rPr lang="zh-CN" altLang="en-US" sz="1600" dirty="0">
+                <a:latin typeface="Segoe UI" panose="020B0502040204020203" pitchFamily="34" charset="0"/>
+                <a:cs typeface="Segoe UI" panose="020B0502040204020203" pitchFamily="34" charset="0"/>
+              </a:rPr>
+              <a:t> </a:t>
+            </a:r>
+            <a:r>
+              <a:rPr lang="en-US" altLang="zh-CN" sz="1600" dirty="0">
+                <a:latin typeface="Segoe UI" panose="020B0502040204020203" pitchFamily="34" charset="0"/>
+                <a:cs typeface="Segoe UI" panose="020B0502040204020203" pitchFamily="34" charset="0"/>
+              </a:rPr>
+              <a:t>objects</a:t>
+            </a:r>
+            <a:r>
+              <a:rPr lang="zh-CN" altLang="en-US" sz="1600" dirty="0">
+                <a:latin typeface="Segoe UI" panose="020B0502040204020203" pitchFamily="34" charset="0"/>
+                <a:cs typeface="Segoe UI" panose="020B0502040204020203" pitchFamily="34" charset="0"/>
+              </a:rPr>
+              <a:t> </a:t>
+            </a:r>
+            <a:r>
+              <a:rPr lang="en-US" altLang="zh-CN" sz="1600" dirty="0">
+                <a:latin typeface="Segoe UI" panose="020B0502040204020203" pitchFamily="34" charset="0"/>
+                <a:cs typeface="Segoe UI" panose="020B0502040204020203" pitchFamily="34" charset="0"/>
+              </a:rPr>
+              <a:t>out</a:t>
+            </a:r>
+            <a:r>
+              <a:rPr lang="zh-CN" altLang="en-US" sz="1600" dirty="0">
+                <a:latin typeface="Segoe UI" panose="020B0502040204020203" pitchFamily="34" charset="0"/>
+                <a:cs typeface="Segoe UI" panose="020B0502040204020203" pitchFamily="34" charset="0"/>
+              </a:rPr>
+              <a:t> </a:t>
+            </a:r>
+            <a:r>
+              <a:rPr lang="en-US" altLang="zh-CN" sz="1600" dirty="0">
+                <a:latin typeface="Segoe UI" panose="020B0502040204020203" pitchFamily="34" charset="0"/>
+                <a:cs typeface="Segoe UI" panose="020B0502040204020203" pitchFamily="34" charset="0"/>
+              </a:rPr>
+              <a:t>of</a:t>
+            </a:r>
+            <a:r>
+              <a:rPr lang="zh-CN" altLang="en-US" sz="1600" dirty="0">
+                <a:latin typeface="Segoe UI" panose="020B0502040204020203" pitchFamily="34" charset="0"/>
+                <a:cs typeface="Segoe UI" panose="020B0502040204020203" pitchFamily="34" charset="0"/>
+              </a:rPr>
+              <a:t> </a:t>
+            </a:r>
+            <a:r>
+              <a:rPr lang="en-US" altLang="zh-CN" sz="1600" dirty="0">
+                <a:latin typeface="Segoe UI" panose="020B0502040204020203" pitchFamily="34" charset="0"/>
+                <a:cs typeface="Segoe UI" panose="020B0502040204020203" pitchFamily="34" charset="0"/>
+              </a:rPr>
+              <a:t>thousands</a:t>
+            </a:r>
+            <a:r>
+              <a:rPr lang="zh-CN" altLang="en-US" sz="1600" dirty="0">
+                <a:latin typeface="Segoe UI" panose="020B0502040204020203" pitchFamily="34" charset="0"/>
+                <a:cs typeface="Segoe UI" panose="020B0502040204020203" pitchFamily="34" charset="0"/>
+              </a:rPr>
+              <a:t> </a:t>
+            </a:r>
+            <a:r>
+              <a:rPr lang="en-US" altLang="zh-CN" sz="1600" dirty="0">
+                <a:latin typeface="Segoe UI" panose="020B0502040204020203" pitchFamily="34" charset="0"/>
+                <a:cs typeface="Segoe UI" panose="020B0502040204020203" pitchFamily="34" charset="0"/>
+              </a:rPr>
+              <a:t>of</a:t>
+            </a:r>
+            <a:r>
+              <a:rPr lang="zh-CN" altLang="en-US" sz="1600" dirty="0">
+                <a:latin typeface="Segoe UI" panose="020B0502040204020203" pitchFamily="34" charset="0"/>
+                <a:cs typeface="Segoe UI" panose="020B0502040204020203" pitchFamily="34" charset="0"/>
+              </a:rPr>
+              <a:t> </a:t>
+            </a:r>
+            <a:r>
+              <a:rPr lang="en-US" altLang="zh-CN" sz="1600" dirty="0">
+                <a:latin typeface="Segoe UI" panose="020B0502040204020203" pitchFamily="34" charset="0"/>
+                <a:cs typeface="Segoe UI" panose="020B0502040204020203" pitchFamily="34" charset="0"/>
+              </a:rPr>
+              <a:t>individual</a:t>
+            </a:r>
+            <a:r>
+              <a:rPr lang="zh-CN" altLang="en-US" sz="1600" dirty="0">
+                <a:latin typeface="Segoe UI" panose="020B0502040204020203" pitchFamily="34" charset="0"/>
+                <a:cs typeface="Segoe UI" panose="020B0502040204020203" pitchFamily="34" charset="0"/>
+              </a:rPr>
+              <a:t> </a:t>
+            </a:r>
+            <a:r>
+              <a:rPr lang="en-US" altLang="zh-CN" sz="1600" dirty="0">
+                <a:latin typeface="Segoe UI" panose="020B0502040204020203" pitchFamily="34" charset="0"/>
+                <a:cs typeface="Segoe UI" panose="020B0502040204020203" pitchFamily="34" charset="0"/>
+              </a:rPr>
+              <a:t>sources,</a:t>
+            </a:r>
+            <a:r>
+              <a:rPr lang="zh-CN" altLang="en-US" sz="1600" dirty="0">
+                <a:latin typeface="Segoe UI" panose="020B0502040204020203" pitchFamily="34" charset="0"/>
+                <a:cs typeface="Segoe UI" panose="020B0502040204020203" pitchFamily="34" charset="0"/>
+              </a:rPr>
+              <a:t> </a:t>
+            </a:r>
+            <a:r>
+              <a:rPr lang="en-US" altLang="zh-CN" sz="1600" dirty="0">
+                <a:latin typeface="Segoe UI" panose="020B0502040204020203" pitchFamily="34" charset="0"/>
+                <a:cs typeface="Segoe UI" panose="020B0502040204020203" pitchFamily="34" charset="0"/>
+              </a:rPr>
+              <a:t>one</a:t>
+            </a:r>
+            <a:r>
+              <a:rPr lang="zh-CN" altLang="en-US" sz="1600" dirty="0">
+                <a:latin typeface="Segoe UI" panose="020B0502040204020203" pitchFamily="34" charset="0"/>
+                <a:cs typeface="Segoe UI" panose="020B0502040204020203" pitchFamily="34" charset="0"/>
+              </a:rPr>
+              <a:t> </a:t>
+            </a:r>
+            <a:r>
+              <a:rPr lang="en-US" altLang="zh-CN" sz="1600" dirty="0">
+                <a:latin typeface="Segoe UI" panose="020B0502040204020203" pitchFamily="34" charset="0"/>
+                <a:cs typeface="Segoe UI" panose="020B0502040204020203" pitchFamily="34" charset="0"/>
+              </a:rPr>
+              <a:t>at</a:t>
+            </a:r>
+            <a:r>
+              <a:rPr lang="zh-CN" altLang="en-US" sz="1600" dirty="0">
+                <a:latin typeface="Segoe UI" panose="020B0502040204020203" pitchFamily="34" charset="0"/>
+                <a:cs typeface="Segoe UI" panose="020B0502040204020203" pitchFamily="34" charset="0"/>
+              </a:rPr>
+              <a:t> </a:t>
+            </a:r>
+            <a:r>
+              <a:rPr lang="en-US" altLang="zh-CN" sz="1600" dirty="0">
+                <a:latin typeface="Segoe UI" panose="020B0502040204020203" pitchFamily="34" charset="0"/>
+                <a:cs typeface="Segoe UI" panose="020B0502040204020203" pitchFamily="34" charset="0"/>
+              </a:rPr>
+              <a:t>a</a:t>
+            </a:r>
+            <a:r>
+              <a:rPr lang="zh-CN" altLang="en-US" sz="1600" dirty="0">
+                <a:latin typeface="Segoe UI" panose="020B0502040204020203" pitchFamily="34" charset="0"/>
+                <a:cs typeface="Segoe UI" panose="020B0502040204020203" pitchFamily="34" charset="0"/>
+              </a:rPr>
+              <a:t> </a:t>
+            </a:r>
+            <a:r>
+              <a:rPr lang="en-US" altLang="zh-CN" sz="1600" dirty="0">
+                <a:latin typeface="Segoe UI" panose="020B0502040204020203" pitchFamily="34" charset="0"/>
+                <a:cs typeface="Segoe UI" panose="020B0502040204020203" pitchFamily="34" charset="0"/>
+              </a:rPr>
+              <a:t>time.</a:t>
+            </a:r>
+            <a:r>
+              <a:rPr lang="zh-CN" altLang="en-US" sz="1600" dirty="0">
+                <a:latin typeface="Segoe UI" panose="020B0502040204020203" pitchFamily="34" charset="0"/>
+                <a:cs typeface="Segoe UI" panose="020B0502040204020203" pitchFamily="34" charset="0"/>
+              </a:rPr>
+              <a:t> </a:t>
+            </a:r>
+            <a:r>
+              <a:rPr lang="en-US" altLang="zh-CN" sz="1600" dirty="0">
+                <a:latin typeface="Segoe UI" panose="020B0502040204020203" pitchFamily="34" charset="0"/>
+                <a:cs typeface="Segoe UI" panose="020B0502040204020203" pitchFamily="34" charset="0"/>
+              </a:rPr>
+              <a:t>Thus,</a:t>
+            </a:r>
+            <a:r>
+              <a:rPr lang="zh-CN" altLang="en-US" sz="1600" dirty="0">
+                <a:latin typeface="Segoe UI" panose="020B0502040204020203" pitchFamily="34" charset="0"/>
+                <a:cs typeface="Segoe UI" panose="020B0502040204020203" pitchFamily="34" charset="0"/>
+              </a:rPr>
+              <a:t> </a:t>
+            </a:r>
+            <a:r>
+              <a:rPr lang="en-US" altLang="zh-CN" sz="1600" dirty="0">
+                <a:latin typeface="Segoe UI" panose="020B0502040204020203" pitchFamily="34" charset="0"/>
+                <a:cs typeface="Segoe UI" panose="020B0502040204020203" pitchFamily="34" charset="0"/>
+              </a:rPr>
+              <a:t>the</a:t>
+            </a:r>
+            <a:r>
+              <a:rPr lang="zh-CN" altLang="en-US" sz="1600" dirty="0">
+                <a:latin typeface="Segoe UI" panose="020B0502040204020203" pitchFamily="34" charset="0"/>
+                <a:cs typeface="Segoe UI" panose="020B0502040204020203" pitchFamily="34" charset="0"/>
+              </a:rPr>
+              <a:t> </a:t>
+            </a:r>
+            <a:r>
+              <a:rPr lang="en-US" altLang="zh-CN" sz="1600" dirty="0">
+                <a:latin typeface="Segoe UI" panose="020B0502040204020203" pitchFamily="34" charset="0"/>
+                <a:cs typeface="Segoe UI" panose="020B0502040204020203" pitchFamily="34" charset="0"/>
+              </a:rPr>
+              <a:t>efficient</a:t>
+            </a:r>
+            <a:r>
+              <a:rPr lang="zh-CN" altLang="en-US" sz="1600" dirty="0">
+                <a:latin typeface="Segoe UI" panose="020B0502040204020203" pitchFamily="34" charset="0"/>
+                <a:cs typeface="Segoe UI" panose="020B0502040204020203" pitchFamily="34" charset="0"/>
+              </a:rPr>
+              <a:t> </a:t>
+            </a:r>
+            <a:r>
+              <a:rPr lang="en-US" altLang="zh-CN" sz="1600" dirty="0">
+                <a:latin typeface="Segoe UI" panose="020B0502040204020203" pitchFamily="34" charset="0"/>
+                <a:cs typeface="Segoe UI" panose="020B0502040204020203" pitchFamily="34" charset="0"/>
+              </a:rPr>
+              <a:t>selection</a:t>
+            </a:r>
+            <a:r>
+              <a:rPr lang="zh-CN" altLang="en-US" sz="1600" dirty="0">
+                <a:latin typeface="Segoe UI" panose="020B0502040204020203" pitchFamily="34" charset="0"/>
+                <a:cs typeface="Segoe UI" panose="020B0502040204020203" pitchFamily="34" charset="0"/>
+              </a:rPr>
+              <a:t> </a:t>
+            </a:r>
+            <a:r>
+              <a:rPr lang="en-US" altLang="zh-CN" sz="1600" dirty="0">
+                <a:latin typeface="Segoe UI" panose="020B0502040204020203" pitchFamily="34" charset="0"/>
+                <a:cs typeface="Segoe UI" panose="020B0502040204020203" pitchFamily="34" charset="0"/>
+              </a:rPr>
+              <a:t>of</a:t>
+            </a:r>
+            <a:r>
+              <a:rPr lang="zh-CN" altLang="en-US" sz="1600" dirty="0">
+                <a:latin typeface="Segoe UI" panose="020B0502040204020203" pitchFamily="34" charset="0"/>
+                <a:cs typeface="Segoe UI" panose="020B0502040204020203" pitchFamily="34" charset="0"/>
+              </a:rPr>
+              <a:t> </a:t>
+            </a:r>
+            <a:r>
+              <a:rPr lang="en-US" altLang="zh-CN" sz="1600" dirty="0">
+                <a:latin typeface="Segoe UI" panose="020B0502040204020203" pitchFamily="34" charset="0"/>
+                <a:cs typeface="Segoe UI" panose="020B0502040204020203" pitchFamily="34" charset="0"/>
+              </a:rPr>
+              <a:t>candidates</a:t>
+            </a:r>
+            <a:r>
+              <a:rPr lang="zh-CN" altLang="en-US" sz="1600" dirty="0">
+                <a:latin typeface="Segoe UI" panose="020B0502040204020203" pitchFamily="34" charset="0"/>
+                <a:cs typeface="Segoe UI" panose="020B0502040204020203" pitchFamily="34" charset="0"/>
+              </a:rPr>
+              <a:t> </a:t>
+            </a:r>
+            <a:r>
+              <a:rPr lang="en-US" altLang="zh-CN" sz="1600" dirty="0">
+                <a:latin typeface="Segoe UI" panose="020B0502040204020203" pitchFamily="34" charset="0"/>
+                <a:cs typeface="Segoe UI" panose="020B0502040204020203" pitchFamily="34" charset="0"/>
+              </a:rPr>
+              <a:t>to</a:t>
+            </a:r>
+            <a:r>
+              <a:rPr lang="zh-CN" altLang="en-US" sz="1600" dirty="0">
+                <a:latin typeface="Segoe UI" panose="020B0502040204020203" pitchFamily="34" charset="0"/>
+                <a:cs typeface="Segoe UI" panose="020B0502040204020203" pitchFamily="34" charset="0"/>
+              </a:rPr>
+              <a:t> </a:t>
+            </a:r>
+            <a:r>
+              <a:rPr lang="en-US" altLang="zh-CN" sz="1600" dirty="0">
+                <a:latin typeface="Segoe UI" panose="020B0502040204020203" pitchFamily="34" charset="0"/>
+                <a:cs typeface="Segoe UI" panose="020B0502040204020203" pitchFamily="34" charset="0"/>
+              </a:rPr>
+              <a:t>be</a:t>
+            </a:r>
+            <a:r>
+              <a:rPr lang="zh-CN" altLang="en-US" sz="1600" dirty="0">
+                <a:latin typeface="Segoe UI" panose="020B0502040204020203" pitchFamily="34" charset="0"/>
+                <a:cs typeface="Segoe UI" panose="020B0502040204020203" pitchFamily="34" charset="0"/>
+              </a:rPr>
+              <a:t> </a:t>
+            </a:r>
+            <a:r>
+              <a:rPr lang="en-US" altLang="zh-CN" sz="1600" dirty="0">
+                <a:latin typeface="Segoe UI" panose="020B0502040204020203" pitchFamily="34" charset="0"/>
+                <a:cs typeface="Segoe UI" panose="020B0502040204020203" pitchFamily="34" charset="0"/>
+              </a:rPr>
+              <a:t>observed</a:t>
+            </a:r>
+            <a:r>
+              <a:rPr lang="zh-CN" altLang="en-US" sz="1600" dirty="0">
+                <a:latin typeface="Segoe UI" panose="020B0502040204020203" pitchFamily="34" charset="0"/>
+                <a:cs typeface="Segoe UI" panose="020B0502040204020203" pitchFamily="34" charset="0"/>
+              </a:rPr>
+              <a:t> </a:t>
+            </a:r>
+            <a:r>
+              <a:rPr lang="en-US" altLang="zh-CN" sz="1600" dirty="0">
+                <a:latin typeface="Segoe UI" panose="020B0502040204020203" pitchFamily="34" charset="0"/>
+                <a:cs typeface="Segoe UI" panose="020B0502040204020203" pitchFamily="34" charset="0"/>
+              </a:rPr>
+              <a:t>is</a:t>
+            </a:r>
+            <a:r>
+              <a:rPr lang="zh-CN" altLang="en-US" sz="1600" dirty="0">
+                <a:latin typeface="Segoe UI" panose="020B0502040204020203" pitchFamily="34" charset="0"/>
+                <a:cs typeface="Segoe UI" panose="020B0502040204020203" pitchFamily="34" charset="0"/>
+              </a:rPr>
+              <a:t> </a:t>
+            </a:r>
+            <a:r>
+              <a:rPr lang="en-US" altLang="zh-CN" sz="1600" dirty="0">
+                <a:latin typeface="Segoe UI" panose="020B0502040204020203" pitchFamily="34" charset="0"/>
+                <a:cs typeface="Segoe UI" panose="020B0502040204020203" pitchFamily="34" charset="0"/>
+              </a:rPr>
+              <a:t>very</a:t>
+            </a:r>
+            <a:r>
+              <a:rPr lang="zh-CN" altLang="en-US" sz="1600" dirty="0">
+                <a:latin typeface="Segoe UI" panose="020B0502040204020203" pitchFamily="34" charset="0"/>
+                <a:cs typeface="Segoe UI" panose="020B0502040204020203" pitchFamily="34" charset="0"/>
+              </a:rPr>
+              <a:t> </a:t>
+            </a:r>
+            <a:r>
+              <a:rPr lang="en-US" altLang="zh-CN" sz="1600" dirty="0">
+                <a:latin typeface="Segoe UI" panose="020B0502040204020203" pitchFamily="34" charset="0"/>
+                <a:cs typeface="Segoe UI" panose="020B0502040204020203" pitchFamily="34" charset="0"/>
+              </a:rPr>
+              <a:t>important.</a:t>
+            </a:r>
+            <a:r>
+              <a:rPr lang="zh-CN" altLang="en-US" sz="1600" dirty="0">
+                <a:latin typeface="Segoe UI" panose="020B0502040204020203" pitchFamily="34" charset="0"/>
+                <a:cs typeface="Segoe UI" panose="020B0502040204020203" pitchFamily="34" charset="0"/>
+              </a:rPr>
+              <a:t> </a:t>
+            </a:r>
+            <a:endParaRPr lang="en-US" altLang="zh-CN" sz="1600" dirty="0">
+              <a:latin typeface="Segoe UI" panose="020B0502040204020203" pitchFamily="34" charset="0"/>
+              <a:cs typeface="Segoe UI" panose="020B0502040204020203" pitchFamily="34" charset="0"/>
+            </a:endParaRPr>
+          </a:p>
+          <a:p>
+            <a:endParaRPr lang="en-US" altLang="zh-CN" sz="1600" dirty="0">
+              <a:latin typeface="Segoe UI" panose="020B0502040204020203" pitchFamily="34" charset="0"/>
+              <a:cs typeface="Segoe UI" panose="020B0502040204020203" pitchFamily="34" charset="0"/>
+            </a:endParaRPr>
+          </a:p>
+          <a:p>
+            <a:r>
+              <a:rPr lang="en-US" altLang="zh-CN" sz="1600" dirty="0">
+                <a:latin typeface="Segoe UI" panose="020B0502040204020203" pitchFamily="34" charset="0"/>
+                <a:cs typeface="Segoe UI" panose="020B0502040204020203" pitchFamily="34" charset="0"/>
+              </a:rPr>
+              <a:t>My</a:t>
+            </a:r>
+            <a:r>
+              <a:rPr lang="zh-CN" altLang="en-US" sz="1600" dirty="0">
+                <a:latin typeface="Segoe UI" panose="020B0502040204020203" pitchFamily="34" charset="0"/>
+                <a:cs typeface="Segoe UI" panose="020B0502040204020203" pitchFamily="34" charset="0"/>
+              </a:rPr>
+              <a:t> </a:t>
+            </a:r>
+            <a:r>
+              <a:rPr lang="en-US" altLang="zh-CN" sz="1600" dirty="0">
+                <a:latin typeface="Segoe UI" panose="020B0502040204020203" pitchFamily="34" charset="0"/>
+                <a:cs typeface="Segoe UI" panose="020B0502040204020203" pitchFamily="34" charset="0"/>
+              </a:rPr>
+              <a:t>projects</a:t>
+            </a:r>
+            <a:r>
+              <a:rPr lang="zh-CN" altLang="en-US" sz="1600" dirty="0">
+                <a:latin typeface="Segoe UI" panose="020B0502040204020203" pitchFamily="34" charset="0"/>
+                <a:cs typeface="Segoe UI" panose="020B0502040204020203" pitchFamily="34" charset="0"/>
+              </a:rPr>
+              <a:t> </a:t>
+            </a:r>
+            <a:r>
+              <a:rPr lang="en-US" altLang="zh-CN" sz="1600" dirty="0">
+                <a:latin typeface="Segoe UI" panose="020B0502040204020203" pitchFamily="34" charset="0"/>
+                <a:cs typeface="Segoe UI" panose="020B0502040204020203" pitchFamily="34" charset="0"/>
+              </a:rPr>
+              <a:t>focuses</a:t>
+            </a:r>
+            <a:r>
+              <a:rPr lang="zh-CN" altLang="en-US" sz="1600" dirty="0">
+                <a:latin typeface="Segoe UI" panose="020B0502040204020203" pitchFamily="34" charset="0"/>
+                <a:cs typeface="Segoe UI" panose="020B0502040204020203" pitchFamily="34" charset="0"/>
+              </a:rPr>
+              <a:t> </a:t>
+            </a:r>
+            <a:r>
+              <a:rPr lang="en-US" altLang="zh-CN" sz="1600" dirty="0">
+                <a:latin typeface="Segoe UI" panose="020B0502040204020203" pitchFamily="34" charset="0"/>
+                <a:cs typeface="Segoe UI" panose="020B0502040204020203" pitchFamily="34" charset="0"/>
+              </a:rPr>
+              <a:t>on</a:t>
+            </a:r>
+            <a:r>
+              <a:rPr lang="zh-CN" altLang="en-US" sz="1600" dirty="0">
+                <a:latin typeface="Segoe UI" panose="020B0502040204020203" pitchFamily="34" charset="0"/>
+                <a:cs typeface="Segoe UI" panose="020B0502040204020203" pitchFamily="34" charset="0"/>
+              </a:rPr>
+              <a:t> </a:t>
+            </a:r>
+            <a:r>
+              <a:rPr lang="en-US" altLang="zh-CN" sz="1600" dirty="0">
+                <a:latin typeface="Segoe UI" panose="020B0502040204020203" pitchFamily="34" charset="0"/>
+                <a:cs typeface="Segoe UI" panose="020B0502040204020203" pitchFamily="34" charset="0"/>
+              </a:rPr>
+              <a:t>using</a:t>
+            </a:r>
+            <a:r>
+              <a:rPr lang="zh-CN" altLang="en-US" sz="1600" dirty="0">
+                <a:latin typeface="Segoe UI" panose="020B0502040204020203" pitchFamily="34" charset="0"/>
+                <a:cs typeface="Segoe UI" panose="020B0502040204020203" pitchFamily="34" charset="0"/>
+              </a:rPr>
+              <a:t> </a:t>
+            </a:r>
+            <a:r>
+              <a:rPr lang="en-US" altLang="zh-CN" sz="1600" dirty="0">
+                <a:latin typeface="Segoe UI" panose="020B0502040204020203" pitchFamily="34" charset="0"/>
+                <a:cs typeface="Segoe UI" panose="020B0502040204020203" pitchFamily="34" charset="0"/>
+              </a:rPr>
+              <a:t>Random</a:t>
+            </a:r>
+            <a:r>
+              <a:rPr lang="zh-CN" altLang="en-US" sz="1600" dirty="0">
+                <a:latin typeface="Segoe UI" panose="020B0502040204020203" pitchFamily="34" charset="0"/>
+                <a:cs typeface="Segoe UI" panose="020B0502040204020203" pitchFamily="34" charset="0"/>
+              </a:rPr>
+              <a:t> </a:t>
+            </a:r>
+            <a:r>
+              <a:rPr lang="en-US" altLang="zh-CN" sz="1600" dirty="0">
+                <a:latin typeface="Segoe UI" panose="020B0502040204020203" pitchFamily="34" charset="0"/>
+                <a:cs typeface="Segoe UI" panose="020B0502040204020203" pitchFamily="34" charset="0"/>
+              </a:rPr>
+              <a:t>Forest</a:t>
+            </a:r>
+            <a:r>
+              <a:rPr lang="zh-CN" altLang="en-US" sz="1600" dirty="0">
+                <a:latin typeface="Segoe UI" panose="020B0502040204020203" pitchFamily="34" charset="0"/>
+                <a:cs typeface="Segoe UI" panose="020B0502040204020203" pitchFamily="34" charset="0"/>
+              </a:rPr>
+              <a:t> </a:t>
+            </a:r>
+            <a:r>
+              <a:rPr lang="en-US" altLang="zh-CN" sz="1600" dirty="0">
+                <a:latin typeface="Segoe UI" panose="020B0502040204020203" pitchFamily="34" charset="0"/>
+                <a:cs typeface="Segoe UI" panose="020B0502040204020203" pitchFamily="34" charset="0"/>
+              </a:rPr>
+              <a:t>Classifier</a:t>
+            </a:r>
+            <a:r>
+              <a:rPr lang="zh-CN" altLang="en-US" sz="1600" dirty="0">
+                <a:latin typeface="Segoe UI" panose="020B0502040204020203" pitchFamily="34" charset="0"/>
+                <a:cs typeface="Segoe UI" panose="020B0502040204020203" pitchFamily="34" charset="0"/>
+              </a:rPr>
+              <a:t> </a:t>
+            </a:r>
+            <a:r>
+              <a:rPr lang="en-US" altLang="zh-CN" sz="1600" dirty="0">
+                <a:latin typeface="Segoe UI" panose="020B0502040204020203" pitchFamily="34" charset="0"/>
+                <a:cs typeface="Segoe UI" panose="020B0502040204020203" pitchFamily="34" charset="0"/>
+              </a:rPr>
+              <a:t>machine</a:t>
+            </a:r>
+            <a:r>
+              <a:rPr lang="zh-CN" altLang="en-US" sz="1600" dirty="0">
+                <a:latin typeface="Segoe UI" panose="020B0502040204020203" pitchFamily="34" charset="0"/>
+                <a:cs typeface="Segoe UI" panose="020B0502040204020203" pitchFamily="34" charset="0"/>
+              </a:rPr>
+              <a:t> </a:t>
+            </a:r>
+            <a:r>
+              <a:rPr lang="en-US" altLang="zh-CN" sz="1600" dirty="0">
+                <a:latin typeface="Segoe UI" panose="020B0502040204020203" pitchFamily="34" charset="0"/>
+                <a:cs typeface="Segoe UI" panose="020B0502040204020203" pitchFamily="34" charset="0"/>
+              </a:rPr>
+              <a:t>learning</a:t>
+            </a:r>
+            <a:r>
+              <a:rPr lang="zh-CN" altLang="en-US" sz="1600" dirty="0">
+                <a:latin typeface="Segoe UI" panose="020B0502040204020203" pitchFamily="34" charset="0"/>
+                <a:cs typeface="Segoe UI" panose="020B0502040204020203" pitchFamily="34" charset="0"/>
+              </a:rPr>
+              <a:t> </a:t>
+            </a:r>
+            <a:r>
+              <a:rPr lang="en-US" altLang="zh-CN" sz="1600" dirty="0">
+                <a:latin typeface="Segoe UI" panose="020B0502040204020203" pitchFamily="34" charset="0"/>
+                <a:cs typeface="Segoe UI" panose="020B0502040204020203" pitchFamily="34" charset="0"/>
+              </a:rPr>
+              <a:t>model</a:t>
+            </a:r>
+            <a:r>
+              <a:rPr lang="zh-CN" altLang="en-US" sz="1600" dirty="0">
+                <a:latin typeface="Segoe UI" panose="020B0502040204020203" pitchFamily="34" charset="0"/>
+                <a:cs typeface="Segoe UI" panose="020B0502040204020203" pitchFamily="34" charset="0"/>
+              </a:rPr>
+              <a:t> </a:t>
+            </a:r>
+            <a:r>
+              <a:rPr lang="en-US" altLang="zh-CN" sz="1600" dirty="0">
+                <a:latin typeface="Segoe UI" panose="020B0502040204020203" pitchFamily="34" charset="0"/>
+                <a:cs typeface="Segoe UI" panose="020B0502040204020203" pitchFamily="34" charset="0"/>
+              </a:rPr>
+              <a:t>to</a:t>
+            </a:r>
+            <a:r>
+              <a:rPr lang="zh-CN" altLang="en-US" sz="1600" dirty="0">
+                <a:latin typeface="Segoe UI" panose="020B0502040204020203" pitchFamily="34" charset="0"/>
+                <a:cs typeface="Segoe UI" panose="020B0502040204020203" pitchFamily="34" charset="0"/>
+              </a:rPr>
+              <a:t> </a:t>
+            </a:r>
+            <a:r>
+              <a:rPr lang="en-US" altLang="zh-CN" sz="1600" dirty="0">
+                <a:latin typeface="Segoe UI" panose="020B0502040204020203" pitchFamily="34" charset="0"/>
+                <a:cs typeface="Segoe UI" panose="020B0502040204020203" pitchFamily="34" charset="0"/>
+              </a:rPr>
+              <a:t>identify</a:t>
+            </a:r>
+            <a:r>
+              <a:rPr lang="zh-CN" altLang="en-US" sz="1600" dirty="0">
+                <a:latin typeface="Segoe UI" panose="020B0502040204020203" pitchFamily="34" charset="0"/>
+                <a:cs typeface="Segoe UI" panose="020B0502040204020203" pitchFamily="34" charset="0"/>
+              </a:rPr>
+              <a:t> </a:t>
+            </a:r>
+            <a:r>
+              <a:rPr lang="en-US" altLang="zh-CN" sz="1600" dirty="0">
+                <a:latin typeface="Segoe UI" panose="020B0502040204020203" pitchFamily="34" charset="0"/>
+                <a:cs typeface="Segoe UI" panose="020B0502040204020203" pitchFamily="34" charset="0"/>
+              </a:rPr>
+              <a:t>quasars</a:t>
+            </a:r>
+            <a:r>
+              <a:rPr lang="zh-CN" altLang="en-US" sz="1600" dirty="0">
+                <a:latin typeface="Segoe UI" panose="020B0502040204020203" pitchFamily="34" charset="0"/>
+                <a:cs typeface="Segoe UI" panose="020B0502040204020203" pitchFamily="34" charset="0"/>
+              </a:rPr>
+              <a:t> </a:t>
+            </a:r>
+            <a:r>
+              <a:rPr lang="en-US" altLang="zh-CN" sz="1600" dirty="0">
+                <a:latin typeface="Segoe UI" panose="020B0502040204020203" pitchFamily="34" charset="0"/>
+                <a:cs typeface="Segoe UI" panose="020B0502040204020203" pitchFamily="34" charset="0"/>
+              </a:rPr>
+              <a:t>prior</a:t>
+            </a:r>
+            <a:r>
+              <a:rPr lang="zh-CN" altLang="en-US" sz="1600" dirty="0">
+                <a:latin typeface="Segoe UI" panose="020B0502040204020203" pitchFamily="34" charset="0"/>
+                <a:cs typeface="Segoe UI" panose="020B0502040204020203" pitchFamily="34" charset="0"/>
+              </a:rPr>
+              <a:t> </a:t>
+            </a:r>
+            <a:r>
+              <a:rPr lang="en-US" altLang="zh-CN" sz="1600" dirty="0">
+                <a:latin typeface="Segoe UI" panose="020B0502040204020203" pitchFamily="34" charset="0"/>
+                <a:cs typeface="Segoe UI" panose="020B0502040204020203" pitchFamily="34" charset="0"/>
+              </a:rPr>
+              <a:t>to</a:t>
+            </a:r>
+            <a:r>
+              <a:rPr lang="zh-CN" altLang="en-US" sz="1600" dirty="0">
+                <a:latin typeface="Segoe UI" panose="020B0502040204020203" pitchFamily="34" charset="0"/>
+                <a:cs typeface="Segoe UI" panose="020B0502040204020203" pitchFamily="34" charset="0"/>
+              </a:rPr>
+              <a:t> </a:t>
+            </a:r>
+            <a:r>
+              <a:rPr lang="en-US" altLang="zh-CN" sz="1600" dirty="0">
+                <a:latin typeface="Segoe UI" panose="020B0502040204020203" pitchFamily="34" charset="0"/>
+                <a:cs typeface="Segoe UI" panose="020B0502040204020203" pitchFamily="34" charset="0"/>
+              </a:rPr>
+              <a:t>pursuing</a:t>
+            </a:r>
+            <a:r>
+              <a:rPr lang="zh-CN" altLang="en-US" sz="1600" dirty="0">
+                <a:latin typeface="Segoe UI" panose="020B0502040204020203" pitchFamily="34" charset="0"/>
+                <a:cs typeface="Segoe UI" panose="020B0502040204020203" pitchFamily="34" charset="0"/>
+              </a:rPr>
+              <a:t> </a:t>
+            </a:r>
+            <a:r>
+              <a:rPr lang="en-US" altLang="zh-CN" sz="1600" dirty="0">
+                <a:latin typeface="Segoe UI" panose="020B0502040204020203" pitchFamily="34" charset="0"/>
+                <a:cs typeface="Segoe UI" panose="020B0502040204020203" pitchFamily="34" charset="0"/>
+              </a:rPr>
+              <a:t>spectroscopic</a:t>
+            </a:r>
+            <a:r>
+              <a:rPr lang="zh-CN" altLang="en-US" sz="1600" dirty="0">
+                <a:latin typeface="Segoe UI" panose="020B0502040204020203" pitchFamily="34" charset="0"/>
+                <a:cs typeface="Segoe UI" panose="020B0502040204020203" pitchFamily="34" charset="0"/>
+              </a:rPr>
+              <a:t> </a:t>
+            </a:r>
+            <a:r>
+              <a:rPr lang="en-US" altLang="zh-CN" sz="1600" dirty="0">
+                <a:latin typeface="Segoe UI" panose="020B0502040204020203" pitchFamily="34" charset="0"/>
+                <a:cs typeface="Segoe UI" panose="020B0502040204020203" pitchFamily="34" charset="0"/>
+              </a:rPr>
+              <a:t>observation,</a:t>
+            </a:r>
+            <a:r>
+              <a:rPr lang="zh-CN" altLang="en-US" sz="1600" dirty="0">
+                <a:latin typeface="Segoe UI" panose="020B0502040204020203" pitchFamily="34" charset="0"/>
+                <a:cs typeface="Segoe UI" panose="020B0502040204020203" pitchFamily="34" charset="0"/>
+              </a:rPr>
+              <a:t> </a:t>
+            </a:r>
+            <a:r>
+              <a:rPr lang="en-US" altLang="zh-CN" sz="1600" dirty="0">
+                <a:latin typeface="Segoe UI" panose="020B0502040204020203" pitchFamily="34" charset="0"/>
+                <a:cs typeface="Segoe UI" panose="020B0502040204020203" pitchFamily="34" charset="0"/>
+              </a:rPr>
+              <a:t>thus</a:t>
+            </a:r>
+            <a:r>
+              <a:rPr lang="zh-CN" altLang="en-US" sz="1600" dirty="0">
+                <a:latin typeface="Segoe UI" panose="020B0502040204020203" pitchFamily="34" charset="0"/>
+                <a:cs typeface="Segoe UI" panose="020B0502040204020203" pitchFamily="34" charset="0"/>
+              </a:rPr>
+              <a:t> </a:t>
+            </a:r>
+            <a:r>
+              <a:rPr lang="en-US" altLang="zh-CN" sz="1600" dirty="0">
+                <a:latin typeface="Segoe UI" panose="020B0502040204020203" pitchFamily="34" charset="0"/>
+                <a:cs typeface="Segoe UI" panose="020B0502040204020203" pitchFamily="34" charset="0"/>
+              </a:rPr>
+              <a:t>improving</a:t>
+            </a:r>
+            <a:r>
+              <a:rPr lang="zh-CN" altLang="en-US" sz="1600" dirty="0">
+                <a:latin typeface="Segoe UI" panose="020B0502040204020203" pitchFamily="34" charset="0"/>
+                <a:cs typeface="Segoe UI" panose="020B0502040204020203" pitchFamily="34" charset="0"/>
+              </a:rPr>
+              <a:t> </a:t>
+            </a:r>
+            <a:r>
+              <a:rPr lang="en-US" altLang="zh-CN" sz="1600" dirty="0">
+                <a:latin typeface="Segoe UI" panose="020B0502040204020203" pitchFamily="34" charset="0"/>
+                <a:cs typeface="Segoe UI" panose="020B0502040204020203" pitchFamily="34" charset="0"/>
+              </a:rPr>
+              <a:t>the</a:t>
+            </a:r>
+            <a:r>
+              <a:rPr lang="zh-CN" altLang="en-US" sz="1600" dirty="0">
+                <a:latin typeface="Segoe UI" panose="020B0502040204020203" pitchFamily="34" charset="0"/>
+                <a:cs typeface="Segoe UI" panose="020B0502040204020203" pitchFamily="34" charset="0"/>
+              </a:rPr>
+              <a:t> </a:t>
+            </a:r>
+            <a:r>
+              <a:rPr lang="en-US" altLang="zh-CN" sz="1600" dirty="0">
+                <a:latin typeface="Segoe UI" panose="020B0502040204020203" pitchFamily="34" charset="0"/>
+                <a:cs typeface="Segoe UI" panose="020B0502040204020203" pitchFamily="34" charset="0"/>
+              </a:rPr>
+              <a:t>efficiency</a:t>
+            </a:r>
+            <a:r>
+              <a:rPr lang="zh-CN" altLang="en-US" sz="1600" dirty="0">
+                <a:latin typeface="Segoe UI" panose="020B0502040204020203" pitchFamily="34" charset="0"/>
+                <a:cs typeface="Segoe UI" panose="020B0502040204020203" pitchFamily="34" charset="0"/>
+              </a:rPr>
+              <a:t> </a:t>
+            </a:r>
+            <a:r>
+              <a:rPr lang="en-US" altLang="zh-CN" sz="1600" dirty="0">
+                <a:latin typeface="Segoe UI" panose="020B0502040204020203" pitchFamily="34" charset="0"/>
+                <a:cs typeface="Segoe UI" panose="020B0502040204020203" pitchFamily="34" charset="0"/>
+              </a:rPr>
+              <a:t>of</a:t>
+            </a:r>
+            <a:r>
+              <a:rPr lang="zh-CN" altLang="en-US" sz="1600" dirty="0">
+                <a:latin typeface="Segoe UI" panose="020B0502040204020203" pitchFamily="34" charset="0"/>
+                <a:cs typeface="Segoe UI" panose="020B0502040204020203" pitchFamily="34" charset="0"/>
+              </a:rPr>
+              <a:t> </a:t>
+            </a:r>
+            <a:r>
+              <a:rPr lang="en-US" altLang="zh-CN" sz="1600" dirty="0">
+                <a:latin typeface="Segoe UI" panose="020B0502040204020203" pitchFamily="34" charset="0"/>
+                <a:cs typeface="Segoe UI" panose="020B0502040204020203" pitchFamily="34" charset="0"/>
+              </a:rPr>
+              <a:t>the</a:t>
+            </a:r>
+            <a:r>
+              <a:rPr lang="zh-CN" altLang="en-US" sz="1600" dirty="0">
+                <a:latin typeface="Segoe UI" panose="020B0502040204020203" pitchFamily="34" charset="0"/>
+                <a:cs typeface="Segoe UI" panose="020B0502040204020203" pitchFamily="34" charset="0"/>
+              </a:rPr>
+              <a:t> </a:t>
+            </a:r>
+            <a:r>
+              <a:rPr lang="en-US" altLang="zh-CN" sz="1600" dirty="0">
+                <a:latin typeface="Segoe UI" panose="020B0502040204020203" pitchFamily="34" charset="0"/>
+                <a:cs typeface="Segoe UI" panose="020B0502040204020203" pitchFamily="34" charset="0"/>
+              </a:rPr>
+              <a:t>selection</a:t>
+            </a:r>
+            <a:r>
+              <a:rPr lang="zh-CN" altLang="en-US" sz="1600" dirty="0">
+                <a:latin typeface="Segoe UI" panose="020B0502040204020203" pitchFamily="34" charset="0"/>
+                <a:cs typeface="Segoe UI" panose="020B0502040204020203" pitchFamily="34" charset="0"/>
+              </a:rPr>
+              <a:t> </a:t>
+            </a:r>
+            <a:r>
+              <a:rPr lang="en-US" altLang="zh-CN" sz="1600" dirty="0">
+                <a:latin typeface="Segoe UI" panose="020B0502040204020203" pitchFamily="34" charset="0"/>
+                <a:cs typeface="Segoe UI" panose="020B0502040204020203" pitchFamily="34" charset="0"/>
+              </a:rPr>
+              <a:t>of</a:t>
+            </a:r>
+            <a:r>
+              <a:rPr lang="zh-CN" altLang="en-US" sz="1600" dirty="0">
+                <a:latin typeface="Segoe UI" panose="020B0502040204020203" pitchFamily="34" charset="0"/>
+                <a:cs typeface="Segoe UI" panose="020B0502040204020203" pitchFamily="34" charset="0"/>
+              </a:rPr>
+              <a:t> </a:t>
+            </a:r>
+            <a:r>
+              <a:rPr lang="en-US" altLang="zh-CN" sz="1600" dirty="0">
+                <a:latin typeface="Segoe UI" panose="020B0502040204020203" pitchFamily="34" charset="0"/>
+                <a:cs typeface="Segoe UI" panose="020B0502040204020203" pitchFamily="34" charset="0"/>
+              </a:rPr>
+              <a:t>quasar</a:t>
+            </a:r>
+            <a:r>
+              <a:rPr lang="zh-CN" altLang="en-US" sz="1600" dirty="0">
+                <a:latin typeface="Segoe UI" panose="020B0502040204020203" pitchFamily="34" charset="0"/>
+                <a:cs typeface="Segoe UI" panose="020B0502040204020203" pitchFamily="34" charset="0"/>
+              </a:rPr>
+              <a:t> </a:t>
+            </a:r>
+            <a:r>
+              <a:rPr lang="en-US" altLang="zh-CN" sz="1600" dirty="0">
+                <a:latin typeface="Segoe UI" panose="020B0502040204020203" pitchFamily="34" charset="0"/>
+                <a:cs typeface="Segoe UI" panose="020B0502040204020203" pitchFamily="34" charset="0"/>
+              </a:rPr>
+              <a:t>candidates.</a:t>
+            </a:r>
+            <a:r>
+              <a:rPr lang="zh-CN" altLang="en-US" sz="1600" dirty="0">
+                <a:latin typeface="Segoe UI" panose="020B0502040204020203" pitchFamily="34" charset="0"/>
+                <a:cs typeface="Segoe UI" panose="020B0502040204020203" pitchFamily="34" charset="0"/>
+              </a:rPr>
+              <a:t> </a:t>
+            </a:r>
+            <a:endParaRPr lang="en-US" altLang="zh-CN" sz="1600" dirty="0">
+              <a:latin typeface="Segoe UI" panose="020B0502040204020203" pitchFamily="34" charset="0"/>
+              <a:cs typeface="Segoe UI" panose="020B0502040204020203" pitchFamily="34" charset="0"/>
+            </a:endParaRPr>
+          </a:p>
+          <a:p>
+            <a:endParaRPr lang="en-US" altLang="zh-CN" sz="1600" dirty="0">
+              <a:latin typeface="Segoe UI" panose="020B0502040204020203" pitchFamily="34" charset="0"/>
+              <a:cs typeface="Segoe UI" panose="020B0502040204020203" pitchFamily="34" charset="0"/>
+            </a:endParaRPr>
+          </a:p>
+          <a:p>
+            <a:endParaRPr lang="en-US" altLang="zh-CN" sz="1600" dirty="0">
               <a:latin typeface="Segoe UI" panose="020B0502040204020203" pitchFamily="34" charset="0"/>
               <a:cs typeface="Segoe UI" panose="020B0502040204020203" pitchFamily="34" charset="0"/>
             </a:endParaRPr>
@@ -4838,7 +5234,7 @@
         </p:blipFill>
         <p:spPr>
           <a:xfrm>
-            <a:off x="7977419" y="29790"/>
+            <a:off x="8258581" y="0"/>
             <a:ext cx="1799819" cy="1799819"/>
           </a:xfrm>
           <a:prstGeom prst="rect">
@@ -4874,13 +5270,6 @@
           </a:bodyPr>
           <a:lstStyle/>
           <a:p>
-            <a:r>
-              <a:rPr lang="zh-CN" altLang="en-US" dirty="0">
-                <a:latin typeface="Segoe UI" panose="020B0502040204020203" pitchFamily="34" charset="0"/>
-                <a:cs typeface="Segoe UI" panose="020B0502040204020203" pitchFamily="34" charset="0"/>
-              </a:rPr>
-              <a:t> </a:t>
-            </a:r>
             <a:endParaRPr lang="en-US" b="1" dirty="0">
               <a:latin typeface="Segoe UI" panose="020B0502040204020203" pitchFamily="34" charset="0"/>
               <a:cs typeface="Segoe UI" panose="020B0502040204020203" pitchFamily="34" charset="0"/>
@@ -4891,499 +5280,12 @@
           </a:p>
         </p:txBody>
       </p:sp>
-      <p:pic>
-        <p:nvPicPr>
-          <p:cNvPr id="1028" name="Picture 4" descr="Astronomers discover 'monster' quasar from early universe">
+      <p:sp>
+        <p:nvSpPr>
+          <p:cNvPr id="28" name="TextBox 27">
             <a:extLst>
               <a:ext uri="{FF2B5EF4-FFF2-40B4-BE49-F238E27FC236}">
-                <a16:creationId xmlns:a16="http://schemas.microsoft.com/office/drawing/2014/main" id="{AA9B30D8-CC4D-9341-A226-B9163176B689}"/>
-              </a:ext>
-            </a:extLst>
-          </p:cNvPr>
-          <p:cNvPicPr>
-            <a:picLocks noChangeAspect="1" noChangeArrowheads="1"/>
-          </p:cNvPicPr>
-          <p:nvPr/>
-        </p:nvPicPr>
-        <p:blipFill>
-          <a:blip r:embed="rId5">
-            <a:extLst>
-              <a:ext uri="{28A0092B-C50C-407E-A947-70E740481C1C}">
-                <a14:useLocalDpi xmlns:a14="http://schemas.microsoft.com/office/drawing/2010/main" val="0"/>
-              </a:ext>
-            </a:extLst>
-          </a:blip>
-          <a:srcRect/>
-          <a:stretch>
-            <a:fillRect/>
-          </a:stretch>
-        </p:blipFill>
-        <p:spPr bwMode="auto">
-          <a:xfrm>
-            <a:off x="438137" y="9701038"/>
-            <a:ext cx="4182781" cy="2314472"/>
-          </a:xfrm>
-          <a:prstGeom prst="rect">
-            <a:avLst/>
-          </a:prstGeom>
-          <a:noFill/>
-          <a:extLst>
-            <a:ext uri="{909E8E84-426E-40DD-AFC4-6F175D3DCCD1}">
-              <a14:hiddenFill xmlns:a14="http://schemas.microsoft.com/office/drawing/2010/main">
-                <a:solidFill>
-                  <a:srgbClr val="FFFFFF"/>
-                </a:solidFill>
-              </a14:hiddenFill>
-            </a:ext>
-          </a:extLst>
-        </p:spPr>
-      </p:pic>
-      <p:sp>
-        <p:nvSpPr>
-          <p:cNvPr id="5" name="Rectangle 4">
-            <a:extLst>
-              <a:ext uri="{FF2B5EF4-FFF2-40B4-BE49-F238E27FC236}">
-                <a16:creationId xmlns:a16="http://schemas.microsoft.com/office/drawing/2014/main" id="{2585FE87-49BB-0B45-9017-74EC6E727B75}"/>
-              </a:ext>
-            </a:extLst>
-          </p:cNvPr>
-          <p:cNvSpPr/>
-          <p:nvPr/>
-        </p:nvSpPr>
-        <p:spPr>
-          <a:xfrm>
-            <a:off x="408284" y="12501911"/>
-            <a:ext cx="4248133" cy="1744982"/>
-          </a:xfrm>
-          <a:prstGeom prst="rect">
-            <a:avLst/>
-          </a:prstGeom>
-        </p:spPr>
-        <p:txBody>
-          <a:bodyPr wrap="square">
-            <a:spAutoFit/>
-          </a:bodyPr>
-          <a:lstStyle/>
-          <a:p>
-            <a:r>
-              <a:rPr lang="en-US" altLang="zh-CN" dirty="0">
-                <a:latin typeface="Segoe UI" panose="020B0502040204020203" pitchFamily="34" charset="0"/>
-                <a:cs typeface="Segoe UI" panose="020B0502040204020203" pitchFamily="34" charset="0"/>
-              </a:rPr>
-              <a:t>My</a:t>
-            </a:r>
-            <a:r>
-              <a:rPr lang="zh-CN" altLang="en-US" dirty="0">
-                <a:latin typeface="Segoe UI" panose="020B0502040204020203" pitchFamily="34" charset="0"/>
-                <a:cs typeface="Segoe UI" panose="020B0502040204020203" pitchFamily="34" charset="0"/>
-              </a:rPr>
-              <a:t> </a:t>
-            </a:r>
-            <a:r>
-              <a:rPr lang="en-US" altLang="zh-CN" dirty="0">
-                <a:latin typeface="Segoe UI" panose="020B0502040204020203" pitchFamily="34" charset="0"/>
-                <a:cs typeface="Segoe UI" panose="020B0502040204020203" pitchFamily="34" charset="0"/>
-              </a:rPr>
-              <a:t>projects</a:t>
-            </a:r>
-            <a:r>
-              <a:rPr lang="zh-CN" altLang="en-US" dirty="0">
-                <a:latin typeface="Segoe UI" panose="020B0502040204020203" pitchFamily="34" charset="0"/>
-                <a:cs typeface="Segoe UI" panose="020B0502040204020203" pitchFamily="34" charset="0"/>
-              </a:rPr>
-              <a:t> </a:t>
-            </a:r>
-            <a:r>
-              <a:rPr lang="en-US" altLang="zh-CN" dirty="0">
-                <a:latin typeface="Segoe UI" panose="020B0502040204020203" pitchFamily="34" charset="0"/>
-                <a:cs typeface="Segoe UI" panose="020B0502040204020203" pitchFamily="34" charset="0"/>
-              </a:rPr>
-              <a:t>focuses</a:t>
-            </a:r>
-            <a:r>
-              <a:rPr lang="zh-CN" altLang="en-US" dirty="0">
-                <a:latin typeface="Segoe UI" panose="020B0502040204020203" pitchFamily="34" charset="0"/>
-                <a:cs typeface="Segoe UI" panose="020B0502040204020203" pitchFamily="34" charset="0"/>
-              </a:rPr>
-              <a:t> </a:t>
-            </a:r>
-            <a:r>
-              <a:rPr lang="en-US" altLang="zh-CN" dirty="0">
-                <a:latin typeface="Segoe UI" panose="020B0502040204020203" pitchFamily="34" charset="0"/>
-                <a:cs typeface="Segoe UI" panose="020B0502040204020203" pitchFamily="34" charset="0"/>
-              </a:rPr>
-              <a:t>on</a:t>
-            </a:r>
-            <a:r>
-              <a:rPr lang="zh-CN" altLang="en-US" dirty="0">
-                <a:latin typeface="Segoe UI" panose="020B0502040204020203" pitchFamily="34" charset="0"/>
-                <a:cs typeface="Segoe UI" panose="020B0502040204020203" pitchFamily="34" charset="0"/>
-              </a:rPr>
-              <a:t> </a:t>
-            </a:r>
-            <a:r>
-              <a:rPr lang="en-US" altLang="zh-CN" dirty="0">
-                <a:latin typeface="Segoe UI" panose="020B0502040204020203" pitchFamily="34" charset="0"/>
-                <a:cs typeface="Segoe UI" panose="020B0502040204020203" pitchFamily="34" charset="0"/>
-              </a:rPr>
-              <a:t>using</a:t>
-            </a:r>
-            <a:r>
-              <a:rPr lang="zh-CN" altLang="en-US" dirty="0">
-                <a:latin typeface="Segoe UI" panose="020B0502040204020203" pitchFamily="34" charset="0"/>
-                <a:cs typeface="Segoe UI" panose="020B0502040204020203" pitchFamily="34" charset="0"/>
-              </a:rPr>
-              <a:t> </a:t>
-            </a:r>
-            <a:r>
-              <a:rPr lang="en-US" altLang="zh-CN" dirty="0">
-                <a:latin typeface="Segoe UI" panose="020B0502040204020203" pitchFamily="34" charset="0"/>
-                <a:cs typeface="Segoe UI" panose="020B0502040204020203" pitchFamily="34" charset="0"/>
-              </a:rPr>
-              <a:t>Random</a:t>
-            </a:r>
-            <a:r>
-              <a:rPr lang="zh-CN" altLang="en-US" dirty="0">
-                <a:latin typeface="Segoe UI" panose="020B0502040204020203" pitchFamily="34" charset="0"/>
-                <a:cs typeface="Segoe UI" panose="020B0502040204020203" pitchFamily="34" charset="0"/>
-              </a:rPr>
-              <a:t> </a:t>
-            </a:r>
-            <a:r>
-              <a:rPr lang="en-US" altLang="zh-CN" dirty="0">
-                <a:latin typeface="Segoe UI" panose="020B0502040204020203" pitchFamily="34" charset="0"/>
-                <a:cs typeface="Segoe UI" panose="020B0502040204020203" pitchFamily="34" charset="0"/>
-              </a:rPr>
-              <a:t>Forest</a:t>
-            </a:r>
-            <a:r>
-              <a:rPr lang="zh-CN" altLang="en-US" dirty="0">
-                <a:latin typeface="Segoe UI" panose="020B0502040204020203" pitchFamily="34" charset="0"/>
-                <a:cs typeface="Segoe UI" panose="020B0502040204020203" pitchFamily="34" charset="0"/>
-              </a:rPr>
-              <a:t> </a:t>
-            </a:r>
-            <a:r>
-              <a:rPr lang="en-US" altLang="zh-CN" dirty="0">
-                <a:latin typeface="Segoe UI" panose="020B0502040204020203" pitchFamily="34" charset="0"/>
-                <a:cs typeface="Segoe UI" panose="020B0502040204020203" pitchFamily="34" charset="0"/>
-              </a:rPr>
-              <a:t>Classifier</a:t>
-            </a:r>
-            <a:r>
-              <a:rPr lang="zh-CN" altLang="en-US" dirty="0">
-                <a:latin typeface="Segoe UI" panose="020B0502040204020203" pitchFamily="34" charset="0"/>
-                <a:cs typeface="Segoe UI" panose="020B0502040204020203" pitchFamily="34" charset="0"/>
-              </a:rPr>
-              <a:t> </a:t>
-            </a:r>
-            <a:r>
-              <a:rPr lang="en-US" altLang="zh-CN" dirty="0">
-                <a:latin typeface="Segoe UI" panose="020B0502040204020203" pitchFamily="34" charset="0"/>
-                <a:cs typeface="Segoe UI" panose="020B0502040204020203" pitchFamily="34" charset="0"/>
-              </a:rPr>
-              <a:t>machine</a:t>
-            </a:r>
-            <a:r>
-              <a:rPr lang="zh-CN" altLang="en-US" dirty="0">
-                <a:latin typeface="Segoe UI" panose="020B0502040204020203" pitchFamily="34" charset="0"/>
-                <a:cs typeface="Segoe UI" panose="020B0502040204020203" pitchFamily="34" charset="0"/>
-              </a:rPr>
-              <a:t> </a:t>
-            </a:r>
-            <a:r>
-              <a:rPr lang="en-US" altLang="zh-CN" dirty="0">
-                <a:latin typeface="Segoe UI" panose="020B0502040204020203" pitchFamily="34" charset="0"/>
-                <a:cs typeface="Segoe UI" panose="020B0502040204020203" pitchFamily="34" charset="0"/>
-              </a:rPr>
-              <a:t>learning</a:t>
-            </a:r>
-            <a:r>
-              <a:rPr lang="zh-CN" altLang="en-US" dirty="0">
-                <a:latin typeface="Segoe UI" panose="020B0502040204020203" pitchFamily="34" charset="0"/>
-                <a:cs typeface="Segoe UI" panose="020B0502040204020203" pitchFamily="34" charset="0"/>
-              </a:rPr>
-              <a:t> </a:t>
-            </a:r>
-            <a:r>
-              <a:rPr lang="en-US" altLang="zh-CN" dirty="0">
-                <a:latin typeface="Segoe UI" panose="020B0502040204020203" pitchFamily="34" charset="0"/>
-                <a:cs typeface="Segoe UI" panose="020B0502040204020203" pitchFamily="34" charset="0"/>
-              </a:rPr>
-              <a:t>model</a:t>
-            </a:r>
-            <a:r>
-              <a:rPr lang="zh-CN" altLang="en-US" dirty="0">
-                <a:latin typeface="Segoe UI" panose="020B0502040204020203" pitchFamily="34" charset="0"/>
-                <a:cs typeface="Segoe UI" panose="020B0502040204020203" pitchFamily="34" charset="0"/>
-              </a:rPr>
-              <a:t> </a:t>
-            </a:r>
-            <a:r>
-              <a:rPr lang="en-US" altLang="zh-CN" dirty="0">
-                <a:latin typeface="Segoe UI" panose="020B0502040204020203" pitchFamily="34" charset="0"/>
-                <a:cs typeface="Segoe UI" panose="020B0502040204020203" pitchFamily="34" charset="0"/>
-              </a:rPr>
-              <a:t>to</a:t>
-            </a:r>
-            <a:r>
-              <a:rPr lang="zh-CN" altLang="en-US" dirty="0">
-                <a:latin typeface="Segoe UI" panose="020B0502040204020203" pitchFamily="34" charset="0"/>
-                <a:cs typeface="Segoe UI" panose="020B0502040204020203" pitchFamily="34" charset="0"/>
-              </a:rPr>
-              <a:t> </a:t>
-            </a:r>
-            <a:r>
-              <a:rPr lang="en-US" altLang="zh-CN" dirty="0">
-                <a:latin typeface="Segoe UI" panose="020B0502040204020203" pitchFamily="34" charset="0"/>
-                <a:cs typeface="Segoe UI" panose="020B0502040204020203" pitchFamily="34" charset="0"/>
-              </a:rPr>
-              <a:t>identify</a:t>
-            </a:r>
-            <a:r>
-              <a:rPr lang="zh-CN" altLang="en-US" dirty="0">
-                <a:latin typeface="Segoe UI" panose="020B0502040204020203" pitchFamily="34" charset="0"/>
-                <a:cs typeface="Segoe UI" panose="020B0502040204020203" pitchFamily="34" charset="0"/>
-              </a:rPr>
-              <a:t> </a:t>
-            </a:r>
-            <a:r>
-              <a:rPr lang="en-US" altLang="zh-CN" dirty="0">
-                <a:latin typeface="Segoe UI" panose="020B0502040204020203" pitchFamily="34" charset="0"/>
-                <a:cs typeface="Segoe UI" panose="020B0502040204020203" pitchFamily="34" charset="0"/>
-              </a:rPr>
-              <a:t>quasars</a:t>
-            </a:r>
-            <a:r>
-              <a:rPr lang="zh-CN" altLang="en-US" dirty="0">
-                <a:latin typeface="Segoe UI" panose="020B0502040204020203" pitchFamily="34" charset="0"/>
-                <a:cs typeface="Segoe UI" panose="020B0502040204020203" pitchFamily="34" charset="0"/>
-              </a:rPr>
-              <a:t> </a:t>
-            </a:r>
-            <a:r>
-              <a:rPr lang="en-US" altLang="zh-CN" dirty="0">
-                <a:latin typeface="Segoe UI" panose="020B0502040204020203" pitchFamily="34" charset="0"/>
-                <a:cs typeface="Segoe UI" panose="020B0502040204020203" pitchFamily="34" charset="0"/>
-              </a:rPr>
-              <a:t>prior</a:t>
-            </a:r>
-            <a:r>
-              <a:rPr lang="zh-CN" altLang="en-US" dirty="0">
-                <a:latin typeface="Segoe UI" panose="020B0502040204020203" pitchFamily="34" charset="0"/>
-                <a:cs typeface="Segoe UI" panose="020B0502040204020203" pitchFamily="34" charset="0"/>
-              </a:rPr>
-              <a:t> </a:t>
-            </a:r>
-            <a:r>
-              <a:rPr lang="en-US" altLang="zh-CN" dirty="0">
-                <a:latin typeface="Segoe UI" panose="020B0502040204020203" pitchFamily="34" charset="0"/>
-                <a:cs typeface="Segoe UI" panose="020B0502040204020203" pitchFamily="34" charset="0"/>
-              </a:rPr>
-              <a:t>to</a:t>
-            </a:r>
-            <a:r>
-              <a:rPr lang="zh-CN" altLang="en-US" dirty="0">
-                <a:latin typeface="Segoe UI" panose="020B0502040204020203" pitchFamily="34" charset="0"/>
-                <a:cs typeface="Segoe UI" panose="020B0502040204020203" pitchFamily="34" charset="0"/>
-              </a:rPr>
-              <a:t> </a:t>
-            </a:r>
-            <a:r>
-              <a:rPr lang="en-US" altLang="zh-CN" dirty="0">
-                <a:latin typeface="Segoe UI" panose="020B0502040204020203" pitchFamily="34" charset="0"/>
-                <a:cs typeface="Segoe UI" panose="020B0502040204020203" pitchFamily="34" charset="0"/>
-              </a:rPr>
-              <a:t>pursuing</a:t>
-            </a:r>
-            <a:r>
-              <a:rPr lang="zh-CN" altLang="en-US" dirty="0">
-                <a:latin typeface="Segoe UI" panose="020B0502040204020203" pitchFamily="34" charset="0"/>
-                <a:cs typeface="Segoe UI" panose="020B0502040204020203" pitchFamily="34" charset="0"/>
-              </a:rPr>
-              <a:t> </a:t>
-            </a:r>
-            <a:r>
-              <a:rPr lang="en-US" altLang="zh-CN" dirty="0">
-                <a:latin typeface="Segoe UI" panose="020B0502040204020203" pitchFamily="34" charset="0"/>
-                <a:cs typeface="Segoe UI" panose="020B0502040204020203" pitchFamily="34" charset="0"/>
-              </a:rPr>
-              <a:t>spectroscopic</a:t>
-            </a:r>
-            <a:r>
-              <a:rPr lang="zh-CN" altLang="en-US" dirty="0">
-                <a:latin typeface="Segoe UI" panose="020B0502040204020203" pitchFamily="34" charset="0"/>
-                <a:cs typeface="Segoe UI" panose="020B0502040204020203" pitchFamily="34" charset="0"/>
-              </a:rPr>
-              <a:t> </a:t>
-            </a:r>
-            <a:r>
-              <a:rPr lang="en-US" altLang="zh-CN" dirty="0">
-                <a:latin typeface="Segoe UI" panose="020B0502040204020203" pitchFamily="34" charset="0"/>
-                <a:cs typeface="Segoe UI" panose="020B0502040204020203" pitchFamily="34" charset="0"/>
-              </a:rPr>
-              <a:t>observation,</a:t>
-            </a:r>
-            <a:r>
-              <a:rPr lang="zh-CN" altLang="en-US" dirty="0">
-                <a:latin typeface="Segoe UI" panose="020B0502040204020203" pitchFamily="34" charset="0"/>
-                <a:cs typeface="Segoe UI" panose="020B0502040204020203" pitchFamily="34" charset="0"/>
-              </a:rPr>
-              <a:t> </a:t>
-            </a:r>
-            <a:r>
-              <a:rPr lang="en-US" altLang="zh-CN" dirty="0">
-                <a:latin typeface="Segoe UI" panose="020B0502040204020203" pitchFamily="34" charset="0"/>
-                <a:cs typeface="Segoe UI" panose="020B0502040204020203" pitchFamily="34" charset="0"/>
-              </a:rPr>
-              <a:t>thus</a:t>
-            </a:r>
-            <a:r>
-              <a:rPr lang="zh-CN" altLang="en-US" dirty="0">
-                <a:latin typeface="Segoe UI" panose="020B0502040204020203" pitchFamily="34" charset="0"/>
-                <a:cs typeface="Segoe UI" panose="020B0502040204020203" pitchFamily="34" charset="0"/>
-              </a:rPr>
-              <a:t> </a:t>
-            </a:r>
-            <a:r>
-              <a:rPr lang="en-US" altLang="zh-CN" dirty="0">
-                <a:latin typeface="Segoe UI" panose="020B0502040204020203" pitchFamily="34" charset="0"/>
-                <a:cs typeface="Segoe UI" panose="020B0502040204020203" pitchFamily="34" charset="0"/>
-              </a:rPr>
-              <a:t>improving</a:t>
-            </a:r>
-            <a:r>
-              <a:rPr lang="zh-CN" altLang="en-US" dirty="0">
-                <a:latin typeface="Segoe UI" panose="020B0502040204020203" pitchFamily="34" charset="0"/>
-                <a:cs typeface="Segoe UI" panose="020B0502040204020203" pitchFamily="34" charset="0"/>
-              </a:rPr>
-              <a:t> </a:t>
-            </a:r>
-            <a:r>
-              <a:rPr lang="en-US" altLang="zh-CN" dirty="0">
-                <a:latin typeface="Segoe UI" panose="020B0502040204020203" pitchFamily="34" charset="0"/>
-                <a:cs typeface="Segoe UI" panose="020B0502040204020203" pitchFamily="34" charset="0"/>
-              </a:rPr>
-              <a:t>the</a:t>
-            </a:r>
-            <a:r>
-              <a:rPr lang="zh-CN" altLang="en-US" dirty="0">
-                <a:latin typeface="Segoe UI" panose="020B0502040204020203" pitchFamily="34" charset="0"/>
-                <a:cs typeface="Segoe UI" panose="020B0502040204020203" pitchFamily="34" charset="0"/>
-              </a:rPr>
-              <a:t> </a:t>
-            </a:r>
-            <a:r>
-              <a:rPr lang="en-US" altLang="zh-CN" dirty="0">
-                <a:latin typeface="Segoe UI" panose="020B0502040204020203" pitchFamily="34" charset="0"/>
-                <a:cs typeface="Segoe UI" panose="020B0502040204020203" pitchFamily="34" charset="0"/>
-              </a:rPr>
-              <a:t>efficiency</a:t>
-            </a:r>
-            <a:r>
-              <a:rPr lang="zh-CN" altLang="en-US" dirty="0">
-                <a:latin typeface="Segoe UI" panose="020B0502040204020203" pitchFamily="34" charset="0"/>
-                <a:cs typeface="Segoe UI" panose="020B0502040204020203" pitchFamily="34" charset="0"/>
-              </a:rPr>
-              <a:t> </a:t>
-            </a:r>
-            <a:r>
-              <a:rPr lang="en-US" altLang="zh-CN" dirty="0">
-                <a:latin typeface="Segoe UI" panose="020B0502040204020203" pitchFamily="34" charset="0"/>
-                <a:cs typeface="Segoe UI" panose="020B0502040204020203" pitchFamily="34" charset="0"/>
-              </a:rPr>
-              <a:t>of</a:t>
-            </a:r>
-            <a:r>
-              <a:rPr lang="zh-CN" altLang="en-US" dirty="0">
-                <a:latin typeface="Segoe UI" panose="020B0502040204020203" pitchFamily="34" charset="0"/>
-                <a:cs typeface="Segoe UI" panose="020B0502040204020203" pitchFamily="34" charset="0"/>
-              </a:rPr>
-              <a:t> </a:t>
-            </a:r>
-            <a:r>
-              <a:rPr lang="en-US" altLang="zh-CN" dirty="0">
-                <a:latin typeface="Segoe UI" panose="020B0502040204020203" pitchFamily="34" charset="0"/>
-                <a:cs typeface="Segoe UI" panose="020B0502040204020203" pitchFamily="34" charset="0"/>
-              </a:rPr>
-              <a:t>the</a:t>
-            </a:r>
-            <a:r>
-              <a:rPr lang="zh-CN" altLang="en-US" dirty="0">
-                <a:latin typeface="Segoe UI" panose="020B0502040204020203" pitchFamily="34" charset="0"/>
-                <a:cs typeface="Segoe UI" panose="020B0502040204020203" pitchFamily="34" charset="0"/>
-              </a:rPr>
-              <a:t> </a:t>
-            </a:r>
-            <a:r>
-              <a:rPr lang="en-US" altLang="zh-CN" dirty="0">
-                <a:latin typeface="Segoe UI" panose="020B0502040204020203" pitchFamily="34" charset="0"/>
-                <a:cs typeface="Segoe UI" panose="020B0502040204020203" pitchFamily="34" charset="0"/>
-              </a:rPr>
-              <a:t>selection</a:t>
-            </a:r>
-            <a:r>
-              <a:rPr lang="zh-CN" altLang="en-US" dirty="0">
-                <a:latin typeface="Segoe UI" panose="020B0502040204020203" pitchFamily="34" charset="0"/>
-                <a:cs typeface="Segoe UI" panose="020B0502040204020203" pitchFamily="34" charset="0"/>
-              </a:rPr>
-              <a:t> </a:t>
-            </a:r>
-            <a:r>
-              <a:rPr lang="en-US" altLang="zh-CN" dirty="0">
-                <a:latin typeface="Segoe UI" panose="020B0502040204020203" pitchFamily="34" charset="0"/>
-                <a:cs typeface="Segoe UI" panose="020B0502040204020203" pitchFamily="34" charset="0"/>
-              </a:rPr>
-              <a:t>of</a:t>
-            </a:r>
-            <a:r>
-              <a:rPr lang="zh-CN" altLang="en-US" dirty="0">
-                <a:latin typeface="Segoe UI" panose="020B0502040204020203" pitchFamily="34" charset="0"/>
-                <a:cs typeface="Segoe UI" panose="020B0502040204020203" pitchFamily="34" charset="0"/>
-              </a:rPr>
-              <a:t> </a:t>
-            </a:r>
-            <a:r>
-              <a:rPr lang="en-US" altLang="zh-CN" dirty="0">
-                <a:latin typeface="Segoe UI" panose="020B0502040204020203" pitchFamily="34" charset="0"/>
-                <a:cs typeface="Segoe UI" panose="020B0502040204020203" pitchFamily="34" charset="0"/>
-              </a:rPr>
-              <a:t>quasar</a:t>
-            </a:r>
-            <a:r>
-              <a:rPr lang="zh-CN" altLang="en-US" dirty="0">
-                <a:latin typeface="Segoe UI" panose="020B0502040204020203" pitchFamily="34" charset="0"/>
-                <a:cs typeface="Segoe UI" panose="020B0502040204020203" pitchFamily="34" charset="0"/>
-              </a:rPr>
-              <a:t> </a:t>
-            </a:r>
-            <a:r>
-              <a:rPr lang="en-US" altLang="zh-CN" dirty="0">
-                <a:latin typeface="Segoe UI" panose="020B0502040204020203" pitchFamily="34" charset="0"/>
-                <a:cs typeface="Segoe UI" panose="020B0502040204020203" pitchFamily="34" charset="0"/>
-              </a:rPr>
-              <a:t>candidates.</a:t>
-            </a:r>
-            <a:r>
-              <a:rPr lang="zh-CN" altLang="en-US" dirty="0">
-                <a:latin typeface="Segoe UI" panose="020B0502040204020203" pitchFamily="34" charset="0"/>
-                <a:cs typeface="Segoe UI" panose="020B0502040204020203" pitchFamily="34" charset="0"/>
-              </a:rPr>
-              <a:t> </a:t>
-            </a:r>
-            <a:endParaRPr lang="en-US" altLang="zh-CN" dirty="0">
-              <a:latin typeface="Segoe UI" panose="020B0502040204020203" pitchFamily="34" charset="0"/>
-              <a:cs typeface="Segoe UI" panose="020B0502040204020203" pitchFamily="34" charset="0"/>
-            </a:endParaRPr>
-          </a:p>
-        </p:txBody>
-      </p:sp>
-      <p:sp>
-        <p:nvSpPr>
-          <p:cNvPr id="25" name="TextBox 24">
-            <a:extLst>
-              <a:ext uri="{FF2B5EF4-FFF2-40B4-BE49-F238E27FC236}">
-                <a16:creationId xmlns:a16="http://schemas.microsoft.com/office/drawing/2014/main" id="{112AC638-0D81-D54C-95C7-898A8F68AE87}"/>
+                <a16:creationId xmlns:a16="http://schemas.microsoft.com/office/drawing/2014/main" id="{F9697907-6188-754C-8544-DC89F77D7058}"/>
               </a:ext>
             </a:extLst>
           </p:cNvPr>
@@ -5392,8 +5294,8 @@
         </p:nvSpPr>
         <p:spPr>
           <a:xfrm>
-            <a:off x="402638" y="12024054"/>
-            <a:ext cx="3307829" cy="276999"/>
+            <a:off x="5437484" y="6247278"/>
+            <a:ext cx="4182781" cy="5262979"/>
           </a:xfrm>
           <a:prstGeom prst="rect">
             <a:avLst/>
@@ -5401,115 +5303,1471 @@
           <a:noFill/>
         </p:spPr>
         <p:txBody>
-          <a:bodyPr wrap="none" rtlCol="0">
+          <a:bodyPr wrap="square" rtlCol="0">
             <a:spAutoFit/>
           </a:bodyPr>
           <a:lstStyle/>
           <a:p>
             <a:r>
-              <a:rPr lang="en-US" altLang="zh-CN" sz="1200" dirty="0">
-                <a:latin typeface="Segoe UI" panose="020B0502040204020203" pitchFamily="34" charset="0"/>
-                <a:cs typeface="Segoe UI" panose="020B0502040204020203" pitchFamily="34" charset="0"/>
-              </a:rPr>
-              <a:t>an</a:t>
-            </a:r>
-            <a:r>
-              <a:rPr lang="zh-CN" altLang="en-US" sz="1200" dirty="0">
-                <a:latin typeface="Segoe UI" panose="020B0502040204020203" pitchFamily="34" charset="0"/>
-                <a:cs typeface="Segoe UI" panose="020B0502040204020203" pitchFamily="34" charset="0"/>
-              </a:rPr>
-              <a:t> </a:t>
-            </a:r>
-            <a:r>
-              <a:rPr lang="en-US" altLang="zh-CN" sz="1200" dirty="0">
-                <a:latin typeface="Segoe UI" panose="020B0502040204020203" pitchFamily="34" charset="0"/>
-                <a:cs typeface="Segoe UI" panose="020B0502040204020203" pitchFamily="34" charset="0"/>
-              </a:rPr>
-              <a:t>artist’s</a:t>
-            </a:r>
-            <a:r>
-              <a:rPr lang="zh-CN" altLang="en-US" sz="1200" dirty="0">
-                <a:latin typeface="Segoe UI" panose="020B0502040204020203" pitchFamily="34" charset="0"/>
-                <a:cs typeface="Segoe UI" panose="020B0502040204020203" pitchFamily="34" charset="0"/>
-              </a:rPr>
-              <a:t> </a:t>
-            </a:r>
-            <a:r>
-              <a:rPr lang="en-US" altLang="zh-CN" sz="1200" dirty="0">
-                <a:latin typeface="Segoe UI" panose="020B0502040204020203" pitchFamily="34" charset="0"/>
-                <a:cs typeface="Segoe UI" panose="020B0502040204020203" pitchFamily="34" charset="0"/>
-              </a:rPr>
-              <a:t>impression</a:t>
-            </a:r>
-            <a:r>
-              <a:rPr lang="zh-CN" altLang="en-US" sz="1200" dirty="0">
-                <a:latin typeface="Segoe UI" panose="020B0502040204020203" pitchFamily="34" charset="0"/>
-                <a:cs typeface="Segoe UI" panose="020B0502040204020203" pitchFamily="34" charset="0"/>
-              </a:rPr>
-              <a:t> </a:t>
-            </a:r>
-            <a:r>
-              <a:rPr lang="en-US" altLang="zh-CN" sz="1200" dirty="0">
+              <a:rPr lang="en-US" altLang="zh-CN" sz="1600" dirty="0">
+                <a:latin typeface="Segoe UI" panose="020B0502040204020203" pitchFamily="34" charset="0"/>
+                <a:cs typeface="Segoe UI" panose="020B0502040204020203" pitchFamily="34" charset="0"/>
+              </a:rPr>
+              <a:t>In</a:t>
+            </a:r>
+            <a:r>
+              <a:rPr lang="zh-CN" altLang="en-US" sz="1600" dirty="0">
+                <a:latin typeface="Segoe UI" panose="020B0502040204020203" pitchFamily="34" charset="0"/>
+                <a:cs typeface="Segoe UI" panose="020B0502040204020203" pitchFamily="34" charset="0"/>
+              </a:rPr>
+              <a:t> </a:t>
+            </a:r>
+            <a:r>
+              <a:rPr lang="en-US" altLang="zh-CN" sz="1600" dirty="0">
+                <a:latin typeface="Segoe UI" panose="020B0502040204020203" pitchFamily="34" charset="0"/>
+                <a:cs typeface="Segoe UI" panose="020B0502040204020203" pitchFamily="34" charset="0"/>
+              </a:rPr>
+              <a:t>this</a:t>
+            </a:r>
+            <a:r>
+              <a:rPr lang="zh-CN" altLang="en-US" sz="1600" dirty="0">
+                <a:latin typeface="Segoe UI" panose="020B0502040204020203" pitchFamily="34" charset="0"/>
+                <a:cs typeface="Segoe UI" panose="020B0502040204020203" pitchFamily="34" charset="0"/>
+              </a:rPr>
+              <a:t> </a:t>
+            </a:r>
+            <a:r>
+              <a:rPr lang="en-US" altLang="zh-CN" sz="1600" dirty="0">
+                <a:latin typeface="Segoe UI" panose="020B0502040204020203" pitchFamily="34" charset="0"/>
+                <a:cs typeface="Segoe UI" panose="020B0502040204020203" pitchFamily="34" charset="0"/>
+              </a:rPr>
+              <a:t>project,</a:t>
+            </a:r>
+            <a:r>
+              <a:rPr lang="zh-CN" altLang="en-US" sz="1600" dirty="0">
+                <a:latin typeface="Segoe UI" panose="020B0502040204020203" pitchFamily="34" charset="0"/>
+                <a:cs typeface="Segoe UI" panose="020B0502040204020203" pitchFamily="34" charset="0"/>
+              </a:rPr>
+              <a:t> </a:t>
+            </a:r>
+            <a:r>
+              <a:rPr lang="en-US" altLang="zh-CN" sz="1600" dirty="0">
+                <a:latin typeface="Segoe UI" panose="020B0502040204020203" pitchFamily="34" charset="0"/>
+                <a:cs typeface="Segoe UI" panose="020B0502040204020203" pitchFamily="34" charset="0"/>
+              </a:rPr>
+              <a:t>we</a:t>
+            </a:r>
+            <a:r>
+              <a:rPr lang="zh-CN" altLang="en-US" sz="1600" dirty="0">
+                <a:latin typeface="Segoe UI" panose="020B0502040204020203" pitchFamily="34" charset="0"/>
+                <a:cs typeface="Segoe UI" panose="020B0502040204020203" pitchFamily="34" charset="0"/>
+              </a:rPr>
+              <a:t> </a:t>
+            </a:r>
+            <a:r>
+              <a:rPr lang="en-US" altLang="zh-CN" sz="1600" dirty="0">
+                <a:latin typeface="Segoe UI" panose="020B0502040204020203" pitchFamily="34" charset="0"/>
+                <a:cs typeface="Segoe UI" panose="020B0502040204020203" pitchFamily="34" charset="0"/>
+              </a:rPr>
+              <a:t>collect</a:t>
+            </a:r>
+            <a:r>
+              <a:rPr lang="zh-CN" altLang="en-US" sz="1600" dirty="0">
+                <a:latin typeface="Segoe UI" panose="020B0502040204020203" pitchFamily="34" charset="0"/>
+                <a:cs typeface="Segoe UI" panose="020B0502040204020203" pitchFamily="34" charset="0"/>
+              </a:rPr>
+              <a:t> </a:t>
+            </a:r>
+            <a:r>
+              <a:rPr lang="en-US" altLang="zh-CN" sz="1600" dirty="0">
+                <a:latin typeface="Segoe UI" panose="020B0502040204020203" pitchFamily="34" charset="0"/>
+                <a:cs typeface="Segoe UI" panose="020B0502040204020203" pitchFamily="34" charset="0"/>
+              </a:rPr>
+              <a:t>the</a:t>
+            </a:r>
+            <a:r>
+              <a:rPr lang="zh-CN" altLang="en-US" sz="1600" dirty="0">
+                <a:latin typeface="Segoe UI" panose="020B0502040204020203" pitchFamily="34" charset="0"/>
+                <a:cs typeface="Segoe UI" panose="020B0502040204020203" pitchFamily="34" charset="0"/>
+              </a:rPr>
+              <a:t> </a:t>
+            </a:r>
+            <a:r>
+              <a:rPr lang="en-US" altLang="zh-CN" sz="1600" dirty="0">
+                <a:latin typeface="Segoe UI" panose="020B0502040204020203" pitchFamily="34" charset="0"/>
+                <a:cs typeface="Segoe UI" panose="020B0502040204020203" pitchFamily="34" charset="0"/>
+              </a:rPr>
+              <a:t>luminosity</a:t>
+            </a:r>
+            <a:r>
+              <a:rPr lang="zh-CN" altLang="en-US" sz="1600" dirty="0">
+                <a:latin typeface="Segoe UI" panose="020B0502040204020203" pitchFamily="34" charset="0"/>
+                <a:cs typeface="Segoe UI" panose="020B0502040204020203" pitchFamily="34" charset="0"/>
+              </a:rPr>
+              <a:t> </a:t>
+            </a:r>
+            <a:r>
+              <a:rPr lang="en-US" altLang="zh-CN" sz="1600" dirty="0">
+                <a:latin typeface="Segoe UI" panose="020B0502040204020203" pitchFamily="34" charset="0"/>
+                <a:cs typeface="Segoe UI" panose="020B0502040204020203" pitchFamily="34" charset="0"/>
+              </a:rPr>
+              <a:t>measured</a:t>
+            </a:r>
+            <a:r>
+              <a:rPr lang="zh-CN" altLang="en-US" sz="1600" dirty="0">
+                <a:latin typeface="Segoe UI" panose="020B0502040204020203" pitchFamily="34" charset="0"/>
+                <a:cs typeface="Segoe UI" panose="020B0502040204020203" pitchFamily="34" charset="0"/>
+              </a:rPr>
+              <a:t> </a:t>
+            </a:r>
+            <a:r>
+              <a:rPr lang="en-US" altLang="zh-CN" sz="1600" dirty="0">
+                <a:latin typeface="Segoe UI" panose="020B0502040204020203" pitchFamily="34" charset="0"/>
+                <a:cs typeface="Segoe UI" panose="020B0502040204020203" pitchFamily="34" charset="0"/>
+              </a:rPr>
+              <a:t>at</a:t>
+            </a:r>
+            <a:r>
+              <a:rPr lang="zh-CN" altLang="en-US" sz="1600" dirty="0">
+                <a:latin typeface="Segoe UI" panose="020B0502040204020203" pitchFamily="34" charset="0"/>
+                <a:cs typeface="Segoe UI" panose="020B0502040204020203" pitchFamily="34" charset="0"/>
+              </a:rPr>
+              <a:t> </a:t>
+            </a:r>
+            <a:r>
+              <a:rPr lang="en-US" altLang="zh-CN" sz="1600" dirty="0">
+                <a:latin typeface="Segoe UI" panose="020B0502040204020203" pitchFamily="34" charset="0"/>
+                <a:cs typeface="Segoe UI" panose="020B0502040204020203" pitchFamily="34" charset="0"/>
+              </a:rPr>
+              <a:t>different</a:t>
+            </a:r>
+            <a:r>
+              <a:rPr lang="zh-CN" altLang="en-US" sz="1600" dirty="0">
+                <a:latin typeface="Segoe UI" panose="020B0502040204020203" pitchFamily="34" charset="0"/>
+                <a:cs typeface="Segoe UI" panose="020B0502040204020203" pitchFamily="34" charset="0"/>
+              </a:rPr>
+              <a:t> </a:t>
+            </a:r>
+            <a:r>
+              <a:rPr lang="en-US" altLang="zh-CN" sz="1600" dirty="0">
+                <a:latin typeface="Segoe UI" panose="020B0502040204020203" pitchFamily="34" charset="0"/>
+                <a:cs typeface="Segoe UI" panose="020B0502040204020203" pitchFamily="34" charset="0"/>
+              </a:rPr>
+              <a:t>wavelengths</a:t>
+            </a:r>
+            <a:r>
+              <a:rPr lang="zh-CN" altLang="en-US" sz="1600" dirty="0">
+                <a:latin typeface="Segoe UI" panose="020B0502040204020203" pitchFamily="34" charset="0"/>
+                <a:cs typeface="Segoe UI" panose="020B0502040204020203" pitchFamily="34" charset="0"/>
+              </a:rPr>
+              <a:t> </a:t>
+            </a:r>
+            <a:r>
+              <a:rPr lang="en-US" altLang="zh-CN" sz="1600" dirty="0">
                 <a:latin typeface="Segoe UI" panose="020B0502040204020203" pitchFamily="34" charset="0"/>
                 <a:cs typeface="Segoe UI" panose="020B0502040204020203" pitchFamily="34" charset="0"/>
               </a:rPr>
               <a:t>of</a:t>
             </a:r>
             <a:r>
-              <a:rPr lang="zh-CN" altLang="en-US" sz="1200" dirty="0">
-                <a:latin typeface="Segoe UI" panose="020B0502040204020203" pitchFamily="34" charset="0"/>
-                <a:cs typeface="Segoe UI" panose="020B0502040204020203" pitchFamily="34" charset="0"/>
-              </a:rPr>
-              <a:t> </a:t>
-            </a:r>
-            <a:r>
-              <a:rPr lang="en-US" altLang="zh-CN" sz="1200" dirty="0">
+              <a:rPr lang="zh-CN" altLang="en-US" sz="1600" dirty="0">
+                <a:latin typeface="Segoe UI" panose="020B0502040204020203" pitchFamily="34" charset="0"/>
+                <a:cs typeface="Segoe UI" panose="020B0502040204020203" pitchFamily="34" charset="0"/>
+              </a:rPr>
+              <a:t> </a:t>
+            </a:r>
+            <a:r>
+              <a:rPr lang="en-US" altLang="zh-CN" sz="1600" dirty="0">
+                <a:latin typeface="Segoe UI" panose="020B0502040204020203" pitchFamily="34" charset="0"/>
+                <a:cs typeface="Segoe UI" panose="020B0502040204020203" pitchFamily="34" charset="0"/>
+              </a:rPr>
+              <a:t>each</a:t>
+            </a:r>
+            <a:r>
+              <a:rPr lang="zh-CN" altLang="en-US" sz="1600" dirty="0">
+                <a:latin typeface="Segoe UI" panose="020B0502040204020203" pitchFamily="34" charset="0"/>
+                <a:cs typeface="Segoe UI" panose="020B0502040204020203" pitchFamily="34" charset="0"/>
+              </a:rPr>
+              <a:t> </a:t>
+            </a:r>
+            <a:r>
+              <a:rPr lang="en-US" altLang="zh-CN" sz="1600" dirty="0">
+                <a:latin typeface="Segoe UI" panose="020B0502040204020203" pitchFamily="34" charset="0"/>
+                <a:cs typeface="Segoe UI" panose="020B0502040204020203" pitchFamily="34" charset="0"/>
+              </a:rPr>
+              <a:t>celestial</a:t>
+            </a:r>
+            <a:r>
+              <a:rPr lang="zh-CN" altLang="en-US" sz="1600" dirty="0">
+                <a:latin typeface="Segoe UI" panose="020B0502040204020203" pitchFamily="34" charset="0"/>
+                <a:cs typeface="Segoe UI" panose="020B0502040204020203" pitchFamily="34" charset="0"/>
+              </a:rPr>
+              <a:t> </a:t>
+            </a:r>
+            <a:r>
+              <a:rPr lang="en-US" altLang="zh-CN" sz="1600" dirty="0">
+                <a:latin typeface="Segoe UI" panose="020B0502040204020203" pitchFamily="34" charset="0"/>
+                <a:cs typeface="Segoe UI" panose="020B0502040204020203" pitchFamily="34" charset="0"/>
+              </a:rPr>
+              <a:t>object,</a:t>
+            </a:r>
+            <a:r>
+              <a:rPr lang="zh-CN" altLang="en-US" sz="1600" dirty="0">
+                <a:latin typeface="Segoe UI" panose="020B0502040204020203" pitchFamily="34" charset="0"/>
+                <a:cs typeface="Segoe UI" panose="020B0502040204020203" pitchFamily="34" charset="0"/>
+              </a:rPr>
+              <a:t> </a:t>
+            </a:r>
+            <a:r>
+              <a:rPr lang="en-US" altLang="zh-CN" sz="1600" dirty="0">
+                <a:latin typeface="Segoe UI" panose="020B0502040204020203" pitchFamily="34" charset="0"/>
+                <a:cs typeface="Segoe UI" panose="020B0502040204020203" pitchFamily="34" charset="0"/>
+              </a:rPr>
+              <a:t>ranging</a:t>
+            </a:r>
+            <a:r>
+              <a:rPr lang="zh-CN" altLang="en-US" sz="1600" dirty="0">
+                <a:latin typeface="Segoe UI" panose="020B0502040204020203" pitchFamily="34" charset="0"/>
+                <a:cs typeface="Segoe UI" panose="020B0502040204020203" pitchFamily="34" charset="0"/>
+              </a:rPr>
+              <a:t> </a:t>
+            </a:r>
+            <a:r>
+              <a:rPr lang="en-US" altLang="zh-CN" sz="1600" dirty="0">
+                <a:latin typeface="Segoe UI" panose="020B0502040204020203" pitchFamily="34" charset="0"/>
+                <a:cs typeface="Segoe UI" panose="020B0502040204020203" pitchFamily="34" charset="0"/>
+              </a:rPr>
+              <a:t>from</a:t>
+            </a:r>
+            <a:r>
+              <a:rPr lang="zh-CN" altLang="en-US" sz="1600" dirty="0">
+                <a:latin typeface="Segoe UI" panose="020B0502040204020203" pitchFamily="34" charset="0"/>
+                <a:cs typeface="Segoe UI" panose="020B0502040204020203" pitchFamily="34" charset="0"/>
+              </a:rPr>
+              <a:t> </a:t>
+            </a:r>
+            <a:r>
+              <a:rPr lang="en-US" altLang="zh-CN" sz="1600" dirty="0">
+                <a:latin typeface="Segoe UI" panose="020B0502040204020203" pitchFamily="34" charset="0"/>
+                <a:cs typeface="Segoe UI" panose="020B0502040204020203" pitchFamily="34" charset="0"/>
+              </a:rPr>
+              <a:t>ultraviolet</a:t>
+            </a:r>
+            <a:r>
+              <a:rPr lang="zh-CN" altLang="en-US" sz="1600" dirty="0">
+                <a:latin typeface="Segoe UI" panose="020B0502040204020203" pitchFamily="34" charset="0"/>
+                <a:cs typeface="Segoe UI" panose="020B0502040204020203" pitchFamily="34" charset="0"/>
+              </a:rPr>
+              <a:t> </a:t>
+            </a:r>
+            <a:r>
+              <a:rPr lang="en-US" altLang="zh-CN" sz="1600" dirty="0">
+                <a:latin typeface="Segoe UI" panose="020B0502040204020203" pitchFamily="34" charset="0"/>
+                <a:cs typeface="Segoe UI" panose="020B0502040204020203" pitchFamily="34" charset="0"/>
+              </a:rPr>
+              <a:t>to</a:t>
+            </a:r>
+            <a:r>
+              <a:rPr lang="zh-CN" altLang="en-US" sz="1600" dirty="0">
+                <a:latin typeface="Segoe UI" panose="020B0502040204020203" pitchFamily="34" charset="0"/>
+                <a:cs typeface="Segoe UI" panose="020B0502040204020203" pitchFamily="34" charset="0"/>
+              </a:rPr>
+              <a:t> </a:t>
+            </a:r>
+            <a:r>
+              <a:rPr lang="en-US" altLang="zh-CN" sz="1600" dirty="0">
+                <a:latin typeface="Segoe UI" panose="020B0502040204020203" pitchFamily="34" charset="0"/>
+                <a:cs typeface="Segoe UI" panose="020B0502040204020203" pitchFamily="34" charset="0"/>
+              </a:rPr>
+              <a:t>near-infrared,</a:t>
+            </a:r>
+            <a:r>
+              <a:rPr lang="zh-CN" altLang="en-US" sz="1600" dirty="0">
+                <a:latin typeface="Segoe UI" panose="020B0502040204020203" pitchFamily="34" charset="0"/>
+                <a:cs typeface="Segoe UI" panose="020B0502040204020203" pitchFamily="34" charset="0"/>
+              </a:rPr>
+              <a:t> </a:t>
+            </a:r>
+            <a:r>
+              <a:rPr lang="en-US" altLang="zh-CN" sz="1600" dirty="0">
+                <a:latin typeface="Segoe UI" panose="020B0502040204020203" pitchFamily="34" charset="0"/>
+                <a:cs typeface="Segoe UI" panose="020B0502040204020203" pitchFamily="34" charset="0"/>
+              </a:rPr>
+              <a:t>from</a:t>
+            </a:r>
+            <a:r>
+              <a:rPr lang="zh-CN" altLang="en-US" sz="1600" dirty="0">
+                <a:latin typeface="Segoe UI" panose="020B0502040204020203" pitchFamily="34" charset="0"/>
+                <a:cs typeface="Segoe UI" panose="020B0502040204020203" pitchFamily="34" charset="0"/>
+              </a:rPr>
+              <a:t> </a:t>
+            </a:r>
+            <a:r>
+              <a:rPr lang="en-US" altLang="zh-CN" sz="1600" dirty="0">
+                <a:latin typeface="Segoe UI" panose="020B0502040204020203" pitchFamily="34" charset="0"/>
+                <a:cs typeface="Segoe UI" panose="020B0502040204020203" pitchFamily="34" charset="0"/>
+              </a:rPr>
+              <a:t>Solan</a:t>
+            </a:r>
+            <a:r>
+              <a:rPr lang="zh-CN" altLang="en-US" sz="1600" dirty="0">
+                <a:latin typeface="Segoe UI" panose="020B0502040204020203" pitchFamily="34" charset="0"/>
+                <a:cs typeface="Segoe UI" panose="020B0502040204020203" pitchFamily="34" charset="0"/>
+              </a:rPr>
+              <a:t> </a:t>
+            </a:r>
+            <a:r>
+              <a:rPr lang="en-US" altLang="zh-CN" sz="1600" dirty="0">
+                <a:latin typeface="Segoe UI" panose="020B0502040204020203" pitchFamily="34" charset="0"/>
+                <a:cs typeface="Segoe UI" panose="020B0502040204020203" pitchFamily="34" charset="0"/>
+              </a:rPr>
+              <a:t>Digital</a:t>
+            </a:r>
+            <a:r>
+              <a:rPr lang="zh-CN" altLang="en-US" sz="1600" dirty="0">
+                <a:latin typeface="Segoe UI" panose="020B0502040204020203" pitchFamily="34" charset="0"/>
+                <a:cs typeface="Segoe UI" panose="020B0502040204020203" pitchFamily="34" charset="0"/>
+              </a:rPr>
+              <a:t> </a:t>
+            </a:r>
+            <a:r>
+              <a:rPr lang="en-US" altLang="zh-CN" sz="1600" dirty="0">
+                <a:latin typeface="Segoe UI" panose="020B0502040204020203" pitchFamily="34" charset="0"/>
+                <a:cs typeface="Segoe UI" panose="020B0502040204020203" pitchFamily="34" charset="0"/>
+              </a:rPr>
+              <a:t>Sky</a:t>
+            </a:r>
+            <a:r>
+              <a:rPr lang="zh-CN" altLang="en-US" sz="1600" dirty="0">
+                <a:latin typeface="Segoe UI" panose="020B0502040204020203" pitchFamily="34" charset="0"/>
+                <a:cs typeface="Segoe UI" panose="020B0502040204020203" pitchFamily="34" charset="0"/>
+              </a:rPr>
+              <a:t> </a:t>
+            </a:r>
+            <a:r>
+              <a:rPr lang="en-US" altLang="zh-CN" sz="1600" dirty="0">
+                <a:latin typeface="Segoe UI" panose="020B0502040204020203" pitchFamily="34" charset="0"/>
+                <a:cs typeface="Segoe UI" panose="020B0502040204020203" pitchFamily="34" charset="0"/>
+              </a:rPr>
+              <a:t>Survey</a:t>
+            </a:r>
+            <a:r>
+              <a:rPr lang="zh-CN" altLang="en-US" sz="1600" dirty="0">
+                <a:latin typeface="Segoe UI" panose="020B0502040204020203" pitchFamily="34" charset="0"/>
+                <a:cs typeface="Segoe UI" panose="020B0502040204020203" pitchFamily="34" charset="0"/>
+              </a:rPr>
+              <a:t> </a:t>
+            </a:r>
+            <a:r>
+              <a:rPr lang="en-US" altLang="zh-CN" sz="1600" dirty="0">
+                <a:latin typeface="Segoe UI" panose="020B0502040204020203" pitchFamily="34" charset="0"/>
+                <a:cs typeface="Segoe UI" panose="020B0502040204020203" pitchFamily="34" charset="0"/>
+              </a:rPr>
+              <a:t>and</a:t>
+            </a:r>
+            <a:r>
+              <a:rPr lang="zh-CN" altLang="en-US" sz="1600" dirty="0">
+                <a:latin typeface="Segoe UI" panose="020B0502040204020203" pitchFamily="34" charset="0"/>
+                <a:cs typeface="Segoe UI" panose="020B0502040204020203" pitchFamily="34" charset="0"/>
+              </a:rPr>
+              <a:t> </a:t>
+            </a:r>
+            <a:r>
+              <a:rPr lang="en-US" altLang="zh-CN" sz="1600" dirty="0">
+                <a:latin typeface="Segoe UI" panose="020B0502040204020203" pitchFamily="34" charset="0"/>
+                <a:cs typeface="Segoe UI" panose="020B0502040204020203" pitchFamily="34" charset="0"/>
+              </a:rPr>
+              <a:t>measure</a:t>
+            </a:r>
+            <a:r>
+              <a:rPr lang="zh-CN" altLang="en-US" sz="1600" dirty="0">
+                <a:latin typeface="Segoe UI" panose="020B0502040204020203" pitchFamily="34" charset="0"/>
+                <a:cs typeface="Segoe UI" panose="020B0502040204020203" pitchFamily="34" charset="0"/>
+              </a:rPr>
+              <a:t> </a:t>
+            </a:r>
+            <a:r>
+              <a:rPr lang="en-US" altLang="zh-CN" sz="1600" dirty="0">
                 <a:latin typeface="Segoe UI" panose="020B0502040204020203" pitchFamily="34" charset="0"/>
                 <a:cs typeface="Segoe UI" panose="020B0502040204020203" pitchFamily="34" charset="0"/>
               </a:rPr>
               <a:t>the</a:t>
             </a:r>
             <a:r>
-              <a:rPr lang="zh-CN" altLang="en-US" sz="1200" dirty="0">
-                <a:latin typeface="Segoe UI" panose="020B0502040204020203" pitchFamily="34" charset="0"/>
-                <a:cs typeface="Segoe UI" panose="020B0502040204020203" pitchFamily="34" charset="0"/>
-              </a:rPr>
-              <a:t> </a:t>
-            </a:r>
-            <a:r>
-              <a:rPr lang="en-US" altLang="zh-CN" sz="1200" dirty="0">
-                <a:latin typeface="Segoe UI" panose="020B0502040204020203" pitchFamily="34" charset="0"/>
-                <a:cs typeface="Segoe UI" panose="020B0502040204020203" pitchFamily="34" charset="0"/>
-              </a:rPr>
-              <a:t>quasar</a:t>
-            </a:r>
-            <a:r>
-              <a:rPr lang="zh-CN" altLang="en-US" sz="1200" dirty="0">
-                <a:latin typeface="Segoe UI" panose="020B0502040204020203" pitchFamily="34" charset="0"/>
-                <a:cs typeface="Segoe UI" panose="020B0502040204020203" pitchFamily="34" charset="0"/>
-              </a:rPr>
-              <a:t> </a:t>
-            </a:r>
-            <a:r>
-              <a:rPr lang="en-US" altLang="zh-CN" sz="1200" dirty="0" err="1">
-                <a:latin typeface="Segoe UI" panose="020B0502040204020203" pitchFamily="34" charset="0"/>
-                <a:cs typeface="Segoe UI" panose="020B0502040204020203" pitchFamily="34" charset="0"/>
-              </a:rPr>
-              <a:t>Poniua’ena</a:t>
-            </a:r>
-            <a:endParaRPr lang="en-US" sz="1200" dirty="0">
+              <a:rPr lang="zh-CN" altLang="en-US" sz="1600" dirty="0">
+                <a:latin typeface="Segoe UI" panose="020B0502040204020203" pitchFamily="34" charset="0"/>
+                <a:cs typeface="Segoe UI" panose="020B0502040204020203" pitchFamily="34" charset="0"/>
+              </a:rPr>
+              <a:t> </a:t>
+            </a:r>
+            <a:r>
+              <a:rPr lang="en-US" altLang="zh-CN" sz="1600" dirty="0">
+                <a:latin typeface="Segoe UI" panose="020B0502040204020203" pitchFamily="34" charset="0"/>
+                <a:cs typeface="Segoe UI" panose="020B0502040204020203" pitchFamily="34" charset="0"/>
+              </a:rPr>
+              <a:t>luminosity</a:t>
+            </a:r>
+            <a:r>
+              <a:rPr lang="zh-CN" altLang="en-US" sz="1600" dirty="0">
+                <a:latin typeface="Segoe UI" panose="020B0502040204020203" pitchFamily="34" charset="0"/>
+                <a:cs typeface="Segoe UI" panose="020B0502040204020203" pitchFamily="34" charset="0"/>
+              </a:rPr>
+              <a:t> </a:t>
+            </a:r>
+            <a:r>
+              <a:rPr lang="en-US" altLang="zh-CN" sz="1600" dirty="0">
+                <a:latin typeface="Segoe UI" panose="020B0502040204020203" pitchFamily="34" charset="0"/>
+                <a:cs typeface="Segoe UI" panose="020B0502040204020203" pitchFamily="34" charset="0"/>
+              </a:rPr>
+              <a:t>difference. amongst</a:t>
+            </a:r>
+            <a:r>
+              <a:rPr lang="zh-CN" altLang="en-US" sz="1600" dirty="0">
+                <a:latin typeface="Segoe UI" panose="020B0502040204020203" pitchFamily="34" charset="0"/>
+                <a:cs typeface="Segoe UI" panose="020B0502040204020203" pitchFamily="34" charset="0"/>
+              </a:rPr>
+              <a:t> </a:t>
+            </a:r>
+            <a:r>
+              <a:rPr lang="en-US" altLang="zh-CN" sz="1600" dirty="0">
+                <a:latin typeface="Segoe UI" panose="020B0502040204020203" pitchFamily="34" charset="0"/>
+                <a:cs typeface="Segoe UI" panose="020B0502040204020203" pitchFamily="34" charset="0"/>
+              </a:rPr>
+              <a:t>wavelength</a:t>
+            </a:r>
+            <a:r>
+              <a:rPr lang="zh-CN" altLang="en-US" sz="1600" dirty="0">
+                <a:latin typeface="Segoe UI" panose="020B0502040204020203" pitchFamily="34" charset="0"/>
+                <a:cs typeface="Segoe UI" panose="020B0502040204020203" pitchFamily="34" charset="0"/>
+              </a:rPr>
+              <a:t> </a:t>
+            </a:r>
+            <a:endParaRPr lang="en-US" altLang="zh-CN" sz="1600" dirty="0">
               <a:latin typeface="Segoe UI" panose="020B0502040204020203" pitchFamily="34" charset="0"/>
               <a:cs typeface="Segoe UI" panose="020B0502040204020203" pitchFamily="34" charset="0"/>
             </a:endParaRPr>
           </a:p>
-        </p:txBody>
-      </p:sp>
+          <a:p>
+            <a:endParaRPr lang="en-US" altLang="zh-CN" sz="1600" dirty="0">
+              <a:latin typeface="Segoe UI" panose="020B0502040204020203" pitchFamily="34" charset="0"/>
+              <a:cs typeface="Segoe UI" panose="020B0502040204020203" pitchFamily="34" charset="0"/>
+            </a:endParaRPr>
+          </a:p>
+          <a:p>
+            <a:r>
+              <a:rPr lang="en-US" altLang="zh-CN" sz="1600" dirty="0">
+                <a:latin typeface="Segoe UI" panose="020B0502040204020203" pitchFamily="34" charset="0"/>
+                <a:cs typeface="Segoe UI" panose="020B0502040204020203" pitchFamily="34" charset="0"/>
+              </a:rPr>
+              <a:t>We</a:t>
+            </a:r>
+            <a:r>
+              <a:rPr lang="zh-CN" altLang="en-US" sz="1600" dirty="0">
+                <a:latin typeface="Segoe UI" panose="020B0502040204020203" pitchFamily="34" charset="0"/>
+                <a:cs typeface="Segoe UI" panose="020B0502040204020203" pitchFamily="34" charset="0"/>
+              </a:rPr>
+              <a:t> </a:t>
+            </a:r>
+            <a:r>
+              <a:rPr lang="en-US" altLang="zh-CN" sz="1600" dirty="0">
+                <a:latin typeface="Segoe UI" panose="020B0502040204020203" pitchFamily="34" charset="0"/>
+                <a:cs typeface="Segoe UI" panose="020B0502040204020203" pitchFamily="34" charset="0"/>
+              </a:rPr>
+              <a:t>use</a:t>
+            </a:r>
+            <a:r>
+              <a:rPr lang="zh-CN" altLang="en-US" sz="1600" dirty="0">
+                <a:latin typeface="Segoe UI" panose="020B0502040204020203" pitchFamily="34" charset="0"/>
+                <a:cs typeface="Segoe UI" panose="020B0502040204020203" pitchFamily="34" charset="0"/>
+              </a:rPr>
+              <a:t> </a:t>
+            </a:r>
+            <a:r>
+              <a:rPr lang="en-US" altLang="zh-CN" sz="1600" dirty="0">
+                <a:latin typeface="Segoe UI" panose="020B0502040204020203" pitchFamily="34" charset="0"/>
+                <a:cs typeface="Segoe UI" panose="020B0502040204020203" pitchFamily="34" charset="0"/>
+              </a:rPr>
+              <a:t>the</a:t>
+            </a:r>
+            <a:r>
+              <a:rPr lang="zh-CN" altLang="en-US" sz="1600" dirty="0">
+                <a:latin typeface="Segoe UI" panose="020B0502040204020203" pitchFamily="34" charset="0"/>
+                <a:cs typeface="Segoe UI" panose="020B0502040204020203" pitchFamily="34" charset="0"/>
+              </a:rPr>
+              <a:t> </a:t>
+            </a:r>
+            <a:r>
+              <a:rPr lang="en-US" altLang="zh-CN" sz="1600" dirty="0">
+                <a:latin typeface="Segoe UI" panose="020B0502040204020203" pitchFamily="34" charset="0"/>
+                <a:cs typeface="Segoe UI" panose="020B0502040204020203" pitchFamily="34" charset="0"/>
+              </a:rPr>
+              <a:t>luminosity</a:t>
+            </a:r>
+            <a:r>
+              <a:rPr lang="zh-CN" altLang="en-US" sz="1600" dirty="0">
+                <a:latin typeface="Segoe UI" panose="020B0502040204020203" pitchFamily="34" charset="0"/>
+                <a:cs typeface="Segoe UI" panose="020B0502040204020203" pitchFamily="34" charset="0"/>
+              </a:rPr>
+              <a:t> </a:t>
+            </a:r>
+            <a:r>
+              <a:rPr lang="en-US" altLang="zh-CN" sz="1600" dirty="0">
+                <a:latin typeface="Segoe UI" panose="020B0502040204020203" pitchFamily="34" charset="0"/>
+                <a:cs typeface="Segoe UI" panose="020B0502040204020203" pitchFamily="34" charset="0"/>
+              </a:rPr>
+              <a:t>difference,</a:t>
+            </a:r>
+            <a:r>
+              <a:rPr lang="zh-CN" altLang="en-US" sz="1600" dirty="0">
+                <a:latin typeface="Segoe UI" panose="020B0502040204020203" pitchFamily="34" charset="0"/>
+                <a:cs typeface="Segoe UI" panose="020B0502040204020203" pitchFamily="34" charset="0"/>
+              </a:rPr>
+              <a:t> </a:t>
+            </a:r>
+            <a:r>
+              <a:rPr lang="en-US" altLang="zh-CN" sz="1600" dirty="0">
+                <a:latin typeface="Segoe UI" panose="020B0502040204020203" pitchFamily="34" charset="0"/>
+                <a:cs typeface="Segoe UI" panose="020B0502040204020203" pitchFamily="34" charset="0"/>
+              </a:rPr>
+              <a:t>termed</a:t>
+            </a:r>
+            <a:r>
+              <a:rPr lang="zh-CN" altLang="en-US" sz="1600" dirty="0">
+                <a:latin typeface="Segoe UI" panose="020B0502040204020203" pitchFamily="34" charset="0"/>
+                <a:cs typeface="Segoe UI" panose="020B0502040204020203" pitchFamily="34" charset="0"/>
+              </a:rPr>
+              <a:t> </a:t>
+            </a:r>
+            <a:r>
+              <a:rPr lang="en-US" altLang="zh-CN" sz="1600" dirty="0">
+                <a:latin typeface="Segoe UI" panose="020B0502040204020203" pitchFamily="34" charset="0"/>
+                <a:cs typeface="Segoe UI" panose="020B0502040204020203" pitchFamily="34" charset="0"/>
+              </a:rPr>
+              <a:t>as</a:t>
+            </a:r>
+            <a:r>
+              <a:rPr lang="zh-CN" altLang="en-US" sz="1600" dirty="0">
+                <a:latin typeface="Segoe UI" panose="020B0502040204020203" pitchFamily="34" charset="0"/>
+                <a:cs typeface="Segoe UI" panose="020B0502040204020203" pitchFamily="34" charset="0"/>
+              </a:rPr>
+              <a:t> </a:t>
+            </a:r>
+            <a:r>
+              <a:rPr lang="en-US" altLang="zh-CN" sz="1600" dirty="0">
+                <a:latin typeface="Segoe UI" panose="020B0502040204020203" pitchFamily="34" charset="0"/>
+                <a:cs typeface="Segoe UI" panose="020B0502040204020203" pitchFamily="34" charset="0"/>
+              </a:rPr>
+              <a:t>“color,”</a:t>
+            </a:r>
+            <a:r>
+              <a:rPr lang="zh-CN" altLang="en-US" sz="1600" dirty="0">
+                <a:latin typeface="Segoe UI" panose="020B0502040204020203" pitchFamily="34" charset="0"/>
+                <a:cs typeface="Segoe UI" panose="020B0502040204020203" pitchFamily="34" charset="0"/>
+              </a:rPr>
+              <a:t> </a:t>
+            </a:r>
+            <a:r>
+              <a:rPr lang="en-US" altLang="zh-CN" sz="1600" dirty="0">
+                <a:latin typeface="Segoe UI" panose="020B0502040204020203" pitchFamily="34" charset="0"/>
+                <a:cs typeface="Segoe UI" panose="020B0502040204020203" pitchFamily="34" charset="0"/>
+              </a:rPr>
+              <a:t>as</a:t>
+            </a:r>
+            <a:r>
+              <a:rPr lang="zh-CN" altLang="en-US" sz="1600" dirty="0">
+                <a:latin typeface="Segoe UI" panose="020B0502040204020203" pitchFamily="34" charset="0"/>
+                <a:cs typeface="Segoe UI" panose="020B0502040204020203" pitchFamily="34" charset="0"/>
+              </a:rPr>
+              <a:t> </a:t>
+            </a:r>
+            <a:r>
+              <a:rPr lang="en-US" altLang="zh-CN" sz="1600" dirty="0">
+                <a:latin typeface="Segoe UI" panose="020B0502040204020203" pitchFamily="34" charset="0"/>
+                <a:cs typeface="Segoe UI" panose="020B0502040204020203" pitchFamily="34" charset="0"/>
+              </a:rPr>
+              <a:t>the</a:t>
+            </a:r>
+            <a:r>
+              <a:rPr lang="zh-CN" altLang="en-US" sz="1600" dirty="0">
+                <a:latin typeface="Segoe UI" panose="020B0502040204020203" pitchFamily="34" charset="0"/>
+                <a:cs typeface="Segoe UI" panose="020B0502040204020203" pitchFamily="34" charset="0"/>
+              </a:rPr>
+              <a:t> </a:t>
+            </a:r>
+            <a:r>
+              <a:rPr lang="en-US" altLang="zh-CN" sz="1600" dirty="0">
+                <a:latin typeface="Segoe UI" panose="020B0502040204020203" pitchFamily="34" charset="0"/>
+                <a:cs typeface="Segoe UI" panose="020B0502040204020203" pitchFamily="34" charset="0"/>
+              </a:rPr>
+              <a:t>feature</a:t>
+            </a:r>
+            <a:r>
+              <a:rPr lang="zh-CN" altLang="en-US" sz="1600" dirty="0">
+                <a:latin typeface="Segoe UI" panose="020B0502040204020203" pitchFamily="34" charset="0"/>
+                <a:cs typeface="Segoe UI" panose="020B0502040204020203" pitchFamily="34" charset="0"/>
+              </a:rPr>
+              <a:t> </a:t>
+            </a:r>
+            <a:r>
+              <a:rPr lang="en-US" altLang="zh-CN" sz="1600" dirty="0">
+                <a:latin typeface="Segoe UI" panose="020B0502040204020203" pitchFamily="34" charset="0"/>
+                <a:cs typeface="Segoe UI" panose="020B0502040204020203" pitchFamily="34" charset="0"/>
+              </a:rPr>
+              <a:t>inputs</a:t>
+            </a:r>
+            <a:r>
+              <a:rPr lang="zh-CN" altLang="en-US" sz="1600" dirty="0">
+                <a:latin typeface="Segoe UI" panose="020B0502040204020203" pitchFamily="34" charset="0"/>
+                <a:cs typeface="Segoe UI" panose="020B0502040204020203" pitchFamily="34" charset="0"/>
+              </a:rPr>
+              <a:t> </a:t>
+            </a:r>
+            <a:r>
+              <a:rPr lang="en-US" altLang="zh-CN" sz="1600" dirty="0">
+                <a:latin typeface="Segoe UI" panose="020B0502040204020203" pitchFamily="34" charset="0"/>
+                <a:cs typeface="Segoe UI" panose="020B0502040204020203" pitchFamily="34" charset="0"/>
+              </a:rPr>
+              <a:t>for</a:t>
+            </a:r>
+            <a:r>
+              <a:rPr lang="zh-CN" altLang="en-US" sz="1600" dirty="0">
+                <a:latin typeface="Segoe UI" panose="020B0502040204020203" pitchFamily="34" charset="0"/>
+                <a:cs typeface="Segoe UI" panose="020B0502040204020203" pitchFamily="34" charset="0"/>
+              </a:rPr>
+              <a:t> </a:t>
+            </a:r>
+            <a:r>
+              <a:rPr lang="en-US" altLang="zh-CN" sz="1600" dirty="0">
+                <a:latin typeface="Segoe UI" panose="020B0502040204020203" pitchFamily="34" charset="0"/>
+                <a:cs typeface="Segoe UI" panose="020B0502040204020203" pitchFamily="34" charset="0"/>
+              </a:rPr>
+              <a:t>Random</a:t>
+            </a:r>
+            <a:r>
+              <a:rPr lang="zh-CN" altLang="en-US" sz="1600" dirty="0">
+                <a:latin typeface="Segoe UI" panose="020B0502040204020203" pitchFamily="34" charset="0"/>
+                <a:cs typeface="Segoe UI" panose="020B0502040204020203" pitchFamily="34" charset="0"/>
+              </a:rPr>
+              <a:t> </a:t>
+            </a:r>
+            <a:r>
+              <a:rPr lang="en-US" altLang="zh-CN" sz="1600" dirty="0">
+                <a:latin typeface="Segoe UI" panose="020B0502040204020203" pitchFamily="34" charset="0"/>
+                <a:cs typeface="Segoe UI" panose="020B0502040204020203" pitchFamily="34" charset="0"/>
+              </a:rPr>
+              <a:t>Forest</a:t>
+            </a:r>
+            <a:r>
+              <a:rPr lang="zh-CN" altLang="en-US" sz="1600" dirty="0">
+                <a:latin typeface="Segoe UI" panose="020B0502040204020203" pitchFamily="34" charset="0"/>
+                <a:cs typeface="Segoe UI" panose="020B0502040204020203" pitchFamily="34" charset="0"/>
+              </a:rPr>
+              <a:t> </a:t>
+            </a:r>
+            <a:r>
+              <a:rPr lang="en-US" altLang="zh-CN" sz="1600" dirty="0">
+                <a:latin typeface="Segoe UI" panose="020B0502040204020203" pitchFamily="34" charset="0"/>
+                <a:cs typeface="Segoe UI" panose="020B0502040204020203" pitchFamily="34" charset="0"/>
+              </a:rPr>
+              <a:t>Classifier</a:t>
+            </a:r>
+            <a:r>
+              <a:rPr lang="zh-CN" altLang="en-US" sz="1600" dirty="0">
+                <a:latin typeface="Segoe UI" panose="020B0502040204020203" pitchFamily="34" charset="0"/>
+                <a:cs typeface="Segoe UI" panose="020B0502040204020203" pitchFamily="34" charset="0"/>
+              </a:rPr>
+              <a:t> </a:t>
+            </a:r>
+            <a:r>
+              <a:rPr lang="en-US" altLang="zh-CN" sz="1600" dirty="0">
+                <a:latin typeface="Segoe UI" panose="020B0502040204020203" pitchFamily="34" charset="0"/>
+                <a:cs typeface="Segoe UI" panose="020B0502040204020203" pitchFamily="34" charset="0"/>
+              </a:rPr>
+              <a:t>model</a:t>
+            </a:r>
+            <a:r>
+              <a:rPr lang="zh-CN" altLang="en-US" sz="1600" dirty="0">
+                <a:latin typeface="Segoe UI" panose="020B0502040204020203" pitchFamily="34" charset="0"/>
+                <a:cs typeface="Segoe UI" panose="020B0502040204020203" pitchFamily="34" charset="0"/>
+              </a:rPr>
+              <a:t> </a:t>
+            </a:r>
+            <a:r>
+              <a:rPr lang="en-US" altLang="zh-CN" sz="1600" dirty="0">
+                <a:latin typeface="Segoe UI" panose="020B0502040204020203" pitchFamily="34" charset="0"/>
+                <a:cs typeface="Segoe UI" panose="020B0502040204020203" pitchFamily="34" charset="0"/>
+              </a:rPr>
+              <a:t>to</a:t>
+            </a:r>
+            <a:r>
+              <a:rPr lang="zh-CN" altLang="en-US" sz="1600" dirty="0">
+                <a:latin typeface="Segoe UI" panose="020B0502040204020203" pitchFamily="34" charset="0"/>
+                <a:cs typeface="Segoe UI" panose="020B0502040204020203" pitchFamily="34" charset="0"/>
+              </a:rPr>
+              <a:t> </a:t>
+            </a:r>
+            <a:r>
+              <a:rPr lang="en-US" altLang="zh-CN" sz="1600" dirty="0">
+                <a:latin typeface="Segoe UI" panose="020B0502040204020203" pitchFamily="34" charset="0"/>
+                <a:cs typeface="Segoe UI" panose="020B0502040204020203" pitchFamily="34" charset="0"/>
+              </a:rPr>
+              <a:t>classify</a:t>
+            </a:r>
+            <a:r>
+              <a:rPr lang="zh-CN" altLang="en-US" sz="1600" dirty="0">
+                <a:latin typeface="Segoe UI" panose="020B0502040204020203" pitchFamily="34" charset="0"/>
+                <a:cs typeface="Segoe UI" panose="020B0502040204020203" pitchFamily="34" charset="0"/>
+              </a:rPr>
+              <a:t> </a:t>
+            </a:r>
+            <a:r>
+              <a:rPr lang="en-US" altLang="zh-CN" sz="1600" dirty="0">
+                <a:latin typeface="Segoe UI" panose="020B0502040204020203" pitchFamily="34" charset="0"/>
+                <a:cs typeface="Segoe UI" panose="020B0502040204020203" pitchFamily="34" charset="0"/>
+              </a:rPr>
+              <a:t>quasars</a:t>
+            </a:r>
+            <a:r>
+              <a:rPr lang="zh-CN" altLang="en-US" sz="1600" dirty="0">
+                <a:latin typeface="Segoe UI" panose="020B0502040204020203" pitchFamily="34" charset="0"/>
+                <a:cs typeface="Segoe UI" panose="020B0502040204020203" pitchFamily="34" charset="0"/>
+              </a:rPr>
+              <a:t> </a:t>
+            </a:r>
+            <a:r>
+              <a:rPr lang="en-US" altLang="zh-CN" sz="1600" dirty="0">
+                <a:latin typeface="Segoe UI" panose="020B0502040204020203" pitchFamily="34" charset="0"/>
+                <a:cs typeface="Segoe UI" panose="020B0502040204020203" pitchFamily="34" charset="0"/>
+              </a:rPr>
+              <a:t>and</a:t>
+            </a:r>
+            <a:r>
+              <a:rPr lang="zh-CN" altLang="en-US" sz="1600" dirty="0">
+                <a:latin typeface="Segoe UI" panose="020B0502040204020203" pitchFamily="34" charset="0"/>
+                <a:cs typeface="Segoe UI" panose="020B0502040204020203" pitchFamily="34" charset="0"/>
+              </a:rPr>
+              <a:t> </a:t>
+            </a:r>
+            <a:r>
+              <a:rPr lang="en-US" altLang="zh-CN" sz="1600" dirty="0">
+                <a:latin typeface="Segoe UI" panose="020B0502040204020203" pitchFamily="34" charset="0"/>
+                <a:cs typeface="Segoe UI" panose="020B0502040204020203" pitchFamily="34" charset="0"/>
+              </a:rPr>
+              <a:t>non-quasars</a:t>
+            </a:r>
+            <a:r>
+              <a:rPr lang="zh-CN" altLang="en-US" sz="1600" dirty="0">
+                <a:latin typeface="Segoe UI" panose="020B0502040204020203" pitchFamily="34" charset="0"/>
+                <a:cs typeface="Segoe UI" panose="020B0502040204020203" pitchFamily="34" charset="0"/>
+              </a:rPr>
+              <a:t> </a:t>
+            </a:r>
+            <a:r>
+              <a:rPr lang="en-US" altLang="zh-CN" sz="1600" dirty="0">
+                <a:latin typeface="Segoe UI" panose="020B0502040204020203" pitchFamily="34" charset="0"/>
+                <a:cs typeface="Segoe UI" panose="020B0502040204020203" pitchFamily="34" charset="0"/>
+              </a:rPr>
+              <a:t>objects.</a:t>
+            </a:r>
+            <a:r>
+              <a:rPr lang="zh-CN" altLang="en-US" sz="1600" dirty="0">
+                <a:latin typeface="Segoe UI" panose="020B0502040204020203" pitchFamily="34" charset="0"/>
+                <a:cs typeface="Segoe UI" panose="020B0502040204020203" pitchFamily="34" charset="0"/>
+              </a:rPr>
+              <a:t> </a:t>
+            </a:r>
+            <a:endParaRPr lang="en-US" altLang="zh-CN" sz="1600" dirty="0">
+              <a:latin typeface="Segoe UI" panose="020B0502040204020203" pitchFamily="34" charset="0"/>
+              <a:cs typeface="Segoe UI" panose="020B0502040204020203" pitchFamily="34" charset="0"/>
+            </a:endParaRPr>
+          </a:p>
+          <a:p>
+            <a:endParaRPr lang="en-US" altLang="zh-CN" sz="1600" dirty="0">
+              <a:latin typeface="Segoe UI" panose="020B0502040204020203" pitchFamily="34" charset="0"/>
+              <a:cs typeface="Segoe UI" panose="020B0502040204020203" pitchFamily="34" charset="0"/>
+            </a:endParaRPr>
+          </a:p>
+          <a:p>
+            <a:r>
+              <a:rPr lang="en-US" altLang="zh-CN" sz="1600" dirty="0">
+                <a:latin typeface="Segoe UI" panose="020B0502040204020203" pitchFamily="34" charset="0"/>
+                <a:cs typeface="Segoe UI" panose="020B0502040204020203" pitchFamily="34" charset="0"/>
+              </a:rPr>
+              <a:t>The</a:t>
+            </a:r>
+            <a:r>
+              <a:rPr lang="zh-CN" altLang="en-US" sz="1600" dirty="0">
+                <a:latin typeface="Segoe UI" panose="020B0502040204020203" pitchFamily="34" charset="0"/>
+                <a:cs typeface="Segoe UI" panose="020B0502040204020203" pitchFamily="34" charset="0"/>
+              </a:rPr>
+              <a:t> </a:t>
+            </a:r>
+            <a:r>
+              <a:rPr lang="en-US" altLang="zh-CN" sz="1600" dirty="0">
+                <a:latin typeface="Segoe UI" panose="020B0502040204020203" pitchFamily="34" charset="0"/>
+                <a:cs typeface="Segoe UI" panose="020B0502040204020203" pitchFamily="34" charset="0"/>
+              </a:rPr>
+              <a:t>model</a:t>
+            </a:r>
+            <a:r>
+              <a:rPr lang="zh-CN" altLang="en-US" sz="1600" dirty="0">
+                <a:latin typeface="Segoe UI" panose="020B0502040204020203" pitchFamily="34" charset="0"/>
+                <a:cs typeface="Segoe UI" panose="020B0502040204020203" pitchFamily="34" charset="0"/>
+              </a:rPr>
+              <a:t> </a:t>
+            </a:r>
+            <a:r>
+              <a:rPr lang="en-US" altLang="zh-CN" sz="1600" dirty="0">
+                <a:latin typeface="Segoe UI" panose="020B0502040204020203" pitchFamily="34" charset="0"/>
+                <a:cs typeface="Segoe UI" panose="020B0502040204020203" pitchFamily="34" charset="0"/>
+              </a:rPr>
+              <a:t>is</a:t>
+            </a:r>
+            <a:r>
+              <a:rPr lang="zh-CN" altLang="en-US" sz="1600" dirty="0">
+                <a:latin typeface="Segoe UI" panose="020B0502040204020203" pitchFamily="34" charset="0"/>
+                <a:cs typeface="Segoe UI" panose="020B0502040204020203" pitchFamily="34" charset="0"/>
+              </a:rPr>
+              <a:t> </a:t>
+            </a:r>
+            <a:r>
+              <a:rPr lang="en-US" altLang="zh-CN" sz="1600" dirty="0">
+                <a:latin typeface="Segoe UI" panose="020B0502040204020203" pitchFamily="34" charset="0"/>
+                <a:cs typeface="Segoe UI" panose="020B0502040204020203" pitchFamily="34" charset="0"/>
+              </a:rPr>
+              <a:t>currently</a:t>
+            </a:r>
+            <a:r>
+              <a:rPr lang="zh-CN" altLang="en-US" sz="1600" dirty="0">
+                <a:latin typeface="Segoe UI" panose="020B0502040204020203" pitchFamily="34" charset="0"/>
+                <a:cs typeface="Segoe UI" panose="020B0502040204020203" pitchFamily="34" charset="0"/>
+              </a:rPr>
+              <a:t> </a:t>
+            </a:r>
+            <a:r>
+              <a:rPr lang="en-US" altLang="zh-CN" sz="1600" dirty="0">
+                <a:latin typeface="Segoe UI" panose="020B0502040204020203" pitchFamily="34" charset="0"/>
+                <a:cs typeface="Segoe UI" panose="020B0502040204020203" pitchFamily="34" charset="0"/>
+              </a:rPr>
+              <a:t>trained</a:t>
+            </a:r>
+            <a:r>
+              <a:rPr lang="zh-CN" altLang="en-US" sz="1600" dirty="0">
+                <a:latin typeface="Segoe UI" panose="020B0502040204020203" pitchFamily="34" charset="0"/>
+                <a:cs typeface="Segoe UI" panose="020B0502040204020203" pitchFamily="34" charset="0"/>
+              </a:rPr>
+              <a:t> </a:t>
+            </a:r>
+            <a:r>
+              <a:rPr lang="en-US" altLang="zh-CN" sz="1600" dirty="0">
+                <a:latin typeface="Segoe UI" panose="020B0502040204020203" pitchFamily="34" charset="0"/>
+                <a:cs typeface="Segoe UI" panose="020B0502040204020203" pitchFamily="34" charset="0"/>
+              </a:rPr>
+              <a:t>on</a:t>
+            </a:r>
+            <a:r>
+              <a:rPr lang="zh-CN" altLang="en-US" sz="1600" dirty="0">
+                <a:latin typeface="Segoe UI" panose="020B0502040204020203" pitchFamily="34" charset="0"/>
+                <a:cs typeface="Segoe UI" panose="020B0502040204020203" pitchFamily="34" charset="0"/>
+              </a:rPr>
+              <a:t> </a:t>
+            </a:r>
+            <a:r>
+              <a:rPr lang="en-US" altLang="zh-CN" sz="1600" dirty="0">
+                <a:latin typeface="Segoe UI" panose="020B0502040204020203" pitchFamily="34" charset="0"/>
+                <a:cs typeface="Segoe UI" panose="020B0502040204020203" pitchFamily="34" charset="0"/>
+              </a:rPr>
+              <a:t>194</a:t>
+            </a:r>
+            <a:r>
+              <a:rPr lang="zh-CN" altLang="en-US" sz="1600" dirty="0">
+                <a:latin typeface="Segoe UI" panose="020B0502040204020203" pitchFamily="34" charset="0"/>
+                <a:cs typeface="Segoe UI" panose="020B0502040204020203" pitchFamily="34" charset="0"/>
+              </a:rPr>
+              <a:t> </a:t>
+            </a:r>
+            <a:r>
+              <a:rPr lang="en-US" altLang="zh-CN" sz="1600" dirty="0">
+                <a:latin typeface="Segoe UI" panose="020B0502040204020203" pitchFamily="34" charset="0"/>
+                <a:cs typeface="Segoe UI" panose="020B0502040204020203" pitchFamily="34" charset="0"/>
+              </a:rPr>
+              <a:t>labelled</a:t>
+            </a:r>
+            <a:r>
+              <a:rPr lang="zh-CN" altLang="en-US" sz="1600" dirty="0">
+                <a:latin typeface="Segoe UI" panose="020B0502040204020203" pitchFamily="34" charset="0"/>
+                <a:cs typeface="Segoe UI" panose="020B0502040204020203" pitchFamily="34" charset="0"/>
+              </a:rPr>
+              <a:t> </a:t>
+            </a:r>
+            <a:r>
+              <a:rPr lang="en-US" altLang="zh-CN" sz="1600" dirty="0">
+                <a:latin typeface="Segoe UI" panose="020B0502040204020203" pitchFamily="34" charset="0"/>
+                <a:cs typeface="Segoe UI" panose="020B0502040204020203" pitchFamily="34" charset="0"/>
+              </a:rPr>
+              <a:t>data</a:t>
+            </a:r>
+            <a:r>
+              <a:rPr lang="zh-CN" altLang="en-US" sz="1600" dirty="0">
+                <a:latin typeface="Segoe UI" panose="020B0502040204020203" pitchFamily="34" charset="0"/>
+                <a:cs typeface="Segoe UI" panose="020B0502040204020203" pitchFamily="34" charset="0"/>
+              </a:rPr>
+              <a:t> </a:t>
+            </a:r>
+            <a:r>
+              <a:rPr lang="en-US" altLang="zh-CN" sz="1600" dirty="0">
+                <a:latin typeface="Segoe UI" panose="020B0502040204020203" pitchFamily="34" charset="0"/>
+                <a:cs typeface="Segoe UI" panose="020B0502040204020203" pitchFamily="34" charset="0"/>
+              </a:rPr>
+              <a:t>points,</a:t>
+            </a:r>
+            <a:r>
+              <a:rPr lang="zh-CN" altLang="en-US" sz="1600" dirty="0">
+                <a:latin typeface="Segoe UI" panose="020B0502040204020203" pitchFamily="34" charset="0"/>
+                <a:cs typeface="Segoe UI" panose="020B0502040204020203" pitchFamily="34" charset="0"/>
+              </a:rPr>
+              <a:t> </a:t>
+            </a:r>
+            <a:r>
+              <a:rPr lang="en-US" altLang="zh-CN" sz="1600" dirty="0">
+                <a:latin typeface="Segoe UI" panose="020B0502040204020203" pitchFamily="34" charset="0"/>
+                <a:cs typeface="Segoe UI" panose="020B0502040204020203" pitchFamily="34" charset="0"/>
+              </a:rPr>
+              <a:t>consisted</a:t>
+            </a:r>
+            <a:r>
+              <a:rPr lang="zh-CN" altLang="en-US" sz="1600" dirty="0">
+                <a:latin typeface="Segoe UI" panose="020B0502040204020203" pitchFamily="34" charset="0"/>
+                <a:cs typeface="Segoe UI" panose="020B0502040204020203" pitchFamily="34" charset="0"/>
+              </a:rPr>
+              <a:t> </a:t>
+            </a:r>
+            <a:r>
+              <a:rPr lang="en-US" altLang="zh-CN" sz="1600" dirty="0">
+                <a:latin typeface="Segoe UI" panose="020B0502040204020203" pitchFamily="34" charset="0"/>
+                <a:cs typeface="Segoe UI" panose="020B0502040204020203" pitchFamily="34" charset="0"/>
+              </a:rPr>
+              <a:t>of</a:t>
+            </a:r>
+            <a:r>
+              <a:rPr lang="zh-CN" altLang="en-US" sz="1600" dirty="0">
+                <a:latin typeface="Segoe UI" panose="020B0502040204020203" pitchFamily="34" charset="0"/>
+                <a:cs typeface="Segoe UI" panose="020B0502040204020203" pitchFamily="34" charset="0"/>
+              </a:rPr>
+              <a:t> </a:t>
+            </a:r>
+            <a:r>
+              <a:rPr lang="en-US" altLang="zh-CN" sz="1600" dirty="0">
+                <a:latin typeface="Segoe UI" panose="020B0502040204020203" pitchFamily="34" charset="0"/>
+                <a:cs typeface="Segoe UI" panose="020B0502040204020203" pitchFamily="34" charset="0"/>
+              </a:rPr>
+              <a:t>each</a:t>
+            </a:r>
+            <a:r>
+              <a:rPr lang="zh-CN" altLang="en-US" sz="1600" dirty="0">
+                <a:latin typeface="Segoe UI" panose="020B0502040204020203" pitchFamily="34" charset="0"/>
+                <a:cs typeface="Segoe UI" panose="020B0502040204020203" pitchFamily="34" charset="0"/>
+              </a:rPr>
+              <a:t> </a:t>
+            </a:r>
+            <a:r>
+              <a:rPr lang="en-US" altLang="zh-CN" sz="1600" dirty="0">
+                <a:latin typeface="Segoe UI" panose="020B0502040204020203" pitchFamily="34" charset="0"/>
+                <a:cs typeface="Segoe UI" panose="020B0502040204020203" pitchFamily="34" charset="0"/>
+              </a:rPr>
+              <a:t>object’s</a:t>
+            </a:r>
+            <a:r>
+              <a:rPr lang="zh-CN" altLang="en-US" sz="1600" dirty="0">
+                <a:latin typeface="Segoe UI" panose="020B0502040204020203" pitchFamily="34" charset="0"/>
+                <a:cs typeface="Segoe UI" panose="020B0502040204020203" pitchFamily="34" charset="0"/>
+              </a:rPr>
+              <a:t> </a:t>
+            </a:r>
+            <a:r>
+              <a:rPr lang="en-US" altLang="zh-CN" sz="1600" dirty="0">
+                <a:latin typeface="Segoe UI" panose="020B0502040204020203" pitchFamily="34" charset="0"/>
+                <a:cs typeface="Segoe UI" panose="020B0502040204020203" pitchFamily="34" charset="0"/>
+              </a:rPr>
+              <a:t>color</a:t>
+            </a:r>
+            <a:r>
+              <a:rPr lang="zh-CN" altLang="en-US" sz="1600" dirty="0">
+                <a:latin typeface="Segoe UI" panose="020B0502040204020203" pitchFamily="34" charset="0"/>
+                <a:cs typeface="Segoe UI" panose="020B0502040204020203" pitchFamily="34" charset="0"/>
+              </a:rPr>
+              <a:t> </a:t>
+            </a:r>
+            <a:r>
+              <a:rPr lang="en-US" altLang="zh-CN" sz="1600" dirty="0">
+                <a:latin typeface="Segoe UI" panose="020B0502040204020203" pitchFamily="34" charset="0"/>
+                <a:cs typeface="Segoe UI" panose="020B0502040204020203" pitchFamily="34" charset="0"/>
+              </a:rPr>
+              <a:t>features.</a:t>
+            </a:r>
+            <a:r>
+              <a:rPr lang="zh-CN" altLang="en-US" sz="1600" dirty="0">
+                <a:latin typeface="Segoe UI" panose="020B0502040204020203" pitchFamily="34" charset="0"/>
+                <a:cs typeface="Segoe UI" panose="020B0502040204020203" pitchFamily="34" charset="0"/>
+              </a:rPr>
+              <a:t>  </a:t>
+            </a:r>
+            <a:endParaRPr lang="en-US" altLang="zh-CN" sz="1600" dirty="0">
+              <a:latin typeface="Segoe UI" panose="020B0502040204020203" pitchFamily="34" charset="0"/>
+              <a:cs typeface="Segoe UI" panose="020B0502040204020203" pitchFamily="34" charset="0"/>
+            </a:endParaRPr>
+          </a:p>
+          <a:p>
+            <a:endParaRPr lang="en-US" sz="1600" dirty="0">
+              <a:latin typeface="Segoe UI" panose="020B0502040204020203" pitchFamily="34" charset="0"/>
+              <a:cs typeface="Segoe UI" panose="020B0502040204020203" pitchFamily="34" charset="0"/>
+            </a:endParaRPr>
+          </a:p>
+          <a:p>
+            <a:r>
+              <a:rPr lang="en-US" altLang="zh-CN" sz="1600" dirty="0">
+                <a:latin typeface="Segoe UI" panose="020B0502040204020203" pitchFamily="34" charset="0"/>
+                <a:cs typeface="Segoe UI" panose="020B0502040204020203" pitchFamily="34" charset="0"/>
+              </a:rPr>
+              <a:t>The</a:t>
+            </a:r>
+            <a:r>
+              <a:rPr lang="zh-CN" altLang="en-US" sz="1600" dirty="0">
+                <a:latin typeface="Segoe UI" panose="020B0502040204020203" pitchFamily="34" charset="0"/>
+                <a:cs typeface="Segoe UI" panose="020B0502040204020203" pitchFamily="34" charset="0"/>
+              </a:rPr>
+              <a:t> </a:t>
+            </a:r>
+            <a:r>
+              <a:rPr lang="en-US" altLang="zh-CN" sz="1600" dirty="0">
+                <a:latin typeface="Segoe UI" panose="020B0502040204020203" pitchFamily="34" charset="0"/>
+                <a:cs typeface="Segoe UI" panose="020B0502040204020203" pitchFamily="34" charset="0"/>
+              </a:rPr>
+              <a:t>confusion</a:t>
+            </a:r>
+            <a:r>
+              <a:rPr lang="zh-CN" altLang="en-US" sz="1600" dirty="0">
+                <a:latin typeface="Segoe UI" panose="020B0502040204020203" pitchFamily="34" charset="0"/>
+                <a:cs typeface="Segoe UI" panose="020B0502040204020203" pitchFamily="34" charset="0"/>
+              </a:rPr>
+              <a:t> </a:t>
+            </a:r>
+            <a:r>
+              <a:rPr lang="en-US" altLang="zh-CN" sz="1600" dirty="0">
+                <a:latin typeface="Segoe UI" panose="020B0502040204020203" pitchFamily="34" charset="0"/>
+                <a:cs typeface="Segoe UI" panose="020B0502040204020203" pitchFamily="34" charset="0"/>
+              </a:rPr>
+              <a:t>matrix</a:t>
+            </a:r>
+            <a:r>
+              <a:rPr lang="zh-CN" altLang="en-US" sz="1600" dirty="0">
+                <a:latin typeface="Segoe UI" panose="020B0502040204020203" pitchFamily="34" charset="0"/>
+                <a:cs typeface="Segoe UI" panose="020B0502040204020203" pitchFamily="34" charset="0"/>
+              </a:rPr>
+              <a:t> </a:t>
+            </a:r>
+            <a:r>
+              <a:rPr lang="en-US" altLang="zh-CN" sz="1600" dirty="0">
+                <a:latin typeface="Segoe UI" panose="020B0502040204020203" pitchFamily="34" charset="0"/>
+                <a:cs typeface="Segoe UI" panose="020B0502040204020203" pitchFamily="34" charset="0"/>
+              </a:rPr>
+              <a:t>below</a:t>
+            </a:r>
+            <a:r>
+              <a:rPr lang="zh-CN" altLang="en-US" sz="1600" dirty="0">
+                <a:latin typeface="Segoe UI" panose="020B0502040204020203" pitchFamily="34" charset="0"/>
+                <a:cs typeface="Segoe UI" panose="020B0502040204020203" pitchFamily="34" charset="0"/>
+              </a:rPr>
+              <a:t> </a:t>
+            </a:r>
+            <a:r>
+              <a:rPr lang="en-US" altLang="zh-CN" sz="1600" dirty="0">
+                <a:latin typeface="Segoe UI" panose="020B0502040204020203" pitchFamily="34" charset="0"/>
+                <a:cs typeface="Segoe UI" panose="020B0502040204020203" pitchFamily="34" charset="0"/>
+              </a:rPr>
+              <a:t>shows</a:t>
+            </a:r>
+            <a:r>
+              <a:rPr lang="zh-CN" altLang="en-US" sz="1600" dirty="0">
+                <a:latin typeface="Segoe UI" panose="020B0502040204020203" pitchFamily="34" charset="0"/>
+                <a:cs typeface="Segoe UI" panose="020B0502040204020203" pitchFamily="34" charset="0"/>
+              </a:rPr>
+              <a:t> </a:t>
+            </a:r>
+            <a:r>
+              <a:rPr lang="en-US" altLang="zh-CN" sz="1600" dirty="0">
+                <a:latin typeface="Segoe UI" panose="020B0502040204020203" pitchFamily="34" charset="0"/>
+                <a:cs typeface="Segoe UI" panose="020B0502040204020203" pitchFamily="34" charset="0"/>
+              </a:rPr>
+              <a:t>the</a:t>
+            </a:r>
+            <a:r>
+              <a:rPr lang="zh-CN" altLang="en-US" sz="1600" dirty="0">
+                <a:latin typeface="Segoe UI" panose="020B0502040204020203" pitchFamily="34" charset="0"/>
+                <a:cs typeface="Segoe UI" panose="020B0502040204020203" pitchFamily="34" charset="0"/>
+              </a:rPr>
+              <a:t> </a:t>
+            </a:r>
+            <a:r>
+              <a:rPr lang="en-US" altLang="zh-CN" sz="1600" dirty="0">
+                <a:latin typeface="Segoe UI" panose="020B0502040204020203" pitchFamily="34" charset="0"/>
+                <a:cs typeface="Segoe UI" panose="020B0502040204020203" pitchFamily="34" charset="0"/>
+              </a:rPr>
+              <a:t>performance</a:t>
+            </a:r>
+            <a:r>
+              <a:rPr lang="zh-CN" altLang="en-US" sz="1600" dirty="0">
+                <a:latin typeface="Segoe UI" panose="020B0502040204020203" pitchFamily="34" charset="0"/>
+                <a:cs typeface="Segoe UI" panose="020B0502040204020203" pitchFamily="34" charset="0"/>
+              </a:rPr>
+              <a:t> </a:t>
+            </a:r>
+            <a:r>
+              <a:rPr lang="en-US" altLang="zh-CN" sz="1600" dirty="0">
+                <a:latin typeface="Segoe UI" panose="020B0502040204020203" pitchFamily="34" charset="0"/>
+                <a:cs typeface="Segoe UI" panose="020B0502040204020203" pitchFamily="34" charset="0"/>
+              </a:rPr>
+              <a:t>of</a:t>
+            </a:r>
+            <a:r>
+              <a:rPr lang="zh-CN" altLang="en-US" sz="1600" dirty="0">
+                <a:latin typeface="Segoe UI" panose="020B0502040204020203" pitchFamily="34" charset="0"/>
+                <a:cs typeface="Segoe UI" panose="020B0502040204020203" pitchFamily="34" charset="0"/>
+              </a:rPr>
+              <a:t> </a:t>
+            </a:r>
+            <a:r>
+              <a:rPr lang="en-US" altLang="zh-CN" sz="1600" dirty="0">
+                <a:latin typeface="Segoe UI" panose="020B0502040204020203" pitchFamily="34" charset="0"/>
+                <a:cs typeface="Segoe UI" panose="020B0502040204020203" pitchFamily="34" charset="0"/>
+              </a:rPr>
+              <a:t>my</a:t>
+            </a:r>
+            <a:r>
+              <a:rPr lang="zh-CN" altLang="en-US" sz="1600" dirty="0">
+                <a:latin typeface="Segoe UI" panose="020B0502040204020203" pitchFamily="34" charset="0"/>
+                <a:cs typeface="Segoe UI" panose="020B0502040204020203" pitchFamily="34" charset="0"/>
+              </a:rPr>
+              <a:t> </a:t>
+            </a:r>
+            <a:r>
+              <a:rPr lang="en-US" altLang="zh-CN" sz="1600" dirty="0">
+                <a:latin typeface="Segoe UI" panose="020B0502040204020203" pitchFamily="34" charset="0"/>
+                <a:cs typeface="Segoe UI" panose="020B0502040204020203" pitchFamily="34" charset="0"/>
+              </a:rPr>
+              <a:t>current</a:t>
+            </a:r>
+            <a:r>
+              <a:rPr lang="zh-CN" altLang="en-US" sz="1600" dirty="0">
+                <a:latin typeface="Segoe UI" panose="020B0502040204020203" pitchFamily="34" charset="0"/>
+                <a:cs typeface="Segoe UI" panose="020B0502040204020203" pitchFamily="34" charset="0"/>
+              </a:rPr>
+              <a:t> </a:t>
+            </a:r>
+            <a:r>
+              <a:rPr lang="en-US" altLang="zh-CN" sz="1600" dirty="0">
+                <a:latin typeface="Segoe UI" panose="020B0502040204020203" pitchFamily="34" charset="0"/>
+                <a:cs typeface="Segoe UI" panose="020B0502040204020203" pitchFamily="34" charset="0"/>
+              </a:rPr>
+              <a:t>trained</a:t>
+            </a:r>
+            <a:r>
+              <a:rPr lang="zh-CN" altLang="en-US" sz="1600" dirty="0">
+                <a:latin typeface="Segoe UI" panose="020B0502040204020203" pitchFamily="34" charset="0"/>
+                <a:cs typeface="Segoe UI" panose="020B0502040204020203" pitchFamily="34" charset="0"/>
+              </a:rPr>
+              <a:t> </a:t>
+            </a:r>
+            <a:r>
+              <a:rPr lang="en-US" altLang="zh-CN" sz="1600" dirty="0">
+                <a:latin typeface="Segoe UI" panose="020B0502040204020203" pitchFamily="34" charset="0"/>
+                <a:cs typeface="Segoe UI" panose="020B0502040204020203" pitchFamily="34" charset="0"/>
+              </a:rPr>
+              <a:t>model.</a:t>
+            </a:r>
+            <a:r>
+              <a:rPr lang="zh-CN" altLang="en-US" sz="1600" dirty="0">
+                <a:latin typeface="Segoe UI" panose="020B0502040204020203" pitchFamily="34" charset="0"/>
+                <a:cs typeface="Segoe UI" panose="020B0502040204020203" pitchFamily="34" charset="0"/>
+              </a:rPr>
+              <a:t> </a:t>
+            </a:r>
+            <a:r>
+              <a:rPr lang="en-US" altLang="zh-CN" sz="1600" dirty="0">
+                <a:latin typeface="Segoe UI" panose="020B0502040204020203" pitchFamily="34" charset="0"/>
+                <a:cs typeface="Segoe UI" panose="020B0502040204020203" pitchFamily="34" charset="0"/>
+              </a:rPr>
+              <a:t>“0”</a:t>
+            </a:r>
+            <a:r>
+              <a:rPr lang="zh-CN" altLang="en-US" sz="1600" dirty="0">
+                <a:latin typeface="Segoe UI" panose="020B0502040204020203" pitchFamily="34" charset="0"/>
+                <a:cs typeface="Segoe UI" panose="020B0502040204020203" pitchFamily="34" charset="0"/>
+              </a:rPr>
+              <a:t> </a:t>
+            </a:r>
+            <a:r>
+              <a:rPr lang="en-US" altLang="zh-CN" sz="1600" dirty="0">
+                <a:latin typeface="Segoe UI" panose="020B0502040204020203" pitchFamily="34" charset="0"/>
+                <a:cs typeface="Segoe UI" panose="020B0502040204020203" pitchFamily="34" charset="0"/>
+              </a:rPr>
+              <a:t>indicates</a:t>
+            </a:r>
+            <a:r>
+              <a:rPr lang="zh-CN" altLang="en-US" sz="1600" dirty="0">
+                <a:latin typeface="Segoe UI" panose="020B0502040204020203" pitchFamily="34" charset="0"/>
+                <a:cs typeface="Segoe UI" panose="020B0502040204020203" pitchFamily="34" charset="0"/>
+              </a:rPr>
+              <a:t> </a:t>
+            </a:r>
+            <a:r>
+              <a:rPr lang="en-US" altLang="zh-CN" sz="1600" dirty="0">
+                <a:latin typeface="Segoe UI" panose="020B0502040204020203" pitchFamily="34" charset="0"/>
+                <a:cs typeface="Segoe UI" panose="020B0502040204020203" pitchFamily="34" charset="0"/>
+              </a:rPr>
+              <a:t>non-quasar</a:t>
+            </a:r>
+            <a:r>
+              <a:rPr lang="zh-CN" altLang="en-US" sz="1600" dirty="0">
+                <a:latin typeface="Segoe UI" panose="020B0502040204020203" pitchFamily="34" charset="0"/>
+                <a:cs typeface="Segoe UI" panose="020B0502040204020203" pitchFamily="34" charset="0"/>
+              </a:rPr>
+              <a:t> </a:t>
+            </a:r>
+            <a:r>
+              <a:rPr lang="en-US" altLang="zh-CN" sz="1600" dirty="0">
+                <a:latin typeface="Segoe UI" panose="020B0502040204020203" pitchFamily="34" charset="0"/>
+                <a:cs typeface="Segoe UI" panose="020B0502040204020203" pitchFamily="34" charset="0"/>
+              </a:rPr>
+              <a:t>objects,</a:t>
+            </a:r>
+            <a:r>
+              <a:rPr lang="zh-CN" altLang="en-US" sz="1600" dirty="0">
+                <a:latin typeface="Segoe UI" panose="020B0502040204020203" pitchFamily="34" charset="0"/>
+                <a:cs typeface="Segoe UI" panose="020B0502040204020203" pitchFamily="34" charset="0"/>
+              </a:rPr>
+              <a:t> </a:t>
+            </a:r>
+            <a:r>
+              <a:rPr lang="en-US" altLang="zh-CN" sz="1600" dirty="0">
+                <a:latin typeface="Segoe UI" panose="020B0502040204020203" pitchFamily="34" charset="0"/>
+                <a:cs typeface="Segoe UI" panose="020B0502040204020203" pitchFamily="34" charset="0"/>
+              </a:rPr>
+              <a:t>and</a:t>
+            </a:r>
+            <a:r>
+              <a:rPr lang="zh-CN" altLang="en-US" sz="1600" dirty="0">
+                <a:latin typeface="Segoe UI" panose="020B0502040204020203" pitchFamily="34" charset="0"/>
+                <a:cs typeface="Segoe UI" panose="020B0502040204020203" pitchFamily="34" charset="0"/>
+              </a:rPr>
+              <a:t> </a:t>
+            </a:r>
+            <a:r>
+              <a:rPr lang="en-US" altLang="zh-CN" sz="1600" dirty="0">
+                <a:latin typeface="Segoe UI" panose="020B0502040204020203" pitchFamily="34" charset="0"/>
+                <a:cs typeface="Segoe UI" panose="020B0502040204020203" pitchFamily="34" charset="0"/>
+              </a:rPr>
+              <a:t>”1”</a:t>
+            </a:r>
+            <a:r>
+              <a:rPr lang="zh-CN" altLang="en-US" sz="1600" dirty="0">
+                <a:latin typeface="Segoe UI" panose="020B0502040204020203" pitchFamily="34" charset="0"/>
+                <a:cs typeface="Segoe UI" panose="020B0502040204020203" pitchFamily="34" charset="0"/>
+              </a:rPr>
+              <a:t> </a:t>
+            </a:r>
+            <a:r>
+              <a:rPr lang="en-US" altLang="zh-CN" sz="1600" dirty="0">
+                <a:latin typeface="Segoe UI" panose="020B0502040204020203" pitchFamily="34" charset="0"/>
+                <a:cs typeface="Segoe UI" panose="020B0502040204020203" pitchFamily="34" charset="0"/>
+              </a:rPr>
+              <a:t>indicates</a:t>
+            </a:r>
+            <a:r>
+              <a:rPr lang="zh-CN" altLang="en-US" sz="1600" dirty="0">
+                <a:latin typeface="Segoe UI" panose="020B0502040204020203" pitchFamily="34" charset="0"/>
+                <a:cs typeface="Segoe UI" panose="020B0502040204020203" pitchFamily="34" charset="0"/>
+              </a:rPr>
+              <a:t> </a:t>
+            </a:r>
+            <a:r>
+              <a:rPr lang="en-US" altLang="zh-CN" sz="1600" dirty="0">
+                <a:latin typeface="Segoe UI" panose="020B0502040204020203" pitchFamily="34" charset="0"/>
+                <a:cs typeface="Segoe UI" panose="020B0502040204020203" pitchFamily="34" charset="0"/>
+              </a:rPr>
+              <a:t>quasars</a:t>
+            </a:r>
+            <a:endParaRPr lang="en-US" sz="1600" dirty="0">
+              <a:latin typeface="Segoe UI" panose="020B0502040204020203" pitchFamily="34" charset="0"/>
+              <a:cs typeface="Segoe UI" panose="020B0502040204020203" pitchFamily="34" charset="0"/>
+            </a:endParaRPr>
+          </a:p>
+          <a:p>
+            <a:endParaRPr lang="en-US" altLang="zh-CN" sz="1600" dirty="0">
+              <a:latin typeface="Segoe UI" panose="020B0502040204020203" pitchFamily="34" charset="0"/>
+              <a:cs typeface="Segoe UI" panose="020B0502040204020203" pitchFamily="34" charset="0"/>
+            </a:endParaRPr>
+          </a:p>
+        </p:txBody>
+      </p:sp>
+      <p:grpSp>
+        <p:nvGrpSpPr>
+          <p:cNvPr id="26" name="Group 25">
+            <a:extLst>
+              <a:ext uri="{FF2B5EF4-FFF2-40B4-BE49-F238E27FC236}">
+                <a16:creationId xmlns:a16="http://schemas.microsoft.com/office/drawing/2014/main" id="{FDA68AAD-840A-1947-BFEE-CF39614CD04F}"/>
+              </a:ext>
+            </a:extLst>
+          </p:cNvPr>
+          <p:cNvGrpSpPr/>
+          <p:nvPr/>
+        </p:nvGrpSpPr>
+        <p:grpSpPr>
+          <a:xfrm>
+            <a:off x="5351812" y="11232044"/>
+            <a:ext cx="4015745" cy="3199935"/>
+            <a:chOff x="5317992" y="11183425"/>
+            <a:chExt cx="4223883" cy="3364130"/>
+          </a:xfrm>
+        </p:grpSpPr>
+        <p:pic>
+          <p:nvPicPr>
+            <p:cNvPr id="6" name="Picture 5">
+              <a:extLst>
+                <a:ext uri="{FF2B5EF4-FFF2-40B4-BE49-F238E27FC236}">
+                  <a16:creationId xmlns:a16="http://schemas.microsoft.com/office/drawing/2014/main" id="{78DD0C75-5A7B-FA48-B90C-28CDD19BC4C2}"/>
+                </a:ext>
+              </a:extLst>
+            </p:cNvPr>
+            <p:cNvPicPr>
+              <a:picLocks noChangeAspect="1"/>
+            </p:cNvPicPr>
+            <p:nvPr/>
+          </p:nvPicPr>
+          <p:blipFill rotWithShape="1">
+            <a:blip r:embed="rId5"/>
+            <a:srcRect l="6167" t="7938" r="23761" b="4117"/>
+            <a:stretch/>
+          </p:blipFill>
+          <p:spPr>
+            <a:xfrm>
+              <a:off x="5697473" y="11183425"/>
+              <a:ext cx="3844402" cy="3216662"/>
+            </a:xfrm>
+            <a:prstGeom prst="rect">
+              <a:avLst/>
+            </a:prstGeom>
+          </p:spPr>
+        </p:pic>
+        <p:sp>
+          <p:nvSpPr>
+            <p:cNvPr id="9" name="TextBox 8">
+              <a:extLst>
+                <a:ext uri="{FF2B5EF4-FFF2-40B4-BE49-F238E27FC236}">
+                  <a16:creationId xmlns:a16="http://schemas.microsoft.com/office/drawing/2014/main" id="{05373D43-ED1A-164C-B733-957BB0E80DCF}"/>
+                </a:ext>
+              </a:extLst>
+            </p:cNvPr>
+            <p:cNvSpPr txBox="1"/>
+            <p:nvPr/>
+          </p:nvSpPr>
+          <p:spPr>
+            <a:xfrm flipH="1">
+              <a:off x="5317992" y="11912099"/>
+              <a:ext cx="420848" cy="1743585"/>
+            </a:xfrm>
+            <a:prstGeom prst="rect">
+              <a:avLst/>
+            </a:prstGeom>
+            <a:noFill/>
+          </p:spPr>
+          <p:txBody>
+            <a:bodyPr vert="eaVert" wrap="square" rtlCol="0">
+              <a:spAutoFit/>
+            </a:bodyPr>
+            <a:lstStyle/>
+            <a:p>
+              <a:r>
+                <a:rPr lang="en-US" altLang="zh-CN" sz="1400" dirty="0">
+                  <a:latin typeface="Segoe UI" panose="020B0502040204020203" pitchFamily="34" charset="0"/>
+                  <a:cs typeface="Segoe UI" panose="020B0502040204020203" pitchFamily="34" charset="0"/>
+                </a:rPr>
+                <a:t>Predicted</a:t>
+              </a:r>
+              <a:r>
+                <a:rPr lang="zh-CN" altLang="en-US" sz="1400" dirty="0"/>
+                <a:t> </a:t>
+              </a:r>
+              <a:r>
+                <a:rPr lang="en-US" altLang="zh-CN" sz="1400" dirty="0"/>
+                <a:t>Class</a:t>
+              </a:r>
+            </a:p>
+          </p:txBody>
+        </p:sp>
+        <p:sp>
+          <p:nvSpPr>
+            <p:cNvPr id="12" name="TextBox 11">
+              <a:extLst>
+                <a:ext uri="{FF2B5EF4-FFF2-40B4-BE49-F238E27FC236}">
+                  <a16:creationId xmlns:a16="http://schemas.microsoft.com/office/drawing/2014/main" id="{3241052C-2608-5044-AA13-0C74B6D6DE91}"/>
+                </a:ext>
+              </a:extLst>
+            </p:cNvPr>
+            <p:cNvSpPr txBox="1"/>
+            <p:nvPr/>
+          </p:nvSpPr>
+          <p:spPr>
+            <a:xfrm>
+              <a:off x="7293597" y="14223985"/>
+              <a:ext cx="1988289" cy="323570"/>
+            </a:xfrm>
+            <a:prstGeom prst="rect">
+              <a:avLst/>
+            </a:prstGeom>
+            <a:noFill/>
+          </p:spPr>
+          <p:txBody>
+            <a:bodyPr wrap="square" rtlCol="0">
+              <a:spAutoFit/>
+            </a:bodyPr>
+            <a:lstStyle/>
+            <a:p>
+              <a:r>
+                <a:rPr lang="en-US" altLang="zh-CN" sz="1400" dirty="0">
+                  <a:latin typeface="Segoe UI" panose="020B0502040204020203" pitchFamily="34" charset="0"/>
+                  <a:cs typeface="Segoe UI" panose="020B0502040204020203" pitchFamily="34" charset="0"/>
+                </a:rPr>
+                <a:t>True</a:t>
+              </a:r>
+              <a:r>
+                <a:rPr lang="zh-CN" altLang="en-US" sz="1400" dirty="0">
+                  <a:latin typeface="Segoe UI" panose="020B0502040204020203" pitchFamily="34" charset="0"/>
+                  <a:cs typeface="Segoe UI" panose="020B0502040204020203" pitchFamily="34" charset="0"/>
+                </a:rPr>
+                <a:t> </a:t>
+              </a:r>
+              <a:r>
+                <a:rPr lang="en-US" altLang="zh-CN" sz="1400" dirty="0">
+                  <a:latin typeface="Segoe UI" panose="020B0502040204020203" pitchFamily="34" charset="0"/>
+                  <a:cs typeface="Segoe UI" panose="020B0502040204020203" pitchFamily="34" charset="0"/>
+                </a:rPr>
+                <a:t>Class</a:t>
+              </a:r>
+              <a:endParaRPr lang="en-US" sz="1400" dirty="0">
+                <a:latin typeface="Segoe UI" panose="020B0502040204020203" pitchFamily="34" charset="0"/>
+                <a:cs typeface="Segoe UI" panose="020B0502040204020203" pitchFamily="34" charset="0"/>
+              </a:endParaRPr>
+            </a:p>
+          </p:txBody>
+        </p:sp>
+      </p:grpSp>
       <p:pic>
         <p:nvPicPr>
-          <p:cNvPr id="6" name="Picture 5">
+          <p:cNvPr id="14" name="Picture 13" descr="A picture containing outdoor object, night, night sky, comet&#10;&#10;Description automatically generated">
             <a:extLst>
               <a:ext uri="{FF2B5EF4-FFF2-40B4-BE49-F238E27FC236}">
-                <a16:creationId xmlns:a16="http://schemas.microsoft.com/office/drawing/2014/main" id="{78DD0C75-5A7B-FA48-B90C-28CDD19BC4C2}"/>
+                <a16:creationId xmlns:a16="http://schemas.microsoft.com/office/drawing/2014/main" id="{39D2A124-69DB-D143-8FD8-6156C9903080}"/>
               </a:ext>
             </a:extLst>
           </p:cNvPr>
@@ -5519,21 +6777,500 @@
           <p:nvPr/>
         </p:nvPicPr>
         <p:blipFill>
-          <a:blip r:embed="rId6"/>
+          <a:blip r:embed="rId6">
+            <a:extLst>
+              <a:ext uri="{28A0092B-C50C-407E-A947-70E740481C1C}">
+                <a14:useLocalDpi xmlns:a14="http://schemas.microsoft.com/office/drawing/2010/main" val="0"/>
+              </a:ext>
+            </a:extLst>
+          </a:blip>
           <a:stretch>
             <a:fillRect/>
           </a:stretch>
         </p:blipFill>
         <p:spPr>
           <a:xfrm>
-            <a:off x="4690771" y="6735136"/>
-            <a:ext cx="5486400" cy="3657600"/>
+            <a:off x="516525" y="11091298"/>
+            <a:ext cx="1734152" cy="1320536"/>
           </a:xfrm>
           <a:prstGeom prst="rect">
             <a:avLst/>
           </a:prstGeom>
         </p:spPr>
       </p:pic>
+      <p:pic>
+        <p:nvPicPr>
+          <p:cNvPr id="18" name="Picture 17" descr="A bright light in the dark&#10;&#10;Description automatically generated with low confidence">
+            <a:extLst>
+              <a:ext uri="{FF2B5EF4-FFF2-40B4-BE49-F238E27FC236}">
+                <a16:creationId xmlns:a16="http://schemas.microsoft.com/office/drawing/2014/main" id="{D9E96B2D-DF2C-284C-9D96-4C50C34F1CD4}"/>
+              </a:ext>
+            </a:extLst>
+          </p:cNvPr>
+          <p:cNvPicPr>
+            <a:picLocks noChangeAspect="1"/>
+          </p:cNvPicPr>
+          <p:nvPr/>
+        </p:nvPicPr>
+        <p:blipFill rotWithShape="1">
+          <a:blip r:embed="rId7">
+            <a:extLst>
+              <a:ext uri="{28A0092B-C50C-407E-A947-70E740481C1C}">
+                <a14:useLocalDpi xmlns:a14="http://schemas.microsoft.com/office/drawing/2010/main" val="0"/>
+              </a:ext>
+            </a:extLst>
+          </a:blip>
+          <a:srcRect t="13781" b="11748"/>
+          <a:stretch/>
+        </p:blipFill>
+        <p:spPr>
+          <a:xfrm>
+            <a:off x="2339767" y="11091298"/>
+            <a:ext cx="1734152" cy="1320536"/>
+          </a:xfrm>
+          <a:prstGeom prst="rect">
+            <a:avLst/>
+          </a:prstGeom>
+        </p:spPr>
+      </p:pic>
+      <p:sp>
+        <p:nvSpPr>
+          <p:cNvPr id="19" name="TextBox 18">
+            <a:extLst>
+              <a:ext uri="{FF2B5EF4-FFF2-40B4-BE49-F238E27FC236}">
+                <a16:creationId xmlns:a16="http://schemas.microsoft.com/office/drawing/2014/main" id="{082DF306-7C94-AE49-A85C-D0932419BFD5}"/>
+              </a:ext>
+            </a:extLst>
+          </p:cNvPr>
+          <p:cNvSpPr txBox="1"/>
+          <p:nvPr/>
+        </p:nvSpPr>
+        <p:spPr>
+          <a:xfrm>
+            <a:off x="516525" y="12477417"/>
+            <a:ext cx="1672126" cy="276999"/>
+          </a:xfrm>
+          <a:prstGeom prst="rect">
+            <a:avLst/>
+          </a:prstGeom>
+          <a:noFill/>
+        </p:spPr>
+        <p:txBody>
+          <a:bodyPr wrap="square" rtlCol="0">
+            <a:spAutoFit/>
+          </a:bodyPr>
+          <a:lstStyle/>
+          <a:p>
+            <a:pPr algn="ctr"/>
+            <a:r>
+              <a:rPr lang="en-US" altLang="zh-CN" sz="1200" dirty="0">
+                <a:latin typeface="Segoe UI" panose="020B0502040204020203" pitchFamily="34" charset="0"/>
+                <a:cs typeface="Segoe UI" panose="020B0502040204020203" pitchFamily="34" charset="0"/>
+              </a:rPr>
+              <a:t>Galaxy</a:t>
+            </a:r>
+            <a:endParaRPr lang="en-US" sz="1200" dirty="0">
+              <a:latin typeface="Segoe UI" panose="020B0502040204020203" pitchFamily="34" charset="0"/>
+              <a:cs typeface="Segoe UI" panose="020B0502040204020203" pitchFamily="34" charset="0"/>
+            </a:endParaRPr>
+          </a:p>
+        </p:txBody>
+      </p:sp>
+      <p:sp>
+        <p:nvSpPr>
+          <p:cNvPr id="38" name="TextBox 37">
+            <a:extLst>
+              <a:ext uri="{FF2B5EF4-FFF2-40B4-BE49-F238E27FC236}">
+                <a16:creationId xmlns:a16="http://schemas.microsoft.com/office/drawing/2014/main" id="{EBCF219A-0565-AA4C-B203-E39BB967132F}"/>
+              </a:ext>
+            </a:extLst>
+          </p:cNvPr>
+          <p:cNvSpPr txBox="1"/>
+          <p:nvPr/>
+        </p:nvSpPr>
+        <p:spPr>
+          <a:xfrm>
+            <a:off x="2370780" y="12453202"/>
+            <a:ext cx="1672126" cy="276999"/>
+          </a:xfrm>
+          <a:prstGeom prst="rect">
+            <a:avLst/>
+          </a:prstGeom>
+          <a:noFill/>
+        </p:spPr>
+        <p:txBody>
+          <a:bodyPr wrap="square" rtlCol="0">
+            <a:spAutoFit/>
+          </a:bodyPr>
+          <a:lstStyle/>
+          <a:p>
+            <a:pPr algn="ctr"/>
+            <a:r>
+              <a:rPr lang="en-US" altLang="zh-CN" sz="1200" dirty="0">
+                <a:latin typeface="Segoe UI" panose="020B0502040204020203" pitchFamily="34" charset="0"/>
+                <a:cs typeface="Segoe UI" panose="020B0502040204020203" pitchFamily="34" charset="0"/>
+              </a:rPr>
+              <a:t>Quasar</a:t>
+            </a:r>
+            <a:endParaRPr lang="en-US" sz="1200" dirty="0">
+              <a:latin typeface="Segoe UI" panose="020B0502040204020203" pitchFamily="34" charset="0"/>
+              <a:cs typeface="Segoe UI" panose="020B0502040204020203" pitchFamily="34" charset="0"/>
+            </a:endParaRPr>
+          </a:p>
+        </p:txBody>
+      </p:sp>
+      <p:pic>
+        <p:nvPicPr>
+          <p:cNvPr id="22" name="Picture 21" descr="No image&#10;&#10;Description automatically generated">
+            <a:extLst>
+              <a:ext uri="{FF2B5EF4-FFF2-40B4-BE49-F238E27FC236}">
+                <a16:creationId xmlns:a16="http://schemas.microsoft.com/office/drawing/2014/main" id="{9634613F-07AB-5B4F-8FAA-0E122B94FEEF}"/>
+              </a:ext>
+            </a:extLst>
+          </p:cNvPr>
+          <p:cNvPicPr>
+            <a:picLocks noChangeAspect="1"/>
+          </p:cNvPicPr>
+          <p:nvPr/>
+        </p:nvPicPr>
+        <p:blipFill rotWithShape="1">
+          <a:blip r:embed="rId8">
+            <a:extLst>
+              <a:ext uri="{28A0092B-C50C-407E-A947-70E740481C1C}">
+                <a14:useLocalDpi xmlns:a14="http://schemas.microsoft.com/office/drawing/2010/main" val="0"/>
+              </a:ext>
+            </a:extLst>
+          </a:blip>
+          <a:srcRect l="8725" t="8468" r="21111"/>
+          <a:stretch/>
+        </p:blipFill>
+        <p:spPr>
+          <a:xfrm>
+            <a:off x="547537" y="12783891"/>
+            <a:ext cx="1703139" cy="1320535"/>
+          </a:xfrm>
+          <a:prstGeom prst="rect">
+            <a:avLst/>
+          </a:prstGeom>
+        </p:spPr>
+      </p:pic>
+      <p:sp>
+        <p:nvSpPr>
+          <p:cNvPr id="41" name="TextBox 40">
+            <a:extLst>
+              <a:ext uri="{FF2B5EF4-FFF2-40B4-BE49-F238E27FC236}">
+                <a16:creationId xmlns:a16="http://schemas.microsoft.com/office/drawing/2014/main" id="{52EB0654-354F-6243-AF83-8B8B8D065695}"/>
+              </a:ext>
+            </a:extLst>
+          </p:cNvPr>
+          <p:cNvSpPr txBox="1"/>
+          <p:nvPr/>
+        </p:nvSpPr>
+        <p:spPr>
+          <a:xfrm>
+            <a:off x="516525" y="14171637"/>
+            <a:ext cx="1672126" cy="276999"/>
+          </a:xfrm>
+          <a:prstGeom prst="rect">
+            <a:avLst/>
+          </a:prstGeom>
+          <a:noFill/>
+        </p:spPr>
+        <p:txBody>
+          <a:bodyPr wrap="square" rtlCol="0">
+            <a:spAutoFit/>
+          </a:bodyPr>
+          <a:lstStyle/>
+          <a:p>
+            <a:pPr algn="ctr"/>
+            <a:r>
+              <a:rPr lang="en-US" altLang="zh-CN" sz="1200" dirty="0">
+                <a:latin typeface="Segoe UI" panose="020B0502040204020203" pitchFamily="34" charset="0"/>
+                <a:cs typeface="Segoe UI" panose="020B0502040204020203" pitchFamily="34" charset="0"/>
+              </a:rPr>
+              <a:t>Star</a:t>
+            </a:r>
+            <a:endParaRPr lang="en-US" sz="1200" dirty="0">
+              <a:latin typeface="Segoe UI" panose="020B0502040204020203" pitchFamily="34" charset="0"/>
+              <a:cs typeface="Segoe UI" panose="020B0502040204020203" pitchFamily="34" charset="0"/>
+            </a:endParaRPr>
+          </a:p>
+        </p:txBody>
+      </p:sp>
+      <p:pic>
+        <p:nvPicPr>
+          <p:cNvPr id="24" name="Picture 23" descr="A bright light in the dark&#10;&#10;Description automatically generated with medium confidence">
+            <a:extLst>
+              <a:ext uri="{FF2B5EF4-FFF2-40B4-BE49-F238E27FC236}">
+                <a16:creationId xmlns:a16="http://schemas.microsoft.com/office/drawing/2014/main" id="{E3FECC88-541A-0A42-A39C-F50A4EC6AFC0}"/>
+              </a:ext>
+            </a:extLst>
+          </p:cNvPr>
+          <p:cNvPicPr>
+            <a:picLocks noChangeAspect="1"/>
+          </p:cNvPicPr>
+          <p:nvPr/>
+        </p:nvPicPr>
+        <p:blipFill rotWithShape="1">
+          <a:blip r:embed="rId9">
+            <a:extLst>
+              <a:ext uri="{28A0092B-C50C-407E-A947-70E740481C1C}">
+                <a14:useLocalDpi xmlns:a14="http://schemas.microsoft.com/office/drawing/2010/main" val="0"/>
+              </a:ext>
+            </a:extLst>
+          </a:blip>
+          <a:srcRect r="16700"/>
+          <a:stretch/>
+        </p:blipFill>
+        <p:spPr>
+          <a:xfrm>
+            <a:off x="2343676" y="12783891"/>
+            <a:ext cx="1716562" cy="1320535"/>
+          </a:xfrm>
+          <a:prstGeom prst="rect">
+            <a:avLst/>
+          </a:prstGeom>
+        </p:spPr>
+      </p:pic>
+      <p:sp>
+        <p:nvSpPr>
+          <p:cNvPr id="44" name="TextBox 43">
+            <a:extLst>
+              <a:ext uri="{FF2B5EF4-FFF2-40B4-BE49-F238E27FC236}">
+                <a16:creationId xmlns:a16="http://schemas.microsoft.com/office/drawing/2014/main" id="{6A53FA2E-98C7-514C-AE0D-91786DF08727}"/>
+              </a:ext>
+            </a:extLst>
+          </p:cNvPr>
+          <p:cNvSpPr txBox="1"/>
+          <p:nvPr/>
+        </p:nvSpPr>
+        <p:spPr>
+          <a:xfrm>
+            <a:off x="2309833" y="14130838"/>
+            <a:ext cx="1823243" cy="507831"/>
+          </a:xfrm>
+          <a:prstGeom prst="rect">
+            <a:avLst/>
+          </a:prstGeom>
+          <a:noFill/>
+        </p:spPr>
+        <p:txBody>
+          <a:bodyPr wrap="square" rtlCol="0">
+            <a:spAutoFit/>
+          </a:bodyPr>
+          <a:lstStyle/>
+          <a:p>
+            <a:pPr algn="ctr"/>
+            <a:r>
+              <a:rPr lang="en-US" altLang="zh-CN" sz="900" dirty="0">
+                <a:latin typeface="Segoe UI" panose="020B0502040204020203" pitchFamily="34" charset="0"/>
+                <a:cs typeface="Segoe UI" panose="020B0502040204020203" pitchFamily="34" charset="0"/>
+              </a:rPr>
+              <a:t>Trying</a:t>
+            </a:r>
+            <a:r>
+              <a:rPr lang="zh-CN" altLang="en-US" sz="900" dirty="0">
+                <a:latin typeface="Segoe UI" panose="020B0502040204020203" pitchFamily="34" charset="0"/>
+                <a:cs typeface="Segoe UI" panose="020B0502040204020203" pitchFamily="34" charset="0"/>
+              </a:rPr>
+              <a:t> </a:t>
+            </a:r>
+            <a:r>
+              <a:rPr lang="en-US" altLang="zh-CN" sz="900" dirty="0">
+                <a:latin typeface="Segoe UI" panose="020B0502040204020203" pitchFamily="34" charset="0"/>
+                <a:cs typeface="Segoe UI" panose="020B0502040204020203" pitchFamily="34" charset="0"/>
+              </a:rPr>
+              <a:t>to</a:t>
+            </a:r>
+            <a:r>
+              <a:rPr lang="zh-CN" altLang="en-US" sz="900" dirty="0">
+                <a:latin typeface="Segoe UI" panose="020B0502040204020203" pitchFamily="34" charset="0"/>
+                <a:cs typeface="Segoe UI" panose="020B0502040204020203" pitchFamily="34" charset="0"/>
+              </a:rPr>
+              <a:t> </a:t>
+            </a:r>
+            <a:r>
+              <a:rPr lang="en-US" altLang="zh-CN" sz="900" dirty="0">
+                <a:latin typeface="Segoe UI" panose="020B0502040204020203" pitchFamily="34" charset="0"/>
+                <a:cs typeface="Segoe UI" panose="020B0502040204020203" pitchFamily="34" charset="0"/>
+              </a:rPr>
+              <a:t>figure</a:t>
+            </a:r>
+            <a:r>
+              <a:rPr lang="zh-CN" altLang="en-US" sz="900" dirty="0">
+                <a:latin typeface="Segoe UI" panose="020B0502040204020203" pitchFamily="34" charset="0"/>
+                <a:cs typeface="Segoe UI" panose="020B0502040204020203" pitchFamily="34" charset="0"/>
+              </a:rPr>
+              <a:t> </a:t>
+            </a:r>
+            <a:r>
+              <a:rPr lang="en-US" altLang="zh-CN" sz="900" dirty="0">
+                <a:latin typeface="Segoe UI" panose="020B0502040204020203" pitchFamily="34" charset="0"/>
+                <a:cs typeface="Segoe UI" panose="020B0502040204020203" pitchFamily="34" charset="0"/>
+              </a:rPr>
+              <a:t>out</a:t>
+            </a:r>
+            <a:r>
+              <a:rPr lang="zh-CN" altLang="en-US" sz="900" dirty="0">
+                <a:latin typeface="Segoe UI" panose="020B0502040204020203" pitchFamily="34" charset="0"/>
+                <a:cs typeface="Segoe UI" panose="020B0502040204020203" pitchFamily="34" charset="0"/>
+              </a:rPr>
+              <a:t> </a:t>
+            </a:r>
+            <a:r>
+              <a:rPr lang="en-US" altLang="zh-CN" sz="900" dirty="0">
+                <a:latin typeface="Segoe UI" panose="020B0502040204020203" pitchFamily="34" charset="0"/>
+                <a:cs typeface="Segoe UI" panose="020B0502040204020203" pitchFamily="34" charset="0"/>
+              </a:rPr>
+              <a:t>what</a:t>
+            </a:r>
+            <a:r>
+              <a:rPr lang="zh-CN" altLang="en-US" sz="900" dirty="0">
+                <a:latin typeface="Segoe UI" panose="020B0502040204020203" pitchFamily="34" charset="0"/>
+                <a:cs typeface="Segoe UI" panose="020B0502040204020203" pitchFamily="34" charset="0"/>
+              </a:rPr>
+              <a:t> </a:t>
+            </a:r>
+            <a:r>
+              <a:rPr lang="en-US" altLang="zh-CN" sz="900" dirty="0">
+                <a:latin typeface="Segoe UI" panose="020B0502040204020203" pitchFamily="34" charset="0"/>
+                <a:cs typeface="Segoe UI" panose="020B0502040204020203" pitchFamily="34" charset="0"/>
+              </a:rPr>
+              <a:t>this</a:t>
+            </a:r>
+            <a:r>
+              <a:rPr lang="zh-CN" altLang="en-US" sz="900" dirty="0">
+                <a:latin typeface="Segoe UI" panose="020B0502040204020203" pitchFamily="34" charset="0"/>
+                <a:cs typeface="Segoe UI" panose="020B0502040204020203" pitchFamily="34" charset="0"/>
+              </a:rPr>
+              <a:t> </a:t>
+            </a:r>
+            <a:r>
+              <a:rPr lang="en-US" altLang="zh-CN" sz="900" dirty="0">
+                <a:latin typeface="Segoe UI" panose="020B0502040204020203" pitchFamily="34" charset="0"/>
+                <a:cs typeface="Segoe UI" panose="020B0502040204020203" pitchFamily="34" charset="0"/>
+              </a:rPr>
+              <a:t>is</a:t>
+            </a:r>
+            <a:r>
+              <a:rPr lang="zh-CN" altLang="en-US" sz="900" dirty="0">
+                <a:latin typeface="Segoe UI" panose="020B0502040204020203" pitchFamily="34" charset="0"/>
+                <a:cs typeface="Segoe UI" panose="020B0502040204020203" pitchFamily="34" charset="0"/>
+              </a:rPr>
+              <a:t> </a:t>
+            </a:r>
+            <a:r>
+              <a:rPr lang="en-US" altLang="zh-CN" sz="900" dirty="0">
+                <a:latin typeface="Segoe UI" panose="020B0502040204020203" pitchFamily="34" charset="0"/>
+                <a:cs typeface="Segoe UI" panose="020B0502040204020203" pitchFamily="34" charset="0"/>
+              </a:rPr>
+              <a:t>by</a:t>
+            </a:r>
+            <a:r>
+              <a:rPr lang="zh-CN" altLang="en-US" sz="900" dirty="0">
+                <a:latin typeface="Segoe UI" panose="020B0502040204020203" pitchFamily="34" charset="0"/>
+                <a:cs typeface="Segoe UI" panose="020B0502040204020203" pitchFamily="34" charset="0"/>
+              </a:rPr>
+              <a:t> </a:t>
+            </a:r>
+            <a:r>
+              <a:rPr lang="en-US" altLang="zh-CN" sz="900" dirty="0">
+                <a:latin typeface="Segoe UI" panose="020B0502040204020203" pitchFamily="34" charset="0"/>
+                <a:cs typeface="Segoe UI" panose="020B0502040204020203" pitchFamily="34" charset="0"/>
+              </a:rPr>
+              <a:t>inputting</a:t>
+            </a:r>
+            <a:r>
+              <a:rPr lang="zh-CN" altLang="en-US" sz="900" dirty="0">
+                <a:latin typeface="Segoe UI" panose="020B0502040204020203" pitchFamily="34" charset="0"/>
+                <a:cs typeface="Segoe UI" panose="020B0502040204020203" pitchFamily="34" charset="0"/>
+              </a:rPr>
+              <a:t> </a:t>
+            </a:r>
+            <a:r>
+              <a:rPr lang="en-US" altLang="zh-CN" sz="900" dirty="0">
+                <a:latin typeface="Segoe UI" panose="020B0502040204020203" pitchFamily="34" charset="0"/>
+                <a:cs typeface="Segoe UI" panose="020B0502040204020203" pitchFamily="34" charset="0"/>
+              </a:rPr>
+              <a:t>its</a:t>
+            </a:r>
+            <a:r>
+              <a:rPr lang="zh-CN" altLang="en-US" sz="900" dirty="0">
+                <a:latin typeface="Segoe UI" panose="020B0502040204020203" pitchFamily="34" charset="0"/>
+                <a:cs typeface="Segoe UI" panose="020B0502040204020203" pitchFamily="34" charset="0"/>
+              </a:rPr>
+              <a:t> </a:t>
+            </a:r>
+            <a:r>
+              <a:rPr lang="en-US" altLang="zh-CN" sz="900" dirty="0">
+                <a:latin typeface="Segoe UI" panose="020B0502040204020203" pitchFamily="34" charset="0"/>
+                <a:cs typeface="Segoe UI" panose="020B0502040204020203" pitchFamily="34" charset="0"/>
+              </a:rPr>
+              <a:t>color</a:t>
+            </a:r>
+            <a:r>
+              <a:rPr lang="zh-CN" altLang="en-US" sz="900" dirty="0">
+                <a:latin typeface="Segoe UI" panose="020B0502040204020203" pitchFamily="34" charset="0"/>
+                <a:cs typeface="Segoe UI" panose="020B0502040204020203" pitchFamily="34" charset="0"/>
+              </a:rPr>
+              <a:t> </a:t>
+            </a:r>
+            <a:r>
+              <a:rPr lang="en-US" altLang="zh-CN" sz="900" dirty="0">
+                <a:latin typeface="Segoe UI" panose="020B0502040204020203" pitchFamily="34" charset="0"/>
+                <a:cs typeface="Segoe UI" panose="020B0502040204020203" pitchFamily="34" charset="0"/>
+              </a:rPr>
+              <a:t>features</a:t>
+            </a:r>
+            <a:r>
+              <a:rPr lang="zh-CN" altLang="en-US" sz="900" dirty="0">
+                <a:latin typeface="Segoe UI" panose="020B0502040204020203" pitchFamily="34" charset="0"/>
+                <a:cs typeface="Segoe UI" panose="020B0502040204020203" pitchFamily="34" charset="0"/>
+              </a:rPr>
+              <a:t> </a:t>
+            </a:r>
+            <a:r>
+              <a:rPr lang="en-US" altLang="zh-CN" sz="900" dirty="0">
+                <a:latin typeface="Segoe UI" panose="020B0502040204020203" pitchFamily="34" charset="0"/>
+                <a:cs typeface="Segoe UI" panose="020B0502040204020203" pitchFamily="34" charset="0"/>
+              </a:rPr>
+              <a:t>to</a:t>
+            </a:r>
+            <a:r>
+              <a:rPr lang="zh-CN" altLang="en-US" sz="900" dirty="0">
+                <a:latin typeface="Segoe UI" panose="020B0502040204020203" pitchFamily="34" charset="0"/>
+                <a:cs typeface="Segoe UI" panose="020B0502040204020203" pitchFamily="34" charset="0"/>
+              </a:rPr>
+              <a:t> </a:t>
+            </a:r>
+            <a:r>
+              <a:rPr lang="en-US" altLang="zh-CN" sz="900" dirty="0">
+                <a:latin typeface="Segoe UI" panose="020B0502040204020203" pitchFamily="34" charset="0"/>
+                <a:cs typeface="Segoe UI" panose="020B0502040204020203" pitchFamily="34" charset="0"/>
+              </a:rPr>
+              <a:t>the</a:t>
+            </a:r>
+            <a:r>
+              <a:rPr lang="zh-CN" altLang="en-US" sz="900" dirty="0">
+                <a:latin typeface="Segoe UI" panose="020B0502040204020203" pitchFamily="34" charset="0"/>
+                <a:cs typeface="Segoe UI" panose="020B0502040204020203" pitchFamily="34" charset="0"/>
+              </a:rPr>
+              <a:t> </a:t>
+            </a:r>
+            <a:r>
+              <a:rPr lang="en-US" altLang="zh-CN" sz="900" dirty="0">
+                <a:latin typeface="Segoe UI" panose="020B0502040204020203" pitchFamily="34" charset="0"/>
+                <a:cs typeface="Segoe UI" panose="020B0502040204020203" pitchFamily="34" charset="0"/>
+              </a:rPr>
+              <a:t>model</a:t>
+            </a:r>
+            <a:endParaRPr lang="en-US" sz="900" dirty="0">
+              <a:latin typeface="Segoe UI" panose="020B0502040204020203" pitchFamily="34" charset="0"/>
+              <a:cs typeface="Segoe UI" panose="020B0502040204020203" pitchFamily="34" charset="0"/>
+            </a:endParaRPr>
+          </a:p>
+        </p:txBody>
+      </p:sp>
     </p:spTree>
     <p:extLst>
       <p:ext uri="{BB962C8B-B14F-4D97-AF65-F5344CB8AC3E}">

--- a/poster/poster_rough.pptx
+++ b/poster/poster_rough.pptx
@@ -254,7 +254,7 @@
           <a:p>
             <a:fld id="{BBAFD56C-9C58-4B73-B5DF-363A93B4E3A4}" type="datetimeFigureOut">
               <a:rPr lang="en-US" smtClean="0"/>
-              <a:t>3/30/22</a:t>
+              <a:t>4/8/22</a:t>
             </a:fld>
             <a:endParaRPr lang="en-US"/>
           </a:p>
@@ -424,7 +424,7 @@
           <a:p>
             <a:fld id="{BBAFD56C-9C58-4B73-B5DF-363A93B4E3A4}" type="datetimeFigureOut">
               <a:rPr lang="en-US" smtClean="0"/>
-              <a:t>3/30/22</a:t>
+              <a:t>4/8/22</a:t>
             </a:fld>
             <a:endParaRPr lang="en-US"/>
           </a:p>
@@ -604,7 +604,7 @@
           <a:p>
             <a:fld id="{BBAFD56C-9C58-4B73-B5DF-363A93B4E3A4}" type="datetimeFigureOut">
               <a:rPr lang="en-US" smtClean="0"/>
-              <a:t>3/30/22</a:t>
+              <a:t>4/8/22</a:t>
             </a:fld>
             <a:endParaRPr lang="en-US"/>
           </a:p>
@@ -774,7 +774,7 @@
           <a:p>
             <a:fld id="{BBAFD56C-9C58-4B73-B5DF-363A93B4E3A4}" type="datetimeFigureOut">
               <a:rPr lang="en-US" smtClean="0"/>
-              <a:t>3/30/22</a:t>
+              <a:t>4/8/22</a:t>
             </a:fld>
             <a:endParaRPr lang="en-US"/>
           </a:p>
@@ -1018,7 +1018,7 @@
           <a:p>
             <a:fld id="{BBAFD56C-9C58-4B73-B5DF-363A93B4E3A4}" type="datetimeFigureOut">
               <a:rPr lang="en-US" smtClean="0"/>
-              <a:t>3/30/22</a:t>
+              <a:t>4/8/22</a:t>
             </a:fld>
             <a:endParaRPr lang="en-US"/>
           </a:p>
@@ -1250,7 +1250,7 @@
           <a:p>
             <a:fld id="{BBAFD56C-9C58-4B73-B5DF-363A93B4E3A4}" type="datetimeFigureOut">
               <a:rPr lang="en-US" smtClean="0"/>
-              <a:t>3/30/22</a:t>
+              <a:t>4/8/22</a:t>
             </a:fld>
             <a:endParaRPr lang="en-US"/>
           </a:p>
@@ -1617,7 +1617,7 @@
           <a:p>
             <a:fld id="{BBAFD56C-9C58-4B73-B5DF-363A93B4E3A4}" type="datetimeFigureOut">
               <a:rPr lang="en-US" smtClean="0"/>
-              <a:t>3/30/22</a:t>
+              <a:t>4/8/22</a:t>
             </a:fld>
             <a:endParaRPr lang="en-US"/>
           </a:p>
@@ -1735,7 +1735,7 @@
           <a:p>
             <a:fld id="{BBAFD56C-9C58-4B73-B5DF-363A93B4E3A4}" type="datetimeFigureOut">
               <a:rPr lang="en-US" smtClean="0"/>
-              <a:t>3/30/22</a:t>
+              <a:t>4/8/22</a:t>
             </a:fld>
             <a:endParaRPr lang="en-US"/>
           </a:p>
@@ -1830,7 +1830,7 @@
           <a:p>
             <a:fld id="{BBAFD56C-9C58-4B73-B5DF-363A93B4E3A4}" type="datetimeFigureOut">
               <a:rPr lang="en-US" smtClean="0"/>
-              <a:t>3/30/22</a:t>
+              <a:t>4/8/22</a:t>
             </a:fld>
             <a:endParaRPr lang="en-US"/>
           </a:p>
@@ -2107,7 +2107,7 @@
           <a:p>
             <a:fld id="{BBAFD56C-9C58-4B73-B5DF-363A93B4E3A4}" type="datetimeFigureOut">
               <a:rPr lang="en-US" smtClean="0"/>
-              <a:t>3/30/22</a:t>
+              <a:t>4/8/22</a:t>
             </a:fld>
             <a:endParaRPr lang="en-US"/>
           </a:p>
@@ -2364,7 +2364,7 @@
           <a:p>
             <a:fld id="{BBAFD56C-9C58-4B73-B5DF-363A93B4E3A4}" type="datetimeFigureOut">
               <a:rPr lang="en-US" smtClean="0"/>
-              <a:t>3/30/22</a:t>
+              <a:t>4/8/22</a:t>
             </a:fld>
             <a:endParaRPr lang="en-US"/>
           </a:p>
@@ -2577,7 +2577,7 @@
           <a:p>
             <a:fld id="{BBAFD56C-9C58-4B73-B5DF-363A93B4E3A4}" type="datetimeFigureOut">
               <a:rPr lang="en-US" smtClean="0"/>
-              <a:t>3/30/22</a:t>
+              <a:t>4/8/22</a:t>
             </a:fld>
             <a:endParaRPr lang="en-US"/>
           </a:p>
@@ -3818,7 +3818,7 @@
         </p:nvSpPr>
         <p:spPr>
           <a:xfrm>
-            <a:off x="402638" y="5698679"/>
+            <a:off x="402638" y="5596988"/>
             <a:ext cx="3572026" cy="584775"/>
           </a:xfrm>
           <a:prstGeom prst="rect">
@@ -3860,7 +3860,7 @@
         <p:spPr>
           <a:xfrm>
             <a:off x="438137" y="6235955"/>
-            <a:ext cx="4182781" cy="5262979"/>
+            <a:ext cx="4182781" cy="4016484"/>
           </a:xfrm>
           <a:prstGeom prst="rect">
             <a:avLst/>
@@ -3874,1288 +3874,1276 @@
           <a:lstStyle/>
           <a:p>
             <a:r>
-              <a:rPr lang="en-US" altLang="zh-CN" sz="1600" dirty="0">
+              <a:rPr lang="en-US" altLang="zh-CN" sz="1500" dirty="0">
                 <a:latin typeface="Segoe UI" panose="020B0502040204020203" pitchFamily="34" charset="0"/>
                 <a:cs typeface="Segoe UI" panose="020B0502040204020203" pitchFamily="34" charset="0"/>
               </a:rPr>
               <a:t>Quasars</a:t>
             </a:r>
             <a:r>
-              <a:rPr lang="zh-CN" altLang="en-US" sz="1600" dirty="0">
-                <a:latin typeface="Segoe UI" panose="020B0502040204020203" pitchFamily="34" charset="0"/>
-                <a:cs typeface="Segoe UI" panose="020B0502040204020203" pitchFamily="34" charset="0"/>
-              </a:rPr>
-              <a:t> </a:t>
-            </a:r>
-            <a:r>
-              <a:rPr lang="en-US" altLang="zh-CN" sz="1600" dirty="0">
+              <a:rPr lang="zh-CN" altLang="en-US" sz="1500" dirty="0">
+                <a:latin typeface="Segoe UI" panose="020B0502040204020203" pitchFamily="34" charset="0"/>
+                <a:cs typeface="Segoe UI" panose="020B0502040204020203" pitchFamily="34" charset="0"/>
+              </a:rPr>
+              <a:t> </a:t>
+            </a:r>
+            <a:r>
+              <a:rPr lang="en-US" altLang="zh-CN" sz="1500" dirty="0">
                 <a:latin typeface="Segoe UI" panose="020B0502040204020203" pitchFamily="34" charset="0"/>
                 <a:cs typeface="Segoe UI" panose="020B0502040204020203" pitchFamily="34" charset="0"/>
               </a:rPr>
               <a:t>are</a:t>
             </a:r>
             <a:r>
-              <a:rPr lang="zh-CN" altLang="en-US" sz="1600" dirty="0">
-                <a:latin typeface="Segoe UI" panose="020B0502040204020203" pitchFamily="34" charset="0"/>
-                <a:cs typeface="Segoe UI" panose="020B0502040204020203" pitchFamily="34" charset="0"/>
-              </a:rPr>
-              <a:t> </a:t>
-            </a:r>
-            <a:r>
-              <a:rPr lang="en-US" altLang="zh-CN" sz="1600" dirty="0">
+              <a:rPr lang="zh-CN" altLang="en-US" sz="1500" dirty="0">
+                <a:latin typeface="Segoe UI" panose="020B0502040204020203" pitchFamily="34" charset="0"/>
+                <a:cs typeface="Segoe UI" panose="020B0502040204020203" pitchFamily="34" charset="0"/>
+              </a:rPr>
+              <a:t> </a:t>
+            </a:r>
+            <a:r>
+              <a:rPr lang="en-US" altLang="zh-CN" sz="1500" dirty="0">
                 <a:latin typeface="Segoe UI" panose="020B0502040204020203" pitchFamily="34" charset="0"/>
                 <a:cs typeface="Segoe UI" panose="020B0502040204020203" pitchFamily="34" charset="0"/>
               </a:rPr>
               <a:t>extremely</a:t>
             </a:r>
             <a:r>
-              <a:rPr lang="zh-CN" altLang="en-US" sz="1600" dirty="0">
-                <a:latin typeface="Segoe UI" panose="020B0502040204020203" pitchFamily="34" charset="0"/>
-                <a:cs typeface="Segoe UI" panose="020B0502040204020203" pitchFamily="34" charset="0"/>
-              </a:rPr>
-              <a:t> </a:t>
-            </a:r>
-            <a:r>
-              <a:rPr lang="en-US" altLang="zh-CN" sz="1600" dirty="0">
+              <a:rPr lang="zh-CN" altLang="en-US" sz="1500" dirty="0">
+                <a:latin typeface="Segoe UI" panose="020B0502040204020203" pitchFamily="34" charset="0"/>
+                <a:cs typeface="Segoe UI" panose="020B0502040204020203" pitchFamily="34" charset="0"/>
+              </a:rPr>
+              <a:t> </a:t>
+            </a:r>
+            <a:r>
+              <a:rPr lang="en-US" altLang="zh-CN" sz="1500" dirty="0">
                 <a:latin typeface="Segoe UI" panose="020B0502040204020203" pitchFamily="34" charset="0"/>
                 <a:cs typeface="Segoe UI" panose="020B0502040204020203" pitchFamily="34" charset="0"/>
               </a:rPr>
               <a:t>luminous</a:t>
             </a:r>
             <a:r>
-              <a:rPr lang="zh-CN" altLang="en-US" sz="1600" dirty="0">
-                <a:latin typeface="Segoe UI" panose="020B0502040204020203" pitchFamily="34" charset="0"/>
-                <a:cs typeface="Segoe UI" panose="020B0502040204020203" pitchFamily="34" charset="0"/>
-              </a:rPr>
-              <a:t> </a:t>
-            </a:r>
-            <a:r>
-              <a:rPr lang="en-US" altLang="zh-CN" sz="1600" dirty="0">
+              <a:rPr lang="zh-CN" altLang="en-US" sz="1500" dirty="0">
+                <a:latin typeface="Segoe UI" panose="020B0502040204020203" pitchFamily="34" charset="0"/>
+                <a:cs typeface="Segoe UI" panose="020B0502040204020203" pitchFamily="34" charset="0"/>
+              </a:rPr>
+              <a:t> </a:t>
+            </a:r>
+            <a:r>
+              <a:rPr lang="en-US" altLang="zh-CN" sz="1500" dirty="0">
                 <a:latin typeface="Segoe UI" panose="020B0502040204020203" pitchFamily="34" charset="0"/>
                 <a:cs typeface="Segoe UI" panose="020B0502040204020203" pitchFamily="34" charset="0"/>
               </a:rPr>
               <a:t>astronomical</a:t>
             </a:r>
             <a:r>
-              <a:rPr lang="zh-CN" altLang="en-US" sz="1600" dirty="0">
-                <a:latin typeface="Segoe UI" panose="020B0502040204020203" pitchFamily="34" charset="0"/>
-                <a:cs typeface="Segoe UI" panose="020B0502040204020203" pitchFamily="34" charset="0"/>
-              </a:rPr>
-              <a:t> </a:t>
-            </a:r>
-            <a:r>
-              <a:rPr lang="en-US" altLang="zh-CN" sz="1600" dirty="0">
+              <a:rPr lang="zh-CN" altLang="en-US" sz="1500" dirty="0">
+                <a:latin typeface="Segoe UI" panose="020B0502040204020203" pitchFamily="34" charset="0"/>
+                <a:cs typeface="Segoe UI" panose="020B0502040204020203" pitchFamily="34" charset="0"/>
+              </a:rPr>
+              <a:t> </a:t>
+            </a:r>
+            <a:r>
+              <a:rPr lang="en-US" altLang="zh-CN" sz="1500" dirty="0">
                 <a:latin typeface="Segoe UI" panose="020B0502040204020203" pitchFamily="34" charset="0"/>
                 <a:cs typeface="Segoe UI" panose="020B0502040204020203" pitchFamily="34" charset="0"/>
               </a:rPr>
               <a:t>objects</a:t>
             </a:r>
             <a:r>
-              <a:rPr lang="zh-CN" altLang="en-US" sz="1600" dirty="0">
-                <a:latin typeface="Segoe UI" panose="020B0502040204020203" pitchFamily="34" charset="0"/>
-                <a:cs typeface="Segoe UI" panose="020B0502040204020203" pitchFamily="34" charset="0"/>
-              </a:rPr>
-              <a:t> </a:t>
-            </a:r>
-            <a:r>
-              <a:rPr lang="en-US" altLang="zh-CN" sz="1600" dirty="0">
+              <a:rPr lang="zh-CN" altLang="en-US" sz="1500" dirty="0">
+                <a:latin typeface="Segoe UI" panose="020B0502040204020203" pitchFamily="34" charset="0"/>
+                <a:cs typeface="Segoe UI" panose="020B0502040204020203" pitchFamily="34" charset="0"/>
+              </a:rPr>
+              <a:t> </a:t>
+            </a:r>
+            <a:r>
+              <a:rPr lang="en-US" altLang="zh-CN" sz="1500" dirty="0">
                 <a:latin typeface="Segoe UI" panose="020B0502040204020203" pitchFamily="34" charset="0"/>
                 <a:cs typeface="Segoe UI" panose="020B0502040204020203" pitchFamily="34" charset="0"/>
               </a:rPr>
               <a:t>that</a:t>
             </a:r>
             <a:r>
-              <a:rPr lang="zh-CN" altLang="en-US" sz="1600" dirty="0">
-                <a:latin typeface="Segoe UI" panose="020B0502040204020203" pitchFamily="34" charset="0"/>
-                <a:cs typeface="Segoe UI" panose="020B0502040204020203" pitchFamily="34" charset="0"/>
-              </a:rPr>
-              <a:t> </a:t>
-            </a:r>
-            <a:r>
-              <a:rPr lang="en-US" altLang="zh-CN" sz="1600" dirty="0">
+              <a:rPr lang="zh-CN" altLang="en-US" sz="1500" dirty="0">
+                <a:latin typeface="Segoe UI" panose="020B0502040204020203" pitchFamily="34" charset="0"/>
+                <a:cs typeface="Segoe UI" panose="020B0502040204020203" pitchFamily="34" charset="0"/>
+              </a:rPr>
+              <a:t> </a:t>
+            </a:r>
+            <a:r>
+              <a:rPr lang="en-US" altLang="zh-CN" sz="1500" dirty="0">
                 <a:latin typeface="Segoe UI" panose="020B0502040204020203" pitchFamily="34" charset="0"/>
                 <a:cs typeface="Segoe UI" panose="020B0502040204020203" pitchFamily="34" charset="0"/>
               </a:rPr>
               <a:t>are</a:t>
             </a:r>
             <a:r>
-              <a:rPr lang="zh-CN" altLang="en-US" sz="1600" dirty="0">
-                <a:latin typeface="Segoe UI" panose="020B0502040204020203" pitchFamily="34" charset="0"/>
-                <a:cs typeface="Segoe UI" panose="020B0502040204020203" pitchFamily="34" charset="0"/>
-              </a:rPr>
-              <a:t> </a:t>
-            </a:r>
-            <a:r>
-              <a:rPr lang="en-US" altLang="zh-CN" sz="1600" dirty="0">
+              <a:rPr lang="zh-CN" altLang="en-US" sz="1500" dirty="0">
+                <a:latin typeface="Segoe UI" panose="020B0502040204020203" pitchFamily="34" charset="0"/>
+                <a:cs typeface="Segoe UI" panose="020B0502040204020203" pitchFamily="34" charset="0"/>
+              </a:rPr>
+              <a:t> </a:t>
+            </a:r>
+            <a:r>
+              <a:rPr lang="en-US" altLang="zh-CN" sz="1500" dirty="0">
                 <a:latin typeface="Segoe UI" panose="020B0502040204020203" pitchFamily="34" charset="0"/>
                 <a:cs typeface="Segoe UI" panose="020B0502040204020203" pitchFamily="34" charset="0"/>
               </a:rPr>
               <a:t>empowered</a:t>
             </a:r>
             <a:r>
-              <a:rPr lang="zh-CN" altLang="en-US" sz="1600" dirty="0">
-                <a:latin typeface="Segoe UI" panose="020B0502040204020203" pitchFamily="34" charset="0"/>
-                <a:cs typeface="Segoe UI" panose="020B0502040204020203" pitchFamily="34" charset="0"/>
-              </a:rPr>
-              <a:t> </a:t>
-            </a:r>
-            <a:r>
-              <a:rPr lang="en-US" altLang="zh-CN" sz="1600" dirty="0">
+              <a:rPr lang="zh-CN" altLang="en-US" sz="1500" dirty="0">
+                <a:latin typeface="Segoe UI" panose="020B0502040204020203" pitchFamily="34" charset="0"/>
+                <a:cs typeface="Segoe UI" panose="020B0502040204020203" pitchFamily="34" charset="0"/>
+              </a:rPr>
+              <a:t> </a:t>
+            </a:r>
+            <a:r>
+              <a:rPr lang="en-US" altLang="zh-CN" sz="1500" dirty="0">
                 <a:latin typeface="Segoe UI" panose="020B0502040204020203" pitchFamily="34" charset="0"/>
                 <a:cs typeface="Segoe UI" panose="020B0502040204020203" pitchFamily="34" charset="0"/>
               </a:rPr>
               <a:t>by</a:t>
             </a:r>
             <a:r>
-              <a:rPr lang="zh-CN" altLang="en-US" sz="1600" dirty="0">
-                <a:latin typeface="Segoe UI" panose="020B0502040204020203" pitchFamily="34" charset="0"/>
-                <a:cs typeface="Segoe UI" panose="020B0502040204020203" pitchFamily="34" charset="0"/>
-              </a:rPr>
-              <a:t> </a:t>
-            </a:r>
-            <a:r>
-              <a:rPr lang="en-US" altLang="zh-CN" sz="1600" dirty="0">
+              <a:rPr lang="zh-CN" altLang="en-US" sz="1500" dirty="0">
+                <a:latin typeface="Segoe UI" panose="020B0502040204020203" pitchFamily="34" charset="0"/>
+                <a:cs typeface="Segoe UI" panose="020B0502040204020203" pitchFamily="34" charset="0"/>
+              </a:rPr>
+              <a:t> </a:t>
+            </a:r>
+            <a:r>
+              <a:rPr lang="en-US" altLang="zh-CN" sz="1500" dirty="0">
                 <a:latin typeface="Segoe UI" panose="020B0502040204020203" pitchFamily="34" charset="0"/>
                 <a:cs typeface="Segoe UI" panose="020B0502040204020203" pitchFamily="34" charset="0"/>
               </a:rPr>
               <a:t>supermassive</a:t>
             </a:r>
             <a:r>
-              <a:rPr lang="zh-CN" altLang="en-US" sz="1600" dirty="0">
-                <a:latin typeface="Segoe UI" panose="020B0502040204020203" pitchFamily="34" charset="0"/>
-                <a:cs typeface="Segoe UI" panose="020B0502040204020203" pitchFamily="34" charset="0"/>
-              </a:rPr>
-              <a:t> </a:t>
-            </a:r>
-            <a:r>
-              <a:rPr lang="en-US" altLang="zh-CN" sz="1600" dirty="0">
+              <a:rPr lang="zh-CN" altLang="en-US" sz="1500" dirty="0">
+                <a:latin typeface="Segoe UI" panose="020B0502040204020203" pitchFamily="34" charset="0"/>
+                <a:cs typeface="Segoe UI" panose="020B0502040204020203" pitchFamily="34" charset="0"/>
+              </a:rPr>
+              <a:t> </a:t>
+            </a:r>
+            <a:r>
+              <a:rPr lang="en-US" altLang="zh-CN" sz="1500" dirty="0">
                 <a:latin typeface="Segoe UI" panose="020B0502040204020203" pitchFamily="34" charset="0"/>
                 <a:cs typeface="Segoe UI" panose="020B0502040204020203" pitchFamily="34" charset="0"/>
               </a:rPr>
               <a:t>black</a:t>
             </a:r>
             <a:r>
-              <a:rPr lang="zh-CN" altLang="en-US" sz="1600" dirty="0">
-                <a:latin typeface="Segoe UI" panose="020B0502040204020203" pitchFamily="34" charset="0"/>
-                <a:cs typeface="Segoe UI" panose="020B0502040204020203" pitchFamily="34" charset="0"/>
-              </a:rPr>
-              <a:t> </a:t>
-            </a:r>
-            <a:r>
-              <a:rPr lang="en-US" altLang="zh-CN" sz="1600" dirty="0">
+              <a:rPr lang="zh-CN" altLang="en-US" sz="1500" dirty="0">
+                <a:latin typeface="Segoe UI" panose="020B0502040204020203" pitchFamily="34" charset="0"/>
+                <a:cs typeface="Segoe UI" panose="020B0502040204020203" pitchFamily="34" charset="0"/>
+              </a:rPr>
+              <a:t> </a:t>
+            </a:r>
+            <a:r>
+              <a:rPr lang="en-US" altLang="zh-CN" sz="1500" dirty="0">
                 <a:latin typeface="Segoe UI" panose="020B0502040204020203" pitchFamily="34" charset="0"/>
                 <a:cs typeface="Segoe UI" panose="020B0502040204020203" pitchFamily="34" charset="0"/>
               </a:rPr>
               <a:t>holes.</a:t>
             </a:r>
             <a:r>
-              <a:rPr lang="zh-CN" altLang="en-US" sz="1600" dirty="0">
-                <a:latin typeface="Segoe UI" panose="020B0502040204020203" pitchFamily="34" charset="0"/>
-                <a:cs typeface="Segoe UI" panose="020B0502040204020203" pitchFamily="34" charset="0"/>
-              </a:rPr>
-              <a:t> </a:t>
-            </a:r>
-            <a:r>
-              <a:rPr lang="en-US" altLang="zh-CN" sz="1600" dirty="0">
+              <a:rPr lang="zh-CN" altLang="en-US" sz="1500" dirty="0">
+                <a:latin typeface="Segoe UI" panose="020B0502040204020203" pitchFamily="34" charset="0"/>
+                <a:cs typeface="Segoe UI" panose="020B0502040204020203" pitchFamily="34" charset="0"/>
+              </a:rPr>
+              <a:t> </a:t>
+            </a:r>
+            <a:r>
+              <a:rPr lang="en-US" altLang="zh-CN" sz="1500" dirty="0">
                 <a:latin typeface="Segoe UI" panose="020B0502040204020203" pitchFamily="34" charset="0"/>
                 <a:cs typeface="Segoe UI" panose="020B0502040204020203" pitchFamily="34" charset="0"/>
               </a:rPr>
               <a:t>Studying</a:t>
             </a:r>
             <a:r>
-              <a:rPr lang="zh-CN" altLang="en-US" sz="1600" dirty="0">
-                <a:latin typeface="Segoe UI" panose="020B0502040204020203" pitchFamily="34" charset="0"/>
-                <a:cs typeface="Segoe UI" panose="020B0502040204020203" pitchFamily="34" charset="0"/>
-              </a:rPr>
-              <a:t> </a:t>
-            </a:r>
-            <a:r>
-              <a:rPr lang="en-US" altLang="zh-CN" sz="1600" dirty="0">
+              <a:rPr lang="zh-CN" altLang="en-US" sz="1500" dirty="0">
+                <a:latin typeface="Segoe UI" panose="020B0502040204020203" pitchFamily="34" charset="0"/>
+                <a:cs typeface="Segoe UI" panose="020B0502040204020203" pitchFamily="34" charset="0"/>
+              </a:rPr>
+              <a:t> </a:t>
+            </a:r>
+            <a:r>
+              <a:rPr lang="en-US" altLang="zh-CN" sz="1500" dirty="0">
                 <a:latin typeface="Segoe UI" panose="020B0502040204020203" pitchFamily="34" charset="0"/>
                 <a:cs typeface="Segoe UI" panose="020B0502040204020203" pitchFamily="34" charset="0"/>
               </a:rPr>
               <a:t>quasars</a:t>
             </a:r>
             <a:r>
-              <a:rPr lang="zh-CN" altLang="en-US" sz="1600" dirty="0">
-                <a:latin typeface="Segoe UI" panose="020B0502040204020203" pitchFamily="34" charset="0"/>
-                <a:cs typeface="Segoe UI" panose="020B0502040204020203" pitchFamily="34" charset="0"/>
-              </a:rPr>
-              <a:t> </a:t>
-            </a:r>
-            <a:r>
-              <a:rPr lang="en-US" altLang="zh-CN" sz="1600" dirty="0">
+              <a:rPr lang="zh-CN" altLang="en-US" sz="1500" dirty="0">
+                <a:latin typeface="Segoe UI" panose="020B0502040204020203" pitchFamily="34" charset="0"/>
+                <a:cs typeface="Segoe UI" panose="020B0502040204020203" pitchFamily="34" charset="0"/>
+              </a:rPr>
+              <a:t> </a:t>
+            </a:r>
+            <a:r>
+              <a:rPr lang="en-US" altLang="zh-CN" sz="1500" dirty="0">
                 <a:latin typeface="Segoe UI" panose="020B0502040204020203" pitchFamily="34" charset="0"/>
                 <a:cs typeface="Segoe UI" panose="020B0502040204020203" pitchFamily="34" charset="0"/>
               </a:rPr>
               <a:t>is</a:t>
             </a:r>
             <a:r>
-              <a:rPr lang="zh-CN" altLang="en-US" sz="1600" dirty="0">
-                <a:latin typeface="Segoe UI" panose="020B0502040204020203" pitchFamily="34" charset="0"/>
-                <a:cs typeface="Segoe UI" panose="020B0502040204020203" pitchFamily="34" charset="0"/>
-              </a:rPr>
-              <a:t> </a:t>
-            </a:r>
-            <a:r>
-              <a:rPr lang="en-US" altLang="zh-CN" sz="1600" dirty="0">
+              <a:rPr lang="zh-CN" altLang="en-US" sz="1500" dirty="0">
+                <a:latin typeface="Segoe UI" panose="020B0502040204020203" pitchFamily="34" charset="0"/>
+                <a:cs typeface="Segoe UI" panose="020B0502040204020203" pitchFamily="34" charset="0"/>
+              </a:rPr>
+              <a:t> </a:t>
+            </a:r>
+            <a:r>
+              <a:rPr lang="en-US" altLang="zh-CN" sz="1500" dirty="0">
                 <a:latin typeface="Segoe UI" panose="020B0502040204020203" pitchFamily="34" charset="0"/>
                 <a:cs typeface="Segoe UI" panose="020B0502040204020203" pitchFamily="34" charset="0"/>
               </a:rPr>
               <a:t>crucial</a:t>
             </a:r>
             <a:r>
-              <a:rPr lang="zh-CN" altLang="en-US" sz="1600" dirty="0">
-                <a:latin typeface="Segoe UI" panose="020B0502040204020203" pitchFamily="34" charset="0"/>
-                <a:cs typeface="Segoe UI" panose="020B0502040204020203" pitchFamily="34" charset="0"/>
-              </a:rPr>
-              <a:t> </a:t>
-            </a:r>
-            <a:r>
-              <a:rPr lang="en-US" altLang="zh-CN" sz="1600" dirty="0">
+              <a:rPr lang="zh-CN" altLang="en-US" sz="1500" dirty="0">
+                <a:latin typeface="Segoe UI" panose="020B0502040204020203" pitchFamily="34" charset="0"/>
+                <a:cs typeface="Segoe UI" panose="020B0502040204020203" pitchFamily="34" charset="0"/>
+              </a:rPr>
+              <a:t> </a:t>
+            </a:r>
+            <a:r>
+              <a:rPr lang="en-US" altLang="zh-CN" sz="1500" dirty="0">
                 <a:latin typeface="Segoe UI" panose="020B0502040204020203" pitchFamily="34" charset="0"/>
                 <a:cs typeface="Segoe UI" panose="020B0502040204020203" pitchFamily="34" charset="0"/>
               </a:rPr>
               <a:t>for</a:t>
             </a:r>
             <a:r>
-              <a:rPr lang="zh-CN" altLang="en-US" sz="1600" dirty="0">
-                <a:latin typeface="Segoe UI" panose="020B0502040204020203" pitchFamily="34" charset="0"/>
-                <a:cs typeface="Segoe UI" panose="020B0502040204020203" pitchFamily="34" charset="0"/>
-              </a:rPr>
-              <a:t> </a:t>
-            </a:r>
-            <a:r>
-              <a:rPr lang="en-US" altLang="zh-CN" sz="1600" dirty="0">
+              <a:rPr lang="zh-CN" altLang="en-US" sz="1500" dirty="0">
+                <a:latin typeface="Segoe UI" panose="020B0502040204020203" pitchFamily="34" charset="0"/>
+                <a:cs typeface="Segoe UI" panose="020B0502040204020203" pitchFamily="34" charset="0"/>
+              </a:rPr>
+              <a:t> </a:t>
+            </a:r>
+            <a:r>
+              <a:rPr lang="en-US" altLang="zh-CN" sz="1500" dirty="0">
                 <a:latin typeface="Segoe UI" panose="020B0502040204020203" pitchFamily="34" charset="0"/>
                 <a:cs typeface="Segoe UI" panose="020B0502040204020203" pitchFamily="34" charset="0"/>
               </a:rPr>
               <a:t>understanding</a:t>
             </a:r>
             <a:r>
-              <a:rPr lang="zh-CN" altLang="en-US" sz="1600" dirty="0">
-                <a:latin typeface="Segoe UI" panose="020B0502040204020203" pitchFamily="34" charset="0"/>
-                <a:cs typeface="Segoe UI" panose="020B0502040204020203" pitchFamily="34" charset="0"/>
-              </a:rPr>
-              <a:t> </a:t>
-            </a:r>
-            <a:r>
-              <a:rPr lang="en-US" altLang="zh-CN" sz="1600" dirty="0">
+              <a:rPr lang="zh-CN" altLang="en-US" sz="1500" dirty="0">
+                <a:latin typeface="Segoe UI" panose="020B0502040204020203" pitchFamily="34" charset="0"/>
+                <a:cs typeface="Segoe UI" panose="020B0502040204020203" pitchFamily="34" charset="0"/>
+              </a:rPr>
+              <a:t> </a:t>
+            </a:r>
+            <a:r>
+              <a:rPr lang="en-US" altLang="zh-CN" sz="1500" dirty="0">
                 <a:latin typeface="Segoe UI" panose="020B0502040204020203" pitchFamily="34" charset="0"/>
                 <a:cs typeface="Segoe UI" panose="020B0502040204020203" pitchFamily="34" charset="0"/>
               </a:rPr>
               <a:t>the</a:t>
             </a:r>
             <a:r>
-              <a:rPr lang="zh-CN" altLang="en-US" sz="1600" dirty="0">
-                <a:latin typeface="Segoe UI" panose="020B0502040204020203" pitchFamily="34" charset="0"/>
-                <a:cs typeface="Segoe UI" panose="020B0502040204020203" pitchFamily="34" charset="0"/>
-              </a:rPr>
-              <a:t> </a:t>
-            </a:r>
-            <a:r>
-              <a:rPr lang="en-US" altLang="zh-CN" sz="1600" dirty="0">
+              <a:rPr lang="zh-CN" altLang="en-US" sz="1500" dirty="0">
+                <a:latin typeface="Segoe UI" panose="020B0502040204020203" pitchFamily="34" charset="0"/>
+                <a:cs typeface="Segoe UI" panose="020B0502040204020203" pitchFamily="34" charset="0"/>
+              </a:rPr>
+              <a:t> </a:t>
+            </a:r>
+            <a:r>
+              <a:rPr lang="en-US" altLang="zh-CN" sz="1500" dirty="0">
                 <a:latin typeface="Segoe UI" panose="020B0502040204020203" pitchFamily="34" charset="0"/>
                 <a:cs typeface="Segoe UI" panose="020B0502040204020203" pitchFamily="34" charset="0"/>
               </a:rPr>
               <a:t>makeup</a:t>
             </a:r>
             <a:r>
-              <a:rPr lang="zh-CN" altLang="en-US" sz="1600" dirty="0">
-                <a:latin typeface="Segoe UI" panose="020B0502040204020203" pitchFamily="34" charset="0"/>
-                <a:cs typeface="Segoe UI" panose="020B0502040204020203" pitchFamily="34" charset="0"/>
-              </a:rPr>
-              <a:t> </a:t>
-            </a:r>
-            <a:r>
-              <a:rPr lang="en-US" altLang="zh-CN" sz="1600" dirty="0">
+              <a:rPr lang="zh-CN" altLang="en-US" sz="1500" dirty="0">
+                <a:latin typeface="Segoe UI" panose="020B0502040204020203" pitchFamily="34" charset="0"/>
+                <a:cs typeface="Segoe UI" panose="020B0502040204020203" pitchFamily="34" charset="0"/>
+              </a:rPr>
+              <a:t> </a:t>
+            </a:r>
+            <a:r>
+              <a:rPr lang="en-US" altLang="zh-CN" sz="1500" dirty="0">
                 <a:latin typeface="Segoe UI" panose="020B0502040204020203" pitchFamily="34" charset="0"/>
                 <a:cs typeface="Segoe UI" panose="020B0502040204020203" pitchFamily="34" charset="0"/>
               </a:rPr>
               <a:t>of</a:t>
             </a:r>
             <a:r>
-              <a:rPr lang="zh-CN" altLang="en-US" sz="1600" dirty="0">
-                <a:latin typeface="Segoe UI" panose="020B0502040204020203" pitchFamily="34" charset="0"/>
-                <a:cs typeface="Segoe UI" panose="020B0502040204020203" pitchFamily="34" charset="0"/>
-              </a:rPr>
-              <a:t> </a:t>
-            </a:r>
-            <a:r>
-              <a:rPr lang="en-US" altLang="zh-CN" sz="1600" dirty="0">
+              <a:rPr lang="zh-CN" altLang="en-US" sz="1500" dirty="0">
+                <a:latin typeface="Segoe UI" panose="020B0502040204020203" pitchFamily="34" charset="0"/>
+                <a:cs typeface="Segoe UI" panose="020B0502040204020203" pitchFamily="34" charset="0"/>
+              </a:rPr>
+              <a:t> </a:t>
+            </a:r>
+            <a:r>
+              <a:rPr lang="en-US" altLang="zh-CN" sz="1500" dirty="0">
                 <a:latin typeface="Segoe UI" panose="020B0502040204020203" pitchFamily="34" charset="0"/>
                 <a:cs typeface="Segoe UI" panose="020B0502040204020203" pitchFamily="34" charset="0"/>
               </a:rPr>
               <a:t>the</a:t>
             </a:r>
             <a:r>
-              <a:rPr lang="zh-CN" altLang="en-US" sz="1600" dirty="0">
-                <a:latin typeface="Segoe UI" panose="020B0502040204020203" pitchFamily="34" charset="0"/>
-                <a:cs typeface="Segoe UI" panose="020B0502040204020203" pitchFamily="34" charset="0"/>
-              </a:rPr>
-              <a:t> </a:t>
-            </a:r>
-            <a:r>
-              <a:rPr lang="en-US" altLang="zh-CN" sz="1600" dirty="0">
+              <a:rPr lang="zh-CN" altLang="en-US" sz="1500" dirty="0">
+                <a:latin typeface="Segoe UI" panose="020B0502040204020203" pitchFamily="34" charset="0"/>
+                <a:cs typeface="Segoe UI" panose="020B0502040204020203" pitchFamily="34" charset="0"/>
+              </a:rPr>
+              <a:t> </a:t>
+            </a:r>
+            <a:r>
+              <a:rPr lang="en-US" altLang="zh-CN" sz="1500" dirty="0">
                 <a:latin typeface="Segoe UI" panose="020B0502040204020203" pitchFamily="34" charset="0"/>
                 <a:cs typeface="Segoe UI" panose="020B0502040204020203" pitchFamily="34" charset="0"/>
               </a:rPr>
               <a:t>universe.</a:t>
             </a:r>
             <a:r>
-              <a:rPr lang="zh-CN" altLang="en-US" sz="1600" dirty="0">
-                <a:latin typeface="Segoe UI" panose="020B0502040204020203" pitchFamily="34" charset="0"/>
-                <a:cs typeface="Segoe UI" panose="020B0502040204020203" pitchFamily="34" charset="0"/>
-              </a:rPr>
-              <a:t> </a:t>
-            </a:r>
-            <a:endParaRPr lang="en-US" altLang="zh-CN" sz="1600" dirty="0">
+              <a:rPr lang="zh-CN" altLang="en-US" sz="1500" dirty="0">
+                <a:latin typeface="Segoe UI" panose="020B0502040204020203" pitchFamily="34" charset="0"/>
+                <a:cs typeface="Segoe UI" panose="020B0502040204020203" pitchFamily="34" charset="0"/>
+              </a:rPr>
+              <a:t> </a:t>
+            </a:r>
+            <a:endParaRPr lang="en-US" altLang="zh-CN" sz="1500" dirty="0">
               <a:latin typeface="Segoe UI" panose="020B0502040204020203" pitchFamily="34" charset="0"/>
               <a:cs typeface="Segoe UI" panose="020B0502040204020203" pitchFamily="34" charset="0"/>
             </a:endParaRPr>
           </a:p>
           <a:p>
-            <a:endParaRPr lang="en-US" altLang="zh-CN" sz="1600" dirty="0">
+            <a:endParaRPr lang="en-US" altLang="zh-CN" sz="1500" dirty="0">
               <a:latin typeface="Segoe UI" panose="020B0502040204020203" pitchFamily="34" charset="0"/>
               <a:cs typeface="Segoe UI" panose="020B0502040204020203" pitchFamily="34" charset="0"/>
             </a:endParaRPr>
           </a:p>
           <a:p>
             <a:r>
-              <a:rPr lang="en-US" altLang="zh-CN" sz="1600" dirty="0">
+              <a:rPr lang="en-US" altLang="zh-CN" sz="1500" dirty="0">
                 <a:latin typeface="Segoe UI" panose="020B0502040204020203" pitchFamily="34" charset="0"/>
                 <a:cs typeface="Segoe UI" panose="020B0502040204020203" pitchFamily="34" charset="0"/>
               </a:rPr>
               <a:t>To</a:t>
             </a:r>
             <a:r>
-              <a:rPr lang="zh-CN" altLang="en-US" sz="1600" dirty="0">
-                <a:latin typeface="Segoe UI" panose="020B0502040204020203" pitchFamily="34" charset="0"/>
-                <a:cs typeface="Segoe UI" panose="020B0502040204020203" pitchFamily="34" charset="0"/>
-              </a:rPr>
-              <a:t> </a:t>
-            </a:r>
-            <a:r>
-              <a:rPr lang="en-US" altLang="zh-CN" sz="1600" dirty="0">
+              <a:rPr lang="zh-CN" altLang="en-US" sz="1500" dirty="0">
+                <a:latin typeface="Segoe UI" panose="020B0502040204020203" pitchFamily="34" charset="0"/>
+                <a:cs typeface="Segoe UI" panose="020B0502040204020203" pitchFamily="34" charset="0"/>
+              </a:rPr>
+              <a:t> </a:t>
+            </a:r>
+            <a:r>
+              <a:rPr lang="en-US" altLang="zh-CN" sz="1500" dirty="0">
                 <a:latin typeface="Segoe UI" panose="020B0502040204020203" pitchFamily="34" charset="0"/>
                 <a:cs typeface="Segoe UI" panose="020B0502040204020203" pitchFamily="34" charset="0"/>
               </a:rPr>
               <a:t>identify</a:t>
             </a:r>
             <a:r>
-              <a:rPr lang="zh-CN" altLang="en-US" sz="1600" dirty="0">
-                <a:latin typeface="Segoe UI" panose="020B0502040204020203" pitchFamily="34" charset="0"/>
-                <a:cs typeface="Segoe UI" panose="020B0502040204020203" pitchFamily="34" charset="0"/>
-              </a:rPr>
-              <a:t> </a:t>
-            </a:r>
-            <a:r>
-              <a:rPr lang="en-US" altLang="zh-CN" sz="1600" dirty="0">
+              <a:rPr lang="zh-CN" altLang="en-US" sz="1500" dirty="0">
+                <a:latin typeface="Segoe UI" panose="020B0502040204020203" pitchFamily="34" charset="0"/>
+                <a:cs typeface="Segoe UI" panose="020B0502040204020203" pitchFamily="34" charset="0"/>
+              </a:rPr>
+              <a:t> </a:t>
+            </a:r>
+            <a:r>
+              <a:rPr lang="en-US" altLang="zh-CN" sz="1500" dirty="0">
                 <a:latin typeface="Segoe UI" panose="020B0502040204020203" pitchFamily="34" charset="0"/>
                 <a:cs typeface="Segoe UI" panose="020B0502040204020203" pitchFamily="34" charset="0"/>
               </a:rPr>
               <a:t>quasars</a:t>
             </a:r>
             <a:r>
-              <a:rPr lang="zh-CN" altLang="en-US" sz="1600" dirty="0">
-                <a:latin typeface="Segoe UI" panose="020B0502040204020203" pitchFamily="34" charset="0"/>
-                <a:cs typeface="Segoe UI" panose="020B0502040204020203" pitchFamily="34" charset="0"/>
-              </a:rPr>
-              <a:t> </a:t>
-            </a:r>
-            <a:r>
-              <a:rPr lang="en-US" altLang="zh-CN" sz="1600" dirty="0">
+              <a:rPr lang="zh-CN" altLang="en-US" sz="1500" dirty="0">
+                <a:latin typeface="Segoe UI" panose="020B0502040204020203" pitchFamily="34" charset="0"/>
+                <a:cs typeface="Segoe UI" panose="020B0502040204020203" pitchFamily="34" charset="0"/>
+              </a:rPr>
+              <a:t> </a:t>
+            </a:r>
+            <a:r>
+              <a:rPr lang="en-US" altLang="zh-CN" sz="1500" dirty="0">
                 <a:latin typeface="Segoe UI" panose="020B0502040204020203" pitchFamily="34" charset="0"/>
                 <a:cs typeface="Segoe UI" panose="020B0502040204020203" pitchFamily="34" charset="0"/>
               </a:rPr>
               <a:t>from</a:t>
             </a:r>
             <a:r>
-              <a:rPr lang="zh-CN" altLang="en-US" sz="1600" dirty="0">
-                <a:latin typeface="Segoe UI" panose="020B0502040204020203" pitchFamily="34" charset="0"/>
-                <a:cs typeface="Segoe UI" panose="020B0502040204020203" pitchFamily="34" charset="0"/>
-              </a:rPr>
-              <a:t> </a:t>
-            </a:r>
-            <a:r>
-              <a:rPr lang="en-US" altLang="zh-CN" sz="1600" dirty="0">
+              <a:rPr lang="zh-CN" altLang="en-US" sz="1500" dirty="0">
+                <a:latin typeface="Segoe UI" panose="020B0502040204020203" pitchFamily="34" charset="0"/>
+                <a:cs typeface="Segoe UI" panose="020B0502040204020203" pitchFamily="34" charset="0"/>
+              </a:rPr>
+              <a:t> </a:t>
+            </a:r>
+            <a:r>
+              <a:rPr lang="en-US" altLang="zh-CN" sz="1500" dirty="0">
                 <a:latin typeface="Segoe UI" panose="020B0502040204020203" pitchFamily="34" charset="0"/>
                 <a:cs typeface="Segoe UI" panose="020B0502040204020203" pitchFamily="34" charset="0"/>
               </a:rPr>
               <a:t>other</a:t>
             </a:r>
             <a:r>
-              <a:rPr lang="zh-CN" altLang="en-US" sz="1600" dirty="0">
-                <a:latin typeface="Segoe UI" panose="020B0502040204020203" pitchFamily="34" charset="0"/>
-                <a:cs typeface="Segoe UI" panose="020B0502040204020203" pitchFamily="34" charset="0"/>
-              </a:rPr>
-              <a:t> </a:t>
-            </a:r>
-            <a:r>
-              <a:rPr lang="en-US" altLang="zh-CN" sz="1600" dirty="0">
+              <a:rPr lang="zh-CN" altLang="en-US" sz="1500" dirty="0">
+                <a:latin typeface="Segoe UI" panose="020B0502040204020203" pitchFamily="34" charset="0"/>
+                <a:cs typeface="Segoe UI" panose="020B0502040204020203" pitchFamily="34" charset="0"/>
+              </a:rPr>
+              <a:t> </a:t>
+            </a:r>
+            <a:r>
+              <a:rPr lang="en-US" altLang="zh-CN" sz="1500" dirty="0">
                 <a:latin typeface="Segoe UI" panose="020B0502040204020203" pitchFamily="34" charset="0"/>
                 <a:cs typeface="Segoe UI" panose="020B0502040204020203" pitchFamily="34" charset="0"/>
               </a:rPr>
               <a:t>celestial</a:t>
             </a:r>
             <a:r>
-              <a:rPr lang="zh-CN" altLang="en-US" sz="1600" dirty="0">
-                <a:latin typeface="Segoe UI" panose="020B0502040204020203" pitchFamily="34" charset="0"/>
-                <a:cs typeface="Segoe UI" panose="020B0502040204020203" pitchFamily="34" charset="0"/>
-              </a:rPr>
-              <a:t> </a:t>
-            </a:r>
-            <a:r>
-              <a:rPr lang="en-US" altLang="zh-CN" sz="1600" dirty="0">
+              <a:rPr lang="zh-CN" altLang="en-US" sz="1500" dirty="0">
+                <a:latin typeface="Segoe UI" panose="020B0502040204020203" pitchFamily="34" charset="0"/>
+                <a:cs typeface="Segoe UI" panose="020B0502040204020203" pitchFamily="34" charset="0"/>
+              </a:rPr>
+              <a:t> </a:t>
+            </a:r>
+            <a:r>
+              <a:rPr lang="en-US" altLang="zh-CN" sz="1500" dirty="0">
                 <a:latin typeface="Segoe UI" panose="020B0502040204020203" pitchFamily="34" charset="0"/>
                 <a:cs typeface="Segoe UI" panose="020B0502040204020203" pitchFamily="34" charset="0"/>
               </a:rPr>
               <a:t>objects,</a:t>
             </a:r>
             <a:r>
-              <a:rPr lang="zh-CN" altLang="en-US" sz="1600" dirty="0">
-                <a:latin typeface="Segoe UI" panose="020B0502040204020203" pitchFamily="34" charset="0"/>
-                <a:cs typeface="Segoe UI" panose="020B0502040204020203" pitchFamily="34" charset="0"/>
-              </a:rPr>
-              <a:t> </a:t>
-            </a:r>
-            <a:r>
-              <a:rPr lang="en-US" altLang="zh-CN" sz="1600" dirty="0">
+              <a:rPr lang="zh-CN" altLang="en-US" sz="1500" dirty="0">
+                <a:latin typeface="Segoe UI" panose="020B0502040204020203" pitchFamily="34" charset="0"/>
+                <a:cs typeface="Segoe UI" panose="020B0502040204020203" pitchFamily="34" charset="0"/>
+              </a:rPr>
+              <a:t> </a:t>
+            </a:r>
+            <a:r>
+              <a:rPr lang="en-US" altLang="zh-CN" sz="1500" dirty="0">
                 <a:latin typeface="Segoe UI" panose="020B0502040204020203" pitchFamily="34" charset="0"/>
                 <a:cs typeface="Segoe UI" panose="020B0502040204020203" pitchFamily="34" charset="0"/>
               </a:rPr>
               <a:t>however,</a:t>
             </a:r>
             <a:r>
-              <a:rPr lang="zh-CN" altLang="en-US" sz="1600" dirty="0">
-                <a:latin typeface="Segoe UI" panose="020B0502040204020203" pitchFamily="34" charset="0"/>
-                <a:cs typeface="Segoe UI" panose="020B0502040204020203" pitchFamily="34" charset="0"/>
-              </a:rPr>
-              <a:t> </a:t>
-            </a:r>
-            <a:r>
-              <a:rPr lang="en-US" altLang="zh-CN" sz="1600" dirty="0">
+              <a:rPr lang="zh-CN" altLang="en-US" sz="1500" dirty="0">
+                <a:latin typeface="Segoe UI" panose="020B0502040204020203" pitchFamily="34" charset="0"/>
+                <a:cs typeface="Segoe UI" panose="020B0502040204020203" pitchFamily="34" charset="0"/>
+              </a:rPr>
+              <a:t> </a:t>
+            </a:r>
+            <a:r>
+              <a:rPr lang="en-US" altLang="zh-CN" sz="1500" dirty="0">
                 <a:latin typeface="Segoe UI" panose="020B0502040204020203" pitchFamily="34" charset="0"/>
                 <a:cs typeface="Segoe UI" panose="020B0502040204020203" pitchFamily="34" charset="0"/>
               </a:rPr>
               <a:t>requires</a:t>
             </a:r>
             <a:r>
-              <a:rPr lang="zh-CN" altLang="en-US" sz="1600" dirty="0">
-                <a:latin typeface="Segoe UI" panose="020B0502040204020203" pitchFamily="34" charset="0"/>
-                <a:cs typeface="Segoe UI" panose="020B0502040204020203" pitchFamily="34" charset="0"/>
-              </a:rPr>
-              <a:t> </a:t>
-            </a:r>
-            <a:r>
-              <a:rPr lang="en-US" altLang="zh-CN" sz="1600" dirty="0">
+              <a:rPr lang="zh-CN" altLang="en-US" sz="1500" dirty="0">
+                <a:latin typeface="Segoe UI" panose="020B0502040204020203" pitchFamily="34" charset="0"/>
+                <a:cs typeface="Segoe UI" panose="020B0502040204020203" pitchFamily="34" charset="0"/>
+              </a:rPr>
+              <a:t> </a:t>
+            </a:r>
+            <a:r>
+              <a:rPr lang="en-US" altLang="zh-CN" sz="1500" dirty="0">
                 <a:latin typeface="Segoe UI" panose="020B0502040204020203" pitchFamily="34" charset="0"/>
                 <a:cs typeface="Segoe UI" panose="020B0502040204020203" pitchFamily="34" charset="0"/>
               </a:rPr>
               <a:t>spectroscopic</a:t>
             </a:r>
             <a:r>
-              <a:rPr lang="zh-CN" altLang="en-US" sz="1600" dirty="0">
-                <a:latin typeface="Segoe UI" panose="020B0502040204020203" pitchFamily="34" charset="0"/>
-                <a:cs typeface="Segoe UI" panose="020B0502040204020203" pitchFamily="34" charset="0"/>
-              </a:rPr>
-              <a:t> </a:t>
-            </a:r>
-            <a:r>
-              <a:rPr lang="en-US" altLang="zh-CN" sz="1600" dirty="0">
+              <a:rPr lang="zh-CN" altLang="en-US" sz="1500" dirty="0">
+                <a:latin typeface="Segoe UI" panose="020B0502040204020203" pitchFamily="34" charset="0"/>
+                <a:cs typeface="Segoe UI" panose="020B0502040204020203" pitchFamily="34" charset="0"/>
+              </a:rPr>
+              <a:t> </a:t>
+            </a:r>
+            <a:r>
+              <a:rPr lang="en-US" altLang="zh-CN" sz="1500" dirty="0">
                 <a:latin typeface="Segoe UI" panose="020B0502040204020203" pitchFamily="34" charset="0"/>
                 <a:cs typeface="Segoe UI" panose="020B0502040204020203" pitchFamily="34" charset="0"/>
               </a:rPr>
               <a:t>observations</a:t>
             </a:r>
             <a:r>
-              <a:rPr lang="zh-CN" altLang="en-US" sz="1600" dirty="0">
-                <a:latin typeface="Segoe UI" panose="020B0502040204020203" pitchFamily="34" charset="0"/>
-                <a:cs typeface="Segoe UI" panose="020B0502040204020203" pitchFamily="34" charset="0"/>
-              </a:rPr>
-              <a:t> </a:t>
-            </a:r>
-            <a:r>
-              <a:rPr lang="en-US" altLang="zh-CN" sz="1600" dirty="0">
+              <a:rPr lang="zh-CN" altLang="en-US" sz="1500" dirty="0">
+                <a:latin typeface="Segoe UI" panose="020B0502040204020203" pitchFamily="34" charset="0"/>
+                <a:cs typeface="Segoe UI" panose="020B0502040204020203" pitchFamily="34" charset="0"/>
+              </a:rPr>
+              <a:t> </a:t>
+            </a:r>
+            <a:r>
+              <a:rPr lang="en-US" altLang="zh-CN" sz="1500" dirty="0">
                 <a:latin typeface="Segoe UI" panose="020B0502040204020203" pitchFamily="34" charset="0"/>
                 <a:cs typeface="Segoe UI" panose="020B0502040204020203" pitchFamily="34" charset="0"/>
               </a:rPr>
               <a:t>for</a:t>
             </a:r>
             <a:r>
-              <a:rPr lang="zh-CN" altLang="en-US" sz="1600" dirty="0">
-                <a:latin typeface="Segoe UI" panose="020B0502040204020203" pitchFamily="34" charset="0"/>
-                <a:cs typeface="Segoe UI" panose="020B0502040204020203" pitchFamily="34" charset="0"/>
-              </a:rPr>
-              <a:t> </a:t>
-            </a:r>
-            <a:r>
-              <a:rPr lang="en-US" altLang="zh-CN" sz="1600" dirty="0">
+              <a:rPr lang="zh-CN" altLang="en-US" sz="1500" dirty="0">
+                <a:latin typeface="Segoe UI" panose="020B0502040204020203" pitchFamily="34" charset="0"/>
+                <a:cs typeface="Segoe UI" panose="020B0502040204020203" pitchFamily="34" charset="0"/>
+              </a:rPr>
+              <a:t> </a:t>
+            </a:r>
+            <a:r>
+              <a:rPr lang="en-US" altLang="zh-CN" sz="1500" dirty="0">
                 <a:latin typeface="Segoe UI" panose="020B0502040204020203" pitchFamily="34" charset="0"/>
                 <a:cs typeface="Segoe UI" panose="020B0502040204020203" pitchFamily="34" charset="0"/>
               </a:rPr>
               <a:t>each</a:t>
             </a:r>
             <a:r>
-              <a:rPr lang="zh-CN" altLang="en-US" sz="1600" dirty="0">
-                <a:latin typeface="Segoe UI" panose="020B0502040204020203" pitchFamily="34" charset="0"/>
-                <a:cs typeface="Segoe UI" panose="020B0502040204020203" pitchFamily="34" charset="0"/>
-              </a:rPr>
-              <a:t> </a:t>
-            </a:r>
-            <a:r>
-              <a:rPr lang="en-US" altLang="zh-CN" sz="1600" dirty="0">
+              <a:rPr lang="zh-CN" altLang="en-US" sz="1500" dirty="0">
+                <a:latin typeface="Segoe UI" panose="020B0502040204020203" pitchFamily="34" charset="0"/>
+                <a:cs typeface="Segoe UI" panose="020B0502040204020203" pitchFamily="34" charset="0"/>
+              </a:rPr>
+              <a:t> </a:t>
+            </a:r>
+            <a:r>
+              <a:rPr lang="en-US" altLang="zh-CN" sz="1500" dirty="0">
                 <a:latin typeface="Segoe UI" panose="020B0502040204020203" pitchFamily="34" charset="0"/>
                 <a:cs typeface="Segoe UI" panose="020B0502040204020203" pitchFamily="34" charset="0"/>
               </a:rPr>
               <a:t>objects</a:t>
             </a:r>
             <a:r>
-              <a:rPr lang="zh-CN" altLang="en-US" sz="1600" dirty="0">
-                <a:latin typeface="Segoe UI" panose="020B0502040204020203" pitchFamily="34" charset="0"/>
-                <a:cs typeface="Segoe UI" panose="020B0502040204020203" pitchFamily="34" charset="0"/>
-              </a:rPr>
-              <a:t> </a:t>
-            </a:r>
-            <a:r>
-              <a:rPr lang="en-US" altLang="zh-CN" sz="1600" dirty="0">
+              <a:rPr lang="zh-CN" altLang="en-US" sz="1500" dirty="0">
+                <a:latin typeface="Segoe UI" panose="020B0502040204020203" pitchFamily="34" charset="0"/>
+                <a:cs typeface="Segoe UI" panose="020B0502040204020203" pitchFamily="34" charset="0"/>
+              </a:rPr>
+              <a:t> </a:t>
+            </a:r>
+            <a:r>
+              <a:rPr lang="en-US" altLang="zh-CN" sz="1500" dirty="0">
                 <a:latin typeface="Segoe UI" panose="020B0502040204020203" pitchFamily="34" charset="0"/>
                 <a:cs typeface="Segoe UI" panose="020B0502040204020203" pitchFamily="34" charset="0"/>
               </a:rPr>
               <a:t>out</a:t>
             </a:r>
             <a:r>
-              <a:rPr lang="zh-CN" altLang="en-US" sz="1600" dirty="0">
-                <a:latin typeface="Segoe UI" panose="020B0502040204020203" pitchFamily="34" charset="0"/>
-                <a:cs typeface="Segoe UI" panose="020B0502040204020203" pitchFamily="34" charset="0"/>
-              </a:rPr>
-              <a:t> </a:t>
-            </a:r>
-            <a:r>
-              <a:rPr lang="en-US" altLang="zh-CN" sz="1600" dirty="0">
+              <a:rPr lang="zh-CN" altLang="en-US" sz="1500" dirty="0">
+                <a:latin typeface="Segoe UI" panose="020B0502040204020203" pitchFamily="34" charset="0"/>
+                <a:cs typeface="Segoe UI" panose="020B0502040204020203" pitchFamily="34" charset="0"/>
+              </a:rPr>
+              <a:t> </a:t>
+            </a:r>
+            <a:r>
+              <a:rPr lang="en-US" altLang="zh-CN" sz="1500" dirty="0">
                 <a:latin typeface="Segoe UI" panose="020B0502040204020203" pitchFamily="34" charset="0"/>
                 <a:cs typeface="Segoe UI" panose="020B0502040204020203" pitchFamily="34" charset="0"/>
               </a:rPr>
               <a:t>of</a:t>
             </a:r>
             <a:r>
-              <a:rPr lang="zh-CN" altLang="en-US" sz="1600" dirty="0">
-                <a:latin typeface="Segoe UI" panose="020B0502040204020203" pitchFamily="34" charset="0"/>
-                <a:cs typeface="Segoe UI" panose="020B0502040204020203" pitchFamily="34" charset="0"/>
-              </a:rPr>
-              <a:t> </a:t>
-            </a:r>
-            <a:r>
-              <a:rPr lang="en-US" altLang="zh-CN" sz="1600" dirty="0">
+              <a:rPr lang="zh-CN" altLang="en-US" sz="1500" dirty="0">
+                <a:latin typeface="Segoe UI" panose="020B0502040204020203" pitchFamily="34" charset="0"/>
+                <a:cs typeface="Segoe UI" panose="020B0502040204020203" pitchFamily="34" charset="0"/>
+              </a:rPr>
+              <a:t> </a:t>
+            </a:r>
+            <a:r>
+              <a:rPr lang="en-US" altLang="zh-CN" sz="1500" dirty="0">
                 <a:latin typeface="Segoe UI" panose="020B0502040204020203" pitchFamily="34" charset="0"/>
                 <a:cs typeface="Segoe UI" panose="020B0502040204020203" pitchFamily="34" charset="0"/>
               </a:rPr>
               <a:t>thousands</a:t>
             </a:r>
             <a:r>
-              <a:rPr lang="zh-CN" altLang="en-US" sz="1600" dirty="0">
-                <a:latin typeface="Segoe UI" panose="020B0502040204020203" pitchFamily="34" charset="0"/>
-                <a:cs typeface="Segoe UI" panose="020B0502040204020203" pitchFamily="34" charset="0"/>
-              </a:rPr>
-              <a:t> </a:t>
-            </a:r>
-            <a:r>
-              <a:rPr lang="en-US" altLang="zh-CN" sz="1600" dirty="0">
+              <a:rPr lang="zh-CN" altLang="en-US" sz="1500" dirty="0">
+                <a:latin typeface="Segoe UI" panose="020B0502040204020203" pitchFamily="34" charset="0"/>
+                <a:cs typeface="Segoe UI" panose="020B0502040204020203" pitchFamily="34" charset="0"/>
+              </a:rPr>
+              <a:t> </a:t>
+            </a:r>
+            <a:r>
+              <a:rPr lang="en-US" altLang="zh-CN" sz="1500" dirty="0">
                 <a:latin typeface="Segoe UI" panose="020B0502040204020203" pitchFamily="34" charset="0"/>
                 <a:cs typeface="Segoe UI" panose="020B0502040204020203" pitchFamily="34" charset="0"/>
               </a:rPr>
               <a:t>of</a:t>
             </a:r>
             <a:r>
-              <a:rPr lang="zh-CN" altLang="en-US" sz="1600" dirty="0">
-                <a:latin typeface="Segoe UI" panose="020B0502040204020203" pitchFamily="34" charset="0"/>
-                <a:cs typeface="Segoe UI" panose="020B0502040204020203" pitchFamily="34" charset="0"/>
-              </a:rPr>
-              <a:t> </a:t>
-            </a:r>
-            <a:r>
-              <a:rPr lang="en-US" altLang="zh-CN" sz="1600" dirty="0">
+              <a:rPr lang="zh-CN" altLang="en-US" sz="1500" dirty="0">
+                <a:latin typeface="Segoe UI" panose="020B0502040204020203" pitchFamily="34" charset="0"/>
+                <a:cs typeface="Segoe UI" panose="020B0502040204020203" pitchFamily="34" charset="0"/>
+              </a:rPr>
+              <a:t> </a:t>
+            </a:r>
+            <a:r>
+              <a:rPr lang="en-US" altLang="zh-CN" sz="1500" dirty="0">
                 <a:latin typeface="Segoe UI" panose="020B0502040204020203" pitchFamily="34" charset="0"/>
                 <a:cs typeface="Segoe UI" panose="020B0502040204020203" pitchFamily="34" charset="0"/>
               </a:rPr>
               <a:t>individual</a:t>
             </a:r>
             <a:r>
-              <a:rPr lang="zh-CN" altLang="en-US" sz="1600" dirty="0">
-                <a:latin typeface="Segoe UI" panose="020B0502040204020203" pitchFamily="34" charset="0"/>
-                <a:cs typeface="Segoe UI" panose="020B0502040204020203" pitchFamily="34" charset="0"/>
-              </a:rPr>
-              <a:t> </a:t>
-            </a:r>
-            <a:r>
-              <a:rPr lang="en-US" altLang="zh-CN" sz="1600" dirty="0">
+              <a:rPr lang="zh-CN" altLang="en-US" sz="1500" dirty="0">
+                <a:latin typeface="Segoe UI" panose="020B0502040204020203" pitchFamily="34" charset="0"/>
+                <a:cs typeface="Segoe UI" panose="020B0502040204020203" pitchFamily="34" charset="0"/>
+              </a:rPr>
+              <a:t> </a:t>
+            </a:r>
+            <a:r>
+              <a:rPr lang="en-US" altLang="zh-CN" sz="1500" dirty="0">
                 <a:latin typeface="Segoe UI" panose="020B0502040204020203" pitchFamily="34" charset="0"/>
                 <a:cs typeface="Segoe UI" panose="020B0502040204020203" pitchFamily="34" charset="0"/>
               </a:rPr>
               <a:t>sources,</a:t>
             </a:r>
             <a:r>
-              <a:rPr lang="zh-CN" altLang="en-US" sz="1600" dirty="0">
-                <a:latin typeface="Segoe UI" panose="020B0502040204020203" pitchFamily="34" charset="0"/>
-                <a:cs typeface="Segoe UI" panose="020B0502040204020203" pitchFamily="34" charset="0"/>
-              </a:rPr>
-              <a:t> </a:t>
-            </a:r>
-            <a:r>
-              <a:rPr lang="en-US" altLang="zh-CN" sz="1600" dirty="0">
+              <a:rPr lang="zh-CN" altLang="en-US" sz="1500" dirty="0">
+                <a:latin typeface="Segoe UI" panose="020B0502040204020203" pitchFamily="34" charset="0"/>
+                <a:cs typeface="Segoe UI" panose="020B0502040204020203" pitchFamily="34" charset="0"/>
+              </a:rPr>
+              <a:t> </a:t>
+            </a:r>
+            <a:r>
+              <a:rPr lang="en-US" altLang="zh-CN" sz="1500" dirty="0">
                 <a:latin typeface="Segoe UI" panose="020B0502040204020203" pitchFamily="34" charset="0"/>
                 <a:cs typeface="Segoe UI" panose="020B0502040204020203" pitchFamily="34" charset="0"/>
               </a:rPr>
               <a:t>one</a:t>
             </a:r>
             <a:r>
-              <a:rPr lang="zh-CN" altLang="en-US" sz="1600" dirty="0">
-                <a:latin typeface="Segoe UI" panose="020B0502040204020203" pitchFamily="34" charset="0"/>
-                <a:cs typeface="Segoe UI" panose="020B0502040204020203" pitchFamily="34" charset="0"/>
-              </a:rPr>
-              <a:t> </a:t>
-            </a:r>
-            <a:r>
-              <a:rPr lang="en-US" altLang="zh-CN" sz="1600" dirty="0">
+              <a:rPr lang="zh-CN" altLang="en-US" sz="1500" dirty="0">
+                <a:latin typeface="Segoe UI" panose="020B0502040204020203" pitchFamily="34" charset="0"/>
+                <a:cs typeface="Segoe UI" panose="020B0502040204020203" pitchFamily="34" charset="0"/>
+              </a:rPr>
+              <a:t> </a:t>
+            </a:r>
+            <a:r>
+              <a:rPr lang="en-US" altLang="zh-CN" sz="1500" dirty="0">
                 <a:latin typeface="Segoe UI" panose="020B0502040204020203" pitchFamily="34" charset="0"/>
                 <a:cs typeface="Segoe UI" panose="020B0502040204020203" pitchFamily="34" charset="0"/>
               </a:rPr>
               <a:t>at</a:t>
             </a:r>
             <a:r>
-              <a:rPr lang="zh-CN" altLang="en-US" sz="1600" dirty="0">
-                <a:latin typeface="Segoe UI" panose="020B0502040204020203" pitchFamily="34" charset="0"/>
-                <a:cs typeface="Segoe UI" panose="020B0502040204020203" pitchFamily="34" charset="0"/>
-              </a:rPr>
-              <a:t> </a:t>
-            </a:r>
-            <a:r>
-              <a:rPr lang="en-US" altLang="zh-CN" sz="1600" dirty="0">
+              <a:rPr lang="zh-CN" altLang="en-US" sz="1500" dirty="0">
+                <a:latin typeface="Segoe UI" panose="020B0502040204020203" pitchFamily="34" charset="0"/>
+                <a:cs typeface="Segoe UI" panose="020B0502040204020203" pitchFamily="34" charset="0"/>
+              </a:rPr>
+              <a:t> </a:t>
+            </a:r>
+            <a:r>
+              <a:rPr lang="en-US" altLang="zh-CN" sz="1500" dirty="0">
                 <a:latin typeface="Segoe UI" panose="020B0502040204020203" pitchFamily="34" charset="0"/>
                 <a:cs typeface="Segoe UI" panose="020B0502040204020203" pitchFamily="34" charset="0"/>
               </a:rPr>
               <a:t>a</a:t>
             </a:r>
             <a:r>
-              <a:rPr lang="zh-CN" altLang="en-US" sz="1600" dirty="0">
-                <a:latin typeface="Segoe UI" panose="020B0502040204020203" pitchFamily="34" charset="0"/>
-                <a:cs typeface="Segoe UI" panose="020B0502040204020203" pitchFamily="34" charset="0"/>
-              </a:rPr>
-              <a:t> </a:t>
-            </a:r>
-            <a:r>
-              <a:rPr lang="en-US" altLang="zh-CN" sz="1600" dirty="0">
+              <a:rPr lang="zh-CN" altLang="en-US" sz="1500" dirty="0">
+                <a:latin typeface="Segoe UI" panose="020B0502040204020203" pitchFamily="34" charset="0"/>
+                <a:cs typeface="Segoe UI" panose="020B0502040204020203" pitchFamily="34" charset="0"/>
+              </a:rPr>
+              <a:t> </a:t>
+            </a:r>
+            <a:r>
+              <a:rPr lang="en-US" altLang="zh-CN" sz="1500" dirty="0">
                 <a:latin typeface="Segoe UI" panose="020B0502040204020203" pitchFamily="34" charset="0"/>
                 <a:cs typeface="Segoe UI" panose="020B0502040204020203" pitchFamily="34" charset="0"/>
               </a:rPr>
               <a:t>time.</a:t>
             </a:r>
             <a:r>
-              <a:rPr lang="zh-CN" altLang="en-US" sz="1600" dirty="0">
-                <a:latin typeface="Segoe UI" panose="020B0502040204020203" pitchFamily="34" charset="0"/>
-                <a:cs typeface="Segoe UI" panose="020B0502040204020203" pitchFamily="34" charset="0"/>
-              </a:rPr>
-              <a:t> </a:t>
-            </a:r>
-            <a:r>
-              <a:rPr lang="en-US" altLang="zh-CN" sz="1600" dirty="0">
+              <a:rPr lang="zh-CN" altLang="en-US" sz="1500" dirty="0">
+                <a:latin typeface="Segoe UI" panose="020B0502040204020203" pitchFamily="34" charset="0"/>
+                <a:cs typeface="Segoe UI" panose="020B0502040204020203" pitchFamily="34" charset="0"/>
+              </a:rPr>
+              <a:t> </a:t>
+            </a:r>
+            <a:r>
+              <a:rPr lang="en-US" altLang="zh-CN" sz="1500" dirty="0">
                 <a:latin typeface="Segoe UI" panose="020B0502040204020203" pitchFamily="34" charset="0"/>
                 <a:cs typeface="Segoe UI" panose="020B0502040204020203" pitchFamily="34" charset="0"/>
               </a:rPr>
               <a:t>Thus,</a:t>
             </a:r>
             <a:r>
-              <a:rPr lang="zh-CN" altLang="en-US" sz="1600" dirty="0">
-                <a:latin typeface="Segoe UI" panose="020B0502040204020203" pitchFamily="34" charset="0"/>
-                <a:cs typeface="Segoe UI" panose="020B0502040204020203" pitchFamily="34" charset="0"/>
-              </a:rPr>
-              <a:t> </a:t>
-            </a:r>
-            <a:r>
-              <a:rPr lang="en-US" altLang="zh-CN" sz="1600" dirty="0">
+              <a:rPr lang="zh-CN" altLang="en-US" sz="1500" dirty="0">
+                <a:latin typeface="Segoe UI" panose="020B0502040204020203" pitchFamily="34" charset="0"/>
+                <a:cs typeface="Segoe UI" panose="020B0502040204020203" pitchFamily="34" charset="0"/>
+              </a:rPr>
+              <a:t> </a:t>
+            </a:r>
+            <a:r>
+              <a:rPr lang="en-US" altLang="zh-CN" sz="1500" dirty="0">
                 <a:latin typeface="Segoe UI" panose="020B0502040204020203" pitchFamily="34" charset="0"/>
                 <a:cs typeface="Segoe UI" panose="020B0502040204020203" pitchFamily="34" charset="0"/>
               </a:rPr>
               <a:t>the</a:t>
             </a:r>
             <a:r>
-              <a:rPr lang="zh-CN" altLang="en-US" sz="1600" dirty="0">
-                <a:latin typeface="Segoe UI" panose="020B0502040204020203" pitchFamily="34" charset="0"/>
-                <a:cs typeface="Segoe UI" panose="020B0502040204020203" pitchFamily="34" charset="0"/>
-              </a:rPr>
-              <a:t> </a:t>
-            </a:r>
-            <a:r>
-              <a:rPr lang="en-US" altLang="zh-CN" sz="1600" dirty="0">
+              <a:rPr lang="zh-CN" altLang="en-US" sz="1500" dirty="0">
+                <a:latin typeface="Segoe UI" panose="020B0502040204020203" pitchFamily="34" charset="0"/>
+                <a:cs typeface="Segoe UI" panose="020B0502040204020203" pitchFamily="34" charset="0"/>
+              </a:rPr>
+              <a:t> </a:t>
+            </a:r>
+            <a:r>
+              <a:rPr lang="en-US" altLang="zh-CN" sz="1500" dirty="0">
                 <a:latin typeface="Segoe UI" panose="020B0502040204020203" pitchFamily="34" charset="0"/>
                 <a:cs typeface="Segoe UI" panose="020B0502040204020203" pitchFamily="34" charset="0"/>
               </a:rPr>
               <a:t>efficient</a:t>
             </a:r>
             <a:r>
-              <a:rPr lang="zh-CN" altLang="en-US" sz="1600" dirty="0">
-                <a:latin typeface="Segoe UI" panose="020B0502040204020203" pitchFamily="34" charset="0"/>
-                <a:cs typeface="Segoe UI" panose="020B0502040204020203" pitchFamily="34" charset="0"/>
-              </a:rPr>
-              <a:t> </a:t>
-            </a:r>
-            <a:r>
-              <a:rPr lang="en-US" altLang="zh-CN" sz="1600" dirty="0">
+              <a:rPr lang="zh-CN" altLang="en-US" sz="1500" dirty="0">
+                <a:latin typeface="Segoe UI" panose="020B0502040204020203" pitchFamily="34" charset="0"/>
+                <a:cs typeface="Segoe UI" panose="020B0502040204020203" pitchFamily="34" charset="0"/>
+              </a:rPr>
+              <a:t> </a:t>
+            </a:r>
+            <a:r>
+              <a:rPr lang="en-US" altLang="zh-CN" sz="1500" dirty="0">
                 <a:latin typeface="Segoe UI" panose="020B0502040204020203" pitchFamily="34" charset="0"/>
                 <a:cs typeface="Segoe UI" panose="020B0502040204020203" pitchFamily="34" charset="0"/>
               </a:rPr>
               <a:t>selection</a:t>
             </a:r>
             <a:r>
-              <a:rPr lang="zh-CN" altLang="en-US" sz="1600" dirty="0">
-                <a:latin typeface="Segoe UI" panose="020B0502040204020203" pitchFamily="34" charset="0"/>
-                <a:cs typeface="Segoe UI" panose="020B0502040204020203" pitchFamily="34" charset="0"/>
-              </a:rPr>
-              <a:t> </a:t>
-            </a:r>
-            <a:r>
-              <a:rPr lang="en-US" altLang="zh-CN" sz="1600" dirty="0">
+              <a:rPr lang="zh-CN" altLang="en-US" sz="1500" dirty="0">
+                <a:latin typeface="Segoe UI" panose="020B0502040204020203" pitchFamily="34" charset="0"/>
+                <a:cs typeface="Segoe UI" panose="020B0502040204020203" pitchFamily="34" charset="0"/>
+              </a:rPr>
+              <a:t> </a:t>
+            </a:r>
+            <a:r>
+              <a:rPr lang="en-US" altLang="zh-CN" sz="1500" dirty="0">
                 <a:latin typeface="Segoe UI" panose="020B0502040204020203" pitchFamily="34" charset="0"/>
                 <a:cs typeface="Segoe UI" panose="020B0502040204020203" pitchFamily="34" charset="0"/>
               </a:rPr>
               <a:t>of</a:t>
             </a:r>
             <a:r>
-              <a:rPr lang="zh-CN" altLang="en-US" sz="1600" dirty="0">
-                <a:latin typeface="Segoe UI" panose="020B0502040204020203" pitchFamily="34" charset="0"/>
-                <a:cs typeface="Segoe UI" panose="020B0502040204020203" pitchFamily="34" charset="0"/>
-              </a:rPr>
-              <a:t> </a:t>
-            </a:r>
-            <a:r>
-              <a:rPr lang="en-US" altLang="zh-CN" sz="1600" dirty="0">
+              <a:rPr lang="zh-CN" altLang="en-US" sz="1500" dirty="0">
+                <a:latin typeface="Segoe UI" panose="020B0502040204020203" pitchFamily="34" charset="0"/>
+                <a:cs typeface="Segoe UI" panose="020B0502040204020203" pitchFamily="34" charset="0"/>
+              </a:rPr>
+              <a:t> </a:t>
+            </a:r>
+            <a:r>
+              <a:rPr lang="en-US" altLang="zh-CN" sz="1500" dirty="0">
                 <a:latin typeface="Segoe UI" panose="020B0502040204020203" pitchFamily="34" charset="0"/>
                 <a:cs typeface="Segoe UI" panose="020B0502040204020203" pitchFamily="34" charset="0"/>
               </a:rPr>
               <a:t>candidates</a:t>
             </a:r>
             <a:r>
-              <a:rPr lang="zh-CN" altLang="en-US" sz="1600" dirty="0">
-                <a:latin typeface="Segoe UI" panose="020B0502040204020203" pitchFamily="34" charset="0"/>
-                <a:cs typeface="Segoe UI" panose="020B0502040204020203" pitchFamily="34" charset="0"/>
-              </a:rPr>
-              <a:t> </a:t>
-            </a:r>
-            <a:r>
-              <a:rPr lang="en-US" altLang="zh-CN" sz="1600" dirty="0">
+              <a:rPr lang="zh-CN" altLang="en-US" sz="1500" dirty="0">
+                <a:latin typeface="Segoe UI" panose="020B0502040204020203" pitchFamily="34" charset="0"/>
+                <a:cs typeface="Segoe UI" panose="020B0502040204020203" pitchFamily="34" charset="0"/>
+              </a:rPr>
+              <a:t> </a:t>
+            </a:r>
+            <a:r>
+              <a:rPr lang="en-US" altLang="zh-CN" sz="1500" dirty="0">
                 <a:latin typeface="Segoe UI" panose="020B0502040204020203" pitchFamily="34" charset="0"/>
                 <a:cs typeface="Segoe UI" panose="020B0502040204020203" pitchFamily="34" charset="0"/>
               </a:rPr>
               <a:t>to</a:t>
             </a:r>
             <a:r>
-              <a:rPr lang="zh-CN" altLang="en-US" sz="1600" dirty="0">
-                <a:latin typeface="Segoe UI" panose="020B0502040204020203" pitchFamily="34" charset="0"/>
-                <a:cs typeface="Segoe UI" panose="020B0502040204020203" pitchFamily="34" charset="0"/>
-              </a:rPr>
-              <a:t> </a:t>
-            </a:r>
-            <a:r>
-              <a:rPr lang="en-US" altLang="zh-CN" sz="1600" dirty="0">
+              <a:rPr lang="zh-CN" altLang="en-US" sz="1500" dirty="0">
+                <a:latin typeface="Segoe UI" panose="020B0502040204020203" pitchFamily="34" charset="0"/>
+                <a:cs typeface="Segoe UI" panose="020B0502040204020203" pitchFamily="34" charset="0"/>
+              </a:rPr>
+              <a:t> </a:t>
+            </a:r>
+            <a:r>
+              <a:rPr lang="en-US" altLang="zh-CN" sz="1500" dirty="0">
                 <a:latin typeface="Segoe UI" panose="020B0502040204020203" pitchFamily="34" charset="0"/>
                 <a:cs typeface="Segoe UI" panose="020B0502040204020203" pitchFamily="34" charset="0"/>
               </a:rPr>
               <a:t>be</a:t>
             </a:r>
             <a:r>
-              <a:rPr lang="zh-CN" altLang="en-US" sz="1600" dirty="0">
-                <a:latin typeface="Segoe UI" panose="020B0502040204020203" pitchFamily="34" charset="0"/>
-                <a:cs typeface="Segoe UI" panose="020B0502040204020203" pitchFamily="34" charset="0"/>
-              </a:rPr>
-              <a:t> </a:t>
-            </a:r>
-            <a:r>
-              <a:rPr lang="en-US" altLang="zh-CN" sz="1600" dirty="0">
+              <a:rPr lang="zh-CN" altLang="en-US" sz="1500" dirty="0">
+                <a:latin typeface="Segoe UI" panose="020B0502040204020203" pitchFamily="34" charset="0"/>
+                <a:cs typeface="Segoe UI" panose="020B0502040204020203" pitchFamily="34" charset="0"/>
+              </a:rPr>
+              <a:t> </a:t>
+            </a:r>
+            <a:r>
+              <a:rPr lang="en-US" altLang="zh-CN" sz="1500" dirty="0">
                 <a:latin typeface="Segoe UI" panose="020B0502040204020203" pitchFamily="34" charset="0"/>
                 <a:cs typeface="Segoe UI" panose="020B0502040204020203" pitchFamily="34" charset="0"/>
               </a:rPr>
               <a:t>observed</a:t>
             </a:r>
             <a:r>
-              <a:rPr lang="zh-CN" altLang="en-US" sz="1600" dirty="0">
-                <a:latin typeface="Segoe UI" panose="020B0502040204020203" pitchFamily="34" charset="0"/>
-                <a:cs typeface="Segoe UI" panose="020B0502040204020203" pitchFamily="34" charset="0"/>
-              </a:rPr>
-              <a:t> </a:t>
-            </a:r>
-            <a:r>
-              <a:rPr lang="en-US" altLang="zh-CN" sz="1600" dirty="0">
+              <a:rPr lang="zh-CN" altLang="en-US" sz="1500" dirty="0">
+                <a:latin typeface="Segoe UI" panose="020B0502040204020203" pitchFamily="34" charset="0"/>
+                <a:cs typeface="Segoe UI" panose="020B0502040204020203" pitchFamily="34" charset="0"/>
+              </a:rPr>
+              <a:t> </a:t>
+            </a:r>
+            <a:r>
+              <a:rPr lang="en-US" altLang="zh-CN" sz="1500" dirty="0">
                 <a:latin typeface="Segoe UI" panose="020B0502040204020203" pitchFamily="34" charset="0"/>
                 <a:cs typeface="Segoe UI" panose="020B0502040204020203" pitchFamily="34" charset="0"/>
               </a:rPr>
               <a:t>is</a:t>
             </a:r>
             <a:r>
-              <a:rPr lang="zh-CN" altLang="en-US" sz="1600" dirty="0">
-                <a:latin typeface="Segoe UI" panose="020B0502040204020203" pitchFamily="34" charset="0"/>
-                <a:cs typeface="Segoe UI" panose="020B0502040204020203" pitchFamily="34" charset="0"/>
-              </a:rPr>
-              <a:t> </a:t>
-            </a:r>
-            <a:r>
-              <a:rPr lang="en-US" altLang="zh-CN" sz="1600" dirty="0">
+              <a:rPr lang="zh-CN" altLang="en-US" sz="1500" dirty="0">
+                <a:latin typeface="Segoe UI" panose="020B0502040204020203" pitchFamily="34" charset="0"/>
+                <a:cs typeface="Segoe UI" panose="020B0502040204020203" pitchFamily="34" charset="0"/>
+              </a:rPr>
+              <a:t> </a:t>
+            </a:r>
+            <a:r>
+              <a:rPr lang="en-US" altLang="zh-CN" sz="1500" dirty="0">
                 <a:latin typeface="Segoe UI" panose="020B0502040204020203" pitchFamily="34" charset="0"/>
                 <a:cs typeface="Segoe UI" panose="020B0502040204020203" pitchFamily="34" charset="0"/>
               </a:rPr>
               <a:t>very</a:t>
             </a:r>
             <a:r>
-              <a:rPr lang="zh-CN" altLang="en-US" sz="1600" dirty="0">
-                <a:latin typeface="Segoe UI" panose="020B0502040204020203" pitchFamily="34" charset="0"/>
-                <a:cs typeface="Segoe UI" panose="020B0502040204020203" pitchFamily="34" charset="0"/>
-              </a:rPr>
-              <a:t> </a:t>
-            </a:r>
-            <a:r>
-              <a:rPr lang="en-US" altLang="zh-CN" sz="1600" dirty="0">
+              <a:rPr lang="zh-CN" altLang="en-US" sz="1500" dirty="0">
+                <a:latin typeface="Segoe UI" panose="020B0502040204020203" pitchFamily="34" charset="0"/>
+                <a:cs typeface="Segoe UI" panose="020B0502040204020203" pitchFamily="34" charset="0"/>
+              </a:rPr>
+              <a:t> </a:t>
+            </a:r>
+            <a:r>
+              <a:rPr lang="en-US" altLang="zh-CN" sz="1500" dirty="0">
                 <a:latin typeface="Segoe UI" panose="020B0502040204020203" pitchFamily="34" charset="0"/>
                 <a:cs typeface="Segoe UI" panose="020B0502040204020203" pitchFamily="34" charset="0"/>
               </a:rPr>
               <a:t>important.</a:t>
             </a:r>
             <a:r>
-              <a:rPr lang="zh-CN" altLang="en-US" sz="1600" dirty="0">
-                <a:latin typeface="Segoe UI" panose="020B0502040204020203" pitchFamily="34" charset="0"/>
-                <a:cs typeface="Segoe UI" panose="020B0502040204020203" pitchFamily="34" charset="0"/>
-              </a:rPr>
-              <a:t> </a:t>
-            </a:r>
-            <a:endParaRPr lang="en-US" altLang="zh-CN" sz="1600" dirty="0">
+              <a:rPr lang="zh-CN" altLang="en-US" sz="1500" dirty="0">
+                <a:latin typeface="Segoe UI" panose="020B0502040204020203" pitchFamily="34" charset="0"/>
+                <a:cs typeface="Segoe UI" panose="020B0502040204020203" pitchFamily="34" charset="0"/>
+              </a:rPr>
+              <a:t> </a:t>
+            </a:r>
+            <a:endParaRPr lang="en-US" altLang="zh-CN" sz="1500" dirty="0">
               <a:latin typeface="Segoe UI" panose="020B0502040204020203" pitchFamily="34" charset="0"/>
               <a:cs typeface="Segoe UI" panose="020B0502040204020203" pitchFamily="34" charset="0"/>
             </a:endParaRPr>
           </a:p>
           <a:p>
-            <a:endParaRPr lang="en-US" altLang="zh-CN" sz="1600" dirty="0">
+            <a:endParaRPr lang="en-US" altLang="zh-CN" sz="1500" dirty="0">
               <a:latin typeface="Segoe UI" panose="020B0502040204020203" pitchFamily="34" charset="0"/>
               <a:cs typeface="Segoe UI" panose="020B0502040204020203" pitchFamily="34" charset="0"/>
             </a:endParaRPr>
           </a:p>
           <a:p>
             <a:r>
-              <a:rPr lang="en-US" altLang="zh-CN" sz="1600" dirty="0">
+              <a:rPr lang="en-US" altLang="zh-CN" sz="1500" dirty="0">
                 <a:latin typeface="Segoe UI" panose="020B0502040204020203" pitchFamily="34" charset="0"/>
                 <a:cs typeface="Segoe UI" panose="020B0502040204020203" pitchFamily="34" charset="0"/>
               </a:rPr>
               <a:t>My</a:t>
             </a:r>
             <a:r>
-              <a:rPr lang="zh-CN" altLang="en-US" sz="1600" dirty="0">
-                <a:latin typeface="Segoe UI" panose="020B0502040204020203" pitchFamily="34" charset="0"/>
-                <a:cs typeface="Segoe UI" panose="020B0502040204020203" pitchFamily="34" charset="0"/>
-              </a:rPr>
-              <a:t> </a:t>
-            </a:r>
-            <a:r>
-              <a:rPr lang="en-US" altLang="zh-CN" sz="1600" dirty="0">
+              <a:rPr lang="zh-CN" altLang="en-US" sz="1500" dirty="0">
+                <a:latin typeface="Segoe UI" panose="020B0502040204020203" pitchFamily="34" charset="0"/>
+                <a:cs typeface="Segoe UI" panose="020B0502040204020203" pitchFamily="34" charset="0"/>
+              </a:rPr>
+              <a:t> </a:t>
+            </a:r>
+            <a:r>
+              <a:rPr lang="en-US" altLang="zh-CN" sz="1500" dirty="0">
                 <a:latin typeface="Segoe UI" panose="020B0502040204020203" pitchFamily="34" charset="0"/>
                 <a:cs typeface="Segoe UI" panose="020B0502040204020203" pitchFamily="34" charset="0"/>
               </a:rPr>
               <a:t>projects</a:t>
             </a:r>
             <a:r>
-              <a:rPr lang="zh-CN" altLang="en-US" sz="1600" dirty="0">
-                <a:latin typeface="Segoe UI" panose="020B0502040204020203" pitchFamily="34" charset="0"/>
-                <a:cs typeface="Segoe UI" panose="020B0502040204020203" pitchFamily="34" charset="0"/>
-              </a:rPr>
-              <a:t> </a:t>
-            </a:r>
-            <a:r>
-              <a:rPr lang="en-US" altLang="zh-CN" sz="1600" dirty="0">
+              <a:rPr lang="zh-CN" altLang="en-US" sz="1500" dirty="0">
+                <a:latin typeface="Segoe UI" panose="020B0502040204020203" pitchFamily="34" charset="0"/>
+                <a:cs typeface="Segoe UI" panose="020B0502040204020203" pitchFamily="34" charset="0"/>
+              </a:rPr>
+              <a:t> </a:t>
+            </a:r>
+            <a:r>
+              <a:rPr lang="en-US" altLang="zh-CN" sz="1500" dirty="0">
                 <a:latin typeface="Segoe UI" panose="020B0502040204020203" pitchFamily="34" charset="0"/>
                 <a:cs typeface="Segoe UI" panose="020B0502040204020203" pitchFamily="34" charset="0"/>
               </a:rPr>
               <a:t>focuses</a:t>
             </a:r>
             <a:r>
-              <a:rPr lang="zh-CN" altLang="en-US" sz="1600" dirty="0">
-                <a:latin typeface="Segoe UI" panose="020B0502040204020203" pitchFamily="34" charset="0"/>
-                <a:cs typeface="Segoe UI" panose="020B0502040204020203" pitchFamily="34" charset="0"/>
-              </a:rPr>
-              <a:t> </a:t>
-            </a:r>
-            <a:r>
-              <a:rPr lang="en-US" altLang="zh-CN" sz="1600" dirty="0">
+              <a:rPr lang="zh-CN" altLang="en-US" sz="1500" dirty="0">
+                <a:latin typeface="Segoe UI" panose="020B0502040204020203" pitchFamily="34" charset="0"/>
+                <a:cs typeface="Segoe UI" panose="020B0502040204020203" pitchFamily="34" charset="0"/>
+              </a:rPr>
+              <a:t> </a:t>
+            </a:r>
+            <a:r>
+              <a:rPr lang="en-US" altLang="zh-CN" sz="1500" dirty="0">
                 <a:latin typeface="Segoe UI" panose="020B0502040204020203" pitchFamily="34" charset="0"/>
                 <a:cs typeface="Segoe UI" panose="020B0502040204020203" pitchFamily="34" charset="0"/>
               </a:rPr>
               <a:t>on</a:t>
             </a:r>
             <a:r>
-              <a:rPr lang="zh-CN" altLang="en-US" sz="1600" dirty="0">
-                <a:latin typeface="Segoe UI" panose="020B0502040204020203" pitchFamily="34" charset="0"/>
-                <a:cs typeface="Segoe UI" panose="020B0502040204020203" pitchFamily="34" charset="0"/>
-              </a:rPr>
-              <a:t> </a:t>
-            </a:r>
-            <a:r>
-              <a:rPr lang="en-US" altLang="zh-CN" sz="1600" dirty="0">
+              <a:rPr lang="zh-CN" altLang="en-US" sz="1500" dirty="0">
+                <a:latin typeface="Segoe UI" panose="020B0502040204020203" pitchFamily="34" charset="0"/>
+                <a:cs typeface="Segoe UI" panose="020B0502040204020203" pitchFamily="34" charset="0"/>
+              </a:rPr>
+              <a:t> </a:t>
+            </a:r>
+            <a:r>
+              <a:rPr lang="en-US" altLang="zh-CN" sz="1500" dirty="0">
                 <a:latin typeface="Segoe UI" panose="020B0502040204020203" pitchFamily="34" charset="0"/>
                 <a:cs typeface="Segoe UI" panose="020B0502040204020203" pitchFamily="34" charset="0"/>
               </a:rPr>
               <a:t>using</a:t>
             </a:r>
             <a:r>
-              <a:rPr lang="zh-CN" altLang="en-US" sz="1600" dirty="0">
-                <a:latin typeface="Segoe UI" panose="020B0502040204020203" pitchFamily="34" charset="0"/>
-                <a:cs typeface="Segoe UI" panose="020B0502040204020203" pitchFamily="34" charset="0"/>
-              </a:rPr>
-              <a:t> </a:t>
-            </a:r>
-            <a:r>
-              <a:rPr lang="en-US" altLang="zh-CN" sz="1600" dirty="0">
+              <a:rPr lang="zh-CN" altLang="en-US" sz="1500" dirty="0">
+                <a:latin typeface="Segoe UI" panose="020B0502040204020203" pitchFamily="34" charset="0"/>
+                <a:cs typeface="Segoe UI" panose="020B0502040204020203" pitchFamily="34" charset="0"/>
+              </a:rPr>
+              <a:t> </a:t>
+            </a:r>
+            <a:r>
+              <a:rPr lang="en-US" altLang="zh-CN" sz="1500" dirty="0">
                 <a:latin typeface="Segoe UI" panose="020B0502040204020203" pitchFamily="34" charset="0"/>
                 <a:cs typeface="Segoe UI" panose="020B0502040204020203" pitchFamily="34" charset="0"/>
               </a:rPr>
               <a:t>Random</a:t>
             </a:r>
             <a:r>
-              <a:rPr lang="zh-CN" altLang="en-US" sz="1600" dirty="0">
-                <a:latin typeface="Segoe UI" panose="020B0502040204020203" pitchFamily="34" charset="0"/>
-                <a:cs typeface="Segoe UI" panose="020B0502040204020203" pitchFamily="34" charset="0"/>
-              </a:rPr>
-              <a:t> </a:t>
-            </a:r>
-            <a:r>
-              <a:rPr lang="en-US" altLang="zh-CN" sz="1600" dirty="0">
+              <a:rPr lang="zh-CN" altLang="en-US" sz="1500" dirty="0">
+                <a:latin typeface="Segoe UI" panose="020B0502040204020203" pitchFamily="34" charset="0"/>
+                <a:cs typeface="Segoe UI" panose="020B0502040204020203" pitchFamily="34" charset="0"/>
+              </a:rPr>
+              <a:t> </a:t>
+            </a:r>
+            <a:r>
+              <a:rPr lang="en-US" altLang="zh-CN" sz="1500" dirty="0">
                 <a:latin typeface="Segoe UI" panose="020B0502040204020203" pitchFamily="34" charset="0"/>
                 <a:cs typeface="Segoe UI" panose="020B0502040204020203" pitchFamily="34" charset="0"/>
               </a:rPr>
               <a:t>Forest</a:t>
             </a:r>
             <a:r>
-              <a:rPr lang="zh-CN" altLang="en-US" sz="1600" dirty="0">
-                <a:latin typeface="Segoe UI" panose="020B0502040204020203" pitchFamily="34" charset="0"/>
-                <a:cs typeface="Segoe UI" panose="020B0502040204020203" pitchFamily="34" charset="0"/>
-              </a:rPr>
-              <a:t> </a:t>
-            </a:r>
-            <a:r>
-              <a:rPr lang="en-US" altLang="zh-CN" sz="1600" dirty="0">
+              <a:rPr lang="zh-CN" altLang="en-US" sz="1500" dirty="0">
+                <a:latin typeface="Segoe UI" panose="020B0502040204020203" pitchFamily="34" charset="0"/>
+                <a:cs typeface="Segoe UI" panose="020B0502040204020203" pitchFamily="34" charset="0"/>
+              </a:rPr>
+              <a:t> </a:t>
+            </a:r>
+            <a:r>
+              <a:rPr lang="en-US" altLang="zh-CN" sz="1500" dirty="0">
                 <a:latin typeface="Segoe UI" panose="020B0502040204020203" pitchFamily="34" charset="0"/>
                 <a:cs typeface="Segoe UI" panose="020B0502040204020203" pitchFamily="34" charset="0"/>
               </a:rPr>
               <a:t>Classifier</a:t>
             </a:r>
             <a:r>
-              <a:rPr lang="zh-CN" altLang="en-US" sz="1600" dirty="0">
-                <a:latin typeface="Segoe UI" panose="020B0502040204020203" pitchFamily="34" charset="0"/>
-                <a:cs typeface="Segoe UI" panose="020B0502040204020203" pitchFamily="34" charset="0"/>
-              </a:rPr>
-              <a:t> </a:t>
-            </a:r>
-            <a:r>
-              <a:rPr lang="en-US" altLang="zh-CN" sz="1600" dirty="0">
+              <a:rPr lang="zh-CN" altLang="en-US" sz="1500" dirty="0">
+                <a:latin typeface="Segoe UI" panose="020B0502040204020203" pitchFamily="34" charset="0"/>
+                <a:cs typeface="Segoe UI" panose="020B0502040204020203" pitchFamily="34" charset="0"/>
+              </a:rPr>
+              <a:t> </a:t>
+            </a:r>
+            <a:r>
+              <a:rPr lang="en-US" altLang="zh-CN" sz="1500" dirty="0">
                 <a:latin typeface="Segoe UI" panose="020B0502040204020203" pitchFamily="34" charset="0"/>
                 <a:cs typeface="Segoe UI" panose="020B0502040204020203" pitchFamily="34" charset="0"/>
               </a:rPr>
               <a:t>machine</a:t>
             </a:r>
             <a:r>
-              <a:rPr lang="zh-CN" altLang="en-US" sz="1600" dirty="0">
-                <a:latin typeface="Segoe UI" panose="020B0502040204020203" pitchFamily="34" charset="0"/>
-                <a:cs typeface="Segoe UI" panose="020B0502040204020203" pitchFamily="34" charset="0"/>
-              </a:rPr>
-              <a:t> </a:t>
-            </a:r>
-            <a:r>
-              <a:rPr lang="en-US" altLang="zh-CN" sz="1600" dirty="0">
+              <a:rPr lang="zh-CN" altLang="en-US" sz="1500" dirty="0">
+                <a:latin typeface="Segoe UI" panose="020B0502040204020203" pitchFamily="34" charset="0"/>
+                <a:cs typeface="Segoe UI" panose="020B0502040204020203" pitchFamily="34" charset="0"/>
+              </a:rPr>
+              <a:t> </a:t>
+            </a:r>
+            <a:r>
+              <a:rPr lang="en-US" altLang="zh-CN" sz="1500" dirty="0">
                 <a:latin typeface="Segoe UI" panose="020B0502040204020203" pitchFamily="34" charset="0"/>
                 <a:cs typeface="Segoe UI" panose="020B0502040204020203" pitchFamily="34" charset="0"/>
               </a:rPr>
               <a:t>learning</a:t>
             </a:r>
             <a:r>
-              <a:rPr lang="zh-CN" altLang="en-US" sz="1600" dirty="0">
-                <a:latin typeface="Segoe UI" panose="020B0502040204020203" pitchFamily="34" charset="0"/>
-                <a:cs typeface="Segoe UI" panose="020B0502040204020203" pitchFamily="34" charset="0"/>
-              </a:rPr>
-              <a:t> </a:t>
-            </a:r>
-            <a:r>
-              <a:rPr lang="en-US" altLang="zh-CN" sz="1600" dirty="0">
+              <a:rPr lang="zh-CN" altLang="en-US" sz="1500" dirty="0">
+                <a:latin typeface="Segoe UI" panose="020B0502040204020203" pitchFamily="34" charset="0"/>
+                <a:cs typeface="Segoe UI" panose="020B0502040204020203" pitchFamily="34" charset="0"/>
+              </a:rPr>
+              <a:t> </a:t>
+            </a:r>
+            <a:r>
+              <a:rPr lang="en-US" altLang="zh-CN" sz="1500" dirty="0">
                 <a:latin typeface="Segoe UI" panose="020B0502040204020203" pitchFamily="34" charset="0"/>
                 <a:cs typeface="Segoe UI" panose="020B0502040204020203" pitchFamily="34" charset="0"/>
               </a:rPr>
               <a:t>model</a:t>
             </a:r>
             <a:r>
-              <a:rPr lang="zh-CN" altLang="en-US" sz="1600" dirty="0">
-                <a:latin typeface="Segoe UI" panose="020B0502040204020203" pitchFamily="34" charset="0"/>
-                <a:cs typeface="Segoe UI" panose="020B0502040204020203" pitchFamily="34" charset="0"/>
-              </a:rPr>
-              <a:t> </a:t>
-            </a:r>
-            <a:r>
-              <a:rPr lang="en-US" altLang="zh-CN" sz="1600" dirty="0">
+              <a:rPr lang="zh-CN" altLang="en-US" sz="1500" dirty="0">
+                <a:latin typeface="Segoe UI" panose="020B0502040204020203" pitchFamily="34" charset="0"/>
+                <a:cs typeface="Segoe UI" panose="020B0502040204020203" pitchFamily="34" charset="0"/>
+              </a:rPr>
+              <a:t> </a:t>
+            </a:r>
+            <a:r>
+              <a:rPr lang="en-US" altLang="zh-CN" sz="1500" dirty="0">
                 <a:latin typeface="Segoe UI" panose="020B0502040204020203" pitchFamily="34" charset="0"/>
                 <a:cs typeface="Segoe UI" panose="020B0502040204020203" pitchFamily="34" charset="0"/>
               </a:rPr>
               <a:t>to</a:t>
             </a:r>
             <a:r>
-              <a:rPr lang="zh-CN" altLang="en-US" sz="1600" dirty="0">
-                <a:latin typeface="Segoe UI" panose="020B0502040204020203" pitchFamily="34" charset="0"/>
-                <a:cs typeface="Segoe UI" panose="020B0502040204020203" pitchFamily="34" charset="0"/>
-              </a:rPr>
-              <a:t> </a:t>
-            </a:r>
-            <a:r>
-              <a:rPr lang="en-US" altLang="zh-CN" sz="1600" dirty="0">
+              <a:rPr lang="zh-CN" altLang="en-US" sz="1500" dirty="0">
+                <a:latin typeface="Segoe UI" panose="020B0502040204020203" pitchFamily="34" charset="0"/>
+                <a:cs typeface="Segoe UI" panose="020B0502040204020203" pitchFamily="34" charset="0"/>
+              </a:rPr>
+              <a:t> </a:t>
+            </a:r>
+            <a:r>
+              <a:rPr lang="en-US" altLang="zh-CN" sz="1500" dirty="0">
                 <a:latin typeface="Segoe UI" panose="020B0502040204020203" pitchFamily="34" charset="0"/>
                 <a:cs typeface="Segoe UI" panose="020B0502040204020203" pitchFamily="34" charset="0"/>
               </a:rPr>
               <a:t>identify</a:t>
             </a:r>
             <a:r>
-              <a:rPr lang="zh-CN" altLang="en-US" sz="1600" dirty="0">
-                <a:latin typeface="Segoe UI" panose="020B0502040204020203" pitchFamily="34" charset="0"/>
-                <a:cs typeface="Segoe UI" panose="020B0502040204020203" pitchFamily="34" charset="0"/>
-              </a:rPr>
-              <a:t> </a:t>
-            </a:r>
-            <a:r>
-              <a:rPr lang="en-US" altLang="zh-CN" sz="1600" dirty="0">
+              <a:rPr lang="zh-CN" altLang="en-US" sz="1500" dirty="0">
+                <a:latin typeface="Segoe UI" panose="020B0502040204020203" pitchFamily="34" charset="0"/>
+                <a:cs typeface="Segoe UI" panose="020B0502040204020203" pitchFamily="34" charset="0"/>
+              </a:rPr>
+              <a:t> </a:t>
+            </a:r>
+            <a:r>
+              <a:rPr lang="en-US" altLang="zh-CN" sz="1500" dirty="0">
                 <a:latin typeface="Segoe UI" panose="020B0502040204020203" pitchFamily="34" charset="0"/>
                 <a:cs typeface="Segoe UI" panose="020B0502040204020203" pitchFamily="34" charset="0"/>
               </a:rPr>
               <a:t>quasars</a:t>
             </a:r>
             <a:r>
-              <a:rPr lang="zh-CN" altLang="en-US" sz="1600" dirty="0">
-                <a:latin typeface="Segoe UI" panose="020B0502040204020203" pitchFamily="34" charset="0"/>
-                <a:cs typeface="Segoe UI" panose="020B0502040204020203" pitchFamily="34" charset="0"/>
-              </a:rPr>
-              <a:t> </a:t>
-            </a:r>
-            <a:r>
-              <a:rPr lang="en-US" altLang="zh-CN" sz="1600" dirty="0">
+              <a:rPr lang="zh-CN" altLang="en-US" sz="1500" dirty="0">
+                <a:latin typeface="Segoe UI" panose="020B0502040204020203" pitchFamily="34" charset="0"/>
+                <a:cs typeface="Segoe UI" panose="020B0502040204020203" pitchFamily="34" charset="0"/>
+              </a:rPr>
+              <a:t> </a:t>
+            </a:r>
+            <a:r>
+              <a:rPr lang="en-US" altLang="zh-CN" sz="1500" dirty="0">
                 <a:latin typeface="Segoe UI" panose="020B0502040204020203" pitchFamily="34" charset="0"/>
                 <a:cs typeface="Segoe UI" panose="020B0502040204020203" pitchFamily="34" charset="0"/>
               </a:rPr>
               <a:t>prior</a:t>
             </a:r>
             <a:r>
-              <a:rPr lang="zh-CN" altLang="en-US" sz="1600" dirty="0">
-                <a:latin typeface="Segoe UI" panose="020B0502040204020203" pitchFamily="34" charset="0"/>
-                <a:cs typeface="Segoe UI" panose="020B0502040204020203" pitchFamily="34" charset="0"/>
-              </a:rPr>
-              <a:t> </a:t>
-            </a:r>
-            <a:r>
-              <a:rPr lang="en-US" altLang="zh-CN" sz="1600" dirty="0">
+              <a:rPr lang="zh-CN" altLang="en-US" sz="1500" dirty="0">
+                <a:latin typeface="Segoe UI" panose="020B0502040204020203" pitchFamily="34" charset="0"/>
+                <a:cs typeface="Segoe UI" panose="020B0502040204020203" pitchFamily="34" charset="0"/>
+              </a:rPr>
+              <a:t> </a:t>
+            </a:r>
+            <a:r>
+              <a:rPr lang="en-US" altLang="zh-CN" sz="1500" dirty="0">
                 <a:latin typeface="Segoe UI" panose="020B0502040204020203" pitchFamily="34" charset="0"/>
                 <a:cs typeface="Segoe UI" panose="020B0502040204020203" pitchFamily="34" charset="0"/>
               </a:rPr>
               <a:t>to</a:t>
             </a:r>
             <a:r>
-              <a:rPr lang="zh-CN" altLang="en-US" sz="1600" dirty="0">
-                <a:latin typeface="Segoe UI" panose="020B0502040204020203" pitchFamily="34" charset="0"/>
-                <a:cs typeface="Segoe UI" panose="020B0502040204020203" pitchFamily="34" charset="0"/>
-              </a:rPr>
-              <a:t> </a:t>
-            </a:r>
-            <a:r>
-              <a:rPr lang="en-US" altLang="zh-CN" sz="1600" dirty="0">
+              <a:rPr lang="zh-CN" altLang="en-US" sz="1500" dirty="0">
+                <a:latin typeface="Segoe UI" panose="020B0502040204020203" pitchFamily="34" charset="0"/>
+                <a:cs typeface="Segoe UI" panose="020B0502040204020203" pitchFamily="34" charset="0"/>
+              </a:rPr>
+              <a:t> </a:t>
+            </a:r>
+            <a:r>
+              <a:rPr lang="en-US" altLang="zh-CN" sz="1500" dirty="0">
                 <a:latin typeface="Segoe UI" panose="020B0502040204020203" pitchFamily="34" charset="0"/>
                 <a:cs typeface="Segoe UI" panose="020B0502040204020203" pitchFamily="34" charset="0"/>
               </a:rPr>
               <a:t>pursuing</a:t>
             </a:r>
             <a:r>
-              <a:rPr lang="zh-CN" altLang="en-US" sz="1600" dirty="0">
-                <a:latin typeface="Segoe UI" panose="020B0502040204020203" pitchFamily="34" charset="0"/>
-                <a:cs typeface="Segoe UI" panose="020B0502040204020203" pitchFamily="34" charset="0"/>
-              </a:rPr>
-              <a:t> </a:t>
-            </a:r>
-            <a:r>
-              <a:rPr lang="en-US" altLang="zh-CN" sz="1600" dirty="0">
+              <a:rPr lang="zh-CN" altLang="en-US" sz="1500" dirty="0">
+                <a:latin typeface="Segoe UI" panose="020B0502040204020203" pitchFamily="34" charset="0"/>
+                <a:cs typeface="Segoe UI" panose="020B0502040204020203" pitchFamily="34" charset="0"/>
+              </a:rPr>
+              <a:t> </a:t>
+            </a:r>
+            <a:r>
+              <a:rPr lang="en-US" altLang="zh-CN" sz="1500" dirty="0">
                 <a:latin typeface="Segoe UI" panose="020B0502040204020203" pitchFamily="34" charset="0"/>
                 <a:cs typeface="Segoe UI" panose="020B0502040204020203" pitchFamily="34" charset="0"/>
               </a:rPr>
               <a:t>spectroscopic</a:t>
             </a:r>
             <a:r>
-              <a:rPr lang="zh-CN" altLang="en-US" sz="1600" dirty="0">
-                <a:latin typeface="Segoe UI" panose="020B0502040204020203" pitchFamily="34" charset="0"/>
-                <a:cs typeface="Segoe UI" panose="020B0502040204020203" pitchFamily="34" charset="0"/>
-              </a:rPr>
-              <a:t> </a:t>
-            </a:r>
-            <a:r>
-              <a:rPr lang="en-US" altLang="zh-CN" sz="1600" dirty="0">
+              <a:rPr lang="zh-CN" altLang="en-US" sz="1500" dirty="0">
+                <a:latin typeface="Segoe UI" panose="020B0502040204020203" pitchFamily="34" charset="0"/>
+                <a:cs typeface="Segoe UI" panose="020B0502040204020203" pitchFamily="34" charset="0"/>
+              </a:rPr>
+              <a:t> </a:t>
+            </a:r>
+            <a:r>
+              <a:rPr lang="en-US" altLang="zh-CN" sz="1500" dirty="0">
                 <a:latin typeface="Segoe UI" panose="020B0502040204020203" pitchFamily="34" charset="0"/>
                 <a:cs typeface="Segoe UI" panose="020B0502040204020203" pitchFamily="34" charset="0"/>
               </a:rPr>
               <a:t>observation,</a:t>
             </a:r>
             <a:r>
-              <a:rPr lang="zh-CN" altLang="en-US" sz="1600" dirty="0">
-                <a:latin typeface="Segoe UI" panose="020B0502040204020203" pitchFamily="34" charset="0"/>
-                <a:cs typeface="Segoe UI" panose="020B0502040204020203" pitchFamily="34" charset="0"/>
-              </a:rPr>
-              <a:t> </a:t>
-            </a:r>
-            <a:r>
-              <a:rPr lang="en-US" altLang="zh-CN" sz="1600" dirty="0">
+              <a:rPr lang="zh-CN" altLang="en-US" sz="1500" dirty="0">
+                <a:latin typeface="Segoe UI" panose="020B0502040204020203" pitchFamily="34" charset="0"/>
+                <a:cs typeface="Segoe UI" panose="020B0502040204020203" pitchFamily="34" charset="0"/>
+              </a:rPr>
+              <a:t> </a:t>
+            </a:r>
+            <a:r>
+              <a:rPr lang="en-US" altLang="zh-CN" sz="1500" dirty="0">
                 <a:latin typeface="Segoe UI" panose="020B0502040204020203" pitchFamily="34" charset="0"/>
                 <a:cs typeface="Segoe UI" panose="020B0502040204020203" pitchFamily="34" charset="0"/>
               </a:rPr>
               <a:t>thus</a:t>
             </a:r>
             <a:r>
-              <a:rPr lang="zh-CN" altLang="en-US" sz="1600" dirty="0">
-                <a:latin typeface="Segoe UI" panose="020B0502040204020203" pitchFamily="34" charset="0"/>
-                <a:cs typeface="Segoe UI" panose="020B0502040204020203" pitchFamily="34" charset="0"/>
-              </a:rPr>
-              <a:t> </a:t>
-            </a:r>
-            <a:r>
-              <a:rPr lang="en-US" altLang="zh-CN" sz="1600" dirty="0">
+              <a:rPr lang="zh-CN" altLang="en-US" sz="1500" dirty="0">
+                <a:latin typeface="Segoe UI" panose="020B0502040204020203" pitchFamily="34" charset="0"/>
+                <a:cs typeface="Segoe UI" panose="020B0502040204020203" pitchFamily="34" charset="0"/>
+              </a:rPr>
+              <a:t> </a:t>
+            </a:r>
+            <a:r>
+              <a:rPr lang="en-US" altLang="zh-CN" sz="1500" dirty="0">
                 <a:latin typeface="Segoe UI" panose="020B0502040204020203" pitchFamily="34" charset="0"/>
                 <a:cs typeface="Segoe UI" panose="020B0502040204020203" pitchFamily="34" charset="0"/>
               </a:rPr>
               <a:t>improving</a:t>
             </a:r>
             <a:r>
-              <a:rPr lang="zh-CN" altLang="en-US" sz="1600" dirty="0">
-                <a:latin typeface="Segoe UI" panose="020B0502040204020203" pitchFamily="34" charset="0"/>
-                <a:cs typeface="Segoe UI" panose="020B0502040204020203" pitchFamily="34" charset="0"/>
-              </a:rPr>
-              <a:t> </a:t>
-            </a:r>
-            <a:r>
-              <a:rPr lang="en-US" altLang="zh-CN" sz="1600" dirty="0">
+              <a:rPr lang="zh-CN" altLang="en-US" sz="1500" dirty="0">
+                <a:latin typeface="Segoe UI" panose="020B0502040204020203" pitchFamily="34" charset="0"/>
+                <a:cs typeface="Segoe UI" panose="020B0502040204020203" pitchFamily="34" charset="0"/>
+              </a:rPr>
+              <a:t> </a:t>
+            </a:r>
+            <a:r>
+              <a:rPr lang="en-US" altLang="zh-CN" sz="1500" dirty="0">
                 <a:latin typeface="Segoe UI" panose="020B0502040204020203" pitchFamily="34" charset="0"/>
                 <a:cs typeface="Segoe UI" panose="020B0502040204020203" pitchFamily="34" charset="0"/>
               </a:rPr>
               <a:t>the</a:t>
             </a:r>
             <a:r>
-              <a:rPr lang="zh-CN" altLang="en-US" sz="1600" dirty="0">
-                <a:latin typeface="Segoe UI" panose="020B0502040204020203" pitchFamily="34" charset="0"/>
-                <a:cs typeface="Segoe UI" panose="020B0502040204020203" pitchFamily="34" charset="0"/>
-              </a:rPr>
-              <a:t> </a:t>
-            </a:r>
-            <a:r>
-              <a:rPr lang="en-US" altLang="zh-CN" sz="1600" dirty="0">
+              <a:rPr lang="zh-CN" altLang="en-US" sz="1500" dirty="0">
+                <a:latin typeface="Segoe UI" panose="020B0502040204020203" pitchFamily="34" charset="0"/>
+                <a:cs typeface="Segoe UI" panose="020B0502040204020203" pitchFamily="34" charset="0"/>
+              </a:rPr>
+              <a:t> </a:t>
+            </a:r>
+            <a:r>
+              <a:rPr lang="en-US" altLang="zh-CN" sz="1500" dirty="0">
                 <a:latin typeface="Segoe UI" panose="020B0502040204020203" pitchFamily="34" charset="0"/>
                 <a:cs typeface="Segoe UI" panose="020B0502040204020203" pitchFamily="34" charset="0"/>
               </a:rPr>
               <a:t>efficiency</a:t>
             </a:r>
             <a:r>
-              <a:rPr lang="zh-CN" altLang="en-US" sz="1600" dirty="0">
-                <a:latin typeface="Segoe UI" panose="020B0502040204020203" pitchFamily="34" charset="0"/>
-                <a:cs typeface="Segoe UI" panose="020B0502040204020203" pitchFamily="34" charset="0"/>
-              </a:rPr>
-              <a:t> </a:t>
-            </a:r>
-            <a:r>
-              <a:rPr lang="en-US" altLang="zh-CN" sz="1600" dirty="0">
+              <a:rPr lang="zh-CN" altLang="en-US" sz="1500" dirty="0">
+                <a:latin typeface="Segoe UI" panose="020B0502040204020203" pitchFamily="34" charset="0"/>
+                <a:cs typeface="Segoe UI" panose="020B0502040204020203" pitchFamily="34" charset="0"/>
+              </a:rPr>
+              <a:t> </a:t>
+            </a:r>
+            <a:r>
+              <a:rPr lang="en-US" altLang="zh-CN" sz="1500" dirty="0">
                 <a:latin typeface="Segoe UI" panose="020B0502040204020203" pitchFamily="34" charset="0"/>
                 <a:cs typeface="Segoe UI" panose="020B0502040204020203" pitchFamily="34" charset="0"/>
               </a:rPr>
               <a:t>of</a:t>
             </a:r>
             <a:r>
-              <a:rPr lang="zh-CN" altLang="en-US" sz="1600" dirty="0">
-                <a:latin typeface="Segoe UI" panose="020B0502040204020203" pitchFamily="34" charset="0"/>
-                <a:cs typeface="Segoe UI" panose="020B0502040204020203" pitchFamily="34" charset="0"/>
-              </a:rPr>
-              <a:t> </a:t>
-            </a:r>
-            <a:r>
-              <a:rPr lang="en-US" altLang="zh-CN" sz="1600" dirty="0">
+              <a:rPr lang="zh-CN" altLang="en-US" sz="1500" dirty="0">
+                <a:latin typeface="Segoe UI" panose="020B0502040204020203" pitchFamily="34" charset="0"/>
+                <a:cs typeface="Segoe UI" panose="020B0502040204020203" pitchFamily="34" charset="0"/>
+              </a:rPr>
+              <a:t> </a:t>
+            </a:r>
+            <a:r>
+              <a:rPr lang="en-US" altLang="zh-CN" sz="1500" dirty="0">
                 <a:latin typeface="Segoe UI" panose="020B0502040204020203" pitchFamily="34" charset="0"/>
                 <a:cs typeface="Segoe UI" panose="020B0502040204020203" pitchFamily="34" charset="0"/>
               </a:rPr>
               <a:t>the</a:t>
             </a:r>
             <a:r>
-              <a:rPr lang="zh-CN" altLang="en-US" sz="1600" dirty="0">
-                <a:latin typeface="Segoe UI" panose="020B0502040204020203" pitchFamily="34" charset="0"/>
-                <a:cs typeface="Segoe UI" panose="020B0502040204020203" pitchFamily="34" charset="0"/>
-              </a:rPr>
-              <a:t> </a:t>
-            </a:r>
-            <a:r>
-              <a:rPr lang="en-US" altLang="zh-CN" sz="1600" dirty="0">
+              <a:rPr lang="zh-CN" altLang="en-US" sz="1500" dirty="0">
+                <a:latin typeface="Segoe UI" panose="020B0502040204020203" pitchFamily="34" charset="0"/>
+                <a:cs typeface="Segoe UI" panose="020B0502040204020203" pitchFamily="34" charset="0"/>
+              </a:rPr>
+              <a:t> </a:t>
+            </a:r>
+            <a:r>
+              <a:rPr lang="en-US" altLang="zh-CN" sz="1500" dirty="0">
                 <a:latin typeface="Segoe UI" panose="020B0502040204020203" pitchFamily="34" charset="0"/>
                 <a:cs typeface="Segoe UI" panose="020B0502040204020203" pitchFamily="34" charset="0"/>
               </a:rPr>
               <a:t>selection</a:t>
             </a:r>
             <a:r>
-              <a:rPr lang="zh-CN" altLang="en-US" sz="1600" dirty="0">
-                <a:latin typeface="Segoe UI" panose="020B0502040204020203" pitchFamily="34" charset="0"/>
-                <a:cs typeface="Segoe UI" panose="020B0502040204020203" pitchFamily="34" charset="0"/>
-              </a:rPr>
-              <a:t> </a:t>
-            </a:r>
-            <a:r>
-              <a:rPr lang="en-US" altLang="zh-CN" sz="1600" dirty="0">
+              <a:rPr lang="zh-CN" altLang="en-US" sz="1500" dirty="0">
+                <a:latin typeface="Segoe UI" panose="020B0502040204020203" pitchFamily="34" charset="0"/>
+                <a:cs typeface="Segoe UI" panose="020B0502040204020203" pitchFamily="34" charset="0"/>
+              </a:rPr>
+              <a:t> </a:t>
+            </a:r>
+            <a:r>
+              <a:rPr lang="en-US" altLang="zh-CN" sz="1500" dirty="0">
                 <a:latin typeface="Segoe UI" panose="020B0502040204020203" pitchFamily="34" charset="0"/>
                 <a:cs typeface="Segoe UI" panose="020B0502040204020203" pitchFamily="34" charset="0"/>
               </a:rPr>
               <a:t>of</a:t>
             </a:r>
             <a:r>
-              <a:rPr lang="zh-CN" altLang="en-US" sz="1600" dirty="0">
-                <a:latin typeface="Segoe UI" panose="020B0502040204020203" pitchFamily="34" charset="0"/>
-                <a:cs typeface="Segoe UI" panose="020B0502040204020203" pitchFamily="34" charset="0"/>
-              </a:rPr>
-              <a:t> </a:t>
-            </a:r>
-            <a:r>
-              <a:rPr lang="en-US" altLang="zh-CN" sz="1600" dirty="0">
+              <a:rPr lang="zh-CN" altLang="en-US" sz="1500" dirty="0">
+                <a:latin typeface="Segoe UI" panose="020B0502040204020203" pitchFamily="34" charset="0"/>
+                <a:cs typeface="Segoe UI" panose="020B0502040204020203" pitchFamily="34" charset="0"/>
+              </a:rPr>
+              <a:t> </a:t>
+            </a:r>
+            <a:r>
+              <a:rPr lang="en-US" altLang="zh-CN" sz="1500" dirty="0">
                 <a:latin typeface="Segoe UI" panose="020B0502040204020203" pitchFamily="34" charset="0"/>
                 <a:cs typeface="Segoe UI" panose="020B0502040204020203" pitchFamily="34" charset="0"/>
               </a:rPr>
               <a:t>quasar</a:t>
             </a:r>
             <a:r>
-              <a:rPr lang="zh-CN" altLang="en-US" sz="1600" dirty="0">
-                <a:latin typeface="Segoe UI" panose="020B0502040204020203" pitchFamily="34" charset="0"/>
-                <a:cs typeface="Segoe UI" panose="020B0502040204020203" pitchFamily="34" charset="0"/>
-              </a:rPr>
-              <a:t> </a:t>
-            </a:r>
-            <a:r>
-              <a:rPr lang="en-US" altLang="zh-CN" sz="1600" dirty="0">
+              <a:rPr lang="zh-CN" altLang="en-US" sz="1500" dirty="0">
+                <a:latin typeface="Segoe UI" panose="020B0502040204020203" pitchFamily="34" charset="0"/>
+                <a:cs typeface="Segoe UI" panose="020B0502040204020203" pitchFamily="34" charset="0"/>
+              </a:rPr>
+              <a:t> </a:t>
+            </a:r>
+            <a:r>
+              <a:rPr lang="en-US" altLang="zh-CN" sz="1500" dirty="0">
                 <a:latin typeface="Segoe UI" panose="020B0502040204020203" pitchFamily="34" charset="0"/>
                 <a:cs typeface="Segoe UI" panose="020B0502040204020203" pitchFamily="34" charset="0"/>
               </a:rPr>
               <a:t>candidates.</a:t>
             </a:r>
             <a:r>
-              <a:rPr lang="zh-CN" altLang="en-US" sz="1600" dirty="0">
-                <a:latin typeface="Segoe UI" panose="020B0502040204020203" pitchFamily="34" charset="0"/>
-                <a:cs typeface="Segoe UI" panose="020B0502040204020203" pitchFamily="34" charset="0"/>
-              </a:rPr>
-              <a:t> </a:t>
-            </a:r>
-            <a:endParaRPr lang="en-US" altLang="zh-CN" sz="1600" dirty="0">
-              <a:latin typeface="Segoe UI" panose="020B0502040204020203" pitchFamily="34" charset="0"/>
-              <a:cs typeface="Segoe UI" panose="020B0502040204020203" pitchFamily="34" charset="0"/>
-            </a:endParaRPr>
-          </a:p>
-          <a:p>
-            <a:endParaRPr lang="en-US" altLang="zh-CN" sz="1600" dirty="0">
-              <a:latin typeface="Segoe UI" panose="020B0502040204020203" pitchFamily="34" charset="0"/>
-              <a:cs typeface="Segoe UI" panose="020B0502040204020203" pitchFamily="34" charset="0"/>
-            </a:endParaRPr>
-          </a:p>
-          <a:p>
-            <a:endParaRPr lang="en-US" altLang="zh-CN" sz="1600" dirty="0">
+              <a:rPr lang="zh-CN" altLang="en-US" sz="1500" dirty="0">
+                <a:latin typeface="Segoe UI" panose="020B0502040204020203" pitchFamily="34" charset="0"/>
+                <a:cs typeface="Segoe UI" panose="020B0502040204020203" pitchFamily="34" charset="0"/>
+              </a:rPr>
+              <a:t> </a:t>
+            </a:r>
+            <a:endParaRPr lang="en-US" altLang="zh-CN" sz="1500" dirty="0">
               <a:latin typeface="Segoe UI" panose="020B0502040204020203" pitchFamily="34" charset="0"/>
               <a:cs typeface="Segoe UI" panose="020B0502040204020203" pitchFamily="34" charset="0"/>
             </a:endParaRPr>
@@ -5176,7 +5164,7 @@
         </p:nvSpPr>
         <p:spPr>
           <a:xfrm>
-            <a:off x="5437484" y="5697634"/>
+            <a:off x="438135" y="10431299"/>
             <a:ext cx="3844402" cy="584775"/>
           </a:xfrm>
           <a:prstGeom prst="rect">
@@ -5294,8 +5282,8 @@
         </p:nvSpPr>
         <p:spPr>
           <a:xfrm>
-            <a:off x="5437484" y="6247278"/>
-            <a:ext cx="4182781" cy="5262979"/>
+            <a:off x="5632595" y="10488253"/>
+            <a:ext cx="4182781" cy="1569660"/>
           </a:xfrm>
           <a:prstGeom prst="rect">
             <a:avLst/>
@@ -5308,1016 +5296,6 @@
           </a:bodyPr>
           <a:lstStyle/>
           <a:p>
-            <a:r>
-              <a:rPr lang="en-US" altLang="zh-CN" sz="1600" dirty="0">
-                <a:latin typeface="Segoe UI" panose="020B0502040204020203" pitchFamily="34" charset="0"/>
-                <a:cs typeface="Segoe UI" panose="020B0502040204020203" pitchFamily="34" charset="0"/>
-              </a:rPr>
-              <a:t>In</a:t>
-            </a:r>
-            <a:r>
-              <a:rPr lang="zh-CN" altLang="en-US" sz="1600" dirty="0">
-                <a:latin typeface="Segoe UI" panose="020B0502040204020203" pitchFamily="34" charset="0"/>
-                <a:cs typeface="Segoe UI" panose="020B0502040204020203" pitchFamily="34" charset="0"/>
-              </a:rPr>
-              <a:t> </a:t>
-            </a:r>
-            <a:r>
-              <a:rPr lang="en-US" altLang="zh-CN" sz="1600" dirty="0">
-                <a:latin typeface="Segoe UI" panose="020B0502040204020203" pitchFamily="34" charset="0"/>
-                <a:cs typeface="Segoe UI" panose="020B0502040204020203" pitchFamily="34" charset="0"/>
-              </a:rPr>
-              <a:t>this</a:t>
-            </a:r>
-            <a:r>
-              <a:rPr lang="zh-CN" altLang="en-US" sz="1600" dirty="0">
-                <a:latin typeface="Segoe UI" panose="020B0502040204020203" pitchFamily="34" charset="0"/>
-                <a:cs typeface="Segoe UI" panose="020B0502040204020203" pitchFamily="34" charset="0"/>
-              </a:rPr>
-              <a:t> </a:t>
-            </a:r>
-            <a:r>
-              <a:rPr lang="en-US" altLang="zh-CN" sz="1600" dirty="0">
-                <a:latin typeface="Segoe UI" panose="020B0502040204020203" pitchFamily="34" charset="0"/>
-                <a:cs typeface="Segoe UI" panose="020B0502040204020203" pitchFamily="34" charset="0"/>
-              </a:rPr>
-              <a:t>project,</a:t>
-            </a:r>
-            <a:r>
-              <a:rPr lang="zh-CN" altLang="en-US" sz="1600" dirty="0">
-                <a:latin typeface="Segoe UI" panose="020B0502040204020203" pitchFamily="34" charset="0"/>
-                <a:cs typeface="Segoe UI" panose="020B0502040204020203" pitchFamily="34" charset="0"/>
-              </a:rPr>
-              <a:t> </a:t>
-            </a:r>
-            <a:r>
-              <a:rPr lang="en-US" altLang="zh-CN" sz="1600" dirty="0">
-                <a:latin typeface="Segoe UI" panose="020B0502040204020203" pitchFamily="34" charset="0"/>
-                <a:cs typeface="Segoe UI" panose="020B0502040204020203" pitchFamily="34" charset="0"/>
-              </a:rPr>
-              <a:t>we</a:t>
-            </a:r>
-            <a:r>
-              <a:rPr lang="zh-CN" altLang="en-US" sz="1600" dirty="0">
-                <a:latin typeface="Segoe UI" panose="020B0502040204020203" pitchFamily="34" charset="0"/>
-                <a:cs typeface="Segoe UI" panose="020B0502040204020203" pitchFamily="34" charset="0"/>
-              </a:rPr>
-              <a:t> </a:t>
-            </a:r>
-            <a:r>
-              <a:rPr lang="en-US" altLang="zh-CN" sz="1600" dirty="0">
-                <a:latin typeface="Segoe UI" panose="020B0502040204020203" pitchFamily="34" charset="0"/>
-                <a:cs typeface="Segoe UI" panose="020B0502040204020203" pitchFamily="34" charset="0"/>
-              </a:rPr>
-              <a:t>collect</a:t>
-            </a:r>
-            <a:r>
-              <a:rPr lang="zh-CN" altLang="en-US" sz="1600" dirty="0">
-                <a:latin typeface="Segoe UI" panose="020B0502040204020203" pitchFamily="34" charset="0"/>
-                <a:cs typeface="Segoe UI" panose="020B0502040204020203" pitchFamily="34" charset="0"/>
-              </a:rPr>
-              <a:t> </a:t>
-            </a:r>
-            <a:r>
-              <a:rPr lang="en-US" altLang="zh-CN" sz="1600" dirty="0">
-                <a:latin typeface="Segoe UI" panose="020B0502040204020203" pitchFamily="34" charset="0"/>
-                <a:cs typeface="Segoe UI" panose="020B0502040204020203" pitchFamily="34" charset="0"/>
-              </a:rPr>
-              <a:t>the</a:t>
-            </a:r>
-            <a:r>
-              <a:rPr lang="zh-CN" altLang="en-US" sz="1600" dirty="0">
-                <a:latin typeface="Segoe UI" panose="020B0502040204020203" pitchFamily="34" charset="0"/>
-                <a:cs typeface="Segoe UI" panose="020B0502040204020203" pitchFamily="34" charset="0"/>
-              </a:rPr>
-              <a:t> </a:t>
-            </a:r>
-            <a:r>
-              <a:rPr lang="en-US" altLang="zh-CN" sz="1600" dirty="0">
-                <a:latin typeface="Segoe UI" panose="020B0502040204020203" pitchFamily="34" charset="0"/>
-                <a:cs typeface="Segoe UI" panose="020B0502040204020203" pitchFamily="34" charset="0"/>
-              </a:rPr>
-              <a:t>luminosity</a:t>
-            </a:r>
-            <a:r>
-              <a:rPr lang="zh-CN" altLang="en-US" sz="1600" dirty="0">
-                <a:latin typeface="Segoe UI" panose="020B0502040204020203" pitchFamily="34" charset="0"/>
-                <a:cs typeface="Segoe UI" panose="020B0502040204020203" pitchFamily="34" charset="0"/>
-              </a:rPr>
-              <a:t> </a:t>
-            </a:r>
-            <a:r>
-              <a:rPr lang="en-US" altLang="zh-CN" sz="1600" dirty="0">
-                <a:latin typeface="Segoe UI" panose="020B0502040204020203" pitchFamily="34" charset="0"/>
-                <a:cs typeface="Segoe UI" panose="020B0502040204020203" pitchFamily="34" charset="0"/>
-              </a:rPr>
-              <a:t>measured</a:t>
-            </a:r>
-            <a:r>
-              <a:rPr lang="zh-CN" altLang="en-US" sz="1600" dirty="0">
-                <a:latin typeface="Segoe UI" panose="020B0502040204020203" pitchFamily="34" charset="0"/>
-                <a:cs typeface="Segoe UI" panose="020B0502040204020203" pitchFamily="34" charset="0"/>
-              </a:rPr>
-              <a:t> </a:t>
-            </a:r>
-            <a:r>
-              <a:rPr lang="en-US" altLang="zh-CN" sz="1600" dirty="0">
-                <a:latin typeface="Segoe UI" panose="020B0502040204020203" pitchFamily="34" charset="0"/>
-                <a:cs typeface="Segoe UI" panose="020B0502040204020203" pitchFamily="34" charset="0"/>
-              </a:rPr>
-              <a:t>at</a:t>
-            </a:r>
-            <a:r>
-              <a:rPr lang="zh-CN" altLang="en-US" sz="1600" dirty="0">
-                <a:latin typeface="Segoe UI" panose="020B0502040204020203" pitchFamily="34" charset="0"/>
-                <a:cs typeface="Segoe UI" panose="020B0502040204020203" pitchFamily="34" charset="0"/>
-              </a:rPr>
-              <a:t> </a:t>
-            </a:r>
-            <a:r>
-              <a:rPr lang="en-US" altLang="zh-CN" sz="1600" dirty="0">
-                <a:latin typeface="Segoe UI" panose="020B0502040204020203" pitchFamily="34" charset="0"/>
-                <a:cs typeface="Segoe UI" panose="020B0502040204020203" pitchFamily="34" charset="0"/>
-              </a:rPr>
-              <a:t>different</a:t>
-            </a:r>
-            <a:r>
-              <a:rPr lang="zh-CN" altLang="en-US" sz="1600" dirty="0">
-                <a:latin typeface="Segoe UI" panose="020B0502040204020203" pitchFamily="34" charset="0"/>
-                <a:cs typeface="Segoe UI" panose="020B0502040204020203" pitchFamily="34" charset="0"/>
-              </a:rPr>
-              <a:t> </a:t>
-            </a:r>
-            <a:r>
-              <a:rPr lang="en-US" altLang="zh-CN" sz="1600" dirty="0">
-                <a:latin typeface="Segoe UI" panose="020B0502040204020203" pitchFamily="34" charset="0"/>
-                <a:cs typeface="Segoe UI" panose="020B0502040204020203" pitchFamily="34" charset="0"/>
-              </a:rPr>
-              <a:t>wavelengths</a:t>
-            </a:r>
-            <a:r>
-              <a:rPr lang="zh-CN" altLang="en-US" sz="1600" dirty="0">
-                <a:latin typeface="Segoe UI" panose="020B0502040204020203" pitchFamily="34" charset="0"/>
-                <a:cs typeface="Segoe UI" panose="020B0502040204020203" pitchFamily="34" charset="0"/>
-              </a:rPr>
-              <a:t> </a:t>
-            </a:r>
-            <a:r>
-              <a:rPr lang="en-US" altLang="zh-CN" sz="1600" dirty="0">
-                <a:latin typeface="Segoe UI" panose="020B0502040204020203" pitchFamily="34" charset="0"/>
-                <a:cs typeface="Segoe UI" panose="020B0502040204020203" pitchFamily="34" charset="0"/>
-              </a:rPr>
-              <a:t>of</a:t>
-            </a:r>
-            <a:r>
-              <a:rPr lang="zh-CN" altLang="en-US" sz="1600" dirty="0">
-                <a:latin typeface="Segoe UI" panose="020B0502040204020203" pitchFamily="34" charset="0"/>
-                <a:cs typeface="Segoe UI" panose="020B0502040204020203" pitchFamily="34" charset="0"/>
-              </a:rPr>
-              <a:t> </a:t>
-            </a:r>
-            <a:r>
-              <a:rPr lang="en-US" altLang="zh-CN" sz="1600" dirty="0">
-                <a:latin typeface="Segoe UI" panose="020B0502040204020203" pitchFamily="34" charset="0"/>
-                <a:cs typeface="Segoe UI" panose="020B0502040204020203" pitchFamily="34" charset="0"/>
-              </a:rPr>
-              <a:t>each</a:t>
-            </a:r>
-            <a:r>
-              <a:rPr lang="zh-CN" altLang="en-US" sz="1600" dirty="0">
-                <a:latin typeface="Segoe UI" panose="020B0502040204020203" pitchFamily="34" charset="0"/>
-                <a:cs typeface="Segoe UI" panose="020B0502040204020203" pitchFamily="34" charset="0"/>
-              </a:rPr>
-              <a:t> </a:t>
-            </a:r>
-            <a:r>
-              <a:rPr lang="en-US" altLang="zh-CN" sz="1600" dirty="0">
-                <a:latin typeface="Segoe UI" panose="020B0502040204020203" pitchFamily="34" charset="0"/>
-                <a:cs typeface="Segoe UI" panose="020B0502040204020203" pitchFamily="34" charset="0"/>
-              </a:rPr>
-              <a:t>celestial</a:t>
-            </a:r>
-            <a:r>
-              <a:rPr lang="zh-CN" altLang="en-US" sz="1600" dirty="0">
-                <a:latin typeface="Segoe UI" panose="020B0502040204020203" pitchFamily="34" charset="0"/>
-                <a:cs typeface="Segoe UI" panose="020B0502040204020203" pitchFamily="34" charset="0"/>
-              </a:rPr>
-              <a:t> </a:t>
-            </a:r>
-            <a:r>
-              <a:rPr lang="en-US" altLang="zh-CN" sz="1600" dirty="0">
-                <a:latin typeface="Segoe UI" panose="020B0502040204020203" pitchFamily="34" charset="0"/>
-                <a:cs typeface="Segoe UI" panose="020B0502040204020203" pitchFamily="34" charset="0"/>
-              </a:rPr>
-              <a:t>object,</a:t>
-            </a:r>
-            <a:r>
-              <a:rPr lang="zh-CN" altLang="en-US" sz="1600" dirty="0">
-                <a:latin typeface="Segoe UI" panose="020B0502040204020203" pitchFamily="34" charset="0"/>
-                <a:cs typeface="Segoe UI" panose="020B0502040204020203" pitchFamily="34" charset="0"/>
-              </a:rPr>
-              <a:t> </a:t>
-            </a:r>
-            <a:r>
-              <a:rPr lang="en-US" altLang="zh-CN" sz="1600" dirty="0">
-                <a:latin typeface="Segoe UI" panose="020B0502040204020203" pitchFamily="34" charset="0"/>
-                <a:cs typeface="Segoe UI" panose="020B0502040204020203" pitchFamily="34" charset="0"/>
-              </a:rPr>
-              <a:t>ranging</a:t>
-            </a:r>
-            <a:r>
-              <a:rPr lang="zh-CN" altLang="en-US" sz="1600" dirty="0">
-                <a:latin typeface="Segoe UI" panose="020B0502040204020203" pitchFamily="34" charset="0"/>
-                <a:cs typeface="Segoe UI" panose="020B0502040204020203" pitchFamily="34" charset="0"/>
-              </a:rPr>
-              <a:t> </a:t>
-            </a:r>
-            <a:r>
-              <a:rPr lang="en-US" altLang="zh-CN" sz="1600" dirty="0">
-                <a:latin typeface="Segoe UI" panose="020B0502040204020203" pitchFamily="34" charset="0"/>
-                <a:cs typeface="Segoe UI" panose="020B0502040204020203" pitchFamily="34" charset="0"/>
-              </a:rPr>
-              <a:t>from</a:t>
-            </a:r>
-            <a:r>
-              <a:rPr lang="zh-CN" altLang="en-US" sz="1600" dirty="0">
-                <a:latin typeface="Segoe UI" panose="020B0502040204020203" pitchFamily="34" charset="0"/>
-                <a:cs typeface="Segoe UI" panose="020B0502040204020203" pitchFamily="34" charset="0"/>
-              </a:rPr>
-              <a:t> </a:t>
-            </a:r>
-            <a:r>
-              <a:rPr lang="en-US" altLang="zh-CN" sz="1600" dirty="0">
-                <a:latin typeface="Segoe UI" panose="020B0502040204020203" pitchFamily="34" charset="0"/>
-                <a:cs typeface="Segoe UI" panose="020B0502040204020203" pitchFamily="34" charset="0"/>
-              </a:rPr>
-              <a:t>ultraviolet</a:t>
-            </a:r>
-            <a:r>
-              <a:rPr lang="zh-CN" altLang="en-US" sz="1600" dirty="0">
-                <a:latin typeface="Segoe UI" panose="020B0502040204020203" pitchFamily="34" charset="0"/>
-                <a:cs typeface="Segoe UI" panose="020B0502040204020203" pitchFamily="34" charset="0"/>
-              </a:rPr>
-              <a:t> </a:t>
-            </a:r>
-            <a:r>
-              <a:rPr lang="en-US" altLang="zh-CN" sz="1600" dirty="0">
-                <a:latin typeface="Segoe UI" panose="020B0502040204020203" pitchFamily="34" charset="0"/>
-                <a:cs typeface="Segoe UI" panose="020B0502040204020203" pitchFamily="34" charset="0"/>
-              </a:rPr>
-              <a:t>to</a:t>
-            </a:r>
-            <a:r>
-              <a:rPr lang="zh-CN" altLang="en-US" sz="1600" dirty="0">
-                <a:latin typeface="Segoe UI" panose="020B0502040204020203" pitchFamily="34" charset="0"/>
-                <a:cs typeface="Segoe UI" panose="020B0502040204020203" pitchFamily="34" charset="0"/>
-              </a:rPr>
-              <a:t> </a:t>
-            </a:r>
-            <a:r>
-              <a:rPr lang="en-US" altLang="zh-CN" sz="1600" dirty="0">
-                <a:latin typeface="Segoe UI" panose="020B0502040204020203" pitchFamily="34" charset="0"/>
-                <a:cs typeface="Segoe UI" panose="020B0502040204020203" pitchFamily="34" charset="0"/>
-              </a:rPr>
-              <a:t>near-infrared,</a:t>
-            </a:r>
-            <a:r>
-              <a:rPr lang="zh-CN" altLang="en-US" sz="1600" dirty="0">
-                <a:latin typeface="Segoe UI" panose="020B0502040204020203" pitchFamily="34" charset="0"/>
-                <a:cs typeface="Segoe UI" panose="020B0502040204020203" pitchFamily="34" charset="0"/>
-              </a:rPr>
-              <a:t> </a:t>
-            </a:r>
-            <a:r>
-              <a:rPr lang="en-US" altLang="zh-CN" sz="1600" dirty="0">
-                <a:latin typeface="Segoe UI" panose="020B0502040204020203" pitchFamily="34" charset="0"/>
-                <a:cs typeface="Segoe UI" panose="020B0502040204020203" pitchFamily="34" charset="0"/>
-              </a:rPr>
-              <a:t>from</a:t>
-            </a:r>
-            <a:r>
-              <a:rPr lang="zh-CN" altLang="en-US" sz="1600" dirty="0">
-                <a:latin typeface="Segoe UI" panose="020B0502040204020203" pitchFamily="34" charset="0"/>
-                <a:cs typeface="Segoe UI" panose="020B0502040204020203" pitchFamily="34" charset="0"/>
-              </a:rPr>
-              <a:t> </a:t>
-            </a:r>
-            <a:r>
-              <a:rPr lang="en-US" altLang="zh-CN" sz="1600" dirty="0">
-                <a:latin typeface="Segoe UI" panose="020B0502040204020203" pitchFamily="34" charset="0"/>
-                <a:cs typeface="Segoe UI" panose="020B0502040204020203" pitchFamily="34" charset="0"/>
-              </a:rPr>
-              <a:t>Solan</a:t>
-            </a:r>
-            <a:r>
-              <a:rPr lang="zh-CN" altLang="en-US" sz="1600" dirty="0">
-                <a:latin typeface="Segoe UI" panose="020B0502040204020203" pitchFamily="34" charset="0"/>
-                <a:cs typeface="Segoe UI" panose="020B0502040204020203" pitchFamily="34" charset="0"/>
-              </a:rPr>
-              <a:t> </a:t>
-            </a:r>
-            <a:r>
-              <a:rPr lang="en-US" altLang="zh-CN" sz="1600" dirty="0">
-                <a:latin typeface="Segoe UI" panose="020B0502040204020203" pitchFamily="34" charset="0"/>
-                <a:cs typeface="Segoe UI" panose="020B0502040204020203" pitchFamily="34" charset="0"/>
-              </a:rPr>
-              <a:t>Digital</a:t>
-            </a:r>
-            <a:r>
-              <a:rPr lang="zh-CN" altLang="en-US" sz="1600" dirty="0">
-                <a:latin typeface="Segoe UI" panose="020B0502040204020203" pitchFamily="34" charset="0"/>
-                <a:cs typeface="Segoe UI" panose="020B0502040204020203" pitchFamily="34" charset="0"/>
-              </a:rPr>
-              <a:t> </a:t>
-            </a:r>
-            <a:r>
-              <a:rPr lang="en-US" altLang="zh-CN" sz="1600" dirty="0">
-                <a:latin typeface="Segoe UI" panose="020B0502040204020203" pitchFamily="34" charset="0"/>
-                <a:cs typeface="Segoe UI" panose="020B0502040204020203" pitchFamily="34" charset="0"/>
-              </a:rPr>
-              <a:t>Sky</a:t>
-            </a:r>
-            <a:r>
-              <a:rPr lang="zh-CN" altLang="en-US" sz="1600" dirty="0">
-                <a:latin typeface="Segoe UI" panose="020B0502040204020203" pitchFamily="34" charset="0"/>
-                <a:cs typeface="Segoe UI" panose="020B0502040204020203" pitchFamily="34" charset="0"/>
-              </a:rPr>
-              <a:t> </a:t>
-            </a:r>
-            <a:r>
-              <a:rPr lang="en-US" altLang="zh-CN" sz="1600" dirty="0">
-                <a:latin typeface="Segoe UI" panose="020B0502040204020203" pitchFamily="34" charset="0"/>
-                <a:cs typeface="Segoe UI" panose="020B0502040204020203" pitchFamily="34" charset="0"/>
-              </a:rPr>
-              <a:t>Survey</a:t>
-            </a:r>
-            <a:r>
-              <a:rPr lang="zh-CN" altLang="en-US" sz="1600" dirty="0">
-                <a:latin typeface="Segoe UI" panose="020B0502040204020203" pitchFamily="34" charset="0"/>
-                <a:cs typeface="Segoe UI" panose="020B0502040204020203" pitchFamily="34" charset="0"/>
-              </a:rPr>
-              <a:t> </a:t>
-            </a:r>
-            <a:r>
-              <a:rPr lang="en-US" altLang="zh-CN" sz="1600" dirty="0">
-                <a:latin typeface="Segoe UI" panose="020B0502040204020203" pitchFamily="34" charset="0"/>
-                <a:cs typeface="Segoe UI" panose="020B0502040204020203" pitchFamily="34" charset="0"/>
-              </a:rPr>
-              <a:t>and</a:t>
-            </a:r>
-            <a:r>
-              <a:rPr lang="zh-CN" altLang="en-US" sz="1600" dirty="0">
-                <a:latin typeface="Segoe UI" panose="020B0502040204020203" pitchFamily="34" charset="0"/>
-                <a:cs typeface="Segoe UI" panose="020B0502040204020203" pitchFamily="34" charset="0"/>
-              </a:rPr>
-              <a:t> </a:t>
-            </a:r>
-            <a:r>
-              <a:rPr lang="en-US" altLang="zh-CN" sz="1600" dirty="0">
-                <a:latin typeface="Segoe UI" panose="020B0502040204020203" pitchFamily="34" charset="0"/>
-                <a:cs typeface="Segoe UI" panose="020B0502040204020203" pitchFamily="34" charset="0"/>
-              </a:rPr>
-              <a:t>measure</a:t>
-            </a:r>
-            <a:r>
-              <a:rPr lang="zh-CN" altLang="en-US" sz="1600" dirty="0">
-                <a:latin typeface="Segoe UI" panose="020B0502040204020203" pitchFamily="34" charset="0"/>
-                <a:cs typeface="Segoe UI" panose="020B0502040204020203" pitchFamily="34" charset="0"/>
-              </a:rPr>
-              <a:t> </a:t>
-            </a:r>
-            <a:r>
-              <a:rPr lang="en-US" altLang="zh-CN" sz="1600" dirty="0">
-                <a:latin typeface="Segoe UI" panose="020B0502040204020203" pitchFamily="34" charset="0"/>
-                <a:cs typeface="Segoe UI" panose="020B0502040204020203" pitchFamily="34" charset="0"/>
-              </a:rPr>
-              <a:t>the</a:t>
-            </a:r>
-            <a:r>
-              <a:rPr lang="zh-CN" altLang="en-US" sz="1600" dirty="0">
-                <a:latin typeface="Segoe UI" panose="020B0502040204020203" pitchFamily="34" charset="0"/>
-                <a:cs typeface="Segoe UI" panose="020B0502040204020203" pitchFamily="34" charset="0"/>
-              </a:rPr>
-              <a:t> </a:t>
-            </a:r>
-            <a:r>
-              <a:rPr lang="en-US" altLang="zh-CN" sz="1600" dirty="0">
-                <a:latin typeface="Segoe UI" panose="020B0502040204020203" pitchFamily="34" charset="0"/>
-                <a:cs typeface="Segoe UI" panose="020B0502040204020203" pitchFamily="34" charset="0"/>
-              </a:rPr>
-              <a:t>luminosity</a:t>
-            </a:r>
-            <a:r>
-              <a:rPr lang="zh-CN" altLang="en-US" sz="1600" dirty="0">
-                <a:latin typeface="Segoe UI" panose="020B0502040204020203" pitchFamily="34" charset="0"/>
-                <a:cs typeface="Segoe UI" panose="020B0502040204020203" pitchFamily="34" charset="0"/>
-              </a:rPr>
-              <a:t> </a:t>
-            </a:r>
-            <a:r>
-              <a:rPr lang="en-US" altLang="zh-CN" sz="1600" dirty="0">
-                <a:latin typeface="Segoe UI" panose="020B0502040204020203" pitchFamily="34" charset="0"/>
-                <a:cs typeface="Segoe UI" panose="020B0502040204020203" pitchFamily="34" charset="0"/>
-              </a:rPr>
-              <a:t>difference. amongst</a:t>
-            </a:r>
-            <a:r>
-              <a:rPr lang="zh-CN" altLang="en-US" sz="1600" dirty="0">
-                <a:latin typeface="Segoe UI" panose="020B0502040204020203" pitchFamily="34" charset="0"/>
-                <a:cs typeface="Segoe UI" panose="020B0502040204020203" pitchFamily="34" charset="0"/>
-              </a:rPr>
-              <a:t> </a:t>
-            </a:r>
-            <a:r>
-              <a:rPr lang="en-US" altLang="zh-CN" sz="1600" dirty="0">
-                <a:latin typeface="Segoe UI" panose="020B0502040204020203" pitchFamily="34" charset="0"/>
-                <a:cs typeface="Segoe UI" panose="020B0502040204020203" pitchFamily="34" charset="0"/>
-              </a:rPr>
-              <a:t>wavelength</a:t>
-            </a:r>
-            <a:r>
-              <a:rPr lang="zh-CN" altLang="en-US" sz="1600" dirty="0">
-                <a:latin typeface="Segoe UI" panose="020B0502040204020203" pitchFamily="34" charset="0"/>
-                <a:cs typeface="Segoe UI" panose="020B0502040204020203" pitchFamily="34" charset="0"/>
-              </a:rPr>
-              <a:t> </a:t>
-            </a:r>
-            <a:endParaRPr lang="en-US" altLang="zh-CN" sz="1600" dirty="0">
-              <a:latin typeface="Segoe UI" panose="020B0502040204020203" pitchFamily="34" charset="0"/>
-              <a:cs typeface="Segoe UI" panose="020B0502040204020203" pitchFamily="34" charset="0"/>
-            </a:endParaRPr>
-          </a:p>
-          <a:p>
-            <a:endParaRPr lang="en-US" altLang="zh-CN" sz="1600" dirty="0">
-              <a:latin typeface="Segoe UI" panose="020B0502040204020203" pitchFamily="34" charset="0"/>
-              <a:cs typeface="Segoe UI" panose="020B0502040204020203" pitchFamily="34" charset="0"/>
-            </a:endParaRPr>
-          </a:p>
-          <a:p>
-            <a:r>
-              <a:rPr lang="en-US" altLang="zh-CN" sz="1600" dirty="0">
-                <a:latin typeface="Segoe UI" panose="020B0502040204020203" pitchFamily="34" charset="0"/>
-                <a:cs typeface="Segoe UI" panose="020B0502040204020203" pitchFamily="34" charset="0"/>
-              </a:rPr>
-              <a:t>We</a:t>
-            </a:r>
-            <a:r>
-              <a:rPr lang="zh-CN" altLang="en-US" sz="1600" dirty="0">
-                <a:latin typeface="Segoe UI" panose="020B0502040204020203" pitchFamily="34" charset="0"/>
-                <a:cs typeface="Segoe UI" panose="020B0502040204020203" pitchFamily="34" charset="0"/>
-              </a:rPr>
-              <a:t> </a:t>
-            </a:r>
-            <a:r>
-              <a:rPr lang="en-US" altLang="zh-CN" sz="1600" dirty="0">
-                <a:latin typeface="Segoe UI" panose="020B0502040204020203" pitchFamily="34" charset="0"/>
-                <a:cs typeface="Segoe UI" panose="020B0502040204020203" pitchFamily="34" charset="0"/>
-              </a:rPr>
-              <a:t>use</a:t>
-            </a:r>
-            <a:r>
-              <a:rPr lang="zh-CN" altLang="en-US" sz="1600" dirty="0">
-                <a:latin typeface="Segoe UI" panose="020B0502040204020203" pitchFamily="34" charset="0"/>
-                <a:cs typeface="Segoe UI" panose="020B0502040204020203" pitchFamily="34" charset="0"/>
-              </a:rPr>
-              <a:t> </a:t>
-            </a:r>
-            <a:r>
-              <a:rPr lang="en-US" altLang="zh-CN" sz="1600" dirty="0">
-                <a:latin typeface="Segoe UI" panose="020B0502040204020203" pitchFamily="34" charset="0"/>
-                <a:cs typeface="Segoe UI" panose="020B0502040204020203" pitchFamily="34" charset="0"/>
-              </a:rPr>
-              <a:t>the</a:t>
-            </a:r>
-            <a:r>
-              <a:rPr lang="zh-CN" altLang="en-US" sz="1600" dirty="0">
-                <a:latin typeface="Segoe UI" panose="020B0502040204020203" pitchFamily="34" charset="0"/>
-                <a:cs typeface="Segoe UI" panose="020B0502040204020203" pitchFamily="34" charset="0"/>
-              </a:rPr>
-              <a:t> </a:t>
-            </a:r>
-            <a:r>
-              <a:rPr lang="en-US" altLang="zh-CN" sz="1600" dirty="0">
-                <a:latin typeface="Segoe UI" panose="020B0502040204020203" pitchFamily="34" charset="0"/>
-                <a:cs typeface="Segoe UI" panose="020B0502040204020203" pitchFamily="34" charset="0"/>
-              </a:rPr>
-              <a:t>luminosity</a:t>
-            </a:r>
-            <a:r>
-              <a:rPr lang="zh-CN" altLang="en-US" sz="1600" dirty="0">
-                <a:latin typeface="Segoe UI" panose="020B0502040204020203" pitchFamily="34" charset="0"/>
-                <a:cs typeface="Segoe UI" panose="020B0502040204020203" pitchFamily="34" charset="0"/>
-              </a:rPr>
-              <a:t> </a:t>
-            </a:r>
-            <a:r>
-              <a:rPr lang="en-US" altLang="zh-CN" sz="1600" dirty="0">
-                <a:latin typeface="Segoe UI" panose="020B0502040204020203" pitchFamily="34" charset="0"/>
-                <a:cs typeface="Segoe UI" panose="020B0502040204020203" pitchFamily="34" charset="0"/>
-              </a:rPr>
-              <a:t>difference,</a:t>
-            </a:r>
-            <a:r>
-              <a:rPr lang="zh-CN" altLang="en-US" sz="1600" dirty="0">
-                <a:latin typeface="Segoe UI" panose="020B0502040204020203" pitchFamily="34" charset="0"/>
-                <a:cs typeface="Segoe UI" panose="020B0502040204020203" pitchFamily="34" charset="0"/>
-              </a:rPr>
-              <a:t> </a:t>
-            </a:r>
-            <a:r>
-              <a:rPr lang="en-US" altLang="zh-CN" sz="1600" dirty="0">
-                <a:latin typeface="Segoe UI" panose="020B0502040204020203" pitchFamily="34" charset="0"/>
-                <a:cs typeface="Segoe UI" panose="020B0502040204020203" pitchFamily="34" charset="0"/>
-              </a:rPr>
-              <a:t>termed</a:t>
-            </a:r>
-            <a:r>
-              <a:rPr lang="zh-CN" altLang="en-US" sz="1600" dirty="0">
-                <a:latin typeface="Segoe UI" panose="020B0502040204020203" pitchFamily="34" charset="0"/>
-                <a:cs typeface="Segoe UI" panose="020B0502040204020203" pitchFamily="34" charset="0"/>
-              </a:rPr>
-              <a:t> </a:t>
-            </a:r>
-            <a:r>
-              <a:rPr lang="en-US" altLang="zh-CN" sz="1600" dirty="0">
-                <a:latin typeface="Segoe UI" panose="020B0502040204020203" pitchFamily="34" charset="0"/>
-                <a:cs typeface="Segoe UI" panose="020B0502040204020203" pitchFamily="34" charset="0"/>
-              </a:rPr>
-              <a:t>as</a:t>
-            </a:r>
-            <a:r>
-              <a:rPr lang="zh-CN" altLang="en-US" sz="1600" dirty="0">
-                <a:latin typeface="Segoe UI" panose="020B0502040204020203" pitchFamily="34" charset="0"/>
-                <a:cs typeface="Segoe UI" panose="020B0502040204020203" pitchFamily="34" charset="0"/>
-              </a:rPr>
-              <a:t> </a:t>
-            </a:r>
-            <a:r>
-              <a:rPr lang="en-US" altLang="zh-CN" sz="1600" dirty="0">
-                <a:latin typeface="Segoe UI" panose="020B0502040204020203" pitchFamily="34" charset="0"/>
-                <a:cs typeface="Segoe UI" panose="020B0502040204020203" pitchFamily="34" charset="0"/>
-              </a:rPr>
-              <a:t>“color,”</a:t>
-            </a:r>
-            <a:r>
-              <a:rPr lang="zh-CN" altLang="en-US" sz="1600" dirty="0">
-                <a:latin typeface="Segoe UI" panose="020B0502040204020203" pitchFamily="34" charset="0"/>
-                <a:cs typeface="Segoe UI" panose="020B0502040204020203" pitchFamily="34" charset="0"/>
-              </a:rPr>
-              <a:t> </a:t>
-            </a:r>
-            <a:r>
-              <a:rPr lang="en-US" altLang="zh-CN" sz="1600" dirty="0">
-                <a:latin typeface="Segoe UI" panose="020B0502040204020203" pitchFamily="34" charset="0"/>
-                <a:cs typeface="Segoe UI" panose="020B0502040204020203" pitchFamily="34" charset="0"/>
-              </a:rPr>
-              <a:t>as</a:t>
-            </a:r>
-            <a:r>
-              <a:rPr lang="zh-CN" altLang="en-US" sz="1600" dirty="0">
-                <a:latin typeface="Segoe UI" panose="020B0502040204020203" pitchFamily="34" charset="0"/>
-                <a:cs typeface="Segoe UI" panose="020B0502040204020203" pitchFamily="34" charset="0"/>
-              </a:rPr>
-              <a:t> </a:t>
-            </a:r>
-            <a:r>
-              <a:rPr lang="en-US" altLang="zh-CN" sz="1600" dirty="0">
-                <a:latin typeface="Segoe UI" panose="020B0502040204020203" pitchFamily="34" charset="0"/>
-                <a:cs typeface="Segoe UI" panose="020B0502040204020203" pitchFamily="34" charset="0"/>
-              </a:rPr>
-              <a:t>the</a:t>
-            </a:r>
-            <a:r>
-              <a:rPr lang="zh-CN" altLang="en-US" sz="1600" dirty="0">
-                <a:latin typeface="Segoe UI" panose="020B0502040204020203" pitchFamily="34" charset="0"/>
-                <a:cs typeface="Segoe UI" panose="020B0502040204020203" pitchFamily="34" charset="0"/>
-              </a:rPr>
-              <a:t> </a:t>
-            </a:r>
-            <a:r>
-              <a:rPr lang="en-US" altLang="zh-CN" sz="1600" dirty="0">
-                <a:latin typeface="Segoe UI" panose="020B0502040204020203" pitchFamily="34" charset="0"/>
-                <a:cs typeface="Segoe UI" panose="020B0502040204020203" pitchFamily="34" charset="0"/>
-              </a:rPr>
-              <a:t>feature</a:t>
-            </a:r>
-            <a:r>
-              <a:rPr lang="zh-CN" altLang="en-US" sz="1600" dirty="0">
-                <a:latin typeface="Segoe UI" panose="020B0502040204020203" pitchFamily="34" charset="0"/>
-                <a:cs typeface="Segoe UI" panose="020B0502040204020203" pitchFamily="34" charset="0"/>
-              </a:rPr>
-              <a:t> </a:t>
-            </a:r>
-            <a:r>
-              <a:rPr lang="en-US" altLang="zh-CN" sz="1600" dirty="0">
-                <a:latin typeface="Segoe UI" panose="020B0502040204020203" pitchFamily="34" charset="0"/>
-                <a:cs typeface="Segoe UI" panose="020B0502040204020203" pitchFamily="34" charset="0"/>
-              </a:rPr>
-              <a:t>inputs</a:t>
-            </a:r>
-            <a:r>
-              <a:rPr lang="zh-CN" altLang="en-US" sz="1600" dirty="0">
-                <a:latin typeface="Segoe UI" panose="020B0502040204020203" pitchFamily="34" charset="0"/>
-                <a:cs typeface="Segoe UI" panose="020B0502040204020203" pitchFamily="34" charset="0"/>
-              </a:rPr>
-              <a:t> </a:t>
-            </a:r>
-            <a:r>
-              <a:rPr lang="en-US" altLang="zh-CN" sz="1600" dirty="0">
-                <a:latin typeface="Segoe UI" panose="020B0502040204020203" pitchFamily="34" charset="0"/>
-                <a:cs typeface="Segoe UI" panose="020B0502040204020203" pitchFamily="34" charset="0"/>
-              </a:rPr>
-              <a:t>for</a:t>
-            </a:r>
-            <a:r>
-              <a:rPr lang="zh-CN" altLang="en-US" sz="1600" dirty="0">
-                <a:latin typeface="Segoe UI" panose="020B0502040204020203" pitchFamily="34" charset="0"/>
-                <a:cs typeface="Segoe UI" panose="020B0502040204020203" pitchFamily="34" charset="0"/>
-              </a:rPr>
-              <a:t> </a:t>
-            </a:r>
-            <a:r>
-              <a:rPr lang="en-US" altLang="zh-CN" sz="1600" dirty="0">
-                <a:latin typeface="Segoe UI" panose="020B0502040204020203" pitchFamily="34" charset="0"/>
-                <a:cs typeface="Segoe UI" panose="020B0502040204020203" pitchFamily="34" charset="0"/>
-              </a:rPr>
-              <a:t>Random</a:t>
-            </a:r>
-            <a:r>
-              <a:rPr lang="zh-CN" altLang="en-US" sz="1600" dirty="0">
-                <a:latin typeface="Segoe UI" panose="020B0502040204020203" pitchFamily="34" charset="0"/>
-                <a:cs typeface="Segoe UI" panose="020B0502040204020203" pitchFamily="34" charset="0"/>
-              </a:rPr>
-              <a:t> </a:t>
-            </a:r>
-            <a:r>
-              <a:rPr lang="en-US" altLang="zh-CN" sz="1600" dirty="0">
-                <a:latin typeface="Segoe UI" panose="020B0502040204020203" pitchFamily="34" charset="0"/>
-                <a:cs typeface="Segoe UI" panose="020B0502040204020203" pitchFamily="34" charset="0"/>
-              </a:rPr>
-              <a:t>Forest</a:t>
-            </a:r>
-            <a:r>
-              <a:rPr lang="zh-CN" altLang="en-US" sz="1600" dirty="0">
-                <a:latin typeface="Segoe UI" panose="020B0502040204020203" pitchFamily="34" charset="0"/>
-                <a:cs typeface="Segoe UI" panose="020B0502040204020203" pitchFamily="34" charset="0"/>
-              </a:rPr>
-              <a:t> </a:t>
-            </a:r>
-            <a:r>
-              <a:rPr lang="en-US" altLang="zh-CN" sz="1600" dirty="0">
-                <a:latin typeface="Segoe UI" panose="020B0502040204020203" pitchFamily="34" charset="0"/>
-                <a:cs typeface="Segoe UI" panose="020B0502040204020203" pitchFamily="34" charset="0"/>
-              </a:rPr>
-              <a:t>Classifier</a:t>
-            </a:r>
-            <a:r>
-              <a:rPr lang="zh-CN" altLang="en-US" sz="1600" dirty="0">
-                <a:latin typeface="Segoe UI" panose="020B0502040204020203" pitchFamily="34" charset="0"/>
-                <a:cs typeface="Segoe UI" panose="020B0502040204020203" pitchFamily="34" charset="0"/>
-              </a:rPr>
-              <a:t> </a:t>
-            </a:r>
-            <a:r>
-              <a:rPr lang="en-US" altLang="zh-CN" sz="1600" dirty="0">
-                <a:latin typeface="Segoe UI" panose="020B0502040204020203" pitchFamily="34" charset="0"/>
-                <a:cs typeface="Segoe UI" panose="020B0502040204020203" pitchFamily="34" charset="0"/>
-              </a:rPr>
-              <a:t>model</a:t>
-            </a:r>
-            <a:r>
-              <a:rPr lang="zh-CN" altLang="en-US" sz="1600" dirty="0">
-                <a:latin typeface="Segoe UI" panose="020B0502040204020203" pitchFamily="34" charset="0"/>
-                <a:cs typeface="Segoe UI" panose="020B0502040204020203" pitchFamily="34" charset="0"/>
-              </a:rPr>
-              <a:t> </a:t>
-            </a:r>
-            <a:r>
-              <a:rPr lang="en-US" altLang="zh-CN" sz="1600" dirty="0">
-                <a:latin typeface="Segoe UI" panose="020B0502040204020203" pitchFamily="34" charset="0"/>
-                <a:cs typeface="Segoe UI" panose="020B0502040204020203" pitchFamily="34" charset="0"/>
-              </a:rPr>
-              <a:t>to</a:t>
-            </a:r>
-            <a:r>
-              <a:rPr lang="zh-CN" altLang="en-US" sz="1600" dirty="0">
-                <a:latin typeface="Segoe UI" panose="020B0502040204020203" pitchFamily="34" charset="0"/>
-                <a:cs typeface="Segoe UI" panose="020B0502040204020203" pitchFamily="34" charset="0"/>
-              </a:rPr>
-              <a:t> </a:t>
-            </a:r>
-            <a:r>
-              <a:rPr lang="en-US" altLang="zh-CN" sz="1600" dirty="0">
-                <a:latin typeface="Segoe UI" panose="020B0502040204020203" pitchFamily="34" charset="0"/>
-                <a:cs typeface="Segoe UI" panose="020B0502040204020203" pitchFamily="34" charset="0"/>
-              </a:rPr>
-              <a:t>classify</a:t>
-            </a:r>
-            <a:r>
-              <a:rPr lang="zh-CN" altLang="en-US" sz="1600" dirty="0">
-                <a:latin typeface="Segoe UI" panose="020B0502040204020203" pitchFamily="34" charset="0"/>
-                <a:cs typeface="Segoe UI" panose="020B0502040204020203" pitchFamily="34" charset="0"/>
-              </a:rPr>
-              <a:t> </a:t>
-            </a:r>
-            <a:r>
-              <a:rPr lang="en-US" altLang="zh-CN" sz="1600" dirty="0">
-                <a:latin typeface="Segoe UI" panose="020B0502040204020203" pitchFamily="34" charset="0"/>
-                <a:cs typeface="Segoe UI" panose="020B0502040204020203" pitchFamily="34" charset="0"/>
-              </a:rPr>
-              <a:t>quasars</a:t>
-            </a:r>
-            <a:r>
-              <a:rPr lang="zh-CN" altLang="en-US" sz="1600" dirty="0">
-                <a:latin typeface="Segoe UI" panose="020B0502040204020203" pitchFamily="34" charset="0"/>
-                <a:cs typeface="Segoe UI" panose="020B0502040204020203" pitchFamily="34" charset="0"/>
-              </a:rPr>
-              <a:t> </a:t>
-            </a:r>
-            <a:r>
-              <a:rPr lang="en-US" altLang="zh-CN" sz="1600" dirty="0">
-                <a:latin typeface="Segoe UI" panose="020B0502040204020203" pitchFamily="34" charset="0"/>
-                <a:cs typeface="Segoe UI" panose="020B0502040204020203" pitchFamily="34" charset="0"/>
-              </a:rPr>
-              <a:t>and</a:t>
-            </a:r>
-            <a:r>
-              <a:rPr lang="zh-CN" altLang="en-US" sz="1600" dirty="0">
-                <a:latin typeface="Segoe UI" panose="020B0502040204020203" pitchFamily="34" charset="0"/>
-                <a:cs typeface="Segoe UI" panose="020B0502040204020203" pitchFamily="34" charset="0"/>
-              </a:rPr>
-              <a:t> </a:t>
-            </a:r>
-            <a:r>
-              <a:rPr lang="en-US" altLang="zh-CN" sz="1600" dirty="0">
-                <a:latin typeface="Segoe UI" panose="020B0502040204020203" pitchFamily="34" charset="0"/>
-                <a:cs typeface="Segoe UI" panose="020B0502040204020203" pitchFamily="34" charset="0"/>
-              </a:rPr>
-              <a:t>non-quasars</a:t>
-            </a:r>
-            <a:r>
-              <a:rPr lang="zh-CN" altLang="en-US" sz="1600" dirty="0">
-                <a:latin typeface="Segoe UI" panose="020B0502040204020203" pitchFamily="34" charset="0"/>
-                <a:cs typeface="Segoe UI" panose="020B0502040204020203" pitchFamily="34" charset="0"/>
-              </a:rPr>
-              <a:t> </a:t>
-            </a:r>
-            <a:r>
-              <a:rPr lang="en-US" altLang="zh-CN" sz="1600" dirty="0">
-                <a:latin typeface="Segoe UI" panose="020B0502040204020203" pitchFamily="34" charset="0"/>
-                <a:cs typeface="Segoe UI" panose="020B0502040204020203" pitchFamily="34" charset="0"/>
-              </a:rPr>
-              <a:t>objects.</a:t>
-            </a:r>
-            <a:r>
-              <a:rPr lang="zh-CN" altLang="en-US" sz="1600" dirty="0">
-                <a:latin typeface="Segoe UI" panose="020B0502040204020203" pitchFamily="34" charset="0"/>
-                <a:cs typeface="Segoe UI" panose="020B0502040204020203" pitchFamily="34" charset="0"/>
-              </a:rPr>
-              <a:t> </a:t>
-            </a:r>
-            <a:endParaRPr lang="en-US" altLang="zh-CN" sz="1600" dirty="0">
-              <a:latin typeface="Segoe UI" panose="020B0502040204020203" pitchFamily="34" charset="0"/>
-              <a:cs typeface="Segoe UI" panose="020B0502040204020203" pitchFamily="34" charset="0"/>
-            </a:endParaRPr>
-          </a:p>
-          <a:p>
-            <a:endParaRPr lang="en-US" altLang="zh-CN" sz="1600" dirty="0">
-              <a:latin typeface="Segoe UI" panose="020B0502040204020203" pitchFamily="34" charset="0"/>
-              <a:cs typeface="Segoe UI" panose="020B0502040204020203" pitchFamily="34" charset="0"/>
-            </a:endParaRPr>
-          </a:p>
-          <a:p>
-            <a:r>
-              <a:rPr lang="en-US" altLang="zh-CN" sz="1600" dirty="0">
-                <a:latin typeface="Segoe UI" panose="020B0502040204020203" pitchFamily="34" charset="0"/>
-                <a:cs typeface="Segoe UI" panose="020B0502040204020203" pitchFamily="34" charset="0"/>
-              </a:rPr>
-              <a:t>The</a:t>
-            </a:r>
-            <a:r>
-              <a:rPr lang="zh-CN" altLang="en-US" sz="1600" dirty="0">
-                <a:latin typeface="Segoe UI" panose="020B0502040204020203" pitchFamily="34" charset="0"/>
-                <a:cs typeface="Segoe UI" panose="020B0502040204020203" pitchFamily="34" charset="0"/>
-              </a:rPr>
-              <a:t> </a:t>
-            </a:r>
-            <a:r>
-              <a:rPr lang="en-US" altLang="zh-CN" sz="1600" dirty="0">
-                <a:latin typeface="Segoe UI" panose="020B0502040204020203" pitchFamily="34" charset="0"/>
-                <a:cs typeface="Segoe UI" panose="020B0502040204020203" pitchFamily="34" charset="0"/>
-              </a:rPr>
-              <a:t>model</a:t>
-            </a:r>
-            <a:r>
-              <a:rPr lang="zh-CN" altLang="en-US" sz="1600" dirty="0">
-                <a:latin typeface="Segoe UI" panose="020B0502040204020203" pitchFamily="34" charset="0"/>
-                <a:cs typeface="Segoe UI" panose="020B0502040204020203" pitchFamily="34" charset="0"/>
-              </a:rPr>
-              <a:t> </a:t>
-            </a:r>
-            <a:r>
-              <a:rPr lang="en-US" altLang="zh-CN" sz="1600" dirty="0">
-                <a:latin typeface="Segoe UI" panose="020B0502040204020203" pitchFamily="34" charset="0"/>
-                <a:cs typeface="Segoe UI" panose="020B0502040204020203" pitchFamily="34" charset="0"/>
-              </a:rPr>
-              <a:t>is</a:t>
-            </a:r>
-            <a:r>
-              <a:rPr lang="zh-CN" altLang="en-US" sz="1600" dirty="0">
-                <a:latin typeface="Segoe UI" panose="020B0502040204020203" pitchFamily="34" charset="0"/>
-                <a:cs typeface="Segoe UI" panose="020B0502040204020203" pitchFamily="34" charset="0"/>
-              </a:rPr>
-              <a:t> </a:t>
-            </a:r>
-            <a:r>
-              <a:rPr lang="en-US" altLang="zh-CN" sz="1600" dirty="0">
-                <a:latin typeface="Segoe UI" panose="020B0502040204020203" pitchFamily="34" charset="0"/>
-                <a:cs typeface="Segoe UI" panose="020B0502040204020203" pitchFamily="34" charset="0"/>
-              </a:rPr>
-              <a:t>currently</a:t>
-            </a:r>
-            <a:r>
-              <a:rPr lang="zh-CN" altLang="en-US" sz="1600" dirty="0">
-                <a:latin typeface="Segoe UI" panose="020B0502040204020203" pitchFamily="34" charset="0"/>
-                <a:cs typeface="Segoe UI" panose="020B0502040204020203" pitchFamily="34" charset="0"/>
-              </a:rPr>
-              <a:t> </a:t>
-            </a:r>
-            <a:r>
-              <a:rPr lang="en-US" altLang="zh-CN" sz="1600" dirty="0">
-                <a:latin typeface="Segoe UI" panose="020B0502040204020203" pitchFamily="34" charset="0"/>
-                <a:cs typeface="Segoe UI" panose="020B0502040204020203" pitchFamily="34" charset="0"/>
-              </a:rPr>
-              <a:t>trained</a:t>
-            </a:r>
-            <a:r>
-              <a:rPr lang="zh-CN" altLang="en-US" sz="1600" dirty="0">
-                <a:latin typeface="Segoe UI" panose="020B0502040204020203" pitchFamily="34" charset="0"/>
-                <a:cs typeface="Segoe UI" panose="020B0502040204020203" pitchFamily="34" charset="0"/>
-              </a:rPr>
-              <a:t> </a:t>
-            </a:r>
-            <a:r>
-              <a:rPr lang="en-US" altLang="zh-CN" sz="1600" dirty="0">
-                <a:latin typeface="Segoe UI" panose="020B0502040204020203" pitchFamily="34" charset="0"/>
-                <a:cs typeface="Segoe UI" panose="020B0502040204020203" pitchFamily="34" charset="0"/>
-              </a:rPr>
-              <a:t>on</a:t>
-            </a:r>
-            <a:r>
-              <a:rPr lang="zh-CN" altLang="en-US" sz="1600" dirty="0">
-                <a:latin typeface="Segoe UI" panose="020B0502040204020203" pitchFamily="34" charset="0"/>
-                <a:cs typeface="Segoe UI" panose="020B0502040204020203" pitchFamily="34" charset="0"/>
-              </a:rPr>
-              <a:t> </a:t>
-            </a:r>
-            <a:r>
-              <a:rPr lang="en-US" altLang="zh-CN" sz="1600" dirty="0">
-                <a:latin typeface="Segoe UI" panose="020B0502040204020203" pitchFamily="34" charset="0"/>
-                <a:cs typeface="Segoe UI" panose="020B0502040204020203" pitchFamily="34" charset="0"/>
-              </a:rPr>
-              <a:t>194</a:t>
-            </a:r>
-            <a:r>
-              <a:rPr lang="zh-CN" altLang="en-US" sz="1600" dirty="0">
-                <a:latin typeface="Segoe UI" panose="020B0502040204020203" pitchFamily="34" charset="0"/>
-                <a:cs typeface="Segoe UI" panose="020B0502040204020203" pitchFamily="34" charset="0"/>
-              </a:rPr>
-              <a:t> </a:t>
-            </a:r>
-            <a:r>
-              <a:rPr lang="en-US" altLang="zh-CN" sz="1600" dirty="0">
-                <a:latin typeface="Segoe UI" panose="020B0502040204020203" pitchFamily="34" charset="0"/>
-                <a:cs typeface="Segoe UI" panose="020B0502040204020203" pitchFamily="34" charset="0"/>
-              </a:rPr>
-              <a:t>labelled</a:t>
-            </a:r>
-            <a:r>
-              <a:rPr lang="zh-CN" altLang="en-US" sz="1600" dirty="0">
-                <a:latin typeface="Segoe UI" panose="020B0502040204020203" pitchFamily="34" charset="0"/>
-                <a:cs typeface="Segoe UI" panose="020B0502040204020203" pitchFamily="34" charset="0"/>
-              </a:rPr>
-              <a:t> </a:t>
-            </a:r>
-            <a:r>
-              <a:rPr lang="en-US" altLang="zh-CN" sz="1600" dirty="0">
-                <a:latin typeface="Segoe UI" panose="020B0502040204020203" pitchFamily="34" charset="0"/>
-                <a:cs typeface="Segoe UI" panose="020B0502040204020203" pitchFamily="34" charset="0"/>
-              </a:rPr>
-              <a:t>data</a:t>
-            </a:r>
-            <a:r>
-              <a:rPr lang="zh-CN" altLang="en-US" sz="1600" dirty="0">
-                <a:latin typeface="Segoe UI" panose="020B0502040204020203" pitchFamily="34" charset="0"/>
-                <a:cs typeface="Segoe UI" panose="020B0502040204020203" pitchFamily="34" charset="0"/>
-              </a:rPr>
-              <a:t> </a:t>
-            </a:r>
-            <a:r>
-              <a:rPr lang="en-US" altLang="zh-CN" sz="1600" dirty="0">
-                <a:latin typeface="Segoe UI" panose="020B0502040204020203" pitchFamily="34" charset="0"/>
-                <a:cs typeface="Segoe UI" panose="020B0502040204020203" pitchFamily="34" charset="0"/>
-              </a:rPr>
-              <a:t>points,</a:t>
-            </a:r>
-            <a:r>
-              <a:rPr lang="zh-CN" altLang="en-US" sz="1600" dirty="0">
-                <a:latin typeface="Segoe UI" panose="020B0502040204020203" pitchFamily="34" charset="0"/>
-                <a:cs typeface="Segoe UI" panose="020B0502040204020203" pitchFamily="34" charset="0"/>
-              </a:rPr>
-              <a:t> </a:t>
-            </a:r>
-            <a:r>
-              <a:rPr lang="en-US" altLang="zh-CN" sz="1600" dirty="0">
-                <a:latin typeface="Segoe UI" panose="020B0502040204020203" pitchFamily="34" charset="0"/>
-                <a:cs typeface="Segoe UI" panose="020B0502040204020203" pitchFamily="34" charset="0"/>
-              </a:rPr>
-              <a:t>consisted</a:t>
-            </a:r>
-            <a:r>
-              <a:rPr lang="zh-CN" altLang="en-US" sz="1600" dirty="0">
-                <a:latin typeface="Segoe UI" panose="020B0502040204020203" pitchFamily="34" charset="0"/>
-                <a:cs typeface="Segoe UI" panose="020B0502040204020203" pitchFamily="34" charset="0"/>
-              </a:rPr>
-              <a:t> </a:t>
-            </a:r>
-            <a:r>
-              <a:rPr lang="en-US" altLang="zh-CN" sz="1600" dirty="0">
-                <a:latin typeface="Segoe UI" panose="020B0502040204020203" pitchFamily="34" charset="0"/>
-                <a:cs typeface="Segoe UI" panose="020B0502040204020203" pitchFamily="34" charset="0"/>
-              </a:rPr>
-              <a:t>of</a:t>
-            </a:r>
-            <a:r>
-              <a:rPr lang="zh-CN" altLang="en-US" sz="1600" dirty="0">
-                <a:latin typeface="Segoe UI" panose="020B0502040204020203" pitchFamily="34" charset="0"/>
-                <a:cs typeface="Segoe UI" panose="020B0502040204020203" pitchFamily="34" charset="0"/>
-              </a:rPr>
-              <a:t> </a:t>
-            </a:r>
-            <a:r>
-              <a:rPr lang="en-US" altLang="zh-CN" sz="1600" dirty="0">
-                <a:latin typeface="Segoe UI" panose="020B0502040204020203" pitchFamily="34" charset="0"/>
-                <a:cs typeface="Segoe UI" panose="020B0502040204020203" pitchFamily="34" charset="0"/>
-              </a:rPr>
-              <a:t>each</a:t>
-            </a:r>
-            <a:r>
-              <a:rPr lang="zh-CN" altLang="en-US" sz="1600" dirty="0">
-                <a:latin typeface="Segoe UI" panose="020B0502040204020203" pitchFamily="34" charset="0"/>
-                <a:cs typeface="Segoe UI" panose="020B0502040204020203" pitchFamily="34" charset="0"/>
-              </a:rPr>
-              <a:t> </a:t>
-            </a:r>
-            <a:r>
-              <a:rPr lang="en-US" altLang="zh-CN" sz="1600" dirty="0">
-                <a:latin typeface="Segoe UI" panose="020B0502040204020203" pitchFamily="34" charset="0"/>
-                <a:cs typeface="Segoe UI" panose="020B0502040204020203" pitchFamily="34" charset="0"/>
-              </a:rPr>
-              <a:t>object’s</a:t>
-            </a:r>
-            <a:r>
-              <a:rPr lang="zh-CN" altLang="en-US" sz="1600" dirty="0">
-                <a:latin typeface="Segoe UI" panose="020B0502040204020203" pitchFamily="34" charset="0"/>
-                <a:cs typeface="Segoe UI" panose="020B0502040204020203" pitchFamily="34" charset="0"/>
-              </a:rPr>
-              <a:t> </a:t>
-            </a:r>
-            <a:r>
-              <a:rPr lang="en-US" altLang="zh-CN" sz="1600" dirty="0">
-                <a:latin typeface="Segoe UI" panose="020B0502040204020203" pitchFamily="34" charset="0"/>
-                <a:cs typeface="Segoe UI" panose="020B0502040204020203" pitchFamily="34" charset="0"/>
-              </a:rPr>
-              <a:t>color</a:t>
-            </a:r>
-            <a:r>
-              <a:rPr lang="zh-CN" altLang="en-US" sz="1600" dirty="0">
-                <a:latin typeface="Segoe UI" panose="020B0502040204020203" pitchFamily="34" charset="0"/>
-                <a:cs typeface="Segoe UI" panose="020B0502040204020203" pitchFamily="34" charset="0"/>
-              </a:rPr>
-              <a:t> </a:t>
-            </a:r>
-            <a:r>
-              <a:rPr lang="en-US" altLang="zh-CN" sz="1600" dirty="0">
-                <a:latin typeface="Segoe UI" panose="020B0502040204020203" pitchFamily="34" charset="0"/>
-                <a:cs typeface="Segoe UI" panose="020B0502040204020203" pitchFamily="34" charset="0"/>
-              </a:rPr>
-              <a:t>features.</a:t>
-            </a:r>
-            <a:r>
-              <a:rPr lang="zh-CN" altLang="en-US" sz="1600" dirty="0">
-                <a:latin typeface="Segoe UI" panose="020B0502040204020203" pitchFamily="34" charset="0"/>
-                <a:cs typeface="Segoe UI" panose="020B0502040204020203" pitchFamily="34" charset="0"/>
-              </a:rPr>
-              <a:t>  </a:t>
-            </a:r>
-            <a:endParaRPr lang="en-US" altLang="zh-CN" sz="1600" dirty="0">
-              <a:latin typeface="Segoe UI" panose="020B0502040204020203" pitchFamily="34" charset="0"/>
-              <a:cs typeface="Segoe UI" panose="020B0502040204020203" pitchFamily="34" charset="0"/>
-            </a:endParaRPr>
-          </a:p>
-          <a:p>
             <a:endParaRPr lang="en-US" sz="1600" dirty="0">
               <a:latin typeface="Segoe UI" panose="020B0502040204020203" pitchFamily="34" charset="0"/>
               <a:cs typeface="Segoe UI" panose="020B0502040204020203" pitchFamily="34" charset="0"/>
@@ -6325,279 +5303,279 @@
           </a:p>
           <a:p>
             <a:r>
-              <a:rPr lang="en-US" altLang="zh-CN" sz="1600" dirty="0">
+              <a:rPr lang="en-US" altLang="zh-CN" sz="1550" dirty="0">
                 <a:latin typeface="Segoe UI" panose="020B0502040204020203" pitchFamily="34" charset="0"/>
                 <a:cs typeface="Segoe UI" panose="020B0502040204020203" pitchFamily="34" charset="0"/>
               </a:rPr>
               <a:t>The</a:t>
             </a:r>
             <a:r>
-              <a:rPr lang="zh-CN" altLang="en-US" sz="1600" dirty="0">
-                <a:latin typeface="Segoe UI" panose="020B0502040204020203" pitchFamily="34" charset="0"/>
-                <a:cs typeface="Segoe UI" panose="020B0502040204020203" pitchFamily="34" charset="0"/>
-              </a:rPr>
-              <a:t> </a:t>
-            </a:r>
-            <a:r>
-              <a:rPr lang="en-US" altLang="zh-CN" sz="1600" dirty="0">
+              <a:rPr lang="zh-CN" altLang="en-US" sz="1550" dirty="0">
+                <a:latin typeface="Segoe UI" panose="020B0502040204020203" pitchFamily="34" charset="0"/>
+                <a:cs typeface="Segoe UI" panose="020B0502040204020203" pitchFamily="34" charset="0"/>
+              </a:rPr>
+              <a:t> </a:t>
+            </a:r>
+            <a:r>
+              <a:rPr lang="en-US" altLang="zh-CN" sz="1550" dirty="0">
                 <a:latin typeface="Segoe UI" panose="020B0502040204020203" pitchFamily="34" charset="0"/>
                 <a:cs typeface="Segoe UI" panose="020B0502040204020203" pitchFamily="34" charset="0"/>
               </a:rPr>
               <a:t>confusion</a:t>
             </a:r>
             <a:r>
-              <a:rPr lang="zh-CN" altLang="en-US" sz="1600" dirty="0">
-                <a:latin typeface="Segoe UI" panose="020B0502040204020203" pitchFamily="34" charset="0"/>
-                <a:cs typeface="Segoe UI" panose="020B0502040204020203" pitchFamily="34" charset="0"/>
-              </a:rPr>
-              <a:t> </a:t>
-            </a:r>
-            <a:r>
-              <a:rPr lang="en-US" altLang="zh-CN" sz="1600" dirty="0">
+              <a:rPr lang="zh-CN" altLang="en-US" sz="1550" dirty="0">
+                <a:latin typeface="Segoe UI" panose="020B0502040204020203" pitchFamily="34" charset="0"/>
+                <a:cs typeface="Segoe UI" panose="020B0502040204020203" pitchFamily="34" charset="0"/>
+              </a:rPr>
+              <a:t> </a:t>
+            </a:r>
+            <a:r>
+              <a:rPr lang="en-US" altLang="zh-CN" sz="1550" dirty="0">
                 <a:latin typeface="Segoe UI" panose="020B0502040204020203" pitchFamily="34" charset="0"/>
                 <a:cs typeface="Segoe UI" panose="020B0502040204020203" pitchFamily="34" charset="0"/>
               </a:rPr>
               <a:t>matrix</a:t>
             </a:r>
             <a:r>
-              <a:rPr lang="zh-CN" altLang="en-US" sz="1600" dirty="0">
-                <a:latin typeface="Segoe UI" panose="020B0502040204020203" pitchFamily="34" charset="0"/>
-                <a:cs typeface="Segoe UI" panose="020B0502040204020203" pitchFamily="34" charset="0"/>
-              </a:rPr>
-              <a:t> </a:t>
-            </a:r>
-            <a:r>
-              <a:rPr lang="en-US" altLang="zh-CN" sz="1600" dirty="0">
+              <a:rPr lang="zh-CN" altLang="en-US" sz="1550" dirty="0">
+                <a:latin typeface="Segoe UI" panose="020B0502040204020203" pitchFamily="34" charset="0"/>
+                <a:cs typeface="Segoe UI" panose="020B0502040204020203" pitchFamily="34" charset="0"/>
+              </a:rPr>
+              <a:t> </a:t>
+            </a:r>
+            <a:r>
+              <a:rPr lang="en-US" altLang="zh-CN" sz="1550" dirty="0">
                 <a:latin typeface="Segoe UI" panose="020B0502040204020203" pitchFamily="34" charset="0"/>
                 <a:cs typeface="Segoe UI" panose="020B0502040204020203" pitchFamily="34" charset="0"/>
               </a:rPr>
               <a:t>below</a:t>
             </a:r>
             <a:r>
-              <a:rPr lang="zh-CN" altLang="en-US" sz="1600" dirty="0">
-                <a:latin typeface="Segoe UI" panose="020B0502040204020203" pitchFamily="34" charset="0"/>
-                <a:cs typeface="Segoe UI" panose="020B0502040204020203" pitchFamily="34" charset="0"/>
-              </a:rPr>
-              <a:t> </a:t>
-            </a:r>
-            <a:r>
-              <a:rPr lang="en-US" altLang="zh-CN" sz="1600" dirty="0">
+              <a:rPr lang="zh-CN" altLang="en-US" sz="1550" dirty="0">
+                <a:latin typeface="Segoe UI" panose="020B0502040204020203" pitchFamily="34" charset="0"/>
+                <a:cs typeface="Segoe UI" panose="020B0502040204020203" pitchFamily="34" charset="0"/>
+              </a:rPr>
+              <a:t> </a:t>
+            </a:r>
+            <a:r>
+              <a:rPr lang="en-US" altLang="zh-CN" sz="1550" dirty="0">
                 <a:latin typeface="Segoe UI" panose="020B0502040204020203" pitchFamily="34" charset="0"/>
                 <a:cs typeface="Segoe UI" panose="020B0502040204020203" pitchFamily="34" charset="0"/>
               </a:rPr>
               <a:t>shows</a:t>
             </a:r>
             <a:r>
-              <a:rPr lang="zh-CN" altLang="en-US" sz="1600" dirty="0">
-                <a:latin typeface="Segoe UI" panose="020B0502040204020203" pitchFamily="34" charset="0"/>
-                <a:cs typeface="Segoe UI" panose="020B0502040204020203" pitchFamily="34" charset="0"/>
-              </a:rPr>
-              <a:t> </a:t>
-            </a:r>
-            <a:r>
-              <a:rPr lang="en-US" altLang="zh-CN" sz="1600" dirty="0">
+              <a:rPr lang="zh-CN" altLang="en-US" sz="1550" dirty="0">
+                <a:latin typeface="Segoe UI" panose="020B0502040204020203" pitchFamily="34" charset="0"/>
+                <a:cs typeface="Segoe UI" panose="020B0502040204020203" pitchFamily="34" charset="0"/>
+              </a:rPr>
+              <a:t> </a:t>
+            </a:r>
+            <a:r>
+              <a:rPr lang="en-US" altLang="zh-CN" sz="1550" dirty="0">
                 <a:latin typeface="Segoe UI" panose="020B0502040204020203" pitchFamily="34" charset="0"/>
                 <a:cs typeface="Segoe UI" panose="020B0502040204020203" pitchFamily="34" charset="0"/>
               </a:rPr>
               <a:t>the</a:t>
             </a:r>
             <a:r>
-              <a:rPr lang="zh-CN" altLang="en-US" sz="1600" dirty="0">
-                <a:latin typeface="Segoe UI" panose="020B0502040204020203" pitchFamily="34" charset="0"/>
-                <a:cs typeface="Segoe UI" panose="020B0502040204020203" pitchFamily="34" charset="0"/>
-              </a:rPr>
-              <a:t> </a:t>
-            </a:r>
-            <a:r>
-              <a:rPr lang="en-US" altLang="zh-CN" sz="1600" dirty="0">
+              <a:rPr lang="zh-CN" altLang="en-US" sz="1550" dirty="0">
+                <a:latin typeface="Segoe UI" panose="020B0502040204020203" pitchFamily="34" charset="0"/>
+                <a:cs typeface="Segoe UI" panose="020B0502040204020203" pitchFamily="34" charset="0"/>
+              </a:rPr>
+              <a:t> </a:t>
+            </a:r>
+            <a:r>
+              <a:rPr lang="en-US" altLang="zh-CN" sz="1550" dirty="0">
                 <a:latin typeface="Segoe UI" panose="020B0502040204020203" pitchFamily="34" charset="0"/>
                 <a:cs typeface="Segoe UI" panose="020B0502040204020203" pitchFamily="34" charset="0"/>
               </a:rPr>
               <a:t>performance</a:t>
             </a:r>
             <a:r>
-              <a:rPr lang="zh-CN" altLang="en-US" sz="1600" dirty="0">
-                <a:latin typeface="Segoe UI" panose="020B0502040204020203" pitchFamily="34" charset="0"/>
-                <a:cs typeface="Segoe UI" panose="020B0502040204020203" pitchFamily="34" charset="0"/>
-              </a:rPr>
-              <a:t> </a:t>
-            </a:r>
-            <a:r>
-              <a:rPr lang="en-US" altLang="zh-CN" sz="1600" dirty="0">
+              <a:rPr lang="zh-CN" altLang="en-US" sz="1550" dirty="0">
+                <a:latin typeface="Segoe UI" panose="020B0502040204020203" pitchFamily="34" charset="0"/>
+                <a:cs typeface="Segoe UI" panose="020B0502040204020203" pitchFamily="34" charset="0"/>
+              </a:rPr>
+              <a:t> </a:t>
+            </a:r>
+            <a:r>
+              <a:rPr lang="en-US" altLang="zh-CN" sz="1550" dirty="0">
                 <a:latin typeface="Segoe UI" panose="020B0502040204020203" pitchFamily="34" charset="0"/>
                 <a:cs typeface="Segoe UI" panose="020B0502040204020203" pitchFamily="34" charset="0"/>
               </a:rPr>
               <a:t>of</a:t>
             </a:r>
             <a:r>
-              <a:rPr lang="zh-CN" altLang="en-US" sz="1600" dirty="0">
-                <a:latin typeface="Segoe UI" panose="020B0502040204020203" pitchFamily="34" charset="0"/>
-                <a:cs typeface="Segoe UI" panose="020B0502040204020203" pitchFamily="34" charset="0"/>
-              </a:rPr>
-              <a:t> </a:t>
-            </a:r>
-            <a:r>
-              <a:rPr lang="en-US" altLang="zh-CN" sz="1600" dirty="0">
+              <a:rPr lang="zh-CN" altLang="en-US" sz="1550" dirty="0">
+                <a:latin typeface="Segoe UI" panose="020B0502040204020203" pitchFamily="34" charset="0"/>
+                <a:cs typeface="Segoe UI" panose="020B0502040204020203" pitchFamily="34" charset="0"/>
+              </a:rPr>
+              <a:t> </a:t>
+            </a:r>
+            <a:r>
+              <a:rPr lang="en-US" altLang="zh-CN" sz="1550" dirty="0">
                 <a:latin typeface="Segoe UI" panose="020B0502040204020203" pitchFamily="34" charset="0"/>
                 <a:cs typeface="Segoe UI" panose="020B0502040204020203" pitchFamily="34" charset="0"/>
               </a:rPr>
               <a:t>my</a:t>
             </a:r>
             <a:r>
-              <a:rPr lang="zh-CN" altLang="en-US" sz="1600" dirty="0">
-                <a:latin typeface="Segoe UI" panose="020B0502040204020203" pitchFamily="34" charset="0"/>
-                <a:cs typeface="Segoe UI" panose="020B0502040204020203" pitchFamily="34" charset="0"/>
-              </a:rPr>
-              <a:t> </a:t>
-            </a:r>
-            <a:r>
-              <a:rPr lang="en-US" altLang="zh-CN" sz="1600" dirty="0">
+              <a:rPr lang="zh-CN" altLang="en-US" sz="1550" dirty="0">
+                <a:latin typeface="Segoe UI" panose="020B0502040204020203" pitchFamily="34" charset="0"/>
+                <a:cs typeface="Segoe UI" panose="020B0502040204020203" pitchFamily="34" charset="0"/>
+              </a:rPr>
+              <a:t> </a:t>
+            </a:r>
+            <a:r>
+              <a:rPr lang="en-US" altLang="zh-CN" sz="1550" dirty="0">
                 <a:latin typeface="Segoe UI" panose="020B0502040204020203" pitchFamily="34" charset="0"/>
                 <a:cs typeface="Segoe UI" panose="020B0502040204020203" pitchFamily="34" charset="0"/>
               </a:rPr>
               <a:t>current</a:t>
             </a:r>
             <a:r>
-              <a:rPr lang="zh-CN" altLang="en-US" sz="1600" dirty="0">
-                <a:latin typeface="Segoe UI" panose="020B0502040204020203" pitchFamily="34" charset="0"/>
-                <a:cs typeface="Segoe UI" panose="020B0502040204020203" pitchFamily="34" charset="0"/>
-              </a:rPr>
-              <a:t> </a:t>
-            </a:r>
-            <a:r>
-              <a:rPr lang="en-US" altLang="zh-CN" sz="1600" dirty="0">
+              <a:rPr lang="zh-CN" altLang="en-US" sz="1550" dirty="0">
+                <a:latin typeface="Segoe UI" panose="020B0502040204020203" pitchFamily="34" charset="0"/>
+                <a:cs typeface="Segoe UI" panose="020B0502040204020203" pitchFamily="34" charset="0"/>
+              </a:rPr>
+              <a:t> </a:t>
+            </a:r>
+            <a:r>
+              <a:rPr lang="en-US" altLang="zh-CN" sz="1550" dirty="0">
                 <a:latin typeface="Segoe UI" panose="020B0502040204020203" pitchFamily="34" charset="0"/>
                 <a:cs typeface="Segoe UI" panose="020B0502040204020203" pitchFamily="34" charset="0"/>
               </a:rPr>
               <a:t>trained</a:t>
             </a:r>
             <a:r>
-              <a:rPr lang="zh-CN" altLang="en-US" sz="1600" dirty="0">
-                <a:latin typeface="Segoe UI" panose="020B0502040204020203" pitchFamily="34" charset="0"/>
-                <a:cs typeface="Segoe UI" panose="020B0502040204020203" pitchFamily="34" charset="0"/>
-              </a:rPr>
-              <a:t> </a:t>
-            </a:r>
-            <a:r>
-              <a:rPr lang="en-US" altLang="zh-CN" sz="1600" dirty="0">
+              <a:rPr lang="zh-CN" altLang="en-US" sz="1550" dirty="0">
+                <a:latin typeface="Segoe UI" panose="020B0502040204020203" pitchFamily="34" charset="0"/>
+                <a:cs typeface="Segoe UI" panose="020B0502040204020203" pitchFamily="34" charset="0"/>
+              </a:rPr>
+              <a:t> </a:t>
+            </a:r>
+            <a:r>
+              <a:rPr lang="en-US" altLang="zh-CN" sz="1550" dirty="0">
                 <a:latin typeface="Segoe UI" panose="020B0502040204020203" pitchFamily="34" charset="0"/>
                 <a:cs typeface="Segoe UI" panose="020B0502040204020203" pitchFamily="34" charset="0"/>
               </a:rPr>
               <a:t>model.</a:t>
             </a:r>
             <a:r>
-              <a:rPr lang="zh-CN" altLang="en-US" sz="1600" dirty="0">
-                <a:latin typeface="Segoe UI" panose="020B0502040204020203" pitchFamily="34" charset="0"/>
-                <a:cs typeface="Segoe UI" panose="020B0502040204020203" pitchFamily="34" charset="0"/>
-              </a:rPr>
-              <a:t> </a:t>
-            </a:r>
-            <a:r>
-              <a:rPr lang="en-US" altLang="zh-CN" sz="1600" dirty="0">
+              <a:rPr lang="zh-CN" altLang="en-US" sz="1550" dirty="0">
+                <a:latin typeface="Segoe UI" panose="020B0502040204020203" pitchFamily="34" charset="0"/>
+                <a:cs typeface="Segoe UI" panose="020B0502040204020203" pitchFamily="34" charset="0"/>
+              </a:rPr>
+              <a:t> </a:t>
+            </a:r>
+            <a:r>
+              <a:rPr lang="en-US" altLang="zh-CN" sz="1550" dirty="0">
                 <a:latin typeface="Segoe UI" panose="020B0502040204020203" pitchFamily="34" charset="0"/>
                 <a:cs typeface="Segoe UI" panose="020B0502040204020203" pitchFamily="34" charset="0"/>
               </a:rPr>
               <a:t>“0”</a:t>
             </a:r>
             <a:r>
-              <a:rPr lang="zh-CN" altLang="en-US" sz="1600" dirty="0">
-                <a:latin typeface="Segoe UI" panose="020B0502040204020203" pitchFamily="34" charset="0"/>
-                <a:cs typeface="Segoe UI" panose="020B0502040204020203" pitchFamily="34" charset="0"/>
-              </a:rPr>
-              <a:t> </a:t>
-            </a:r>
-            <a:r>
-              <a:rPr lang="en-US" altLang="zh-CN" sz="1600" dirty="0">
+              <a:rPr lang="zh-CN" altLang="en-US" sz="1550" dirty="0">
+                <a:latin typeface="Segoe UI" panose="020B0502040204020203" pitchFamily="34" charset="0"/>
+                <a:cs typeface="Segoe UI" panose="020B0502040204020203" pitchFamily="34" charset="0"/>
+              </a:rPr>
+              <a:t> </a:t>
+            </a:r>
+            <a:r>
+              <a:rPr lang="en-US" altLang="zh-CN" sz="1550" dirty="0">
                 <a:latin typeface="Segoe UI" panose="020B0502040204020203" pitchFamily="34" charset="0"/>
                 <a:cs typeface="Segoe UI" panose="020B0502040204020203" pitchFamily="34" charset="0"/>
               </a:rPr>
               <a:t>indicates</a:t>
             </a:r>
             <a:r>
-              <a:rPr lang="zh-CN" altLang="en-US" sz="1600" dirty="0">
-                <a:latin typeface="Segoe UI" panose="020B0502040204020203" pitchFamily="34" charset="0"/>
-                <a:cs typeface="Segoe UI" panose="020B0502040204020203" pitchFamily="34" charset="0"/>
-              </a:rPr>
-              <a:t> </a:t>
-            </a:r>
-            <a:r>
-              <a:rPr lang="en-US" altLang="zh-CN" sz="1600" dirty="0">
+              <a:rPr lang="zh-CN" altLang="en-US" sz="1550" dirty="0">
+                <a:latin typeface="Segoe UI" panose="020B0502040204020203" pitchFamily="34" charset="0"/>
+                <a:cs typeface="Segoe UI" panose="020B0502040204020203" pitchFamily="34" charset="0"/>
+              </a:rPr>
+              <a:t> </a:t>
+            </a:r>
+            <a:r>
+              <a:rPr lang="en-US" altLang="zh-CN" sz="1550" dirty="0">
                 <a:latin typeface="Segoe UI" panose="020B0502040204020203" pitchFamily="34" charset="0"/>
                 <a:cs typeface="Segoe UI" panose="020B0502040204020203" pitchFamily="34" charset="0"/>
               </a:rPr>
               <a:t>non-quasar</a:t>
             </a:r>
             <a:r>
-              <a:rPr lang="zh-CN" altLang="en-US" sz="1600" dirty="0">
-                <a:latin typeface="Segoe UI" panose="020B0502040204020203" pitchFamily="34" charset="0"/>
-                <a:cs typeface="Segoe UI" panose="020B0502040204020203" pitchFamily="34" charset="0"/>
-              </a:rPr>
-              <a:t> </a:t>
-            </a:r>
-            <a:r>
-              <a:rPr lang="en-US" altLang="zh-CN" sz="1600" dirty="0">
+              <a:rPr lang="zh-CN" altLang="en-US" sz="1550" dirty="0">
+                <a:latin typeface="Segoe UI" panose="020B0502040204020203" pitchFamily="34" charset="0"/>
+                <a:cs typeface="Segoe UI" panose="020B0502040204020203" pitchFamily="34" charset="0"/>
+              </a:rPr>
+              <a:t> </a:t>
+            </a:r>
+            <a:r>
+              <a:rPr lang="en-US" altLang="zh-CN" sz="1550" dirty="0">
                 <a:latin typeface="Segoe UI" panose="020B0502040204020203" pitchFamily="34" charset="0"/>
                 <a:cs typeface="Segoe UI" panose="020B0502040204020203" pitchFamily="34" charset="0"/>
               </a:rPr>
               <a:t>objects,</a:t>
             </a:r>
             <a:r>
-              <a:rPr lang="zh-CN" altLang="en-US" sz="1600" dirty="0">
-                <a:latin typeface="Segoe UI" panose="020B0502040204020203" pitchFamily="34" charset="0"/>
-                <a:cs typeface="Segoe UI" panose="020B0502040204020203" pitchFamily="34" charset="0"/>
-              </a:rPr>
-              <a:t> </a:t>
-            </a:r>
-            <a:r>
-              <a:rPr lang="en-US" altLang="zh-CN" sz="1600" dirty="0">
+              <a:rPr lang="zh-CN" altLang="en-US" sz="1550" dirty="0">
+                <a:latin typeface="Segoe UI" panose="020B0502040204020203" pitchFamily="34" charset="0"/>
+                <a:cs typeface="Segoe UI" panose="020B0502040204020203" pitchFamily="34" charset="0"/>
+              </a:rPr>
+              <a:t> </a:t>
+            </a:r>
+            <a:r>
+              <a:rPr lang="en-US" altLang="zh-CN" sz="1550" dirty="0">
                 <a:latin typeface="Segoe UI" panose="020B0502040204020203" pitchFamily="34" charset="0"/>
                 <a:cs typeface="Segoe UI" panose="020B0502040204020203" pitchFamily="34" charset="0"/>
               </a:rPr>
               <a:t>and</a:t>
             </a:r>
             <a:r>
-              <a:rPr lang="zh-CN" altLang="en-US" sz="1600" dirty="0">
-                <a:latin typeface="Segoe UI" panose="020B0502040204020203" pitchFamily="34" charset="0"/>
-                <a:cs typeface="Segoe UI" panose="020B0502040204020203" pitchFamily="34" charset="0"/>
-              </a:rPr>
-              <a:t> </a:t>
-            </a:r>
-            <a:r>
-              <a:rPr lang="en-US" altLang="zh-CN" sz="1600" dirty="0">
+              <a:rPr lang="zh-CN" altLang="en-US" sz="1550" dirty="0">
+                <a:latin typeface="Segoe UI" panose="020B0502040204020203" pitchFamily="34" charset="0"/>
+                <a:cs typeface="Segoe UI" panose="020B0502040204020203" pitchFamily="34" charset="0"/>
+              </a:rPr>
+              <a:t> </a:t>
+            </a:r>
+            <a:r>
+              <a:rPr lang="en-US" altLang="zh-CN" sz="1550" dirty="0">
                 <a:latin typeface="Segoe UI" panose="020B0502040204020203" pitchFamily="34" charset="0"/>
                 <a:cs typeface="Segoe UI" panose="020B0502040204020203" pitchFamily="34" charset="0"/>
               </a:rPr>
               <a:t>”1”</a:t>
             </a:r>
             <a:r>
-              <a:rPr lang="zh-CN" altLang="en-US" sz="1600" dirty="0">
-                <a:latin typeface="Segoe UI" panose="020B0502040204020203" pitchFamily="34" charset="0"/>
-                <a:cs typeface="Segoe UI" panose="020B0502040204020203" pitchFamily="34" charset="0"/>
-              </a:rPr>
-              <a:t> </a:t>
-            </a:r>
-            <a:r>
-              <a:rPr lang="en-US" altLang="zh-CN" sz="1600" dirty="0">
+              <a:rPr lang="zh-CN" altLang="en-US" sz="1550" dirty="0">
+                <a:latin typeface="Segoe UI" panose="020B0502040204020203" pitchFamily="34" charset="0"/>
+                <a:cs typeface="Segoe UI" panose="020B0502040204020203" pitchFamily="34" charset="0"/>
+              </a:rPr>
+              <a:t> </a:t>
+            </a:r>
+            <a:r>
+              <a:rPr lang="en-US" altLang="zh-CN" sz="1550" dirty="0">
                 <a:latin typeface="Segoe UI" panose="020B0502040204020203" pitchFamily="34" charset="0"/>
                 <a:cs typeface="Segoe UI" panose="020B0502040204020203" pitchFamily="34" charset="0"/>
               </a:rPr>
               <a:t>indicates</a:t>
             </a:r>
             <a:r>
-              <a:rPr lang="zh-CN" altLang="en-US" sz="1600" dirty="0">
-                <a:latin typeface="Segoe UI" panose="020B0502040204020203" pitchFamily="34" charset="0"/>
-                <a:cs typeface="Segoe UI" panose="020B0502040204020203" pitchFamily="34" charset="0"/>
-              </a:rPr>
-              <a:t> </a:t>
-            </a:r>
-            <a:r>
-              <a:rPr lang="en-US" altLang="zh-CN" sz="1600" dirty="0">
+              <a:rPr lang="zh-CN" altLang="en-US" sz="1550" dirty="0">
+                <a:latin typeface="Segoe UI" panose="020B0502040204020203" pitchFamily="34" charset="0"/>
+                <a:cs typeface="Segoe UI" panose="020B0502040204020203" pitchFamily="34" charset="0"/>
+              </a:rPr>
+              <a:t> </a:t>
+            </a:r>
+            <a:r>
+              <a:rPr lang="en-US" altLang="zh-CN" sz="1550" dirty="0">
                 <a:latin typeface="Segoe UI" panose="020B0502040204020203" pitchFamily="34" charset="0"/>
                 <a:cs typeface="Segoe UI" panose="020B0502040204020203" pitchFamily="34" charset="0"/>
               </a:rPr>
               <a:t>quasars</a:t>
             </a:r>
-            <a:endParaRPr lang="en-US" sz="1600" dirty="0">
+            <a:endParaRPr lang="en-US" sz="1550" dirty="0">
               <a:latin typeface="Segoe UI" panose="020B0502040204020203" pitchFamily="34" charset="0"/>
               <a:cs typeface="Segoe UI" panose="020B0502040204020203" pitchFamily="34" charset="0"/>
             </a:endParaRPr>
@@ -6624,8 +5602,8 @@
         </p:nvGrpSpPr>
         <p:grpSpPr>
           <a:xfrm>
-            <a:off x="5351812" y="11232044"/>
-            <a:ext cx="4015745" cy="3199935"/>
+            <a:off x="5551867" y="11771447"/>
+            <a:ext cx="3567105" cy="2645100"/>
             <a:chOff x="5317992" y="11183425"/>
             <a:chExt cx="4223883" cy="3364130"/>
           </a:xfrm>
@@ -6764,10 +5742,10 @@
       </p:grpSp>
       <p:pic>
         <p:nvPicPr>
-          <p:cNvPr id="14" name="Picture 13" descr="A picture containing outdoor object, night, night sky, comet&#10;&#10;Description automatically generated">
+          <p:cNvPr id="3" name="Picture 2" descr="Timeline&#10;&#10;Description automatically generated">
             <a:extLst>
               <a:ext uri="{FF2B5EF4-FFF2-40B4-BE49-F238E27FC236}">
-                <a16:creationId xmlns:a16="http://schemas.microsoft.com/office/drawing/2014/main" id="{39D2A124-69DB-D143-8FD8-6156C9903080}"/>
+                <a16:creationId xmlns:a16="http://schemas.microsoft.com/office/drawing/2014/main" id="{37FBF2D5-A01B-A24C-88D1-7EFC9488DF28}"/>
               </a:ext>
             </a:extLst>
           </p:cNvPr>
@@ -6790,43 +5768,8 @@
         </p:blipFill>
         <p:spPr>
           <a:xfrm>
-            <a:off x="516525" y="11091298"/>
-            <a:ext cx="1734152" cy="1320536"/>
-          </a:xfrm>
-          <a:prstGeom prst="rect">
-            <a:avLst/>
-          </a:prstGeom>
-        </p:spPr>
-      </p:pic>
-      <p:pic>
-        <p:nvPicPr>
-          <p:cNvPr id="18" name="Picture 17" descr="A bright light in the dark&#10;&#10;Description automatically generated with low confidence">
-            <a:extLst>
-              <a:ext uri="{FF2B5EF4-FFF2-40B4-BE49-F238E27FC236}">
-                <a16:creationId xmlns:a16="http://schemas.microsoft.com/office/drawing/2014/main" id="{D9E96B2D-DF2C-284C-9D96-4C50C34F1CD4}"/>
-              </a:ext>
-            </a:extLst>
-          </p:cNvPr>
-          <p:cNvPicPr>
-            <a:picLocks noChangeAspect="1"/>
-          </p:cNvPicPr>
-          <p:nvPr/>
-        </p:nvPicPr>
-        <p:blipFill rotWithShape="1">
-          <a:blip r:embed="rId7">
-            <a:extLst>
-              <a:ext uri="{28A0092B-C50C-407E-A947-70E740481C1C}">
-                <a14:useLocalDpi xmlns:a14="http://schemas.microsoft.com/office/drawing/2010/main" val="0"/>
-              </a:ext>
-            </a:extLst>
-          </a:blip>
-          <a:srcRect t="13781" b="11748"/>
-          <a:stretch/>
-        </p:blipFill>
-        <p:spPr>
-          <a:xfrm>
-            <a:off x="2339767" y="11091298"/>
-            <a:ext cx="1734152" cy="1320536"/>
+            <a:off x="6097031" y="7873340"/>
+            <a:ext cx="3444844" cy="2778933"/>
           </a:xfrm>
           <a:prstGeom prst="rect">
             <a:avLst/>
@@ -6835,10 +5778,10 @@
       </p:pic>
       <p:sp>
         <p:nvSpPr>
-          <p:cNvPr id="19" name="TextBox 18">
+          <p:cNvPr id="4" name="TextBox 3">
             <a:extLst>
               <a:ext uri="{FF2B5EF4-FFF2-40B4-BE49-F238E27FC236}">
-                <a16:creationId xmlns:a16="http://schemas.microsoft.com/office/drawing/2014/main" id="{082DF306-7C94-AE49-A85C-D0932419BFD5}"/>
+                <a16:creationId xmlns:a16="http://schemas.microsoft.com/office/drawing/2014/main" id="{7F77BD11-717B-F140-9D22-39D30C6BE0D2}"/>
               </a:ext>
             </a:extLst>
           </p:cNvPr>
@@ -6847,8 +5790,8 @@
         </p:nvSpPr>
         <p:spPr>
           <a:xfrm>
-            <a:off x="516525" y="12477417"/>
-            <a:ext cx="1672126" cy="276999"/>
+            <a:off x="5632595" y="5634266"/>
+            <a:ext cx="4021323" cy="2239074"/>
           </a:xfrm>
           <a:prstGeom prst="rect">
             <a:avLst/>
@@ -6861,15 +5804,649 @@
           </a:bodyPr>
           <a:lstStyle/>
           <a:p>
-            <a:pPr algn="ctr"/>
-            <a:r>
-              <a:rPr lang="en-US" altLang="zh-CN" sz="1200" dirty="0">
-                <a:latin typeface="Segoe UI" panose="020B0502040204020203" pitchFamily="34" charset="0"/>
-                <a:cs typeface="Segoe UI" panose="020B0502040204020203" pitchFamily="34" charset="0"/>
-              </a:rPr>
-              <a:t>Galaxy</a:t>
-            </a:r>
-            <a:endParaRPr lang="en-US" sz="1200" dirty="0">
+            <a:r>
+              <a:rPr lang="en-US" altLang="zh-CN" sz="1550" dirty="0">
+                <a:latin typeface="Segoe UI" panose="020B0502040204020203" pitchFamily="34" charset="0"/>
+                <a:cs typeface="Segoe UI" panose="020B0502040204020203" pitchFamily="34" charset="0"/>
+              </a:rPr>
+              <a:t>Random</a:t>
+            </a:r>
+            <a:r>
+              <a:rPr lang="zh-CN" altLang="en-US" sz="1550" dirty="0">
+                <a:latin typeface="Segoe UI" panose="020B0502040204020203" pitchFamily="34" charset="0"/>
+                <a:cs typeface="Segoe UI" panose="020B0502040204020203" pitchFamily="34" charset="0"/>
+              </a:rPr>
+              <a:t> </a:t>
+            </a:r>
+            <a:r>
+              <a:rPr lang="en-US" altLang="zh-CN" sz="1550" dirty="0">
+                <a:latin typeface="Segoe UI" panose="020B0502040204020203" pitchFamily="34" charset="0"/>
+                <a:cs typeface="Segoe UI" panose="020B0502040204020203" pitchFamily="34" charset="0"/>
+              </a:rPr>
+              <a:t>Forest</a:t>
+            </a:r>
+            <a:r>
+              <a:rPr lang="zh-CN" altLang="en-US" sz="1550" dirty="0">
+                <a:latin typeface="Segoe UI" panose="020B0502040204020203" pitchFamily="34" charset="0"/>
+                <a:cs typeface="Segoe UI" panose="020B0502040204020203" pitchFamily="34" charset="0"/>
+              </a:rPr>
+              <a:t> </a:t>
+            </a:r>
+            <a:r>
+              <a:rPr lang="en-US" altLang="zh-CN" sz="1550" dirty="0">
+                <a:latin typeface="Segoe UI" panose="020B0502040204020203" pitchFamily="34" charset="0"/>
+                <a:cs typeface="Segoe UI" panose="020B0502040204020203" pitchFamily="34" charset="0"/>
+              </a:rPr>
+              <a:t>Classifier</a:t>
+            </a:r>
+            <a:r>
+              <a:rPr lang="zh-CN" altLang="en-US" sz="1550" dirty="0">
+                <a:latin typeface="Segoe UI" panose="020B0502040204020203" pitchFamily="34" charset="0"/>
+                <a:cs typeface="Segoe UI" panose="020B0502040204020203" pitchFamily="34" charset="0"/>
+              </a:rPr>
+              <a:t> </a:t>
+            </a:r>
+            <a:r>
+              <a:rPr lang="en-US" altLang="zh-CN" sz="1550" dirty="0">
+                <a:latin typeface="Segoe UI" panose="020B0502040204020203" pitchFamily="34" charset="0"/>
+                <a:cs typeface="Segoe UI" panose="020B0502040204020203" pitchFamily="34" charset="0"/>
+              </a:rPr>
+              <a:t>is</a:t>
+            </a:r>
+            <a:r>
+              <a:rPr lang="zh-CN" altLang="en-US" sz="1550" dirty="0">
+                <a:latin typeface="Segoe UI" panose="020B0502040204020203" pitchFamily="34" charset="0"/>
+                <a:cs typeface="Segoe UI" panose="020B0502040204020203" pitchFamily="34" charset="0"/>
+              </a:rPr>
+              <a:t> </a:t>
+            </a:r>
+            <a:r>
+              <a:rPr lang="en-US" altLang="zh-CN" sz="1550" dirty="0">
+                <a:latin typeface="Segoe UI" panose="020B0502040204020203" pitchFamily="34" charset="0"/>
+                <a:cs typeface="Segoe UI" panose="020B0502040204020203" pitchFamily="34" charset="0"/>
+              </a:rPr>
+              <a:t>classification</a:t>
+            </a:r>
+            <a:r>
+              <a:rPr lang="zh-CN" altLang="en-US" sz="1550" dirty="0">
+                <a:latin typeface="Segoe UI" panose="020B0502040204020203" pitchFamily="34" charset="0"/>
+                <a:cs typeface="Segoe UI" panose="020B0502040204020203" pitchFamily="34" charset="0"/>
+              </a:rPr>
+              <a:t> </a:t>
+            </a:r>
+            <a:r>
+              <a:rPr lang="en-US" altLang="zh-CN" sz="1550" dirty="0">
+                <a:latin typeface="Segoe UI" panose="020B0502040204020203" pitchFamily="34" charset="0"/>
+                <a:cs typeface="Segoe UI" panose="020B0502040204020203" pitchFamily="34" charset="0"/>
+              </a:rPr>
+              <a:t>model</a:t>
+            </a:r>
+            <a:r>
+              <a:rPr lang="zh-CN" altLang="en-US" sz="1550" dirty="0">
+                <a:latin typeface="Segoe UI" panose="020B0502040204020203" pitchFamily="34" charset="0"/>
+                <a:cs typeface="Segoe UI" panose="020B0502040204020203" pitchFamily="34" charset="0"/>
+              </a:rPr>
+              <a:t> </a:t>
+            </a:r>
+            <a:r>
+              <a:rPr lang="en-US" altLang="zh-CN" sz="1550" dirty="0">
+                <a:latin typeface="Segoe UI" panose="020B0502040204020203" pitchFamily="34" charset="0"/>
+                <a:cs typeface="Segoe UI" panose="020B0502040204020203" pitchFamily="34" charset="0"/>
+              </a:rPr>
+              <a:t>that</a:t>
+            </a:r>
+            <a:r>
+              <a:rPr lang="zh-CN" altLang="en-US" sz="1550" dirty="0">
+                <a:latin typeface="Segoe UI" panose="020B0502040204020203" pitchFamily="34" charset="0"/>
+                <a:cs typeface="Segoe UI" panose="020B0502040204020203" pitchFamily="34" charset="0"/>
+              </a:rPr>
+              <a:t> </a:t>
+            </a:r>
+            <a:r>
+              <a:rPr lang="en-US" altLang="zh-CN" sz="1550" dirty="0">
+                <a:latin typeface="Segoe UI" panose="020B0502040204020203" pitchFamily="34" charset="0"/>
+                <a:cs typeface="Segoe UI" panose="020B0502040204020203" pitchFamily="34" charset="0"/>
+              </a:rPr>
+              <a:t>consists</a:t>
+            </a:r>
+            <a:r>
+              <a:rPr lang="zh-CN" altLang="en-US" sz="1550" dirty="0">
+                <a:latin typeface="Segoe UI" panose="020B0502040204020203" pitchFamily="34" charset="0"/>
+                <a:cs typeface="Segoe UI" panose="020B0502040204020203" pitchFamily="34" charset="0"/>
+              </a:rPr>
+              <a:t> </a:t>
+            </a:r>
+            <a:r>
+              <a:rPr lang="en-US" altLang="zh-CN" sz="1550" dirty="0">
+                <a:latin typeface="Segoe UI" panose="020B0502040204020203" pitchFamily="34" charset="0"/>
+                <a:cs typeface="Segoe UI" panose="020B0502040204020203" pitchFamily="34" charset="0"/>
+              </a:rPr>
+              <a:t>of</a:t>
+            </a:r>
+            <a:r>
+              <a:rPr lang="zh-CN" altLang="en-US" sz="1550" dirty="0">
+                <a:latin typeface="Segoe UI" panose="020B0502040204020203" pitchFamily="34" charset="0"/>
+                <a:cs typeface="Segoe UI" panose="020B0502040204020203" pitchFamily="34" charset="0"/>
+              </a:rPr>
+              <a:t> </a:t>
+            </a:r>
+            <a:r>
+              <a:rPr lang="en-US" altLang="zh-CN" sz="1550" dirty="0">
+                <a:latin typeface="Segoe UI" panose="020B0502040204020203" pitchFamily="34" charset="0"/>
+                <a:cs typeface="Segoe UI" panose="020B0502040204020203" pitchFamily="34" charset="0"/>
+              </a:rPr>
+              <a:t>many</a:t>
+            </a:r>
+            <a:r>
+              <a:rPr lang="zh-CN" altLang="en-US" sz="1550" dirty="0">
+                <a:latin typeface="Segoe UI" panose="020B0502040204020203" pitchFamily="34" charset="0"/>
+                <a:cs typeface="Segoe UI" panose="020B0502040204020203" pitchFamily="34" charset="0"/>
+              </a:rPr>
+              <a:t> </a:t>
+            </a:r>
+            <a:r>
+              <a:rPr lang="en-US" altLang="zh-CN" sz="1550" dirty="0">
+                <a:latin typeface="Segoe UI" panose="020B0502040204020203" pitchFamily="34" charset="0"/>
+                <a:cs typeface="Segoe UI" panose="020B0502040204020203" pitchFamily="34" charset="0"/>
+              </a:rPr>
+              <a:t>decision</a:t>
+            </a:r>
+            <a:r>
+              <a:rPr lang="zh-CN" altLang="en-US" sz="1550" dirty="0">
+                <a:latin typeface="Segoe UI" panose="020B0502040204020203" pitchFamily="34" charset="0"/>
+                <a:cs typeface="Segoe UI" panose="020B0502040204020203" pitchFamily="34" charset="0"/>
+              </a:rPr>
+              <a:t> </a:t>
+            </a:r>
+            <a:r>
+              <a:rPr lang="en-US" altLang="zh-CN" sz="1550" dirty="0">
+                <a:latin typeface="Segoe UI" panose="020B0502040204020203" pitchFamily="34" charset="0"/>
+                <a:cs typeface="Segoe UI" panose="020B0502040204020203" pitchFamily="34" charset="0"/>
+              </a:rPr>
+              <a:t>tree</a:t>
+            </a:r>
+            <a:r>
+              <a:rPr lang="zh-CN" altLang="en-US" sz="1550" dirty="0">
+                <a:latin typeface="Segoe UI" panose="020B0502040204020203" pitchFamily="34" charset="0"/>
+                <a:cs typeface="Segoe UI" panose="020B0502040204020203" pitchFamily="34" charset="0"/>
+              </a:rPr>
+              <a:t> </a:t>
+            </a:r>
+            <a:r>
+              <a:rPr lang="en-US" altLang="zh-CN" sz="1550" dirty="0">
+                <a:latin typeface="Segoe UI" panose="020B0502040204020203" pitchFamily="34" charset="0"/>
+                <a:cs typeface="Segoe UI" panose="020B0502040204020203" pitchFamily="34" charset="0"/>
+              </a:rPr>
+              <a:t>models.</a:t>
+            </a:r>
+            <a:r>
+              <a:rPr lang="zh-CN" altLang="en-US" sz="1550" dirty="0">
+                <a:latin typeface="Segoe UI" panose="020B0502040204020203" pitchFamily="34" charset="0"/>
+                <a:cs typeface="Segoe UI" panose="020B0502040204020203" pitchFamily="34" charset="0"/>
+              </a:rPr>
+              <a:t> </a:t>
+            </a:r>
+            <a:r>
+              <a:rPr lang="en-US" altLang="zh-CN" sz="1550" dirty="0">
+                <a:latin typeface="Segoe UI" panose="020B0502040204020203" pitchFamily="34" charset="0"/>
+                <a:cs typeface="Segoe UI" panose="020B0502040204020203" pitchFamily="34" charset="0"/>
+              </a:rPr>
+              <a:t>It</a:t>
+            </a:r>
+            <a:r>
+              <a:rPr lang="zh-CN" altLang="en-US" sz="1550" dirty="0">
+                <a:latin typeface="Segoe UI" panose="020B0502040204020203" pitchFamily="34" charset="0"/>
+                <a:cs typeface="Segoe UI" panose="020B0502040204020203" pitchFamily="34" charset="0"/>
+              </a:rPr>
+              <a:t> </a:t>
+            </a:r>
+            <a:r>
+              <a:rPr lang="en-US" altLang="zh-CN" sz="1550" dirty="0">
+                <a:latin typeface="Segoe UI" panose="020B0502040204020203" pitchFamily="34" charset="0"/>
+                <a:cs typeface="Segoe UI" panose="020B0502040204020203" pitchFamily="34" charset="0"/>
+              </a:rPr>
+              <a:t>reduces</a:t>
+            </a:r>
+            <a:r>
+              <a:rPr lang="zh-CN" altLang="en-US" sz="1550" dirty="0">
+                <a:latin typeface="Segoe UI" panose="020B0502040204020203" pitchFamily="34" charset="0"/>
+                <a:cs typeface="Segoe UI" panose="020B0502040204020203" pitchFamily="34" charset="0"/>
+              </a:rPr>
+              <a:t> </a:t>
+            </a:r>
+            <a:r>
+              <a:rPr lang="en-US" altLang="zh-CN" sz="1550" dirty="0">
+                <a:latin typeface="Segoe UI" panose="020B0502040204020203" pitchFamily="34" charset="0"/>
+                <a:cs typeface="Segoe UI" panose="020B0502040204020203" pitchFamily="34" charset="0"/>
+              </a:rPr>
+              <a:t>the</a:t>
+            </a:r>
+            <a:r>
+              <a:rPr lang="zh-CN" altLang="en-US" sz="1550" dirty="0">
+                <a:latin typeface="Segoe UI" panose="020B0502040204020203" pitchFamily="34" charset="0"/>
+                <a:cs typeface="Segoe UI" panose="020B0502040204020203" pitchFamily="34" charset="0"/>
+              </a:rPr>
+              <a:t> </a:t>
+            </a:r>
+            <a:r>
+              <a:rPr lang="en-US" altLang="zh-CN" sz="1550" dirty="0">
+                <a:latin typeface="Segoe UI" panose="020B0502040204020203" pitchFamily="34" charset="0"/>
+                <a:cs typeface="Segoe UI" panose="020B0502040204020203" pitchFamily="34" charset="0"/>
+              </a:rPr>
+              <a:t>variance</a:t>
+            </a:r>
+            <a:r>
+              <a:rPr lang="zh-CN" altLang="en-US" sz="1550" dirty="0">
+                <a:latin typeface="Segoe UI" panose="020B0502040204020203" pitchFamily="34" charset="0"/>
+                <a:cs typeface="Segoe UI" panose="020B0502040204020203" pitchFamily="34" charset="0"/>
+              </a:rPr>
+              <a:t> </a:t>
+            </a:r>
+            <a:r>
+              <a:rPr lang="en-US" altLang="zh-CN" sz="1550" dirty="0">
+                <a:latin typeface="Segoe UI" panose="020B0502040204020203" pitchFamily="34" charset="0"/>
+                <a:cs typeface="Segoe UI" panose="020B0502040204020203" pitchFamily="34" charset="0"/>
+              </a:rPr>
+              <a:t>by</a:t>
+            </a:r>
+            <a:r>
+              <a:rPr lang="zh-CN" altLang="en-US" sz="1550" dirty="0">
+                <a:latin typeface="Segoe UI" panose="020B0502040204020203" pitchFamily="34" charset="0"/>
+                <a:cs typeface="Segoe UI" panose="020B0502040204020203" pitchFamily="34" charset="0"/>
+              </a:rPr>
+              <a:t> </a:t>
+            </a:r>
+            <a:r>
+              <a:rPr lang="en-US" altLang="zh-CN" sz="1550" dirty="0">
+                <a:latin typeface="Segoe UI" panose="020B0502040204020203" pitchFamily="34" charset="0"/>
+                <a:cs typeface="Segoe UI" panose="020B0502040204020203" pitchFamily="34" charset="0"/>
+              </a:rPr>
+              <a:t>using</a:t>
+            </a:r>
+            <a:r>
+              <a:rPr lang="zh-CN" altLang="en-US" sz="1550" dirty="0">
+                <a:latin typeface="Segoe UI" panose="020B0502040204020203" pitchFamily="34" charset="0"/>
+                <a:cs typeface="Segoe UI" panose="020B0502040204020203" pitchFamily="34" charset="0"/>
+              </a:rPr>
+              <a:t> </a:t>
+            </a:r>
+            <a:r>
+              <a:rPr lang="en-US" altLang="zh-CN" sz="1550" dirty="0">
+                <a:latin typeface="Segoe UI" panose="020B0502040204020203" pitchFamily="34" charset="0"/>
+                <a:cs typeface="Segoe UI" panose="020B0502040204020203" pitchFamily="34" charset="0"/>
+              </a:rPr>
+              <a:t>different</a:t>
+            </a:r>
+            <a:r>
+              <a:rPr lang="zh-CN" altLang="en-US" sz="1550" dirty="0">
+                <a:latin typeface="Segoe UI" panose="020B0502040204020203" pitchFamily="34" charset="0"/>
+                <a:cs typeface="Segoe UI" panose="020B0502040204020203" pitchFamily="34" charset="0"/>
+              </a:rPr>
+              <a:t> </a:t>
+            </a:r>
+            <a:r>
+              <a:rPr lang="en-US" altLang="zh-CN" sz="1550" dirty="0">
+                <a:latin typeface="Segoe UI" panose="020B0502040204020203" pitchFamily="34" charset="0"/>
+                <a:cs typeface="Segoe UI" panose="020B0502040204020203" pitchFamily="34" charset="0"/>
+              </a:rPr>
+              <a:t>portion</a:t>
+            </a:r>
+            <a:r>
+              <a:rPr lang="zh-CN" altLang="en-US" sz="1550" dirty="0">
+                <a:latin typeface="Segoe UI" panose="020B0502040204020203" pitchFamily="34" charset="0"/>
+                <a:cs typeface="Segoe UI" panose="020B0502040204020203" pitchFamily="34" charset="0"/>
+              </a:rPr>
+              <a:t> </a:t>
+            </a:r>
+            <a:r>
+              <a:rPr lang="en-US" altLang="zh-CN" sz="1550" dirty="0">
+                <a:latin typeface="Segoe UI" panose="020B0502040204020203" pitchFamily="34" charset="0"/>
+                <a:cs typeface="Segoe UI" panose="020B0502040204020203" pitchFamily="34" charset="0"/>
+              </a:rPr>
+              <a:t>of</a:t>
+            </a:r>
+            <a:r>
+              <a:rPr lang="zh-CN" altLang="en-US" sz="1550" dirty="0">
+                <a:latin typeface="Segoe UI" panose="020B0502040204020203" pitchFamily="34" charset="0"/>
+                <a:cs typeface="Segoe UI" panose="020B0502040204020203" pitchFamily="34" charset="0"/>
+              </a:rPr>
+              <a:t> </a:t>
+            </a:r>
+            <a:r>
+              <a:rPr lang="en-US" altLang="zh-CN" sz="1550" dirty="0">
+                <a:latin typeface="Segoe UI" panose="020B0502040204020203" pitchFamily="34" charset="0"/>
+                <a:cs typeface="Segoe UI" panose="020B0502040204020203" pitchFamily="34" charset="0"/>
+              </a:rPr>
+              <a:t>the</a:t>
+            </a:r>
+            <a:r>
+              <a:rPr lang="zh-CN" altLang="en-US" sz="1550" dirty="0">
+                <a:latin typeface="Segoe UI" panose="020B0502040204020203" pitchFamily="34" charset="0"/>
+                <a:cs typeface="Segoe UI" panose="020B0502040204020203" pitchFamily="34" charset="0"/>
+              </a:rPr>
+              <a:t> </a:t>
+            </a:r>
+            <a:r>
+              <a:rPr lang="en-US" altLang="zh-CN" sz="1550" dirty="0">
+                <a:latin typeface="Segoe UI" panose="020B0502040204020203" pitchFamily="34" charset="0"/>
+                <a:cs typeface="Segoe UI" panose="020B0502040204020203" pitchFamily="34" charset="0"/>
+              </a:rPr>
+              <a:t>training</a:t>
+            </a:r>
+            <a:r>
+              <a:rPr lang="zh-CN" altLang="en-US" sz="1550" dirty="0">
+                <a:latin typeface="Segoe UI" panose="020B0502040204020203" pitchFamily="34" charset="0"/>
+                <a:cs typeface="Segoe UI" panose="020B0502040204020203" pitchFamily="34" charset="0"/>
+              </a:rPr>
+              <a:t> </a:t>
+            </a:r>
+            <a:r>
+              <a:rPr lang="en-US" altLang="zh-CN" sz="1550" dirty="0">
+                <a:latin typeface="Segoe UI" panose="020B0502040204020203" pitchFamily="34" charset="0"/>
+                <a:cs typeface="Segoe UI" panose="020B0502040204020203" pitchFamily="34" charset="0"/>
+              </a:rPr>
+              <a:t>data</a:t>
+            </a:r>
+            <a:r>
+              <a:rPr lang="zh-CN" altLang="en-US" sz="1550" dirty="0">
+                <a:latin typeface="Segoe UI" panose="020B0502040204020203" pitchFamily="34" charset="0"/>
+                <a:cs typeface="Segoe UI" panose="020B0502040204020203" pitchFamily="34" charset="0"/>
+              </a:rPr>
+              <a:t> </a:t>
+            </a:r>
+            <a:r>
+              <a:rPr lang="en-US" altLang="zh-CN" sz="1550" dirty="0">
+                <a:latin typeface="Segoe UI" panose="020B0502040204020203" pitchFamily="34" charset="0"/>
+                <a:cs typeface="Segoe UI" panose="020B0502040204020203" pitchFamily="34" charset="0"/>
+              </a:rPr>
+              <a:t>and</a:t>
+            </a:r>
+            <a:r>
+              <a:rPr lang="zh-CN" altLang="en-US" sz="1550" dirty="0">
+                <a:latin typeface="Segoe UI" panose="020B0502040204020203" pitchFamily="34" charset="0"/>
+                <a:cs typeface="Segoe UI" panose="020B0502040204020203" pitchFamily="34" charset="0"/>
+              </a:rPr>
+              <a:t> </a:t>
+            </a:r>
+            <a:r>
+              <a:rPr lang="en-US" altLang="zh-CN" sz="1550" dirty="0">
+                <a:latin typeface="Segoe UI" panose="020B0502040204020203" pitchFamily="34" charset="0"/>
+                <a:cs typeface="Segoe UI" panose="020B0502040204020203" pitchFamily="34" charset="0"/>
+              </a:rPr>
+              <a:t>reduces</a:t>
+            </a:r>
+            <a:r>
+              <a:rPr lang="zh-CN" altLang="en-US" sz="1550" dirty="0">
+                <a:latin typeface="Segoe UI" panose="020B0502040204020203" pitchFamily="34" charset="0"/>
+                <a:cs typeface="Segoe UI" panose="020B0502040204020203" pitchFamily="34" charset="0"/>
+              </a:rPr>
+              <a:t> </a:t>
+            </a:r>
+            <a:r>
+              <a:rPr lang="en-US" altLang="zh-CN" sz="1550" dirty="0">
+                <a:latin typeface="Segoe UI" panose="020B0502040204020203" pitchFamily="34" charset="0"/>
+                <a:cs typeface="Segoe UI" panose="020B0502040204020203" pitchFamily="34" charset="0"/>
+              </a:rPr>
+              <a:t>correlation</a:t>
+            </a:r>
+            <a:r>
+              <a:rPr lang="zh-CN" altLang="en-US" sz="1550" dirty="0">
+                <a:latin typeface="Segoe UI" panose="020B0502040204020203" pitchFamily="34" charset="0"/>
+                <a:cs typeface="Segoe UI" panose="020B0502040204020203" pitchFamily="34" charset="0"/>
+              </a:rPr>
+              <a:t> </a:t>
+            </a:r>
+            <a:r>
+              <a:rPr lang="en-US" altLang="zh-CN" sz="1550" dirty="0">
+                <a:latin typeface="Segoe UI" panose="020B0502040204020203" pitchFamily="34" charset="0"/>
+                <a:cs typeface="Segoe UI" panose="020B0502040204020203" pitchFamily="34" charset="0"/>
+              </a:rPr>
+              <a:t>between</a:t>
+            </a:r>
+            <a:r>
+              <a:rPr lang="zh-CN" altLang="en-US" sz="1550" dirty="0">
+                <a:latin typeface="Segoe UI" panose="020B0502040204020203" pitchFamily="34" charset="0"/>
+                <a:cs typeface="Segoe UI" panose="020B0502040204020203" pitchFamily="34" charset="0"/>
+              </a:rPr>
+              <a:t> </a:t>
+            </a:r>
+            <a:r>
+              <a:rPr lang="en-US" altLang="zh-CN" sz="1550" dirty="0">
+                <a:latin typeface="Segoe UI" panose="020B0502040204020203" pitchFamily="34" charset="0"/>
+                <a:cs typeface="Segoe UI" panose="020B0502040204020203" pitchFamily="34" charset="0"/>
+              </a:rPr>
+              <a:t>trees</a:t>
+            </a:r>
+            <a:r>
+              <a:rPr lang="zh-CN" altLang="en-US" sz="1550" dirty="0">
+                <a:latin typeface="Segoe UI" panose="020B0502040204020203" pitchFamily="34" charset="0"/>
+                <a:cs typeface="Segoe UI" panose="020B0502040204020203" pitchFamily="34" charset="0"/>
+              </a:rPr>
+              <a:t> </a:t>
+            </a:r>
+            <a:r>
+              <a:rPr lang="en-US" altLang="zh-CN" sz="1550" dirty="0">
+                <a:latin typeface="Segoe UI" panose="020B0502040204020203" pitchFamily="34" charset="0"/>
+                <a:cs typeface="Segoe UI" panose="020B0502040204020203" pitchFamily="34" charset="0"/>
+              </a:rPr>
+              <a:t>by</a:t>
+            </a:r>
+            <a:r>
+              <a:rPr lang="zh-CN" altLang="en-US" sz="1550" dirty="0">
+                <a:latin typeface="Segoe UI" panose="020B0502040204020203" pitchFamily="34" charset="0"/>
+                <a:cs typeface="Segoe UI" panose="020B0502040204020203" pitchFamily="34" charset="0"/>
+              </a:rPr>
+              <a:t> </a:t>
+            </a:r>
+            <a:r>
+              <a:rPr lang="en-US" altLang="zh-CN" sz="1550" dirty="0">
+                <a:latin typeface="Segoe UI" panose="020B0502040204020203" pitchFamily="34" charset="0"/>
+                <a:cs typeface="Segoe UI" panose="020B0502040204020203" pitchFamily="34" charset="0"/>
+              </a:rPr>
+              <a:t>randomly</a:t>
+            </a:r>
+            <a:r>
+              <a:rPr lang="zh-CN" altLang="en-US" sz="1550" dirty="0">
+                <a:latin typeface="Segoe UI" panose="020B0502040204020203" pitchFamily="34" charset="0"/>
+                <a:cs typeface="Segoe UI" panose="020B0502040204020203" pitchFamily="34" charset="0"/>
+              </a:rPr>
+              <a:t> </a:t>
+            </a:r>
+            <a:r>
+              <a:rPr lang="en-US" altLang="zh-CN" sz="1550" dirty="0">
+                <a:latin typeface="Segoe UI" panose="020B0502040204020203" pitchFamily="34" charset="0"/>
+                <a:cs typeface="Segoe UI" panose="020B0502040204020203" pitchFamily="34" charset="0"/>
+              </a:rPr>
+              <a:t>select</a:t>
+            </a:r>
+            <a:r>
+              <a:rPr lang="zh-CN" altLang="en-US" sz="1550" dirty="0">
+                <a:latin typeface="Segoe UI" panose="020B0502040204020203" pitchFamily="34" charset="0"/>
+                <a:cs typeface="Segoe UI" panose="020B0502040204020203" pitchFamily="34" charset="0"/>
+              </a:rPr>
+              <a:t> </a:t>
+            </a:r>
+            <a:r>
+              <a:rPr lang="en-US" altLang="zh-CN" sz="1550" dirty="0">
+                <a:latin typeface="Segoe UI" panose="020B0502040204020203" pitchFamily="34" charset="0"/>
+                <a:cs typeface="Segoe UI" panose="020B0502040204020203" pitchFamily="34" charset="0"/>
+              </a:rPr>
+              <a:t>features.</a:t>
+            </a:r>
+            <a:r>
+              <a:rPr lang="zh-CN" altLang="en-US" sz="1550" dirty="0">
+                <a:latin typeface="Segoe UI" panose="020B0502040204020203" pitchFamily="34" charset="0"/>
+                <a:cs typeface="Segoe UI" panose="020B0502040204020203" pitchFamily="34" charset="0"/>
+              </a:rPr>
+              <a:t> </a:t>
+            </a:r>
+            <a:endParaRPr lang="en-US" altLang="zh-CN" sz="1550" dirty="0">
+              <a:latin typeface="Segoe UI" panose="020B0502040204020203" pitchFamily="34" charset="0"/>
+              <a:cs typeface="Segoe UI" panose="020B0502040204020203" pitchFamily="34" charset="0"/>
+            </a:endParaRPr>
+          </a:p>
+          <a:p>
+            <a:endParaRPr lang="en-US" altLang="zh-CN" sz="1550" dirty="0">
+              <a:latin typeface="Segoe UI" panose="020B0502040204020203" pitchFamily="34" charset="0"/>
+              <a:cs typeface="Segoe UI" panose="020B0502040204020203" pitchFamily="34" charset="0"/>
+            </a:endParaRPr>
+          </a:p>
+          <a:p>
+            <a:r>
+              <a:rPr lang="en-US" altLang="zh-CN" sz="1550" dirty="0">
+                <a:latin typeface="Segoe UI" panose="020B0502040204020203" pitchFamily="34" charset="0"/>
+                <a:cs typeface="Segoe UI" panose="020B0502040204020203" pitchFamily="34" charset="0"/>
+              </a:rPr>
+              <a:t>Below</a:t>
+            </a:r>
+            <a:r>
+              <a:rPr lang="zh-CN" altLang="en-US" sz="1550" dirty="0">
+                <a:latin typeface="Segoe UI" panose="020B0502040204020203" pitchFamily="34" charset="0"/>
+                <a:cs typeface="Segoe UI" panose="020B0502040204020203" pitchFamily="34" charset="0"/>
+              </a:rPr>
+              <a:t> </a:t>
+            </a:r>
+            <a:r>
+              <a:rPr lang="en-US" altLang="zh-CN" sz="1550" dirty="0">
+                <a:latin typeface="Segoe UI" panose="020B0502040204020203" pitchFamily="34" charset="0"/>
+                <a:cs typeface="Segoe UI" panose="020B0502040204020203" pitchFamily="34" charset="0"/>
+              </a:rPr>
+              <a:t>is</a:t>
+            </a:r>
+            <a:r>
+              <a:rPr lang="zh-CN" altLang="en-US" sz="1550" dirty="0">
+                <a:latin typeface="Segoe UI" panose="020B0502040204020203" pitchFamily="34" charset="0"/>
+                <a:cs typeface="Segoe UI" panose="020B0502040204020203" pitchFamily="34" charset="0"/>
+              </a:rPr>
+              <a:t> </a:t>
+            </a:r>
+            <a:r>
+              <a:rPr lang="en-US" altLang="zh-CN" sz="1550" dirty="0">
+                <a:latin typeface="Segoe UI" panose="020B0502040204020203" pitchFamily="34" charset="0"/>
+                <a:cs typeface="Segoe UI" panose="020B0502040204020203" pitchFamily="34" charset="0"/>
+              </a:rPr>
+              <a:t>a</a:t>
+            </a:r>
+            <a:r>
+              <a:rPr lang="zh-CN" altLang="en-US" sz="1550" dirty="0">
+                <a:latin typeface="Segoe UI" panose="020B0502040204020203" pitchFamily="34" charset="0"/>
+                <a:cs typeface="Segoe UI" panose="020B0502040204020203" pitchFamily="34" charset="0"/>
+              </a:rPr>
+              <a:t> </a:t>
+            </a:r>
+            <a:r>
+              <a:rPr lang="en-US" altLang="zh-CN" sz="1550" dirty="0">
+                <a:latin typeface="Segoe UI" panose="020B0502040204020203" pitchFamily="34" charset="0"/>
+                <a:cs typeface="Segoe UI" panose="020B0502040204020203" pitchFamily="34" charset="0"/>
+              </a:rPr>
+              <a:t>visualization</a:t>
+            </a:r>
+            <a:r>
+              <a:rPr lang="zh-CN" altLang="en-US" sz="1550" dirty="0">
+                <a:latin typeface="Segoe UI" panose="020B0502040204020203" pitchFamily="34" charset="0"/>
+                <a:cs typeface="Segoe UI" panose="020B0502040204020203" pitchFamily="34" charset="0"/>
+              </a:rPr>
+              <a:t> </a:t>
+            </a:r>
+            <a:r>
+              <a:rPr lang="en-US" altLang="zh-CN" sz="1550" dirty="0">
+                <a:latin typeface="Segoe UI" panose="020B0502040204020203" pitchFamily="34" charset="0"/>
+                <a:cs typeface="Segoe UI" panose="020B0502040204020203" pitchFamily="34" charset="0"/>
+              </a:rPr>
+              <a:t>of</a:t>
+            </a:r>
+            <a:r>
+              <a:rPr lang="zh-CN" altLang="en-US" sz="1550" dirty="0">
+                <a:latin typeface="Segoe UI" panose="020B0502040204020203" pitchFamily="34" charset="0"/>
+                <a:cs typeface="Segoe UI" panose="020B0502040204020203" pitchFamily="34" charset="0"/>
+              </a:rPr>
+              <a:t> </a:t>
+            </a:r>
+            <a:r>
+              <a:rPr lang="en-US" altLang="zh-CN" sz="1550" dirty="0">
+                <a:latin typeface="Segoe UI" panose="020B0502040204020203" pitchFamily="34" charset="0"/>
+                <a:cs typeface="Segoe UI" panose="020B0502040204020203" pitchFamily="34" charset="0"/>
+              </a:rPr>
+              <a:t>one</a:t>
+            </a:r>
+            <a:r>
+              <a:rPr lang="zh-CN" altLang="en-US" sz="1550" dirty="0">
+                <a:latin typeface="Segoe UI" panose="020B0502040204020203" pitchFamily="34" charset="0"/>
+                <a:cs typeface="Segoe UI" panose="020B0502040204020203" pitchFamily="34" charset="0"/>
+              </a:rPr>
+              <a:t> </a:t>
+            </a:r>
+            <a:r>
+              <a:rPr lang="en-US" altLang="zh-CN" sz="1550" dirty="0">
+                <a:latin typeface="Segoe UI" panose="020B0502040204020203" pitchFamily="34" charset="0"/>
+                <a:cs typeface="Segoe UI" panose="020B0502040204020203" pitchFamily="34" charset="0"/>
+              </a:rPr>
+              <a:t>decision</a:t>
+            </a:r>
+            <a:r>
+              <a:rPr lang="zh-CN" altLang="en-US" sz="1550" dirty="0">
+                <a:latin typeface="Segoe UI" panose="020B0502040204020203" pitchFamily="34" charset="0"/>
+                <a:cs typeface="Segoe UI" panose="020B0502040204020203" pitchFamily="34" charset="0"/>
+              </a:rPr>
+              <a:t> </a:t>
+            </a:r>
+            <a:r>
+              <a:rPr lang="en-US" altLang="zh-CN" sz="1550" dirty="0">
+                <a:latin typeface="Segoe UI" panose="020B0502040204020203" pitchFamily="34" charset="0"/>
+                <a:cs typeface="Segoe UI" panose="020B0502040204020203" pitchFamily="34" charset="0"/>
+              </a:rPr>
+              <a:t>tree</a:t>
+            </a:r>
+            <a:r>
+              <a:rPr lang="zh-CN" altLang="en-US" sz="1550" dirty="0">
+                <a:latin typeface="Segoe UI" panose="020B0502040204020203" pitchFamily="34" charset="0"/>
+                <a:cs typeface="Segoe UI" panose="020B0502040204020203" pitchFamily="34" charset="0"/>
+              </a:rPr>
+              <a:t> </a:t>
+            </a:r>
+            <a:r>
+              <a:rPr lang="en-US" altLang="zh-CN" sz="1550" dirty="0">
+                <a:latin typeface="Segoe UI" panose="020B0502040204020203" pitchFamily="34" charset="0"/>
+                <a:cs typeface="Segoe UI" panose="020B0502040204020203" pitchFamily="34" charset="0"/>
+              </a:rPr>
+              <a:t>from</a:t>
+            </a:r>
+            <a:r>
+              <a:rPr lang="zh-CN" altLang="en-US" sz="1550" dirty="0">
+                <a:latin typeface="Segoe UI" panose="020B0502040204020203" pitchFamily="34" charset="0"/>
+                <a:cs typeface="Segoe UI" panose="020B0502040204020203" pitchFamily="34" charset="0"/>
+              </a:rPr>
+              <a:t> </a:t>
+            </a:r>
+            <a:r>
+              <a:rPr lang="en-US" altLang="zh-CN" sz="1550" dirty="0">
+                <a:latin typeface="Segoe UI" panose="020B0502040204020203" pitchFamily="34" charset="0"/>
+                <a:cs typeface="Segoe UI" panose="020B0502040204020203" pitchFamily="34" charset="0"/>
+              </a:rPr>
+              <a:t>my</a:t>
+            </a:r>
+            <a:r>
+              <a:rPr lang="zh-CN" altLang="en-US" sz="1550" dirty="0">
+                <a:latin typeface="Segoe UI" panose="020B0502040204020203" pitchFamily="34" charset="0"/>
+                <a:cs typeface="Segoe UI" panose="020B0502040204020203" pitchFamily="34" charset="0"/>
+              </a:rPr>
+              <a:t> </a:t>
+            </a:r>
+            <a:r>
+              <a:rPr lang="en-US" altLang="zh-CN" sz="1550" dirty="0">
+                <a:latin typeface="Segoe UI" panose="020B0502040204020203" pitchFamily="34" charset="0"/>
+                <a:cs typeface="Segoe UI" panose="020B0502040204020203" pitchFamily="34" charset="0"/>
+              </a:rPr>
+              <a:t>model.</a:t>
+            </a:r>
+            <a:r>
+              <a:rPr lang="zh-CN" altLang="en-US" sz="1550" dirty="0">
+                <a:latin typeface="Segoe UI" panose="020B0502040204020203" pitchFamily="34" charset="0"/>
+                <a:cs typeface="Segoe UI" panose="020B0502040204020203" pitchFamily="34" charset="0"/>
+              </a:rPr>
+              <a:t> </a:t>
+            </a:r>
+            <a:endParaRPr lang="en-US" altLang="zh-CN" sz="1550" dirty="0">
               <a:latin typeface="Segoe UI" panose="020B0502040204020203" pitchFamily="34" charset="0"/>
               <a:cs typeface="Segoe UI" panose="020B0502040204020203" pitchFamily="34" charset="0"/>
             </a:endParaRPr>
@@ -6878,10 +6455,10 @@
       </p:sp>
       <p:sp>
         <p:nvSpPr>
-          <p:cNvPr id="38" name="TextBox 37">
+          <p:cNvPr id="30" name="TextBox 29">
             <a:extLst>
               <a:ext uri="{FF2B5EF4-FFF2-40B4-BE49-F238E27FC236}">
-                <a16:creationId xmlns:a16="http://schemas.microsoft.com/office/drawing/2014/main" id="{EBCF219A-0565-AA4C-B203-E39BB967132F}"/>
+                <a16:creationId xmlns:a16="http://schemas.microsoft.com/office/drawing/2014/main" id="{155F0E81-19EF-3243-94E9-5CDC51FFAF4C}"/>
               </a:ext>
             </a:extLst>
           </p:cNvPr>
@@ -6890,8 +6467,8 @@
         </p:nvSpPr>
         <p:spPr>
           <a:xfrm>
-            <a:off x="2370780" y="12453202"/>
-            <a:ext cx="1672126" cy="276999"/>
+            <a:off x="518865" y="11104991"/>
+            <a:ext cx="4102052" cy="3978012"/>
           </a:xfrm>
           <a:prstGeom prst="rect">
             <a:avLst/>
@@ -6904,370 +6481,1004 @@
           </a:bodyPr>
           <a:lstStyle/>
           <a:p>
-            <a:pPr algn="ctr"/>
-            <a:r>
-              <a:rPr lang="en-US" altLang="zh-CN" sz="1200" dirty="0">
-                <a:latin typeface="Segoe UI" panose="020B0502040204020203" pitchFamily="34" charset="0"/>
-                <a:cs typeface="Segoe UI" panose="020B0502040204020203" pitchFamily="34" charset="0"/>
-              </a:rPr>
-              <a:t>Quasar</a:t>
-            </a:r>
-            <a:endParaRPr lang="en-US" sz="1200" dirty="0">
+            <a:r>
+              <a:rPr lang="en-US" altLang="zh-CN" sz="1550" dirty="0">
+                <a:latin typeface="Segoe UI" panose="020B0502040204020203" pitchFamily="34" charset="0"/>
+                <a:cs typeface="Segoe UI" panose="020B0502040204020203" pitchFamily="34" charset="0"/>
+              </a:rPr>
+              <a:t>In</a:t>
+            </a:r>
+            <a:r>
+              <a:rPr lang="zh-CN" altLang="en-US" sz="1550" dirty="0">
+                <a:latin typeface="Segoe UI" panose="020B0502040204020203" pitchFamily="34" charset="0"/>
+                <a:cs typeface="Segoe UI" panose="020B0502040204020203" pitchFamily="34" charset="0"/>
+              </a:rPr>
+              <a:t> </a:t>
+            </a:r>
+            <a:r>
+              <a:rPr lang="en-US" altLang="zh-CN" sz="1550" dirty="0">
+                <a:latin typeface="Segoe UI" panose="020B0502040204020203" pitchFamily="34" charset="0"/>
+                <a:cs typeface="Segoe UI" panose="020B0502040204020203" pitchFamily="34" charset="0"/>
+              </a:rPr>
+              <a:t>this</a:t>
+            </a:r>
+            <a:r>
+              <a:rPr lang="zh-CN" altLang="en-US" sz="1550" dirty="0">
+                <a:latin typeface="Segoe UI" panose="020B0502040204020203" pitchFamily="34" charset="0"/>
+                <a:cs typeface="Segoe UI" panose="020B0502040204020203" pitchFamily="34" charset="0"/>
+              </a:rPr>
+              <a:t> </a:t>
+            </a:r>
+            <a:r>
+              <a:rPr lang="en-US" altLang="zh-CN" sz="1550" dirty="0">
+                <a:latin typeface="Segoe UI" panose="020B0502040204020203" pitchFamily="34" charset="0"/>
+                <a:cs typeface="Segoe UI" panose="020B0502040204020203" pitchFamily="34" charset="0"/>
+              </a:rPr>
+              <a:t>project,</a:t>
+            </a:r>
+            <a:r>
+              <a:rPr lang="zh-CN" altLang="en-US" sz="1550" dirty="0">
+                <a:latin typeface="Segoe UI" panose="020B0502040204020203" pitchFamily="34" charset="0"/>
+                <a:cs typeface="Segoe UI" panose="020B0502040204020203" pitchFamily="34" charset="0"/>
+              </a:rPr>
+              <a:t> </a:t>
+            </a:r>
+            <a:r>
+              <a:rPr lang="en-US" altLang="zh-CN" sz="1550" dirty="0">
+                <a:latin typeface="Segoe UI" panose="020B0502040204020203" pitchFamily="34" charset="0"/>
+                <a:cs typeface="Segoe UI" panose="020B0502040204020203" pitchFamily="34" charset="0"/>
+              </a:rPr>
+              <a:t>we</a:t>
+            </a:r>
+            <a:r>
+              <a:rPr lang="zh-CN" altLang="en-US" sz="1550" dirty="0">
+                <a:latin typeface="Segoe UI" panose="020B0502040204020203" pitchFamily="34" charset="0"/>
+                <a:cs typeface="Segoe UI" panose="020B0502040204020203" pitchFamily="34" charset="0"/>
+              </a:rPr>
+              <a:t> </a:t>
+            </a:r>
+            <a:r>
+              <a:rPr lang="en-US" altLang="zh-CN" sz="1550" dirty="0">
+                <a:latin typeface="Segoe UI" panose="020B0502040204020203" pitchFamily="34" charset="0"/>
+                <a:cs typeface="Segoe UI" panose="020B0502040204020203" pitchFamily="34" charset="0"/>
+              </a:rPr>
+              <a:t>collect</a:t>
+            </a:r>
+            <a:r>
+              <a:rPr lang="zh-CN" altLang="en-US" sz="1550" dirty="0">
+                <a:latin typeface="Segoe UI" panose="020B0502040204020203" pitchFamily="34" charset="0"/>
+                <a:cs typeface="Segoe UI" panose="020B0502040204020203" pitchFamily="34" charset="0"/>
+              </a:rPr>
+              <a:t> </a:t>
+            </a:r>
+            <a:r>
+              <a:rPr lang="en-US" altLang="zh-CN" sz="1550" dirty="0">
+                <a:latin typeface="Segoe UI" panose="020B0502040204020203" pitchFamily="34" charset="0"/>
+                <a:cs typeface="Segoe UI" panose="020B0502040204020203" pitchFamily="34" charset="0"/>
+              </a:rPr>
+              <a:t>the</a:t>
+            </a:r>
+            <a:r>
+              <a:rPr lang="zh-CN" altLang="en-US" sz="1550" dirty="0">
+                <a:latin typeface="Segoe UI" panose="020B0502040204020203" pitchFamily="34" charset="0"/>
+                <a:cs typeface="Segoe UI" panose="020B0502040204020203" pitchFamily="34" charset="0"/>
+              </a:rPr>
+              <a:t> </a:t>
+            </a:r>
+            <a:r>
+              <a:rPr lang="en-US" altLang="zh-CN" sz="1550" dirty="0">
+                <a:latin typeface="Segoe UI" panose="020B0502040204020203" pitchFamily="34" charset="0"/>
+                <a:cs typeface="Segoe UI" panose="020B0502040204020203" pitchFamily="34" charset="0"/>
+              </a:rPr>
+              <a:t>luminosity</a:t>
+            </a:r>
+            <a:r>
+              <a:rPr lang="zh-CN" altLang="en-US" sz="1550" dirty="0">
+                <a:latin typeface="Segoe UI" panose="020B0502040204020203" pitchFamily="34" charset="0"/>
+                <a:cs typeface="Segoe UI" panose="020B0502040204020203" pitchFamily="34" charset="0"/>
+              </a:rPr>
+              <a:t> </a:t>
+            </a:r>
+            <a:r>
+              <a:rPr lang="en-US" altLang="zh-CN" sz="1550" dirty="0">
+                <a:latin typeface="Segoe UI" panose="020B0502040204020203" pitchFamily="34" charset="0"/>
+                <a:cs typeface="Segoe UI" panose="020B0502040204020203" pitchFamily="34" charset="0"/>
+              </a:rPr>
+              <a:t>measured</a:t>
+            </a:r>
+            <a:r>
+              <a:rPr lang="zh-CN" altLang="en-US" sz="1550" dirty="0">
+                <a:latin typeface="Segoe UI" panose="020B0502040204020203" pitchFamily="34" charset="0"/>
+                <a:cs typeface="Segoe UI" panose="020B0502040204020203" pitchFamily="34" charset="0"/>
+              </a:rPr>
+              <a:t> </a:t>
+            </a:r>
+            <a:r>
+              <a:rPr lang="en-US" altLang="zh-CN" sz="1550" dirty="0">
+                <a:latin typeface="Segoe UI" panose="020B0502040204020203" pitchFamily="34" charset="0"/>
+                <a:cs typeface="Segoe UI" panose="020B0502040204020203" pitchFamily="34" charset="0"/>
+              </a:rPr>
+              <a:t>at</a:t>
+            </a:r>
+            <a:r>
+              <a:rPr lang="zh-CN" altLang="en-US" sz="1550" dirty="0">
+                <a:latin typeface="Segoe UI" panose="020B0502040204020203" pitchFamily="34" charset="0"/>
+                <a:cs typeface="Segoe UI" panose="020B0502040204020203" pitchFamily="34" charset="0"/>
+              </a:rPr>
+              <a:t> </a:t>
+            </a:r>
+            <a:r>
+              <a:rPr lang="en-US" altLang="zh-CN" sz="1550" dirty="0">
+                <a:latin typeface="Segoe UI" panose="020B0502040204020203" pitchFamily="34" charset="0"/>
+                <a:cs typeface="Segoe UI" panose="020B0502040204020203" pitchFamily="34" charset="0"/>
+              </a:rPr>
+              <a:t>different</a:t>
+            </a:r>
+            <a:r>
+              <a:rPr lang="zh-CN" altLang="en-US" sz="1550" dirty="0">
+                <a:latin typeface="Segoe UI" panose="020B0502040204020203" pitchFamily="34" charset="0"/>
+                <a:cs typeface="Segoe UI" panose="020B0502040204020203" pitchFamily="34" charset="0"/>
+              </a:rPr>
+              <a:t> </a:t>
+            </a:r>
+            <a:r>
+              <a:rPr lang="en-US" altLang="zh-CN" sz="1550" dirty="0">
+                <a:latin typeface="Segoe UI" panose="020B0502040204020203" pitchFamily="34" charset="0"/>
+                <a:cs typeface="Segoe UI" panose="020B0502040204020203" pitchFamily="34" charset="0"/>
+              </a:rPr>
+              <a:t>wavelengths</a:t>
+            </a:r>
+            <a:r>
+              <a:rPr lang="zh-CN" altLang="en-US" sz="1550" dirty="0">
+                <a:latin typeface="Segoe UI" panose="020B0502040204020203" pitchFamily="34" charset="0"/>
+                <a:cs typeface="Segoe UI" panose="020B0502040204020203" pitchFamily="34" charset="0"/>
+              </a:rPr>
+              <a:t> </a:t>
+            </a:r>
+            <a:r>
+              <a:rPr lang="en-US" altLang="zh-CN" sz="1550" dirty="0">
+                <a:latin typeface="Segoe UI" panose="020B0502040204020203" pitchFamily="34" charset="0"/>
+                <a:cs typeface="Segoe UI" panose="020B0502040204020203" pitchFamily="34" charset="0"/>
+              </a:rPr>
+              <a:t>of</a:t>
+            </a:r>
+            <a:r>
+              <a:rPr lang="zh-CN" altLang="en-US" sz="1550" dirty="0">
+                <a:latin typeface="Segoe UI" panose="020B0502040204020203" pitchFamily="34" charset="0"/>
+                <a:cs typeface="Segoe UI" panose="020B0502040204020203" pitchFamily="34" charset="0"/>
+              </a:rPr>
+              <a:t> </a:t>
+            </a:r>
+            <a:r>
+              <a:rPr lang="en-US" altLang="zh-CN" sz="1550" dirty="0">
+                <a:latin typeface="Segoe UI" panose="020B0502040204020203" pitchFamily="34" charset="0"/>
+                <a:cs typeface="Segoe UI" panose="020B0502040204020203" pitchFamily="34" charset="0"/>
+              </a:rPr>
+              <a:t>each</a:t>
+            </a:r>
+            <a:r>
+              <a:rPr lang="zh-CN" altLang="en-US" sz="1550" dirty="0">
+                <a:latin typeface="Segoe UI" panose="020B0502040204020203" pitchFamily="34" charset="0"/>
+                <a:cs typeface="Segoe UI" panose="020B0502040204020203" pitchFamily="34" charset="0"/>
+              </a:rPr>
+              <a:t> </a:t>
+            </a:r>
+            <a:r>
+              <a:rPr lang="en-US" altLang="zh-CN" sz="1550" dirty="0">
+                <a:latin typeface="Segoe UI" panose="020B0502040204020203" pitchFamily="34" charset="0"/>
+                <a:cs typeface="Segoe UI" panose="020B0502040204020203" pitchFamily="34" charset="0"/>
+              </a:rPr>
+              <a:t>celestial</a:t>
+            </a:r>
+            <a:r>
+              <a:rPr lang="zh-CN" altLang="en-US" sz="1550" dirty="0">
+                <a:latin typeface="Segoe UI" panose="020B0502040204020203" pitchFamily="34" charset="0"/>
+                <a:cs typeface="Segoe UI" panose="020B0502040204020203" pitchFamily="34" charset="0"/>
+              </a:rPr>
+              <a:t> </a:t>
+            </a:r>
+            <a:r>
+              <a:rPr lang="en-US" altLang="zh-CN" sz="1550" dirty="0">
+                <a:latin typeface="Segoe UI" panose="020B0502040204020203" pitchFamily="34" charset="0"/>
+                <a:cs typeface="Segoe UI" panose="020B0502040204020203" pitchFamily="34" charset="0"/>
+              </a:rPr>
+              <a:t>object,</a:t>
+            </a:r>
+            <a:r>
+              <a:rPr lang="zh-CN" altLang="en-US" sz="1550" dirty="0">
+                <a:latin typeface="Segoe UI" panose="020B0502040204020203" pitchFamily="34" charset="0"/>
+                <a:cs typeface="Segoe UI" panose="020B0502040204020203" pitchFamily="34" charset="0"/>
+              </a:rPr>
+              <a:t> </a:t>
+            </a:r>
+            <a:r>
+              <a:rPr lang="en-US" altLang="zh-CN" sz="1550" dirty="0">
+                <a:latin typeface="Segoe UI" panose="020B0502040204020203" pitchFamily="34" charset="0"/>
+                <a:cs typeface="Segoe UI" panose="020B0502040204020203" pitchFamily="34" charset="0"/>
+              </a:rPr>
+              <a:t>ranging</a:t>
+            </a:r>
+            <a:r>
+              <a:rPr lang="zh-CN" altLang="en-US" sz="1550" dirty="0">
+                <a:latin typeface="Segoe UI" panose="020B0502040204020203" pitchFamily="34" charset="0"/>
+                <a:cs typeface="Segoe UI" panose="020B0502040204020203" pitchFamily="34" charset="0"/>
+              </a:rPr>
+              <a:t> </a:t>
+            </a:r>
+            <a:r>
+              <a:rPr lang="en-US" altLang="zh-CN" sz="1550" dirty="0">
+                <a:latin typeface="Segoe UI" panose="020B0502040204020203" pitchFamily="34" charset="0"/>
+                <a:cs typeface="Segoe UI" panose="020B0502040204020203" pitchFamily="34" charset="0"/>
+              </a:rPr>
+              <a:t>from</a:t>
+            </a:r>
+            <a:r>
+              <a:rPr lang="zh-CN" altLang="en-US" sz="1550" dirty="0">
+                <a:latin typeface="Segoe UI" panose="020B0502040204020203" pitchFamily="34" charset="0"/>
+                <a:cs typeface="Segoe UI" panose="020B0502040204020203" pitchFamily="34" charset="0"/>
+              </a:rPr>
+              <a:t> </a:t>
+            </a:r>
+            <a:r>
+              <a:rPr lang="en-US" altLang="zh-CN" sz="1550" dirty="0">
+                <a:latin typeface="Segoe UI" panose="020B0502040204020203" pitchFamily="34" charset="0"/>
+                <a:cs typeface="Segoe UI" panose="020B0502040204020203" pitchFamily="34" charset="0"/>
+              </a:rPr>
+              <a:t>ultraviolet</a:t>
+            </a:r>
+            <a:r>
+              <a:rPr lang="zh-CN" altLang="en-US" sz="1550" dirty="0">
+                <a:latin typeface="Segoe UI" panose="020B0502040204020203" pitchFamily="34" charset="0"/>
+                <a:cs typeface="Segoe UI" panose="020B0502040204020203" pitchFamily="34" charset="0"/>
+              </a:rPr>
+              <a:t> </a:t>
+            </a:r>
+            <a:r>
+              <a:rPr lang="en-US" altLang="zh-CN" sz="1550" dirty="0">
+                <a:latin typeface="Segoe UI" panose="020B0502040204020203" pitchFamily="34" charset="0"/>
+                <a:cs typeface="Segoe UI" panose="020B0502040204020203" pitchFamily="34" charset="0"/>
+              </a:rPr>
+              <a:t>to</a:t>
+            </a:r>
+            <a:r>
+              <a:rPr lang="zh-CN" altLang="en-US" sz="1550" dirty="0">
+                <a:latin typeface="Segoe UI" panose="020B0502040204020203" pitchFamily="34" charset="0"/>
+                <a:cs typeface="Segoe UI" panose="020B0502040204020203" pitchFamily="34" charset="0"/>
+              </a:rPr>
+              <a:t> </a:t>
+            </a:r>
+            <a:r>
+              <a:rPr lang="en-US" altLang="zh-CN" sz="1550" dirty="0">
+                <a:latin typeface="Segoe UI" panose="020B0502040204020203" pitchFamily="34" charset="0"/>
+                <a:cs typeface="Segoe UI" panose="020B0502040204020203" pitchFamily="34" charset="0"/>
+              </a:rPr>
+              <a:t>near-infrared</a:t>
+            </a:r>
+            <a:r>
+              <a:rPr lang="zh-CN" altLang="en-US" sz="1550" dirty="0">
+                <a:latin typeface="Segoe UI" panose="020B0502040204020203" pitchFamily="34" charset="0"/>
+                <a:cs typeface="Segoe UI" panose="020B0502040204020203" pitchFamily="34" charset="0"/>
+              </a:rPr>
+              <a:t> </a:t>
+            </a:r>
+            <a:r>
+              <a:rPr lang="en-US" altLang="zh-CN" sz="1550" dirty="0">
+                <a:latin typeface="Segoe UI" panose="020B0502040204020203" pitchFamily="34" charset="0"/>
+                <a:cs typeface="Segoe UI" panose="020B0502040204020203" pitchFamily="34" charset="0"/>
+              </a:rPr>
+              <a:t>and</a:t>
+            </a:r>
+            <a:r>
+              <a:rPr lang="zh-CN" altLang="en-US" sz="1550" dirty="0">
+                <a:latin typeface="Segoe UI" panose="020B0502040204020203" pitchFamily="34" charset="0"/>
+                <a:cs typeface="Segoe UI" panose="020B0502040204020203" pitchFamily="34" charset="0"/>
+              </a:rPr>
+              <a:t> </a:t>
+            </a:r>
+            <a:r>
+              <a:rPr lang="en-US" altLang="zh-CN" sz="1550" dirty="0">
+                <a:latin typeface="Segoe UI" panose="020B0502040204020203" pitchFamily="34" charset="0"/>
+                <a:cs typeface="Segoe UI" panose="020B0502040204020203" pitchFamily="34" charset="0"/>
+              </a:rPr>
+              <a:t>measure</a:t>
+            </a:r>
+            <a:r>
+              <a:rPr lang="zh-CN" altLang="en-US" sz="1550" dirty="0">
+                <a:latin typeface="Segoe UI" panose="020B0502040204020203" pitchFamily="34" charset="0"/>
+                <a:cs typeface="Segoe UI" panose="020B0502040204020203" pitchFamily="34" charset="0"/>
+              </a:rPr>
+              <a:t> </a:t>
+            </a:r>
+            <a:r>
+              <a:rPr lang="en-US" altLang="zh-CN" sz="1550" dirty="0">
+                <a:latin typeface="Segoe UI" panose="020B0502040204020203" pitchFamily="34" charset="0"/>
+                <a:cs typeface="Segoe UI" panose="020B0502040204020203" pitchFamily="34" charset="0"/>
+              </a:rPr>
+              <a:t>the</a:t>
+            </a:r>
+            <a:r>
+              <a:rPr lang="zh-CN" altLang="en-US" sz="1550" dirty="0">
+                <a:latin typeface="Segoe UI" panose="020B0502040204020203" pitchFamily="34" charset="0"/>
+                <a:cs typeface="Segoe UI" panose="020B0502040204020203" pitchFamily="34" charset="0"/>
+              </a:rPr>
+              <a:t> </a:t>
+            </a:r>
+            <a:r>
+              <a:rPr lang="en-US" altLang="zh-CN" sz="1550" dirty="0">
+                <a:latin typeface="Segoe UI" panose="020B0502040204020203" pitchFamily="34" charset="0"/>
+                <a:cs typeface="Segoe UI" panose="020B0502040204020203" pitchFamily="34" charset="0"/>
+              </a:rPr>
+              <a:t>luminosity</a:t>
+            </a:r>
+            <a:r>
+              <a:rPr lang="zh-CN" altLang="en-US" sz="1550" dirty="0">
+                <a:latin typeface="Segoe UI" panose="020B0502040204020203" pitchFamily="34" charset="0"/>
+                <a:cs typeface="Segoe UI" panose="020B0502040204020203" pitchFamily="34" charset="0"/>
+              </a:rPr>
+              <a:t> </a:t>
+            </a:r>
+            <a:r>
+              <a:rPr lang="en-US" altLang="zh-CN" sz="1550" dirty="0">
+                <a:latin typeface="Segoe UI" panose="020B0502040204020203" pitchFamily="34" charset="0"/>
+                <a:cs typeface="Segoe UI" panose="020B0502040204020203" pitchFamily="34" charset="0"/>
+              </a:rPr>
+              <a:t>difference</a:t>
+            </a:r>
+            <a:r>
+              <a:rPr lang="zh-CN" altLang="en-US" sz="1550" dirty="0">
+                <a:latin typeface="Segoe UI" panose="020B0502040204020203" pitchFamily="34" charset="0"/>
+                <a:cs typeface="Segoe UI" panose="020B0502040204020203" pitchFamily="34" charset="0"/>
+              </a:rPr>
+              <a:t> </a:t>
+            </a:r>
+            <a:r>
+              <a:rPr lang="en-US" altLang="zh-CN" sz="1550" dirty="0">
+                <a:latin typeface="Segoe UI" panose="020B0502040204020203" pitchFamily="34" charset="0"/>
+                <a:cs typeface="Segoe UI" panose="020B0502040204020203" pitchFamily="34" charset="0"/>
+              </a:rPr>
+              <a:t>amongst</a:t>
+            </a:r>
+            <a:r>
+              <a:rPr lang="zh-CN" altLang="en-US" sz="1550" dirty="0">
+                <a:latin typeface="Segoe UI" panose="020B0502040204020203" pitchFamily="34" charset="0"/>
+                <a:cs typeface="Segoe UI" panose="020B0502040204020203" pitchFamily="34" charset="0"/>
+              </a:rPr>
+              <a:t> </a:t>
+            </a:r>
+            <a:r>
+              <a:rPr lang="en-US" altLang="zh-CN" sz="1550" dirty="0">
+                <a:latin typeface="Segoe UI" panose="020B0502040204020203" pitchFamily="34" charset="0"/>
+                <a:cs typeface="Segoe UI" panose="020B0502040204020203" pitchFamily="34" charset="0"/>
+              </a:rPr>
+              <a:t>wavelengths.</a:t>
+            </a:r>
+            <a:r>
+              <a:rPr lang="zh-CN" altLang="en-US" sz="1550" dirty="0">
+                <a:latin typeface="Segoe UI" panose="020B0502040204020203" pitchFamily="34" charset="0"/>
+                <a:cs typeface="Segoe UI" panose="020B0502040204020203" pitchFamily="34" charset="0"/>
+              </a:rPr>
+              <a:t> </a:t>
+            </a:r>
+            <a:endParaRPr lang="en-US" altLang="zh-CN" sz="1550" dirty="0">
               <a:latin typeface="Segoe UI" panose="020B0502040204020203" pitchFamily="34" charset="0"/>
               <a:cs typeface="Segoe UI" panose="020B0502040204020203" pitchFamily="34" charset="0"/>
             </a:endParaRPr>
           </a:p>
-        </p:txBody>
-      </p:sp>
-      <p:pic>
-        <p:nvPicPr>
-          <p:cNvPr id="22" name="Picture 21" descr="No image&#10;&#10;Description automatically generated">
-            <a:extLst>
-              <a:ext uri="{FF2B5EF4-FFF2-40B4-BE49-F238E27FC236}">
-                <a16:creationId xmlns:a16="http://schemas.microsoft.com/office/drawing/2014/main" id="{9634613F-07AB-5B4F-8FAA-0E122B94FEEF}"/>
-              </a:ext>
-            </a:extLst>
-          </p:cNvPr>
-          <p:cNvPicPr>
-            <a:picLocks noChangeAspect="1"/>
-          </p:cNvPicPr>
-          <p:nvPr/>
-        </p:nvPicPr>
-        <p:blipFill rotWithShape="1">
-          <a:blip r:embed="rId8">
-            <a:extLst>
-              <a:ext uri="{28A0092B-C50C-407E-A947-70E740481C1C}">
-                <a14:useLocalDpi xmlns:a14="http://schemas.microsoft.com/office/drawing/2010/main" val="0"/>
-              </a:ext>
-            </a:extLst>
-          </a:blip>
-          <a:srcRect l="8725" t="8468" r="21111"/>
-          <a:stretch/>
-        </p:blipFill>
-        <p:spPr>
-          <a:xfrm>
-            <a:off x="547537" y="12783891"/>
-            <a:ext cx="1703139" cy="1320535"/>
-          </a:xfrm>
-          <a:prstGeom prst="rect">
-            <a:avLst/>
-          </a:prstGeom>
-        </p:spPr>
-      </p:pic>
-      <p:sp>
-        <p:nvSpPr>
-          <p:cNvPr id="41" name="TextBox 40">
-            <a:extLst>
-              <a:ext uri="{FF2B5EF4-FFF2-40B4-BE49-F238E27FC236}">
-                <a16:creationId xmlns:a16="http://schemas.microsoft.com/office/drawing/2014/main" id="{52EB0654-354F-6243-AF83-8B8B8D065695}"/>
-              </a:ext>
-            </a:extLst>
-          </p:cNvPr>
-          <p:cNvSpPr txBox="1"/>
-          <p:nvPr/>
-        </p:nvSpPr>
-        <p:spPr>
-          <a:xfrm>
-            <a:off x="516525" y="14171637"/>
-            <a:ext cx="1672126" cy="276999"/>
-          </a:xfrm>
-          <a:prstGeom prst="rect">
-            <a:avLst/>
-          </a:prstGeom>
-          <a:noFill/>
-        </p:spPr>
-        <p:txBody>
-          <a:bodyPr wrap="square" rtlCol="0">
-            <a:spAutoFit/>
-          </a:bodyPr>
-          <a:lstStyle/>
-          <a:p>
-            <a:pPr algn="ctr"/>
-            <a:r>
-              <a:rPr lang="en-US" altLang="zh-CN" sz="1200" dirty="0">
-                <a:latin typeface="Segoe UI" panose="020B0502040204020203" pitchFamily="34" charset="0"/>
-                <a:cs typeface="Segoe UI" panose="020B0502040204020203" pitchFamily="34" charset="0"/>
-              </a:rPr>
-              <a:t>Star</a:t>
-            </a:r>
-            <a:endParaRPr lang="en-US" sz="1200" dirty="0">
+          <a:p>
+            <a:endParaRPr lang="en-US" altLang="zh-CN" sz="1550" dirty="0">
               <a:latin typeface="Segoe UI" panose="020B0502040204020203" pitchFamily="34" charset="0"/>
               <a:cs typeface="Segoe UI" panose="020B0502040204020203" pitchFamily="34" charset="0"/>
             </a:endParaRPr>
           </a:p>
-        </p:txBody>
-      </p:sp>
-      <p:pic>
-        <p:nvPicPr>
-          <p:cNvPr id="24" name="Picture 23" descr="A bright light in the dark&#10;&#10;Description automatically generated with medium confidence">
-            <a:extLst>
-              <a:ext uri="{FF2B5EF4-FFF2-40B4-BE49-F238E27FC236}">
-                <a16:creationId xmlns:a16="http://schemas.microsoft.com/office/drawing/2014/main" id="{E3FECC88-541A-0A42-A39C-F50A4EC6AFC0}"/>
-              </a:ext>
-            </a:extLst>
-          </p:cNvPr>
-          <p:cNvPicPr>
-            <a:picLocks noChangeAspect="1"/>
-          </p:cNvPicPr>
-          <p:nvPr/>
-        </p:nvPicPr>
-        <p:blipFill rotWithShape="1">
-          <a:blip r:embed="rId9">
-            <a:extLst>
-              <a:ext uri="{28A0092B-C50C-407E-A947-70E740481C1C}">
-                <a14:useLocalDpi xmlns:a14="http://schemas.microsoft.com/office/drawing/2010/main" val="0"/>
-              </a:ext>
-            </a:extLst>
-          </a:blip>
-          <a:srcRect r="16700"/>
-          <a:stretch/>
-        </p:blipFill>
-        <p:spPr>
-          <a:xfrm>
-            <a:off x="2343676" y="12783891"/>
-            <a:ext cx="1716562" cy="1320535"/>
-          </a:xfrm>
-          <a:prstGeom prst="rect">
-            <a:avLst/>
-          </a:prstGeom>
-        </p:spPr>
-      </p:pic>
-      <p:sp>
-        <p:nvSpPr>
-          <p:cNvPr id="44" name="TextBox 43">
-            <a:extLst>
-              <a:ext uri="{FF2B5EF4-FFF2-40B4-BE49-F238E27FC236}">
-                <a16:creationId xmlns:a16="http://schemas.microsoft.com/office/drawing/2014/main" id="{6A53FA2E-98C7-514C-AE0D-91786DF08727}"/>
-              </a:ext>
-            </a:extLst>
-          </p:cNvPr>
-          <p:cNvSpPr txBox="1"/>
-          <p:nvPr/>
-        </p:nvSpPr>
-        <p:spPr>
-          <a:xfrm>
-            <a:off x="2309833" y="14130838"/>
-            <a:ext cx="1823243" cy="507831"/>
-          </a:xfrm>
-          <a:prstGeom prst="rect">
-            <a:avLst/>
-          </a:prstGeom>
-          <a:noFill/>
-        </p:spPr>
-        <p:txBody>
-          <a:bodyPr wrap="square" rtlCol="0">
-            <a:spAutoFit/>
-          </a:bodyPr>
-          <a:lstStyle/>
-          <a:p>
-            <a:pPr algn="ctr"/>
-            <a:r>
-              <a:rPr lang="en-US" altLang="zh-CN" sz="900" dirty="0">
-                <a:latin typeface="Segoe UI" panose="020B0502040204020203" pitchFamily="34" charset="0"/>
-                <a:cs typeface="Segoe UI" panose="020B0502040204020203" pitchFamily="34" charset="0"/>
-              </a:rPr>
-              <a:t>Trying</a:t>
-            </a:r>
-            <a:r>
-              <a:rPr lang="zh-CN" altLang="en-US" sz="900" dirty="0">
-                <a:latin typeface="Segoe UI" panose="020B0502040204020203" pitchFamily="34" charset="0"/>
-                <a:cs typeface="Segoe UI" panose="020B0502040204020203" pitchFamily="34" charset="0"/>
-              </a:rPr>
-              <a:t> </a:t>
-            </a:r>
-            <a:r>
-              <a:rPr lang="en-US" altLang="zh-CN" sz="900" dirty="0">
+          <a:p>
+            <a:r>
+              <a:rPr lang="en-US" altLang="zh-CN" sz="1400" dirty="0">
+                <a:latin typeface="Segoe UI" panose="020B0502040204020203" pitchFamily="34" charset="0"/>
+                <a:cs typeface="Segoe UI" panose="020B0502040204020203" pitchFamily="34" charset="0"/>
+              </a:rPr>
+              <a:t>We</a:t>
+            </a:r>
+            <a:r>
+              <a:rPr lang="zh-CN" altLang="en-US" sz="1400" dirty="0">
+                <a:latin typeface="Segoe UI" panose="020B0502040204020203" pitchFamily="34" charset="0"/>
+                <a:cs typeface="Segoe UI" panose="020B0502040204020203" pitchFamily="34" charset="0"/>
+              </a:rPr>
+              <a:t> </a:t>
+            </a:r>
+            <a:r>
+              <a:rPr lang="en-US" altLang="zh-CN" sz="1400" dirty="0">
+                <a:latin typeface="Segoe UI" panose="020B0502040204020203" pitchFamily="34" charset="0"/>
+                <a:cs typeface="Segoe UI" panose="020B0502040204020203" pitchFamily="34" charset="0"/>
+              </a:rPr>
+              <a:t>use</a:t>
+            </a:r>
+            <a:r>
+              <a:rPr lang="zh-CN" altLang="en-US" sz="1400" dirty="0">
+                <a:latin typeface="Segoe UI" panose="020B0502040204020203" pitchFamily="34" charset="0"/>
+                <a:cs typeface="Segoe UI" panose="020B0502040204020203" pitchFamily="34" charset="0"/>
+              </a:rPr>
+              <a:t> </a:t>
+            </a:r>
+            <a:r>
+              <a:rPr lang="en-US" altLang="zh-CN" sz="1400" dirty="0">
+                <a:latin typeface="Segoe UI" panose="020B0502040204020203" pitchFamily="34" charset="0"/>
+                <a:cs typeface="Segoe UI" panose="020B0502040204020203" pitchFamily="34" charset="0"/>
+              </a:rPr>
+              <a:t>the</a:t>
+            </a:r>
+            <a:r>
+              <a:rPr lang="zh-CN" altLang="en-US" sz="1400" dirty="0">
+                <a:latin typeface="Segoe UI" panose="020B0502040204020203" pitchFamily="34" charset="0"/>
+                <a:cs typeface="Segoe UI" panose="020B0502040204020203" pitchFamily="34" charset="0"/>
+              </a:rPr>
+              <a:t> </a:t>
+            </a:r>
+            <a:r>
+              <a:rPr lang="en-US" altLang="zh-CN" sz="1400" dirty="0">
+                <a:latin typeface="Segoe UI" panose="020B0502040204020203" pitchFamily="34" charset="0"/>
+                <a:cs typeface="Segoe UI" panose="020B0502040204020203" pitchFamily="34" charset="0"/>
+              </a:rPr>
+              <a:t>luminosity</a:t>
+            </a:r>
+            <a:r>
+              <a:rPr lang="zh-CN" altLang="en-US" sz="1400" dirty="0">
+                <a:latin typeface="Segoe UI" panose="020B0502040204020203" pitchFamily="34" charset="0"/>
+                <a:cs typeface="Segoe UI" panose="020B0502040204020203" pitchFamily="34" charset="0"/>
+              </a:rPr>
+              <a:t> </a:t>
+            </a:r>
+            <a:r>
+              <a:rPr lang="en-US" altLang="zh-CN" sz="1400" dirty="0">
+                <a:latin typeface="Segoe UI" panose="020B0502040204020203" pitchFamily="34" charset="0"/>
+                <a:cs typeface="Segoe UI" panose="020B0502040204020203" pitchFamily="34" charset="0"/>
+              </a:rPr>
+              <a:t>difference,</a:t>
+            </a:r>
+            <a:r>
+              <a:rPr lang="zh-CN" altLang="en-US" sz="1400" dirty="0">
+                <a:latin typeface="Segoe UI" panose="020B0502040204020203" pitchFamily="34" charset="0"/>
+                <a:cs typeface="Segoe UI" panose="020B0502040204020203" pitchFamily="34" charset="0"/>
+              </a:rPr>
+              <a:t> </a:t>
+            </a:r>
+            <a:r>
+              <a:rPr lang="en-US" altLang="zh-CN" sz="1400" dirty="0">
+                <a:latin typeface="Segoe UI" panose="020B0502040204020203" pitchFamily="34" charset="0"/>
+                <a:cs typeface="Segoe UI" panose="020B0502040204020203" pitchFamily="34" charset="0"/>
+              </a:rPr>
+              <a:t>termed</a:t>
+            </a:r>
+            <a:r>
+              <a:rPr lang="zh-CN" altLang="en-US" sz="1400" dirty="0">
+                <a:latin typeface="Segoe UI" panose="020B0502040204020203" pitchFamily="34" charset="0"/>
+                <a:cs typeface="Segoe UI" panose="020B0502040204020203" pitchFamily="34" charset="0"/>
+              </a:rPr>
+              <a:t> </a:t>
+            </a:r>
+            <a:r>
+              <a:rPr lang="en-US" altLang="zh-CN" sz="1400" dirty="0">
+                <a:latin typeface="Segoe UI" panose="020B0502040204020203" pitchFamily="34" charset="0"/>
+                <a:cs typeface="Segoe UI" panose="020B0502040204020203" pitchFamily="34" charset="0"/>
+              </a:rPr>
+              <a:t>“color,”</a:t>
+            </a:r>
+            <a:r>
+              <a:rPr lang="zh-CN" altLang="en-US" sz="1400" dirty="0">
+                <a:latin typeface="Segoe UI" panose="020B0502040204020203" pitchFamily="34" charset="0"/>
+                <a:cs typeface="Segoe UI" panose="020B0502040204020203" pitchFamily="34" charset="0"/>
+              </a:rPr>
+              <a:t> </a:t>
+            </a:r>
+            <a:r>
+              <a:rPr lang="en-US" altLang="zh-CN" sz="1400" dirty="0">
+                <a:latin typeface="Segoe UI" panose="020B0502040204020203" pitchFamily="34" charset="0"/>
+                <a:cs typeface="Segoe UI" panose="020B0502040204020203" pitchFamily="34" charset="0"/>
+              </a:rPr>
+              <a:t>as</a:t>
+            </a:r>
+            <a:r>
+              <a:rPr lang="zh-CN" altLang="en-US" sz="1400" dirty="0">
+                <a:latin typeface="Segoe UI" panose="020B0502040204020203" pitchFamily="34" charset="0"/>
+                <a:cs typeface="Segoe UI" panose="020B0502040204020203" pitchFamily="34" charset="0"/>
+              </a:rPr>
+              <a:t> </a:t>
+            </a:r>
+            <a:r>
+              <a:rPr lang="en-US" altLang="zh-CN" sz="1400" dirty="0">
+                <a:latin typeface="Segoe UI" panose="020B0502040204020203" pitchFamily="34" charset="0"/>
+                <a:cs typeface="Segoe UI" panose="020B0502040204020203" pitchFamily="34" charset="0"/>
+              </a:rPr>
+              <a:t>the</a:t>
+            </a:r>
+            <a:r>
+              <a:rPr lang="zh-CN" altLang="en-US" sz="1400" dirty="0">
+                <a:latin typeface="Segoe UI" panose="020B0502040204020203" pitchFamily="34" charset="0"/>
+                <a:cs typeface="Segoe UI" panose="020B0502040204020203" pitchFamily="34" charset="0"/>
+              </a:rPr>
+              <a:t> </a:t>
+            </a:r>
+            <a:r>
+              <a:rPr lang="en-US" altLang="zh-CN" sz="1400" dirty="0">
+                <a:latin typeface="Segoe UI" panose="020B0502040204020203" pitchFamily="34" charset="0"/>
+                <a:cs typeface="Segoe UI" panose="020B0502040204020203" pitchFamily="34" charset="0"/>
+              </a:rPr>
+              <a:t>feature</a:t>
+            </a:r>
+            <a:r>
+              <a:rPr lang="zh-CN" altLang="en-US" sz="1400" dirty="0">
+                <a:latin typeface="Segoe UI" panose="020B0502040204020203" pitchFamily="34" charset="0"/>
+                <a:cs typeface="Segoe UI" panose="020B0502040204020203" pitchFamily="34" charset="0"/>
+              </a:rPr>
+              <a:t> </a:t>
+            </a:r>
+            <a:r>
+              <a:rPr lang="en-US" altLang="zh-CN" sz="1400" dirty="0">
+                <a:latin typeface="Segoe UI" panose="020B0502040204020203" pitchFamily="34" charset="0"/>
+                <a:cs typeface="Segoe UI" panose="020B0502040204020203" pitchFamily="34" charset="0"/>
+              </a:rPr>
+              <a:t>inputs</a:t>
+            </a:r>
+            <a:r>
+              <a:rPr lang="zh-CN" altLang="en-US" sz="1400" dirty="0">
+                <a:latin typeface="Segoe UI" panose="020B0502040204020203" pitchFamily="34" charset="0"/>
+                <a:cs typeface="Segoe UI" panose="020B0502040204020203" pitchFamily="34" charset="0"/>
+              </a:rPr>
+              <a:t> </a:t>
+            </a:r>
+            <a:r>
+              <a:rPr lang="en-US" altLang="zh-CN" sz="1400" dirty="0">
+                <a:latin typeface="Segoe UI" panose="020B0502040204020203" pitchFamily="34" charset="0"/>
+                <a:cs typeface="Segoe UI" panose="020B0502040204020203" pitchFamily="34" charset="0"/>
+              </a:rPr>
+              <a:t>for</a:t>
+            </a:r>
+            <a:r>
+              <a:rPr lang="zh-CN" altLang="en-US" sz="1400" dirty="0">
+                <a:latin typeface="Segoe UI" panose="020B0502040204020203" pitchFamily="34" charset="0"/>
+                <a:cs typeface="Segoe UI" panose="020B0502040204020203" pitchFamily="34" charset="0"/>
+              </a:rPr>
+              <a:t> </a:t>
+            </a:r>
+            <a:r>
+              <a:rPr lang="en-US" altLang="zh-CN" sz="1400" dirty="0">
+                <a:latin typeface="Segoe UI" panose="020B0502040204020203" pitchFamily="34" charset="0"/>
+                <a:cs typeface="Segoe UI" panose="020B0502040204020203" pitchFamily="34" charset="0"/>
+              </a:rPr>
+              <a:t>Random</a:t>
+            </a:r>
+            <a:r>
+              <a:rPr lang="zh-CN" altLang="en-US" sz="1400" dirty="0">
+                <a:latin typeface="Segoe UI" panose="020B0502040204020203" pitchFamily="34" charset="0"/>
+                <a:cs typeface="Segoe UI" panose="020B0502040204020203" pitchFamily="34" charset="0"/>
+              </a:rPr>
+              <a:t> </a:t>
+            </a:r>
+            <a:r>
+              <a:rPr lang="en-US" altLang="zh-CN" sz="1400" dirty="0">
+                <a:latin typeface="Segoe UI" panose="020B0502040204020203" pitchFamily="34" charset="0"/>
+                <a:cs typeface="Segoe UI" panose="020B0502040204020203" pitchFamily="34" charset="0"/>
+              </a:rPr>
+              <a:t>Forest</a:t>
+            </a:r>
+            <a:r>
+              <a:rPr lang="zh-CN" altLang="en-US" sz="1400" dirty="0">
+                <a:latin typeface="Segoe UI" panose="020B0502040204020203" pitchFamily="34" charset="0"/>
+                <a:cs typeface="Segoe UI" panose="020B0502040204020203" pitchFamily="34" charset="0"/>
+              </a:rPr>
+              <a:t> </a:t>
+            </a:r>
+            <a:r>
+              <a:rPr lang="en-US" altLang="zh-CN" sz="1400" dirty="0">
+                <a:latin typeface="Segoe UI" panose="020B0502040204020203" pitchFamily="34" charset="0"/>
+                <a:cs typeface="Segoe UI" panose="020B0502040204020203" pitchFamily="34" charset="0"/>
+              </a:rPr>
+              <a:t>Classifier</a:t>
+            </a:r>
+            <a:r>
+              <a:rPr lang="zh-CN" altLang="en-US" sz="1400" dirty="0">
+                <a:latin typeface="Segoe UI" panose="020B0502040204020203" pitchFamily="34" charset="0"/>
+                <a:cs typeface="Segoe UI" panose="020B0502040204020203" pitchFamily="34" charset="0"/>
+              </a:rPr>
+              <a:t> </a:t>
+            </a:r>
+            <a:r>
+              <a:rPr lang="en-US" altLang="zh-CN" sz="1400" dirty="0">
+                <a:latin typeface="Segoe UI" panose="020B0502040204020203" pitchFamily="34" charset="0"/>
+                <a:cs typeface="Segoe UI" panose="020B0502040204020203" pitchFamily="34" charset="0"/>
+              </a:rPr>
+              <a:t>model</a:t>
+            </a:r>
+            <a:r>
+              <a:rPr lang="zh-CN" altLang="en-US" sz="1400" dirty="0">
+                <a:latin typeface="Segoe UI" panose="020B0502040204020203" pitchFamily="34" charset="0"/>
+                <a:cs typeface="Segoe UI" panose="020B0502040204020203" pitchFamily="34" charset="0"/>
+              </a:rPr>
+              <a:t> </a:t>
+            </a:r>
+            <a:r>
+              <a:rPr lang="en-US" altLang="zh-CN" sz="1400" dirty="0">
                 <a:latin typeface="Segoe UI" panose="020B0502040204020203" pitchFamily="34" charset="0"/>
                 <a:cs typeface="Segoe UI" panose="020B0502040204020203" pitchFamily="34" charset="0"/>
               </a:rPr>
               <a:t>to</a:t>
             </a:r>
             <a:r>
-              <a:rPr lang="zh-CN" altLang="en-US" sz="900" dirty="0">
-                <a:latin typeface="Segoe UI" panose="020B0502040204020203" pitchFamily="34" charset="0"/>
-                <a:cs typeface="Segoe UI" panose="020B0502040204020203" pitchFamily="34" charset="0"/>
-              </a:rPr>
-              <a:t> </a:t>
-            </a:r>
-            <a:r>
-              <a:rPr lang="en-US" altLang="zh-CN" sz="900" dirty="0">
-                <a:latin typeface="Segoe UI" panose="020B0502040204020203" pitchFamily="34" charset="0"/>
-                <a:cs typeface="Segoe UI" panose="020B0502040204020203" pitchFamily="34" charset="0"/>
-              </a:rPr>
-              <a:t>figure</a:t>
-            </a:r>
-            <a:r>
-              <a:rPr lang="zh-CN" altLang="en-US" sz="900" dirty="0">
-                <a:latin typeface="Segoe UI" panose="020B0502040204020203" pitchFamily="34" charset="0"/>
-                <a:cs typeface="Segoe UI" panose="020B0502040204020203" pitchFamily="34" charset="0"/>
-              </a:rPr>
-              <a:t> </a:t>
-            </a:r>
-            <a:r>
-              <a:rPr lang="en-US" altLang="zh-CN" sz="900" dirty="0">
-                <a:latin typeface="Segoe UI" panose="020B0502040204020203" pitchFamily="34" charset="0"/>
-                <a:cs typeface="Segoe UI" panose="020B0502040204020203" pitchFamily="34" charset="0"/>
-              </a:rPr>
-              <a:t>out</a:t>
-            </a:r>
-            <a:r>
-              <a:rPr lang="zh-CN" altLang="en-US" sz="900" dirty="0">
-                <a:latin typeface="Segoe UI" panose="020B0502040204020203" pitchFamily="34" charset="0"/>
-                <a:cs typeface="Segoe UI" panose="020B0502040204020203" pitchFamily="34" charset="0"/>
-              </a:rPr>
-              <a:t> </a:t>
-            </a:r>
-            <a:r>
-              <a:rPr lang="en-US" altLang="zh-CN" sz="900" dirty="0">
-                <a:latin typeface="Segoe UI" panose="020B0502040204020203" pitchFamily="34" charset="0"/>
-                <a:cs typeface="Segoe UI" panose="020B0502040204020203" pitchFamily="34" charset="0"/>
-              </a:rPr>
-              <a:t>what</a:t>
-            </a:r>
-            <a:r>
-              <a:rPr lang="zh-CN" altLang="en-US" sz="900" dirty="0">
-                <a:latin typeface="Segoe UI" panose="020B0502040204020203" pitchFamily="34" charset="0"/>
-                <a:cs typeface="Segoe UI" panose="020B0502040204020203" pitchFamily="34" charset="0"/>
-              </a:rPr>
-              <a:t> </a:t>
-            </a:r>
-            <a:r>
-              <a:rPr lang="en-US" altLang="zh-CN" sz="900" dirty="0">
-                <a:latin typeface="Segoe UI" panose="020B0502040204020203" pitchFamily="34" charset="0"/>
-                <a:cs typeface="Segoe UI" panose="020B0502040204020203" pitchFamily="34" charset="0"/>
-              </a:rPr>
-              <a:t>this</a:t>
-            </a:r>
-            <a:r>
-              <a:rPr lang="zh-CN" altLang="en-US" sz="900" dirty="0">
-                <a:latin typeface="Segoe UI" panose="020B0502040204020203" pitchFamily="34" charset="0"/>
-                <a:cs typeface="Segoe UI" panose="020B0502040204020203" pitchFamily="34" charset="0"/>
-              </a:rPr>
-              <a:t> </a:t>
-            </a:r>
-            <a:r>
-              <a:rPr lang="en-US" altLang="zh-CN" sz="900" dirty="0">
-                <a:latin typeface="Segoe UI" panose="020B0502040204020203" pitchFamily="34" charset="0"/>
-                <a:cs typeface="Segoe UI" panose="020B0502040204020203" pitchFamily="34" charset="0"/>
-              </a:rPr>
-              <a:t>is</a:t>
-            </a:r>
-            <a:r>
-              <a:rPr lang="zh-CN" altLang="en-US" sz="900" dirty="0">
-                <a:latin typeface="Segoe UI" panose="020B0502040204020203" pitchFamily="34" charset="0"/>
-                <a:cs typeface="Segoe UI" panose="020B0502040204020203" pitchFamily="34" charset="0"/>
-              </a:rPr>
-              <a:t> </a:t>
-            </a:r>
-            <a:r>
-              <a:rPr lang="en-US" altLang="zh-CN" sz="900" dirty="0">
-                <a:latin typeface="Segoe UI" panose="020B0502040204020203" pitchFamily="34" charset="0"/>
-                <a:cs typeface="Segoe UI" panose="020B0502040204020203" pitchFamily="34" charset="0"/>
-              </a:rPr>
-              <a:t>by</a:t>
-            </a:r>
-            <a:r>
-              <a:rPr lang="zh-CN" altLang="en-US" sz="900" dirty="0">
-                <a:latin typeface="Segoe UI" panose="020B0502040204020203" pitchFamily="34" charset="0"/>
-                <a:cs typeface="Segoe UI" panose="020B0502040204020203" pitchFamily="34" charset="0"/>
-              </a:rPr>
-              <a:t> </a:t>
-            </a:r>
-            <a:r>
-              <a:rPr lang="en-US" altLang="zh-CN" sz="900" dirty="0">
-                <a:latin typeface="Segoe UI" panose="020B0502040204020203" pitchFamily="34" charset="0"/>
-                <a:cs typeface="Segoe UI" panose="020B0502040204020203" pitchFamily="34" charset="0"/>
-              </a:rPr>
-              <a:t>inputting</a:t>
-            </a:r>
-            <a:r>
-              <a:rPr lang="zh-CN" altLang="en-US" sz="900" dirty="0">
-                <a:latin typeface="Segoe UI" panose="020B0502040204020203" pitchFamily="34" charset="0"/>
-                <a:cs typeface="Segoe UI" panose="020B0502040204020203" pitchFamily="34" charset="0"/>
-              </a:rPr>
-              <a:t> </a:t>
-            </a:r>
-            <a:r>
-              <a:rPr lang="en-US" altLang="zh-CN" sz="900" dirty="0">
-                <a:latin typeface="Segoe UI" panose="020B0502040204020203" pitchFamily="34" charset="0"/>
-                <a:cs typeface="Segoe UI" panose="020B0502040204020203" pitchFamily="34" charset="0"/>
-              </a:rPr>
-              <a:t>its</a:t>
-            </a:r>
-            <a:r>
-              <a:rPr lang="zh-CN" altLang="en-US" sz="900" dirty="0">
-                <a:latin typeface="Segoe UI" panose="020B0502040204020203" pitchFamily="34" charset="0"/>
-                <a:cs typeface="Segoe UI" panose="020B0502040204020203" pitchFamily="34" charset="0"/>
-              </a:rPr>
-              <a:t> </a:t>
-            </a:r>
-            <a:r>
-              <a:rPr lang="en-US" altLang="zh-CN" sz="900" dirty="0">
-                <a:latin typeface="Segoe UI" panose="020B0502040204020203" pitchFamily="34" charset="0"/>
-                <a:cs typeface="Segoe UI" panose="020B0502040204020203" pitchFamily="34" charset="0"/>
-              </a:rPr>
-              <a:t>color</a:t>
-            </a:r>
-            <a:r>
-              <a:rPr lang="zh-CN" altLang="en-US" sz="900" dirty="0">
-                <a:latin typeface="Segoe UI" panose="020B0502040204020203" pitchFamily="34" charset="0"/>
-                <a:cs typeface="Segoe UI" panose="020B0502040204020203" pitchFamily="34" charset="0"/>
-              </a:rPr>
-              <a:t> </a:t>
-            </a:r>
-            <a:r>
-              <a:rPr lang="en-US" altLang="zh-CN" sz="900" dirty="0">
-                <a:latin typeface="Segoe UI" panose="020B0502040204020203" pitchFamily="34" charset="0"/>
-                <a:cs typeface="Segoe UI" panose="020B0502040204020203" pitchFamily="34" charset="0"/>
-              </a:rPr>
-              <a:t>features</a:t>
-            </a:r>
-            <a:r>
-              <a:rPr lang="zh-CN" altLang="en-US" sz="900" dirty="0">
-                <a:latin typeface="Segoe UI" panose="020B0502040204020203" pitchFamily="34" charset="0"/>
-                <a:cs typeface="Segoe UI" panose="020B0502040204020203" pitchFamily="34" charset="0"/>
-              </a:rPr>
-              <a:t> </a:t>
-            </a:r>
-            <a:r>
-              <a:rPr lang="en-US" altLang="zh-CN" sz="900" dirty="0">
-                <a:latin typeface="Segoe UI" panose="020B0502040204020203" pitchFamily="34" charset="0"/>
-                <a:cs typeface="Segoe UI" panose="020B0502040204020203" pitchFamily="34" charset="0"/>
-              </a:rPr>
-              <a:t>to</a:t>
-            </a:r>
-            <a:r>
-              <a:rPr lang="zh-CN" altLang="en-US" sz="900" dirty="0">
-                <a:latin typeface="Segoe UI" panose="020B0502040204020203" pitchFamily="34" charset="0"/>
-                <a:cs typeface="Segoe UI" panose="020B0502040204020203" pitchFamily="34" charset="0"/>
-              </a:rPr>
-              <a:t> </a:t>
-            </a:r>
-            <a:r>
-              <a:rPr lang="en-US" altLang="zh-CN" sz="900" dirty="0">
-                <a:latin typeface="Segoe UI" panose="020B0502040204020203" pitchFamily="34" charset="0"/>
-                <a:cs typeface="Segoe UI" panose="020B0502040204020203" pitchFamily="34" charset="0"/>
-              </a:rPr>
-              <a:t>the</a:t>
-            </a:r>
-            <a:r>
-              <a:rPr lang="zh-CN" altLang="en-US" sz="900" dirty="0">
-                <a:latin typeface="Segoe UI" panose="020B0502040204020203" pitchFamily="34" charset="0"/>
-                <a:cs typeface="Segoe UI" panose="020B0502040204020203" pitchFamily="34" charset="0"/>
-              </a:rPr>
-              <a:t> </a:t>
-            </a:r>
-            <a:r>
-              <a:rPr lang="en-US" altLang="zh-CN" sz="900" dirty="0">
-                <a:latin typeface="Segoe UI" panose="020B0502040204020203" pitchFamily="34" charset="0"/>
-                <a:cs typeface="Segoe UI" panose="020B0502040204020203" pitchFamily="34" charset="0"/>
-              </a:rPr>
-              <a:t>model</a:t>
-            </a:r>
-            <a:endParaRPr lang="en-US" sz="900" dirty="0">
+              <a:rPr lang="zh-CN" altLang="en-US" sz="1400" dirty="0">
+                <a:latin typeface="Segoe UI" panose="020B0502040204020203" pitchFamily="34" charset="0"/>
+                <a:cs typeface="Segoe UI" panose="020B0502040204020203" pitchFamily="34" charset="0"/>
+              </a:rPr>
+              <a:t> </a:t>
+            </a:r>
+            <a:r>
+              <a:rPr lang="en-US" altLang="zh-CN" sz="1400" dirty="0">
+                <a:latin typeface="Segoe UI" panose="020B0502040204020203" pitchFamily="34" charset="0"/>
+                <a:cs typeface="Segoe UI" panose="020B0502040204020203" pitchFamily="34" charset="0"/>
+              </a:rPr>
+              <a:t>classify</a:t>
+            </a:r>
+            <a:r>
+              <a:rPr lang="zh-CN" altLang="en-US" sz="1400" dirty="0">
+                <a:latin typeface="Segoe UI" panose="020B0502040204020203" pitchFamily="34" charset="0"/>
+                <a:cs typeface="Segoe UI" panose="020B0502040204020203" pitchFamily="34" charset="0"/>
+              </a:rPr>
+              <a:t> </a:t>
+            </a:r>
+            <a:r>
+              <a:rPr lang="en-US" altLang="zh-CN" sz="1400" dirty="0">
+                <a:latin typeface="Segoe UI" panose="020B0502040204020203" pitchFamily="34" charset="0"/>
+                <a:cs typeface="Segoe UI" panose="020B0502040204020203" pitchFamily="34" charset="0"/>
+              </a:rPr>
+              <a:t>quasars</a:t>
+            </a:r>
+            <a:r>
+              <a:rPr lang="zh-CN" altLang="en-US" sz="1400" dirty="0">
+                <a:latin typeface="Segoe UI" panose="020B0502040204020203" pitchFamily="34" charset="0"/>
+                <a:cs typeface="Segoe UI" panose="020B0502040204020203" pitchFamily="34" charset="0"/>
+              </a:rPr>
+              <a:t> </a:t>
+            </a:r>
+            <a:r>
+              <a:rPr lang="en-US" altLang="zh-CN" sz="1400" dirty="0">
+                <a:latin typeface="Segoe UI" panose="020B0502040204020203" pitchFamily="34" charset="0"/>
+                <a:cs typeface="Segoe UI" panose="020B0502040204020203" pitchFamily="34" charset="0"/>
+              </a:rPr>
+              <a:t>and</a:t>
+            </a:r>
+            <a:r>
+              <a:rPr lang="zh-CN" altLang="en-US" sz="1400" dirty="0">
+                <a:latin typeface="Segoe UI" panose="020B0502040204020203" pitchFamily="34" charset="0"/>
+                <a:cs typeface="Segoe UI" panose="020B0502040204020203" pitchFamily="34" charset="0"/>
+              </a:rPr>
+              <a:t> </a:t>
+            </a:r>
+            <a:r>
+              <a:rPr lang="en-US" altLang="zh-CN" sz="1400" dirty="0">
+                <a:latin typeface="Segoe UI" panose="020B0502040204020203" pitchFamily="34" charset="0"/>
+                <a:cs typeface="Segoe UI" panose="020B0502040204020203" pitchFamily="34" charset="0"/>
+              </a:rPr>
+              <a:t>non-quasars</a:t>
+            </a:r>
+            <a:r>
+              <a:rPr lang="zh-CN" altLang="en-US" sz="1400" dirty="0">
+                <a:latin typeface="Segoe UI" panose="020B0502040204020203" pitchFamily="34" charset="0"/>
+                <a:cs typeface="Segoe UI" panose="020B0502040204020203" pitchFamily="34" charset="0"/>
+              </a:rPr>
+              <a:t> </a:t>
+            </a:r>
+            <a:r>
+              <a:rPr lang="en-US" altLang="zh-CN" sz="1400" dirty="0">
+                <a:latin typeface="Segoe UI" panose="020B0502040204020203" pitchFamily="34" charset="0"/>
+                <a:cs typeface="Segoe UI" panose="020B0502040204020203" pitchFamily="34" charset="0"/>
+              </a:rPr>
+              <a:t>objects.</a:t>
+            </a:r>
+            <a:r>
+              <a:rPr lang="zh-CN" altLang="en-US" sz="1400" dirty="0">
+                <a:latin typeface="Segoe UI" panose="020B0502040204020203" pitchFamily="34" charset="0"/>
+                <a:cs typeface="Segoe UI" panose="020B0502040204020203" pitchFamily="34" charset="0"/>
+              </a:rPr>
+              <a:t> </a:t>
+            </a:r>
+            <a:endParaRPr lang="en-US" altLang="zh-CN" sz="1400" dirty="0">
               <a:latin typeface="Segoe UI" panose="020B0502040204020203" pitchFamily="34" charset="0"/>
               <a:cs typeface="Segoe UI" panose="020B0502040204020203" pitchFamily="34" charset="0"/>
             </a:endParaRPr>
+          </a:p>
+          <a:p>
+            <a:endParaRPr lang="en-US" altLang="zh-CN" sz="1400" dirty="0">
+              <a:latin typeface="Segoe UI" panose="020B0502040204020203" pitchFamily="34" charset="0"/>
+              <a:cs typeface="Segoe UI" panose="020B0502040204020203" pitchFamily="34" charset="0"/>
+            </a:endParaRPr>
+          </a:p>
+          <a:p>
+            <a:r>
+              <a:rPr lang="en-US" altLang="zh-CN" sz="1400" dirty="0">
+                <a:latin typeface="Segoe UI" panose="020B0502040204020203" pitchFamily="34" charset="0"/>
+                <a:cs typeface="Segoe UI" panose="020B0502040204020203" pitchFamily="34" charset="0"/>
+              </a:rPr>
+              <a:t>The</a:t>
+            </a:r>
+            <a:r>
+              <a:rPr lang="zh-CN" altLang="en-US" sz="1400" dirty="0">
+                <a:latin typeface="Segoe UI" panose="020B0502040204020203" pitchFamily="34" charset="0"/>
+                <a:cs typeface="Segoe UI" panose="020B0502040204020203" pitchFamily="34" charset="0"/>
+              </a:rPr>
+              <a:t> </a:t>
+            </a:r>
+            <a:r>
+              <a:rPr lang="en-US" altLang="zh-CN" sz="1400" dirty="0">
+                <a:latin typeface="Segoe UI" panose="020B0502040204020203" pitchFamily="34" charset="0"/>
+                <a:cs typeface="Segoe UI" panose="020B0502040204020203" pitchFamily="34" charset="0"/>
+              </a:rPr>
+              <a:t>model</a:t>
+            </a:r>
+            <a:r>
+              <a:rPr lang="zh-CN" altLang="en-US" sz="1400" dirty="0">
+                <a:latin typeface="Segoe UI" panose="020B0502040204020203" pitchFamily="34" charset="0"/>
+                <a:cs typeface="Segoe UI" panose="020B0502040204020203" pitchFamily="34" charset="0"/>
+              </a:rPr>
+              <a:t> </a:t>
+            </a:r>
+            <a:r>
+              <a:rPr lang="en-US" altLang="zh-CN" sz="1400" dirty="0">
+                <a:latin typeface="Segoe UI" panose="020B0502040204020203" pitchFamily="34" charset="0"/>
+                <a:cs typeface="Segoe UI" panose="020B0502040204020203" pitchFamily="34" charset="0"/>
+              </a:rPr>
+              <a:t>is</a:t>
+            </a:r>
+            <a:r>
+              <a:rPr lang="zh-CN" altLang="en-US" sz="1400" dirty="0">
+                <a:latin typeface="Segoe UI" panose="020B0502040204020203" pitchFamily="34" charset="0"/>
+                <a:cs typeface="Segoe UI" panose="020B0502040204020203" pitchFamily="34" charset="0"/>
+              </a:rPr>
+              <a:t> </a:t>
+            </a:r>
+            <a:r>
+              <a:rPr lang="en-US" altLang="zh-CN" sz="1400" dirty="0">
+                <a:latin typeface="Segoe UI" panose="020B0502040204020203" pitchFamily="34" charset="0"/>
+                <a:cs typeface="Segoe UI" panose="020B0502040204020203" pitchFamily="34" charset="0"/>
+              </a:rPr>
+              <a:t>currently</a:t>
+            </a:r>
+            <a:r>
+              <a:rPr lang="zh-CN" altLang="en-US" sz="1400" dirty="0">
+                <a:latin typeface="Segoe UI" panose="020B0502040204020203" pitchFamily="34" charset="0"/>
+                <a:cs typeface="Segoe UI" panose="020B0502040204020203" pitchFamily="34" charset="0"/>
+              </a:rPr>
+              <a:t> </a:t>
+            </a:r>
+            <a:r>
+              <a:rPr lang="en-US" altLang="zh-CN" sz="1400" dirty="0">
+                <a:latin typeface="Segoe UI" panose="020B0502040204020203" pitchFamily="34" charset="0"/>
+                <a:cs typeface="Segoe UI" panose="020B0502040204020203" pitchFamily="34" charset="0"/>
+              </a:rPr>
+              <a:t>trained</a:t>
+            </a:r>
+            <a:r>
+              <a:rPr lang="zh-CN" altLang="en-US" sz="1400" dirty="0">
+                <a:latin typeface="Segoe UI" panose="020B0502040204020203" pitchFamily="34" charset="0"/>
+                <a:cs typeface="Segoe UI" panose="020B0502040204020203" pitchFamily="34" charset="0"/>
+              </a:rPr>
+              <a:t> </a:t>
+            </a:r>
+            <a:r>
+              <a:rPr lang="en-US" altLang="zh-CN" sz="1400" dirty="0">
+                <a:latin typeface="Segoe UI" panose="020B0502040204020203" pitchFamily="34" charset="0"/>
+                <a:cs typeface="Segoe UI" panose="020B0502040204020203" pitchFamily="34" charset="0"/>
+              </a:rPr>
+              <a:t>on</a:t>
+            </a:r>
+            <a:r>
+              <a:rPr lang="zh-CN" altLang="en-US" sz="1400" dirty="0">
+                <a:latin typeface="Segoe UI" panose="020B0502040204020203" pitchFamily="34" charset="0"/>
+                <a:cs typeface="Segoe UI" panose="020B0502040204020203" pitchFamily="34" charset="0"/>
+              </a:rPr>
+              <a:t> </a:t>
+            </a:r>
+            <a:r>
+              <a:rPr lang="en-US" altLang="zh-CN" sz="1400" dirty="0">
+                <a:latin typeface="Segoe UI" panose="020B0502040204020203" pitchFamily="34" charset="0"/>
+                <a:cs typeface="Segoe UI" panose="020B0502040204020203" pitchFamily="34" charset="0"/>
+              </a:rPr>
+              <a:t>194</a:t>
+            </a:r>
+            <a:r>
+              <a:rPr lang="zh-CN" altLang="en-US" sz="1400" dirty="0">
+                <a:latin typeface="Segoe UI" panose="020B0502040204020203" pitchFamily="34" charset="0"/>
+                <a:cs typeface="Segoe UI" panose="020B0502040204020203" pitchFamily="34" charset="0"/>
+              </a:rPr>
+              <a:t> </a:t>
+            </a:r>
+            <a:r>
+              <a:rPr lang="en-US" altLang="zh-CN" sz="1400" dirty="0">
+                <a:latin typeface="Segoe UI" panose="020B0502040204020203" pitchFamily="34" charset="0"/>
+                <a:cs typeface="Segoe UI" panose="020B0502040204020203" pitchFamily="34" charset="0"/>
+              </a:rPr>
+              <a:t>labelled</a:t>
+            </a:r>
+            <a:r>
+              <a:rPr lang="zh-CN" altLang="en-US" sz="1400" dirty="0">
+                <a:latin typeface="Segoe UI" panose="020B0502040204020203" pitchFamily="34" charset="0"/>
+                <a:cs typeface="Segoe UI" panose="020B0502040204020203" pitchFamily="34" charset="0"/>
+              </a:rPr>
+              <a:t> </a:t>
+            </a:r>
+            <a:r>
+              <a:rPr lang="en-US" altLang="zh-CN" sz="1400" dirty="0">
+                <a:latin typeface="Segoe UI" panose="020B0502040204020203" pitchFamily="34" charset="0"/>
+                <a:cs typeface="Segoe UI" panose="020B0502040204020203" pitchFamily="34" charset="0"/>
+              </a:rPr>
+              <a:t>data</a:t>
+            </a:r>
+            <a:r>
+              <a:rPr lang="zh-CN" altLang="en-US" sz="1400" dirty="0">
+                <a:latin typeface="Segoe UI" panose="020B0502040204020203" pitchFamily="34" charset="0"/>
+                <a:cs typeface="Segoe UI" panose="020B0502040204020203" pitchFamily="34" charset="0"/>
+              </a:rPr>
+              <a:t> </a:t>
+            </a:r>
+            <a:r>
+              <a:rPr lang="en-US" altLang="zh-CN" sz="1400" dirty="0">
+                <a:latin typeface="Segoe UI" panose="020B0502040204020203" pitchFamily="34" charset="0"/>
+                <a:cs typeface="Segoe UI" panose="020B0502040204020203" pitchFamily="34" charset="0"/>
+              </a:rPr>
+              <a:t>points,</a:t>
+            </a:r>
+            <a:r>
+              <a:rPr lang="zh-CN" altLang="en-US" sz="1400" dirty="0">
+                <a:latin typeface="Segoe UI" panose="020B0502040204020203" pitchFamily="34" charset="0"/>
+                <a:cs typeface="Segoe UI" panose="020B0502040204020203" pitchFamily="34" charset="0"/>
+              </a:rPr>
+              <a:t> </a:t>
+            </a:r>
+            <a:r>
+              <a:rPr lang="en-US" altLang="zh-CN" sz="1400" dirty="0">
+                <a:latin typeface="Segoe UI" panose="020B0502040204020203" pitchFamily="34" charset="0"/>
+                <a:cs typeface="Segoe UI" panose="020B0502040204020203" pitchFamily="34" charset="0"/>
+              </a:rPr>
+              <a:t>consisted</a:t>
+            </a:r>
+            <a:r>
+              <a:rPr lang="zh-CN" altLang="en-US" sz="1400" dirty="0">
+                <a:latin typeface="Segoe UI" panose="020B0502040204020203" pitchFamily="34" charset="0"/>
+                <a:cs typeface="Segoe UI" panose="020B0502040204020203" pitchFamily="34" charset="0"/>
+              </a:rPr>
+              <a:t> </a:t>
+            </a:r>
+            <a:r>
+              <a:rPr lang="en-US" altLang="zh-CN" sz="1400" dirty="0">
+                <a:latin typeface="Segoe UI" panose="020B0502040204020203" pitchFamily="34" charset="0"/>
+                <a:cs typeface="Segoe UI" panose="020B0502040204020203" pitchFamily="34" charset="0"/>
+              </a:rPr>
+              <a:t>of</a:t>
+            </a:r>
+            <a:r>
+              <a:rPr lang="zh-CN" altLang="en-US" sz="1400" dirty="0">
+                <a:latin typeface="Segoe UI" panose="020B0502040204020203" pitchFamily="34" charset="0"/>
+                <a:cs typeface="Segoe UI" panose="020B0502040204020203" pitchFamily="34" charset="0"/>
+              </a:rPr>
+              <a:t> </a:t>
+            </a:r>
+            <a:r>
+              <a:rPr lang="en-US" altLang="zh-CN" sz="1400" dirty="0">
+                <a:latin typeface="Segoe UI" panose="020B0502040204020203" pitchFamily="34" charset="0"/>
+                <a:cs typeface="Segoe UI" panose="020B0502040204020203" pitchFamily="34" charset="0"/>
+              </a:rPr>
+              <a:t>each</a:t>
+            </a:r>
+            <a:r>
+              <a:rPr lang="zh-CN" altLang="en-US" sz="1400" dirty="0">
+                <a:latin typeface="Segoe UI" panose="020B0502040204020203" pitchFamily="34" charset="0"/>
+                <a:cs typeface="Segoe UI" panose="020B0502040204020203" pitchFamily="34" charset="0"/>
+              </a:rPr>
+              <a:t> </a:t>
+            </a:r>
+            <a:r>
+              <a:rPr lang="en-US" altLang="zh-CN" sz="1400" dirty="0">
+                <a:latin typeface="Segoe UI" panose="020B0502040204020203" pitchFamily="34" charset="0"/>
+                <a:cs typeface="Segoe UI" panose="020B0502040204020203" pitchFamily="34" charset="0"/>
+              </a:rPr>
+              <a:t>object’s</a:t>
+            </a:r>
+            <a:r>
+              <a:rPr lang="zh-CN" altLang="en-US" sz="1400" dirty="0">
+                <a:latin typeface="Segoe UI" panose="020B0502040204020203" pitchFamily="34" charset="0"/>
+                <a:cs typeface="Segoe UI" panose="020B0502040204020203" pitchFamily="34" charset="0"/>
+              </a:rPr>
+              <a:t> </a:t>
+            </a:r>
+            <a:r>
+              <a:rPr lang="en-US" altLang="zh-CN" sz="1400" dirty="0">
+                <a:latin typeface="Segoe UI" panose="020B0502040204020203" pitchFamily="34" charset="0"/>
+                <a:cs typeface="Segoe UI" panose="020B0502040204020203" pitchFamily="34" charset="0"/>
+              </a:rPr>
+              <a:t>color</a:t>
+            </a:r>
+            <a:r>
+              <a:rPr lang="zh-CN" altLang="en-US" sz="1400" dirty="0">
+                <a:latin typeface="Segoe UI" panose="020B0502040204020203" pitchFamily="34" charset="0"/>
+                <a:cs typeface="Segoe UI" panose="020B0502040204020203" pitchFamily="34" charset="0"/>
+              </a:rPr>
+              <a:t> </a:t>
+            </a:r>
+            <a:r>
+              <a:rPr lang="en-US" altLang="zh-CN" sz="1400" dirty="0">
+                <a:latin typeface="Segoe UI" panose="020B0502040204020203" pitchFamily="34" charset="0"/>
+                <a:cs typeface="Segoe UI" panose="020B0502040204020203" pitchFamily="34" charset="0"/>
+              </a:rPr>
+              <a:t>features</a:t>
+            </a:r>
+            <a:r>
+              <a:rPr lang="zh-CN" altLang="en-US" sz="1400" dirty="0">
+                <a:latin typeface="Segoe UI" panose="020B0502040204020203" pitchFamily="34" charset="0"/>
+                <a:cs typeface="Segoe UI" panose="020B0502040204020203" pitchFamily="34" charset="0"/>
+              </a:rPr>
+              <a:t> </a:t>
+            </a:r>
+            <a:r>
+              <a:rPr lang="en-US" altLang="zh-CN" sz="1400" dirty="0">
+                <a:latin typeface="Segoe UI" panose="020B0502040204020203" pitchFamily="34" charset="0"/>
+                <a:cs typeface="Segoe UI" panose="020B0502040204020203" pitchFamily="34" charset="0"/>
+              </a:rPr>
+              <a:t>and</a:t>
+            </a:r>
+            <a:r>
+              <a:rPr lang="zh-CN" altLang="en-US" sz="1400" dirty="0">
+                <a:latin typeface="Segoe UI" panose="020B0502040204020203" pitchFamily="34" charset="0"/>
+                <a:cs typeface="Segoe UI" panose="020B0502040204020203" pitchFamily="34" charset="0"/>
+              </a:rPr>
+              <a:t> </a:t>
+            </a:r>
+            <a:r>
+              <a:rPr lang="en-US" altLang="zh-CN" sz="1400" dirty="0">
+                <a:latin typeface="Segoe UI" panose="020B0502040204020203" pitchFamily="34" charset="0"/>
+                <a:cs typeface="Segoe UI" panose="020B0502040204020203" pitchFamily="34" charset="0"/>
+              </a:rPr>
+              <a:t>their</a:t>
+            </a:r>
+            <a:r>
+              <a:rPr lang="zh-CN" altLang="en-US" sz="1400" dirty="0">
+                <a:latin typeface="Segoe UI" panose="020B0502040204020203" pitchFamily="34" charset="0"/>
+                <a:cs typeface="Segoe UI" panose="020B0502040204020203" pitchFamily="34" charset="0"/>
+              </a:rPr>
+              <a:t> </a:t>
+            </a:r>
+            <a:r>
+              <a:rPr lang="en-US" altLang="zh-CN" sz="1400" dirty="0">
+                <a:latin typeface="Segoe UI" panose="020B0502040204020203" pitchFamily="34" charset="0"/>
+                <a:cs typeface="Segoe UI" panose="020B0502040204020203" pitchFamily="34" charset="0"/>
+              </a:rPr>
+              <a:t>Petrosian</a:t>
+            </a:r>
+            <a:r>
+              <a:rPr lang="zh-CN" altLang="en-US" sz="1400" dirty="0">
+                <a:latin typeface="Segoe UI" panose="020B0502040204020203" pitchFamily="34" charset="0"/>
+                <a:cs typeface="Segoe UI" panose="020B0502040204020203" pitchFamily="34" charset="0"/>
+              </a:rPr>
+              <a:t> </a:t>
+            </a:r>
+            <a:r>
+              <a:rPr lang="en-US" altLang="zh-CN" sz="1400" dirty="0">
+                <a:latin typeface="Segoe UI" panose="020B0502040204020203" pitchFamily="34" charset="0"/>
+                <a:cs typeface="Segoe UI" panose="020B0502040204020203" pitchFamily="34" charset="0"/>
+              </a:rPr>
+              <a:t>radius.</a:t>
+            </a:r>
+          </a:p>
+          <a:p>
+            <a:endParaRPr lang="en-US" altLang="zh-CN" sz="1400" dirty="0">
+              <a:latin typeface="Segoe UI" panose="020B0502040204020203" pitchFamily="34" charset="0"/>
+              <a:cs typeface="Segoe UI" panose="020B0502040204020203" pitchFamily="34" charset="0"/>
+            </a:endParaRPr>
+          </a:p>
+          <a:p>
+            <a:endParaRPr lang="en-US" altLang="zh-CN" sz="1550" dirty="0">
+              <a:latin typeface="Segoe UI" panose="020B0502040204020203" pitchFamily="34" charset="0"/>
+              <a:cs typeface="Segoe UI" panose="020B0502040204020203" pitchFamily="34" charset="0"/>
+            </a:endParaRPr>
+          </a:p>
+          <a:p>
+            <a:endParaRPr lang="en-US" dirty="0"/>
           </a:p>
         </p:txBody>
       </p:sp>

--- a/poster/poster_rough.pptx
+++ b/poster/poster_rough.pptx
@@ -254,7 +254,7 @@
           <a:p>
             <a:fld id="{BBAFD56C-9C58-4B73-B5DF-363A93B4E3A4}" type="datetimeFigureOut">
               <a:rPr lang="en-US" smtClean="0"/>
-              <a:t>4/8/22</a:t>
+              <a:t>4/15/22</a:t>
             </a:fld>
             <a:endParaRPr lang="en-US"/>
           </a:p>
@@ -424,7 +424,7 @@
           <a:p>
             <a:fld id="{BBAFD56C-9C58-4B73-B5DF-363A93B4E3A4}" type="datetimeFigureOut">
               <a:rPr lang="en-US" smtClean="0"/>
-              <a:t>4/8/22</a:t>
+              <a:t>4/15/22</a:t>
             </a:fld>
             <a:endParaRPr lang="en-US"/>
           </a:p>
@@ -604,7 +604,7 @@
           <a:p>
             <a:fld id="{BBAFD56C-9C58-4B73-B5DF-363A93B4E3A4}" type="datetimeFigureOut">
               <a:rPr lang="en-US" smtClean="0"/>
-              <a:t>4/8/22</a:t>
+              <a:t>4/15/22</a:t>
             </a:fld>
             <a:endParaRPr lang="en-US"/>
           </a:p>
@@ -774,7 +774,7 @@
           <a:p>
             <a:fld id="{BBAFD56C-9C58-4B73-B5DF-363A93B4E3A4}" type="datetimeFigureOut">
               <a:rPr lang="en-US" smtClean="0"/>
-              <a:t>4/8/22</a:t>
+              <a:t>4/15/22</a:t>
             </a:fld>
             <a:endParaRPr lang="en-US"/>
           </a:p>
@@ -1018,7 +1018,7 @@
           <a:p>
             <a:fld id="{BBAFD56C-9C58-4B73-B5DF-363A93B4E3A4}" type="datetimeFigureOut">
               <a:rPr lang="en-US" smtClean="0"/>
-              <a:t>4/8/22</a:t>
+              <a:t>4/15/22</a:t>
             </a:fld>
             <a:endParaRPr lang="en-US"/>
           </a:p>
@@ -1250,7 +1250,7 @@
           <a:p>
             <a:fld id="{BBAFD56C-9C58-4B73-B5DF-363A93B4E3A4}" type="datetimeFigureOut">
               <a:rPr lang="en-US" smtClean="0"/>
-              <a:t>4/8/22</a:t>
+              <a:t>4/15/22</a:t>
             </a:fld>
             <a:endParaRPr lang="en-US"/>
           </a:p>
@@ -1617,7 +1617,7 @@
           <a:p>
             <a:fld id="{BBAFD56C-9C58-4B73-B5DF-363A93B4E3A4}" type="datetimeFigureOut">
               <a:rPr lang="en-US" smtClean="0"/>
-              <a:t>4/8/22</a:t>
+              <a:t>4/15/22</a:t>
             </a:fld>
             <a:endParaRPr lang="en-US"/>
           </a:p>
@@ -1735,7 +1735,7 @@
           <a:p>
             <a:fld id="{BBAFD56C-9C58-4B73-B5DF-363A93B4E3A4}" type="datetimeFigureOut">
               <a:rPr lang="en-US" smtClean="0"/>
-              <a:t>4/8/22</a:t>
+              <a:t>4/15/22</a:t>
             </a:fld>
             <a:endParaRPr lang="en-US"/>
           </a:p>
@@ -1830,7 +1830,7 @@
           <a:p>
             <a:fld id="{BBAFD56C-9C58-4B73-B5DF-363A93B4E3A4}" type="datetimeFigureOut">
               <a:rPr lang="en-US" smtClean="0"/>
-              <a:t>4/8/22</a:t>
+              <a:t>4/15/22</a:t>
             </a:fld>
             <a:endParaRPr lang="en-US"/>
           </a:p>
@@ -2107,7 +2107,7 @@
           <a:p>
             <a:fld id="{BBAFD56C-9C58-4B73-B5DF-363A93B4E3A4}" type="datetimeFigureOut">
               <a:rPr lang="en-US" smtClean="0"/>
-              <a:t>4/8/22</a:t>
+              <a:t>4/15/22</a:t>
             </a:fld>
             <a:endParaRPr lang="en-US"/>
           </a:p>
@@ -2364,7 +2364,7 @@
           <a:p>
             <a:fld id="{BBAFD56C-9C58-4B73-B5DF-363A93B4E3A4}" type="datetimeFigureOut">
               <a:rPr lang="en-US" smtClean="0"/>
-              <a:t>4/8/22</a:t>
+              <a:t>4/15/22</a:t>
             </a:fld>
             <a:endParaRPr lang="en-US"/>
           </a:p>
@@ -2577,7 +2577,7 @@
           <a:p>
             <a:fld id="{BBAFD56C-9C58-4B73-B5DF-363A93B4E3A4}" type="datetimeFigureOut">
               <a:rPr lang="en-US" smtClean="0"/>
-              <a:t>4/8/22</a:t>
+              <a:t>4/15/22</a:t>
             </a:fld>
             <a:endParaRPr lang="en-US"/>
           </a:p>
@@ -3049,7 +3049,7 @@
         <p:spPr>
           <a:xfrm>
             <a:off x="0" y="-8287"/>
-            <a:ext cx="10058400" cy="3935259"/>
+            <a:ext cx="10058400" cy="3526323"/>
           </a:xfrm>
           <a:prstGeom prst="rect">
             <a:avLst/>
@@ -3087,7 +3087,7 @@
               </a:lnSpc>
             </a:pPr>
             <a:r>
-              <a:rPr lang="en-US" altLang="zh-CN" sz="4800" b="1" dirty="0">
+              <a:rPr lang="en-US" altLang="zh-CN" sz="4000" b="1" dirty="0">
                 <a:solidFill>
                   <a:schemeClr val="bg1"/>
                 </a:solidFill>
@@ -3097,7 +3097,7 @@
               <a:t>Using</a:t>
             </a:r>
             <a:r>
-              <a:rPr lang="zh-CN" altLang="en-US" sz="4800" b="1" dirty="0">
+              <a:rPr lang="zh-CN" altLang="en-US" sz="4000" b="1" dirty="0">
                 <a:solidFill>
                   <a:schemeClr val="bg1"/>
                 </a:solidFill>
@@ -3107,7 +3107,7 @@
               <a:t> </a:t>
             </a:r>
             <a:r>
-              <a:rPr lang="en-US" altLang="zh-CN" sz="4800" b="1" dirty="0">
+              <a:rPr lang="en-US" altLang="zh-CN" sz="4000" b="1" dirty="0">
                 <a:solidFill>
                   <a:schemeClr val="bg1"/>
                 </a:solidFill>
@@ -3117,7 +3117,7 @@
               <a:t>the</a:t>
             </a:r>
             <a:r>
-              <a:rPr lang="zh-CN" altLang="en-US" sz="4800" b="1" dirty="0">
+              <a:rPr lang="zh-CN" altLang="en-US" sz="4000" b="1" dirty="0">
                 <a:solidFill>
                   <a:schemeClr val="bg1"/>
                 </a:solidFill>
@@ -3127,7 +3127,7 @@
               <a:t> </a:t>
             </a:r>
             <a:r>
-              <a:rPr lang="en-US" altLang="zh-CN" sz="4800" b="1" dirty="0">
+              <a:rPr lang="en-US" altLang="zh-CN" sz="4000" b="1" dirty="0">
                 <a:solidFill>
                   <a:schemeClr val="bg1"/>
                 </a:solidFill>
@@ -3137,7 +3137,7 @@
               <a:t>random</a:t>
             </a:r>
             <a:r>
-              <a:rPr lang="zh-CN" altLang="en-US" sz="4800" b="1" dirty="0">
+              <a:rPr lang="zh-CN" altLang="en-US" sz="4000" b="1" dirty="0">
                 <a:solidFill>
                   <a:schemeClr val="bg1"/>
                 </a:solidFill>
@@ -3147,7 +3147,7 @@
               <a:t> </a:t>
             </a:r>
             <a:r>
-              <a:rPr lang="en-US" altLang="zh-CN" sz="4800" b="1" dirty="0">
+              <a:rPr lang="en-US" altLang="zh-CN" sz="4000" b="1" dirty="0">
                 <a:solidFill>
                   <a:schemeClr val="bg1"/>
                 </a:solidFill>
@@ -3157,7 +3157,7 @@
               <a:t>forest</a:t>
             </a:r>
             <a:r>
-              <a:rPr lang="zh-CN" altLang="en-US" sz="4800" b="1" dirty="0">
+              <a:rPr lang="zh-CN" altLang="en-US" sz="4000" b="1" dirty="0">
                 <a:solidFill>
                   <a:schemeClr val="bg1"/>
                 </a:solidFill>
@@ -3166,7 +3166,7 @@
               </a:rPr>
               <a:t> </a:t>
             </a:r>
-            <a:endParaRPr lang="en-US" altLang="zh-CN" sz="4800" b="1" dirty="0">
+            <a:endParaRPr lang="en-US" altLang="zh-CN" sz="4000" b="1" dirty="0">
               <a:solidFill>
                 <a:schemeClr val="bg1"/>
               </a:solidFill>
@@ -3181,7 +3181,7 @@
               </a:lnSpc>
             </a:pPr>
             <a:r>
-              <a:rPr lang="en-US" altLang="zh-CN" sz="4800" b="1" dirty="0">
+              <a:rPr lang="en-US" altLang="zh-CN" sz="4000" b="1" dirty="0">
                 <a:solidFill>
                   <a:schemeClr val="bg1"/>
                 </a:solidFill>
@@ -3191,7 +3191,7 @@
               <a:t>classifier,</a:t>
             </a:r>
             <a:r>
-              <a:rPr lang="zh-CN" altLang="en-US" sz="4800" b="1" dirty="0">
+              <a:rPr lang="zh-CN" altLang="en-US" sz="4000" b="1" dirty="0">
                 <a:solidFill>
                   <a:schemeClr val="bg1"/>
                 </a:solidFill>
@@ -3201,7 +3201,7 @@
               <a:t> </a:t>
             </a:r>
             <a:r>
-              <a:rPr lang="en-US" altLang="zh-CN" sz="4800" b="1" dirty="0">
+              <a:rPr lang="en-US" altLang="zh-CN" sz="4000" b="1" dirty="0">
                 <a:solidFill>
                   <a:schemeClr val="bg1"/>
                 </a:solidFill>
@@ -3211,7 +3211,7 @@
               <a:t>we</a:t>
             </a:r>
             <a:r>
-              <a:rPr lang="zh-CN" altLang="en-US" sz="4800" b="1" dirty="0">
+              <a:rPr lang="zh-CN" altLang="en-US" sz="4000" b="1" dirty="0">
                 <a:solidFill>
                   <a:schemeClr val="bg1"/>
                 </a:solidFill>
@@ -3221,7 +3221,7 @@
               <a:t> </a:t>
             </a:r>
             <a:r>
-              <a:rPr lang="en-US" altLang="zh-CN" sz="4800" b="1" dirty="0">
+              <a:rPr lang="en-US" altLang="zh-CN" sz="4000" b="1" dirty="0">
                 <a:solidFill>
                   <a:schemeClr val="bg1"/>
                 </a:solidFill>
@@ -3231,7 +3231,7 @@
               <a:t>can</a:t>
             </a:r>
             <a:r>
-              <a:rPr lang="zh-CN" altLang="en-US" sz="4800" b="1" dirty="0">
+              <a:rPr lang="zh-CN" altLang="en-US" sz="4000" b="1" dirty="0">
                 <a:solidFill>
                   <a:schemeClr val="bg1"/>
                 </a:solidFill>
@@ -3241,7 +3241,7 @@
               <a:t> </a:t>
             </a:r>
             <a:r>
-              <a:rPr lang="en-US" altLang="zh-CN" sz="4800" b="1" dirty="0">
+              <a:rPr lang="en-US" altLang="zh-CN" sz="4000" b="1" dirty="0">
                 <a:solidFill>
                   <a:schemeClr val="bg1"/>
                 </a:solidFill>
@@ -3251,7 +3251,7 @@
               <a:t>distinguish</a:t>
             </a:r>
             <a:r>
-              <a:rPr lang="zh-CN" altLang="en-US" sz="4800" b="1" dirty="0">
+              <a:rPr lang="zh-CN" altLang="en-US" sz="4000" b="1" dirty="0">
                 <a:solidFill>
                   <a:schemeClr val="bg1"/>
                 </a:solidFill>
@@ -3261,7 +3261,7 @@
               <a:t> </a:t>
             </a:r>
             <a:r>
-              <a:rPr lang="en-US" altLang="zh-CN" sz="4800" b="1" dirty="0">
+              <a:rPr lang="en-US" altLang="zh-CN" sz="4000" b="1" dirty="0">
                 <a:solidFill>
                   <a:schemeClr val="bg1"/>
                 </a:solidFill>
@@ -3271,7 +3271,7 @@
               <a:t>possible</a:t>
             </a:r>
             <a:r>
-              <a:rPr lang="zh-CN" altLang="en-US" sz="4800" b="1" dirty="0">
+              <a:rPr lang="zh-CN" altLang="en-US" sz="4000" b="1" dirty="0">
                 <a:solidFill>
                   <a:schemeClr val="bg1"/>
                 </a:solidFill>
@@ -3281,7 +3281,7 @@
               <a:t> </a:t>
             </a:r>
             <a:r>
-              <a:rPr lang="en-US" altLang="zh-CN" sz="4800" b="1" dirty="0">
+              <a:rPr lang="en-US" altLang="zh-CN" sz="4000" b="1" dirty="0">
                 <a:solidFill>
                   <a:schemeClr val="bg1"/>
                 </a:solidFill>
@@ -3291,7 +3291,7 @@
               <a:t>quasars</a:t>
             </a:r>
             <a:r>
-              <a:rPr lang="zh-CN" altLang="en-US" sz="4800" b="1" dirty="0">
+              <a:rPr lang="zh-CN" altLang="en-US" sz="4000" b="1" dirty="0">
                 <a:solidFill>
                   <a:schemeClr val="bg1"/>
                 </a:solidFill>
@@ -3301,7 +3301,7 @@
               <a:t> </a:t>
             </a:r>
             <a:r>
-              <a:rPr lang="en-US" altLang="zh-CN" sz="4800" b="1" dirty="0">
+              <a:rPr lang="en-US" altLang="zh-CN" sz="4000" b="1" dirty="0">
                 <a:solidFill>
                   <a:schemeClr val="bg1"/>
                 </a:solidFill>
@@ -3311,7 +3311,7 @@
               <a:t>from</a:t>
             </a:r>
             <a:r>
-              <a:rPr lang="zh-CN" altLang="en-US" sz="4800" b="1" dirty="0">
+              <a:rPr lang="zh-CN" altLang="en-US" sz="4000" b="1" dirty="0">
                 <a:solidFill>
                   <a:schemeClr val="bg1"/>
                 </a:solidFill>
@@ -3321,7 +3321,7 @@
               <a:t> </a:t>
             </a:r>
             <a:r>
-              <a:rPr lang="en-US" altLang="zh-CN" sz="4800" b="1" dirty="0">
+              <a:rPr lang="en-US" altLang="zh-CN" sz="4000" b="1" dirty="0">
                 <a:solidFill>
                   <a:schemeClr val="bg1"/>
                 </a:solidFill>
@@ -3331,7 +3331,7 @@
               <a:t>stars</a:t>
             </a:r>
             <a:r>
-              <a:rPr lang="zh-CN" altLang="en-US" sz="4800" b="1" dirty="0">
+              <a:rPr lang="zh-CN" altLang="en-US" sz="4000" b="1" dirty="0">
                 <a:solidFill>
                   <a:schemeClr val="bg1"/>
                 </a:solidFill>
@@ -3341,17 +3341,17 @@
               <a:t> </a:t>
             </a:r>
             <a:r>
-              <a:rPr lang="en-US" altLang="zh-CN" sz="4800" b="1" dirty="0">
+              <a:rPr lang="en-US" altLang="zh-CN" sz="4000" b="1" dirty="0">
                 <a:solidFill>
                   <a:schemeClr val="bg1"/>
                 </a:solidFill>
                 <a:latin typeface="Lato" panose="020F0502020204030203"/>
                 <a:cs typeface="Arial" panose="020B0604020202020204" pitchFamily="34" charset="0"/>
               </a:rPr>
-              <a:t>with</a:t>
-            </a:r>
-            <a:r>
-              <a:rPr lang="zh-CN" altLang="en-US" sz="4800" b="1" dirty="0">
+              <a:t>and</a:t>
+            </a:r>
+            <a:r>
+              <a:rPr lang="zh-CN" altLang="en-US" sz="4000" b="1" dirty="0">
                 <a:solidFill>
                   <a:schemeClr val="bg1"/>
                 </a:solidFill>
@@ -3361,17 +3361,17 @@
               <a:t> </a:t>
             </a:r>
             <a:r>
-              <a:rPr lang="en-US" altLang="zh-CN" sz="4800" b="1" dirty="0">
+              <a:rPr lang="en-US" altLang="zh-CN" sz="4000" b="1" dirty="0">
                 <a:solidFill>
                   <a:schemeClr val="bg1"/>
                 </a:solidFill>
                 <a:latin typeface="Lato" panose="020F0502020204030203"/>
                 <a:cs typeface="Arial" panose="020B0604020202020204" pitchFamily="34" charset="0"/>
               </a:rPr>
-              <a:t>a</a:t>
-            </a:r>
-            <a:r>
-              <a:rPr lang="zh-CN" altLang="en-US" sz="4800" b="1" dirty="0">
+              <a:t>galaxies</a:t>
+            </a:r>
+            <a:r>
+              <a:rPr lang="zh-CN" altLang="en-US" sz="4000" b="1" dirty="0">
                 <a:solidFill>
                   <a:schemeClr val="bg1"/>
                 </a:solidFill>
@@ -3381,17 +3381,17 @@
               <a:t> </a:t>
             </a:r>
             <a:r>
-              <a:rPr lang="en-US" altLang="zh-CN" sz="4800" b="1" dirty="0">
+              <a:rPr lang="en-US" altLang="zh-CN" sz="4000" b="1" dirty="0">
                 <a:solidFill>
                   <a:schemeClr val="bg1"/>
                 </a:solidFill>
                 <a:latin typeface="Lato" panose="020F0502020204030203"/>
                 <a:cs typeface="Arial" panose="020B0604020202020204" pitchFamily="34" charset="0"/>
               </a:rPr>
-              <a:t>89.83%</a:t>
-            </a:r>
-            <a:r>
-              <a:rPr lang="zh-CN" altLang="en-US" sz="4800" b="1" dirty="0">
+              <a:t>with</a:t>
+            </a:r>
+            <a:r>
+              <a:rPr lang="zh-CN" altLang="en-US" sz="4000" b="1" dirty="0">
                 <a:solidFill>
                   <a:schemeClr val="bg1"/>
                 </a:solidFill>
@@ -3401,16 +3401,56 @@
               <a:t> </a:t>
             </a:r>
             <a:r>
-              <a:rPr lang="en-US" altLang="zh-CN" sz="4800" b="1" dirty="0">
+              <a:rPr lang="en-US" altLang="zh-CN" sz="4000" b="1" dirty="0">
                 <a:solidFill>
                   <a:schemeClr val="bg1"/>
                 </a:solidFill>
                 <a:latin typeface="Lato" panose="020F0502020204030203"/>
                 <a:cs typeface="Arial" panose="020B0604020202020204" pitchFamily="34" charset="0"/>
               </a:rPr>
+              <a:t>a</a:t>
+            </a:r>
+            <a:r>
+              <a:rPr lang="zh-CN" altLang="en-US" sz="4000" b="1" dirty="0">
+                <a:solidFill>
+                  <a:schemeClr val="bg1"/>
+                </a:solidFill>
+                <a:latin typeface="Lato" panose="020F0502020204030203"/>
+                <a:cs typeface="Arial" panose="020B0604020202020204" pitchFamily="34" charset="0"/>
+              </a:rPr>
+              <a:t> </a:t>
+            </a:r>
+            <a:r>
+              <a:rPr lang="en-US" altLang="zh-CN" sz="4000" b="1" dirty="0">
+                <a:solidFill>
+                  <a:schemeClr val="bg1"/>
+                </a:solidFill>
+                <a:latin typeface="Lato" panose="020F0502020204030203"/>
+                <a:cs typeface="Arial" panose="020B0604020202020204" pitchFamily="34" charset="0"/>
+              </a:rPr>
+              <a:t>92.31%</a:t>
+            </a:r>
+            <a:r>
+              <a:rPr lang="zh-CN" altLang="en-US" sz="4000" b="1" dirty="0">
+                <a:solidFill>
+                  <a:schemeClr val="bg1"/>
+                </a:solidFill>
+                <a:latin typeface="Lato" panose="020F0502020204030203"/>
+                <a:cs typeface="Arial" panose="020B0604020202020204" pitchFamily="34" charset="0"/>
+              </a:rPr>
+              <a:t> </a:t>
+            </a:r>
+            <a:r>
+              <a:rPr lang="en-US" altLang="zh-CN" sz="4000" b="1" dirty="0">
+                <a:solidFill>
+                  <a:schemeClr val="bg1"/>
+                </a:solidFill>
+                <a:latin typeface="Lato" panose="020F0502020204030203"/>
+                <a:cs typeface="Arial" panose="020B0604020202020204" pitchFamily="34" charset="0"/>
+              </a:rPr>
               <a:t>accuracy.</a:t>
             </a:r>
-            <a:endParaRPr lang="en-US" sz="4800" dirty="0">
+            <a:endParaRPr lang="en-US" sz="4000" dirty="0">
               <a:latin typeface="Lato" panose="020F0502020204030203"/>
             </a:endParaRPr>
           </a:p>
@@ -3434,8 +3474,8 @@
         </p:nvSpPr>
         <p:spPr>
           <a:xfrm>
-            <a:off x="402638" y="4029349"/>
-            <a:ext cx="9139237" cy="954107"/>
+            <a:off x="381607" y="3645414"/>
+            <a:ext cx="9139237" cy="1384995"/>
           </a:xfrm>
           <a:prstGeom prst="rect">
             <a:avLst/>
@@ -3593,7 +3633,7 @@
                 <a:latin typeface="Lato" panose="020F0502020204030203" pitchFamily="34" charset="0"/>
                 <a:cs typeface="Lato" panose="020F0502020204030203" pitchFamily="34" charset="0"/>
               </a:rPr>
-              <a:t>Based</a:t>
+              <a:t>Prior</a:t>
             </a:r>
             <a:r>
               <a:rPr lang="zh-CN" altLang="en-US" sz="2800" b="1" dirty="0">
@@ -3607,7 +3647,7 @@
                 <a:latin typeface="Lato" panose="020F0502020204030203" pitchFamily="34" charset="0"/>
                 <a:cs typeface="Lato" panose="020F0502020204030203" pitchFamily="34" charset="0"/>
               </a:rPr>
-              <a:t>On</a:t>
+              <a:t>to</a:t>
             </a:r>
             <a:r>
               <a:rPr lang="zh-CN" altLang="en-US" sz="2800" b="1" dirty="0">
@@ -3621,7 +3661,7 @@
                 <a:latin typeface="Lato" panose="020F0502020204030203" pitchFamily="34" charset="0"/>
                 <a:cs typeface="Lato" panose="020F0502020204030203" pitchFamily="34" charset="0"/>
               </a:rPr>
-              <a:t>Photometric</a:t>
+              <a:t>the</a:t>
             </a:r>
             <a:r>
               <a:rPr lang="zh-CN" altLang="en-US" sz="2800" b="1" dirty="0">
@@ -3635,7 +3675,21 @@
                 <a:latin typeface="Lato" panose="020F0502020204030203" pitchFamily="34" charset="0"/>
                 <a:cs typeface="Lato" panose="020F0502020204030203" pitchFamily="34" charset="0"/>
               </a:rPr>
-              <a:t>Data</a:t>
+              <a:t>Spectroscopic</a:t>
+            </a:r>
+            <a:r>
+              <a:rPr lang="zh-CN" altLang="en-US" sz="2800" b="1" dirty="0">
+                <a:latin typeface="Lato" panose="020F0502020204030203" pitchFamily="34" charset="0"/>
+                <a:cs typeface="Lato" panose="020F0502020204030203" pitchFamily="34" charset="0"/>
+              </a:rPr>
+              <a:t> </a:t>
+            </a:r>
+            <a:r>
+              <a:rPr lang="en-US" altLang="zh-CN" sz="2800" b="1" dirty="0">
+                <a:latin typeface="Lato" panose="020F0502020204030203" pitchFamily="34" charset="0"/>
+                <a:cs typeface="Lato" panose="020F0502020204030203" pitchFamily="34" charset="0"/>
+              </a:rPr>
+              <a:t>Observations</a:t>
             </a:r>
             <a:endParaRPr lang="en-US" sz="2800" b="1" dirty="0">
               <a:latin typeface="Lato" panose="020F0502020204030203" pitchFamily="34" charset="0"/>
@@ -3756,8 +3810,8 @@
         </p:nvSpPr>
         <p:spPr>
           <a:xfrm>
-            <a:off x="438137" y="5046214"/>
-            <a:ext cx="9139236" cy="461665"/>
+            <a:off x="2769207" y="4601119"/>
+            <a:ext cx="9139236" cy="369332"/>
           </a:xfrm>
           <a:prstGeom prst="rect">
             <a:avLst/>
@@ -3771,7 +3825,7 @@
           <a:lstStyle/>
           <a:p>
             <a:r>
-              <a:rPr lang="en-US" sz="2400" b="1" dirty="0">
+              <a:rPr lang="en-US" b="1" dirty="0">
                 <a:solidFill>
                   <a:schemeClr val="bg2">
                     <a:lumMod val="50000"/>
@@ -3783,7 +3837,7 @@
               <a:t>Qiongwen Mao (Shirley) </a:t>
             </a:r>
             <a:r>
-              <a:rPr lang="en-US" sz="2400" dirty="0">
+              <a:rPr lang="en-US" dirty="0">
                 <a:solidFill>
                   <a:schemeClr val="bg2">
                     <a:lumMod val="50000"/>
@@ -3794,7 +3848,7 @@
               </a:rPr>
               <a:t>and Prof. Eilat Glikman</a:t>
             </a:r>
-            <a:endParaRPr lang="en-US" sz="2400" dirty="0">
+            <a:endParaRPr lang="en-US" dirty="0">
               <a:solidFill>
                 <a:schemeClr val="bg2">
                   <a:lumMod val="50000"/>
@@ -3818,7 +3872,7 @@
         </p:nvSpPr>
         <p:spPr>
           <a:xfrm>
-            <a:off x="402638" y="5596988"/>
+            <a:off x="244509" y="5116353"/>
             <a:ext cx="3572026" cy="584775"/>
           </a:xfrm>
           <a:prstGeom prst="rect">
@@ -3833,15 +3887,22 @@
           <a:lstStyle/>
           <a:p>
             <a:r>
-              <a:rPr lang="en-US" sz="3200" dirty="0">
+              <a:rPr lang="en-US" altLang="zh-CN" sz="3200" dirty="0">
                 <a:solidFill>
                   <a:srgbClr val="006A5C"/>
                 </a:solidFill>
                 <a:latin typeface="Segoe UI Black" panose="020B0A02040204020203" pitchFamily="34" charset="0"/>
                 <a:ea typeface="Segoe UI Black" panose="020B0A02040204020203" pitchFamily="34" charset="0"/>
               </a:rPr>
-              <a:t>Big Picture</a:t>
-            </a:r>
+              <a:t>Motivation</a:t>
+            </a:r>
+            <a:endParaRPr lang="en-US" sz="3200" dirty="0">
+              <a:solidFill>
+                <a:srgbClr val="006A5C"/>
+              </a:solidFill>
+              <a:latin typeface="Segoe UI Black" panose="020B0A02040204020203" pitchFamily="34" charset="0"/>
+              <a:ea typeface="Segoe UI Black" panose="020B0A02040204020203" pitchFamily="34" charset="0"/>
+            </a:endParaRPr>
           </a:p>
         </p:txBody>
       </p:sp>
@@ -3859,8 +3920,8 @@
         </p:nvSpPr>
         <p:spPr>
           <a:xfrm>
-            <a:off x="438137" y="6235955"/>
-            <a:ext cx="4182781" cy="4016484"/>
+            <a:off x="244509" y="5673727"/>
+            <a:ext cx="4464651" cy="4293483"/>
           </a:xfrm>
           <a:prstGeom prst="rect">
             <a:avLst/>
@@ -3874,1279 +3935,48 @@
           <a:lstStyle/>
           <a:p>
             <a:r>
-              <a:rPr lang="en-US" altLang="zh-CN" sz="1500" dirty="0">
+              <a:rPr lang="en-US" sz="1500" dirty="0">
                 <a:latin typeface="Segoe UI" panose="020B0502040204020203" pitchFamily="34" charset="0"/>
                 <a:cs typeface="Segoe UI" panose="020B0502040204020203" pitchFamily="34" charset="0"/>
               </a:rPr>
-              <a:t>Quasars</a:t>
-            </a:r>
-            <a:r>
-              <a:rPr lang="zh-CN" altLang="en-US" sz="1500" dirty="0">
-                <a:latin typeface="Segoe UI" panose="020B0502040204020203" pitchFamily="34" charset="0"/>
-                <a:cs typeface="Segoe UI" panose="020B0502040204020203" pitchFamily="34" charset="0"/>
-              </a:rPr>
-              <a:t> </a:t>
-            </a:r>
-            <a:r>
-              <a:rPr lang="en-US" altLang="zh-CN" sz="1500" dirty="0">
-                <a:latin typeface="Segoe UI" panose="020B0502040204020203" pitchFamily="34" charset="0"/>
-                <a:cs typeface="Segoe UI" panose="020B0502040204020203" pitchFamily="34" charset="0"/>
-              </a:rPr>
-              <a:t>are</a:t>
-            </a:r>
-            <a:r>
-              <a:rPr lang="zh-CN" altLang="en-US" sz="1500" dirty="0">
-                <a:latin typeface="Segoe UI" panose="020B0502040204020203" pitchFamily="34" charset="0"/>
-                <a:cs typeface="Segoe UI" panose="020B0502040204020203" pitchFamily="34" charset="0"/>
-              </a:rPr>
-              <a:t> </a:t>
-            </a:r>
-            <a:r>
-              <a:rPr lang="en-US" altLang="zh-CN" sz="1500" dirty="0">
-                <a:latin typeface="Segoe UI" panose="020B0502040204020203" pitchFamily="34" charset="0"/>
-                <a:cs typeface="Segoe UI" panose="020B0502040204020203" pitchFamily="34" charset="0"/>
-              </a:rPr>
-              <a:t>extremely</a:t>
-            </a:r>
-            <a:r>
-              <a:rPr lang="zh-CN" altLang="en-US" sz="1500" dirty="0">
-                <a:latin typeface="Segoe UI" panose="020B0502040204020203" pitchFamily="34" charset="0"/>
-                <a:cs typeface="Segoe UI" panose="020B0502040204020203" pitchFamily="34" charset="0"/>
-              </a:rPr>
-              <a:t> </a:t>
-            </a:r>
-            <a:r>
-              <a:rPr lang="en-US" altLang="zh-CN" sz="1500" dirty="0">
-                <a:latin typeface="Segoe UI" panose="020B0502040204020203" pitchFamily="34" charset="0"/>
-                <a:cs typeface="Segoe UI" panose="020B0502040204020203" pitchFamily="34" charset="0"/>
-              </a:rPr>
-              <a:t>luminous</a:t>
-            </a:r>
-            <a:r>
-              <a:rPr lang="zh-CN" altLang="en-US" sz="1500" dirty="0">
-                <a:latin typeface="Segoe UI" panose="020B0502040204020203" pitchFamily="34" charset="0"/>
-                <a:cs typeface="Segoe UI" panose="020B0502040204020203" pitchFamily="34" charset="0"/>
-              </a:rPr>
-              <a:t> </a:t>
-            </a:r>
-            <a:r>
-              <a:rPr lang="en-US" altLang="zh-CN" sz="1500" dirty="0">
-                <a:latin typeface="Segoe UI" panose="020B0502040204020203" pitchFamily="34" charset="0"/>
-                <a:cs typeface="Segoe UI" panose="020B0502040204020203" pitchFamily="34" charset="0"/>
-              </a:rPr>
-              <a:t>astronomical</a:t>
-            </a:r>
-            <a:r>
-              <a:rPr lang="zh-CN" altLang="en-US" sz="1500" dirty="0">
-                <a:latin typeface="Segoe UI" panose="020B0502040204020203" pitchFamily="34" charset="0"/>
-                <a:cs typeface="Segoe UI" panose="020B0502040204020203" pitchFamily="34" charset="0"/>
-              </a:rPr>
-              <a:t> </a:t>
-            </a:r>
-            <a:r>
-              <a:rPr lang="en-US" altLang="zh-CN" sz="1500" dirty="0">
-                <a:latin typeface="Segoe UI" panose="020B0502040204020203" pitchFamily="34" charset="0"/>
-                <a:cs typeface="Segoe UI" panose="020B0502040204020203" pitchFamily="34" charset="0"/>
-              </a:rPr>
-              <a:t>objects</a:t>
-            </a:r>
-            <a:r>
-              <a:rPr lang="zh-CN" altLang="en-US" sz="1500" dirty="0">
-                <a:latin typeface="Segoe UI" panose="020B0502040204020203" pitchFamily="34" charset="0"/>
-                <a:cs typeface="Segoe UI" panose="020B0502040204020203" pitchFamily="34" charset="0"/>
-              </a:rPr>
-              <a:t> </a:t>
-            </a:r>
-            <a:r>
-              <a:rPr lang="en-US" altLang="zh-CN" sz="1500" dirty="0">
-                <a:latin typeface="Segoe UI" panose="020B0502040204020203" pitchFamily="34" charset="0"/>
-                <a:cs typeface="Segoe UI" panose="020B0502040204020203" pitchFamily="34" charset="0"/>
-              </a:rPr>
-              <a:t>that</a:t>
-            </a:r>
-            <a:r>
-              <a:rPr lang="zh-CN" altLang="en-US" sz="1500" dirty="0">
-                <a:latin typeface="Segoe UI" panose="020B0502040204020203" pitchFamily="34" charset="0"/>
-                <a:cs typeface="Segoe UI" panose="020B0502040204020203" pitchFamily="34" charset="0"/>
-              </a:rPr>
-              <a:t> </a:t>
-            </a:r>
-            <a:r>
-              <a:rPr lang="en-US" altLang="zh-CN" sz="1500" dirty="0">
-                <a:latin typeface="Segoe UI" panose="020B0502040204020203" pitchFamily="34" charset="0"/>
-                <a:cs typeface="Segoe UI" panose="020B0502040204020203" pitchFamily="34" charset="0"/>
-              </a:rPr>
-              <a:t>are</a:t>
-            </a:r>
-            <a:r>
-              <a:rPr lang="zh-CN" altLang="en-US" sz="1500" dirty="0">
-                <a:latin typeface="Segoe UI" panose="020B0502040204020203" pitchFamily="34" charset="0"/>
-                <a:cs typeface="Segoe UI" panose="020B0502040204020203" pitchFamily="34" charset="0"/>
-              </a:rPr>
-              <a:t> </a:t>
-            </a:r>
-            <a:r>
-              <a:rPr lang="en-US" altLang="zh-CN" sz="1500" dirty="0">
-                <a:latin typeface="Segoe UI" panose="020B0502040204020203" pitchFamily="34" charset="0"/>
-                <a:cs typeface="Segoe UI" panose="020B0502040204020203" pitchFamily="34" charset="0"/>
-              </a:rPr>
-              <a:t>empowered</a:t>
-            </a:r>
-            <a:r>
-              <a:rPr lang="zh-CN" altLang="en-US" sz="1500" dirty="0">
-                <a:latin typeface="Segoe UI" panose="020B0502040204020203" pitchFamily="34" charset="0"/>
-                <a:cs typeface="Segoe UI" panose="020B0502040204020203" pitchFamily="34" charset="0"/>
-              </a:rPr>
-              <a:t> </a:t>
-            </a:r>
-            <a:r>
-              <a:rPr lang="en-US" altLang="zh-CN" sz="1500" dirty="0">
-                <a:latin typeface="Segoe UI" panose="020B0502040204020203" pitchFamily="34" charset="0"/>
-                <a:cs typeface="Segoe UI" panose="020B0502040204020203" pitchFamily="34" charset="0"/>
-              </a:rPr>
-              <a:t>by</a:t>
-            </a:r>
-            <a:r>
-              <a:rPr lang="zh-CN" altLang="en-US" sz="1500" dirty="0">
-                <a:latin typeface="Segoe UI" panose="020B0502040204020203" pitchFamily="34" charset="0"/>
-                <a:cs typeface="Segoe UI" panose="020B0502040204020203" pitchFamily="34" charset="0"/>
-              </a:rPr>
-              <a:t> </a:t>
-            </a:r>
-            <a:r>
-              <a:rPr lang="en-US" altLang="zh-CN" sz="1500" dirty="0">
-                <a:latin typeface="Segoe UI" panose="020B0502040204020203" pitchFamily="34" charset="0"/>
-                <a:cs typeface="Segoe UI" panose="020B0502040204020203" pitchFamily="34" charset="0"/>
-              </a:rPr>
-              <a:t>supermassive</a:t>
-            </a:r>
-            <a:r>
-              <a:rPr lang="zh-CN" altLang="en-US" sz="1500" dirty="0">
-                <a:latin typeface="Segoe UI" panose="020B0502040204020203" pitchFamily="34" charset="0"/>
-                <a:cs typeface="Segoe UI" panose="020B0502040204020203" pitchFamily="34" charset="0"/>
-              </a:rPr>
-              <a:t> </a:t>
-            </a:r>
-            <a:r>
-              <a:rPr lang="en-US" altLang="zh-CN" sz="1500" dirty="0">
-                <a:latin typeface="Segoe UI" panose="020B0502040204020203" pitchFamily="34" charset="0"/>
-                <a:cs typeface="Segoe UI" panose="020B0502040204020203" pitchFamily="34" charset="0"/>
-              </a:rPr>
-              <a:t>black</a:t>
-            </a:r>
-            <a:r>
-              <a:rPr lang="zh-CN" altLang="en-US" sz="1500" dirty="0">
-                <a:latin typeface="Segoe UI" panose="020B0502040204020203" pitchFamily="34" charset="0"/>
-                <a:cs typeface="Segoe UI" panose="020B0502040204020203" pitchFamily="34" charset="0"/>
-              </a:rPr>
-              <a:t> </a:t>
-            </a:r>
-            <a:r>
-              <a:rPr lang="en-US" altLang="zh-CN" sz="1500" dirty="0">
-                <a:latin typeface="Segoe UI" panose="020B0502040204020203" pitchFamily="34" charset="0"/>
-                <a:cs typeface="Segoe UI" panose="020B0502040204020203" pitchFamily="34" charset="0"/>
-              </a:rPr>
-              <a:t>holes.</a:t>
-            </a:r>
-            <a:r>
-              <a:rPr lang="zh-CN" altLang="en-US" sz="1500" dirty="0">
-                <a:latin typeface="Segoe UI" panose="020B0502040204020203" pitchFamily="34" charset="0"/>
-                <a:cs typeface="Segoe UI" panose="020B0502040204020203" pitchFamily="34" charset="0"/>
-              </a:rPr>
-              <a:t> </a:t>
-            </a:r>
-            <a:r>
-              <a:rPr lang="en-US" altLang="zh-CN" sz="1500" dirty="0">
-                <a:latin typeface="Segoe UI" panose="020B0502040204020203" pitchFamily="34" charset="0"/>
-                <a:cs typeface="Segoe UI" panose="020B0502040204020203" pitchFamily="34" charset="0"/>
-              </a:rPr>
-              <a:t>Studying</a:t>
-            </a:r>
-            <a:r>
-              <a:rPr lang="zh-CN" altLang="en-US" sz="1500" dirty="0">
-                <a:latin typeface="Segoe UI" panose="020B0502040204020203" pitchFamily="34" charset="0"/>
-                <a:cs typeface="Segoe UI" panose="020B0502040204020203" pitchFamily="34" charset="0"/>
-              </a:rPr>
-              <a:t> </a:t>
-            </a:r>
-            <a:r>
-              <a:rPr lang="en-US" altLang="zh-CN" sz="1500" dirty="0">
-                <a:latin typeface="Segoe UI" panose="020B0502040204020203" pitchFamily="34" charset="0"/>
-                <a:cs typeface="Segoe UI" panose="020B0502040204020203" pitchFamily="34" charset="0"/>
-              </a:rPr>
-              <a:t>quasars</a:t>
-            </a:r>
-            <a:r>
-              <a:rPr lang="zh-CN" altLang="en-US" sz="1500" dirty="0">
-                <a:latin typeface="Segoe UI" panose="020B0502040204020203" pitchFamily="34" charset="0"/>
-                <a:cs typeface="Segoe UI" panose="020B0502040204020203" pitchFamily="34" charset="0"/>
-              </a:rPr>
-              <a:t> </a:t>
-            </a:r>
-            <a:r>
-              <a:rPr lang="en-US" altLang="zh-CN" sz="1500" dirty="0">
-                <a:latin typeface="Segoe UI" panose="020B0502040204020203" pitchFamily="34" charset="0"/>
-                <a:cs typeface="Segoe UI" panose="020B0502040204020203" pitchFamily="34" charset="0"/>
-              </a:rPr>
-              <a:t>is</a:t>
-            </a:r>
-            <a:r>
-              <a:rPr lang="zh-CN" altLang="en-US" sz="1500" dirty="0">
-                <a:latin typeface="Segoe UI" panose="020B0502040204020203" pitchFamily="34" charset="0"/>
-                <a:cs typeface="Segoe UI" panose="020B0502040204020203" pitchFamily="34" charset="0"/>
-              </a:rPr>
-              <a:t> </a:t>
-            </a:r>
-            <a:r>
-              <a:rPr lang="en-US" altLang="zh-CN" sz="1500" dirty="0">
-                <a:latin typeface="Segoe UI" panose="020B0502040204020203" pitchFamily="34" charset="0"/>
-                <a:cs typeface="Segoe UI" panose="020B0502040204020203" pitchFamily="34" charset="0"/>
-              </a:rPr>
-              <a:t>crucial</a:t>
-            </a:r>
-            <a:r>
-              <a:rPr lang="zh-CN" altLang="en-US" sz="1500" dirty="0">
-                <a:latin typeface="Segoe UI" panose="020B0502040204020203" pitchFamily="34" charset="0"/>
-                <a:cs typeface="Segoe UI" panose="020B0502040204020203" pitchFamily="34" charset="0"/>
-              </a:rPr>
-              <a:t> </a:t>
-            </a:r>
-            <a:r>
-              <a:rPr lang="en-US" altLang="zh-CN" sz="1500" dirty="0">
-                <a:latin typeface="Segoe UI" panose="020B0502040204020203" pitchFamily="34" charset="0"/>
-                <a:cs typeface="Segoe UI" panose="020B0502040204020203" pitchFamily="34" charset="0"/>
-              </a:rPr>
-              <a:t>for</a:t>
-            </a:r>
-            <a:r>
-              <a:rPr lang="zh-CN" altLang="en-US" sz="1500" dirty="0">
-                <a:latin typeface="Segoe UI" panose="020B0502040204020203" pitchFamily="34" charset="0"/>
-                <a:cs typeface="Segoe UI" panose="020B0502040204020203" pitchFamily="34" charset="0"/>
-              </a:rPr>
-              <a:t> </a:t>
-            </a:r>
-            <a:r>
-              <a:rPr lang="en-US" altLang="zh-CN" sz="1500" dirty="0">
-                <a:latin typeface="Segoe UI" panose="020B0502040204020203" pitchFamily="34" charset="0"/>
-                <a:cs typeface="Segoe UI" panose="020B0502040204020203" pitchFamily="34" charset="0"/>
-              </a:rPr>
-              <a:t>understanding</a:t>
-            </a:r>
-            <a:r>
-              <a:rPr lang="zh-CN" altLang="en-US" sz="1500" dirty="0">
-                <a:latin typeface="Segoe UI" panose="020B0502040204020203" pitchFamily="34" charset="0"/>
-                <a:cs typeface="Segoe UI" panose="020B0502040204020203" pitchFamily="34" charset="0"/>
-              </a:rPr>
-              <a:t> </a:t>
-            </a:r>
-            <a:r>
-              <a:rPr lang="en-US" altLang="zh-CN" sz="1500" dirty="0">
-                <a:latin typeface="Segoe UI" panose="020B0502040204020203" pitchFamily="34" charset="0"/>
-                <a:cs typeface="Segoe UI" panose="020B0502040204020203" pitchFamily="34" charset="0"/>
-              </a:rPr>
-              <a:t>the</a:t>
-            </a:r>
-            <a:r>
-              <a:rPr lang="zh-CN" altLang="en-US" sz="1500" dirty="0">
-                <a:latin typeface="Segoe UI" panose="020B0502040204020203" pitchFamily="34" charset="0"/>
-                <a:cs typeface="Segoe UI" panose="020B0502040204020203" pitchFamily="34" charset="0"/>
-              </a:rPr>
-              <a:t> </a:t>
-            </a:r>
-            <a:r>
-              <a:rPr lang="en-US" altLang="zh-CN" sz="1500" dirty="0">
-                <a:latin typeface="Segoe UI" panose="020B0502040204020203" pitchFamily="34" charset="0"/>
-                <a:cs typeface="Segoe UI" panose="020B0502040204020203" pitchFamily="34" charset="0"/>
-              </a:rPr>
-              <a:t>makeup</a:t>
-            </a:r>
-            <a:r>
-              <a:rPr lang="zh-CN" altLang="en-US" sz="1500" dirty="0">
-                <a:latin typeface="Segoe UI" panose="020B0502040204020203" pitchFamily="34" charset="0"/>
-                <a:cs typeface="Segoe UI" panose="020B0502040204020203" pitchFamily="34" charset="0"/>
-              </a:rPr>
-              <a:t> </a:t>
-            </a:r>
-            <a:r>
-              <a:rPr lang="en-US" altLang="zh-CN" sz="1500" dirty="0">
-                <a:latin typeface="Segoe UI" panose="020B0502040204020203" pitchFamily="34" charset="0"/>
-                <a:cs typeface="Segoe UI" panose="020B0502040204020203" pitchFamily="34" charset="0"/>
-              </a:rPr>
-              <a:t>of</a:t>
-            </a:r>
-            <a:r>
-              <a:rPr lang="zh-CN" altLang="en-US" sz="1500" dirty="0">
-                <a:latin typeface="Segoe UI" panose="020B0502040204020203" pitchFamily="34" charset="0"/>
-                <a:cs typeface="Segoe UI" panose="020B0502040204020203" pitchFamily="34" charset="0"/>
-              </a:rPr>
-              <a:t> </a:t>
-            </a:r>
-            <a:r>
-              <a:rPr lang="en-US" altLang="zh-CN" sz="1500" dirty="0">
-                <a:latin typeface="Segoe UI" panose="020B0502040204020203" pitchFamily="34" charset="0"/>
-                <a:cs typeface="Segoe UI" panose="020B0502040204020203" pitchFamily="34" charset="0"/>
-              </a:rPr>
-              <a:t>the</a:t>
-            </a:r>
-            <a:r>
-              <a:rPr lang="zh-CN" altLang="en-US" sz="1500" dirty="0">
-                <a:latin typeface="Segoe UI" panose="020B0502040204020203" pitchFamily="34" charset="0"/>
-                <a:cs typeface="Segoe UI" panose="020B0502040204020203" pitchFamily="34" charset="0"/>
-              </a:rPr>
-              <a:t> </a:t>
-            </a:r>
-            <a:r>
-              <a:rPr lang="en-US" altLang="zh-CN" sz="1500" dirty="0">
-                <a:latin typeface="Segoe UI" panose="020B0502040204020203" pitchFamily="34" charset="0"/>
-                <a:cs typeface="Segoe UI" panose="020B0502040204020203" pitchFamily="34" charset="0"/>
-              </a:rPr>
-              <a:t>universe.</a:t>
-            </a:r>
-            <a:r>
-              <a:rPr lang="zh-CN" altLang="en-US" sz="1500" dirty="0">
-                <a:latin typeface="Segoe UI" panose="020B0502040204020203" pitchFamily="34" charset="0"/>
-                <a:cs typeface="Segoe UI" panose="020B0502040204020203" pitchFamily="34" charset="0"/>
-              </a:rPr>
-              <a:t> </a:t>
-            </a:r>
-            <a:endParaRPr lang="en-US" altLang="zh-CN" sz="1500" dirty="0">
+              <a:t>Quasars are extremely luminous astronomical objects that are empowered by supermassive black holes. They are crucial for understanding the formation of stars and the evolution of the universe. </a:t>
+            </a:r>
+          </a:p>
+          <a:p>
+            <a:endParaRPr lang="en-US" sz="1500" dirty="0">
               <a:latin typeface="Segoe UI" panose="020B0502040204020203" pitchFamily="34" charset="0"/>
               <a:cs typeface="Segoe UI" panose="020B0502040204020203" pitchFamily="34" charset="0"/>
             </a:endParaRPr>
           </a:p>
           <a:p>
-            <a:endParaRPr lang="en-US" altLang="zh-CN" sz="1500" dirty="0">
+            <a:r>
+              <a:rPr lang="en-US" sz="1500" dirty="0">
+                <a:latin typeface="Segoe UI" panose="020B0502040204020203" pitchFamily="34" charset="0"/>
+                <a:cs typeface="Segoe UI" panose="020B0502040204020203" pitchFamily="34" charset="0"/>
+              </a:rPr>
+              <a:t>To identify quasars from other celestial objects, however, requires spectroscopic observations for each object out of thousands of individual sources, one at a time. Thus, the efficient selection of candidates to be observed is very important. </a:t>
+            </a:r>
+          </a:p>
+          <a:p>
+            <a:endParaRPr lang="en-US" sz="1500" dirty="0">
               <a:latin typeface="Segoe UI" panose="020B0502040204020203" pitchFamily="34" charset="0"/>
               <a:cs typeface="Segoe UI" panose="020B0502040204020203" pitchFamily="34" charset="0"/>
             </a:endParaRPr>
           </a:p>
           <a:p>
             <a:r>
-              <a:rPr lang="en-US" altLang="zh-CN" sz="1500" dirty="0">
+              <a:rPr lang="en-US" sz="1500" b="1" dirty="0">
                 <a:latin typeface="Segoe UI" panose="020B0502040204020203" pitchFamily="34" charset="0"/>
                 <a:cs typeface="Segoe UI" panose="020B0502040204020203" pitchFamily="34" charset="0"/>
               </a:rPr>
-              <a:t>To</a:t>
-            </a:r>
-            <a:r>
-              <a:rPr lang="zh-CN" altLang="en-US" sz="1500" dirty="0">
-                <a:latin typeface="Segoe UI" panose="020B0502040204020203" pitchFamily="34" charset="0"/>
-                <a:cs typeface="Segoe UI" panose="020B0502040204020203" pitchFamily="34" charset="0"/>
-              </a:rPr>
-              <a:t> </a:t>
-            </a:r>
-            <a:r>
-              <a:rPr lang="en-US" altLang="zh-CN" sz="1500" dirty="0">
-                <a:latin typeface="Segoe UI" panose="020B0502040204020203" pitchFamily="34" charset="0"/>
-                <a:cs typeface="Segoe UI" panose="020B0502040204020203" pitchFamily="34" charset="0"/>
-              </a:rPr>
-              <a:t>identify</a:t>
-            </a:r>
-            <a:r>
-              <a:rPr lang="zh-CN" altLang="en-US" sz="1500" dirty="0">
-                <a:latin typeface="Segoe UI" panose="020B0502040204020203" pitchFamily="34" charset="0"/>
-                <a:cs typeface="Segoe UI" panose="020B0502040204020203" pitchFamily="34" charset="0"/>
-              </a:rPr>
-              <a:t> </a:t>
-            </a:r>
-            <a:r>
-              <a:rPr lang="en-US" altLang="zh-CN" sz="1500" dirty="0">
-                <a:latin typeface="Segoe UI" panose="020B0502040204020203" pitchFamily="34" charset="0"/>
-                <a:cs typeface="Segoe UI" panose="020B0502040204020203" pitchFamily="34" charset="0"/>
-              </a:rPr>
-              <a:t>quasars</a:t>
-            </a:r>
-            <a:r>
-              <a:rPr lang="zh-CN" altLang="en-US" sz="1500" dirty="0">
-                <a:latin typeface="Segoe UI" panose="020B0502040204020203" pitchFamily="34" charset="0"/>
-                <a:cs typeface="Segoe UI" panose="020B0502040204020203" pitchFamily="34" charset="0"/>
-              </a:rPr>
-              <a:t> </a:t>
-            </a:r>
-            <a:r>
-              <a:rPr lang="en-US" altLang="zh-CN" sz="1500" dirty="0">
-                <a:latin typeface="Segoe UI" panose="020B0502040204020203" pitchFamily="34" charset="0"/>
-                <a:cs typeface="Segoe UI" panose="020B0502040204020203" pitchFamily="34" charset="0"/>
-              </a:rPr>
-              <a:t>from</a:t>
-            </a:r>
-            <a:r>
-              <a:rPr lang="zh-CN" altLang="en-US" sz="1500" dirty="0">
-                <a:latin typeface="Segoe UI" panose="020B0502040204020203" pitchFamily="34" charset="0"/>
-                <a:cs typeface="Segoe UI" panose="020B0502040204020203" pitchFamily="34" charset="0"/>
-              </a:rPr>
-              <a:t> </a:t>
-            </a:r>
-            <a:r>
-              <a:rPr lang="en-US" altLang="zh-CN" sz="1500" dirty="0">
-                <a:latin typeface="Segoe UI" panose="020B0502040204020203" pitchFamily="34" charset="0"/>
-                <a:cs typeface="Segoe UI" panose="020B0502040204020203" pitchFamily="34" charset="0"/>
-              </a:rPr>
-              <a:t>other</a:t>
-            </a:r>
-            <a:r>
-              <a:rPr lang="zh-CN" altLang="en-US" sz="1500" dirty="0">
-                <a:latin typeface="Segoe UI" panose="020B0502040204020203" pitchFamily="34" charset="0"/>
-                <a:cs typeface="Segoe UI" panose="020B0502040204020203" pitchFamily="34" charset="0"/>
-              </a:rPr>
-              <a:t> </a:t>
-            </a:r>
-            <a:r>
-              <a:rPr lang="en-US" altLang="zh-CN" sz="1500" dirty="0">
-                <a:latin typeface="Segoe UI" panose="020B0502040204020203" pitchFamily="34" charset="0"/>
-                <a:cs typeface="Segoe UI" panose="020B0502040204020203" pitchFamily="34" charset="0"/>
-              </a:rPr>
-              <a:t>celestial</a:t>
-            </a:r>
-            <a:r>
-              <a:rPr lang="zh-CN" altLang="en-US" sz="1500" dirty="0">
-                <a:latin typeface="Segoe UI" panose="020B0502040204020203" pitchFamily="34" charset="0"/>
-                <a:cs typeface="Segoe UI" panose="020B0502040204020203" pitchFamily="34" charset="0"/>
-              </a:rPr>
-              <a:t> </a:t>
-            </a:r>
-            <a:r>
-              <a:rPr lang="en-US" altLang="zh-CN" sz="1500" dirty="0">
-                <a:latin typeface="Segoe UI" panose="020B0502040204020203" pitchFamily="34" charset="0"/>
-                <a:cs typeface="Segoe UI" panose="020B0502040204020203" pitchFamily="34" charset="0"/>
-              </a:rPr>
-              <a:t>objects,</a:t>
-            </a:r>
-            <a:r>
-              <a:rPr lang="zh-CN" altLang="en-US" sz="1500" dirty="0">
-                <a:latin typeface="Segoe UI" panose="020B0502040204020203" pitchFamily="34" charset="0"/>
-                <a:cs typeface="Segoe UI" panose="020B0502040204020203" pitchFamily="34" charset="0"/>
-              </a:rPr>
-              <a:t> </a:t>
-            </a:r>
-            <a:r>
-              <a:rPr lang="en-US" altLang="zh-CN" sz="1500" dirty="0">
-                <a:latin typeface="Segoe UI" panose="020B0502040204020203" pitchFamily="34" charset="0"/>
-                <a:cs typeface="Segoe UI" panose="020B0502040204020203" pitchFamily="34" charset="0"/>
-              </a:rPr>
-              <a:t>however,</a:t>
-            </a:r>
-            <a:r>
-              <a:rPr lang="zh-CN" altLang="en-US" sz="1500" dirty="0">
-                <a:latin typeface="Segoe UI" panose="020B0502040204020203" pitchFamily="34" charset="0"/>
-                <a:cs typeface="Segoe UI" panose="020B0502040204020203" pitchFamily="34" charset="0"/>
-              </a:rPr>
-              <a:t> </a:t>
-            </a:r>
-            <a:r>
-              <a:rPr lang="en-US" altLang="zh-CN" sz="1500" dirty="0">
-                <a:latin typeface="Segoe UI" panose="020B0502040204020203" pitchFamily="34" charset="0"/>
-                <a:cs typeface="Segoe UI" panose="020B0502040204020203" pitchFamily="34" charset="0"/>
-              </a:rPr>
-              <a:t>requires</a:t>
-            </a:r>
-            <a:r>
-              <a:rPr lang="zh-CN" altLang="en-US" sz="1500" dirty="0">
-                <a:latin typeface="Segoe UI" panose="020B0502040204020203" pitchFamily="34" charset="0"/>
-                <a:cs typeface="Segoe UI" panose="020B0502040204020203" pitchFamily="34" charset="0"/>
-              </a:rPr>
-              <a:t> </a:t>
-            </a:r>
-            <a:r>
-              <a:rPr lang="en-US" altLang="zh-CN" sz="1500" dirty="0">
-                <a:latin typeface="Segoe UI" panose="020B0502040204020203" pitchFamily="34" charset="0"/>
-                <a:cs typeface="Segoe UI" panose="020B0502040204020203" pitchFamily="34" charset="0"/>
-              </a:rPr>
-              <a:t>spectroscopic</a:t>
-            </a:r>
-            <a:r>
-              <a:rPr lang="zh-CN" altLang="en-US" sz="1500" dirty="0">
-                <a:latin typeface="Segoe UI" panose="020B0502040204020203" pitchFamily="34" charset="0"/>
-                <a:cs typeface="Segoe UI" panose="020B0502040204020203" pitchFamily="34" charset="0"/>
-              </a:rPr>
-              <a:t> </a:t>
-            </a:r>
-            <a:r>
-              <a:rPr lang="en-US" altLang="zh-CN" sz="1500" dirty="0">
-                <a:latin typeface="Segoe UI" panose="020B0502040204020203" pitchFamily="34" charset="0"/>
-                <a:cs typeface="Segoe UI" panose="020B0502040204020203" pitchFamily="34" charset="0"/>
-              </a:rPr>
-              <a:t>observations</a:t>
-            </a:r>
-            <a:r>
-              <a:rPr lang="zh-CN" altLang="en-US" sz="1500" dirty="0">
-                <a:latin typeface="Segoe UI" panose="020B0502040204020203" pitchFamily="34" charset="0"/>
-                <a:cs typeface="Segoe UI" panose="020B0502040204020203" pitchFamily="34" charset="0"/>
-              </a:rPr>
-              <a:t> </a:t>
-            </a:r>
-            <a:r>
-              <a:rPr lang="en-US" altLang="zh-CN" sz="1500" dirty="0">
-                <a:latin typeface="Segoe UI" panose="020B0502040204020203" pitchFamily="34" charset="0"/>
-                <a:cs typeface="Segoe UI" panose="020B0502040204020203" pitchFamily="34" charset="0"/>
-              </a:rPr>
-              <a:t>for</a:t>
-            </a:r>
-            <a:r>
-              <a:rPr lang="zh-CN" altLang="en-US" sz="1500" dirty="0">
-                <a:latin typeface="Segoe UI" panose="020B0502040204020203" pitchFamily="34" charset="0"/>
-                <a:cs typeface="Segoe UI" panose="020B0502040204020203" pitchFamily="34" charset="0"/>
-              </a:rPr>
-              <a:t> </a:t>
-            </a:r>
-            <a:r>
-              <a:rPr lang="en-US" altLang="zh-CN" sz="1500" dirty="0">
-                <a:latin typeface="Segoe UI" panose="020B0502040204020203" pitchFamily="34" charset="0"/>
-                <a:cs typeface="Segoe UI" panose="020B0502040204020203" pitchFamily="34" charset="0"/>
-              </a:rPr>
-              <a:t>each</a:t>
-            </a:r>
-            <a:r>
-              <a:rPr lang="zh-CN" altLang="en-US" sz="1500" dirty="0">
-                <a:latin typeface="Segoe UI" panose="020B0502040204020203" pitchFamily="34" charset="0"/>
-                <a:cs typeface="Segoe UI" panose="020B0502040204020203" pitchFamily="34" charset="0"/>
-              </a:rPr>
-              <a:t> </a:t>
-            </a:r>
-            <a:r>
-              <a:rPr lang="en-US" altLang="zh-CN" sz="1500" dirty="0">
-                <a:latin typeface="Segoe UI" panose="020B0502040204020203" pitchFamily="34" charset="0"/>
-                <a:cs typeface="Segoe UI" panose="020B0502040204020203" pitchFamily="34" charset="0"/>
-              </a:rPr>
-              <a:t>objects</a:t>
-            </a:r>
-            <a:r>
-              <a:rPr lang="zh-CN" altLang="en-US" sz="1500" dirty="0">
-                <a:latin typeface="Segoe UI" panose="020B0502040204020203" pitchFamily="34" charset="0"/>
-                <a:cs typeface="Segoe UI" panose="020B0502040204020203" pitchFamily="34" charset="0"/>
-              </a:rPr>
-              <a:t> </a:t>
-            </a:r>
-            <a:r>
-              <a:rPr lang="en-US" altLang="zh-CN" sz="1500" dirty="0">
-                <a:latin typeface="Segoe UI" panose="020B0502040204020203" pitchFamily="34" charset="0"/>
-                <a:cs typeface="Segoe UI" panose="020B0502040204020203" pitchFamily="34" charset="0"/>
-              </a:rPr>
-              <a:t>out</a:t>
-            </a:r>
-            <a:r>
-              <a:rPr lang="zh-CN" altLang="en-US" sz="1500" dirty="0">
-                <a:latin typeface="Segoe UI" panose="020B0502040204020203" pitchFamily="34" charset="0"/>
-                <a:cs typeface="Segoe UI" panose="020B0502040204020203" pitchFamily="34" charset="0"/>
-              </a:rPr>
-              <a:t> </a:t>
-            </a:r>
-            <a:r>
-              <a:rPr lang="en-US" altLang="zh-CN" sz="1500" dirty="0">
-                <a:latin typeface="Segoe UI" panose="020B0502040204020203" pitchFamily="34" charset="0"/>
-                <a:cs typeface="Segoe UI" panose="020B0502040204020203" pitchFamily="34" charset="0"/>
-              </a:rPr>
-              <a:t>of</a:t>
-            </a:r>
-            <a:r>
-              <a:rPr lang="zh-CN" altLang="en-US" sz="1500" dirty="0">
-                <a:latin typeface="Segoe UI" panose="020B0502040204020203" pitchFamily="34" charset="0"/>
-                <a:cs typeface="Segoe UI" panose="020B0502040204020203" pitchFamily="34" charset="0"/>
-              </a:rPr>
-              <a:t> </a:t>
-            </a:r>
-            <a:r>
-              <a:rPr lang="en-US" altLang="zh-CN" sz="1500" dirty="0">
-                <a:latin typeface="Segoe UI" panose="020B0502040204020203" pitchFamily="34" charset="0"/>
-                <a:cs typeface="Segoe UI" panose="020B0502040204020203" pitchFamily="34" charset="0"/>
-              </a:rPr>
-              <a:t>thousands</a:t>
-            </a:r>
-            <a:r>
-              <a:rPr lang="zh-CN" altLang="en-US" sz="1500" dirty="0">
-                <a:latin typeface="Segoe UI" panose="020B0502040204020203" pitchFamily="34" charset="0"/>
-                <a:cs typeface="Segoe UI" panose="020B0502040204020203" pitchFamily="34" charset="0"/>
-              </a:rPr>
-              <a:t> </a:t>
-            </a:r>
-            <a:r>
-              <a:rPr lang="en-US" altLang="zh-CN" sz="1500" dirty="0">
-                <a:latin typeface="Segoe UI" panose="020B0502040204020203" pitchFamily="34" charset="0"/>
-                <a:cs typeface="Segoe UI" panose="020B0502040204020203" pitchFamily="34" charset="0"/>
-              </a:rPr>
-              <a:t>of</a:t>
-            </a:r>
-            <a:r>
-              <a:rPr lang="zh-CN" altLang="en-US" sz="1500" dirty="0">
-                <a:latin typeface="Segoe UI" panose="020B0502040204020203" pitchFamily="34" charset="0"/>
-                <a:cs typeface="Segoe UI" panose="020B0502040204020203" pitchFamily="34" charset="0"/>
-              </a:rPr>
-              <a:t> </a:t>
-            </a:r>
-            <a:r>
-              <a:rPr lang="en-US" altLang="zh-CN" sz="1500" dirty="0">
-                <a:latin typeface="Segoe UI" panose="020B0502040204020203" pitchFamily="34" charset="0"/>
-                <a:cs typeface="Segoe UI" panose="020B0502040204020203" pitchFamily="34" charset="0"/>
-              </a:rPr>
-              <a:t>individual</a:t>
-            </a:r>
-            <a:r>
-              <a:rPr lang="zh-CN" altLang="en-US" sz="1500" dirty="0">
-                <a:latin typeface="Segoe UI" panose="020B0502040204020203" pitchFamily="34" charset="0"/>
-                <a:cs typeface="Segoe UI" panose="020B0502040204020203" pitchFamily="34" charset="0"/>
-              </a:rPr>
-              <a:t> </a:t>
-            </a:r>
-            <a:r>
-              <a:rPr lang="en-US" altLang="zh-CN" sz="1500" dirty="0">
-                <a:latin typeface="Segoe UI" panose="020B0502040204020203" pitchFamily="34" charset="0"/>
-                <a:cs typeface="Segoe UI" panose="020B0502040204020203" pitchFamily="34" charset="0"/>
-              </a:rPr>
-              <a:t>sources,</a:t>
-            </a:r>
-            <a:r>
-              <a:rPr lang="zh-CN" altLang="en-US" sz="1500" dirty="0">
-                <a:latin typeface="Segoe UI" panose="020B0502040204020203" pitchFamily="34" charset="0"/>
-                <a:cs typeface="Segoe UI" panose="020B0502040204020203" pitchFamily="34" charset="0"/>
-              </a:rPr>
-              <a:t> </a:t>
-            </a:r>
-            <a:r>
-              <a:rPr lang="en-US" altLang="zh-CN" sz="1500" dirty="0">
-                <a:latin typeface="Segoe UI" panose="020B0502040204020203" pitchFamily="34" charset="0"/>
-                <a:cs typeface="Segoe UI" panose="020B0502040204020203" pitchFamily="34" charset="0"/>
-              </a:rPr>
-              <a:t>one</a:t>
-            </a:r>
-            <a:r>
-              <a:rPr lang="zh-CN" altLang="en-US" sz="1500" dirty="0">
-                <a:latin typeface="Segoe UI" panose="020B0502040204020203" pitchFamily="34" charset="0"/>
-                <a:cs typeface="Segoe UI" panose="020B0502040204020203" pitchFamily="34" charset="0"/>
-              </a:rPr>
-              <a:t> </a:t>
-            </a:r>
-            <a:r>
-              <a:rPr lang="en-US" altLang="zh-CN" sz="1500" dirty="0">
-                <a:latin typeface="Segoe UI" panose="020B0502040204020203" pitchFamily="34" charset="0"/>
-                <a:cs typeface="Segoe UI" panose="020B0502040204020203" pitchFamily="34" charset="0"/>
-              </a:rPr>
-              <a:t>at</a:t>
-            </a:r>
-            <a:r>
-              <a:rPr lang="zh-CN" altLang="en-US" sz="1500" dirty="0">
-                <a:latin typeface="Segoe UI" panose="020B0502040204020203" pitchFamily="34" charset="0"/>
-                <a:cs typeface="Segoe UI" panose="020B0502040204020203" pitchFamily="34" charset="0"/>
-              </a:rPr>
-              <a:t> </a:t>
-            </a:r>
-            <a:r>
-              <a:rPr lang="en-US" altLang="zh-CN" sz="1500" dirty="0">
-                <a:latin typeface="Segoe UI" panose="020B0502040204020203" pitchFamily="34" charset="0"/>
-                <a:cs typeface="Segoe UI" panose="020B0502040204020203" pitchFamily="34" charset="0"/>
-              </a:rPr>
-              <a:t>a</a:t>
-            </a:r>
-            <a:r>
-              <a:rPr lang="zh-CN" altLang="en-US" sz="1500" dirty="0">
-                <a:latin typeface="Segoe UI" panose="020B0502040204020203" pitchFamily="34" charset="0"/>
-                <a:cs typeface="Segoe UI" panose="020B0502040204020203" pitchFamily="34" charset="0"/>
-              </a:rPr>
-              <a:t> </a:t>
-            </a:r>
-            <a:r>
-              <a:rPr lang="en-US" altLang="zh-CN" sz="1500" dirty="0">
-                <a:latin typeface="Segoe UI" panose="020B0502040204020203" pitchFamily="34" charset="0"/>
-                <a:cs typeface="Segoe UI" panose="020B0502040204020203" pitchFamily="34" charset="0"/>
-              </a:rPr>
-              <a:t>time.</a:t>
-            </a:r>
-            <a:r>
-              <a:rPr lang="zh-CN" altLang="en-US" sz="1500" dirty="0">
-                <a:latin typeface="Segoe UI" panose="020B0502040204020203" pitchFamily="34" charset="0"/>
-                <a:cs typeface="Segoe UI" panose="020B0502040204020203" pitchFamily="34" charset="0"/>
-              </a:rPr>
-              <a:t> </a:t>
-            </a:r>
-            <a:r>
-              <a:rPr lang="en-US" altLang="zh-CN" sz="1500" dirty="0">
-                <a:latin typeface="Segoe UI" panose="020B0502040204020203" pitchFamily="34" charset="0"/>
-                <a:cs typeface="Segoe UI" panose="020B0502040204020203" pitchFamily="34" charset="0"/>
-              </a:rPr>
-              <a:t>Thus,</a:t>
-            </a:r>
-            <a:r>
-              <a:rPr lang="zh-CN" altLang="en-US" sz="1500" dirty="0">
-                <a:latin typeface="Segoe UI" panose="020B0502040204020203" pitchFamily="34" charset="0"/>
-                <a:cs typeface="Segoe UI" panose="020B0502040204020203" pitchFamily="34" charset="0"/>
-              </a:rPr>
-              <a:t> </a:t>
-            </a:r>
-            <a:r>
-              <a:rPr lang="en-US" altLang="zh-CN" sz="1500" dirty="0">
-                <a:latin typeface="Segoe UI" panose="020B0502040204020203" pitchFamily="34" charset="0"/>
-                <a:cs typeface="Segoe UI" panose="020B0502040204020203" pitchFamily="34" charset="0"/>
-              </a:rPr>
-              <a:t>the</a:t>
-            </a:r>
-            <a:r>
-              <a:rPr lang="zh-CN" altLang="en-US" sz="1500" dirty="0">
-                <a:latin typeface="Segoe UI" panose="020B0502040204020203" pitchFamily="34" charset="0"/>
-                <a:cs typeface="Segoe UI" panose="020B0502040204020203" pitchFamily="34" charset="0"/>
-              </a:rPr>
-              <a:t> </a:t>
-            </a:r>
-            <a:r>
-              <a:rPr lang="en-US" altLang="zh-CN" sz="1500" dirty="0">
-                <a:latin typeface="Segoe UI" panose="020B0502040204020203" pitchFamily="34" charset="0"/>
-                <a:cs typeface="Segoe UI" panose="020B0502040204020203" pitchFamily="34" charset="0"/>
-              </a:rPr>
-              <a:t>efficient</a:t>
-            </a:r>
-            <a:r>
-              <a:rPr lang="zh-CN" altLang="en-US" sz="1500" dirty="0">
-                <a:latin typeface="Segoe UI" panose="020B0502040204020203" pitchFamily="34" charset="0"/>
-                <a:cs typeface="Segoe UI" panose="020B0502040204020203" pitchFamily="34" charset="0"/>
-              </a:rPr>
-              <a:t> </a:t>
-            </a:r>
-            <a:r>
-              <a:rPr lang="en-US" altLang="zh-CN" sz="1500" dirty="0">
-                <a:latin typeface="Segoe UI" panose="020B0502040204020203" pitchFamily="34" charset="0"/>
-                <a:cs typeface="Segoe UI" panose="020B0502040204020203" pitchFamily="34" charset="0"/>
-              </a:rPr>
-              <a:t>selection</a:t>
-            </a:r>
-            <a:r>
-              <a:rPr lang="zh-CN" altLang="en-US" sz="1500" dirty="0">
-                <a:latin typeface="Segoe UI" panose="020B0502040204020203" pitchFamily="34" charset="0"/>
-                <a:cs typeface="Segoe UI" panose="020B0502040204020203" pitchFamily="34" charset="0"/>
-              </a:rPr>
-              <a:t> </a:t>
-            </a:r>
-            <a:r>
-              <a:rPr lang="en-US" altLang="zh-CN" sz="1500" dirty="0">
-                <a:latin typeface="Segoe UI" panose="020B0502040204020203" pitchFamily="34" charset="0"/>
-                <a:cs typeface="Segoe UI" panose="020B0502040204020203" pitchFamily="34" charset="0"/>
-              </a:rPr>
-              <a:t>of</a:t>
-            </a:r>
-            <a:r>
-              <a:rPr lang="zh-CN" altLang="en-US" sz="1500" dirty="0">
-                <a:latin typeface="Segoe UI" panose="020B0502040204020203" pitchFamily="34" charset="0"/>
-                <a:cs typeface="Segoe UI" panose="020B0502040204020203" pitchFamily="34" charset="0"/>
-              </a:rPr>
-              <a:t> </a:t>
-            </a:r>
-            <a:r>
-              <a:rPr lang="en-US" altLang="zh-CN" sz="1500" dirty="0">
-                <a:latin typeface="Segoe UI" panose="020B0502040204020203" pitchFamily="34" charset="0"/>
-                <a:cs typeface="Segoe UI" panose="020B0502040204020203" pitchFamily="34" charset="0"/>
-              </a:rPr>
-              <a:t>candidates</a:t>
-            </a:r>
-            <a:r>
-              <a:rPr lang="zh-CN" altLang="en-US" sz="1500" dirty="0">
-                <a:latin typeface="Segoe UI" panose="020B0502040204020203" pitchFamily="34" charset="0"/>
-                <a:cs typeface="Segoe UI" panose="020B0502040204020203" pitchFamily="34" charset="0"/>
-              </a:rPr>
-              <a:t> </a:t>
-            </a:r>
-            <a:r>
-              <a:rPr lang="en-US" altLang="zh-CN" sz="1500" dirty="0">
-                <a:latin typeface="Segoe UI" panose="020B0502040204020203" pitchFamily="34" charset="0"/>
-                <a:cs typeface="Segoe UI" panose="020B0502040204020203" pitchFamily="34" charset="0"/>
-              </a:rPr>
-              <a:t>to</a:t>
-            </a:r>
-            <a:r>
-              <a:rPr lang="zh-CN" altLang="en-US" sz="1500" dirty="0">
-                <a:latin typeface="Segoe UI" panose="020B0502040204020203" pitchFamily="34" charset="0"/>
-                <a:cs typeface="Segoe UI" panose="020B0502040204020203" pitchFamily="34" charset="0"/>
-              </a:rPr>
-              <a:t> </a:t>
-            </a:r>
-            <a:r>
-              <a:rPr lang="en-US" altLang="zh-CN" sz="1500" dirty="0">
-                <a:latin typeface="Segoe UI" panose="020B0502040204020203" pitchFamily="34" charset="0"/>
-                <a:cs typeface="Segoe UI" panose="020B0502040204020203" pitchFamily="34" charset="0"/>
-              </a:rPr>
-              <a:t>be</a:t>
-            </a:r>
-            <a:r>
-              <a:rPr lang="zh-CN" altLang="en-US" sz="1500" dirty="0">
-                <a:latin typeface="Segoe UI" panose="020B0502040204020203" pitchFamily="34" charset="0"/>
-                <a:cs typeface="Segoe UI" panose="020B0502040204020203" pitchFamily="34" charset="0"/>
-              </a:rPr>
-              <a:t> </a:t>
-            </a:r>
-            <a:r>
-              <a:rPr lang="en-US" altLang="zh-CN" sz="1500" dirty="0">
-                <a:latin typeface="Segoe UI" panose="020B0502040204020203" pitchFamily="34" charset="0"/>
-                <a:cs typeface="Segoe UI" panose="020B0502040204020203" pitchFamily="34" charset="0"/>
-              </a:rPr>
-              <a:t>observed</a:t>
-            </a:r>
-            <a:r>
-              <a:rPr lang="zh-CN" altLang="en-US" sz="1500" dirty="0">
-                <a:latin typeface="Segoe UI" panose="020B0502040204020203" pitchFamily="34" charset="0"/>
-                <a:cs typeface="Segoe UI" panose="020B0502040204020203" pitchFamily="34" charset="0"/>
-              </a:rPr>
-              <a:t> </a:t>
-            </a:r>
-            <a:r>
-              <a:rPr lang="en-US" altLang="zh-CN" sz="1500" dirty="0">
-                <a:latin typeface="Segoe UI" panose="020B0502040204020203" pitchFamily="34" charset="0"/>
-                <a:cs typeface="Segoe UI" panose="020B0502040204020203" pitchFamily="34" charset="0"/>
-              </a:rPr>
-              <a:t>is</a:t>
-            </a:r>
-            <a:r>
-              <a:rPr lang="zh-CN" altLang="en-US" sz="1500" dirty="0">
-                <a:latin typeface="Segoe UI" panose="020B0502040204020203" pitchFamily="34" charset="0"/>
-                <a:cs typeface="Segoe UI" panose="020B0502040204020203" pitchFamily="34" charset="0"/>
-              </a:rPr>
-              <a:t> </a:t>
-            </a:r>
-            <a:r>
-              <a:rPr lang="en-US" altLang="zh-CN" sz="1500" dirty="0">
-                <a:latin typeface="Segoe UI" panose="020B0502040204020203" pitchFamily="34" charset="0"/>
-                <a:cs typeface="Segoe UI" panose="020B0502040204020203" pitchFamily="34" charset="0"/>
-              </a:rPr>
-              <a:t>very</a:t>
-            </a:r>
-            <a:r>
-              <a:rPr lang="zh-CN" altLang="en-US" sz="1500" dirty="0">
-                <a:latin typeface="Segoe UI" panose="020B0502040204020203" pitchFamily="34" charset="0"/>
-                <a:cs typeface="Segoe UI" panose="020B0502040204020203" pitchFamily="34" charset="0"/>
-              </a:rPr>
-              <a:t> </a:t>
-            </a:r>
-            <a:r>
-              <a:rPr lang="en-US" altLang="zh-CN" sz="1500" dirty="0">
-                <a:latin typeface="Segoe UI" panose="020B0502040204020203" pitchFamily="34" charset="0"/>
-                <a:cs typeface="Segoe UI" panose="020B0502040204020203" pitchFamily="34" charset="0"/>
-              </a:rPr>
-              <a:t>important.</a:t>
-            </a:r>
-            <a:r>
-              <a:rPr lang="zh-CN" altLang="en-US" sz="1500" dirty="0">
-                <a:latin typeface="Segoe UI" panose="020B0502040204020203" pitchFamily="34" charset="0"/>
-                <a:cs typeface="Segoe UI" panose="020B0502040204020203" pitchFamily="34" charset="0"/>
-              </a:rPr>
-              <a:t> </a:t>
-            </a:r>
-            <a:endParaRPr lang="en-US" altLang="zh-CN" sz="1500" dirty="0">
-              <a:latin typeface="Segoe UI" panose="020B0502040204020203" pitchFamily="34" charset="0"/>
-              <a:cs typeface="Segoe UI" panose="020B0502040204020203" pitchFamily="34" charset="0"/>
-            </a:endParaRPr>
-          </a:p>
-          <a:p>
-            <a:endParaRPr lang="en-US" altLang="zh-CN" sz="1500" dirty="0">
-              <a:latin typeface="Segoe UI" panose="020B0502040204020203" pitchFamily="34" charset="0"/>
-              <a:cs typeface="Segoe UI" panose="020B0502040204020203" pitchFamily="34" charset="0"/>
-            </a:endParaRPr>
-          </a:p>
-          <a:p>
-            <a:r>
-              <a:rPr lang="en-US" altLang="zh-CN" sz="1500" dirty="0">
-                <a:latin typeface="Segoe UI" panose="020B0502040204020203" pitchFamily="34" charset="0"/>
-                <a:cs typeface="Segoe UI" panose="020B0502040204020203" pitchFamily="34" charset="0"/>
-              </a:rPr>
-              <a:t>My</a:t>
-            </a:r>
-            <a:r>
-              <a:rPr lang="zh-CN" altLang="en-US" sz="1500" dirty="0">
-                <a:latin typeface="Segoe UI" panose="020B0502040204020203" pitchFamily="34" charset="0"/>
-                <a:cs typeface="Segoe UI" panose="020B0502040204020203" pitchFamily="34" charset="0"/>
-              </a:rPr>
-              <a:t> </a:t>
-            </a:r>
-            <a:r>
-              <a:rPr lang="en-US" altLang="zh-CN" sz="1500" dirty="0">
-                <a:latin typeface="Segoe UI" panose="020B0502040204020203" pitchFamily="34" charset="0"/>
-                <a:cs typeface="Segoe UI" panose="020B0502040204020203" pitchFamily="34" charset="0"/>
-              </a:rPr>
-              <a:t>projects</a:t>
-            </a:r>
-            <a:r>
-              <a:rPr lang="zh-CN" altLang="en-US" sz="1500" dirty="0">
-                <a:latin typeface="Segoe UI" panose="020B0502040204020203" pitchFamily="34" charset="0"/>
-                <a:cs typeface="Segoe UI" panose="020B0502040204020203" pitchFamily="34" charset="0"/>
-              </a:rPr>
-              <a:t> </a:t>
-            </a:r>
-            <a:r>
-              <a:rPr lang="en-US" altLang="zh-CN" sz="1500" dirty="0">
-                <a:latin typeface="Segoe UI" panose="020B0502040204020203" pitchFamily="34" charset="0"/>
-                <a:cs typeface="Segoe UI" panose="020B0502040204020203" pitchFamily="34" charset="0"/>
-              </a:rPr>
-              <a:t>focuses</a:t>
-            </a:r>
-            <a:r>
-              <a:rPr lang="zh-CN" altLang="en-US" sz="1500" dirty="0">
-                <a:latin typeface="Segoe UI" panose="020B0502040204020203" pitchFamily="34" charset="0"/>
-                <a:cs typeface="Segoe UI" panose="020B0502040204020203" pitchFamily="34" charset="0"/>
-              </a:rPr>
-              <a:t> </a:t>
-            </a:r>
-            <a:r>
-              <a:rPr lang="en-US" altLang="zh-CN" sz="1500" dirty="0">
-                <a:latin typeface="Segoe UI" panose="020B0502040204020203" pitchFamily="34" charset="0"/>
-                <a:cs typeface="Segoe UI" panose="020B0502040204020203" pitchFamily="34" charset="0"/>
-              </a:rPr>
-              <a:t>on</a:t>
-            </a:r>
-            <a:r>
-              <a:rPr lang="zh-CN" altLang="en-US" sz="1500" dirty="0">
-                <a:latin typeface="Segoe UI" panose="020B0502040204020203" pitchFamily="34" charset="0"/>
-                <a:cs typeface="Segoe UI" panose="020B0502040204020203" pitchFamily="34" charset="0"/>
-              </a:rPr>
-              <a:t> </a:t>
-            </a:r>
-            <a:r>
-              <a:rPr lang="en-US" altLang="zh-CN" sz="1500" dirty="0">
-                <a:latin typeface="Segoe UI" panose="020B0502040204020203" pitchFamily="34" charset="0"/>
-                <a:cs typeface="Segoe UI" panose="020B0502040204020203" pitchFamily="34" charset="0"/>
-              </a:rPr>
-              <a:t>using</a:t>
-            </a:r>
-            <a:r>
-              <a:rPr lang="zh-CN" altLang="en-US" sz="1500" dirty="0">
-                <a:latin typeface="Segoe UI" panose="020B0502040204020203" pitchFamily="34" charset="0"/>
-                <a:cs typeface="Segoe UI" panose="020B0502040204020203" pitchFamily="34" charset="0"/>
-              </a:rPr>
-              <a:t> </a:t>
-            </a:r>
-            <a:r>
-              <a:rPr lang="en-US" altLang="zh-CN" sz="1500" dirty="0">
-                <a:latin typeface="Segoe UI" panose="020B0502040204020203" pitchFamily="34" charset="0"/>
-                <a:cs typeface="Segoe UI" panose="020B0502040204020203" pitchFamily="34" charset="0"/>
-              </a:rPr>
-              <a:t>Random</a:t>
-            </a:r>
-            <a:r>
-              <a:rPr lang="zh-CN" altLang="en-US" sz="1500" dirty="0">
-                <a:latin typeface="Segoe UI" panose="020B0502040204020203" pitchFamily="34" charset="0"/>
-                <a:cs typeface="Segoe UI" panose="020B0502040204020203" pitchFamily="34" charset="0"/>
-              </a:rPr>
-              <a:t> </a:t>
-            </a:r>
-            <a:r>
-              <a:rPr lang="en-US" altLang="zh-CN" sz="1500" dirty="0">
-                <a:latin typeface="Segoe UI" panose="020B0502040204020203" pitchFamily="34" charset="0"/>
-                <a:cs typeface="Segoe UI" panose="020B0502040204020203" pitchFamily="34" charset="0"/>
-              </a:rPr>
-              <a:t>Forest</a:t>
-            </a:r>
-            <a:r>
-              <a:rPr lang="zh-CN" altLang="en-US" sz="1500" dirty="0">
-                <a:latin typeface="Segoe UI" panose="020B0502040204020203" pitchFamily="34" charset="0"/>
-                <a:cs typeface="Segoe UI" panose="020B0502040204020203" pitchFamily="34" charset="0"/>
-              </a:rPr>
-              <a:t> </a:t>
-            </a:r>
-            <a:r>
-              <a:rPr lang="en-US" altLang="zh-CN" sz="1500" dirty="0">
-                <a:latin typeface="Segoe UI" panose="020B0502040204020203" pitchFamily="34" charset="0"/>
-                <a:cs typeface="Segoe UI" panose="020B0502040204020203" pitchFamily="34" charset="0"/>
-              </a:rPr>
-              <a:t>Classifier</a:t>
-            </a:r>
-            <a:r>
-              <a:rPr lang="zh-CN" altLang="en-US" sz="1500" dirty="0">
-                <a:latin typeface="Segoe UI" panose="020B0502040204020203" pitchFamily="34" charset="0"/>
-                <a:cs typeface="Segoe UI" panose="020B0502040204020203" pitchFamily="34" charset="0"/>
-              </a:rPr>
-              <a:t> </a:t>
-            </a:r>
-            <a:r>
-              <a:rPr lang="en-US" altLang="zh-CN" sz="1500" dirty="0">
-                <a:latin typeface="Segoe UI" panose="020B0502040204020203" pitchFamily="34" charset="0"/>
-                <a:cs typeface="Segoe UI" panose="020B0502040204020203" pitchFamily="34" charset="0"/>
-              </a:rPr>
-              <a:t>machine</a:t>
-            </a:r>
-            <a:r>
-              <a:rPr lang="zh-CN" altLang="en-US" sz="1500" dirty="0">
-                <a:latin typeface="Segoe UI" panose="020B0502040204020203" pitchFamily="34" charset="0"/>
-                <a:cs typeface="Segoe UI" panose="020B0502040204020203" pitchFamily="34" charset="0"/>
-              </a:rPr>
-              <a:t> </a:t>
-            </a:r>
-            <a:r>
-              <a:rPr lang="en-US" altLang="zh-CN" sz="1500" dirty="0">
-                <a:latin typeface="Segoe UI" panose="020B0502040204020203" pitchFamily="34" charset="0"/>
-                <a:cs typeface="Segoe UI" panose="020B0502040204020203" pitchFamily="34" charset="0"/>
-              </a:rPr>
-              <a:t>learning</a:t>
-            </a:r>
-            <a:r>
-              <a:rPr lang="zh-CN" altLang="en-US" sz="1500" dirty="0">
-                <a:latin typeface="Segoe UI" panose="020B0502040204020203" pitchFamily="34" charset="0"/>
-                <a:cs typeface="Segoe UI" panose="020B0502040204020203" pitchFamily="34" charset="0"/>
-              </a:rPr>
-              <a:t> </a:t>
-            </a:r>
-            <a:r>
-              <a:rPr lang="en-US" altLang="zh-CN" sz="1500" dirty="0">
-                <a:latin typeface="Segoe UI" panose="020B0502040204020203" pitchFamily="34" charset="0"/>
-                <a:cs typeface="Segoe UI" panose="020B0502040204020203" pitchFamily="34" charset="0"/>
-              </a:rPr>
-              <a:t>model</a:t>
-            </a:r>
-            <a:r>
-              <a:rPr lang="zh-CN" altLang="en-US" sz="1500" dirty="0">
-                <a:latin typeface="Segoe UI" panose="020B0502040204020203" pitchFamily="34" charset="0"/>
-                <a:cs typeface="Segoe UI" panose="020B0502040204020203" pitchFamily="34" charset="0"/>
-              </a:rPr>
-              <a:t> </a:t>
-            </a:r>
-            <a:r>
-              <a:rPr lang="en-US" altLang="zh-CN" sz="1500" dirty="0">
-                <a:latin typeface="Segoe UI" panose="020B0502040204020203" pitchFamily="34" charset="0"/>
-                <a:cs typeface="Segoe UI" panose="020B0502040204020203" pitchFamily="34" charset="0"/>
-              </a:rPr>
-              <a:t>to</a:t>
-            </a:r>
-            <a:r>
-              <a:rPr lang="zh-CN" altLang="en-US" sz="1500" dirty="0">
-                <a:latin typeface="Segoe UI" panose="020B0502040204020203" pitchFamily="34" charset="0"/>
-                <a:cs typeface="Segoe UI" panose="020B0502040204020203" pitchFamily="34" charset="0"/>
-              </a:rPr>
-              <a:t> </a:t>
-            </a:r>
-            <a:r>
-              <a:rPr lang="en-US" altLang="zh-CN" sz="1500" dirty="0">
-                <a:latin typeface="Segoe UI" panose="020B0502040204020203" pitchFamily="34" charset="0"/>
-                <a:cs typeface="Segoe UI" panose="020B0502040204020203" pitchFamily="34" charset="0"/>
-              </a:rPr>
-              <a:t>identify</a:t>
-            </a:r>
-            <a:r>
-              <a:rPr lang="zh-CN" altLang="en-US" sz="1500" dirty="0">
-                <a:latin typeface="Segoe UI" panose="020B0502040204020203" pitchFamily="34" charset="0"/>
-                <a:cs typeface="Segoe UI" panose="020B0502040204020203" pitchFamily="34" charset="0"/>
-              </a:rPr>
-              <a:t> </a:t>
-            </a:r>
-            <a:r>
-              <a:rPr lang="en-US" altLang="zh-CN" sz="1500" dirty="0">
-                <a:latin typeface="Segoe UI" panose="020B0502040204020203" pitchFamily="34" charset="0"/>
-                <a:cs typeface="Segoe UI" panose="020B0502040204020203" pitchFamily="34" charset="0"/>
-              </a:rPr>
-              <a:t>quasars</a:t>
-            </a:r>
-            <a:r>
-              <a:rPr lang="zh-CN" altLang="en-US" sz="1500" dirty="0">
-                <a:latin typeface="Segoe UI" panose="020B0502040204020203" pitchFamily="34" charset="0"/>
-                <a:cs typeface="Segoe UI" panose="020B0502040204020203" pitchFamily="34" charset="0"/>
-              </a:rPr>
-              <a:t> </a:t>
-            </a:r>
-            <a:r>
-              <a:rPr lang="en-US" altLang="zh-CN" sz="1500" dirty="0">
-                <a:latin typeface="Segoe UI" panose="020B0502040204020203" pitchFamily="34" charset="0"/>
-                <a:cs typeface="Segoe UI" panose="020B0502040204020203" pitchFamily="34" charset="0"/>
-              </a:rPr>
-              <a:t>prior</a:t>
-            </a:r>
-            <a:r>
-              <a:rPr lang="zh-CN" altLang="en-US" sz="1500" dirty="0">
-                <a:latin typeface="Segoe UI" panose="020B0502040204020203" pitchFamily="34" charset="0"/>
-                <a:cs typeface="Segoe UI" panose="020B0502040204020203" pitchFamily="34" charset="0"/>
-              </a:rPr>
-              <a:t> </a:t>
-            </a:r>
-            <a:r>
-              <a:rPr lang="en-US" altLang="zh-CN" sz="1500" dirty="0">
-                <a:latin typeface="Segoe UI" panose="020B0502040204020203" pitchFamily="34" charset="0"/>
-                <a:cs typeface="Segoe UI" panose="020B0502040204020203" pitchFamily="34" charset="0"/>
-              </a:rPr>
-              <a:t>to</a:t>
-            </a:r>
-            <a:r>
-              <a:rPr lang="zh-CN" altLang="en-US" sz="1500" dirty="0">
-                <a:latin typeface="Segoe UI" panose="020B0502040204020203" pitchFamily="34" charset="0"/>
-                <a:cs typeface="Segoe UI" panose="020B0502040204020203" pitchFamily="34" charset="0"/>
-              </a:rPr>
-              <a:t> </a:t>
-            </a:r>
-            <a:r>
-              <a:rPr lang="en-US" altLang="zh-CN" sz="1500" dirty="0">
-                <a:latin typeface="Segoe UI" panose="020B0502040204020203" pitchFamily="34" charset="0"/>
-                <a:cs typeface="Segoe UI" panose="020B0502040204020203" pitchFamily="34" charset="0"/>
-              </a:rPr>
-              <a:t>pursuing</a:t>
-            </a:r>
-            <a:r>
-              <a:rPr lang="zh-CN" altLang="en-US" sz="1500" dirty="0">
-                <a:latin typeface="Segoe UI" panose="020B0502040204020203" pitchFamily="34" charset="0"/>
-                <a:cs typeface="Segoe UI" panose="020B0502040204020203" pitchFamily="34" charset="0"/>
-              </a:rPr>
-              <a:t> </a:t>
-            </a:r>
-            <a:r>
-              <a:rPr lang="en-US" altLang="zh-CN" sz="1500" dirty="0">
-                <a:latin typeface="Segoe UI" panose="020B0502040204020203" pitchFamily="34" charset="0"/>
-                <a:cs typeface="Segoe UI" panose="020B0502040204020203" pitchFamily="34" charset="0"/>
-              </a:rPr>
-              <a:t>spectroscopic</a:t>
-            </a:r>
-            <a:r>
-              <a:rPr lang="zh-CN" altLang="en-US" sz="1500" dirty="0">
-                <a:latin typeface="Segoe UI" panose="020B0502040204020203" pitchFamily="34" charset="0"/>
-                <a:cs typeface="Segoe UI" panose="020B0502040204020203" pitchFamily="34" charset="0"/>
-              </a:rPr>
-              <a:t> </a:t>
-            </a:r>
-            <a:r>
-              <a:rPr lang="en-US" altLang="zh-CN" sz="1500" dirty="0">
-                <a:latin typeface="Segoe UI" panose="020B0502040204020203" pitchFamily="34" charset="0"/>
-                <a:cs typeface="Segoe UI" panose="020B0502040204020203" pitchFamily="34" charset="0"/>
-              </a:rPr>
-              <a:t>observation,</a:t>
-            </a:r>
-            <a:r>
-              <a:rPr lang="zh-CN" altLang="en-US" sz="1500" dirty="0">
-                <a:latin typeface="Segoe UI" panose="020B0502040204020203" pitchFamily="34" charset="0"/>
-                <a:cs typeface="Segoe UI" panose="020B0502040204020203" pitchFamily="34" charset="0"/>
-              </a:rPr>
-              <a:t> </a:t>
-            </a:r>
-            <a:r>
-              <a:rPr lang="en-US" altLang="zh-CN" sz="1500" dirty="0">
-                <a:latin typeface="Segoe UI" panose="020B0502040204020203" pitchFamily="34" charset="0"/>
-                <a:cs typeface="Segoe UI" panose="020B0502040204020203" pitchFamily="34" charset="0"/>
-              </a:rPr>
-              <a:t>thus</a:t>
-            </a:r>
-            <a:r>
-              <a:rPr lang="zh-CN" altLang="en-US" sz="1500" dirty="0">
-                <a:latin typeface="Segoe UI" panose="020B0502040204020203" pitchFamily="34" charset="0"/>
-                <a:cs typeface="Segoe UI" panose="020B0502040204020203" pitchFamily="34" charset="0"/>
-              </a:rPr>
-              <a:t> </a:t>
-            </a:r>
-            <a:r>
-              <a:rPr lang="en-US" altLang="zh-CN" sz="1500" dirty="0">
-                <a:latin typeface="Segoe UI" panose="020B0502040204020203" pitchFamily="34" charset="0"/>
-                <a:cs typeface="Segoe UI" panose="020B0502040204020203" pitchFamily="34" charset="0"/>
-              </a:rPr>
-              <a:t>improving</a:t>
-            </a:r>
-            <a:r>
-              <a:rPr lang="zh-CN" altLang="en-US" sz="1500" dirty="0">
-                <a:latin typeface="Segoe UI" panose="020B0502040204020203" pitchFamily="34" charset="0"/>
-                <a:cs typeface="Segoe UI" panose="020B0502040204020203" pitchFamily="34" charset="0"/>
-              </a:rPr>
-              <a:t> </a:t>
-            </a:r>
-            <a:r>
-              <a:rPr lang="en-US" altLang="zh-CN" sz="1500" dirty="0">
-                <a:latin typeface="Segoe UI" panose="020B0502040204020203" pitchFamily="34" charset="0"/>
-                <a:cs typeface="Segoe UI" panose="020B0502040204020203" pitchFamily="34" charset="0"/>
-              </a:rPr>
-              <a:t>the</a:t>
-            </a:r>
-            <a:r>
-              <a:rPr lang="zh-CN" altLang="en-US" sz="1500" dirty="0">
-                <a:latin typeface="Segoe UI" panose="020B0502040204020203" pitchFamily="34" charset="0"/>
-                <a:cs typeface="Segoe UI" panose="020B0502040204020203" pitchFamily="34" charset="0"/>
-              </a:rPr>
-              <a:t> </a:t>
-            </a:r>
-            <a:r>
-              <a:rPr lang="en-US" altLang="zh-CN" sz="1500" dirty="0">
-                <a:latin typeface="Segoe UI" panose="020B0502040204020203" pitchFamily="34" charset="0"/>
-                <a:cs typeface="Segoe UI" panose="020B0502040204020203" pitchFamily="34" charset="0"/>
-              </a:rPr>
-              <a:t>efficiency</a:t>
-            </a:r>
-            <a:r>
-              <a:rPr lang="zh-CN" altLang="en-US" sz="1500" dirty="0">
-                <a:latin typeface="Segoe UI" panose="020B0502040204020203" pitchFamily="34" charset="0"/>
-                <a:cs typeface="Segoe UI" panose="020B0502040204020203" pitchFamily="34" charset="0"/>
-              </a:rPr>
-              <a:t> </a:t>
-            </a:r>
-            <a:r>
-              <a:rPr lang="en-US" altLang="zh-CN" sz="1500" dirty="0">
-                <a:latin typeface="Segoe UI" panose="020B0502040204020203" pitchFamily="34" charset="0"/>
-                <a:cs typeface="Segoe UI" panose="020B0502040204020203" pitchFamily="34" charset="0"/>
-              </a:rPr>
-              <a:t>of</a:t>
-            </a:r>
-            <a:r>
-              <a:rPr lang="zh-CN" altLang="en-US" sz="1500" dirty="0">
-                <a:latin typeface="Segoe UI" panose="020B0502040204020203" pitchFamily="34" charset="0"/>
-                <a:cs typeface="Segoe UI" panose="020B0502040204020203" pitchFamily="34" charset="0"/>
-              </a:rPr>
-              <a:t> </a:t>
-            </a:r>
-            <a:r>
-              <a:rPr lang="en-US" altLang="zh-CN" sz="1500" dirty="0">
-                <a:latin typeface="Segoe UI" panose="020B0502040204020203" pitchFamily="34" charset="0"/>
-                <a:cs typeface="Segoe UI" panose="020B0502040204020203" pitchFamily="34" charset="0"/>
-              </a:rPr>
-              <a:t>the</a:t>
-            </a:r>
-            <a:r>
-              <a:rPr lang="zh-CN" altLang="en-US" sz="1500" dirty="0">
-                <a:latin typeface="Segoe UI" panose="020B0502040204020203" pitchFamily="34" charset="0"/>
-                <a:cs typeface="Segoe UI" panose="020B0502040204020203" pitchFamily="34" charset="0"/>
-              </a:rPr>
-              <a:t> </a:t>
-            </a:r>
-            <a:r>
-              <a:rPr lang="en-US" altLang="zh-CN" sz="1500" dirty="0">
-                <a:latin typeface="Segoe UI" panose="020B0502040204020203" pitchFamily="34" charset="0"/>
-                <a:cs typeface="Segoe UI" panose="020B0502040204020203" pitchFamily="34" charset="0"/>
-              </a:rPr>
-              <a:t>selection</a:t>
-            </a:r>
-            <a:r>
-              <a:rPr lang="zh-CN" altLang="en-US" sz="1500" dirty="0">
-                <a:latin typeface="Segoe UI" panose="020B0502040204020203" pitchFamily="34" charset="0"/>
-                <a:cs typeface="Segoe UI" panose="020B0502040204020203" pitchFamily="34" charset="0"/>
-              </a:rPr>
-              <a:t> </a:t>
-            </a:r>
-            <a:r>
-              <a:rPr lang="en-US" altLang="zh-CN" sz="1500" dirty="0">
-                <a:latin typeface="Segoe UI" panose="020B0502040204020203" pitchFamily="34" charset="0"/>
-                <a:cs typeface="Segoe UI" panose="020B0502040204020203" pitchFamily="34" charset="0"/>
-              </a:rPr>
-              <a:t>of</a:t>
-            </a:r>
-            <a:r>
-              <a:rPr lang="zh-CN" altLang="en-US" sz="1500" dirty="0">
-                <a:latin typeface="Segoe UI" panose="020B0502040204020203" pitchFamily="34" charset="0"/>
-                <a:cs typeface="Segoe UI" panose="020B0502040204020203" pitchFamily="34" charset="0"/>
-              </a:rPr>
-              <a:t> </a:t>
-            </a:r>
-            <a:r>
-              <a:rPr lang="en-US" altLang="zh-CN" sz="1500" dirty="0">
-                <a:latin typeface="Segoe UI" panose="020B0502040204020203" pitchFamily="34" charset="0"/>
-                <a:cs typeface="Segoe UI" panose="020B0502040204020203" pitchFamily="34" charset="0"/>
-              </a:rPr>
-              <a:t>quasar</a:t>
-            </a:r>
-            <a:r>
-              <a:rPr lang="zh-CN" altLang="en-US" sz="1500" dirty="0">
-                <a:latin typeface="Segoe UI" panose="020B0502040204020203" pitchFamily="34" charset="0"/>
-                <a:cs typeface="Segoe UI" panose="020B0502040204020203" pitchFamily="34" charset="0"/>
-              </a:rPr>
-              <a:t> </a:t>
-            </a:r>
-            <a:r>
-              <a:rPr lang="en-US" altLang="zh-CN" sz="1500" dirty="0">
-                <a:latin typeface="Segoe UI" panose="020B0502040204020203" pitchFamily="34" charset="0"/>
-                <a:cs typeface="Segoe UI" panose="020B0502040204020203" pitchFamily="34" charset="0"/>
-              </a:rPr>
-              <a:t>candidates.</a:t>
-            </a:r>
-            <a:r>
-              <a:rPr lang="zh-CN" altLang="en-US" sz="1500" dirty="0">
-                <a:latin typeface="Segoe UI" panose="020B0502040204020203" pitchFamily="34" charset="0"/>
-                <a:cs typeface="Segoe UI" panose="020B0502040204020203" pitchFamily="34" charset="0"/>
-              </a:rPr>
-              <a:t> </a:t>
-            </a:r>
-            <a:endParaRPr lang="en-US" altLang="zh-CN" sz="1500" dirty="0">
-              <a:latin typeface="Segoe UI" panose="020B0502040204020203" pitchFamily="34" charset="0"/>
-              <a:cs typeface="Segoe UI" panose="020B0502040204020203" pitchFamily="34" charset="0"/>
-            </a:endParaRPr>
+              <a:t>My project focuses on using a random forest classifier machine learning model to identify quasars before pursuing spectroscopic observation, thus improving the efficiency of the selection of quasar candidates. </a:t>
+            </a:r>
+          </a:p>
+          <a:p>
+            <a:r>
+              <a:rPr lang="en-US" dirty="0"/>
+              <a:t> </a:t>
+            </a:r>
           </a:p>
         </p:txBody>
       </p:sp>
@@ -5164,7 +3994,7 @@
         </p:nvSpPr>
         <p:spPr>
           <a:xfrm>
-            <a:off x="438135" y="10431299"/>
+            <a:off x="244509" y="9669258"/>
             <a:ext cx="3844402" cy="584775"/>
           </a:xfrm>
           <a:prstGeom prst="rect">
@@ -5222,8 +4052,8 @@
         </p:blipFill>
         <p:spPr>
           <a:xfrm>
-            <a:off x="8258581" y="0"/>
-            <a:ext cx="1799819" cy="1799819"/>
+            <a:off x="8751660" y="176155"/>
+            <a:ext cx="1197905" cy="1197905"/>
           </a:xfrm>
           <a:prstGeom prst="rect">
             <a:avLst/>
@@ -5270,10 +4100,10 @@
       </p:sp>
       <p:sp>
         <p:nvSpPr>
-          <p:cNvPr id="28" name="TextBox 27">
+          <p:cNvPr id="4" name="TextBox 3">
             <a:extLst>
               <a:ext uri="{FF2B5EF4-FFF2-40B4-BE49-F238E27FC236}">
-                <a16:creationId xmlns:a16="http://schemas.microsoft.com/office/drawing/2014/main" id="{F9697907-6188-754C-8544-DC89F77D7058}"/>
+                <a16:creationId xmlns:a16="http://schemas.microsoft.com/office/drawing/2014/main" id="{7F77BD11-717B-F140-9D22-39D30C6BE0D2}"/>
               </a:ext>
             </a:extLst>
           </p:cNvPr>
@@ -5282,8 +4112,8 @@
         </p:nvSpPr>
         <p:spPr>
           <a:xfrm>
-            <a:off x="5632595" y="10488253"/>
-            <a:ext cx="4182781" cy="1569660"/>
+            <a:off x="5029201" y="5210688"/>
+            <a:ext cx="4784690" cy="553998"/>
           </a:xfrm>
           <a:prstGeom prst="rect">
             <a:avLst/>
@@ -5296,456 +4126,385 @@
           </a:bodyPr>
           <a:lstStyle/>
           <a:p>
-            <a:endParaRPr lang="en-US" sz="1600" dirty="0">
+            <a:r>
+              <a:rPr lang="en-US" altLang="zh-CN" sz="1500" dirty="0">
+                <a:latin typeface="Segoe UI" panose="020B0502040204020203" pitchFamily="34" charset="0"/>
+                <a:cs typeface="Segoe UI" panose="020B0502040204020203" pitchFamily="34" charset="0"/>
+              </a:rPr>
+              <a:t>Below</a:t>
+            </a:r>
+            <a:r>
+              <a:rPr lang="zh-CN" altLang="en-US" sz="1500" dirty="0">
+                <a:latin typeface="Segoe UI" panose="020B0502040204020203" pitchFamily="34" charset="0"/>
+                <a:cs typeface="Segoe UI" panose="020B0502040204020203" pitchFamily="34" charset="0"/>
+              </a:rPr>
+              <a:t> </a:t>
+            </a:r>
+            <a:r>
+              <a:rPr lang="en-US" altLang="zh-CN" sz="1500" dirty="0">
+                <a:latin typeface="Segoe UI" panose="020B0502040204020203" pitchFamily="34" charset="0"/>
+                <a:cs typeface="Segoe UI" panose="020B0502040204020203" pitchFamily="34" charset="0"/>
+              </a:rPr>
+              <a:t>is</a:t>
+            </a:r>
+            <a:r>
+              <a:rPr lang="zh-CN" altLang="en-US" sz="1500" dirty="0">
+                <a:latin typeface="Segoe UI" panose="020B0502040204020203" pitchFamily="34" charset="0"/>
+                <a:cs typeface="Segoe UI" panose="020B0502040204020203" pitchFamily="34" charset="0"/>
+              </a:rPr>
+              <a:t> </a:t>
+            </a:r>
+            <a:r>
+              <a:rPr lang="en-US" altLang="zh-CN" sz="1500" dirty="0">
+                <a:latin typeface="Segoe UI" panose="020B0502040204020203" pitchFamily="34" charset="0"/>
+                <a:cs typeface="Segoe UI" panose="020B0502040204020203" pitchFamily="34" charset="0"/>
+              </a:rPr>
+              <a:t>the visualization</a:t>
+            </a:r>
+            <a:r>
+              <a:rPr lang="zh-CN" altLang="en-US" sz="1500" dirty="0">
+                <a:latin typeface="Segoe UI" panose="020B0502040204020203" pitchFamily="34" charset="0"/>
+                <a:cs typeface="Segoe UI" panose="020B0502040204020203" pitchFamily="34" charset="0"/>
+              </a:rPr>
+              <a:t> </a:t>
+            </a:r>
+            <a:r>
+              <a:rPr lang="en-US" altLang="zh-CN" sz="1500" dirty="0">
+                <a:latin typeface="Segoe UI" panose="020B0502040204020203" pitchFamily="34" charset="0"/>
+                <a:cs typeface="Segoe UI" panose="020B0502040204020203" pitchFamily="34" charset="0"/>
+              </a:rPr>
+              <a:t>of</a:t>
+            </a:r>
+            <a:r>
+              <a:rPr lang="zh-CN" altLang="en-US" sz="1500" dirty="0">
+                <a:latin typeface="Segoe UI" panose="020B0502040204020203" pitchFamily="34" charset="0"/>
+                <a:cs typeface="Segoe UI" panose="020B0502040204020203" pitchFamily="34" charset="0"/>
+              </a:rPr>
+              <a:t> </a:t>
+            </a:r>
+            <a:r>
+              <a:rPr lang="en-US" altLang="zh-CN" sz="1500" dirty="0">
+                <a:latin typeface="Segoe UI" panose="020B0502040204020203" pitchFamily="34" charset="0"/>
+                <a:cs typeface="Segoe UI" panose="020B0502040204020203" pitchFamily="34" charset="0"/>
+              </a:rPr>
+              <a:t>one</a:t>
+            </a:r>
+            <a:r>
+              <a:rPr lang="zh-CN" altLang="en-US" sz="1500" dirty="0">
+                <a:latin typeface="Segoe UI" panose="020B0502040204020203" pitchFamily="34" charset="0"/>
+                <a:cs typeface="Segoe UI" panose="020B0502040204020203" pitchFamily="34" charset="0"/>
+              </a:rPr>
+              <a:t> </a:t>
+            </a:r>
+            <a:r>
+              <a:rPr lang="en-US" altLang="zh-CN" sz="1500" dirty="0">
+                <a:latin typeface="Segoe UI" panose="020B0502040204020203" pitchFamily="34" charset="0"/>
+                <a:cs typeface="Segoe UI" panose="020B0502040204020203" pitchFamily="34" charset="0"/>
+              </a:rPr>
+              <a:t>decision</a:t>
+            </a:r>
+            <a:r>
+              <a:rPr lang="zh-CN" altLang="en-US" sz="1500" dirty="0">
+                <a:latin typeface="Segoe UI" panose="020B0502040204020203" pitchFamily="34" charset="0"/>
+                <a:cs typeface="Segoe UI" panose="020B0502040204020203" pitchFamily="34" charset="0"/>
+              </a:rPr>
+              <a:t> </a:t>
+            </a:r>
+            <a:r>
+              <a:rPr lang="en-US" altLang="zh-CN" sz="1500" dirty="0">
+                <a:latin typeface="Segoe UI" panose="020B0502040204020203" pitchFamily="34" charset="0"/>
+                <a:cs typeface="Segoe UI" panose="020B0502040204020203" pitchFamily="34" charset="0"/>
+              </a:rPr>
+              <a:t>tree</a:t>
+            </a:r>
+            <a:r>
+              <a:rPr lang="zh-CN" altLang="en-US" sz="1500" dirty="0">
+                <a:latin typeface="Segoe UI" panose="020B0502040204020203" pitchFamily="34" charset="0"/>
+                <a:cs typeface="Segoe UI" panose="020B0502040204020203" pitchFamily="34" charset="0"/>
+              </a:rPr>
+              <a:t> </a:t>
+            </a:r>
+            <a:r>
+              <a:rPr lang="en-US" altLang="zh-CN" sz="1500" dirty="0">
+                <a:latin typeface="Segoe UI" panose="020B0502040204020203" pitchFamily="34" charset="0"/>
+                <a:cs typeface="Segoe UI" panose="020B0502040204020203" pitchFamily="34" charset="0"/>
+              </a:rPr>
+              <a:t>from</a:t>
+            </a:r>
+            <a:r>
+              <a:rPr lang="zh-CN" altLang="en-US" sz="1500" dirty="0">
+                <a:latin typeface="Segoe UI" panose="020B0502040204020203" pitchFamily="34" charset="0"/>
+                <a:cs typeface="Segoe UI" panose="020B0502040204020203" pitchFamily="34" charset="0"/>
+              </a:rPr>
+              <a:t> </a:t>
+            </a:r>
+            <a:r>
+              <a:rPr lang="en-US" altLang="zh-CN" sz="1500" dirty="0">
+                <a:latin typeface="Segoe UI" panose="020B0502040204020203" pitchFamily="34" charset="0"/>
+                <a:cs typeface="Segoe UI" panose="020B0502040204020203" pitchFamily="34" charset="0"/>
+              </a:rPr>
+              <a:t>my random forest model.</a:t>
+            </a:r>
+          </a:p>
+        </p:txBody>
+      </p:sp>
+      <p:sp>
+        <p:nvSpPr>
+          <p:cNvPr id="30" name="TextBox 29">
+            <a:extLst>
+              <a:ext uri="{FF2B5EF4-FFF2-40B4-BE49-F238E27FC236}">
+                <a16:creationId xmlns:a16="http://schemas.microsoft.com/office/drawing/2014/main" id="{155F0E81-19EF-3243-94E9-5CDC51FFAF4C}"/>
+              </a:ext>
+            </a:extLst>
+          </p:cNvPr>
+          <p:cNvSpPr txBox="1"/>
+          <p:nvPr/>
+        </p:nvSpPr>
+        <p:spPr>
+          <a:xfrm>
+            <a:off x="244509" y="10236748"/>
+            <a:ext cx="4464651" cy="4478149"/>
+          </a:xfrm>
+          <a:prstGeom prst="rect">
+            <a:avLst/>
+          </a:prstGeom>
+          <a:noFill/>
+        </p:spPr>
+        <p:txBody>
+          <a:bodyPr wrap="square" rtlCol="0">
+            <a:spAutoFit/>
+          </a:bodyPr>
+          <a:lstStyle/>
+          <a:p>
+            <a:r>
+              <a:rPr lang="en-US" sz="1500" dirty="0">
+                <a:latin typeface="Segoe UI" panose="020B0502040204020203" pitchFamily="34" charset="0"/>
+                <a:cs typeface="Segoe UI" panose="020B0502040204020203" pitchFamily="34" charset="0"/>
+              </a:rPr>
+              <a:t>In this project, we collect the brightness measured at different wavelengths of each celestial object, ranging from ultraviolet to near-infrared, and measure the color, which is the brightness ratio at different wavelengths, for each object. </a:t>
+            </a:r>
+          </a:p>
+          <a:p>
+            <a:endParaRPr lang="en-US" sz="1500" dirty="0">
               <a:latin typeface="Segoe UI" panose="020B0502040204020203" pitchFamily="34" charset="0"/>
               <a:cs typeface="Segoe UI" panose="020B0502040204020203" pitchFamily="34" charset="0"/>
             </a:endParaRPr>
           </a:p>
           <a:p>
             <a:r>
-              <a:rPr lang="en-US" altLang="zh-CN" sz="1550" dirty="0">
+              <a:rPr lang="en-US" sz="1500" dirty="0">
                 <a:latin typeface="Segoe UI" panose="020B0502040204020203" pitchFamily="34" charset="0"/>
                 <a:cs typeface="Segoe UI" panose="020B0502040204020203" pitchFamily="34" charset="0"/>
               </a:rPr>
-              <a:t>The</a:t>
-            </a:r>
-            <a:r>
-              <a:rPr lang="zh-CN" altLang="en-US" sz="1550" dirty="0">
-                <a:latin typeface="Segoe UI" panose="020B0502040204020203" pitchFamily="34" charset="0"/>
-                <a:cs typeface="Segoe UI" panose="020B0502040204020203" pitchFamily="34" charset="0"/>
-              </a:rPr>
-              <a:t> </a:t>
-            </a:r>
-            <a:r>
-              <a:rPr lang="en-US" altLang="zh-CN" sz="1550" dirty="0">
-                <a:latin typeface="Segoe UI" panose="020B0502040204020203" pitchFamily="34" charset="0"/>
-                <a:cs typeface="Segoe UI" panose="020B0502040204020203" pitchFamily="34" charset="0"/>
-              </a:rPr>
-              <a:t>confusion</a:t>
-            </a:r>
-            <a:r>
-              <a:rPr lang="zh-CN" altLang="en-US" sz="1550" dirty="0">
-                <a:latin typeface="Segoe UI" panose="020B0502040204020203" pitchFamily="34" charset="0"/>
-                <a:cs typeface="Segoe UI" panose="020B0502040204020203" pitchFamily="34" charset="0"/>
-              </a:rPr>
-              <a:t> </a:t>
-            </a:r>
-            <a:r>
-              <a:rPr lang="en-US" altLang="zh-CN" sz="1550" dirty="0">
-                <a:latin typeface="Segoe UI" panose="020B0502040204020203" pitchFamily="34" charset="0"/>
-                <a:cs typeface="Segoe UI" panose="020B0502040204020203" pitchFamily="34" charset="0"/>
-              </a:rPr>
-              <a:t>matrix</a:t>
-            </a:r>
-            <a:r>
-              <a:rPr lang="zh-CN" altLang="en-US" sz="1550" dirty="0">
-                <a:latin typeface="Segoe UI" panose="020B0502040204020203" pitchFamily="34" charset="0"/>
-                <a:cs typeface="Segoe UI" panose="020B0502040204020203" pitchFamily="34" charset="0"/>
-              </a:rPr>
-              <a:t> </a:t>
-            </a:r>
-            <a:r>
-              <a:rPr lang="en-US" altLang="zh-CN" sz="1550" dirty="0">
-                <a:latin typeface="Segoe UI" panose="020B0502040204020203" pitchFamily="34" charset="0"/>
-                <a:cs typeface="Segoe UI" panose="020B0502040204020203" pitchFamily="34" charset="0"/>
-              </a:rPr>
-              <a:t>below</a:t>
-            </a:r>
-            <a:r>
-              <a:rPr lang="zh-CN" altLang="en-US" sz="1550" dirty="0">
-                <a:latin typeface="Segoe UI" panose="020B0502040204020203" pitchFamily="34" charset="0"/>
-                <a:cs typeface="Segoe UI" panose="020B0502040204020203" pitchFamily="34" charset="0"/>
-              </a:rPr>
-              <a:t> </a:t>
-            </a:r>
-            <a:r>
-              <a:rPr lang="en-US" altLang="zh-CN" sz="1550" dirty="0">
-                <a:latin typeface="Segoe UI" panose="020B0502040204020203" pitchFamily="34" charset="0"/>
-                <a:cs typeface="Segoe UI" panose="020B0502040204020203" pitchFamily="34" charset="0"/>
-              </a:rPr>
-              <a:t>shows</a:t>
-            </a:r>
-            <a:r>
-              <a:rPr lang="zh-CN" altLang="en-US" sz="1550" dirty="0">
-                <a:latin typeface="Segoe UI" panose="020B0502040204020203" pitchFamily="34" charset="0"/>
-                <a:cs typeface="Segoe UI" panose="020B0502040204020203" pitchFamily="34" charset="0"/>
-              </a:rPr>
-              <a:t> </a:t>
-            </a:r>
-            <a:r>
-              <a:rPr lang="en-US" altLang="zh-CN" sz="1550" dirty="0">
-                <a:latin typeface="Segoe UI" panose="020B0502040204020203" pitchFamily="34" charset="0"/>
-                <a:cs typeface="Segoe UI" panose="020B0502040204020203" pitchFamily="34" charset="0"/>
-              </a:rPr>
-              <a:t>the</a:t>
-            </a:r>
-            <a:r>
-              <a:rPr lang="zh-CN" altLang="en-US" sz="1550" dirty="0">
-                <a:latin typeface="Segoe UI" panose="020B0502040204020203" pitchFamily="34" charset="0"/>
-                <a:cs typeface="Segoe UI" panose="020B0502040204020203" pitchFamily="34" charset="0"/>
-              </a:rPr>
-              <a:t> </a:t>
-            </a:r>
-            <a:r>
-              <a:rPr lang="en-US" altLang="zh-CN" sz="1550" dirty="0">
-                <a:latin typeface="Segoe UI" panose="020B0502040204020203" pitchFamily="34" charset="0"/>
-                <a:cs typeface="Segoe UI" panose="020B0502040204020203" pitchFamily="34" charset="0"/>
-              </a:rPr>
-              <a:t>performance</a:t>
-            </a:r>
-            <a:r>
-              <a:rPr lang="zh-CN" altLang="en-US" sz="1550" dirty="0">
-                <a:latin typeface="Segoe UI" panose="020B0502040204020203" pitchFamily="34" charset="0"/>
-                <a:cs typeface="Segoe UI" panose="020B0502040204020203" pitchFamily="34" charset="0"/>
-              </a:rPr>
-              <a:t> </a:t>
-            </a:r>
-            <a:r>
-              <a:rPr lang="en-US" altLang="zh-CN" sz="1550" dirty="0">
-                <a:latin typeface="Segoe UI" panose="020B0502040204020203" pitchFamily="34" charset="0"/>
-                <a:cs typeface="Segoe UI" panose="020B0502040204020203" pitchFamily="34" charset="0"/>
-              </a:rPr>
-              <a:t>of</a:t>
-            </a:r>
-            <a:r>
-              <a:rPr lang="zh-CN" altLang="en-US" sz="1550" dirty="0">
-                <a:latin typeface="Segoe UI" panose="020B0502040204020203" pitchFamily="34" charset="0"/>
-                <a:cs typeface="Segoe UI" panose="020B0502040204020203" pitchFamily="34" charset="0"/>
-              </a:rPr>
-              <a:t> </a:t>
-            </a:r>
-            <a:r>
-              <a:rPr lang="en-US" altLang="zh-CN" sz="1550" dirty="0">
-                <a:latin typeface="Segoe UI" panose="020B0502040204020203" pitchFamily="34" charset="0"/>
-                <a:cs typeface="Segoe UI" panose="020B0502040204020203" pitchFamily="34" charset="0"/>
-              </a:rPr>
-              <a:t>my</a:t>
-            </a:r>
-            <a:r>
-              <a:rPr lang="zh-CN" altLang="en-US" sz="1550" dirty="0">
-                <a:latin typeface="Segoe UI" panose="020B0502040204020203" pitchFamily="34" charset="0"/>
-                <a:cs typeface="Segoe UI" panose="020B0502040204020203" pitchFamily="34" charset="0"/>
-              </a:rPr>
-              <a:t> </a:t>
-            </a:r>
-            <a:r>
-              <a:rPr lang="en-US" altLang="zh-CN" sz="1550" dirty="0">
-                <a:latin typeface="Segoe UI" panose="020B0502040204020203" pitchFamily="34" charset="0"/>
-                <a:cs typeface="Segoe UI" panose="020B0502040204020203" pitchFamily="34" charset="0"/>
-              </a:rPr>
-              <a:t>current</a:t>
-            </a:r>
-            <a:r>
-              <a:rPr lang="zh-CN" altLang="en-US" sz="1550" dirty="0">
-                <a:latin typeface="Segoe UI" panose="020B0502040204020203" pitchFamily="34" charset="0"/>
-                <a:cs typeface="Segoe UI" panose="020B0502040204020203" pitchFamily="34" charset="0"/>
-              </a:rPr>
-              <a:t> </a:t>
-            </a:r>
-            <a:r>
-              <a:rPr lang="en-US" altLang="zh-CN" sz="1550" dirty="0">
-                <a:latin typeface="Segoe UI" panose="020B0502040204020203" pitchFamily="34" charset="0"/>
-                <a:cs typeface="Segoe UI" panose="020B0502040204020203" pitchFamily="34" charset="0"/>
-              </a:rPr>
-              <a:t>trained</a:t>
-            </a:r>
-            <a:r>
-              <a:rPr lang="zh-CN" altLang="en-US" sz="1550" dirty="0">
-                <a:latin typeface="Segoe UI" panose="020B0502040204020203" pitchFamily="34" charset="0"/>
-                <a:cs typeface="Segoe UI" panose="020B0502040204020203" pitchFamily="34" charset="0"/>
-              </a:rPr>
-              <a:t> </a:t>
-            </a:r>
-            <a:r>
-              <a:rPr lang="en-US" altLang="zh-CN" sz="1550" dirty="0">
-                <a:latin typeface="Segoe UI" panose="020B0502040204020203" pitchFamily="34" charset="0"/>
-                <a:cs typeface="Segoe UI" panose="020B0502040204020203" pitchFamily="34" charset="0"/>
-              </a:rPr>
-              <a:t>model.</a:t>
-            </a:r>
-            <a:r>
-              <a:rPr lang="zh-CN" altLang="en-US" sz="1550" dirty="0">
-                <a:latin typeface="Segoe UI" panose="020B0502040204020203" pitchFamily="34" charset="0"/>
-                <a:cs typeface="Segoe UI" panose="020B0502040204020203" pitchFamily="34" charset="0"/>
-              </a:rPr>
-              <a:t> </a:t>
-            </a:r>
-            <a:r>
-              <a:rPr lang="en-US" altLang="zh-CN" sz="1550" dirty="0">
-                <a:latin typeface="Segoe UI" panose="020B0502040204020203" pitchFamily="34" charset="0"/>
-                <a:cs typeface="Segoe UI" panose="020B0502040204020203" pitchFamily="34" charset="0"/>
-              </a:rPr>
-              <a:t>“0”</a:t>
-            </a:r>
-            <a:r>
-              <a:rPr lang="zh-CN" altLang="en-US" sz="1550" dirty="0">
-                <a:latin typeface="Segoe UI" panose="020B0502040204020203" pitchFamily="34" charset="0"/>
-                <a:cs typeface="Segoe UI" panose="020B0502040204020203" pitchFamily="34" charset="0"/>
-              </a:rPr>
-              <a:t> </a:t>
-            </a:r>
-            <a:r>
-              <a:rPr lang="en-US" altLang="zh-CN" sz="1550" dirty="0">
-                <a:latin typeface="Segoe UI" panose="020B0502040204020203" pitchFamily="34" charset="0"/>
-                <a:cs typeface="Segoe UI" panose="020B0502040204020203" pitchFamily="34" charset="0"/>
-              </a:rPr>
-              <a:t>indicates</a:t>
-            </a:r>
-            <a:r>
-              <a:rPr lang="zh-CN" altLang="en-US" sz="1550" dirty="0">
-                <a:latin typeface="Segoe UI" panose="020B0502040204020203" pitchFamily="34" charset="0"/>
-                <a:cs typeface="Segoe UI" panose="020B0502040204020203" pitchFamily="34" charset="0"/>
-              </a:rPr>
-              <a:t> </a:t>
-            </a:r>
-            <a:r>
-              <a:rPr lang="en-US" altLang="zh-CN" sz="1550" dirty="0">
-                <a:latin typeface="Segoe UI" panose="020B0502040204020203" pitchFamily="34" charset="0"/>
-                <a:cs typeface="Segoe UI" panose="020B0502040204020203" pitchFamily="34" charset="0"/>
-              </a:rPr>
-              <a:t>non-quasar</a:t>
-            </a:r>
-            <a:r>
-              <a:rPr lang="zh-CN" altLang="en-US" sz="1550" dirty="0">
-                <a:latin typeface="Segoe UI" panose="020B0502040204020203" pitchFamily="34" charset="0"/>
-                <a:cs typeface="Segoe UI" panose="020B0502040204020203" pitchFamily="34" charset="0"/>
-              </a:rPr>
-              <a:t> </a:t>
-            </a:r>
-            <a:r>
-              <a:rPr lang="en-US" altLang="zh-CN" sz="1550" dirty="0">
-                <a:latin typeface="Segoe UI" panose="020B0502040204020203" pitchFamily="34" charset="0"/>
-                <a:cs typeface="Segoe UI" panose="020B0502040204020203" pitchFamily="34" charset="0"/>
-              </a:rPr>
-              <a:t>objects,</a:t>
-            </a:r>
-            <a:r>
-              <a:rPr lang="zh-CN" altLang="en-US" sz="1550" dirty="0">
-                <a:latin typeface="Segoe UI" panose="020B0502040204020203" pitchFamily="34" charset="0"/>
-                <a:cs typeface="Segoe UI" panose="020B0502040204020203" pitchFamily="34" charset="0"/>
-              </a:rPr>
-              <a:t> </a:t>
-            </a:r>
-            <a:r>
-              <a:rPr lang="en-US" altLang="zh-CN" sz="1550" dirty="0">
-                <a:latin typeface="Segoe UI" panose="020B0502040204020203" pitchFamily="34" charset="0"/>
-                <a:cs typeface="Segoe UI" panose="020B0502040204020203" pitchFamily="34" charset="0"/>
-              </a:rPr>
-              <a:t>and</a:t>
-            </a:r>
-            <a:r>
-              <a:rPr lang="zh-CN" altLang="en-US" sz="1550" dirty="0">
-                <a:latin typeface="Segoe UI" panose="020B0502040204020203" pitchFamily="34" charset="0"/>
-                <a:cs typeface="Segoe UI" panose="020B0502040204020203" pitchFamily="34" charset="0"/>
-              </a:rPr>
-              <a:t> </a:t>
-            </a:r>
-            <a:r>
-              <a:rPr lang="en-US" altLang="zh-CN" sz="1550" dirty="0">
-                <a:latin typeface="Segoe UI" panose="020B0502040204020203" pitchFamily="34" charset="0"/>
-                <a:cs typeface="Segoe UI" panose="020B0502040204020203" pitchFamily="34" charset="0"/>
-              </a:rPr>
-              <a:t>”1”</a:t>
-            </a:r>
-            <a:r>
-              <a:rPr lang="zh-CN" altLang="en-US" sz="1550" dirty="0">
-                <a:latin typeface="Segoe UI" panose="020B0502040204020203" pitchFamily="34" charset="0"/>
-                <a:cs typeface="Segoe UI" panose="020B0502040204020203" pitchFamily="34" charset="0"/>
-              </a:rPr>
-              <a:t> </a:t>
-            </a:r>
-            <a:r>
-              <a:rPr lang="en-US" altLang="zh-CN" sz="1550" dirty="0">
-                <a:latin typeface="Segoe UI" panose="020B0502040204020203" pitchFamily="34" charset="0"/>
-                <a:cs typeface="Segoe UI" panose="020B0502040204020203" pitchFamily="34" charset="0"/>
-              </a:rPr>
-              <a:t>indicates</a:t>
-            </a:r>
-            <a:r>
-              <a:rPr lang="zh-CN" altLang="en-US" sz="1550" dirty="0">
-                <a:latin typeface="Segoe UI" panose="020B0502040204020203" pitchFamily="34" charset="0"/>
-                <a:cs typeface="Segoe UI" panose="020B0502040204020203" pitchFamily="34" charset="0"/>
-              </a:rPr>
-              <a:t> </a:t>
-            </a:r>
-            <a:r>
-              <a:rPr lang="en-US" altLang="zh-CN" sz="1550" dirty="0">
-                <a:latin typeface="Segoe UI" panose="020B0502040204020203" pitchFamily="34" charset="0"/>
-                <a:cs typeface="Segoe UI" panose="020B0502040204020203" pitchFamily="34" charset="0"/>
-              </a:rPr>
-              <a:t>quasars</a:t>
-            </a:r>
-            <a:endParaRPr lang="en-US" sz="1550" dirty="0">
+              <a:t>Color is an important feature to differentiate celestial objects from each other, and, thus, we use it as the main feature to train the random forest classifier.</a:t>
+            </a:r>
+          </a:p>
+          <a:p>
+            <a:endParaRPr lang="en-US" sz="1500" dirty="0">
               <a:latin typeface="Segoe UI" panose="020B0502040204020203" pitchFamily="34" charset="0"/>
               <a:cs typeface="Segoe UI" panose="020B0502040204020203" pitchFamily="34" charset="0"/>
             </a:endParaRPr>
           </a:p>
           <a:p>
-            <a:endParaRPr lang="en-US" altLang="zh-CN" sz="1600" dirty="0">
+            <a:r>
+              <a:rPr lang="en-US" sz="1500" dirty="0">
+                <a:latin typeface="Segoe UI" panose="020B0502040204020203" pitchFamily="34" charset="0"/>
+                <a:cs typeface="Segoe UI" panose="020B0502040204020203" pitchFamily="34" charset="0"/>
+              </a:rPr>
+              <a:t>Random forest is a machine learning algorithm that is widely used in classification problems. It consists of multiple decision tree models that are trained </a:t>
+            </a:r>
+            <a:r>
+              <a:rPr lang="en-US" altLang="zh-CN" sz="1500" dirty="0">
+                <a:latin typeface="Segoe UI" panose="020B0502040204020203" pitchFamily="34" charset="0"/>
+                <a:cs typeface="Segoe UI" panose="020B0502040204020203" pitchFamily="34" charset="0"/>
+              </a:rPr>
+              <a:t>with</a:t>
+            </a:r>
+            <a:r>
+              <a:rPr lang="en-US" sz="1500" dirty="0">
+                <a:latin typeface="Segoe UI" panose="020B0502040204020203" pitchFamily="34" charset="0"/>
+                <a:cs typeface="Segoe UI" panose="020B0502040204020203" pitchFamily="34" charset="0"/>
+              </a:rPr>
+              <a:t> subsets of the training data to reduce the variance of the output. The random forest will then take the majority vote of the trees to produce the final prediction.</a:t>
+            </a:r>
+          </a:p>
+          <a:p>
+            <a:r>
+              <a:rPr lang="en-US" sz="1500" dirty="0">
+                <a:latin typeface="Segoe UI" panose="020B0502040204020203" pitchFamily="34" charset="0"/>
+                <a:cs typeface="Segoe UI" panose="020B0502040204020203" pitchFamily="34" charset="0"/>
+              </a:rPr>
+              <a:t> </a:t>
+            </a:r>
+          </a:p>
+        </p:txBody>
+      </p:sp>
+      <p:sp>
+        <p:nvSpPr>
+          <p:cNvPr id="25" name="TextBox 24">
+            <a:extLst>
+              <a:ext uri="{FF2B5EF4-FFF2-40B4-BE49-F238E27FC236}">
+                <a16:creationId xmlns:a16="http://schemas.microsoft.com/office/drawing/2014/main" id="{5614FC7E-3FEF-334A-805B-63131C825D4D}"/>
+              </a:ext>
+            </a:extLst>
+          </p:cNvPr>
+          <p:cNvSpPr txBox="1"/>
+          <p:nvPr/>
+        </p:nvSpPr>
+        <p:spPr>
+          <a:xfrm>
+            <a:off x="4860597" y="9011989"/>
+            <a:ext cx="4953294" cy="6140142"/>
+          </a:xfrm>
+          <a:prstGeom prst="rect">
+            <a:avLst/>
+          </a:prstGeom>
+          <a:noFill/>
+        </p:spPr>
+        <p:txBody>
+          <a:bodyPr wrap="square" rtlCol="0">
+            <a:spAutoFit/>
+          </a:bodyPr>
+          <a:lstStyle/>
+          <a:p>
+            <a:r>
+              <a:rPr lang="en-US" sz="1500" dirty="0">
+                <a:latin typeface="Segoe UI" panose="020B0502040204020203" pitchFamily="34" charset="0"/>
+                <a:cs typeface="Segoe UI" panose="020B0502040204020203" pitchFamily="34" charset="0"/>
+              </a:rPr>
+              <a:t>The root node tells us that the tree first classifies the data by setting the decision boundary at the color R-W1 = - 0.77. When R-W1 &lt;= - 0.77, the tree found 59 non-quasars objects and 96 quasars that satisfy this condition. Since more quasars meet the condition, the node is going to classify the objects as a quasar. The decision boundary, as you can see, is not as helpful at distinguishing quasars because the entropy is 0.96, which indicates a high level of disorder. And the same logic applies to the other nodes. </a:t>
+            </a:r>
+          </a:p>
+          <a:p>
+            <a:endParaRPr lang="en-US" sz="1500" dirty="0">
               <a:latin typeface="Segoe UI" panose="020B0502040204020203" pitchFamily="34" charset="0"/>
               <a:cs typeface="Segoe UI" panose="020B0502040204020203" pitchFamily="34" charset="0"/>
             </a:endParaRPr>
           </a:p>
-        </p:txBody>
-      </p:sp>
-      <p:grpSp>
-        <p:nvGrpSpPr>
-          <p:cNvPr id="26" name="Group 25">
+          <a:p>
+            <a:r>
+              <a:rPr lang="en-US" sz="1500" dirty="0">
+                <a:latin typeface="Segoe UI" panose="020B0502040204020203" pitchFamily="34" charset="0"/>
+                <a:cs typeface="Segoe UI" panose="020B0502040204020203" pitchFamily="34" charset="0"/>
+              </a:rPr>
+              <a:t>In my model, there is a total of 50 trees with different decision boundaries and trained with different subsets of the data. To predict the class of an unknown object, </a:t>
+            </a:r>
+          </a:p>
+          <a:p>
+            <a:r>
+              <a:rPr lang="en-US" sz="1500" dirty="0">
+                <a:latin typeface="Segoe UI" panose="020B0502040204020203" pitchFamily="34" charset="0"/>
+                <a:cs typeface="Segoe UI" panose="020B0502040204020203" pitchFamily="34" charset="0"/>
+              </a:rPr>
+              <a:t>the random forest classifier counts the decision of each tree and then predicts the class of the object by the majority vote method. </a:t>
+            </a:r>
+          </a:p>
+          <a:p>
+            <a:endParaRPr lang="en-US" sz="1500" dirty="0">
+              <a:latin typeface="Segoe UI" panose="020B0502040204020203" pitchFamily="34" charset="0"/>
+              <a:cs typeface="Segoe UI" panose="020B0502040204020203" pitchFamily="34" charset="0"/>
+            </a:endParaRPr>
+          </a:p>
+          <a:p>
+            <a:r>
+              <a:rPr lang="en-US" sz="1500" dirty="0">
+                <a:latin typeface="Segoe UI" panose="020B0502040204020203" pitchFamily="34" charset="0"/>
+                <a:cs typeface="Segoe UI" panose="020B0502040204020203" pitchFamily="34" charset="0"/>
+              </a:rPr>
+              <a:t>Additionally, </a:t>
+            </a:r>
+            <a:r>
+              <a:rPr lang="en-US" sz="1500" b="1" dirty="0">
+                <a:latin typeface="Segoe UI" panose="020B0502040204020203" pitchFamily="34" charset="0"/>
+                <a:cs typeface="Segoe UI" panose="020B0502040204020203" pitchFamily="34" charset="0"/>
+              </a:rPr>
+              <a:t>the model has found that the color I-J is the second most important feature to identify quasars. </a:t>
+            </a:r>
+            <a:r>
+              <a:rPr lang="en-US" sz="1500" dirty="0">
+                <a:latin typeface="Segoe UI" panose="020B0502040204020203" pitchFamily="34" charset="0"/>
+                <a:cs typeface="Segoe UI" panose="020B0502040204020203" pitchFamily="34" charset="0"/>
+              </a:rPr>
+              <a:t>This is a surprising finding as scientists often use a color that has a larger wavelength difference to select possible quasar candidates. This finding could potentially further improve </a:t>
+            </a:r>
+            <a:r>
+              <a:rPr lang="en-US" altLang="zh-CN" sz="1500" dirty="0">
+                <a:latin typeface="Segoe UI" panose="020B0502040204020203" pitchFamily="34" charset="0"/>
+                <a:cs typeface="Segoe UI" panose="020B0502040204020203" pitchFamily="34" charset="0"/>
+              </a:rPr>
+              <a:t>the</a:t>
+            </a:r>
+            <a:r>
+              <a:rPr lang="zh-CN" altLang="en-US" sz="1500" dirty="0">
+                <a:latin typeface="Segoe UI" panose="020B0502040204020203" pitchFamily="34" charset="0"/>
+                <a:cs typeface="Segoe UI" panose="020B0502040204020203" pitchFamily="34" charset="0"/>
+              </a:rPr>
+              <a:t> </a:t>
+            </a:r>
+            <a:r>
+              <a:rPr lang="en-US" altLang="zh-CN" sz="1500" dirty="0">
+                <a:latin typeface="Segoe UI" panose="020B0502040204020203" pitchFamily="34" charset="0"/>
+                <a:cs typeface="Segoe UI" panose="020B0502040204020203" pitchFamily="34" charset="0"/>
+              </a:rPr>
+              <a:t>quality</a:t>
+            </a:r>
+            <a:r>
+              <a:rPr lang="zh-CN" altLang="en-US" sz="1500" dirty="0">
+                <a:latin typeface="Segoe UI" panose="020B0502040204020203" pitchFamily="34" charset="0"/>
+                <a:cs typeface="Segoe UI" panose="020B0502040204020203" pitchFamily="34" charset="0"/>
+              </a:rPr>
+              <a:t> </a:t>
+            </a:r>
+            <a:r>
+              <a:rPr lang="en-US" altLang="zh-CN" sz="1500" dirty="0">
+                <a:latin typeface="Segoe UI" panose="020B0502040204020203" pitchFamily="34" charset="0"/>
+                <a:cs typeface="Segoe UI" panose="020B0502040204020203" pitchFamily="34" charset="0"/>
+              </a:rPr>
+              <a:t>of</a:t>
+            </a:r>
+            <a:r>
+              <a:rPr lang="zh-CN" altLang="en-US" sz="1500" dirty="0">
+                <a:latin typeface="Segoe UI" panose="020B0502040204020203" pitchFamily="34" charset="0"/>
+                <a:cs typeface="Segoe UI" panose="020B0502040204020203" pitchFamily="34" charset="0"/>
+              </a:rPr>
+              <a:t> </a:t>
+            </a:r>
+            <a:r>
+              <a:rPr lang="en-US" altLang="zh-CN" sz="1500" dirty="0">
+                <a:latin typeface="Segoe UI" panose="020B0502040204020203" pitchFamily="34" charset="0"/>
+                <a:cs typeface="Segoe UI" panose="020B0502040204020203" pitchFamily="34" charset="0"/>
+              </a:rPr>
+              <a:t>the</a:t>
+            </a:r>
+            <a:r>
+              <a:rPr lang="zh-CN" altLang="en-US" sz="1500" dirty="0">
+                <a:latin typeface="Segoe UI" panose="020B0502040204020203" pitchFamily="34" charset="0"/>
+                <a:cs typeface="Segoe UI" panose="020B0502040204020203" pitchFamily="34" charset="0"/>
+              </a:rPr>
+              <a:t> </a:t>
+            </a:r>
+            <a:r>
+              <a:rPr lang="en-US" sz="1500" dirty="0">
+                <a:latin typeface="Segoe UI" panose="020B0502040204020203" pitchFamily="34" charset="0"/>
+                <a:cs typeface="Segoe UI" panose="020B0502040204020203" pitchFamily="34" charset="0"/>
+              </a:rPr>
+              <a:t>selection. </a:t>
+            </a:r>
+          </a:p>
+          <a:p>
+            <a:r>
+              <a:rPr lang="en-US" dirty="0"/>
+              <a:t> </a:t>
+            </a:r>
+          </a:p>
+        </p:txBody>
+      </p:sp>
+      <p:pic>
+        <p:nvPicPr>
+          <p:cNvPr id="3" name="Picture 2" descr="Diagram&#10;&#10;Description automatically generated">
             <a:extLst>
               <a:ext uri="{FF2B5EF4-FFF2-40B4-BE49-F238E27FC236}">
-                <a16:creationId xmlns:a16="http://schemas.microsoft.com/office/drawing/2014/main" id="{FDA68AAD-840A-1947-BFEE-CF39614CD04F}"/>
-              </a:ext>
-            </a:extLst>
-          </p:cNvPr>
-          <p:cNvGrpSpPr/>
-          <p:nvPr/>
-        </p:nvGrpSpPr>
-        <p:grpSpPr>
-          <a:xfrm>
-            <a:off x="5551867" y="11771447"/>
-            <a:ext cx="3567105" cy="2645100"/>
-            <a:chOff x="5317992" y="11183425"/>
-            <a:chExt cx="4223883" cy="3364130"/>
-          </a:xfrm>
-        </p:grpSpPr>
-        <p:pic>
-          <p:nvPicPr>
-            <p:cNvPr id="6" name="Picture 5">
-              <a:extLst>
-                <a:ext uri="{FF2B5EF4-FFF2-40B4-BE49-F238E27FC236}">
-                  <a16:creationId xmlns:a16="http://schemas.microsoft.com/office/drawing/2014/main" id="{78DD0C75-5A7B-FA48-B90C-28CDD19BC4C2}"/>
-                </a:ext>
-              </a:extLst>
-            </p:cNvPr>
-            <p:cNvPicPr>
-              <a:picLocks noChangeAspect="1"/>
-            </p:cNvPicPr>
-            <p:nvPr/>
-          </p:nvPicPr>
-          <p:blipFill rotWithShape="1">
-            <a:blip r:embed="rId5"/>
-            <a:srcRect l="6167" t="7938" r="23761" b="4117"/>
-            <a:stretch/>
-          </p:blipFill>
-          <p:spPr>
-            <a:xfrm>
-              <a:off x="5697473" y="11183425"/>
-              <a:ext cx="3844402" cy="3216662"/>
-            </a:xfrm>
-            <a:prstGeom prst="rect">
-              <a:avLst/>
-            </a:prstGeom>
-          </p:spPr>
-        </p:pic>
-        <p:sp>
-          <p:nvSpPr>
-            <p:cNvPr id="9" name="TextBox 8">
-              <a:extLst>
-                <a:ext uri="{FF2B5EF4-FFF2-40B4-BE49-F238E27FC236}">
-                  <a16:creationId xmlns:a16="http://schemas.microsoft.com/office/drawing/2014/main" id="{05373D43-ED1A-164C-B733-957BB0E80DCF}"/>
-                </a:ext>
-              </a:extLst>
-            </p:cNvPr>
-            <p:cNvSpPr txBox="1"/>
-            <p:nvPr/>
-          </p:nvSpPr>
-          <p:spPr>
-            <a:xfrm flipH="1">
-              <a:off x="5317992" y="11912099"/>
-              <a:ext cx="420848" cy="1743585"/>
-            </a:xfrm>
-            <a:prstGeom prst="rect">
-              <a:avLst/>
-            </a:prstGeom>
-            <a:noFill/>
-          </p:spPr>
-          <p:txBody>
-            <a:bodyPr vert="eaVert" wrap="square" rtlCol="0">
-              <a:spAutoFit/>
-            </a:bodyPr>
-            <a:lstStyle/>
-            <a:p>
-              <a:r>
-                <a:rPr lang="en-US" altLang="zh-CN" sz="1400" dirty="0">
-                  <a:latin typeface="Segoe UI" panose="020B0502040204020203" pitchFamily="34" charset="0"/>
-                  <a:cs typeface="Segoe UI" panose="020B0502040204020203" pitchFamily="34" charset="0"/>
-                </a:rPr>
-                <a:t>Predicted</a:t>
-              </a:r>
-              <a:r>
-                <a:rPr lang="zh-CN" altLang="en-US" sz="1400" dirty="0"/>
-                <a:t> </a:t>
-              </a:r>
-              <a:r>
-                <a:rPr lang="en-US" altLang="zh-CN" sz="1400" dirty="0"/>
-                <a:t>Class</a:t>
-              </a:r>
-            </a:p>
-          </p:txBody>
-        </p:sp>
-        <p:sp>
-          <p:nvSpPr>
-            <p:cNvPr id="12" name="TextBox 11">
-              <a:extLst>
-                <a:ext uri="{FF2B5EF4-FFF2-40B4-BE49-F238E27FC236}">
-                  <a16:creationId xmlns:a16="http://schemas.microsoft.com/office/drawing/2014/main" id="{3241052C-2608-5044-AA13-0C74B6D6DE91}"/>
-                </a:ext>
-              </a:extLst>
-            </p:cNvPr>
-            <p:cNvSpPr txBox="1"/>
-            <p:nvPr/>
-          </p:nvSpPr>
-          <p:spPr>
-            <a:xfrm>
-              <a:off x="7293597" y="14223985"/>
-              <a:ext cx="1988289" cy="323570"/>
-            </a:xfrm>
-            <a:prstGeom prst="rect">
-              <a:avLst/>
-            </a:prstGeom>
-            <a:noFill/>
-          </p:spPr>
-          <p:txBody>
-            <a:bodyPr wrap="square" rtlCol="0">
-              <a:spAutoFit/>
-            </a:bodyPr>
-            <a:lstStyle/>
-            <a:p>
-              <a:r>
-                <a:rPr lang="en-US" altLang="zh-CN" sz="1400" dirty="0">
-                  <a:latin typeface="Segoe UI" panose="020B0502040204020203" pitchFamily="34" charset="0"/>
-                  <a:cs typeface="Segoe UI" panose="020B0502040204020203" pitchFamily="34" charset="0"/>
-                </a:rPr>
-                <a:t>True</a:t>
-              </a:r>
-              <a:r>
-                <a:rPr lang="zh-CN" altLang="en-US" sz="1400" dirty="0">
-                  <a:latin typeface="Segoe UI" panose="020B0502040204020203" pitchFamily="34" charset="0"/>
-                  <a:cs typeface="Segoe UI" panose="020B0502040204020203" pitchFamily="34" charset="0"/>
-                </a:rPr>
-                <a:t> </a:t>
-              </a:r>
-              <a:r>
-                <a:rPr lang="en-US" altLang="zh-CN" sz="1400" dirty="0">
-                  <a:latin typeface="Segoe UI" panose="020B0502040204020203" pitchFamily="34" charset="0"/>
-                  <a:cs typeface="Segoe UI" panose="020B0502040204020203" pitchFamily="34" charset="0"/>
-                </a:rPr>
-                <a:t>Class</a:t>
-              </a:r>
-              <a:endParaRPr lang="en-US" sz="1400" dirty="0">
-                <a:latin typeface="Segoe UI" panose="020B0502040204020203" pitchFamily="34" charset="0"/>
-                <a:cs typeface="Segoe UI" panose="020B0502040204020203" pitchFamily="34" charset="0"/>
-              </a:endParaRPr>
-            </a:p>
-          </p:txBody>
-        </p:sp>
-      </p:grpSp>
-      <p:pic>
-        <p:nvPicPr>
-          <p:cNvPr id="3" name="Picture 2" descr="Timeline&#10;&#10;Description automatically generated">
-            <a:extLst>
-              <a:ext uri="{FF2B5EF4-FFF2-40B4-BE49-F238E27FC236}">
-                <a16:creationId xmlns:a16="http://schemas.microsoft.com/office/drawing/2014/main" id="{37FBF2D5-A01B-A24C-88D1-7EFC9488DF28}"/>
+                <a16:creationId xmlns:a16="http://schemas.microsoft.com/office/drawing/2014/main" id="{67E013AA-1BE0-D040-92F3-B11CF6976961}"/>
               </a:ext>
             </a:extLst>
           </p:cNvPr>
@@ -5755,7 +4514,7 @@
           <p:nvPr/>
         </p:nvPicPr>
         <p:blipFill>
-          <a:blip r:embed="rId6">
+          <a:blip r:embed="rId5">
             <a:extLst>
               <a:ext uri="{28A0092B-C50C-407E-A947-70E740481C1C}">
                 <a14:useLocalDpi xmlns:a14="http://schemas.microsoft.com/office/drawing/2010/main" val="0"/>
@@ -5768,8 +4527,8 @@
         </p:blipFill>
         <p:spPr>
           <a:xfrm>
-            <a:off x="6097031" y="7873340"/>
-            <a:ext cx="3444844" cy="2778933"/>
+            <a:off x="4898156" y="5787073"/>
+            <a:ext cx="5046779" cy="3130928"/>
           </a:xfrm>
           <a:prstGeom prst="rect">
             <a:avLst/>
@@ -5778,10 +4537,10 @@
       </p:pic>
       <p:sp>
         <p:nvSpPr>
-          <p:cNvPr id="4" name="TextBox 3">
+          <p:cNvPr id="15" name="TextBox 14">
             <a:extLst>
               <a:ext uri="{FF2B5EF4-FFF2-40B4-BE49-F238E27FC236}">
-                <a16:creationId xmlns:a16="http://schemas.microsoft.com/office/drawing/2014/main" id="{7F77BD11-717B-F140-9D22-39D30C6BE0D2}"/>
+                <a16:creationId xmlns:a16="http://schemas.microsoft.com/office/drawing/2014/main" id="{6C536F16-77E6-C947-A509-163B5F41F8CB}"/>
               </a:ext>
             </a:extLst>
           </p:cNvPr>
@@ -5790,8 +4549,8 @@
         </p:nvSpPr>
         <p:spPr>
           <a:xfrm>
-            <a:off x="5632595" y="5634266"/>
-            <a:ext cx="4021323" cy="2239074"/>
+            <a:off x="7190489" y="5968973"/>
+            <a:ext cx="1479665" cy="246221"/>
           </a:xfrm>
           <a:prstGeom prst="rect">
             <a:avLst/>
@@ -5805,1680 +4564,9 @@
           <a:lstStyle/>
           <a:p>
             <a:r>
-              <a:rPr lang="en-US" altLang="zh-CN" sz="1550" dirty="0">
-                <a:latin typeface="Segoe UI" panose="020B0502040204020203" pitchFamily="34" charset="0"/>
-                <a:cs typeface="Segoe UI" panose="020B0502040204020203" pitchFamily="34" charset="0"/>
-              </a:rPr>
-              <a:t>Random</a:t>
-            </a:r>
-            <a:r>
-              <a:rPr lang="zh-CN" altLang="en-US" sz="1550" dirty="0">
-                <a:latin typeface="Segoe UI" panose="020B0502040204020203" pitchFamily="34" charset="0"/>
-                <a:cs typeface="Segoe UI" panose="020B0502040204020203" pitchFamily="34" charset="0"/>
-              </a:rPr>
-              <a:t> </a:t>
-            </a:r>
-            <a:r>
-              <a:rPr lang="en-US" altLang="zh-CN" sz="1550" dirty="0">
-                <a:latin typeface="Segoe UI" panose="020B0502040204020203" pitchFamily="34" charset="0"/>
-                <a:cs typeface="Segoe UI" panose="020B0502040204020203" pitchFamily="34" charset="0"/>
-              </a:rPr>
-              <a:t>Forest</a:t>
-            </a:r>
-            <a:r>
-              <a:rPr lang="zh-CN" altLang="en-US" sz="1550" dirty="0">
-                <a:latin typeface="Segoe UI" panose="020B0502040204020203" pitchFamily="34" charset="0"/>
-                <a:cs typeface="Segoe UI" panose="020B0502040204020203" pitchFamily="34" charset="0"/>
-              </a:rPr>
-              <a:t> </a:t>
-            </a:r>
-            <a:r>
-              <a:rPr lang="en-US" altLang="zh-CN" sz="1550" dirty="0">
-                <a:latin typeface="Segoe UI" panose="020B0502040204020203" pitchFamily="34" charset="0"/>
-                <a:cs typeface="Segoe UI" panose="020B0502040204020203" pitchFamily="34" charset="0"/>
-              </a:rPr>
-              <a:t>Classifier</a:t>
-            </a:r>
-            <a:r>
-              <a:rPr lang="zh-CN" altLang="en-US" sz="1550" dirty="0">
-                <a:latin typeface="Segoe UI" panose="020B0502040204020203" pitchFamily="34" charset="0"/>
-                <a:cs typeface="Segoe UI" panose="020B0502040204020203" pitchFamily="34" charset="0"/>
-              </a:rPr>
-              <a:t> </a:t>
-            </a:r>
-            <a:r>
-              <a:rPr lang="en-US" altLang="zh-CN" sz="1550" dirty="0">
-                <a:latin typeface="Segoe UI" panose="020B0502040204020203" pitchFamily="34" charset="0"/>
-                <a:cs typeface="Segoe UI" panose="020B0502040204020203" pitchFamily="34" charset="0"/>
-              </a:rPr>
-              <a:t>is</a:t>
-            </a:r>
-            <a:r>
-              <a:rPr lang="zh-CN" altLang="en-US" sz="1550" dirty="0">
-                <a:latin typeface="Segoe UI" panose="020B0502040204020203" pitchFamily="34" charset="0"/>
-                <a:cs typeface="Segoe UI" panose="020B0502040204020203" pitchFamily="34" charset="0"/>
-              </a:rPr>
-              <a:t> </a:t>
-            </a:r>
-            <a:r>
-              <a:rPr lang="en-US" altLang="zh-CN" sz="1550" dirty="0">
-                <a:latin typeface="Segoe UI" panose="020B0502040204020203" pitchFamily="34" charset="0"/>
-                <a:cs typeface="Segoe UI" panose="020B0502040204020203" pitchFamily="34" charset="0"/>
-              </a:rPr>
-              <a:t>classification</a:t>
-            </a:r>
-            <a:r>
-              <a:rPr lang="zh-CN" altLang="en-US" sz="1550" dirty="0">
-                <a:latin typeface="Segoe UI" panose="020B0502040204020203" pitchFamily="34" charset="0"/>
-                <a:cs typeface="Segoe UI" panose="020B0502040204020203" pitchFamily="34" charset="0"/>
-              </a:rPr>
-              <a:t> </a:t>
-            </a:r>
-            <a:r>
-              <a:rPr lang="en-US" altLang="zh-CN" sz="1550" dirty="0">
-                <a:latin typeface="Segoe UI" panose="020B0502040204020203" pitchFamily="34" charset="0"/>
-                <a:cs typeface="Segoe UI" panose="020B0502040204020203" pitchFamily="34" charset="0"/>
-              </a:rPr>
-              <a:t>model</a:t>
-            </a:r>
-            <a:r>
-              <a:rPr lang="zh-CN" altLang="en-US" sz="1550" dirty="0">
-                <a:latin typeface="Segoe UI" panose="020B0502040204020203" pitchFamily="34" charset="0"/>
-                <a:cs typeface="Segoe UI" panose="020B0502040204020203" pitchFamily="34" charset="0"/>
-              </a:rPr>
-              <a:t> </a:t>
-            </a:r>
-            <a:r>
-              <a:rPr lang="en-US" altLang="zh-CN" sz="1550" dirty="0">
-                <a:latin typeface="Segoe UI" panose="020B0502040204020203" pitchFamily="34" charset="0"/>
-                <a:cs typeface="Segoe UI" panose="020B0502040204020203" pitchFamily="34" charset="0"/>
-              </a:rPr>
-              <a:t>that</a:t>
-            </a:r>
-            <a:r>
-              <a:rPr lang="zh-CN" altLang="en-US" sz="1550" dirty="0">
-                <a:latin typeface="Segoe UI" panose="020B0502040204020203" pitchFamily="34" charset="0"/>
-                <a:cs typeface="Segoe UI" panose="020B0502040204020203" pitchFamily="34" charset="0"/>
-              </a:rPr>
-              <a:t> </a:t>
-            </a:r>
-            <a:r>
-              <a:rPr lang="en-US" altLang="zh-CN" sz="1550" dirty="0">
-                <a:latin typeface="Segoe UI" panose="020B0502040204020203" pitchFamily="34" charset="0"/>
-                <a:cs typeface="Segoe UI" panose="020B0502040204020203" pitchFamily="34" charset="0"/>
-              </a:rPr>
-              <a:t>consists</a:t>
-            </a:r>
-            <a:r>
-              <a:rPr lang="zh-CN" altLang="en-US" sz="1550" dirty="0">
-                <a:latin typeface="Segoe UI" panose="020B0502040204020203" pitchFamily="34" charset="0"/>
-                <a:cs typeface="Segoe UI" panose="020B0502040204020203" pitchFamily="34" charset="0"/>
-              </a:rPr>
-              <a:t> </a:t>
-            </a:r>
-            <a:r>
-              <a:rPr lang="en-US" altLang="zh-CN" sz="1550" dirty="0">
-                <a:latin typeface="Segoe UI" panose="020B0502040204020203" pitchFamily="34" charset="0"/>
-                <a:cs typeface="Segoe UI" panose="020B0502040204020203" pitchFamily="34" charset="0"/>
-              </a:rPr>
-              <a:t>of</a:t>
-            </a:r>
-            <a:r>
-              <a:rPr lang="zh-CN" altLang="en-US" sz="1550" dirty="0">
-                <a:latin typeface="Segoe UI" panose="020B0502040204020203" pitchFamily="34" charset="0"/>
-                <a:cs typeface="Segoe UI" panose="020B0502040204020203" pitchFamily="34" charset="0"/>
-              </a:rPr>
-              <a:t> </a:t>
-            </a:r>
-            <a:r>
-              <a:rPr lang="en-US" altLang="zh-CN" sz="1550" dirty="0">
-                <a:latin typeface="Segoe UI" panose="020B0502040204020203" pitchFamily="34" charset="0"/>
-                <a:cs typeface="Segoe UI" panose="020B0502040204020203" pitchFamily="34" charset="0"/>
-              </a:rPr>
-              <a:t>many</a:t>
-            </a:r>
-            <a:r>
-              <a:rPr lang="zh-CN" altLang="en-US" sz="1550" dirty="0">
-                <a:latin typeface="Segoe UI" panose="020B0502040204020203" pitchFamily="34" charset="0"/>
-                <a:cs typeface="Segoe UI" panose="020B0502040204020203" pitchFamily="34" charset="0"/>
-              </a:rPr>
-              <a:t> </a:t>
-            </a:r>
-            <a:r>
-              <a:rPr lang="en-US" altLang="zh-CN" sz="1550" dirty="0">
-                <a:latin typeface="Segoe UI" panose="020B0502040204020203" pitchFamily="34" charset="0"/>
-                <a:cs typeface="Segoe UI" panose="020B0502040204020203" pitchFamily="34" charset="0"/>
-              </a:rPr>
-              <a:t>decision</a:t>
-            </a:r>
-            <a:r>
-              <a:rPr lang="zh-CN" altLang="en-US" sz="1550" dirty="0">
-                <a:latin typeface="Segoe UI" panose="020B0502040204020203" pitchFamily="34" charset="0"/>
-                <a:cs typeface="Segoe UI" panose="020B0502040204020203" pitchFamily="34" charset="0"/>
-              </a:rPr>
-              <a:t> </a:t>
-            </a:r>
-            <a:r>
-              <a:rPr lang="en-US" altLang="zh-CN" sz="1550" dirty="0">
-                <a:latin typeface="Segoe UI" panose="020B0502040204020203" pitchFamily="34" charset="0"/>
-                <a:cs typeface="Segoe UI" panose="020B0502040204020203" pitchFamily="34" charset="0"/>
-              </a:rPr>
-              <a:t>tree</a:t>
-            </a:r>
-            <a:r>
-              <a:rPr lang="zh-CN" altLang="en-US" sz="1550" dirty="0">
-                <a:latin typeface="Segoe UI" panose="020B0502040204020203" pitchFamily="34" charset="0"/>
-                <a:cs typeface="Segoe UI" panose="020B0502040204020203" pitchFamily="34" charset="0"/>
-              </a:rPr>
-              <a:t> </a:t>
-            </a:r>
-            <a:r>
-              <a:rPr lang="en-US" altLang="zh-CN" sz="1550" dirty="0">
-                <a:latin typeface="Segoe UI" panose="020B0502040204020203" pitchFamily="34" charset="0"/>
-                <a:cs typeface="Segoe UI" panose="020B0502040204020203" pitchFamily="34" charset="0"/>
-              </a:rPr>
-              <a:t>models.</a:t>
-            </a:r>
-            <a:r>
-              <a:rPr lang="zh-CN" altLang="en-US" sz="1550" dirty="0">
-                <a:latin typeface="Segoe UI" panose="020B0502040204020203" pitchFamily="34" charset="0"/>
-                <a:cs typeface="Segoe UI" panose="020B0502040204020203" pitchFamily="34" charset="0"/>
-              </a:rPr>
-              <a:t> </a:t>
-            </a:r>
-            <a:r>
-              <a:rPr lang="en-US" altLang="zh-CN" sz="1550" dirty="0">
-                <a:latin typeface="Segoe UI" panose="020B0502040204020203" pitchFamily="34" charset="0"/>
-                <a:cs typeface="Segoe UI" panose="020B0502040204020203" pitchFamily="34" charset="0"/>
-              </a:rPr>
-              <a:t>It</a:t>
-            </a:r>
-            <a:r>
-              <a:rPr lang="zh-CN" altLang="en-US" sz="1550" dirty="0">
-                <a:latin typeface="Segoe UI" panose="020B0502040204020203" pitchFamily="34" charset="0"/>
-                <a:cs typeface="Segoe UI" panose="020B0502040204020203" pitchFamily="34" charset="0"/>
-              </a:rPr>
-              <a:t> </a:t>
-            </a:r>
-            <a:r>
-              <a:rPr lang="en-US" altLang="zh-CN" sz="1550" dirty="0">
-                <a:latin typeface="Segoe UI" panose="020B0502040204020203" pitchFamily="34" charset="0"/>
-                <a:cs typeface="Segoe UI" panose="020B0502040204020203" pitchFamily="34" charset="0"/>
-              </a:rPr>
-              <a:t>reduces</a:t>
-            </a:r>
-            <a:r>
-              <a:rPr lang="zh-CN" altLang="en-US" sz="1550" dirty="0">
-                <a:latin typeface="Segoe UI" panose="020B0502040204020203" pitchFamily="34" charset="0"/>
-                <a:cs typeface="Segoe UI" panose="020B0502040204020203" pitchFamily="34" charset="0"/>
-              </a:rPr>
-              <a:t> </a:t>
-            </a:r>
-            <a:r>
-              <a:rPr lang="en-US" altLang="zh-CN" sz="1550" dirty="0">
-                <a:latin typeface="Segoe UI" panose="020B0502040204020203" pitchFamily="34" charset="0"/>
-                <a:cs typeface="Segoe UI" panose="020B0502040204020203" pitchFamily="34" charset="0"/>
-              </a:rPr>
-              <a:t>the</a:t>
-            </a:r>
-            <a:r>
-              <a:rPr lang="zh-CN" altLang="en-US" sz="1550" dirty="0">
-                <a:latin typeface="Segoe UI" panose="020B0502040204020203" pitchFamily="34" charset="0"/>
-                <a:cs typeface="Segoe UI" panose="020B0502040204020203" pitchFamily="34" charset="0"/>
-              </a:rPr>
-              <a:t> </a:t>
-            </a:r>
-            <a:r>
-              <a:rPr lang="en-US" altLang="zh-CN" sz="1550" dirty="0">
-                <a:latin typeface="Segoe UI" panose="020B0502040204020203" pitchFamily="34" charset="0"/>
-                <a:cs typeface="Segoe UI" panose="020B0502040204020203" pitchFamily="34" charset="0"/>
-              </a:rPr>
-              <a:t>variance</a:t>
-            </a:r>
-            <a:r>
-              <a:rPr lang="zh-CN" altLang="en-US" sz="1550" dirty="0">
-                <a:latin typeface="Segoe UI" panose="020B0502040204020203" pitchFamily="34" charset="0"/>
-                <a:cs typeface="Segoe UI" panose="020B0502040204020203" pitchFamily="34" charset="0"/>
-              </a:rPr>
-              <a:t> </a:t>
-            </a:r>
-            <a:r>
-              <a:rPr lang="en-US" altLang="zh-CN" sz="1550" dirty="0">
-                <a:latin typeface="Segoe UI" panose="020B0502040204020203" pitchFamily="34" charset="0"/>
-                <a:cs typeface="Segoe UI" panose="020B0502040204020203" pitchFamily="34" charset="0"/>
-              </a:rPr>
-              <a:t>by</a:t>
-            </a:r>
-            <a:r>
-              <a:rPr lang="zh-CN" altLang="en-US" sz="1550" dirty="0">
-                <a:latin typeface="Segoe UI" panose="020B0502040204020203" pitchFamily="34" charset="0"/>
-                <a:cs typeface="Segoe UI" panose="020B0502040204020203" pitchFamily="34" charset="0"/>
-              </a:rPr>
-              <a:t> </a:t>
-            </a:r>
-            <a:r>
-              <a:rPr lang="en-US" altLang="zh-CN" sz="1550" dirty="0">
-                <a:latin typeface="Segoe UI" panose="020B0502040204020203" pitchFamily="34" charset="0"/>
-                <a:cs typeface="Segoe UI" panose="020B0502040204020203" pitchFamily="34" charset="0"/>
-              </a:rPr>
-              <a:t>using</a:t>
-            </a:r>
-            <a:r>
-              <a:rPr lang="zh-CN" altLang="en-US" sz="1550" dirty="0">
-                <a:latin typeface="Segoe UI" panose="020B0502040204020203" pitchFamily="34" charset="0"/>
-                <a:cs typeface="Segoe UI" panose="020B0502040204020203" pitchFamily="34" charset="0"/>
-              </a:rPr>
-              <a:t> </a:t>
-            </a:r>
-            <a:r>
-              <a:rPr lang="en-US" altLang="zh-CN" sz="1550" dirty="0">
-                <a:latin typeface="Segoe UI" panose="020B0502040204020203" pitchFamily="34" charset="0"/>
-                <a:cs typeface="Segoe UI" panose="020B0502040204020203" pitchFamily="34" charset="0"/>
-              </a:rPr>
-              <a:t>different</a:t>
-            </a:r>
-            <a:r>
-              <a:rPr lang="zh-CN" altLang="en-US" sz="1550" dirty="0">
-                <a:latin typeface="Segoe UI" panose="020B0502040204020203" pitchFamily="34" charset="0"/>
-                <a:cs typeface="Segoe UI" panose="020B0502040204020203" pitchFamily="34" charset="0"/>
-              </a:rPr>
-              <a:t> </a:t>
-            </a:r>
-            <a:r>
-              <a:rPr lang="en-US" altLang="zh-CN" sz="1550" dirty="0">
-                <a:latin typeface="Segoe UI" panose="020B0502040204020203" pitchFamily="34" charset="0"/>
-                <a:cs typeface="Segoe UI" panose="020B0502040204020203" pitchFamily="34" charset="0"/>
-              </a:rPr>
-              <a:t>portion</a:t>
-            </a:r>
-            <a:r>
-              <a:rPr lang="zh-CN" altLang="en-US" sz="1550" dirty="0">
-                <a:latin typeface="Segoe UI" panose="020B0502040204020203" pitchFamily="34" charset="0"/>
-                <a:cs typeface="Segoe UI" panose="020B0502040204020203" pitchFamily="34" charset="0"/>
-              </a:rPr>
-              <a:t> </a:t>
-            </a:r>
-            <a:r>
-              <a:rPr lang="en-US" altLang="zh-CN" sz="1550" dirty="0">
-                <a:latin typeface="Segoe UI" panose="020B0502040204020203" pitchFamily="34" charset="0"/>
-                <a:cs typeface="Segoe UI" panose="020B0502040204020203" pitchFamily="34" charset="0"/>
-              </a:rPr>
-              <a:t>of</a:t>
-            </a:r>
-            <a:r>
-              <a:rPr lang="zh-CN" altLang="en-US" sz="1550" dirty="0">
-                <a:latin typeface="Segoe UI" panose="020B0502040204020203" pitchFamily="34" charset="0"/>
-                <a:cs typeface="Segoe UI" panose="020B0502040204020203" pitchFamily="34" charset="0"/>
-              </a:rPr>
-              <a:t> </a:t>
-            </a:r>
-            <a:r>
-              <a:rPr lang="en-US" altLang="zh-CN" sz="1550" dirty="0">
-                <a:latin typeface="Segoe UI" panose="020B0502040204020203" pitchFamily="34" charset="0"/>
-                <a:cs typeface="Segoe UI" panose="020B0502040204020203" pitchFamily="34" charset="0"/>
-              </a:rPr>
-              <a:t>the</a:t>
-            </a:r>
-            <a:r>
-              <a:rPr lang="zh-CN" altLang="en-US" sz="1550" dirty="0">
-                <a:latin typeface="Segoe UI" panose="020B0502040204020203" pitchFamily="34" charset="0"/>
-                <a:cs typeface="Segoe UI" panose="020B0502040204020203" pitchFamily="34" charset="0"/>
-              </a:rPr>
-              <a:t> </a:t>
-            </a:r>
-            <a:r>
-              <a:rPr lang="en-US" altLang="zh-CN" sz="1550" dirty="0">
-                <a:latin typeface="Segoe UI" panose="020B0502040204020203" pitchFamily="34" charset="0"/>
-                <a:cs typeface="Segoe UI" panose="020B0502040204020203" pitchFamily="34" charset="0"/>
-              </a:rPr>
-              <a:t>training</a:t>
-            </a:r>
-            <a:r>
-              <a:rPr lang="zh-CN" altLang="en-US" sz="1550" dirty="0">
-                <a:latin typeface="Segoe UI" panose="020B0502040204020203" pitchFamily="34" charset="0"/>
-                <a:cs typeface="Segoe UI" panose="020B0502040204020203" pitchFamily="34" charset="0"/>
-              </a:rPr>
-              <a:t> </a:t>
-            </a:r>
-            <a:r>
-              <a:rPr lang="en-US" altLang="zh-CN" sz="1550" dirty="0">
-                <a:latin typeface="Segoe UI" panose="020B0502040204020203" pitchFamily="34" charset="0"/>
-                <a:cs typeface="Segoe UI" panose="020B0502040204020203" pitchFamily="34" charset="0"/>
-              </a:rPr>
-              <a:t>data</a:t>
-            </a:r>
-            <a:r>
-              <a:rPr lang="zh-CN" altLang="en-US" sz="1550" dirty="0">
-                <a:latin typeface="Segoe UI" panose="020B0502040204020203" pitchFamily="34" charset="0"/>
-                <a:cs typeface="Segoe UI" panose="020B0502040204020203" pitchFamily="34" charset="0"/>
-              </a:rPr>
-              <a:t> </a:t>
-            </a:r>
-            <a:r>
-              <a:rPr lang="en-US" altLang="zh-CN" sz="1550" dirty="0">
-                <a:latin typeface="Segoe UI" panose="020B0502040204020203" pitchFamily="34" charset="0"/>
-                <a:cs typeface="Segoe UI" panose="020B0502040204020203" pitchFamily="34" charset="0"/>
-              </a:rPr>
-              <a:t>and</a:t>
-            </a:r>
-            <a:r>
-              <a:rPr lang="zh-CN" altLang="en-US" sz="1550" dirty="0">
-                <a:latin typeface="Segoe UI" panose="020B0502040204020203" pitchFamily="34" charset="0"/>
-                <a:cs typeface="Segoe UI" panose="020B0502040204020203" pitchFamily="34" charset="0"/>
-              </a:rPr>
-              <a:t> </a:t>
-            </a:r>
-            <a:r>
-              <a:rPr lang="en-US" altLang="zh-CN" sz="1550" dirty="0">
-                <a:latin typeface="Segoe UI" panose="020B0502040204020203" pitchFamily="34" charset="0"/>
-                <a:cs typeface="Segoe UI" panose="020B0502040204020203" pitchFamily="34" charset="0"/>
-              </a:rPr>
-              <a:t>reduces</a:t>
-            </a:r>
-            <a:r>
-              <a:rPr lang="zh-CN" altLang="en-US" sz="1550" dirty="0">
-                <a:latin typeface="Segoe UI" panose="020B0502040204020203" pitchFamily="34" charset="0"/>
-                <a:cs typeface="Segoe UI" panose="020B0502040204020203" pitchFamily="34" charset="0"/>
-              </a:rPr>
-              <a:t> </a:t>
-            </a:r>
-            <a:r>
-              <a:rPr lang="en-US" altLang="zh-CN" sz="1550" dirty="0">
-                <a:latin typeface="Segoe UI" panose="020B0502040204020203" pitchFamily="34" charset="0"/>
-                <a:cs typeface="Segoe UI" panose="020B0502040204020203" pitchFamily="34" charset="0"/>
-              </a:rPr>
-              <a:t>correlation</a:t>
-            </a:r>
-            <a:r>
-              <a:rPr lang="zh-CN" altLang="en-US" sz="1550" dirty="0">
-                <a:latin typeface="Segoe UI" panose="020B0502040204020203" pitchFamily="34" charset="0"/>
-                <a:cs typeface="Segoe UI" panose="020B0502040204020203" pitchFamily="34" charset="0"/>
-              </a:rPr>
-              <a:t> </a:t>
-            </a:r>
-            <a:r>
-              <a:rPr lang="en-US" altLang="zh-CN" sz="1550" dirty="0">
-                <a:latin typeface="Segoe UI" panose="020B0502040204020203" pitchFamily="34" charset="0"/>
-                <a:cs typeface="Segoe UI" panose="020B0502040204020203" pitchFamily="34" charset="0"/>
-              </a:rPr>
-              <a:t>between</a:t>
-            </a:r>
-            <a:r>
-              <a:rPr lang="zh-CN" altLang="en-US" sz="1550" dirty="0">
-                <a:latin typeface="Segoe UI" panose="020B0502040204020203" pitchFamily="34" charset="0"/>
-                <a:cs typeface="Segoe UI" panose="020B0502040204020203" pitchFamily="34" charset="0"/>
-              </a:rPr>
-              <a:t> </a:t>
-            </a:r>
-            <a:r>
-              <a:rPr lang="en-US" altLang="zh-CN" sz="1550" dirty="0">
-                <a:latin typeface="Segoe UI" panose="020B0502040204020203" pitchFamily="34" charset="0"/>
-                <a:cs typeface="Segoe UI" panose="020B0502040204020203" pitchFamily="34" charset="0"/>
-              </a:rPr>
-              <a:t>trees</a:t>
-            </a:r>
-            <a:r>
-              <a:rPr lang="zh-CN" altLang="en-US" sz="1550" dirty="0">
-                <a:latin typeface="Segoe UI" panose="020B0502040204020203" pitchFamily="34" charset="0"/>
-                <a:cs typeface="Segoe UI" panose="020B0502040204020203" pitchFamily="34" charset="0"/>
-              </a:rPr>
-              <a:t> </a:t>
-            </a:r>
-            <a:r>
-              <a:rPr lang="en-US" altLang="zh-CN" sz="1550" dirty="0">
-                <a:latin typeface="Segoe UI" panose="020B0502040204020203" pitchFamily="34" charset="0"/>
-                <a:cs typeface="Segoe UI" panose="020B0502040204020203" pitchFamily="34" charset="0"/>
-              </a:rPr>
-              <a:t>by</a:t>
-            </a:r>
-            <a:r>
-              <a:rPr lang="zh-CN" altLang="en-US" sz="1550" dirty="0">
-                <a:latin typeface="Segoe UI" panose="020B0502040204020203" pitchFamily="34" charset="0"/>
-                <a:cs typeface="Segoe UI" panose="020B0502040204020203" pitchFamily="34" charset="0"/>
-              </a:rPr>
-              <a:t> </a:t>
-            </a:r>
-            <a:r>
-              <a:rPr lang="en-US" altLang="zh-CN" sz="1550" dirty="0">
-                <a:latin typeface="Segoe UI" panose="020B0502040204020203" pitchFamily="34" charset="0"/>
-                <a:cs typeface="Segoe UI" panose="020B0502040204020203" pitchFamily="34" charset="0"/>
-              </a:rPr>
-              <a:t>randomly</a:t>
-            </a:r>
-            <a:r>
-              <a:rPr lang="zh-CN" altLang="en-US" sz="1550" dirty="0">
-                <a:latin typeface="Segoe UI" panose="020B0502040204020203" pitchFamily="34" charset="0"/>
-                <a:cs typeface="Segoe UI" panose="020B0502040204020203" pitchFamily="34" charset="0"/>
-              </a:rPr>
-              <a:t> </a:t>
-            </a:r>
-            <a:r>
-              <a:rPr lang="en-US" altLang="zh-CN" sz="1550" dirty="0">
-                <a:latin typeface="Segoe UI" panose="020B0502040204020203" pitchFamily="34" charset="0"/>
-                <a:cs typeface="Segoe UI" panose="020B0502040204020203" pitchFamily="34" charset="0"/>
-              </a:rPr>
-              <a:t>select</a:t>
-            </a:r>
-            <a:r>
-              <a:rPr lang="zh-CN" altLang="en-US" sz="1550" dirty="0">
-                <a:latin typeface="Segoe UI" panose="020B0502040204020203" pitchFamily="34" charset="0"/>
-                <a:cs typeface="Segoe UI" panose="020B0502040204020203" pitchFamily="34" charset="0"/>
-              </a:rPr>
-              <a:t> </a:t>
-            </a:r>
-            <a:r>
-              <a:rPr lang="en-US" altLang="zh-CN" sz="1550" dirty="0">
-                <a:latin typeface="Segoe UI" panose="020B0502040204020203" pitchFamily="34" charset="0"/>
-                <a:cs typeface="Segoe UI" panose="020B0502040204020203" pitchFamily="34" charset="0"/>
-              </a:rPr>
-              <a:t>features.</a:t>
-            </a:r>
-            <a:r>
-              <a:rPr lang="zh-CN" altLang="en-US" sz="1550" dirty="0">
-                <a:latin typeface="Segoe UI" panose="020B0502040204020203" pitchFamily="34" charset="0"/>
-                <a:cs typeface="Segoe UI" panose="020B0502040204020203" pitchFamily="34" charset="0"/>
-              </a:rPr>
-              <a:t> </a:t>
-            </a:r>
-            <a:endParaRPr lang="en-US" altLang="zh-CN" sz="1550" dirty="0">
-              <a:latin typeface="Segoe UI" panose="020B0502040204020203" pitchFamily="34" charset="0"/>
-              <a:cs typeface="Segoe UI" panose="020B0502040204020203" pitchFamily="34" charset="0"/>
-            </a:endParaRPr>
-          </a:p>
-          <a:p>
-            <a:endParaRPr lang="en-US" altLang="zh-CN" sz="1550" dirty="0">
-              <a:latin typeface="Segoe UI" panose="020B0502040204020203" pitchFamily="34" charset="0"/>
-              <a:cs typeface="Segoe UI" panose="020B0502040204020203" pitchFamily="34" charset="0"/>
-            </a:endParaRPr>
-          </a:p>
-          <a:p>
-            <a:r>
-              <a:rPr lang="en-US" altLang="zh-CN" sz="1550" dirty="0">
-                <a:latin typeface="Segoe UI" panose="020B0502040204020203" pitchFamily="34" charset="0"/>
-                <a:cs typeface="Segoe UI" panose="020B0502040204020203" pitchFamily="34" charset="0"/>
-              </a:rPr>
-              <a:t>Below</a:t>
-            </a:r>
-            <a:r>
-              <a:rPr lang="zh-CN" altLang="en-US" sz="1550" dirty="0">
-                <a:latin typeface="Segoe UI" panose="020B0502040204020203" pitchFamily="34" charset="0"/>
-                <a:cs typeface="Segoe UI" panose="020B0502040204020203" pitchFamily="34" charset="0"/>
-              </a:rPr>
-              <a:t> </a:t>
-            </a:r>
-            <a:r>
-              <a:rPr lang="en-US" altLang="zh-CN" sz="1550" dirty="0">
-                <a:latin typeface="Segoe UI" panose="020B0502040204020203" pitchFamily="34" charset="0"/>
-                <a:cs typeface="Segoe UI" panose="020B0502040204020203" pitchFamily="34" charset="0"/>
-              </a:rPr>
-              <a:t>is</a:t>
-            </a:r>
-            <a:r>
-              <a:rPr lang="zh-CN" altLang="en-US" sz="1550" dirty="0">
-                <a:latin typeface="Segoe UI" panose="020B0502040204020203" pitchFamily="34" charset="0"/>
-                <a:cs typeface="Segoe UI" panose="020B0502040204020203" pitchFamily="34" charset="0"/>
-              </a:rPr>
-              <a:t> </a:t>
-            </a:r>
-            <a:r>
-              <a:rPr lang="en-US" altLang="zh-CN" sz="1550" dirty="0">
-                <a:latin typeface="Segoe UI" panose="020B0502040204020203" pitchFamily="34" charset="0"/>
-                <a:cs typeface="Segoe UI" panose="020B0502040204020203" pitchFamily="34" charset="0"/>
-              </a:rPr>
-              <a:t>a</a:t>
-            </a:r>
-            <a:r>
-              <a:rPr lang="zh-CN" altLang="en-US" sz="1550" dirty="0">
-                <a:latin typeface="Segoe UI" panose="020B0502040204020203" pitchFamily="34" charset="0"/>
-                <a:cs typeface="Segoe UI" panose="020B0502040204020203" pitchFamily="34" charset="0"/>
-              </a:rPr>
-              <a:t> </a:t>
-            </a:r>
-            <a:r>
-              <a:rPr lang="en-US" altLang="zh-CN" sz="1550" dirty="0">
-                <a:latin typeface="Segoe UI" panose="020B0502040204020203" pitchFamily="34" charset="0"/>
-                <a:cs typeface="Segoe UI" panose="020B0502040204020203" pitchFamily="34" charset="0"/>
-              </a:rPr>
-              <a:t>visualization</a:t>
-            </a:r>
-            <a:r>
-              <a:rPr lang="zh-CN" altLang="en-US" sz="1550" dirty="0">
-                <a:latin typeface="Segoe UI" panose="020B0502040204020203" pitchFamily="34" charset="0"/>
-                <a:cs typeface="Segoe UI" panose="020B0502040204020203" pitchFamily="34" charset="0"/>
-              </a:rPr>
-              <a:t> </a:t>
-            </a:r>
-            <a:r>
-              <a:rPr lang="en-US" altLang="zh-CN" sz="1550" dirty="0">
-                <a:latin typeface="Segoe UI" panose="020B0502040204020203" pitchFamily="34" charset="0"/>
-                <a:cs typeface="Segoe UI" panose="020B0502040204020203" pitchFamily="34" charset="0"/>
-              </a:rPr>
-              <a:t>of</a:t>
-            </a:r>
-            <a:r>
-              <a:rPr lang="zh-CN" altLang="en-US" sz="1550" dirty="0">
-                <a:latin typeface="Segoe UI" panose="020B0502040204020203" pitchFamily="34" charset="0"/>
-                <a:cs typeface="Segoe UI" panose="020B0502040204020203" pitchFamily="34" charset="0"/>
-              </a:rPr>
-              <a:t> </a:t>
-            </a:r>
-            <a:r>
-              <a:rPr lang="en-US" altLang="zh-CN" sz="1550" dirty="0">
-                <a:latin typeface="Segoe UI" panose="020B0502040204020203" pitchFamily="34" charset="0"/>
-                <a:cs typeface="Segoe UI" panose="020B0502040204020203" pitchFamily="34" charset="0"/>
-              </a:rPr>
-              <a:t>one</a:t>
-            </a:r>
-            <a:r>
-              <a:rPr lang="zh-CN" altLang="en-US" sz="1550" dirty="0">
-                <a:latin typeface="Segoe UI" panose="020B0502040204020203" pitchFamily="34" charset="0"/>
-                <a:cs typeface="Segoe UI" panose="020B0502040204020203" pitchFamily="34" charset="0"/>
-              </a:rPr>
-              <a:t> </a:t>
-            </a:r>
-            <a:r>
-              <a:rPr lang="en-US" altLang="zh-CN" sz="1550" dirty="0">
-                <a:latin typeface="Segoe UI" panose="020B0502040204020203" pitchFamily="34" charset="0"/>
-                <a:cs typeface="Segoe UI" panose="020B0502040204020203" pitchFamily="34" charset="0"/>
-              </a:rPr>
-              <a:t>decision</a:t>
-            </a:r>
-            <a:r>
-              <a:rPr lang="zh-CN" altLang="en-US" sz="1550" dirty="0">
-                <a:latin typeface="Segoe UI" panose="020B0502040204020203" pitchFamily="34" charset="0"/>
-                <a:cs typeface="Segoe UI" panose="020B0502040204020203" pitchFamily="34" charset="0"/>
-              </a:rPr>
-              <a:t> </a:t>
-            </a:r>
-            <a:r>
-              <a:rPr lang="en-US" altLang="zh-CN" sz="1550" dirty="0">
-                <a:latin typeface="Segoe UI" panose="020B0502040204020203" pitchFamily="34" charset="0"/>
-                <a:cs typeface="Segoe UI" panose="020B0502040204020203" pitchFamily="34" charset="0"/>
-              </a:rPr>
-              <a:t>tree</a:t>
-            </a:r>
-            <a:r>
-              <a:rPr lang="zh-CN" altLang="en-US" sz="1550" dirty="0">
-                <a:latin typeface="Segoe UI" panose="020B0502040204020203" pitchFamily="34" charset="0"/>
-                <a:cs typeface="Segoe UI" panose="020B0502040204020203" pitchFamily="34" charset="0"/>
-              </a:rPr>
-              <a:t> </a:t>
-            </a:r>
-            <a:r>
-              <a:rPr lang="en-US" altLang="zh-CN" sz="1550" dirty="0">
-                <a:latin typeface="Segoe UI" panose="020B0502040204020203" pitchFamily="34" charset="0"/>
-                <a:cs typeface="Segoe UI" panose="020B0502040204020203" pitchFamily="34" charset="0"/>
-              </a:rPr>
-              <a:t>from</a:t>
-            </a:r>
-            <a:r>
-              <a:rPr lang="zh-CN" altLang="en-US" sz="1550" dirty="0">
-                <a:latin typeface="Segoe UI" panose="020B0502040204020203" pitchFamily="34" charset="0"/>
-                <a:cs typeface="Segoe UI" panose="020B0502040204020203" pitchFamily="34" charset="0"/>
-              </a:rPr>
-              <a:t> </a:t>
-            </a:r>
-            <a:r>
-              <a:rPr lang="en-US" altLang="zh-CN" sz="1550" dirty="0">
-                <a:latin typeface="Segoe UI" panose="020B0502040204020203" pitchFamily="34" charset="0"/>
-                <a:cs typeface="Segoe UI" panose="020B0502040204020203" pitchFamily="34" charset="0"/>
-              </a:rPr>
-              <a:t>my</a:t>
-            </a:r>
-            <a:r>
-              <a:rPr lang="zh-CN" altLang="en-US" sz="1550" dirty="0">
-                <a:latin typeface="Segoe UI" panose="020B0502040204020203" pitchFamily="34" charset="0"/>
-                <a:cs typeface="Segoe UI" panose="020B0502040204020203" pitchFamily="34" charset="0"/>
-              </a:rPr>
-              <a:t> </a:t>
-            </a:r>
-            <a:r>
-              <a:rPr lang="en-US" altLang="zh-CN" sz="1550" dirty="0">
-                <a:latin typeface="Segoe UI" panose="020B0502040204020203" pitchFamily="34" charset="0"/>
-                <a:cs typeface="Segoe UI" panose="020B0502040204020203" pitchFamily="34" charset="0"/>
-              </a:rPr>
-              <a:t>model.</a:t>
-            </a:r>
-            <a:r>
-              <a:rPr lang="zh-CN" altLang="en-US" sz="1550" dirty="0">
-                <a:latin typeface="Segoe UI" panose="020B0502040204020203" pitchFamily="34" charset="0"/>
-                <a:cs typeface="Segoe UI" panose="020B0502040204020203" pitchFamily="34" charset="0"/>
-              </a:rPr>
-              <a:t> </a:t>
-            </a:r>
-            <a:endParaRPr lang="en-US" altLang="zh-CN" sz="1550" dirty="0">
-              <a:latin typeface="Segoe UI" panose="020B0502040204020203" pitchFamily="34" charset="0"/>
-              <a:cs typeface="Segoe UI" panose="020B0502040204020203" pitchFamily="34" charset="0"/>
-            </a:endParaRPr>
-          </a:p>
-        </p:txBody>
-      </p:sp>
-      <p:sp>
-        <p:nvSpPr>
-          <p:cNvPr id="30" name="TextBox 29">
-            <a:extLst>
-              <a:ext uri="{FF2B5EF4-FFF2-40B4-BE49-F238E27FC236}">
-                <a16:creationId xmlns:a16="http://schemas.microsoft.com/office/drawing/2014/main" id="{155F0E81-19EF-3243-94E9-5CDC51FFAF4C}"/>
-              </a:ext>
-            </a:extLst>
-          </p:cNvPr>
-          <p:cNvSpPr txBox="1"/>
-          <p:nvPr/>
-        </p:nvSpPr>
-        <p:spPr>
-          <a:xfrm>
-            <a:off x="518865" y="11104991"/>
-            <a:ext cx="4102052" cy="3978012"/>
-          </a:xfrm>
-          <a:prstGeom prst="rect">
-            <a:avLst/>
-          </a:prstGeom>
-          <a:noFill/>
-        </p:spPr>
-        <p:txBody>
-          <a:bodyPr wrap="square" rtlCol="0">
-            <a:spAutoFit/>
-          </a:bodyPr>
-          <a:lstStyle/>
-          <a:p>
-            <a:r>
-              <a:rPr lang="en-US" altLang="zh-CN" sz="1550" dirty="0">
-                <a:latin typeface="Segoe UI" panose="020B0502040204020203" pitchFamily="34" charset="0"/>
-                <a:cs typeface="Segoe UI" panose="020B0502040204020203" pitchFamily="34" charset="0"/>
-              </a:rPr>
-              <a:t>In</a:t>
-            </a:r>
-            <a:r>
-              <a:rPr lang="zh-CN" altLang="en-US" sz="1550" dirty="0">
-                <a:latin typeface="Segoe UI" panose="020B0502040204020203" pitchFamily="34" charset="0"/>
-                <a:cs typeface="Segoe UI" panose="020B0502040204020203" pitchFamily="34" charset="0"/>
-              </a:rPr>
-              <a:t> </a:t>
-            </a:r>
-            <a:r>
-              <a:rPr lang="en-US" altLang="zh-CN" sz="1550" dirty="0">
-                <a:latin typeface="Segoe UI" panose="020B0502040204020203" pitchFamily="34" charset="0"/>
-                <a:cs typeface="Segoe UI" panose="020B0502040204020203" pitchFamily="34" charset="0"/>
-              </a:rPr>
-              <a:t>this</a:t>
-            </a:r>
-            <a:r>
-              <a:rPr lang="zh-CN" altLang="en-US" sz="1550" dirty="0">
-                <a:latin typeface="Segoe UI" panose="020B0502040204020203" pitchFamily="34" charset="0"/>
-                <a:cs typeface="Segoe UI" panose="020B0502040204020203" pitchFamily="34" charset="0"/>
-              </a:rPr>
-              <a:t> </a:t>
-            </a:r>
-            <a:r>
-              <a:rPr lang="en-US" altLang="zh-CN" sz="1550" dirty="0">
-                <a:latin typeface="Segoe UI" panose="020B0502040204020203" pitchFamily="34" charset="0"/>
-                <a:cs typeface="Segoe UI" panose="020B0502040204020203" pitchFamily="34" charset="0"/>
-              </a:rPr>
-              <a:t>project,</a:t>
-            </a:r>
-            <a:r>
-              <a:rPr lang="zh-CN" altLang="en-US" sz="1550" dirty="0">
-                <a:latin typeface="Segoe UI" panose="020B0502040204020203" pitchFamily="34" charset="0"/>
-                <a:cs typeface="Segoe UI" panose="020B0502040204020203" pitchFamily="34" charset="0"/>
-              </a:rPr>
-              <a:t> </a:t>
-            </a:r>
-            <a:r>
-              <a:rPr lang="en-US" altLang="zh-CN" sz="1550" dirty="0">
-                <a:latin typeface="Segoe UI" panose="020B0502040204020203" pitchFamily="34" charset="0"/>
-                <a:cs typeface="Segoe UI" panose="020B0502040204020203" pitchFamily="34" charset="0"/>
-              </a:rPr>
-              <a:t>we</a:t>
-            </a:r>
-            <a:r>
-              <a:rPr lang="zh-CN" altLang="en-US" sz="1550" dirty="0">
-                <a:latin typeface="Segoe UI" panose="020B0502040204020203" pitchFamily="34" charset="0"/>
-                <a:cs typeface="Segoe UI" panose="020B0502040204020203" pitchFamily="34" charset="0"/>
-              </a:rPr>
-              <a:t> </a:t>
-            </a:r>
-            <a:r>
-              <a:rPr lang="en-US" altLang="zh-CN" sz="1550" dirty="0">
-                <a:latin typeface="Segoe UI" panose="020B0502040204020203" pitchFamily="34" charset="0"/>
-                <a:cs typeface="Segoe UI" panose="020B0502040204020203" pitchFamily="34" charset="0"/>
-              </a:rPr>
-              <a:t>collect</a:t>
-            </a:r>
-            <a:r>
-              <a:rPr lang="zh-CN" altLang="en-US" sz="1550" dirty="0">
-                <a:latin typeface="Segoe UI" panose="020B0502040204020203" pitchFamily="34" charset="0"/>
-                <a:cs typeface="Segoe UI" panose="020B0502040204020203" pitchFamily="34" charset="0"/>
-              </a:rPr>
-              <a:t> </a:t>
-            </a:r>
-            <a:r>
-              <a:rPr lang="en-US" altLang="zh-CN" sz="1550" dirty="0">
-                <a:latin typeface="Segoe UI" panose="020B0502040204020203" pitchFamily="34" charset="0"/>
-                <a:cs typeface="Segoe UI" panose="020B0502040204020203" pitchFamily="34" charset="0"/>
-              </a:rPr>
-              <a:t>the</a:t>
-            </a:r>
-            <a:r>
-              <a:rPr lang="zh-CN" altLang="en-US" sz="1550" dirty="0">
-                <a:latin typeface="Segoe UI" panose="020B0502040204020203" pitchFamily="34" charset="0"/>
-                <a:cs typeface="Segoe UI" panose="020B0502040204020203" pitchFamily="34" charset="0"/>
-              </a:rPr>
-              <a:t> </a:t>
-            </a:r>
-            <a:r>
-              <a:rPr lang="en-US" altLang="zh-CN" sz="1550" dirty="0">
-                <a:latin typeface="Segoe UI" panose="020B0502040204020203" pitchFamily="34" charset="0"/>
-                <a:cs typeface="Segoe UI" panose="020B0502040204020203" pitchFamily="34" charset="0"/>
-              </a:rPr>
-              <a:t>luminosity</a:t>
-            </a:r>
-            <a:r>
-              <a:rPr lang="zh-CN" altLang="en-US" sz="1550" dirty="0">
-                <a:latin typeface="Segoe UI" panose="020B0502040204020203" pitchFamily="34" charset="0"/>
-                <a:cs typeface="Segoe UI" panose="020B0502040204020203" pitchFamily="34" charset="0"/>
-              </a:rPr>
-              <a:t> </a:t>
-            </a:r>
-            <a:r>
-              <a:rPr lang="en-US" altLang="zh-CN" sz="1550" dirty="0">
-                <a:latin typeface="Segoe UI" panose="020B0502040204020203" pitchFamily="34" charset="0"/>
-                <a:cs typeface="Segoe UI" panose="020B0502040204020203" pitchFamily="34" charset="0"/>
-              </a:rPr>
-              <a:t>measured</a:t>
-            </a:r>
-            <a:r>
-              <a:rPr lang="zh-CN" altLang="en-US" sz="1550" dirty="0">
-                <a:latin typeface="Segoe UI" panose="020B0502040204020203" pitchFamily="34" charset="0"/>
-                <a:cs typeface="Segoe UI" panose="020B0502040204020203" pitchFamily="34" charset="0"/>
-              </a:rPr>
-              <a:t> </a:t>
-            </a:r>
-            <a:r>
-              <a:rPr lang="en-US" altLang="zh-CN" sz="1550" dirty="0">
-                <a:latin typeface="Segoe UI" panose="020B0502040204020203" pitchFamily="34" charset="0"/>
-                <a:cs typeface="Segoe UI" panose="020B0502040204020203" pitchFamily="34" charset="0"/>
-              </a:rPr>
-              <a:t>at</a:t>
-            </a:r>
-            <a:r>
-              <a:rPr lang="zh-CN" altLang="en-US" sz="1550" dirty="0">
-                <a:latin typeface="Segoe UI" panose="020B0502040204020203" pitchFamily="34" charset="0"/>
-                <a:cs typeface="Segoe UI" panose="020B0502040204020203" pitchFamily="34" charset="0"/>
-              </a:rPr>
-              <a:t> </a:t>
-            </a:r>
-            <a:r>
-              <a:rPr lang="en-US" altLang="zh-CN" sz="1550" dirty="0">
-                <a:latin typeface="Segoe UI" panose="020B0502040204020203" pitchFamily="34" charset="0"/>
-                <a:cs typeface="Segoe UI" panose="020B0502040204020203" pitchFamily="34" charset="0"/>
-              </a:rPr>
-              <a:t>different</a:t>
-            </a:r>
-            <a:r>
-              <a:rPr lang="zh-CN" altLang="en-US" sz="1550" dirty="0">
-                <a:latin typeface="Segoe UI" panose="020B0502040204020203" pitchFamily="34" charset="0"/>
-                <a:cs typeface="Segoe UI" panose="020B0502040204020203" pitchFamily="34" charset="0"/>
-              </a:rPr>
-              <a:t> </a:t>
-            </a:r>
-            <a:r>
-              <a:rPr lang="en-US" altLang="zh-CN" sz="1550" dirty="0">
-                <a:latin typeface="Segoe UI" panose="020B0502040204020203" pitchFamily="34" charset="0"/>
-                <a:cs typeface="Segoe UI" panose="020B0502040204020203" pitchFamily="34" charset="0"/>
-              </a:rPr>
-              <a:t>wavelengths</a:t>
-            </a:r>
-            <a:r>
-              <a:rPr lang="zh-CN" altLang="en-US" sz="1550" dirty="0">
-                <a:latin typeface="Segoe UI" panose="020B0502040204020203" pitchFamily="34" charset="0"/>
-                <a:cs typeface="Segoe UI" panose="020B0502040204020203" pitchFamily="34" charset="0"/>
-              </a:rPr>
-              <a:t> </a:t>
-            </a:r>
-            <a:r>
-              <a:rPr lang="en-US" altLang="zh-CN" sz="1550" dirty="0">
-                <a:latin typeface="Segoe UI" panose="020B0502040204020203" pitchFamily="34" charset="0"/>
-                <a:cs typeface="Segoe UI" panose="020B0502040204020203" pitchFamily="34" charset="0"/>
-              </a:rPr>
-              <a:t>of</a:t>
-            </a:r>
-            <a:r>
-              <a:rPr lang="zh-CN" altLang="en-US" sz="1550" dirty="0">
-                <a:latin typeface="Segoe UI" panose="020B0502040204020203" pitchFamily="34" charset="0"/>
-                <a:cs typeface="Segoe UI" panose="020B0502040204020203" pitchFamily="34" charset="0"/>
-              </a:rPr>
-              <a:t> </a:t>
-            </a:r>
-            <a:r>
-              <a:rPr lang="en-US" altLang="zh-CN" sz="1550" dirty="0">
-                <a:latin typeface="Segoe UI" panose="020B0502040204020203" pitchFamily="34" charset="0"/>
-                <a:cs typeface="Segoe UI" panose="020B0502040204020203" pitchFamily="34" charset="0"/>
-              </a:rPr>
-              <a:t>each</a:t>
-            </a:r>
-            <a:r>
-              <a:rPr lang="zh-CN" altLang="en-US" sz="1550" dirty="0">
-                <a:latin typeface="Segoe UI" panose="020B0502040204020203" pitchFamily="34" charset="0"/>
-                <a:cs typeface="Segoe UI" panose="020B0502040204020203" pitchFamily="34" charset="0"/>
-              </a:rPr>
-              <a:t> </a:t>
-            </a:r>
-            <a:r>
-              <a:rPr lang="en-US" altLang="zh-CN" sz="1550" dirty="0">
-                <a:latin typeface="Segoe UI" panose="020B0502040204020203" pitchFamily="34" charset="0"/>
-                <a:cs typeface="Segoe UI" panose="020B0502040204020203" pitchFamily="34" charset="0"/>
-              </a:rPr>
-              <a:t>celestial</a:t>
-            </a:r>
-            <a:r>
-              <a:rPr lang="zh-CN" altLang="en-US" sz="1550" dirty="0">
-                <a:latin typeface="Segoe UI" panose="020B0502040204020203" pitchFamily="34" charset="0"/>
-                <a:cs typeface="Segoe UI" panose="020B0502040204020203" pitchFamily="34" charset="0"/>
-              </a:rPr>
-              <a:t> </a:t>
-            </a:r>
-            <a:r>
-              <a:rPr lang="en-US" altLang="zh-CN" sz="1550" dirty="0">
-                <a:latin typeface="Segoe UI" panose="020B0502040204020203" pitchFamily="34" charset="0"/>
-                <a:cs typeface="Segoe UI" panose="020B0502040204020203" pitchFamily="34" charset="0"/>
-              </a:rPr>
-              <a:t>object,</a:t>
-            </a:r>
-            <a:r>
-              <a:rPr lang="zh-CN" altLang="en-US" sz="1550" dirty="0">
-                <a:latin typeface="Segoe UI" panose="020B0502040204020203" pitchFamily="34" charset="0"/>
-                <a:cs typeface="Segoe UI" panose="020B0502040204020203" pitchFamily="34" charset="0"/>
-              </a:rPr>
-              <a:t> </a:t>
-            </a:r>
-            <a:r>
-              <a:rPr lang="en-US" altLang="zh-CN" sz="1550" dirty="0">
-                <a:latin typeface="Segoe UI" panose="020B0502040204020203" pitchFamily="34" charset="0"/>
-                <a:cs typeface="Segoe UI" panose="020B0502040204020203" pitchFamily="34" charset="0"/>
-              </a:rPr>
-              <a:t>ranging</a:t>
-            </a:r>
-            <a:r>
-              <a:rPr lang="zh-CN" altLang="en-US" sz="1550" dirty="0">
-                <a:latin typeface="Segoe UI" panose="020B0502040204020203" pitchFamily="34" charset="0"/>
-                <a:cs typeface="Segoe UI" panose="020B0502040204020203" pitchFamily="34" charset="0"/>
-              </a:rPr>
-              <a:t> </a:t>
-            </a:r>
-            <a:r>
-              <a:rPr lang="en-US" altLang="zh-CN" sz="1550" dirty="0">
-                <a:latin typeface="Segoe UI" panose="020B0502040204020203" pitchFamily="34" charset="0"/>
-                <a:cs typeface="Segoe UI" panose="020B0502040204020203" pitchFamily="34" charset="0"/>
-              </a:rPr>
-              <a:t>from</a:t>
-            </a:r>
-            <a:r>
-              <a:rPr lang="zh-CN" altLang="en-US" sz="1550" dirty="0">
-                <a:latin typeface="Segoe UI" panose="020B0502040204020203" pitchFamily="34" charset="0"/>
-                <a:cs typeface="Segoe UI" panose="020B0502040204020203" pitchFamily="34" charset="0"/>
-              </a:rPr>
-              <a:t> </a:t>
-            </a:r>
-            <a:r>
-              <a:rPr lang="en-US" altLang="zh-CN" sz="1550" dirty="0">
-                <a:latin typeface="Segoe UI" panose="020B0502040204020203" pitchFamily="34" charset="0"/>
-                <a:cs typeface="Segoe UI" panose="020B0502040204020203" pitchFamily="34" charset="0"/>
-              </a:rPr>
-              <a:t>ultraviolet</a:t>
-            </a:r>
-            <a:r>
-              <a:rPr lang="zh-CN" altLang="en-US" sz="1550" dirty="0">
-                <a:latin typeface="Segoe UI" panose="020B0502040204020203" pitchFamily="34" charset="0"/>
-                <a:cs typeface="Segoe UI" panose="020B0502040204020203" pitchFamily="34" charset="0"/>
-              </a:rPr>
-              <a:t> </a:t>
-            </a:r>
-            <a:r>
-              <a:rPr lang="en-US" altLang="zh-CN" sz="1550" dirty="0">
-                <a:latin typeface="Segoe UI" panose="020B0502040204020203" pitchFamily="34" charset="0"/>
-                <a:cs typeface="Segoe UI" panose="020B0502040204020203" pitchFamily="34" charset="0"/>
-              </a:rPr>
-              <a:t>to</a:t>
-            </a:r>
-            <a:r>
-              <a:rPr lang="zh-CN" altLang="en-US" sz="1550" dirty="0">
-                <a:latin typeface="Segoe UI" panose="020B0502040204020203" pitchFamily="34" charset="0"/>
-                <a:cs typeface="Segoe UI" panose="020B0502040204020203" pitchFamily="34" charset="0"/>
-              </a:rPr>
-              <a:t> </a:t>
-            </a:r>
-            <a:r>
-              <a:rPr lang="en-US" altLang="zh-CN" sz="1550" dirty="0">
-                <a:latin typeface="Segoe UI" panose="020B0502040204020203" pitchFamily="34" charset="0"/>
-                <a:cs typeface="Segoe UI" panose="020B0502040204020203" pitchFamily="34" charset="0"/>
-              </a:rPr>
-              <a:t>near-infrared</a:t>
-            </a:r>
-            <a:r>
-              <a:rPr lang="zh-CN" altLang="en-US" sz="1550" dirty="0">
-                <a:latin typeface="Segoe UI" panose="020B0502040204020203" pitchFamily="34" charset="0"/>
-                <a:cs typeface="Segoe UI" panose="020B0502040204020203" pitchFamily="34" charset="0"/>
-              </a:rPr>
-              <a:t> </a:t>
-            </a:r>
-            <a:r>
-              <a:rPr lang="en-US" altLang="zh-CN" sz="1550" dirty="0">
-                <a:latin typeface="Segoe UI" panose="020B0502040204020203" pitchFamily="34" charset="0"/>
-                <a:cs typeface="Segoe UI" panose="020B0502040204020203" pitchFamily="34" charset="0"/>
-              </a:rPr>
-              <a:t>and</a:t>
-            </a:r>
-            <a:r>
-              <a:rPr lang="zh-CN" altLang="en-US" sz="1550" dirty="0">
-                <a:latin typeface="Segoe UI" panose="020B0502040204020203" pitchFamily="34" charset="0"/>
-                <a:cs typeface="Segoe UI" panose="020B0502040204020203" pitchFamily="34" charset="0"/>
-              </a:rPr>
-              <a:t> </a:t>
-            </a:r>
-            <a:r>
-              <a:rPr lang="en-US" altLang="zh-CN" sz="1550" dirty="0">
-                <a:latin typeface="Segoe UI" panose="020B0502040204020203" pitchFamily="34" charset="0"/>
-                <a:cs typeface="Segoe UI" panose="020B0502040204020203" pitchFamily="34" charset="0"/>
-              </a:rPr>
-              <a:t>measure</a:t>
-            </a:r>
-            <a:r>
-              <a:rPr lang="zh-CN" altLang="en-US" sz="1550" dirty="0">
-                <a:latin typeface="Segoe UI" panose="020B0502040204020203" pitchFamily="34" charset="0"/>
-                <a:cs typeface="Segoe UI" panose="020B0502040204020203" pitchFamily="34" charset="0"/>
-              </a:rPr>
-              <a:t> </a:t>
-            </a:r>
-            <a:r>
-              <a:rPr lang="en-US" altLang="zh-CN" sz="1550" dirty="0">
-                <a:latin typeface="Segoe UI" panose="020B0502040204020203" pitchFamily="34" charset="0"/>
-                <a:cs typeface="Segoe UI" panose="020B0502040204020203" pitchFamily="34" charset="0"/>
-              </a:rPr>
-              <a:t>the</a:t>
-            </a:r>
-            <a:r>
-              <a:rPr lang="zh-CN" altLang="en-US" sz="1550" dirty="0">
-                <a:latin typeface="Segoe UI" panose="020B0502040204020203" pitchFamily="34" charset="0"/>
-                <a:cs typeface="Segoe UI" panose="020B0502040204020203" pitchFamily="34" charset="0"/>
-              </a:rPr>
-              <a:t> </a:t>
-            </a:r>
-            <a:r>
-              <a:rPr lang="en-US" altLang="zh-CN" sz="1550" dirty="0">
-                <a:latin typeface="Segoe UI" panose="020B0502040204020203" pitchFamily="34" charset="0"/>
-                <a:cs typeface="Segoe UI" panose="020B0502040204020203" pitchFamily="34" charset="0"/>
-              </a:rPr>
-              <a:t>luminosity</a:t>
-            </a:r>
-            <a:r>
-              <a:rPr lang="zh-CN" altLang="en-US" sz="1550" dirty="0">
-                <a:latin typeface="Segoe UI" panose="020B0502040204020203" pitchFamily="34" charset="0"/>
-                <a:cs typeface="Segoe UI" panose="020B0502040204020203" pitchFamily="34" charset="0"/>
-              </a:rPr>
-              <a:t> </a:t>
-            </a:r>
-            <a:r>
-              <a:rPr lang="en-US" altLang="zh-CN" sz="1550" dirty="0">
-                <a:latin typeface="Segoe UI" panose="020B0502040204020203" pitchFamily="34" charset="0"/>
-                <a:cs typeface="Segoe UI" panose="020B0502040204020203" pitchFamily="34" charset="0"/>
-              </a:rPr>
-              <a:t>difference</a:t>
-            </a:r>
-            <a:r>
-              <a:rPr lang="zh-CN" altLang="en-US" sz="1550" dirty="0">
-                <a:latin typeface="Segoe UI" panose="020B0502040204020203" pitchFamily="34" charset="0"/>
-                <a:cs typeface="Segoe UI" panose="020B0502040204020203" pitchFamily="34" charset="0"/>
-              </a:rPr>
-              <a:t> </a:t>
-            </a:r>
-            <a:r>
-              <a:rPr lang="en-US" altLang="zh-CN" sz="1550" dirty="0">
-                <a:latin typeface="Segoe UI" panose="020B0502040204020203" pitchFamily="34" charset="0"/>
-                <a:cs typeface="Segoe UI" panose="020B0502040204020203" pitchFamily="34" charset="0"/>
-              </a:rPr>
-              <a:t>amongst</a:t>
-            </a:r>
-            <a:r>
-              <a:rPr lang="zh-CN" altLang="en-US" sz="1550" dirty="0">
-                <a:latin typeface="Segoe UI" panose="020B0502040204020203" pitchFamily="34" charset="0"/>
-                <a:cs typeface="Segoe UI" panose="020B0502040204020203" pitchFamily="34" charset="0"/>
-              </a:rPr>
-              <a:t> </a:t>
-            </a:r>
-            <a:r>
-              <a:rPr lang="en-US" altLang="zh-CN" sz="1550" dirty="0">
-                <a:latin typeface="Segoe UI" panose="020B0502040204020203" pitchFamily="34" charset="0"/>
-                <a:cs typeface="Segoe UI" panose="020B0502040204020203" pitchFamily="34" charset="0"/>
-              </a:rPr>
-              <a:t>wavelengths.</a:t>
-            </a:r>
-            <a:r>
-              <a:rPr lang="zh-CN" altLang="en-US" sz="1550" dirty="0">
-                <a:latin typeface="Segoe UI" panose="020B0502040204020203" pitchFamily="34" charset="0"/>
-                <a:cs typeface="Segoe UI" panose="020B0502040204020203" pitchFamily="34" charset="0"/>
-              </a:rPr>
-              <a:t> </a:t>
-            </a:r>
-            <a:endParaRPr lang="en-US" altLang="zh-CN" sz="1550" dirty="0">
-              <a:latin typeface="Segoe UI" panose="020B0502040204020203" pitchFamily="34" charset="0"/>
-              <a:cs typeface="Segoe UI" panose="020B0502040204020203" pitchFamily="34" charset="0"/>
-            </a:endParaRPr>
-          </a:p>
-          <a:p>
-            <a:endParaRPr lang="en-US" altLang="zh-CN" sz="1550" dirty="0">
-              <a:latin typeface="Segoe UI" panose="020B0502040204020203" pitchFamily="34" charset="0"/>
-              <a:cs typeface="Segoe UI" panose="020B0502040204020203" pitchFamily="34" charset="0"/>
-            </a:endParaRPr>
-          </a:p>
-          <a:p>
-            <a:r>
-              <a:rPr lang="en-US" altLang="zh-CN" sz="1400" dirty="0">
-                <a:latin typeface="Segoe UI" panose="020B0502040204020203" pitchFamily="34" charset="0"/>
-                <a:cs typeface="Segoe UI" panose="020B0502040204020203" pitchFamily="34" charset="0"/>
-              </a:rPr>
-              <a:t>We</a:t>
-            </a:r>
-            <a:r>
-              <a:rPr lang="zh-CN" altLang="en-US" sz="1400" dirty="0">
-                <a:latin typeface="Segoe UI" panose="020B0502040204020203" pitchFamily="34" charset="0"/>
-                <a:cs typeface="Segoe UI" panose="020B0502040204020203" pitchFamily="34" charset="0"/>
-              </a:rPr>
-              <a:t> </a:t>
-            </a:r>
-            <a:r>
-              <a:rPr lang="en-US" altLang="zh-CN" sz="1400" dirty="0">
-                <a:latin typeface="Segoe UI" panose="020B0502040204020203" pitchFamily="34" charset="0"/>
-                <a:cs typeface="Segoe UI" panose="020B0502040204020203" pitchFamily="34" charset="0"/>
-              </a:rPr>
-              <a:t>use</a:t>
-            </a:r>
-            <a:r>
-              <a:rPr lang="zh-CN" altLang="en-US" sz="1400" dirty="0">
-                <a:latin typeface="Segoe UI" panose="020B0502040204020203" pitchFamily="34" charset="0"/>
-                <a:cs typeface="Segoe UI" panose="020B0502040204020203" pitchFamily="34" charset="0"/>
-              </a:rPr>
-              <a:t> </a:t>
-            </a:r>
-            <a:r>
-              <a:rPr lang="en-US" altLang="zh-CN" sz="1400" dirty="0">
-                <a:latin typeface="Segoe UI" panose="020B0502040204020203" pitchFamily="34" charset="0"/>
-                <a:cs typeface="Segoe UI" panose="020B0502040204020203" pitchFamily="34" charset="0"/>
-              </a:rPr>
-              <a:t>the</a:t>
-            </a:r>
-            <a:r>
-              <a:rPr lang="zh-CN" altLang="en-US" sz="1400" dirty="0">
-                <a:latin typeface="Segoe UI" panose="020B0502040204020203" pitchFamily="34" charset="0"/>
-                <a:cs typeface="Segoe UI" panose="020B0502040204020203" pitchFamily="34" charset="0"/>
-              </a:rPr>
-              <a:t> </a:t>
-            </a:r>
-            <a:r>
-              <a:rPr lang="en-US" altLang="zh-CN" sz="1400" dirty="0">
-                <a:latin typeface="Segoe UI" panose="020B0502040204020203" pitchFamily="34" charset="0"/>
-                <a:cs typeface="Segoe UI" panose="020B0502040204020203" pitchFamily="34" charset="0"/>
-              </a:rPr>
-              <a:t>luminosity</a:t>
-            </a:r>
-            <a:r>
-              <a:rPr lang="zh-CN" altLang="en-US" sz="1400" dirty="0">
-                <a:latin typeface="Segoe UI" panose="020B0502040204020203" pitchFamily="34" charset="0"/>
-                <a:cs typeface="Segoe UI" panose="020B0502040204020203" pitchFamily="34" charset="0"/>
-              </a:rPr>
-              <a:t> </a:t>
-            </a:r>
-            <a:r>
-              <a:rPr lang="en-US" altLang="zh-CN" sz="1400" dirty="0">
-                <a:latin typeface="Segoe UI" panose="020B0502040204020203" pitchFamily="34" charset="0"/>
-                <a:cs typeface="Segoe UI" panose="020B0502040204020203" pitchFamily="34" charset="0"/>
-              </a:rPr>
-              <a:t>difference,</a:t>
-            </a:r>
-            <a:r>
-              <a:rPr lang="zh-CN" altLang="en-US" sz="1400" dirty="0">
-                <a:latin typeface="Segoe UI" panose="020B0502040204020203" pitchFamily="34" charset="0"/>
-                <a:cs typeface="Segoe UI" panose="020B0502040204020203" pitchFamily="34" charset="0"/>
-              </a:rPr>
-              <a:t> </a:t>
-            </a:r>
-            <a:r>
-              <a:rPr lang="en-US" altLang="zh-CN" sz="1400" dirty="0">
-                <a:latin typeface="Segoe UI" panose="020B0502040204020203" pitchFamily="34" charset="0"/>
-                <a:cs typeface="Segoe UI" panose="020B0502040204020203" pitchFamily="34" charset="0"/>
-              </a:rPr>
-              <a:t>termed</a:t>
-            </a:r>
-            <a:r>
-              <a:rPr lang="zh-CN" altLang="en-US" sz="1400" dirty="0">
-                <a:latin typeface="Segoe UI" panose="020B0502040204020203" pitchFamily="34" charset="0"/>
-                <a:cs typeface="Segoe UI" panose="020B0502040204020203" pitchFamily="34" charset="0"/>
-              </a:rPr>
-              <a:t> </a:t>
-            </a:r>
-            <a:r>
-              <a:rPr lang="en-US" altLang="zh-CN" sz="1400" dirty="0">
-                <a:latin typeface="Segoe UI" panose="020B0502040204020203" pitchFamily="34" charset="0"/>
-                <a:cs typeface="Segoe UI" panose="020B0502040204020203" pitchFamily="34" charset="0"/>
-              </a:rPr>
-              <a:t>“color,”</a:t>
-            </a:r>
-            <a:r>
-              <a:rPr lang="zh-CN" altLang="en-US" sz="1400" dirty="0">
-                <a:latin typeface="Segoe UI" panose="020B0502040204020203" pitchFamily="34" charset="0"/>
-                <a:cs typeface="Segoe UI" panose="020B0502040204020203" pitchFamily="34" charset="0"/>
-              </a:rPr>
-              <a:t> </a:t>
-            </a:r>
-            <a:r>
-              <a:rPr lang="en-US" altLang="zh-CN" sz="1400" dirty="0">
-                <a:latin typeface="Segoe UI" panose="020B0502040204020203" pitchFamily="34" charset="0"/>
-                <a:cs typeface="Segoe UI" panose="020B0502040204020203" pitchFamily="34" charset="0"/>
-              </a:rPr>
-              <a:t>as</a:t>
-            </a:r>
-            <a:r>
-              <a:rPr lang="zh-CN" altLang="en-US" sz="1400" dirty="0">
-                <a:latin typeface="Segoe UI" panose="020B0502040204020203" pitchFamily="34" charset="0"/>
-                <a:cs typeface="Segoe UI" panose="020B0502040204020203" pitchFamily="34" charset="0"/>
-              </a:rPr>
-              <a:t> </a:t>
-            </a:r>
-            <a:r>
-              <a:rPr lang="en-US" altLang="zh-CN" sz="1400" dirty="0">
-                <a:latin typeface="Segoe UI" panose="020B0502040204020203" pitchFamily="34" charset="0"/>
-                <a:cs typeface="Segoe UI" panose="020B0502040204020203" pitchFamily="34" charset="0"/>
-              </a:rPr>
-              <a:t>the</a:t>
-            </a:r>
-            <a:r>
-              <a:rPr lang="zh-CN" altLang="en-US" sz="1400" dirty="0">
-                <a:latin typeface="Segoe UI" panose="020B0502040204020203" pitchFamily="34" charset="0"/>
-                <a:cs typeface="Segoe UI" panose="020B0502040204020203" pitchFamily="34" charset="0"/>
-              </a:rPr>
-              <a:t> </a:t>
-            </a:r>
-            <a:r>
-              <a:rPr lang="en-US" altLang="zh-CN" sz="1400" dirty="0">
-                <a:latin typeface="Segoe UI" panose="020B0502040204020203" pitchFamily="34" charset="0"/>
-                <a:cs typeface="Segoe UI" panose="020B0502040204020203" pitchFamily="34" charset="0"/>
-              </a:rPr>
-              <a:t>feature</a:t>
-            </a:r>
-            <a:r>
-              <a:rPr lang="zh-CN" altLang="en-US" sz="1400" dirty="0">
-                <a:latin typeface="Segoe UI" panose="020B0502040204020203" pitchFamily="34" charset="0"/>
-                <a:cs typeface="Segoe UI" panose="020B0502040204020203" pitchFamily="34" charset="0"/>
-              </a:rPr>
-              <a:t> </a:t>
-            </a:r>
-            <a:r>
-              <a:rPr lang="en-US" altLang="zh-CN" sz="1400" dirty="0">
-                <a:latin typeface="Segoe UI" panose="020B0502040204020203" pitchFamily="34" charset="0"/>
-                <a:cs typeface="Segoe UI" panose="020B0502040204020203" pitchFamily="34" charset="0"/>
-              </a:rPr>
-              <a:t>inputs</a:t>
-            </a:r>
-            <a:r>
-              <a:rPr lang="zh-CN" altLang="en-US" sz="1400" dirty="0">
-                <a:latin typeface="Segoe UI" panose="020B0502040204020203" pitchFamily="34" charset="0"/>
-                <a:cs typeface="Segoe UI" panose="020B0502040204020203" pitchFamily="34" charset="0"/>
-              </a:rPr>
-              <a:t> </a:t>
-            </a:r>
-            <a:r>
-              <a:rPr lang="en-US" altLang="zh-CN" sz="1400" dirty="0">
-                <a:latin typeface="Segoe UI" panose="020B0502040204020203" pitchFamily="34" charset="0"/>
-                <a:cs typeface="Segoe UI" panose="020B0502040204020203" pitchFamily="34" charset="0"/>
-              </a:rPr>
-              <a:t>for</a:t>
-            </a:r>
-            <a:r>
-              <a:rPr lang="zh-CN" altLang="en-US" sz="1400" dirty="0">
-                <a:latin typeface="Segoe UI" panose="020B0502040204020203" pitchFamily="34" charset="0"/>
-                <a:cs typeface="Segoe UI" panose="020B0502040204020203" pitchFamily="34" charset="0"/>
-              </a:rPr>
-              <a:t> </a:t>
-            </a:r>
-            <a:r>
-              <a:rPr lang="en-US" altLang="zh-CN" sz="1400" dirty="0">
-                <a:latin typeface="Segoe UI" panose="020B0502040204020203" pitchFamily="34" charset="0"/>
-                <a:cs typeface="Segoe UI" panose="020B0502040204020203" pitchFamily="34" charset="0"/>
-              </a:rPr>
-              <a:t>Random</a:t>
-            </a:r>
-            <a:r>
-              <a:rPr lang="zh-CN" altLang="en-US" sz="1400" dirty="0">
-                <a:latin typeface="Segoe UI" panose="020B0502040204020203" pitchFamily="34" charset="0"/>
-                <a:cs typeface="Segoe UI" panose="020B0502040204020203" pitchFamily="34" charset="0"/>
-              </a:rPr>
-              <a:t> </a:t>
-            </a:r>
-            <a:r>
-              <a:rPr lang="en-US" altLang="zh-CN" sz="1400" dirty="0">
-                <a:latin typeface="Segoe UI" panose="020B0502040204020203" pitchFamily="34" charset="0"/>
-                <a:cs typeface="Segoe UI" panose="020B0502040204020203" pitchFamily="34" charset="0"/>
-              </a:rPr>
-              <a:t>Forest</a:t>
-            </a:r>
-            <a:r>
-              <a:rPr lang="zh-CN" altLang="en-US" sz="1400" dirty="0">
-                <a:latin typeface="Segoe UI" panose="020B0502040204020203" pitchFamily="34" charset="0"/>
-                <a:cs typeface="Segoe UI" panose="020B0502040204020203" pitchFamily="34" charset="0"/>
-              </a:rPr>
-              <a:t> </a:t>
-            </a:r>
-            <a:r>
-              <a:rPr lang="en-US" altLang="zh-CN" sz="1400" dirty="0">
-                <a:latin typeface="Segoe UI" panose="020B0502040204020203" pitchFamily="34" charset="0"/>
-                <a:cs typeface="Segoe UI" panose="020B0502040204020203" pitchFamily="34" charset="0"/>
-              </a:rPr>
-              <a:t>Classifier</a:t>
-            </a:r>
-            <a:r>
-              <a:rPr lang="zh-CN" altLang="en-US" sz="1400" dirty="0">
-                <a:latin typeface="Segoe UI" panose="020B0502040204020203" pitchFamily="34" charset="0"/>
-                <a:cs typeface="Segoe UI" panose="020B0502040204020203" pitchFamily="34" charset="0"/>
-              </a:rPr>
-              <a:t> </a:t>
-            </a:r>
-            <a:r>
-              <a:rPr lang="en-US" altLang="zh-CN" sz="1400" dirty="0">
-                <a:latin typeface="Segoe UI" panose="020B0502040204020203" pitchFamily="34" charset="0"/>
-                <a:cs typeface="Segoe UI" panose="020B0502040204020203" pitchFamily="34" charset="0"/>
-              </a:rPr>
-              <a:t>model</a:t>
-            </a:r>
-            <a:r>
-              <a:rPr lang="zh-CN" altLang="en-US" sz="1400" dirty="0">
-                <a:latin typeface="Segoe UI" panose="020B0502040204020203" pitchFamily="34" charset="0"/>
-                <a:cs typeface="Segoe UI" panose="020B0502040204020203" pitchFamily="34" charset="0"/>
-              </a:rPr>
-              <a:t> </a:t>
-            </a:r>
-            <a:r>
-              <a:rPr lang="en-US" altLang="zh-CN" sz="1400" dirty="0">
-                <a:latin typeface="Segoe UI" panose="020B0502040204020203" pitchFamily="34" charset="0"/>
-                <a:cs typeface="Segoe UI" panose="020B0502040204020203" pitchFamily="34" charset="0"/>
-              </a:rPr>
-              <a:t>to</a:t>
-            </a:r>
-            <a:r>
-              <a:rPr lang="zh-CN" altLang="en-US" sz="1400" dirty="0">
-                <a:latin typeface="Segoe UI" panose="020B0502040204020203" pitchFamily="34" charset="0"/>
-                <a:cs typeface="Segoe UI" panose="020B0502040204020203" pitchFamily="34" charset="0"/>
-              </a:rPr>
-              <a:t> </a:t>
-            </a:r>
-            <a:r>
-              <a:rPr lang="en-US" altLang="zh-CN" sz="1400" dirty="0">
-                <a:latin typeface="Segoe UI" panose="020B0502040204020203" pitchFamily="34" charset="0"/>
-                <a:cs typeface="Segoe UI" panose="020B0502040204020203" pitchFamily="34" charset="0"/>
-              </a:rPr>
-              <a:t>classify</a:t>
-            </a:r>
-            <a:r>
-              <a:rPr lang="zh-CN" altLang="en-US" sz="1400" dirty="0">
-                <a:latin typeface="Segoe UI" panose="020B0502040204020203" pitchFamily="34" charset="0"/>
-                <a:cs typeface="Segoe UI" panose="020B0502040204020203" pitchFamily="34" charset="0"/>
-              </a:rPr>
-              <a:t> </a:t>
-            </a:r>
-            <a:r>
-              <a:rPr lang="en-US" altLang="zh-CN" sz="1400" dirty="0">
-                <a:latin typeface="Segoe UI" panose="020B0502040204020203" pitchFamily="34" charset="0"/>
-                <a:cs typeface="Segoe UI" panose="020B0502040204020203" pitchFamily="34" charset="0"/>
-              </a:rPr>
-              <a:t>quasars</a:t>
-            </a:r>
-            <a:r>
-              <a:rPr lang="zh-CN" altLang="en-US" sz="1400" dirty="0">
-                <a:latin typeface="Segoe UI" panose="020B0502040204020203" pitchFamily="34" charset="0"/>
-                <a:cs typeface="Segoe UI" panose="020B0502040204020203" pitchFamily="34" charset="0"/>
-              </a:rPr>
-              <a:t> </a:t>
-            </a:r>
-            <a:r>
-              <a:rPr lang="en-US" altLang="zh-CN" sz="1400" dirty="0">
-                <a:latin typeface="Segoe UI" panose="020B0502040204020203" pitchFamily="34" charset="0"/>
-                <a:cs typeface="Segoe UI" panose="020B0502040204020203" pitchFamily="34" charset="0"/>
-              </a:rPr>
-              <a:t>and</a:t>
-            </a:r>
-            <a:r>
-              <a:rPr lang="zh-CN" altLang="en-US" sz="1400" dirty="0">
-                <a:latin typeface="Segoe UI" panose="020B0502040204020203" pitchFamily="34" charset="0"/>
-                <a:cs typeface="Segoe UI" panose="020B0502040204020203" pitchFamily="34" charset="0"/>
-              </a:rPr>
-              <a:t> </a:t>
-            </a:r>
-            <a:r>
-              <a:rPr lang="en-US" altLang="zh-CN" sz="1400" dirty="0">
-                <a:latin typeface="Segoe UI" panose="020B0502040204020203" pitchFamily="34" charset="0"/>
-                <a:cs typeface="Segoe UI" panose="020B0502040204020203" pitchFamily="34" charset="0"/>
-              </a:rPr>
-              <a:t>non-quasars</a:t>
-            </a:r>
-            <a:r>
-              <a:rPr lang="zh-CN" altLang="en-US" sz="1400" dirty="0">
-                <a:latin typeface="Segoe UI" panose="020B0502040204020203" pitchFamily="34" charset="0"/>
-                <a:cs typeface="Segoe UI" panose="020B0502040204020203" pitchFamily="34" charset="0"/>
-              </a:rPr>
-              <a:t> </a:t>
-            </a:r>
-            <a:r>
-              <a:rPr lang="en-US" altLang="zh-CN" sz="1400" dirty="0">
-                <a:latin typeface="Segoe UI" panose="020B0502040204020203" pitchFamily="34" charset="0"/>
-                <a:cs typeface="Segoe UI" panose="020B0502040204020203" pitchFamily="34" charset="0"/>
-              </a:rPr>
-              <a:t>objects.</a:t>
-            </a:r>
-            <a:r>
-              <a:rPr lang="zh-CN" altLang="en-US" sz="1400" dirty="0">
-                <a:latin typeface="Segoe UI" panose="020B0502040204020203" pitchFamily="34" charset="0"/>
-                <a:cs typeface="Segoe UI" panose="020B0502040204020203" pitchFamily="34" charset="0"/>
-              </a:rPr>
-              <a:t> </a:t>
-            </a:r>
-            <a:endParaRPr lang="en-US" altLang="zh-CN" sz="1400" dirty="0">
-              <a:latin typeface="Segoe UI" panose="020B0502040204020203" pitchFamily="34" charset="0"/>
-              <a:cs typeface="Segoe UI" panose="020B0502040204020203" pitchFamily="34" charset="0"/>
-            </a:endParaRPr>
-          </a:p>
-          <a:p>
-            <a:endParaRPr lang="en-US" altLang="zh-CN" sz="1400" dirty="0">
-              <a:latin typeface="Segoe UI" panose="020B0502040204020203" pitchFamily="34" charset="0"/>
-              <a:cs typeface="Segoe UI" panose="020B0502040204020203" pitchFamily="34" charset="0"/>
-            </a:endParaRPr>
-          </a:p>
-          <a:p>
-            <a:r>
-              <a:rPr lang="en-US" altLang="zh-CN" sz="1400" dirty="0">
-                <a:latin typeface="Segoe UI" panose="020B0502040204020203" pitchFamily="34" charset="0"/>
-                <a:cs typeface="Segoe UI" panose="020B0502040204020203" pitchFamily="34" charset="0"/>
-              </a:rPr>
-              <a:t>The</a:t>
-            </a:r>
-            <a:r>
-              <a:rPr lang="zh-CN" altLang="en-US" sz="1400" dirty="0">
-                <a:latin typeface="Segoe UI" panose="020B0502040204020203" pitchFamily="34" charset="0"/>
-                <a:cs typeface="Segoe UI" panose="020B0502040204020203" pitchFamily="34" charset="0"/>
-              </a:rPr>
-              <a:t> </a:t>
-            </a:r>
-            <a:r>
-              <a:rPr lang="en-US" altLang="zh-CN" sz="1400" dirty="0">
-                <a:latin typeface="Segoe UI" panose="020B0502040204020203" pitchFamily="34" charset="0"/>
-                <a:cs typeface="Segoe UI" panose="020B0502040204020203" pitchFamily="34" charset="0"/>
-              </a:rPr>
-              <a:t>model</a:t>
-            </a:r>
-            <a:r>
-              <a:rPr lang="zh-CN" altLang="en-US" sz="1400" dirty="0">
-                <a:latin typeface="Segoe UI" panose="020B0502040204020203" pitchFamily="34" charset="0"/>
-                <a:cs typeface="Segoe UI" panose="020B0502040204020203" pitchFamily="34" charset="0"/>
-              </a:rPr>
-              <a:t> </a:t>
-            </a:r>
-            <a:r>
-              <a:rPr lang="en-US" altLang="zh-CN" sz="1400" dirty="0">
-                <a:latin typeface="Segoe UI" panose="020B0502040204020203" pitchFamily="34" charset="0"/>
-                <a:cs typeface="Segoe UI" panose="020B0502040204020203" pitchFamily="34" charset="0"/>
-              </a:rPr>
-              <a:t>is</a:t>
-            </a:r>
-            <a:r>
-              <a:rPr lang="zh-CN" altLang="en-US" sz="1400" dirty="0">
-                <a:latin typeface="Segoe UI" panose="020B0502040204020203" pitchFamily="34" charset="0"/>
-                <a:cs typeface="Segoe UI" panose="020B0502040204020203" pitchFamily="34" charset="0"/>
-              </a:rPr>
-              <a:t> </a:t>
-            </a:r>
-            <a:r>
-              <a:rPr lang="en-US" altLang="zh-CN" sz="1400" dirty="0">
-                <a:latin typeface="Segoe UI" panose="020B0502040204020203" pitchFamily="34" charset="0"/>
-                <a:cs typeface="Segoe UI" panose="020B0502040204020203" pitchFamily="34" charset="0"/>
-              </a:rPr>
-              <a:t>currently</a:t>
-            </a:r>
-            <a:r>
-              <a:rPr lang="zh-CN" altLang="en-US" sz="1400" dirty="0">
-                <a:latin typeface="Segoe UI" panose="020B0502040204020203" pitchFamily="34" charset="0"/>
-                <a:cs typeface="Segoe UI" panose="020B0502040204020203" pitchFamily="34" charset="0"/>
-              </a:rPr>
-              <a:t> </a:t>
-            </a:r>
-            <a:r>
-              <a:rPr lang="en-US" altLang="zh-CN" sz="1400" dirty="0">
-                <a:latin typeface="Segoe UI" panose="020B0502040204020203" pitchFamily="34" charset="0"/>
-                <a:cs typeface="Segoe UI" panose="020B0502040204020203" pitchFamily="34" charset="0"/>
-              </a:rPr>
-              <a:t>trained</a:t>
-            </a:r>
-            <a:r>
-              <a:rPr lang="zh-CN" altLang="en-US" sz="1400" dirty="0">
-                <a:latin typeface="Segoe UI" panose="020B0502040204020203" pitchFamily="34" charset="0"/>
-                <a:cs typeface="Segoe UI" panose="020B0502040204020203" pitchFamily="34" charset="0"/>
-              </a:rPr>
-              <a:t> </a:t>
-            </a:r>
-            <a:r>
-              <a:rPr lang="en-US" altLang="zh-CN" sz="1400" dirty="0">
-                <a:latin typeface="Segoe UI" panose="020B0502040204020203" pitchFamily="34" charset="0"/>
-                <a:cs typeface="Segoe UI" panose="020B0502040204020203" pitchFamily="34" charset="0"/>
-              </a:rPr>
-              <a:t>on</a:t>
-            </a:r>
-            <a:r>
-              <a:rPr lang="zh-CN" altLang="en-US" sz="1400" dirty="0">
-                <a:latin typeface="Segoe UI" panose="020B0502040204020203" pitchFamily="34" charset="0"/>
-                <a:cs typeface="Segoe UI" panose="020B0502040204020203" pitchFamily="34" charset="0"/>
-              </a:rPr>
-              <a:t> </a:t>
-            </a:r>
-            <a:r>
-              <a:rPr lang="en-US" altLang="zh-CN" sz="1400" dirty="0">
-                <a:latin typeface="Segoe UI" panose="020B0502040204020203" pitchFamily="34" charset="0"/>
-                <a:cs typeface="Segoe UI" panose="020B0502040204020203" pitchFamily="34" charset="0"/>
-              </a:rPr>
-              <a:t>194</a:t>
-            </a:r>
-            <a:r>
-              <a:rPr lang="zh-CN" altLang="en-US" sz="1400" dirty="0">
-                <a:latin typeface="Segoe UI" panose="020B0502040204020203" pitchFamily="34" charset="0"/>
-                <a:cs typeface="Segoe UI" panose="020B0502040204020203" pitchFamily="34" charset="0"/>
-              </a:rPr>
-              <a:t> </a:t>
-            </a:r>
-            <a:r>
-              <a:rPr lang="en-US" altLang="zh-CN" sz="1400" dirty="0">
-                <a:latin typeface="Segoe UI" panose="020B0502040204020203" pitchFamily="34" charset="0"/>
-                <a:cs typeface="Segoe UI" panose="020B0502040204020203" pitchFamily="34" charset="0"/>
-              </a:rPr>
-              <a:t>labelled</a:t>
-            </a:r>
-            <a:r>
-              <a:rPr lang="zh-CN" altLang="en-US" sz="1400" dirty="0">
-                <a:latin typeface="Segoe UI" panose="020B0502040204020203" pitchFamily="34" charset="0"/>
-                <a:cs typeface="Segoe UI" panose="020B0502040204020203" pitchFamily="34" charset="0"/>
-              </a:rPr>
-              <a:t> </a:t>
-            </a:r>
-            <a:r>
-              <a:rPr lang="en-US" altLang="zh-CN" sz="1400" dirty="0">
-                <a:latin typeface="Segoe UI" panose="020B0502040204020203" pitchFamily="34" charset="0"/>
-                <a:cs typeface="Segoe UI" panose="020B0502040204020203" pitchFamily="34" charset="0"/>
-              </a:rPr>
-              <a:t>data</a:t>
-            </a:r>
-            <a:r>
-              <a:rPr lang="zh-CN" altLang="en-US" sz="1400" dirty="0">
-                <a:latin typeface="Segoe UI" panose="020B0502040204020203" pitchFamily="34" charset="0"/>
-                <a:cs typeface="Segoe UI" panose="020B0502040204020203" pitchFamily="34" charset="0"/>
-              </a:rPr>
-              <a:t> </a:t>
-            </a:r>
-            <a:r>
-              <a:rPr lang="en-US" altLang="zh-CN" sz="1400" dirty="0">
-                <a:latin typeface="Segoe UI" panose="020B0502040204020203" pitchFamily="34" charset="0"/>
-                <a:cs typeface="Segoe UI" panose="020B0502040204020203" pitchFamily="34" charset="0"/>
-              </a:rPr>
-              <a:t>points,</a:t>
-            </a:r>
-            <a:r>
-              <a:rPr lang="zh-CN" altLang="en-US" sz="1400" dirty="0">
-                <a:latin typeface="Segoe UI" panose="020B0502040204020203" pitchFamily="34" charset="0"/>
-                <a:cs typeface="Segoe UI" panose="020B0502040204020203" pitchFamily="34" charset="0"/>
-              </a:rPr>
-              <a:t> </a:t>
-            </a:r>
-            <a:r>
-              <a:rPr lang="en-US" altLang="zh-CN" sz="1400" dirty="0">
-                <a:latin typeface="Segoe UI" panose="020B0502040204020203" pitchFamily="34" charset="0"/>
-                <a:cs typeface="Segoe UI" panose="020B0502040204020203" pitchFamily="34" charset="0"/>
-              </a:rPr>
-              <a:t>consisted</a:t>
-            </a:r>
-            <a:r>
-              <a:rPr lang="zh-CN" altLang="en-US" sz="1400" dirty="0">
-                <a:latin typeface="Segoe UI" panose="020B0502040204020203" pitchFamily="34" charset="0"/>
-                <a:cs typeface="Segoe UI" panose="020B0502040204020203" pitchFamily="34" charset="0"/>
-              </a:rPr>
-              <a:t> </a:t>
-            </a:r>
-            <a:r>
-              <a:rPr lang="en-US" altLang="zh-CN" sz="1400" dirty="0">
-                <a:latin typeface="Segoe UI" panose="020B0502040204020203" pitchFamily="34" charset="0"/>
-                <a:cs typeface="Segoe UI" panose="020B0502040204020203" pitchFamily="34" charset="0"/>
-              </a:rPr>
-              <a:t>of</a:t>
-            </a:r>
-            <a:r>
-              <a:rPr lang="zh-CN" altLang="en-US" sz="1400" dirty="0">
-                <a:latin typeface="Segoe UI" panose="020B0502040204020203" pitchFamily="34" charset="0"/>
-                <a:cs typeface="Segoe UI" panose="020B0502040204020203" pitchFamily="34" charset="0"/>
-              </a:rPr>
-              <a:t> </a:t>
-            </a:r>
-            <a:r>
-              <a:rPr lang="en-US" altLang="zh-CN" sz="1400" dirty="0">
-                <a:latin typeface="Segoe UI" panose="020B0502040204020203" pitchFamily="34" charset="0"/>
-                <a:cs typeface="Segoe UI" panose="020B0502040204020203" pitchFamily="34" charset="0"/>
-              </a:rPr>
-              <a:t>each</a:t>
-            </a:r>
-            <a:r>
-              <a:rPr lang="zh-CN" altLang="en-US" sz="1400" dirty="0">
-                <a:latin typeface="Segoe UI" panose="020B0502040204020203" pitchFamily="34" charset="0"/>
-                <a:cs typeface="Segoe UI" panose="020B0502040204020203" pitchFamily="34" charset="0"/>
-              </a:rPr>
-              <a:t> </a:t>
-            </a:r>
-            <a:r>
-              <a:rPr lang="en-US" altLang="zh-CN" sz="1400" dirty="0">
-                <a:latin typeface="Segoe UI" panose="020B0502040204020203" pitchFamily="34" charset="0"/>
-                <a:cs typeface="Segoe UI" panose="020B0502040204020203" pitchFamily="34" charset="0"/>
-              </a:rPr>
-              <a:t>object’s</a:t>
-            </a:r>
-            <a:r>
-              <a:rPr lang="zh-CN" altLang="en-US" sz="1400" dirty="0">
-                <a:latin typeface="Segoe UI" panose="020B0502040204020203" pitchFamily="34" charset="0"/>
-                <a:cs typeface="Segoe UI" panose="020B0502040204020203" pitchFamily="34" charset="0"/>
-              </a:rPr>
-              <a:t> </a:t>
-            </a:r>
-            <a:r>
-              <a:rPr lang="en-US" altLang="zh-CN" sz="1400" dirty="0">
-                <a:latin typeface="Segoe UI" panose="020B0502040204020203" pitchFamily="34" charset="0"/>
-                <a:cs typeface="Segoe UI" panose="020B0502040204020203" pitchFamily="34" charset="0"/>
-              </a:rPr>
-              <a:t>color</a:t>
-            </a:r>
-            <a:r>
-              <a:rPr lang="zh-CN" altLang="en-US" sz="1400" dirty="0">
-                <a:latin typeface="Segoe UI" panose="020B0502040204020203" pitchFamily="34" charset="0"/>
-                <a:cs typeface="Segoe UI" panose="020B0502040204020203" pitchFamily="34" charset="0"/>
-              </a:rPr>
-              <a:t> </a:t>
-            </a:r>
-            <a:r>
-              <a:rPr lang="en-US" altLang="zh-CN" sz="1400" dirty="0">
-                <a:latin typeface="Segoe UI" panose="020B0502040204020203" pitchFamily="34" charset="0"/>
-                <a:cs typeface="Segoe UI" panose="020B0502040204020203" pitchFamily="34" charset="0"/>
-              </a:rPr>
-              <a:t>features</a:t>
-            </a:r>
-            <a:r>
-              <a:rPr lang="zh-CN" altLang="en-US" sz="1400" dirty="0">
-                <a:latin typeface="Segoe UI" panose="020B0502040204020203" pitchFamily="34" charset="0"/>
-                <a:cs typeface="Segoe UI" panose="020B0502040204020203" pitchFamily="34" charset="0"/>
-              </a:rPr>
-              <a:t> </a:t>
-            </a:r>
-            <a:r>
-              <a:rPr lang="en-US" altLang="zh-CN" sz="1400" dirty="0">
-                <a:latin typeface="Segoe UI" panose="020B0502040204020203" pitchFamily="34" charset="0"/>
-                <a:cs typeface="Segoe UI" panose="020B0502040204020203" pitchFamily="34" charset="0"/>
-              </a:rPr>
-              <a:t>and</a:t>
-            </a:r>
-            <a:r>
-              <a:rPr lang="zh-CN" altLang="en-US" sz="1400" dirty="0">
-                <a:latin typeface="Segoe UI" panose="020B0502040204020203" pitchFamily="34" charset="0"/>
-                <a:cs typeface="Segoe UI" panose="020B0502040204020203" pitchFamily="34" charset="0"/>
-              </a:rPr>
-              <a:t> </a:t>
-            </a:r>
-            <a:r>
-              <a:rPr lang="en-US" altLang="zh-CN" sz="1400" dirty="0">
-                <a:latin typeface="Segoe UI" panose="020B0502040204020203" pitchFamily="34" charset="0"/>
-                <a:cs typeface="Segoe UI" panose="020B0502040204020203" pitchFamily="34" charset="0"/>
-              </a:rPr>
-              <a:t>their</a:t>
-            </a:r>
-            <a:r>
-              <a:rPr lang="zh-CN" altLang="en-US" sz="1400" dirty="0">
-                <a:latin typeface="Segoe UI" panose="020B0502040204020203" pitchFamily="34" charset="0"/>
-                <a:cs typeface="Segoe UI" panose="020B0502040204020203" pitchFamily="34" charset="0"/>
-              </a:rPr>
-              <a:t> </a:t>
-            </a:r>
-            <a:r>
-              <a:rPr lang="en-US" altLang="zh-CN" sz="1400" dirty="0">
-                <a:latin typeface="Segoe UI" panose="020B0502040204020203" pitchFamily="34" charset="0"/>
-                <a:cs typeface="Segoe UI" panose="020B0502040204020203" pitchFamily="34" charset="0"/>
-              </a:rPr>
-              <a:t>Petrosian</a:t>
-            </a:r>
-            <a:r>
-              <a:rPr lang="zh-CN" altLang="en-US" sz="1400" dirty="0">
-                <a:latin typeface="Segoe UI" panose="020B0502040204020203" pitchFamily="34" charset="0"/>
-                <a:cs typeface="Segoe UI" panose="020B0502040204020203" pitchFamily="34" charset="0"/>
-              </a:rPr>
-              <a:t> </a:t>
-            </a:r>
-            <a:r>
-              <a:rPr lang="en-US" altLang="zh-CN" sz="1400" dirty="0">
-                <a:latin typeface="Segoe UI" panose="020B0502040204020203" pitchFamily="34" charset="0"/>
-                <a:cs typeface="Segoe UI" panose="020B0502040204020203" pitchFamily="34" charset="0"/>
-              </a:rPr>
-              <a:t>radius.</a:t>
-            </a:r>
-          </a:p>
-          <a:p>
-            <a:endParaRPr lang="en-US" altLang="zh-CN" sz="1400" dirty="0">
-              <a:latin typeface="Segoe UI" panose="020B0502040204020203" pitchFamily="34" charset="0"/>
-              <a:cs typeface="Segoe UI" panose="020B0502040204020203" pitchFamily="34" charset="0"/>
-            </a:endParaRPr>
-          </a:p>
-          <a:p>
-            <a:endParaRPr lang="en-US" altLang="zh-CN" sz="1550" dirty="0">
-              <a:latin typeface="Segoe UI" panose="020B0502040204020203" pitchFamily="34" charset="0"/>
-              <a:cs typeface="Segoe UI" panose="020B0502040204020203" pitchFamily="34" charset="0"/>
-            </a:endParaRPr>
-          </a:p>
-          <a:p>
-            <a:endParaRPr lang="en-US" dirty="0"/>
+              <a:rPr lang="en-US" sz="1000" dirty="0"/>
+              <a:t>Root Node</a:t>
+            </a:r>
           </a:p>
         </p:txBody>
       </p:sp>
